--- a/reports/TeamLab-presentation.pptx
+++ b/reports/TeamLab-presentation.pptx
@@ -5,12 +5,18 @@
     <p:sldMasterId id="2147483660" r:id="rId1"/>
   </p:sldMasterIdLst>
   <p:notesMasterIdLst>
-    <p:notesMasterId r:id="rId5"/>
+    <p:notesMasterId r:id="rId11"/>
   </p:notesMasterIdLst>
   <p:sldIdLst>
     <p:sldId id="337" r:id="rId2"/>
     <p:sldId id="343" r:id="rId3"/>
-    <p:sldId id="341" r:id="rId4"/>
+    <p:sldId id="344" r:id="rId4"/>
+    <p:sldId id="345" r:id="rId5"/>
+    <p:sldId id="346" r:id="rId6"/>
+    <p:sldId id="347" r:id="rId7"/>
+    <p:sldId id="348" r:id="rId8"/>
+    <p:sldId id="349" r:id="rId9"/>
+    <p:sldId id="341" r:id="rId10"/>
   </p:sldIdLst>
   <p:sldSz cx="12192000" cy="6858000"/>
   <p:notesSz cx="6858000" cy="9144000"/>
@@ -116,6 +122,12 @@
           <p14:sldIdLst>
             <p14:sldId id="337"/>
             <p14:sldId id="343"/>
+            <p14:sldId id="344"/>
+            <p14:sldId id="345"/>
+            <p14:sldId id="346"/>
+            <p14:sldId id="347"/>
+            <p14:sldId id="348"/>
+            <p14:sldId id="349"/>
             <p14:sldId id="341"/>
           </p14:sldIdLst>
         </p14:section>
@@ -210,7 +222,7 @@
           <a:p>
             <a:fld id="{322CBE9C-AAEB-46BF-9047-18B3831519BE}" type="datetimeFigureOut">
               <a:rPr lang="de-DE" smtClean="0"/>
-              <a:t>30.05.2021</a:t>
+              <a:t>31.05.2021</a:t>
             </a:fld>
             <a:endParaRPr lang="de-DE"/>
           </a:p>
@@ -542,7 +554,7 @@
           <a:p>
             <a:fld id="{5D32D79F-5F1C-4022-A95E-5F41D14F0F12}" type="slidenum">
               <a:rPr lang="de-DE" smtClean="0"/>
-              <a:t>3</a:t>
+              <a:t>9</a:t>
             </a:fld>
             <a:endParaRPr lang="de-DE"/>
           </a:p>
@@ -18924,19 +18936,7 @@
             </a:r>
             <a:r>
               <a:rPr lang="de-DE" dirty="0"/>
-              <a:t> </a:t>
-            </a:r>
-            <a:r>
-              <a:rPr lang="de-DE" dirty="0" err="1"/>
-              <a:t>classification</a:t>
-            </a:r>
-            <a:r>
-              <a:rPr lang="de-DE" dirty="0"/>
-              <a:t> in </a:t>
-            </a:r>
-            <a:r>
-              <a:rPr lang="de-DE" dirty="0" err="1"/>
-              <a:t>poetry</a:t>
+              <a:t> Classification in Poetry</a:t>
             </a:r>
             <a:endParaRPr lang="en-GB" dirty="0"/>
           </a:p>
@@ -19075,22 +19075,10 @@
           <a:lstStyle/>
           <a:p>
             <a:r>
-              <a:rPr lang="de-DE" b="0" dirty="0" err="1">
-                <a:latin typeface="+mn-lt"/>
-              </a:rPr>
-              <a:t>our</a:t>
-            </a:r>
-            <a:r>
               <a:rPr lang="de-DE" b="0" dirty="0">
                 <a:latin typeface="+mn-lt"/>
               </a:rPr>
-              <a:t> </a:t>
-            </a:r>
-            <a:r>
-              <a:rPr lang="de-DE" b="0" dirty="0" err="1">
-                <a:latin typeface="+mn-lt"/>
-              </a:rPr>
-              <a:t>task</a:t>
+              <a:t>Outline</a:t>
             </a:r>
             <a:endParaRPr lang="en-GB" dirty="0"/>
           </a:p>
@@ -19137,26 +19125,27 @@
             <p:ph idx="1"/>
           </p:nvPr>
         </p:nvSpPr>
-        <p:spPr/>
+        <p:spPr>
+          <a:xfrm>
+            <a:off x="624422" y="1473600"/>
+            <a:ext cx="10991849" cy="4812245"/>
+          </a:xfrm>
+        </p:spPr>
         <p:txBody>
           <a:bodyPr/>
           <a:lstStyle/>
           <a:p>
-            <a:pPr>
+            <a:pPr marL="457200" indent="-457200">
               <a:buClr>
                 <a:schemeClr val="accent2"/>
               </a:buClr>
               <a:buSzPct val="100000"/>
-              <a:buFont typeface="Webdings" panose="05030102010509060703" pitchFamily="18" charset="2"/>
-              <a:buChar char=""/>
+              <a:buFont typeface="+mj-lt"/>
+              <a:buAutoNum type="arabicPeriod"/>
             </a:pPr>
             <a:r>
-              <a:rPr lang="de-DE" dirty="0" err="1"/>
-              <a:t>task</a:t>
-            </a:r>
-            <a:r>
               <a:rPr lang="de-DE" dirty="0"/>
-              <a:t> </a:t>
+              <a:t>Task </a:t>
             </a:r>
             <a:r>
               <a:rPr lang="de-DE" dirty="0" err="1"/>
@@ -19165,69 +19154,80 @@
             <a:endParaRPr lang="de-DE" dirty="0"/>
           </a:p>
           <a:p>
-            <a:pPr>
+            <a:pPr marL="709076" lvl="1" indent="-457200">
               <a:buClr>
                 <a:schemeClr val="accent2"/>
               </a:buClr>
               <a:buSzPct val="100000"/>
-              <a:buFont typeface="Webdings" panose="05030102010509060703" pitchFamily="18" charset="2"/>
-              <a:buChar char=""/>
             </a:pPr>
             <a:r>
               <a:rPr lang="en-GB" dirty="0"/>
-              <a:t>data and </a:t>
-            </a:r>
-            <a:r>
-              <a:rPr lang="en-GB" dirty="0" err="1"/>
-              <a:t>preprocessing</a:t>
-            </a:r>
-            <a:endParaRPr lang="en-GB" dirty="0"/>
-          </a:p>
-          <a:p>
-            <a:pPr>
+              <a:t>Goal</a:t>
+            </a:r>
+          </a:p>
+          <a:p>
+            <a:pPr marL="709076" lvl="1" indent="-457200">
               <a:buClr>
                 <a:schemeClr val="accent2"/>
               </a:buClr>
               <a:buSzPct val="100000"/>
-              <a:buFont typeface="Webdings" panose="05030102010509060703" pitchFamily="18" charset="2"/>
-              <a:buChar char=""/>
             </a:pPr>
             <a:r>
               <a:rPr lang="en-GB" dirty="0"/>
-              <a:t>baseline model</a:t>
-            </a:r>
-          </a:p>
-          <a:p>
-            <a:pPr>
+              <a:t>Data and </a:t>
+            </a:r>
+            <a:r>
+              <a:rPr lang="en-GB" dirty="0" err="1"/>
+              <a:t>preprocessing</a:t>
+            </a:r>
+            <a:endParaRPr lang="en-GB" dirty="0"/>
+          </a:p>
+          <a:p>
+            <a:pPr marL="457200" indent="-457200">
               <a:buClr>
                 <a:schemeClr val="accent2"/>
               </a:buClr>
               <a:buSzPct val="100000"/>
-              <a:buFont typeface="Webdings" panose="05030102010509060703" pitchFamily="18" charset="2"/>
-              <a:buChar char=""/>
+              <a:buFont typeface="+mj-lt"/>
+              <a:buAutoNum type="arabicPeriod"/>
             </a:pPr>
             <a:r>
               <a:rPr lang="en-GB" dirty="0"/>
-              <a:t>first evaluation</a:t>
-            </a:r>
-          </a:p>
-          <a:p>
-            <a:pPr>
+              <a:t>Baseline model (Approach/Method/Architecture?)</a:t>
+            </a:r>
+          </a:p>
+          <a:p>
+            <a:pPr marL="457200" indent="-457200">
               <a:buClr>
                 <a:schemeClr val="accent2"/>
               </a:buClr>
               <a:buSzPct val="100000"/>
-              <a:buFont typeface="Webdings" panose="05030102010509060703" pitchFamily="18" charset="2"/>
-              <a:buChar char=""/>
+              <a:buFont typeface="+mj-lt"/>
+              <a:buAutoNum type="arabicPeriod"/>
             </a:pPr>
             <a:r>
               <a:rPr lang="en-GB" dirty="0"/>
-              <a:t>outlook: advanced method</a:t>
-            </a:r>
-          </a:p>
-          <a:p>
-            <a:pPr marL="0" indent="0">
-              <a:buNone/>
+              <a:t>Results</a:t>
+            </a:r>
+          </a:p>
+          <a:p>
+            <a:pPr marL="457200" indent="-457200">
+              <a:buClr>
+                <a:schemeClr val="accent2"/>
+              </a:buClr>
+              <a:buSzPct val="100000"/>
+              <a:buFont typeface="+mj-lt"/>
+              <a:buAutoNum type="arabicPeriod"/>
+            </a:pPr>
+            <a:r>
+              <a:rPr lang="en-GB" dirty="0"/>
+              <a:t>Next steps: advanced method</a:t>
+            </a:r>
+          </a:p>
+          <a:p>
+            <a:pPr marL="457200" indent="-457200">
+              <a:buFont typeface="+mj-lt"/>
+              <a:buAutoNum type="arabicPeriod"/>
             </a:pPr>
             <a:endParaRPr lang="en-GB" dirty="0"/>
           </a:p>
@@ -19306,6 +19306,2758 @@
 </file>
 
 <file path=ppt/slides/slide3.xml><?xml version="1.0" encoding="utf-8"?>
+<p:sld xmlns:a="http://schemas.openxmlformats.org/drawingml/2006/main" xmlns:r="http://schemas.openxmlformats.org/officeDocument/2006/relationships" xmlns:p="http://schemas.openxmlformats.org/presentationml/2006/main">
+  <p:cSld>
+    <p:spTree>
+      <p:nvGrpSpPr>
+        <p:cNvPr id="1" name=""/>
+        <p:cNvGrpSpPr/>
+        <p:nvPr/>
+      </p:nvGrpSpPr>
+      <p:grpSpPr>
+        <a:xfrm>
+          <a:off x="0" y="0"/>
+          <a:ext cx="0" cy="0"/>
+          <a:chOff x="0" y="0"/>
+          <a:chExt cx="0" cy="0"/>
+        </a:xfrm>
+      </p:grpSpPr>
+      <p:sp>
+        <p:nvSpPr>
+          <p:cNvPr id="2" name="Titel 1">
+            <a:extLst>
+              <a:ext uri="{FF2B5EF4-FFF2-40B4-BE49-F238E27FC236}">
+                <a16:creationId xmlns:a16="http://schemas.microsoft.com/office/drawing/2014/main" id="{81949E24-7A9D-47B2-A263-C1CC5FE8BB85}"/>
+              </a:ext>
+            </a:extLst>
+          </p:cNvPr>
+          <p:cNvSpPr>
+            <a:spLocks noGrp="1"/>
+          </p:cNvSpPr>
+          <p:nvPr>
+            <p:ph type="title"/>
+          </p:nvPr>
+        </p:nvSpPr>
+        <p:spPr/>
+        <p:txBody>
+          <a:bodyPr/>
+          <a:lstStyle/>
+          <a:p>
+            <a:r>
+              <a:rPr lang="de-DE" b="0" dirty="0">
+                <a:latin typeface="+mn-lt"/>
+              </a:rPr>
+              <a:t>1. Task </a:t>
+            </a:r>
+            <a:r>
+              <a:rPr lang="de-DE" b="0" dirty="0" err="1">
+                <a:latin typeface="+mn-lt"/>
+              </a:rPr>
+              <a:t>description</a:t>
+            </a:r>
+            <a:endParaRPr lang="en-GB" dirty="0"/>
+          </a:p>
+        </p:txBody>
+      </p:sp>
+      <p:sp>
+        <p:nvSpPr>
+          <p:cNvPr id="3" name="Textplatzhalter 2">
+            <a:extLst>
+              <a:ext uri="{FF2B5EF4-FFF2-40B4-BE49-F238E27FC236}">
+                <a16:creationId xmlns:a16="http://schemas.microsoft.com/office/drawing/2014/main" id="{7697FC03-7E16-465A-AD46-C65DC30903F7}"/>
+              </a:ext>
+            </a:extLst>
+          </p:cNvPr>
+          <p:cNvSpPr>
+            <a:spLocks noGrp="1"/>
+          </p:cNvSpPr>
+          <p:nvPr>
+            <p:ph type="body" sz="quarter" idx="13"/>
+          </p:nvPr>
+        </p:nvSpPr>
+        <p:spPr/>
+        <p:txBody>
+          <a:bodyPr/>
+          <a:lstStyle/>
+          <a:p>
+            <a:r>
+              <a:rPr lang="de-DE" dirty="0"/>
+              <a:t>Goal</a:t>
+            </a:r>
+            <a:endParaRPr lang="en-GB" dirty="0"/>
+          </a:p>
+        </p:txBody>
+      </p:sp>
+      <p:sp>
+        <p:nvSpPr>
+          <p:cNvPr id="4" name="Inhaltsplatzhalter 3">
+            <a:extLst>
+              <a:ext uri="{FF2B5EF4-FFF2-40B4-BE49-F238E27FC236}">
+                <a16:creationId xmlns:a16="http://schemas.microsoft.com/office/drawing/2014/main" id="{C13F0CCD-E58F-4E53-A61C-D7F519E057E5}"/>
+              </a:ext>
+            </a:extLst>
+          </p:cNvPr>
+          <p:cNvSpPr>
+            <a:spLocks noGrp="1"/>
+          </p:cNvSpPr>
+          <p:nvPr>
+            <p:ph idx="1"/>
+          </p:nvPr>
+        </p:nvSpPr>
+        <p:spPr>
+          <a:xfrm>
+            <a:off x="624422" y="1473600"/>
+            <a:ext cx="10991849" cy="4812245"/>
+          </a:xfrm>
+        </p:spPr>
+        <p:txBody>
+          <a:bodyPr/>
+          <a:lstStyle/>
+          <a:p>
+            <a:r>
+              <a:rPr lang="en-GB" dirty="0"/>
+              <a:t>Develop a classifier to identify the author given a document</a:t>
+            </a:r>
+          </a:p>
+          <a:p>
+            <a:r>
+              <a:rPr lang="en-GB" dirty="0"/>
+              <a:t>Program should be able to assign a document an author from its set</a:t>
+            </a:r>
+          </a:p>
+          <a:p>
+            <a:pPr lvl="1"/>
+            <a:r>
+              <a:rPr lang="en-GB" dirty="0"/>
+              <a:t>based on training data</a:t>
+            </a:r>
+          </a:p>
+          <a:p>
+            <a:pPr lvl="1"/>
+            <a:r>
+              <a:rPr lang="en-GB" dirty="0"/>
+              <a:t>authors have been already seen (no zero shot learning)</a:t>
+            </a:r>
+          </a:p>
+          <a:p>
+            <a:pPr marL="234943" lvl="1" indent="0">
+              <a:buNone/>
+            </a:pPr>
+            <a:endParaRPr lang="en-GB" dirty="0"/>
+          </a:p>
+          <a:p>
+            <a:r>
+              <a:rPr lang="en-GB" dirty="0"/>
+              <a:t>How does the composition of a poem represent the author?</a:t>
+            </a:r>
+          </a:p>
+          <a:p>
+            <a:pPr lvl="1"/>
+            <a:r>
+              <a:rPr lang="en-GB" dirty="0"/>
+              <a:t>Used words (word vectors)</a:t>
+            </a:r>
+          </a:p>
+          <a:p>
+            <a:pPr lvl="1"/>
+            <a:r>
+              <a:rPr lang="en-GB" dirty="0"/>
+              <a:t>Length (number of verses, stanzas)</a:t>
+            </a:r>
+          </a:p>
+          <a:p>
+            <a:pPr lvl="1"/>
+            <a:r>
+              <a:rPr lang="en-GB" dirty="0"/>
+              <a:t>Literary devices (rhyming, metre, anaphora)</a:t>
+            </a:r>
+          </a:p>
+          <a:p>
+            <a:endParaRPr lang="en-GB" dirty="0"/>
+          </a:p>
+        </p:txBody>
+      </p:sp>
+      <p:sp>
+        <p:nvSpPr>
+          <p:cNvPr id="5" name="Foliennummernplatzhalter 4">
+            <a:extLst>
+              <a:ext uri="{FF2B5EF4-FFF2-40B4-BE49-F238E27FC236}">
+                <a16:creationId xmlns:a16="http://schemas.microsoft.com/office/drawing/2014/main" id="{EBCEF89A-7CA8-4797-B6AA-902EC78AE707}"/>
+              </a:ext>
+            </a:extLst>
+          </p:cNvPr>
+          <p:cNvSpPr>
+            <a:spLocks noGrp="1"/>
+          </p:cNvSpPr>
+          <p:nvPr>
+            <p:ph type="sldNum" sz="quarter" idx="12"/>
+          </p:nvPr>
+        </p:nvSpPr>
+        <p:spPr/>
+        <p:txBody>
+          <a:bodyPr/>
+          <a:lstStyle/>
+          <a:p>
+            <a:fld id="{54518C2F-5E54-4CF8-B37A-4631A050CED9}" type="slidenum">
+              <a:rPr lang="de-DE" smtClean="0"/>
+              <a:pPr/>
+              <a:t>3</a:t>
+            </a:fld>
+            <a:endParaRPr lang="de-DE" dirty="0"/>
+          </a:p>
+        </p:txBody>
+      </p:sp>
+      <p:sp>
+        <p:nvSpPr>
+          <p:cNvPr id="6" name="Fußzeilenplatzhalter 5">
+            <a:extLst>
+              <a:ext uri="{FF2B5EF4-FFF2-40B4-BE49-F238E27FC236}">
+                <a16:creationId xmlns:a16="http://schemas.microsoft.com/office/drawing/2014/main" id="{D8EB7B29-C378-48C3-934B-489353BDB564}"/>
+              </a:ext>
+            </a:extLst>
+          </p:cNvPr>
+          <p:cNvSpPr>
+            <a:spLocks noGrp="1"/>
+          </p:cNvSpPr>
+          <p:nvPr>
+            <p:ph type="ftr" sz="quarter" idx="11"/>
+          </p:nvPr>
+        </p:nvSpPr>
+        <p:spPr/>
+        <p:txBody>
+          <a:bodyPr/>
+          <a:lstStyle/>
+          <a:p>
+            <a:r>
+              <a:rPr lang="de-DE"/>
+              <a:t>Team Lab NLP | Author Classification in Poetry		Katrin Schmidt – Carlotta Quensel</a:t>
+            </a:r>
+            <a:endParaRPr lang="de-DE" dirty="0"/>
+          </a:p>
+        </p:txBody>
+      </p:sp>
+    </p:spTree>
+    <p:extLst>
+      <p:ext uri="{BB962C8B-B14F-4D97-AF65-F5344CB8AC3E}">
+        <p14:creationId xmlns:p14="http://schemas.microsoft.com/office/powerpoint/2010/main" val="2173772442"/>
+      </p:ext>
+    </p:extLst>
+  </p:cSld>
+  <p:clrMapOvr>
+    <a:masterClrMapping/>
+  </p:clrMapOvr>
+</p:sld>
+</file>
+
+<file path=ppt/slides/slide4.xml><?xml version="1.0" encoding="utf-8"?>
+<p:sld xmlns:a="http://schemas.openxmlformats.org/drawingml/2006/main" xmlns:r="http://schemas.openxmlformats.org/officeDocument/2006/relationships" xmlns:p="http://schemas.openxmlformats.org/presentationml/2006/main">
+  <p:cSld>
+    <p:spTree>
+      <p:nvGrpSpPr>
+        <p:cNvPr id="1" name=""/>
+        <p:cNvGrpSpPr/>
+        <p:nvPr/>
+      </p:nvGrpSpPr>
+      <p:grpSpPr>
+        <a:xfrm>
+          <a:off x="0" y="0"/>
+          <a:ext cx="0" cy="0"/>
+          <a:chOff x="0" y="0"/>
+          <a:chExt cx="0" cy="0"/>
+        </a:xfrm>
+      </p:grpSpPr>
+      <p:sp>
+        <p:nvSpPr>
+          <p:cNvPr id="2" name="Titel 1">
+            <a:extLst>
+              <a:ext uri="{FF2B5EF4-FFF2-40B4-BE49-F238E27FC236}">
+                <a16:creationId xmlns:a16="http://schemas.microsoft.com/office/drawing/2014/main" id="{81949E24-7A9D-47B2-A263-C1CC5FE8BB85}"/>
+              </a:ext>
+            </a:extLst>
+          </p:cNvPr>
+          <p:cNvSpPr>
+            <a:spLocks noGrp="1"/>
+          </p:cNvSpPr>
+          <p:nvPr>
+            <p:ph type="title"/>
+          </p:nvPr>
+        </p:nvSpPr>
+        <p:spPr/>
+        <p:txBody>
+          <a:bodyPr/>
+          <a:lstStyle/>
+          <a:p>
+            <a:r>
+              <a:rPr lang="de-DE" b="0" dirty="0">
+                <a:latin typeface="+mn-lt"/>
+              </a:rPr>
+              <a:t>1. Task </a:t>
+            </a:r>
+            <a:r>
+              <a:rPr lang="de-DE" b="0" dirty="0" err="1">
+                <a:latin typeface="+mn-lt"/>
+              </a:rPr>
+              <a:t>description</a:t>
+            </a:r>
+            <a:endParaRPr lang="en-GB" dirty="0"/>
+          </a:p>
+        </p:txBody>
+      </p:sp>
+      <p:sp>
+        <p:nvSpPr>
+          <p:cNvPr id="3" name="Textplatzhalter 2">
+            <a:extLst>
+              <a:ext uri="{FF2B5EF4-FFF2-40B4-BE49-F238E27FC236}">
+                <a16:creationId xmlns:a16="http://schemas.microsoft.com/office/drawing/2014/main" id="{7697FC03-7E16-465A-AD46-C65DC30903F7}"/>
+              </a:ext>
+            </a:extLst>
+          </p:cNvPr>
+          <p:cNvSpPr>
+            <a:spLocks noGrp="1"/>
+          </p:cNvSpPr>
+          <p:nvPr>
+            <p:ph type="body" sz="quarter" idx="13"/>
+          </p:nvPr>
+        </p:nvSpPr>
+        <p:spPr/>
+        <p:txBody>
+          <a:bodyPr/>
+          <a:lstStyle/>
+          <a:p>
+            <a:r>
+              <a:rPr lang="de-DE" dirty="0"/>
+              <a:t>Data and </a:t>
+            </a:r>
+            <a:r>
+              <a:rPr lang="de-DE" dirty="0" err="1"/>
+              <a:t>preprocessing</a:t>
+            </a:r>
+            <a:endParaRPr lang="en-GB" dirty="0"/>
+          </a:p>
+        </p:txBody>
+      </p:sp>
+      <p:sp>
+        <p:nvSpPr>
+          <p:cNvPr id="4" name="Inhaltsplatzhalter 3">
+            <a:extLst>
+              <a:ext uri="{FF2B5EF4-FFF2-40B4-BE49-F238E27FC236}">
+                <a16:creationId xmlns:a16="http://schemas.microsoft.com/office/drawing/2014/main" id="{C13F0CCD-E58F-4E53-A61C-D7F519E057E5}"/>
+              </a:ext>
+            </a:extLst>
+          </p:cNvPr>
+          <p:cNvSpPr>
+            <a:spLocks noGrp="1"/>
+          </p:cNvSpPr>
+          <p:nvPr>
+            <p:ph idx="1"/>
+          </p:nvPr>
+        </p:nvSpPr>
+        <p:spPr>
+          <a:xfrm>
+            <a:off x="624422" y="1473600"/>
+            <a:ext cx="10991849" cy="4812245"/>
+          </a:xfrm>
+        </p:spPr>
+        <p:txBody>
+          <a:bodyPr/>
+          <a:lstStyle/>
+          <a:p>
+            <a:r>
+              <a:rPr lang="en-GB" dirty="0"/>
+              <a:t>Data sourced from the </a:t>
+            </a:r>
+            <a:r>
+              <a:rPr lang="en-GB" i="1" dirty="0"/>
+              <a:t>Poetry Foundation</a:t>
+            </a:r>
+            <a:r>
+              <a:rPr lang="en-GB" dirty="0"/>
+              <a:t> (founded in 2003), </a:t>
+            </a:r>
+            <a:br>
+              <a:rPr lang="en-GB" dirty="0"/>
+            </a:br>
+            <a:r>
+              <a:rPr lang="en-GB" dirty="0"/>
+              <a:t>downloaded as finished dataset (csv file) from kaggle.com</a:t>
+            </a:r>
+          </a:p>
+          <a:p>
+            <a:r>
+              <a:rPr lang="en-GB" dirty="0"/>
+              <a:t>Data statistics:</a:t>
+            </a:r>
+          </a:p>
+          <a:p>
+            <a:pPr lvl="1"/>
+            <a:endParaRPr lang="en-GB" dirty="0"/>
+          </a:p>
+          <a:p>
+            <a:pPr lvl="1"/>
+            <a:endParaRPr lang="en-GB" dirty="0"/>
+          </a:p>
+          <a:p>
+            <a:pPr lvl="1"/>
+            <a:endParaRPr lang="en-GB" dirty="0"/>
+          </a:p>
+          <a:p>
+            <a:endParaRPr lang="en-GB" dirty="0"/>
+          </a:p>
+          <a:p>
+            <a:r>
+              <a:rPr lang="en-GB" dirty="0"/>
+              <a:t>Why?</a:t>
+            </a:r>
+          </a:p>
+          <a:p>
+            <a:pPr lvl="1"/>
+            <a:r>
+              <a:rPr lang="en-GB" dirty="0"/>
+              <a:t>Most prolific authors </a:t>
+            </a:r>
+            <a:r>
+              <a:rPr lang="en-GB" dirty="0">
+                <a:sym typeface="Wingdings" panose="05000000000000000000" pitchFamily="2" charset="2"/>
+              </a:rPr>
+              <a:t> more datapoints per author</a:t>
+            </a:r>
+            <a:endParaRPr lang="en-GB" dirty="0"/>
+          </a:p>
+          <a:p>
+            <a:pPr lvl="1"/>
+            <a:r>
+              <a:rPr lang="en-GB" dirty="0"/>
+              <a:t>39 authors = 39 labels, lower computational power than with 800 labels</a:t>
+            </a:r>
+          </a:p>
+          <a:p>
+            <a:pPr lvl="1"/>
+            <a:endParaRPr lang="en-GB" dirty="0"/>
+          </a:p>
+        </p:txBody>
+      </p:sp>
+      <p:sp>
+        <p:nvSpPr>
+          <p:cNvPr id="5" name="Foliennummernplatzhalter 4">
+            <a:extLst>
+              <a:ext uri="{FF2B5EF4-FFF2-40B4-BE49-F238E27FC236}">
+                <a16:creationId xmlns:a16="http://schemas.microsoft.com/office/drawing/2014/main" id="{EBCEF89A-7CA8-4797-B6AA-902EC78AE707}"/>
+              </a:ext>
+            </a:extLst>
+          </p:cNvPr>
+          <p:cNvSpPr>
+            <a:spLocks noGrp="1"/>
+          </p:cNvSpPr>
+          <p:nvPr>
+            <p:ph type="sldNum" sz="quarter" idx="12"/>
+          </p:nvPr>
+        </p:nvSpPr>
+        <p:spPr/>
+        <p:txBody>
+          <a:bodyPr/>
+          <a:lstStyle/>
+          <a:p>
+            <a:fld id="{54518C2F-5E54-4CF8-B37A-4631A050CED9}" type="slidenum">
+              <a:rPr lang="de-DE" smtClean="0"/>
+              <a:pPr/>
+              <a:t>4</a:t>
+            </a:fld>
+            <a:endParaRPr lang="de-DE" dirty="0"/>
+          </a:p>
+        </p:txBody>
+      </p:sp>
+      <p:sp>
+        <p:nvSpPr>
+          <p:cNvPr id="6" name="Fußzeilenplatzhalter 5">
+            <a:extLst>
+              <a:ext uri="{FF2B5EF4-FFF2-40B4-BE49-F238E27FC236}">
+                <a16:creationId xmlns:a16="http://schemas.microsoft.com/office/drawing/2014/main" id="{D8EB7B29-C378-48C3-934B-489353BDB564}"/>
+              </a:ext>
+            </a:extLst>
+          </p:cNvPr>
+          <p:cNvSpPr>
+            <a:spLocks noGrp="1"/>
+          </p:cNvSpPr>
+          <p:nvPr>
+            <p:ph type="ftr" sz="quarter" idx="11"/>
+          </p:nvPr>
+        </p:nvSpPr>
+        <p:spPr/>
+        <p:txBody>
+          <a:bodyPr/>
+          <a:lstStyle/>
+          <a:p>
+            <a:r>
+              <a:rPr lang="de-DE"/>
+              <a:t>Team Lab NLP | Author Classification in Poetry		Katrin Schmidt – Carlotta Quensel</a:t>
+            </a:r>
+            <a:endParaRPr lang="de-DE" dirty="0"/>
+          </a:p>
+        </p:txBody>
+      </p:sp>
+      <mc:AlternateContent xmlns:mc="http://schemas.openxmlformats.org/markup-compatibility/2006">
+        <mc:Choice xmlns:a14="http://schemas.microsoft.com/office/drawing/2010/main" Requires="a14">
+          <p:graphicFrame>
+            <p:nvGraphicFramePr>
+              <p:cNvPr id="9" name="Tabelle 9">
+                <a:extLst>
+                  <a:ext uri="{FF2B5EF4-FFF2-40B4-BE49-F238E27FC236}">
+                    <a16:creationId xmlns:a16="http://schemas.microsoft.com/office/drawing/2014/main" id="{3B19D25C-0B42-45F0-8BCC-E3AE171B48CC}"/>
+                  </a:ext>
+                </a:extLst>
+              </p:cNvPr>
+              <p:cNvGraphicFramePr>
+                <a:graphicFrameLocks noGrp="1"/>
+              </p:cNvGraphicFramePr>
+              <p:nvPr>
+                <p:extLst>
+                  <p:ext uri="{D42A27DB-BD31-4B8C-83A1-F6EECF244321}">
+                    <p14:modId xmlns:p14="http://schemas.microsoft.com/office/powerpoint/2010/main" val="536734940"/>
+                  </p:ext>
+                </p:extLst>
+              </p:nvPr>
+            </p:nvGraphicFramePr>
+            <p:xfrm>
+              <a:off x="1392225" y="2753785"/>
+              <a:ext cx="4306047" cy="1483360"/>
+            </p:xfrm>
+            <a:graphic>
+              <a:graphicData uri="http://schemas.openxmlformats.org/drawingml/2006/table">
+                <a:tbl>
+                  <a:tblPr firstRow="1" bandRow="1">
+                    <a:tableStyleId>{6E25E649-3F16-4E02-A733-19D2CDBF48F0}</a:tableStyleId>
+                  </a:tblPr>
+                  <a:tblGrid>
+                    <a:gridCol w="2199341">
+                      <a:extLst>
+                        <a:ext uri="{9D8B030D-6E8A-4147-A177-3AD203B41FA5}">
+                          <a16:colId xmlns:a16="http://schemas.microsoft.com/office/drawing/2014/main" val="3903601129"/>
+                        </a:ext>
+                      </a:extLst>
+                    </a:gridCol>
+                    <a:gridCol w="1093694">
+                      <a:extLst>
+                        <a:ext uri="{9D8B030D-6E8A-4147-A177-3AD203B41FA5}">
+                          <a16:colId xmlns:a16="http://schemas.microsoft.com/office/drawing/2014/main" val="2835747656"/>
+                        </a:ext>
+                      </a:extLst>
+                    </a:gridCol>
+                    <a:gridCol w="1013012">
+                      <a:extLst>
+                        <a:ext uri="{9D8B030D-6E8A-4147-A177-3AD203B41FA5}">
+                          <a16:colId xmlns:a16="http://schemas.microsoft.com/office/drawing/2014/main" val="3887916184"/>
+                        </a:ext>
+                      </a:extLst>
+                    </a:gridCol>
+                  </a:tblGrid>
+                  <a:tr h="370840">
+                    <a:tc>
+                      <a:txBody>
+                        <a:bodyPr/>
+                        <a:lstStyle/>
+                        <a:p>
+                          <a:endParaRPr lang="en-GB" dirty="0"/>
+                        </a:p>
+                      </a:txBody>
+                      <a:tcPr/>
+                    </a:tc>
+                    <a:tc>
+                      <a:txBody>
+                        <a:bodyPr/>
+                        <a:lstStyle/>
+                        <a:p>
+                          <a:r>
+                            <a:rPr lang="de-DE" dirty="0"/>
+                            <a:t>#authors</a:t>
+                          </a:r>
+                          <a:endParaRPr lang="en-GB" dirty="0"/>
+                        </a:p>
+                      </a:txBody>
+                      <a:tcPr/>
+                    </a:tc>
+                    <a:tc>
+                      <a:txBody>
+                        <a:bodyPr/>
+                        <a:lstStyle/>
+                        <a:p>
+                          <a:r>
+                            <a:rPr lang="de-DE" dirty="0"/>
+                            <a:t>#poems</a:t>
+                          </a:r>
+                          <a:endParaRPr lang="en-GB" dirty="0"/>
+                        </a:p>
+                      </a:txBody>
+                      <a:tcPr/>
+                    </a:tc>
+                    <a:extLst>
+                      <a:ext uri="{0D108BD9-81ED-4DB2-BD59-A6C34878D82A}">
+                        <a16:rowId xmlns:a16="http://schemas.microsoft.com/office/drawing/2014/main" val="15008521"/>
+                      </a:ext>
+                    </a:extLst>
+                  </a:tr>
+                  <a:tr h="370840">
+                    <a:tc>
+                      <a:txBody>
+                        <a:bodyPr/>
+                        <a:lstStyle/>
+                        <a:p>
+                          <a:r>
+                            <a:rPr lang="de-DE" dirty="0"/>
+                            <a:t>Total</a:t>
+                          </a:r>
+                          <a:endParaRPr lang="en-GB" dirty="0"/>
+                        </a:p>
+                      </a:txBody>
+                      <a:tcPr/>
+                    </a:tc>
+                    <a:tc>
+                      <a:txBody>
+                        <a:bodyPr/>
+                        <a:lstStyle/>
+                        <a:p>
+                          <a:r>
+                            <a:rPr lang="de-DE" dirty="0"/>
+                            <a:t>3309</a:t>
+                          </a:r>
+                          <a:endParaRPr lang="en-GB" dirty="0"/>
+                        </a:p>
+                      </a:txBody>
+                      <a:tcPr/>
+                    </a:tc>
+                    <a:tc>
+                      <a:txBody>
+                        <a:bodyPr/>
+                        <a:lstStyle/>
+                        <a:p>
+                          <a:r>
+                            <a:rPr lang="de-DE" dirty="0"/>
+                            <a:t>15567</a:t>
+                          </a:r>
+                          <a:endParaRPr lang="en-GB" dirty="0"/>
+                        </a:p>
+                      </a:txBody>
+                      <a:tcPr/>
+                    </a:tc>
+                    <a:extLst>
+                      <a:ext uri="{0D108BD9-81ED-4DB2-BD59-A6C34878D82A}">
+                        <a16:rowId xmlns:a16="http://schemas.microsoft.com/office/drawing/2014/main" val="2902002723"/>
+                      </a:ext>
+                    </a:extLst>
+                  </a:tr>
+                  <a:tr h="370840">
+                    <a:tc>
+                      <a:txBody>
+                        <a:bodyPr/>
+                        <a:lstStyle/>
+                        <a:p>
+                          <a:r>
+                            <a:rPr lang="de-DE" dirty="0" err="1"/>
+                            <a:t>Authors</a:t>
+                          </a:r>
+                          <a:r>
+                            <a:rPr lang="de-DE" dirty="0"/>
+                            <a:t> </a:t>
+                          </a:r>
+                          <a14:m>
+                            <m:oMath xmlns:m="http://schemas.openxmlformats.org/officeDocument/2006/math">
+                              <m:r>
+                                <a:rPr lang="de-DE" dirty="0" smtClean="0"/>
+                                <m:t>&gt;</m:t>
+                              </m:r>
+                            </m:oMath>
+                          </a14:m>
+                          <a:r>
+                            <a:rPr lang="de-DE" dirty="0"/>
+                            <a:t> 5 </a:t>
+                          </a:r>
+                          <a:r>
+                            <a:rPr lang="de-DE" dirty="0" err="1"/>
+                            <a:t>poems</a:t>
+                          </a:r>
+                          <a:endParaRPr lang="en-GB" dirty="0"/>
+                        </a:p>
+                      </a:txBody>
+                      <a:tcPr/>
+                    </a:tc>
+                    <a:tc>
+                      <a:txBody>
+                        <a:bodyPr/>
+                        <a:lstStyle/>
+                        <a:p>
+                          <a:r>
+                            <a:rPr lang="de-DE" dirty="0"/>
+                            <a:t>852</a:t>
+                          </a:r>
+                          <a:endParaRPr lang="en-GB" dirty="0"/>
+                        </a:p>
+                      </a:txBody>
+                      <a:tcPr/>
+                    </a:tc>
+                    <a:tc>
+                      <a:txBody>
+                        <a:bodyPr/>
+                        <a:lstStyle/>
+                        <a:p>
+                          <a:r>
+                            <a:rPr lang="de-DE" dirty="0"/>
+                            <a:t>10580</a:t>
+                          </a:r>
+                          <a:endParaRPr lang="en-GB" dirty="0"/>
+                        </a:p>
+                      </a:txBody>
+                      <a:tcPr/>
+                    </a:tc>
+                    <a:extLst>
+                      <a:ext uri="{0D108BD9-81ED-4DB2-BD59-A6C34878D82A}">
+                        <a16:rowId xmlns:a16="http://schemas.microsoft.com/office/drawing/2014/main" val="1116885154"/>
+                      </a:ext>
+                    </a:extLst>
+                  </a:tr>
+                  <a:tr h="370840">
+                    <a:tc>
+                      <a:txBody>
+                        <a:bodyPr/>
+                        <a:lstStyle/>
+                        <a:p>
+                          <a:r>
+                            <a:rPr lang="de-DE" dirty="0"/>
+                            <a:t>Authors </a:t>
+                          </a:r>
+                          <a14:m>
+                            <m:oMath xmlns:m="http://schemas.openxmlformats.org/officeDocument/2006/math">
+                              <m:r>
+                                <a:rPr lang="de-DE" b="0" smtClean="0"/>
+                                <m:t>≥</m:t>
+                              </m:r>
+                            </m:oMath>
+                          </a14:m>
+                          <a:r>
+                            <a:rPr lang="de-DE" dirty="0"/>
+                            <a:t> 30 </a:t>
+                          </a:r>
+                          <a:r>
+                            <a:rPr lang="de-DE" dirty="0" err="1"/>
+                            <a:t>poems</a:t>
+                          </a:r>
+                          <a:endParaRPr lang="en-GB" dirty="0"/>
+                        </a:p>
+                      </a:txBody>
+                      <a:tcPr/>
+                    </a:tc>
+                    <a:tc>
+                      <a:txBody>
+                        <a:bodyPr/>
+                        <a:lstStyle/>
+                        <a:p>
+                          <a:r>
+                            <a:rPr lang="de-DE" dirty="0"/>
+                            <a:t>39</a:t>
+                          </a:r>
+                          <a:endParaRPr lang="en-GB" dirty="0"/>
+                        </a:p>
+                      </a:txBody>
+                      <a:tcPr/>
+                    </a:tc>
+                    <a:tc>
+                      <a:txBody>
+                        <a:bodyPr/>
+                        <a:lstStyle/>
+                        <a:p>
+                          <a:r>
+                            <a:rPr lang="de-DE" dirty="0"/>
+                            <a:t>1269</a:t>
+                          </a:r>
+                          <a:endParaRPr lang="en-GB" dirty="0"/>
+                        </a:p>
+                      </a:txBody>
+                      <a:tcPr/>
+                    </a:tc>
+                    <a:extLst>
+                      <a:ext uri="{0D108BD9-81ED-4DB2-BD59-A6C34878D82A}">
+                        <a16:rowId xmlns:a16="http://schemas.microsoft.com/office/drawing/2014/main" val="2886593236"/>
+                      </a:ext>
+                    </a:extLst>
+                  </a:tr>
+                </a:tbl>
+              </a:graphicData>
+            </a:graphic>
+          </p:graphicFrame>
+        </mc:Choice>
+        <mc:Fallback>
+          <p:graphicFrame>
+            <p:nvGraphicFramePr>
+              <p:cNvPr id="9" name="Tabelle 9">
+                <a:extLst>
+                  <a:ext uri="{FF2B5EF4-FFF2-40B4-BE49-F238E27FC236}">
+                    <a16:creationId xmlns:a16="http://schemas.microsoft.com/office/drawing/2014/main" id="{3B19D25C-0B42-45F0-8BCC-E3AE171B48CC}"/>
+                  </a:ext>
+                </a:extLst>
+              </p:cNvPr>
+              <p:cNvGraphicFramePr>
+                <a:graphicFrameLocks noGrp="1"/>
+              </p:cNvGraphicFramePr>
+              <p:nvPr>
+                <p:extLst>
+                  <p:ext uri="{D42A27DB-BD31-4B8C-83A1-F6EECF244321}">
+                    <p14:modId xmlns:p14="http://schemas.microsoft.com/office/powerpoint/2010/main" val="536734940"/>
+                  </p:ext>
+                </p:extLst>
+              </p:nvPr>
+            </p:nvGraphicFramePr>
+            <p:xfrm>
+              <a:off x="1392225" y="2753785"/>
+              <a:ext cx="4306047" cy="1483360"/>
+            </p:xfrm>
+            <a:graphic>
+              <a:graphicData uri="http://schemas.openxmlformats.org/drawingml/2006/table">
+                <a:tbl>
+                  <a:tblPr firstRow="1" bandRow="1">
+                    <a:tableStyleId>{6E25E649-3F16-4E02-A733-19D2CDBF48F0}</a:tableStyleId>
+                  </a:tblPr>
+                  <a:tblGrid>
+                    <a:gridCol w="2199341">
+                      <a:extLst>
+                        <a:ext uri="{9D8B030D-6E8A-4147-A177-3AD203B41FA5}">
+                          <a16:colId xmlns:a16="http://schemas.microsoft.com/office/drawing/2014/main" val="3903601129"/>
+                        </a:ext>
+                      </a:extLst>
+                    </a:gridCol>
+                    <a:gridCol w="1093694">
+                      <a:extLst>
+                        <a:ext uri="{9D8B030D-6E8A-4147-A177-3AD203B41FA5}">
+                          <a16:colId xmlns:a16="http://schemas.microsoft.com/office/drawing/2014/main" val="2835747656"/>
+                        </a:ext>
+                      </a:extLst>
+                    </a:gridCol>
+                    <a:gridCol w="1013012">
+                      <a:extLst>
+                        <a:ext uri="{9D8B030D-6E8A-4147-A177-3AD203B41FA5}">
+                          <a16:colId xmlns:a16="http://schemas.microsoft.com/office/drawing/2014/main" val="3887916184"/>
+                        </a:ext>
+                      </a:extLst>
+                    </a:gridCol>
+                  </a:tblGrid>
+                  <a:tr h="370840">
+                    <a:tc>
+                      <a:txBody>
+                        <a:bodyPr/>
+                        <a:lstStyle/>
+                        <a:p>
+                          <a:endParaRPr lang="en-GB" dirty="0"/>
+                        </a:p>
+                      </a:txBody>
+                      <a:tcPr/>
+                    </a:tc>
+                    <a:tc>
+                      <a:txBody>
+                        <a:bodyPr/>
+                        <a:lstStyle/>
+                        <a:p>
+                          <a:r>
+                            <a:rPr lang="de-DE" dirty="0"/>
+                            <a:t>#authors</a:t>
+                          </a:r>
+                          <a:endParaRPr lang="en-GB" dirty="0"/>
+                        </a:p>
+                      </a:txBody>
+                      <a:tcPr/>
+                    </a:tc>
+                    <a:tc>
+                      <a:txBody>
+                        <a:bodyPr/>
+                        <a:lstStyle/>
+                        <a:p>
+                          <a:r>
+                            <a:rPr lang="de-DE" dirty="0"/>
+                            <a:t>#poems</a:t>
+                          </a:r>
+                          <a:endParaRPr lang="en-GB" dirty="0"/>
+                        </a:p>
+                      </a:txBody>
+                      <a:tcPr/>
+                    </a:tc>
+                    <a:extLst>
+                      <a:ext uri="{0D108BD9-81ED-4DB2-BD59-A6C34878D82A}">
+                        <a16:rowId xmlns:a16="http://schemas.microsoft.com/office/drawing/2014/main" val="15008521"/>
+                      </a:ext>
+                    </a:extLst>
+                  </a:tr>
+                  <a:tr h="370840">
+                    <a:tc>
+                      <a:txBody>
+                        <a:bodyPr/>
+                        <a:lstStyle/>
+                        <a:p>
+                          <a:r>
+                            <a:rPr lang="de-DE" dirty="0"/>
+                            <a:t>Total</a:t>
+                          </a:r>
+                          <a:endParaRPr lang="en-GB" dirty="0"/>
+                        </a:p>
+                      </a:txBody>
+                      <a:tcPr/>
+                    </a:tc>
+                    <a:tc>
+                      <a:txBody>
+                        <a:bodyPr/>
+                        <a:lstStyle/>
+                        <a:p>
+                          <a:r>
+                            <a:rPr lang="de-DE" dirty="0"/>
+                            <a:t>3309</a:t>
+                          </a:r>
+                          <a:endParaRPr lang="en-GB" dirty="0"/>
+                        </a:p>
+                      </a:txBody>
+                      <a:tcPr/>
+                    </a:tc>
+                    <a:tc>
+                      <a:txBody>
+                        <a:bodyPr/>
+                        <a:lstStyle/>
+                        <a:p>
+                          <a:r>
+                            <a:rPr lang="de-DE" dirty="0"/>
+                            <a:t>15567</a:t>
+                          </a:r>
+                          <a:endParaRPr lang="en-GB" dirty="0"/>
+                        </a:p>
+                      </a:txBody>
+                      <a:tcPr/>
+                    </a:tc>
+                    <a:extLst>
+                      <a:ext uri="{0D108BD9-81ED-4DB2-BD59-A6C34878D82A}">
+                        <a16:rowId xmlns:a16="http://schemas.microsoft.com/office/drawing/2014/main" val="2902002723"/>
+                      </a:ext>
+                    </a:extLst>
+                  </a:tr>
+                  <a:tr h="370840">
+                    <a:tc>
+                      <a:txBody>
+                        <a:bodyPr/>
+                        <a:lstStyle/>
+                        <a:p>
+                          <a:endParaRPr lang="en-US"/>
+                        </a:p>
+                      </a:txBody>
+                      <a:tcPr>
+                        <a:blipFill>
+                          <a:blip r:embed="rId2"/>
+                          <a:stretch>
+                            <a:fillRect t="-209836" r="-96399" b="-122951"/>
+                          </a:stretch>
+                        </a:blipFill>
+                      </a:tcPr>
+                    </a:tc>
+                    <a:tc>
+                      <a:txBody>
+                        <a:bodyPr/>
+                        <a:lstStyle/>
+                        <a:p>
+                          <a:r>
+                            <a:rPr lang="de-DE" dirty="0"/>
+                            <a:t>852</a:t>
+                          </a:r>
+                          <a:endParaRPr lang="en-GB" dirty="0"/>
+                        </a:p>
+                      </a:txBody>
+                      <a:tcPr/>
+                    </a:tc>
+                    <a:tc>
+                      <a:txBody>
+                        <a:bodyPr/>
+                        <a:lstStyle/>
+                        <a:p>
+                          <a:r>
+                            <a:rPr lang="de-DE" dirty="0"/>
+                            <a:t>10580</a:t>
+                          </a:r>
+                          <a:endParaRPr lang="en-GB" dirty="0"/>
+                        </a:p>
+                      </a:txBody>
+                      <a:tcPr/>
+                    </a:tc>
+                    <a:extLst>
+                      <a:ext uri="{0D108BD9-81ED-4DB2-BD59-A6C34878D82A}">
+                        <a16:rowId xmlns:a16="http://schemas.microsoft.com/office/drawing/2014/main" val="1116885154"/>
+                      </a:ext>
+                    </a:extLst>
+                  </a:tr>
+                  <a:tr h="370840">
+                    <a:tc>
+                      <a:txBody>
+                        <a:bodyPr/>
+                        <a:lstStyle/>
+                        <a:p>
+                          <a:endParaRPr lang="en-US"/>
+                        </a:p>
+                      </a:txBody>
+                      <a:tcPr>
+                        <a:blipFill>
+                          <a:blip r:embed="rId2"/>
+                          <a:stretch>
+                            <a:fillRect t="-309836" r="-96399" b="-22951"/>
+                          </a:stretch>
+                        </a:blipFill>
+                      </a:tcPr>
+                    </a:tc>
+                    <a:tc>
+                      <a:txBody>
+                        <a:bodyPr/>
+                        <a:lstStyle/>
+                        <a:p>
+                          <a:r>
+                            <a:rPr lang="de-DE" dirty="0"/>
+                            <a:t>39</a:t>
+                          </a:r>
+                          <a:endParaRPr lang="en-GB" dirty="0"/>
+                        </a:p>
+                      </a:txBody>
+                      <a:tcPr/>
+                    </a:tc>
+                    <a:tc>
+                      <a:txBody>
+                        <a:bodyPr/>
+                        <a:lstStyle/>
+                        <a:p>
+                          <a:r>
+                            <a:rPr lang="de-DE" dirty="0"/>
+                            <a:t>1269</a:t>
+                          </a:r>
+                          <a:endParaRPr lang="en-GB" dirty="0"/>
+                        </a:p>
+                      </a:txBody>
+                      <a:tcPr/>
+                    </a:tc>
+                    <a:extLst>
+                      <a:ext uri="{0D108BD9-81ED-4DB2-BD59-A6C34878D82A}">
+                        <a16:rowId xmlns:a16="http://schemas.microsoft.com/office/drawing/2014/main" val="2886593236"/>
+                      </a:ext>
+                    </a:extLst>
+                  </a:tr>
+                </a:tbl>
+              </a:graphicData>
+            </a:graphic>
+          </p:graphicFrame>
+        </mc:Fallback>
+      </mc:AlternateContent>
+      <p:pic>
+        <p:nvPicPr>
+          <p:cNvPr id="11" name="Grafik 10">
+            <a:extLst>
+              <a:ext uri="{FF2B5EF4-FFF2-40B4-BE49-F238E27FC236}">
+                <a16:creationId xmlns:a16="http://schemas.microsoft.com/office/drawing/2014/main" id="{5C5C624E-D294-4662-B0F6-C20DA9516298}"/>
+              </a:ext>
+            </a:extLst>
+          </p:cNvPr>
+          <p:cNvPicPr>
+            <a:picLocks noChangeAspect="1"/>
+          </p:cNvPicPr>
+          <p:nvPr/>
+        </p:nvPicPr>
+        <p:blipFill>
+          <a:blip r:embed="rId3">
+            <a:extLst>
+              <a:ext uri="{28A0092B-C50C-407E-A947-70E740481C1C}">
+                <a14:useLocalDpi xmlns:a14="http://schemas.microsoft.com/office/drawing/2010/main" val="0"/>
+              </a:ext>
+              <a:ext uri="{96DAC541-7B7A-43D3-8B79-37D633B846F1}">
+                <asvg:svgBlip xmlns:asvg="http://schemas.microsoft.com/office/drawing/2016/SVG/main" r:embed="rId4"/>
+              </a:ext>
+            </a:extLst>
+          </a:blip>
+          <a:stretch>
+            <a:fillRect/>
+          </a:stretch>
+        </p:blipFill>
+        <p:spPr>
+          <a:xfrm>
+            <a:off x="6466074" y="2319785"/>
+            <a:ext cx="4306047" cy="2903885"/>
+          </a:xfrm>
+          <a:prstGeom prst="rect">
+            <a:avLst/>
+          </a:prstGeom>
+        </p:spPr>
+      </p:pic>
+    </p:spTree>
+    <p:extLst>
+      <p:ext uri="{BB962C8B-B14F-4D97-AF65-F5344CB8AC3E}">
+        <p14:creationId xmlns:p14="http://schemas.microsoft.com/office/powerpoint/2010/main" val="257083419"/>
+      </p:ext>
+    </p:extLst>
+  </p:cSld>
+  <p:clrMapOvr>
+    <a:masterClrMapping/>
+  </p:clrMapOvr>
+</p:sld>
+</file>
+
+<file path=ppt/slides/slide5.xml><?xml version="1.0" encoding="utf-8"?>
+<p:sld xmlns:a="http://schemas.openxmlformats.org/drawingml/2006/main" xmlns:r="http://schemas.openxmlformats.org/officeDocument/2006/relationships" xmlns:p="http://schemas.openxmlformats.org/presentationml/2006/main">
+  <p:cSld>
+    <p:spTree>
+      <p:nvGrpSpPr>
+        <p:cNvPr id="1" name=""/>
+        <p:cNvGrpSpPr/>
+        <p:nvPr/>
+      </p:nvGrpSpPr>
+      <p:grpSpPr>
+        <a:xfrm>
+          <a:off x="0" y="0"/>
+          <a:ext cx="0" cy="0"/>
+          <a:chOff x="0" y="0"/>
+          <a:chExt cx="0" cy="0"/>
+        </a:xfrm>
+      </p:grpSpPr>
+      <p:sp>
+        <p:nvSpPr>
+          <p:cNvPr id="2" name="Titel 1">
+            <a:extLst>
+              <a:ext uri="{FF2B5EF4-FFF2-40B4-BE49-F238E27FC236}">
+                <a16:creationId xmlns:a16="http://schemas.microsoft.com/office/drawing/2014/main" id="{81949E24-7A9D-47B2-A263-C1CC5FE8BB85}"/>
+              </a:ext>
+            </a:extLst>
+          </p:cNvPr>
+          <p:cNvSpPr>
+            <a:spLocks noGrp="1"/>
+          </p:cNvSpPr>
+          <p:nvPr>
+            <p:ph type="title"/>
+          </p:nvPr>
+        </p:nvSpPr>
+        <p:spPr/>
+        <p:txBody>
+          <a:bodyPr/>
+          <a:lstStyle/>
+          <a:p>
+            <a:r>
+              <a:rPr lang="de-DE" b="0" dirty="0">
+                <a:latin typeface="+mn-lt"/>
+              </a:rPr>
+              <a:t>2. Baseline </a:t>
+            </a:r>
+            <a:r>
+              <a:rPr lang="de-DE" b="0" dirty="0" err="1">
+                <a:latin typeface="+mn-lt"/>
+              </a:rPr>
+              <a:t>model</a:t>
+            </a:r>
+            <a:endParaRPr lang="en-GB" dirty="0"/>
+          </a:p>
+        </p:txBody>
+      </p:sp>
+      <p:sp>
+        <p:nvSpPr>
+          <p:cNvPr id="3" name="Textplatzhalter 2">
+            <a:extLst>
+              <a:ext uri="{FF2B5EF4-FFF2-40B4-BE49-F238E27FC236}">
+                <a16:creationId xmlns:a16="http://schemas.microsoft.com/office/drawing/2014/main" id="{7697FC03-7E16-465A-AD46-C65DC30903F7}"/>
+              </a:ext>
+            </a:extLst>
+          </p:cNvPr>
+          <p:cNvSpPr>
+            <a:spLocks noGrp="1"/>
+          </p:cNvSpPr>
+          <p:nvPr>
+            <p:ph type="body" sz="quarter" idx="13"/>
+          </p:nvPr>
+        </p:nvSpPr>
+        <p:spPr/>
+        <p:txBody>
+          <a:bodyPr/>
+          <a:lstStyle/>
+          <a:p>
+            <a:r>
+              <a:rPr lang="de-DE" dirty="0"/>
+              <a:t>Maximum </a:t>
+            </a:r>
+            <a:r>
+              <a:rPr lang="de-DE" dirty="0" err="1"/>
+              <a:t>Entropy</a:t>
+            </a:r>
+            <a:r>
+              <a:rPr lang="de-DE" dirty="0"/>
+              <a:t> </a:t>
+            </a:r>
+            <a:r>
+              <a:rPr lang="de-DE" dirty="0" err="1"/>
+              <a:t>classification</a:t>
+            </a:r>
+            <a:endParaRPr lang="en-GB" dirty="0"/>
+          </a:p>
+        </p:txBody>
+      </p:sp>
+      <mc:AlternateContent xmlns:mc="http://schemas.openxmlformats.org/markup-compatibility/2006">
+        <mc:Choice xmlns:a14="http://schemas.microsoft.com/office/drawing/2010/main" Requires="a14">
+          <p:sp>
+            <p:nvSpPr>
+              <p:cNvPr id="4" name="Inhaltsplatzhalter 3">
+                <a:extLst>
+                  <a:ext uri="{FF2B5EF4-FFF2-40B4-BE49-F238E27FC236}">
+                    <a16:creationId xmlns:a16="http://schemas.microsoft.com/office/drawing/2014/main" id="{C13F0CCD-E58F-4E53-A61C-D7F519E057E5}"/>
+                  </a:ext>
+                </a:extLst>
+              </p:cNvPr>
+              <p:cNvSpPr>
+                <a:spLocks noGrp="1"/>
+              </p:cNvSpPr>
+              <p:nvPr>
+                <p:ph idx="1"/>
+              </p:nvPr>
+            </p:nvSpPr>
+            <p:spPr/>
+            <p:txBody>
+              <a:bodyPr/>
+              <a:lstStyle/>
+              <a:p>
+                <a:r>
+                  <a:rPr lang="en-GB" dirty="0"/>
+                  <a:t>Maximum Entropy Classifier vs. Naive Bayes?</a:t>
+                </a:r>
+              </a:p>
+              <a:p>
+                <a:pPr lvl="1"/>
+                <a:r>
+                  <a:rPr lang="en-GB" dirty="0"/>
+                  <a:t>give each feature a weight to represent the importance of the feature</a:t>
+                </a:r>
+              </a:p>
+              <a:p>
+                <a:pPr lvl="1"/>
+                <a:r>
+                  <a:rPr lang="en-GB" dirty="0"/>
+                  <a:t>p</a:t>
+                </a:r>
+                <a14:m>
+                  <m:oMath xmlns:m="http://schemas.openxmlformats.org/officeDocument/2006/math">
+                    <m:r>
+                      <a:rPr lang="en-GB" i="1" baseline="-25000" smtClean="0">
+                        <a:latin typeface="Cambria Math" panose="02040503050406030204" pitchFamily="18" charset="0"/>
+                        <a:ea typeface="Cambria Math" panose="02040503050406030204" pitchFamily="18" charset="0"/>
+                      </a:rPr>
+                      <m:t>𝜆</m:t>
+                    </m:r>
+                  </m:oMath>
+                </a14:m>
+                <a:r>
+                  <a:rPr lang="en-GB" dirty="0"/>
+                  <a:t>(y | x) = </a:t>
+                </a:r>
+                <a14:m>
+                  <m:oMath xmlns:m="http://schemas.openxmlformats.org/officeDocument/2006/math">
+                    <m:f>
+                      <m:fPr>
+                        <m:ctrlPr>
+                          <a:rPr lang="en-GB" i="1" smtClean="0">
+                            <a:latin typeface="Cambria Math" panose="02040503050406030204" pitchFamily="18" charset="0"/>
+                          </a:rPr>
+                        </m:ctrlPr>
+                      </m:fPr>
+                      <m:num>
+                        <m:func>
+                          <m:funcPr>
+                            <m:ctrlPr>
+                              <a:rPr lang="de-DE" b="0" i="1" smtClean="0">
+                                <a:latin typeface="Cambria Math" panose="02040503050406030204" pitchFamily="18" charset="0"/>
+                              </a:rPr>
+                            </m:ctrlPr>
+                          </m:funcPr>
+                          <m:fName>
+                            <m:r>
+                              <m:rPr>
+                                <m:sty m:val="p"/>
+                              </m:rPr>
+                              <a:rPr lang="de-DE" b="0" i="0" smtClean="0">
+                                <a:latin typeface="Cambria Math" panose="02040503050406030204" pitchFamily="18" charset="0"/>
+                              </a:rPr>
+                              <m:t>exp</m:t>
+                            </m:r>
+                          </m:fName>
+                          <m:e>
+                            <m:r>
+                              <a:rPr lang="de-DE" b="0" i="1" smtClean="0">
+                                <a:latin typeface="Cambria Math" panose="02040503050406030204" pitchFamily="18" charset="0"/>
+                                <a:ea typeface="Cambria Math" panose="02040503050406030204" pitchFamily="18" charset="0"/>
+                              </a:rPr>
+                              <m:t>∑</m:t>
+                            </m:r>
+                            <m:r>
+                              <a:rPr lang="de-DE" b="0" i="1" baseline="-25000" smtClean="0">
+                                <a:latin typeface="Cambria Math" panose="02040503050406030204" pitchFamily="18" charset="0"/>
+                                <a:ea typeface="Cambria Math" panose="02040503050406030204" pitchFamily="18" charset="0"/>
+                              </a:rPr>
+                              <m:t>𝑖</m:t>
+                            </m:r>
+                            <m:r>
+                              <a:rPr lang="de-DE" b="0" i="1" baseline="-25000" smtClean="0">
+                                <a:latin typeface="Cambria Math" panose="02040503050406030204" pitchFamily="18" charset="0"/>
+                                <a:ea typeface="Cambria Math" panose="02040503050406030204" pitchFamily="18" charset="0"/>
+                              </a:rPr>
+                              <m:t> </m:t>
+                            </m:r>
+                            <m:r>
+                              <a:rPr lang="en-GB" i="1">
+                                <a:latin typeface="Cambria Math" panose="02040503050406030204" pitchFamily="18" charset="0"/>
+                                <a:ea typeface="Cambria Math" panose="02040503050406030204" pitchFamily="18" charset="0"/>
+                              </a:rPr>
+                              <m:t>𝜆</m:t>
+                            </m:r>
+                            <m:r>
+                              <a:rPr lang="de-DE" b="0" i="1" baseline="-25000" smtClean="0">
+                                <a:latin typeface="Cambria Math" panose="02040503050406030204" pitchFamily="18" charset="0"/>
+                                <a:ea typeface="Cambria Math" panose="02040503050406030204" pitchFamily="18" charset="0"/>
+                              </a:rPr>
+                              <m:t>𝑖</m:t>
+                            </m:r>
+                            <m:r>
+                              <a:rPr lang="de-DE" b="0" i="1" smtClean="0">
+                                <a:latin typeface="Cambria Math" panose="02040503050406030204" pitchFamily="18" charset="0"/>
+                                <a:ea typeface="Cambria Math" panose="02040503050406030204" pitchFamily="18" charset="0"/>
+                              </a:rPr>
+                              <m:t>𝑓</m:t>
+                            </m:r>
+                            <m:r>
+                              <a:rPr lang="de-DE" b="0" i="1" baseline="-25000" smtClean="0">
+                                <a:latin typeface="Cambria Math" panose="02040503050406030204" pitchFamily="18" charset="0"/>
+                                <a:ea typeface="Cambria Math" panose="02040503050406030204" pitchFamily="18" charset="0"/>
+                              </a:rPr>
+                              <m:t>𝑖</m:t>
+                            </m:r>
+                            <m:r>
+                              <a:rPr lang="de-DE" b="0" i="1" smtClean="0">
+                                <a:latin typeface="Cambria Math" panose="02040503050406030204" pitchFamily="18" charset="0"/>
+                                <a:ea typeface="Cambria Math" panose="02040503050406030204" pitchFamily="18" charset="0"/>
+                              </a:rPr>
+                              <m:t>(</m:t>
+                            </m:r>
+                            <m:r>
+                              <a:rPr lang="de-DE" b="0" i="1" smtClean="0">
+                                <a:latin typeface="Cambria Math" panose="02040503050406030204" pitchFamily="18" charset="0"/>
+                                <a:ea typeface="Cambria Math" panose="02040503050406030204" pitchFamily="18" charset="0"/>
+                              </a:rPr>
+                              <m:t>𝑦</m:t>
+                            </m:r>
+                            <m:r>
+                              <a:rPr lang="de-DE" b="0" i="1" smtClean="0">
+                                <a:latin typeface="Cambria Math" panose="02040503050406030204" pitchFamily="18" charset="0"/>
+                                <a:ea typeface="Cambria Math" panose="02040503050406030204" pitchFamily="18" charset="0"/>
+                              </a:rPr>
+                              <m:t>,  </m:t>
+                            </m:r>
+                            <m:r>
+                              <a:rPr lang="de-DE" b="1" i="1" smtClean="0">
+                                <a:latin typeface="Cambria Math" panose="02040503050406030204" pitchFamily="18" charset="0"/>
+                                <a:ea typeface="Cambria Math" panose="02040503050406030204" pitchFamily="18" charset="0"/>
+                              </a:rPr>
+                              <m:t> </m:t>
+                            </m:r>
+                            <m:r>
+                              <a:rPr lang="de-DE" b="1" i="1" smtClean="0">
+                                <a:latin typeface="Cambria Math" panose="02040503050406030204" pitchFamily="18" charset="0"/>
+                                <a:ea typeface="Cambria Math" panose="02040503050406030204" pitchFamily="18" charset="0"/>
+                              </a:rPr>
+                              <m:t>𝒙</m:t>
+                            </m:r>
+                            <m:r>
+                              <a:rPr lang="de-DE" b="0" i="1" smtClean="0">
+                                <a:latin typeface="Cambria Math" panose="02040503050406030204" pitchFamily="18" charset="0"/>
+                                <a:ea typeface="Cambria Math" panose="02040503050406030204" pitchFamily="18" charset="0"/>
+                              </a:rPr>
+                              <m:t>)</m:t>
+                            </m:r>
+                          </m:e>
+                        </m:func>
+                      </m:num>
+                      <m:den>
+                        <m:r>
+                          <a:rPr lang="de-DE" i="1">
+                            <a:latin typeface="Cambria Math" panose="02040503050406030204" pitchFamily="18" charset="0"/>
+                            <a:ea typeface="Cambria Math" panose="02040503050406030204" pitchFamily="18" charset="0"/>
+                          </a:rPr>
+                          <m:t>∑</m:t>
+                        </m:r>
+                        <m:sSup>
+                          <m:sSupPr>
+                            <m:ctrlPr>
+                              <a:rPr lang="de-DE" i="1" baseline="-25000">
+                                <a:latin typeface="Cambria Math" panose="02040503050406030204" pitchFamily="18" charset="0"/>
+                                <a:ea typeface="Cambria Math" panose="02040503050406030204" pitchFamily="18" charset="0"/>
+                              </a:rPr>
+                            </m:ctrlPr>
+                          </m:sSupPr>
+                          <m:e>
+                            <m:r>
+                              <a:rPr lang="de-DE" i="1" baseline="-25000">
+                                <a:latin typeface="Cambria Math" panose="02040503050406030204" pitchFamily="18" charset="0"/>
+                                <a:ea typeface="Cambria Math" panose="02040503050406030204" pitchFamily="18" charset="0"/>
+                              </a:rPr>
+                              <m:t>𝑦</m:t>
+                            </m:r>
+                          </m:e>
+                          <m:sup>
+                            <m:r>
+                              <a:rPr lang="de-DE" i="1" baseline="-25000">
+                                <a:latin typeface="Cambria Math" panose="02040503050406030204" pitchFamily="18" charset="0"/>
+                                <a:ea typeface="Cambria Math" panose="02040503050406030204" pitchFamily="18" charset="0"/>
+                              </a:rPr>
+                              <m:t>′ </m:t>
+                            </m:r>
+                          </m:sup>
+                        </m:sSup>
+                        <m:func>
+                          <m:funcPr>
+                            <m:ctrlPr>
+                              <a:rPr lang="de-DE" i="1">
+                                <a:latin typeface="Cambria Math" panose="02040503050406030204" pitchFamily="18" charset="0"/>
+                              </a:rPr>
+                            </m:ctrlPr>
+                          </m:funcPr>
+                          <m:fName>
+                            <m:r>
+                              <m:rPr>
+                                <m:sty m:val="p"/>
+                              </m:rPr>
+                              <a:rPr lang="de-DE">
+                                <a:latin typeface="Cambria Math" panose="02040503050406030204" pitchFamily="18" charset="0"/>
+                              </a:rPr>
+                              <m:t>exp</m:t>
+                            </m:r>
+                          </m:fName>
+                          <m:e>
+                            <m:r>
+                              <a:rPr lang="de-DE" i="1">
+                                <a:latin typeface="Cambria Math" panose="02040503050406030204" pitchFamily="18" charset="0"/>
+                                <a:ea typeface="Cambria Math" panose="02040503050406030204" pitchFamily="18" charset="0"/>
+                              </a:rPr>
+                              <m:t>∑</m:t>
+                            </m:r>
+                            <m:r>
+                              <a:rPr lang="de-DE" i="1" baseline="-25000">
+                                <a:latin typeface="Cambria Math" panose="02040503050406030204" pitchFamily="18" charset="0"/>
+                                <a:ea typeface="Cambria Math" panose="02040503050406030204" pitchFamily="18" charset="0"/>
+                              </a:rPr>
+                              <m:t>𝑖</m:t>
+                            </m:r>
+                            <m:r>
+                              <a:rPr lang="de-DE" i="1" baseline="-25000">
+                                <a:latin typeface="Cambria Math" panose="02040503050406030204" pitchFamily="18" charset="0"/>
+                                <a:ea typeface="Cambria Math" panose="02040503050406030204" pitchFamily="18" charset="0"/>
+                              </a:rPr>
+                              <m:t> </m:t>
+                            </m:r>
+                            <m:r>
+                              <a:rPr lang="en-GB" i="1">
+                                <a:latin typeface="Cambria Math" panose="02040503050406030204" pitchFamily="18" charset="0"/>
+                                <a:ea typeface="Cambria Math" panose="02040503050406030204" pitchFamily="18" charset="0"/>
+                              </a:rPr>
+                              <m:t>𝜆</m:t>
+                            </m:r>
+                            <m:r>
+                              <a:rPr lang="de-DE" i="1" baseline="-25000">
+                                <a:latin typeface="Cambria Math" panose="02040503050406030204" pitchFamily="18" charset="0"/>
+                                <a:ea typeface="Cambria Math" panose="02040503050406030204" pitchFamily="18" charset="0"/>
+                              </a:rPr>
+                              <m:t>𝑖</m:t>
+                            </m:r>
+                            <m:r>
+                              <a:rPr lang="de-DE" i="1">
+                                <a:latin typeface="Cambria Math" panose="02040503050406030204" pitchFamily="18" charset="0"/>
+                                <a:ea typeface="Cambria Math" panose="02040503050406030204" pitchFamily="18" charset="0"/>
+                              </a:rPr>
+                              <m:t>𝑓</m:t>
+                            </m:r>
+                            <m:r>
+                              <a:rPr lang="de-DE" i="1" baseline="-25000">
+                                <a:latin typeface="Cambria Math" panose="02040503050406030204" pitchFamily="18" charset="0"/>
+                                <a:ea typeface="Cambria Math" panose="02040503050406030204" pitchFamily="18" charset="0"/>
+                              </a:rPr>
+                              <m:t>𝑖</m:t>
+                            </m:r>
+                            <m:r>
+                              <a:rPr lang="de-DE" i="1">
+                                <a:latin typeface="Cambria Math" panose="02040503050406030204" pitchFamily="18" charset="0"/>
+                                <a:ea typeface="Cambria Math" panose="02040503050406030204" pitchFamily="18" charset="0"/>
+                              </a:rPr>
+                              <m:t>(</m:t>
+                            </m:r>
+                            <m:r>
+                              <a:rPr lang="de-DE" i="1">
+                                <a:latin typeface="Cambria Math" panose="02040503050406030204" pitchFamily="18" charset="0"/>
+                                <a:ea typeface="Cambria Math" panose="02040503050406030204" pitchFamily="18" charset="0"/>
+                              </a:rPr>
+                              <m:t>𝑦</m:t>
+                            </m:r>
+                            <m:r>
+                              <a:rPr lang="de-DE" i="1" baseline="30000">
+                                <a:latin typeface="Cambria Math" panose="02040503050406030204" pitchFamily="18" charset="0"/>
+                                <a:ea typeface="Cambria Math" panose="02040503050406030204" pitchFamily="18" charset="0"/>
+                              </a:rPr>
+                              <m:t>′</m:t>
+                            </m:r>
+                            <m:r>
+                              <a:rPr lang="de-DE" i="1">
+                                <a:latin typeface="Cambria Math" panose="02040503050406030204" pitchFamily="18" charset="0"/>
+                                <a:ea typeface="Cambria Math" panose="02040503050406030204" pitchFamily="18" charset="0"/>
+                              </a:rPr>
+                              <m:t>,</m:t>
+                            </m:r>
+                            <m:r>
+                              <a:rPr lang="de-DE" b="1" i="1">
+                                <a:latin typeface="Cambria Math" panose="02040503050406030204" pitchFamily="18" charset="0"/>
+                                <a:ea typeface="Cambria Math" panose="02040503050406030204" pitchFamily="18" charset="0"/>
+                              </a:rPr>
+                              <m:t>𝒙</m:t>
+                            </m:r>
+                            <m:r>
+                              <a:rPr lang="de-DE" i="1">
+                                <a:latin typeface="Cambria Math" panose="02040503050406030204" pitchFamily="18" charset="0"/>
+                                <a:ea typeface="Cambria Math" panose="02040503050406030204" pitchFamily="18" charset="0"/>
+                              </a:rPr>
+                              <m:t>)</m:t>
+                            </m:r>
+                          </m:e>
+                        </m:func>
+                      </m:den>
+                    </m:f>
+                  </m:oMath>
+                </a14:m>
+                <a:r>
+                  <a:rPr lang="en-GB" dirty="0"/>
+                  <a:t>	=  </a:t>
+                </a:r>
+                <a14:m>
+                  <m:oMath xmlns:m="http://schemas.openxmlformats.org/officeDocument/2006/math">
+                    <m:f>
+                      <m:fPr>
+                        <m:ctrlPr>
+                          <a:rPr lang="en-GB" i="1">
+                            <a:latin typeface="Cambria Math" panose="02040503050406030204" pitchFamily="18" charset="0"/>
+                          </a:rPr>
+                        </m:ctrlPr>
+                      </m:fPr>
+                      <m:num>
+                        <m:r>
+                          <a:rPr lang="de-DE" i="1" smtClean="0">
+                            <a:latin typeface="Cambria Math" panose="02040503050406030204" pitchFamily="18" charset="0"/>
+                          </a:rPr>
+                          <m:t>𝑠</m:t>
+                        </m:r>
+                        <m:r>
+                          <a:rPr lang="de-DE" b="0" i="1" smtClean="0">
+                            <a:latin typeface="Cambria Math" panose="02040503050406030204" pitchFamily="18" charset="0"/>
+                          </a:rPr>
+                          <m:t>𝑐𝑜𝑟𝑒</m:t>
+                        </m:r>
+                        <m:r>
+                          <a:rPr lang="de-DE" b="0" i="1" smtClean="0">
+                            <a:latin typeface="Cambria Math" panose="02040503050406030204" pitchFamily="18" charset="0"/>
+                          </a:rPr>
+                          <m:t> </m:t>
+                        </m:r>
+                        <m:r>
+                          <a:rPr lang="de-DE" b="0" i="1" smtClean="0">
+                            <a:latin typeface="Cambria Math" panose="02040503050406030204" pitchFamily="18" charset="0"/>
+                          </a:rPr>
+                          <m:t>𝑜𝑓</m:t>
+                        </m:r>
+                        <m:r>
+                          <a:rPr lang="de-DE" b="0" i="1" smtClean="0">
+                            <a:latin typeface="Cambria Math" panose="02040503050406030204" pitchFamily="18" charset="0"/>
+                          </a:rPr>
+                          <m:t> </m:t>
+                        </m:r>
+                        <m:r>
+                          <a:rPr lang="de-DE" b="0" i="1" smtClean="0">
+                            <a:latin typeface="Cambria Math" panose="02040503050406030204" pitchFamily="18" charset="0"/>
+                          </a:rPr>
+                          <m:t>𝑎</m:t>
+                        </m:r>
+                        <m:r>
+                          <a:rPr lang="de-DE" b="0" i="1" smtClean="0">
+                            <a:latin typeface="Cambria Math" panose="02040503050406030204" pitchFamily="18" charset="0"/>
+                          </a:rPr>
+                          <m:t> </m:t>
+                        </m:r>
+                        <m:r>
+                          <a:rPr lang="de-DE" b="0" i="1" smtClean="0">
+                            <a:latin typeface="Cambria Math" panose="02040503050406030204" pitchFamily="18" charset="0"/>
+                          </a:rPr>
+                          <m:t>𝑐𝑙𝑎𝑠𝑠</m:t>
+                        </m:r>
+                        <m:r>
+                          <a:rPr lang="de-DE" b="0" i="1" smtClean="0">
+                            <a:latin typeface="Cambria Math" panose="02040503050406030204" pitchFamily="18" charset="0"/>
+                          </a:rPr>
+                          <m:t> </m:t>
+                        </m:r>
+                        <m:r>
+                          <a:rPr lang="de-DE" b="0" i="1" smtClean="0">
+                            <a:latin typeface="Cambria Math" panose="02040503050406030204" pitchFamily="18" charset="0"/>
+                          </a:rPr>
+                          <m:t>𝑦</m:t>
+                        </m:r>
+                      </m:num>
+                      <m:den>
+                        <m:r>
+                          <a:rPr lang="de-DE" b="0" i="1" smtClean="0">
+                            <a:latin typeface="Cambria Math" panose="02040503050406030204" pitchFamily="18" charset="0"/>
+                            <a:ea typeface="Cambria Math" panose="02040503050406030204" pitchFamily="18" charset="0"/>
+                          </a:rPr>
+                          <m:t>𝑠𝑢𝑚</m:t>
+                        </m:r>
+                        <m:r>
+                          <a:rPr lang="de-DE" b="0" i="1" smtClean="0">
+                            <a:latin typeface="Cambria Math" panose="02040503050406030204" pitchFamily="18" charset="0"/>
+                            <a:ea typeface="Cambria Math" panose="02040503050406030204" pitchFamily="18" charset="0"/>
+                          </a:rPr>
+                          <m:t> </m:t>
+                        </m:r>
+                        <m:r>
+                          <a:rPr lang="de-DE" b="0" i="1" smtClean="0">
+                            <a:latin typeface="Cambria Math" panose="02040503050406030204" pitchFamily="18" charset="0"/>
+                            <a:ea typeface="Cambria Math" panose="02040503050406030204" pitchFamily="18" charset="0"/>
+                          </a:rPr>
+                          <m:t>𝑜𝑓</m:t>
+                        </m:r>
+                        <m:r>
+                          <a:rPr lang="de-DE" b="0" i="1" smtClean="0">
+                            <a:latin typeface="Cambria Math" panose="02040503050406030204" pitchFamily="18" charset="0"/>
+                            <a:ea typeface="Cambria Math" panose="02040503050406030204" pitchFamily="18" charset="0"/>
+                          </a:rPr>
+                          <m:t> </m:t>
+                        </m:r>
+                        <m:r>
+                          <a:rPr lang="de-DE" b="0" i="1" smtClean="0">
+                            <a:latin typeface="Cambria Math" panose="02040503050406030204" pitchFamily="18" charset="0"/>
+                            <a:ea typeface="Cambria Math" panose="02040503050406030204" pitchFamily="18" charset="0"/>
+                          </a:rPr>
+                          <m:t>𝑠𝑐𝑜𝑟𝑒𝑠</m:t>
+                        </m:r>
+                        <m:r>
+                          <a:rPr lang="de-DE" b="0" i="1" smtClean="0">
+                            <a:latin typeface="Cambria Math" panose="02040503050406030204" pitchFamily="18" charset="0"/>
+                            <a:ea typeface="Cambria Math" panose="02040503050406030204" pitchFamily="18" charset="0"/>
+                          </a:rPr>
+                          <m:t> </m:t>
+                        </m:r>
+                        <m:r>
+                          <a:rPr lang="de-DE" b="0" i="1" smtClean="0">
+                            <a:latin typeface="Cambria Math" panose="02040503050406030204" pitchFamily="18" charset="0"/>
+                            <a:ea typeface="Cambria Math" panose="02040503050406030204" pitchFamily="18" charset="0"/>
+                          </a:rPr>
+                          <m:t>𝑓𝑜𝑟</m:t>
+                        </m:r>
+                        <m:r>
+                          <a:rPr lang="de-DE" b="0" i="1" smtClean="0">
+                            <a:latin typeface="Cambria Math" panose="02040503050406030204" pitchFamily="18" charset="0"/>
+                            <a:ea typeface="Cambria Math" panose="02040503050406030204" pitchFamily="18" charset="0"/>
+                          </a:rPr>
+                          <m:t> </m:t>
+                        </m:r>
+                        <m:r>
+                          <a:rPr lang="de-DE" b="0" i="1" smtClean="0">
+                            <a:latin typeface="Cambria Math" panose="02040503050406030204" pitchFamily="18" charset="0"/>
+                            <a:ea typeface="Cambria Math" panose="02040503050406030204" pitchFamily="18" charset="0"/>
+                          </a:rPr>
+                          <m:t>𝑎𝑙𝑙</m:t>
+                        </m:r>
+                        <m:r>
+                          <a:rPr lang="de-DE" b="0" i="1" smtClean="0">
+                            <a:latin typeface="Cambria Math" panose="02040503050406030204" pitchFamily="18" charset="0"/>
+                            <a:ea typeface="Cambria Math" panose="02040503050406030204" pitchFamily="18" charset="0"/>
+                          </a:rPr>
+                          <m:t> </m:t>
+                        </m:r>
+                        <m:r>
+                          <a:rPr lang="de-DE" b="0" i="1" smtClean="0">
+                            <a:latin typeface="Cambria Math" panose="02040503050406030204" pitchFamily="18" charset="0"/>
+                            <a:ea typeface="Cambria Math" panose="02040503050406030204" pitchFamily="18" charset="0"/>
+                          </a:rPr>
+                          <m:t>𝑐𝑙𝑎𝑠𝑠𝑒𝑠</m:t>
+                        </m:r>
+                        <m:r>
+                          <a:rPr lang="de-DE" b="0" i="1" smtClean="0">
+                            <a:latin typeface="Cambria Math" panose="02040503050406030204" pitchFamily="18" charset="0"/>
+                            <a:ea typeface="Cambria Math" panose="02040503050406030204" pitchFamily="18" charset="0"/>
+                          </a:rPr>
+                          <m:t> </m:t>
+                        </m:r>
+                        <m:r>
+                          <a:rPr lang="de-DE" b="0" i="1" smtClean="0">
+                            <a:latin typeface="Cambria Math" panose="02040503050406030204" pitchFamily="18" charset="0"/>
+                            <a:ea typeface="Cambria Math" panose="02040503050406030204" pitchFamily="18" charset="0"/>
+                          </a:rPr>
+                          <m:t>𝑦</m:t>
+                        </m:r>
+                        <m:r>
+                          <a:rPr lang="de-DE" b="0" i="1" baseline="30000" smtClean="0">
+                            <a:latin typeface="Cambria Math" panose="02040503050406030204" pitchFamily="18" charset="0"/>
+                            <a:ea typeface="Cambria Math" panose="02040503050406030204" pitchFamily="18" charset="0"/>
+                          </a:rPr>
+                          <m:t>′</m:t>
+                        </m:r>
+                      </m:den>
+                    </m:f>
+                  </m:oMath>
+                </a14:m>
+                <a:endParaRPr lang="en-GB" dirty="0"/>
+              </a:p>
+              <a:p>
+                <a:pPr marL="0" indent="0">
+                  <a:buNone/>
+                </a:pPr>
+                <a:endParaRPr lang="en-GB" dirty="0"/>
+              </a:p>
+              <a:p>
+                <a:r>
+                  <a:rPr lang="en-GB" dirty="0"/>
+                  <a:t>What is a feature?</a:t>
+                </a:r>
+              </a:p>
+              <a:p>
+                <a:pPr lvl="1"/>
+                <a:r>
+                  <a:rPr lang="en-GB" dirty="0"/>
+                  <a:t>document property paired with a label</a:t>
+                </a:r>
+              </a:p>
+              <a:p>
+                <a:pPr lvl="1"/>
+                <a:r>
+                  <a:rPr lang="en-GB" dirty="0"/>
+                  <a:t>e.g.: </a:t>
+                </a:r>
+                <a14:m>
+                  <m:oMath xmlns:m="http://schemas.openxmlformats.org/officeDocument/2006/math">
+                    <m:sSub>
+                      <m:sSubPr>
+                        <m:ctrlPr>
+                          <a:rPr lang="de-DE" sz="2000" b="0" i="1" smtClean="0">
+                            <a:latin typeface="Cambria Math" panose="02040503050406030204" pitchFamily="18" charset="0"/>
+                          </a:rPr>
+                        </m:ctrlPr>
+                      </m:sSubPr>
+                      <m:e>
+                        <m:r>
+                          <a:rPr lang="en-GB" sz="2000" i="1" smtClean="0">
+                            <a:latin typeface="Cambria Math" panose="02040503050406030204" pitchFamily="18" charset="0"/>
+                          </a:rPr>
+                          <m:t>𝑓</m:t>
+                        </m:r>
+                      </m:e>
+                      <m:sub>
+                        <m:r>
+                          <a:rPr lang="de-DE" sz="2000" b="0" i="1" smtClean="0">
+                            <a:latin typeface="Cambria Math" panose="02040503050406030204" pitchFamily="18" charset="0"/>
+                          </a:rPr>
+                          <m:t>1</m:t>
+                        </m:r>
+                      </m:sub>
+                    </m:sSub>
+                    <m:d>
+                      <m:dPr>
+                        <m:ctrlPr>
+                          <a:rPr lang="en-GB" sz="2000" i="1" smtClean="0">
+                            <a:latin typeface="Cambria Math" panose="02040503050406030204" pitchFamily="18" charset="0"/>
+                          </a:rPr>
+                        </m:ctrlPr>
+                      </m:dPr>
+                      <m:e>
+                        <m:r>
+                          <a:rPr lang="de-DE" sz="2000" b="0" i="1" smtClean="0">
+                            <a:latin typeface="Cambria Math" panose="02040503050406030204" pitchFamily="18" charset="0"/>
+                          </a:rPr>
+                          <m:t>𝑦</m:t>
+                        </m:r>
+                        <m:r>
+                          <a:rPr lang="de-DE" sz="2000" b="0" i="1" smtClean="0">
+                            <a:latin typeface="Cambria Math" panose="02040503050406030204" pitchFamily="18" charset="0"/>
+                          </a:rPr>
+                          <m:t>,</m:t>
+                        </m:r>
+                        <m:acc>
+                          <m:accPr>
+                            <m:chr m:val="̅"/>
+                            <m:ctrlPr>
+                              <a:rPr lang="de-DE" sz="2000" b="0" i="1" smtClean="0">
+                                <a:latin typeface="Cambria Math" panose="02040503050406030204" pitchFamily="18" charset="0"/>
+                              </a:rPr>
+                            </m:ctrlPr>
+                          </m:accPr>
+                          <m:e>
+                            <m:r>
+                              <a:rPr lang="de-DE" sz="2000" b="0" i="1" smtClean="0">
+                                <a:latin typeface="Cambria Math" panose="02040503050406030204" pitchFamily="18" charset="0"/>
+                              </a:rPr>
+                              <m:t>𝑥</m:t>
+                            </m:r>
+                          </m:e>
+                        </m:acc>
+                      </m:e>
+                    </m:d>
+                    <m:r>
+                      <a:rPr lang="en-GB" sz="2000" i="1" smtClean="0">
+                        <a:latin typeface="Cambria Math" panose="02040503050406030204" pitchFamily="18" charset="0"/>
+                      </a:rPr>
+                      <m:t>=</m:t>
+                    </m:r>
+                    <m:d>
+                      <m:dPr>
+                        <m:begChr m:val="{"/>
+                        <m:endChr m:val=""/>
+                        <m:ctrlPr>
+                          <a:rPr lang="en-GB" sz="2000" i="1" smtClean="0">
+                            <a:latin typeface="Cambria Math" panose="02040503050406030204" pitchFamily="18" charset="0"/>
+                          </a:rPr>
+                        </m:ctrlPr>
+                      </m:dPr>
+                      <m:e>
+                        <m:eqArr>
+                          <m:eqArrPr>
+                            <m:ctrlPr>
+                              <a:rPr lang="en-GB" sz="2000" i="1" smtClean="0">
+                                <a:latin typeface="Cambria Math" panose="02040503050406030204" pitchFamily="18" charset="0"/>
+                              </a:rPr>
+                            </m:ctrlPr>
+                          </m:eqArrPr>
+                          <m:e>
+                            <m:r>
+                              <a:rPr lang="de-DE" sz="2000" b="0" i="1" smtClean="0">
+                                <a:latin typeface="Cambria Math" panose="02040503050406030204" pitchFamily="18" charset="0"/>
+                              </a:rPr>
+                              <m:t>1</m:t>
+                            </m:r>
+                            <m:r>
+                              <a:rPr lang="en-GB" sz="2000" i="1" smtClean="0">
+                                <a:latin typeface="Cambria Math" panose="02040503050406030204" pitchFamily="18" charset="0"/>
+                              </a:rPr>
+                              <m:t>, </m:t>
+                            </m:r>
+                          </m:e>
+                          <m:e>
+                            <m:r>
+                              <a:rPr lang="en-GB" sz="2000" i="1" smtClean="0">
+                                <a:latin typeface="Cambria Math" panose="02040503050406030204" pitchFamily="18" charset="0"/>
+                              </a:rPr>
+                              <m:t>&amp;</m:t>
+                            </m:r>
+                            <m:r>
+                              <a:rPr lang="de-DE" sz="2000" b="0" i="1" smtClean="0">
+                                <a:latin typeface="Cambria Math" panose="02040503050406030204" pitchFamily="18" charset="0"/>
+                              </a:rPr>
+                              <m:t>0,</m:t>
+                            </m:r>
+                            <m:r>
+                              <a:rPr lang="en-GB" sz="2000" i="1" smtClean="0">
+                                <a:latin typeface="Cambria Math" panose="02040503050406030204" pitchFamily="18" charset="0"/>
+                              </a:rPr>
+                              <m:t> </m:t>
+                            </m:r>
+                          </m:e>
+                        </m:eqArr>
+                        <m:f>
+                          <m:fPr>
+                            <m:type m:val="noBar"/>
+                            <m:ctrlPr>
+                              <a:rPr lang="en-GB" sz="2000" i="1" smtClean="0">
+                                <a:latin typeface="Cambria Math" panose="02040503050406030204" pitchFamily="18" charset="0"/>
+                              </a:rPr>
+                            </m:ctrlPr>
+                          </m:fPr>
+                          <m:num>
+                            <m:r>
+                              <a:rPr lang="de-DE" sz="2000" i="1" smtClean="0">
+                                <a:latin typeface="Cambria Math" panose="02040503050406030204" pitchFamily="18" charset="0"/>
+                              </a:rPr>
+                              <m:t>𝑦</m:t>
+                            </m:r>
+                            <m:r>
+                              <a:rPr lang="de-DE" sz="2000" b="0" i="1" smtClean="0">
+                                <a:latin typeface="Cambria Math" panose="02040503050406030204" pitchFamily="18" charset="0"/>
+                              </a:rPr>
+                              <m:t> </m:t>
+                            </m:r>
+                            <m:r>
+                              <a:rPr lang="de-DE" sz="2000" i="1" smtClean="0">
+                                <a:latin typeface="Cambria Math" panose="02040503050406030204" pitchFamily="18" charset="0"/>
+                              </a:rPr>
+                              <m:t>=</m:t>
+                            </m:r>
+                            <m:r>
+                              <a:rPr lang="de-DE" sz="2000" b="0" i="1" smtClean="0">
+                                <a:latin typeface="Cambria Math" panose="02040503050406030204" pitchFamily="18" charset="0"/>
+                              </a:rPr>
+                              <m:t> </m:t>
+                            </m:r>
+                            <m:r>
+                              <m:rPr>
+                                <m:nor/>
+                              </m:rPr>
+                              <a:rPr lang="de-DE" sz="2000" i="0" smtClean="0">
+                                <a:latin typeface="Cambria Math" panose="02040503050406030204" pitchFamily="18" charset="0"/>
+                              </a:rPr>
+                              <m:t>Shakespeare</m:t>
+                            </m:r>
+                            <m:r>
+                              <a:rPr lang="de-DE" sz="2000" b="0" i="1" smtClean="0">
+                                <a:latin typeface="Cambria Math" panose="02040503050406030204" pitchFamily="18" charset="0"/>
+                              </a:rPr>
+                              <m:t> </m:t>
+                            </m:r>
+                            <m:r>
+                              <a:rPr lang="de-DE" sz="2000" i="1" smtClean="0">
+                                <a:latin typeface="Cambria Math" panose="02040503050406030204" pitchFamily="18" charset="0"/>
+                              </a:rPr>
+                              <m:t>∧</m:t>
+                            </m:r>
+                            <m:r>
+                              <a:rPr lang="de-DE" sz="2000" b="0" i="1" smtClean="0">
+                                <a:latin typeface="Cambria Math" panose="02040503050406030204" pitchFamily="18" charset="0"/>
+                              </a:rPr>
+                              <m:t> </m:t>
+                            </m:r>
+                            <m:r>
+                              <m:rPr>
+                                <m:nor/>
+                              </m:rPr>
+                              <a:rPr lang="de-DE" sz="2000" i="0" smtClean="0">
+                                <a:latin typeface="Cambria Math" panose="02040503050406030204" pitchFamily="18" charset="0"/>
+                              </a:rPr>
+                              <m:t>thou</m:t>
+                            </m:r>
+                            <m:r>
+                              <a:rPr lang="de-DE" sz="2000" b="0" i="1" smtClean="0">
+                                <a:latin typeface="Cambria Math" panose="02040503050406030204" pitchFamily="18" charset="0"/>
+                              </a:rPr>
+                              <m:t> </m:t>
+                            </m:r>
+                            <m:r>
+                              <a:rPr lang="de-DE" sz="2000" i="1" smtClean="0">
+                                <a:latin typeface="Cambria Math" panose="02040503050406030204" pitchFamily="18" charset="0"/>
+                                <a:ea typeface="Cambria Math" panose="02040503050406030204" pitchFamily="18" charset="0"/>
+                              </a:rPr>
+                              <m:t>∈</m:t>
+                            </m:r>
+                            <m:r>
+                              <a:rPr lang="de-DE" sz="2000" b="0" i="1" smtClean="0">
+                                <a:latin typeface="Cambria Math" panose="02040503050406030204" pitchFamily="18" charset="0"/>
+                                <a:ea typeface="Cambria Math" panose="02040503050406030204" pitchFamily="18" charset="0"/>
+                              </a:rPr>
+                              <m:t> </m:t>
+                            </m:r>
+                            <m:acc>
+                              <m:accPr>
+                                <m:chr m:val="̅"/>
+                                <m:ctrlPr>
+                                  <a:rPr lang="de-DE" sz="2000" i="1">
+                                    <a:latin typeface="Cambria Math" panose="02040503050406030204" pitchFamily="18" charset="0"/>
+                                    <a:ea typeface="Cambria Math" panose="02040503050406030204" pitchFamily="18" charset="0"/>
+                                  </a:rPr>
+                                </m:ctrlPr>
+                              </m:accPr>
+                              <m:e>
+                                <m:r>
+                                  <a:rPr lang="de-DE" sz="2000" i="1" smtClean="0">
+                                    <a:latin typeface="Cambria Math" panose="02040503050406030204" pitchFamily="18" charset="0"/>
+                                    <a:ea typeface="Cambria Math" panose="02040503050406030204" pitchFamily="18" charset="0"/>
+                                  </a:rPr>
+                                  <m:t>𝑥</m:t>
+                                </m:r>
+                              </m:e>
+                            </m:acc>
+                          </m:num>
+                          <m:den>
+                            <m:r>
+                              <m:rPr>
+                                <m:nor/>
+                              </m:rPr>
+                              <a:rPr lang="de-DE" sz="2000" b="0" i="0" smtClean="0">
+                                <a:latin typeface="Cambria Math" panose="02040503050406030204" pitchFamily="18" charset="0"/>
+                              </a:rPr>
+                              <m:t>otherwise</m:t>
+                            </m:r>
+                          </m:den>
+                        </m:f>
+                      </m:e>
+                    </m:d>
+                  </m:oMath>
+                </a14:m>
+                <a:endParaRPr lang="en-GB" dirty="0"/>
+              </a:p>
+              <a:p>
+                <a:endParaRPr lang="en-GB" dirty="0"/>
+              </a:p>
+              <a:p>
+                <a:r>
+                  <a:rPr lang="en-GB" dirty="0"/>
+                  <a:t>Training by stochastic gradient descent</a:t>
+                </a:r>
+              </a:p>
+            </p:txBody>
+          </p:sp>
+        </mc:Choice>
+        <mc:Fallback>
+          <p:sp>
+            <p:nvSpPr>
+              <p:cNvPr id="4" name="Inhaltsplatzhalter 3">
+                <a:extLst>
+                  <a:ext uri="{FF2B5EF4-FFF2-40B4-BE49-F238E27FC236}">
+                    <a16:creationId xmlns:a16="http://schemas.microsoft.com/office/drawing/2014/main" id="{C13F0CCD-E58F-4E53-A61C-D7F519E057E5}"/>
+                  </a:ext>
+                </a:extLst>
+              </p:cNvPr>
+              <p:cNvSpPr>
+                <a:spLocks noGrp="1" noRot="1" noChangeAspect="1" noMove="1" noResize="1" noEditPoints="1" noAdjustHandles="1" noChangeArrowheads="1" noChangeShapeType="1" noTextEdit="1"/>
+              </p:cNvSpPr>
+              <p:nvPr>
+                <p:ph idx="1"/>
+              </p:nvPr>
+            </p:nvSpPr>
+            <p:spPr>
+              <a:blipFill>
+                <a:blip r:embed="rId2"/>
+                <a:stretch>
+                  <a:fillRect l="-1386" t="-740" b="-2589"/>
+                </a:stretch>
+              </a:blipFill>
+            </p:spPr>
+            <p:txBody>
+              <a:bodyPr/>
+              <a:lstStyle/>
+              <a:p>
+                <a:r>
+                  <a:rPr lang="en-GB">
+                    <a:noFill/>
+                  </a:rPr>
+                  <a:t> </a:t>
+                </a:r>
+              </a:p>
+            </p:txBody>
+          </p:sp>
+        </mc:Fallback>
+      </mc:AlternateContent>
+      <p:sp>
+        <p:nvSpPr>
+          <p:cNvPr id="5" name="Foliennummernplatzhalter 4">
+            <a:extLst>
+              <a:ext uri="{FF2B5EF4-FFF2-40B4-BE49-F238E27FC236}">
+                <a16:creationId xmlns:a16="http://schemas.microsoft.com/office/drawing/2014/main" id="{EBCEF89A-7CA8-4797-B6AA-902EC78AE707}"/>
+              </a:ext>
+            </a:extLst>
+          </p:cNvPr>
+          <p:cNvSpPr>
+            <a:spLocks noGrp="1"/>
+          </p:cNvSpPr>
+          <p:nvPr>
+            <p:ph type="sldNum" sz="quarter" idx="12"/>
+          </p:nvPr>
+        </p:nvSpPr>
+        <p:spPr/>
+        <p:txBody>
+          <a:bodyPr/>
+          <a:lstStyle/>
+          <a:p>
+            <a:fld id="{54518C2F-5E54-4CF8-B37A-4631A050CED9}" type="slidenum">
+              <a:rPr lang="de-DE" smtClean="0"/>
+              <a:pPr/>
+              <a:t>5</a:t>
+            </a:fld>
+            <a:endParaRPr lang="de-DE" dirty="0"/>
+          </a:p>
+        </p:txBody>
+      </p:sp>
+      <p:sp>
+        <p:nvSpPr>
+          <p:cNvPr id="6" name="Fußzeilenplatzhalter 5">
+            <a:extLst>
+              <a:ext uri="{FF2B5EF4-FFF2-40B4-BE49-F238E27FC236}">
+                <a16:creationId xmlns:a16="http://schemas.microsoft.com/office/drawing/2014/main" id="{D8EB7B29-C378-48C3-934B-489353BDB564}"/>
+              </a:ext>
+            </a:extLst>
+          </p:cNvPr>
+          <p:cNvSpPr>
+            <a:spLocks noGrp="1"/>
+          </p:cNvSpPr>
+          <p:nvPr>
+            <p:ph type="ftr" sz="quarter" idx="11"/>
+          </p:nvPr>
+        </p:nvSpPr>
+        <p:spPr/>
+        <p:txBody>
+          <a:bodyPr/>
+          <a:lstStyle/>
+          <a:p>
+            <a:r>
+              <a:rPr lang="de-DE"/>
+              <a:t>Team Lab NLP | Author Classification in Poetry		Katrin Schmidt – Carlotta Quensel</a:t>
+            </a:r>
+            <a:endParaRPr lang="de-DE" dirty="0"/>
+          </a:p>
+        </p:txBody>
+      </p:sp>
+    </p:spTree>
+    <p:extLst>
+      <p:ext uri="{BB962C8B-B14F-4D97-AF65-F5344CB8AC3E}">
+        <p14:creationId xmlns:p14="http://schemas.microsoft.com/office/powerpoint/2010/main" val="3492052573"/>
+      </p:ext>
+    </p:extLst>
+  </p:cSld>
+  <p:clrMapOvr>
+    <a:masterClrMapping/>
+  </p:clrMapOvr>
+</p:sld>
+</file>
+
+<file path=ppt/slides/slide6.xml><?xml version="1.0" encoding="utf-8"?>
+<p:sld xmlns:a="http://schemas.openxmlformats.org/drawingml/2006/main" xmlns:r="http://schemas.openxmlformats.org/officeDocument/2006/relationships" xmlns:p="http://schemas.openxmlformats.org/presentationml/2006/main">
+  <p:cSld>
+    <p:spTree>
+      <p:nvGrpSpPr>
+        <p:cNvPr id="1" name=""/>
+        <p:cNvGrpSpPr/>
+        <p:nvPr/>
+      </p:nvGrpSpPr>
+      <p:grpSpPr>
+        <a:xfrm>
+          <a:off x="0" y="0"/>
+          <a:ext cx="0" cy="0"/>
+          <a:chOff x="0" y="0"/>
+          <a:chExt cx="0" cy="0"/>
+        </a:xfrm>
+      </p:grpSpPr>
+      <p:sp>
+        <p:nvSpPr>
+          <p:cNvPr id="2" name="Titel 1">
+            <a:extLst>
+              <a:ext uri="{FF2B5EF4-FFF2-40B4-BE49-F238E27FC236}">
+                <a16:creationId xmlns:a16="http://schemas.microsoft.com/office/drawing/2014/main" id="{81949E24-7A9D-47B2-A263-C1CC5FE8BB85}"/>
+              </a:ext>
+            </a:extLst>
+          </p:cNvPr>
+          <p:cNvSpPr>
+            <a:spLocks noGrp="1"/>
+          </p:cNvSpPr>
+          <p:nvPr>
+            <p:ph type="title"/>
+          </p:nvPr>
+        </p:nvSpPr>
+        <p:spPr/>
+        <p:txBody>
+          <a:bodyPr/>
+          <a:lstStyle/>
+          <a:p>
+            <a:r>
+              <a:rPr lang="de-DE" b="0" dirty="0">
+                <a:latin typeface="+mn-lt"/>
+              </a:rPr>
+              <a:t>2. Baseline </a:t>
+            </a:r>
+            <a:r>
+              <a:rPr lang="de-DE" b="0" dirty="0" err="1">
+                <a:latin typeface="+mn-lt"/>
+              </a:rPr>
+              <a:t>model</a:t>
+            </a:r>
+            <a:endParaRPr lang="en-GB" dirty="0"/>
+          </a:p>
+        </p:txBody>
+      </p:sp>
+      <p:sp>
+        <p:nvSpPr>
+          <p:cNvPr id="3" name="Textplatzhalter 2">
+            <a:extLst>
+              <a:ext uri="{FF2B5EF4-FFF2-40B4-BE49-F238E27FC236}">
+                <a16:creationId xmlns:a16="http://schemas.microsoft.com/office/drawing/2014/main" id="{7697FC03-7E16-465A-AD46-C65DC30903F7}"/>
+              </a:ext>
+            </a:extLst>
+          </p:cNvPr>
+          <p:cNvSpPr>
+            <a:spLocks noGrp="1"/>
+          </p:cNvSpPr>
+          <p:nvPr>
+            <p:ph type="body" sz="quarter" idx="13"/>
+          </p:nvPr>
+        </p:nvSpPr>
+        <p:spPr/>
+        <p:txBody>
+          <a:bodyPr/>
+          <a:lstStyle/>
+          <a:p>
+            <a:r>
+              <a:rPr lang="de-DE" dirty="0" err="1"/>
+              <a:t>Our</a:t>
+            </a:r>
+            <a:r>
+              <a:rPr lang="de-DE" dirty="0"/>
+              <a:t> </a:t>
+            </a:r>
+            <a:r>
+              <a:rPr lang="de-DE" dirty="0" err="1"/>
+              <a:t>implementation</a:t>
+            </a:r>
+            <a:endParaRPr lang="en-GB" dirty="0"/>
+          </a:p>
+        </p:txBody>
+      </p:sp>
+      <p:sp>
+        <p:nvSpPr>
+          <p:cNvPr id="4" name="Inhaltsplatzhalter 3">
+            <a:extLst>
+              <a:ext uri="{FF2B5EF4-FFF2-40B4-BE49-F238E27FC236}">
+                <a16:creationId xmlns:a16="http://schemas.microsoft.com/office/drawing/2014/main" id="{C13F0CCD-E58F-4E53-A61C-D7F519E057E5}"/>
+              </a:ext>
+            </a:extLst>
+          </p:cNvPr>
+          <p:cNvSpPr>
+            <a:spLocks noGrp="1"/>
+          </p:cNvSpPr>
+          <p:nvPr>
+            <p:ph idx="1"/>
+          </p:nvPr>
+        </p:nvSpPr>
+        <p:spPr/>
+        <p:txBody>
+          <a:bodyPr/>
+          <a:lstStyle/>
+          <a:p>
+            <a:r>
+              <a:rPr lang="en-GB" dirty="0"/>
+              <a:t>Documents as 0/1 word vectors built from the vocabulary of the training data</a:t>
+            </a:r>
+          </a:p>
+          <a:p>
+            <a:r>
+              <a:rPr lang="en-GB" dirty="0"/>
+              <a:t>Features have a label string and the index of a word as the document property</a:t>
+            </a:r>
+          </a:p>
+          <a:p>
+            <a:pPr lvl="1"/>
+            <a:r>
+              <a:rPr lang="en-GB" dirty="0"/>
+              <a:t>Learned from the training data as pointwise mutual information</a:t>
+            </a:r>
+          </a:p>
+          <a:p>
+            <a:r>
+              <a:rPr lang="en-GB" dirty="0"/>
+              <a:t>Program:</a:t>
+            </a:r>
+          </a:p>
+          <a:p>
+            <a:pPr marL="709076" lvl="1" indent="-457200">
+              <a:buFont typeface="+mj-lt"/>
+              <a:buAutoNum type="arabicPeriod"/>
+            </a:pPr>
+            <a:r>
+              <a:rPr lang="en-GB" dirty="0"/>
+              <a:t>Learn 50 features for each label in the training data</a:t>
+            </a:r>
+          </a:p>
+          <a:p>
+            <a:pPr marL="709076" lvl="1" indent="-457200">
+              <a:buFont typeface="+mj-lt"/>
+              <a:buAutoNum type="arabicPeriod"/>
+            </a:pPr>
+            <a:r>
+              <a:rPr lang="en-GB" dirty="0"/>
+              <a:t>Assign a random weight to each feature</a:t>
+            </a:r>
+          </a:p>
+          <a:p>
+            <a:pPr marL="709076" lvl="1" indent="-457200">
+              <a:buFont typeface="+mj-lt"/>
+              <a:buAutoNum type="arabicPeriod"/>
+            </a:pPr>
+            <a:r>
+              <a:rPr lang="en-GB" dirty="0"/>
+              <a:t>Calculate the classifier’s accuracy with these weights</a:t>
+            </a:r>
+          </a:p>
+          <a:p>
+            <a:pPr marL="709076" lvl="1" indent="-457200">
+              <a:buFont typeface="+mj-lt"/>
+              <a:buAutoNum type="arabicPeriod"/>
+            </a:pPr>
+            <a:r>
+              <a:rPr lang="en-GB" dirty="0"/>
+              <a:t>Improve them through iterative optimization with stochastic gradient descent:</a:t>
+            </a:r>
+          </a:p>
+          <a:p>
+            <a:pPr lvl="2"/>
+            <a:r>
+              <a:rPr lang="en-GB" dirty="0"/>
+              <a:t>calculate the </a:t>
+            </a:r>
+            <a:r>
+              <a:rPr lang="en-GB" b="1" dirty="0"/>
+              <a:t>derivative of the function F (conditional log likelihood)</a:t>
+            </a:r>
+          </a:p>
+          <a:p>
+            <a:pPr lvl="2"/>
+            <a:r>
+              <a:rPr lang="en-GB" dirty="0" err="1"/>
+              <a:t>new_weight</a:t>
+            </a:r>
+            <a:r>
+              <a:rPr lang="en-GB" dirty="0"/>
+              <a:t> = </a:t>
+            </a:r>
+            <a:r>
+              <a:rPr lang="en-GB" dirty="0" err="1"/>
+              <a:t>old_weight</a:t>
+            </a:r>
+            <a:r>
+              <a:rPr lang="en-GB" dirty="0"/>
+              <a:t> - derivative </a:t>
+            </a:r>
+          </a:p>
+          <a:p>
+            <a:pPr marL="709076" lvl="1" indent="-457200">
+              <a:buFont typeface="+mj-lt"/>
+              <a:buAutoNum type="arabicPeriod"/>
+            </a:pPr>
+            <a:r>
+              <a:rPr lang="en-GB" dirty="0"/>
+              <a:t>Classify by computing the p(</a:t>
+            </a:r>
+            <a:r>
+              <a:rPr lang="en-GB" dirty="0" err="1"/>
+              <a:t>label|doc</a:t>
+            </a:r>
+            <a:r>
+              <a:rPr lang="en-GB" dirty="0"/>
+              <a:t>) and choosing the label with the highest probability</a:t>
+            </a:r>
+          </a:p>
+          <a:p>
+            <a:pPr marL="0" indent="0">
+              <a:buNone/>
+            </a:pPr>
+            <a:endParaRPr lang="en-GB" dirty="0"/>
+          </a:p>
+        </p:txBody>
+      </p:sp>
+      <p:sp>
+        <p:nvSpPr>
+          <p:cNvPr id="5" name="Foliennummernplatzhalter 4">
+            <a:extLst>
+              <a:ext uri="{FF2B5EF4-FFF2-40B4-BE49-F238E27FC236}">
+                <a16:creationId xmlns:a16="http://schemas.microsoft.com/office/drawing/2014/main" id="{EBCEF89A-7CA8-4797-B6AA-902EC78AE707}"/>
+              </a:ext>
+            </a:extLst>
+          </p:cNvPr>
+          <p:cNvSpPr>
+            <a:spLocks noGrp="1"/>
+          </p:cNvSpPr>
+          <p:nvPr>
+            <p:ph type="sldNum" sz="quarter" idx="12"/>
+          </p:nvPr>
+        </p:nvSpPr>
+        <p:spPr/>
+        <p:txBody>
+          <a:bodyPr/>
+          <a:lstStyle/>
+          <a:p>
+            <a:fld id="{54518C2F-5E54-4CF8-B37A-4631A050CED9}" type="slidenum">
+              <a:rPr lang="de-DE" smtClean="0"/>
+              <a:pPr/>
+              <a:t>6</a:t>
+            </a:fld>
+            <a:endParaRPr lang="de-DE" dirty="0"/>
+          </a:p>
+        </p:txBody>
+      </p:sp>
+      <p:sp>
+        <p:nvSpPr>
+          <p:cNvPr id="6" name="Fußzeilenplatzhalter 5">
+            <a:extLst>
+              <a:ext uri="{FF2B5EF4-FFF2-40B4-BE49-F238E27FC236}">
+                <a16:creationId xmlns:a16="http://schemas.microsoft.com/office/drawing/2014/main" id="{D8EB7B29-C378-48C3-934B-489353BDB564}"/>
+              </a:ext>
+            </a:extLst>
+          </p:cNvPr>
+          <p:cNvSpPr>
+            <a:spLocks noGrp="1"/>
+          </p:cNvSpPr>
+          <p:nvPr>
+            <p:ph type="ftr" sz="quarter" idx="11"/>
+          </p:nvPr>
+        </p:nvSpPr>
+        <p:spPr/>
+        <p:txBody>
+          <a:bodyPr/>
+          <a:lstStyle/>
+          <a:p>
+            <a:r>
+              <a:rPr lang="de-DE"/>
+              <a:t>Team Lab NLP | Author Classification in Poetry		Katrin Schmidt – Carlotta Quensel</a:t>
+            </a:r>
+            <a:endParaRPr lang="de-DE" dirty="0"/>
+          </a:p>
+        </p:txBody>
+      </p:sp>
+    </p:spTree>
+    <p:extLst>
+      <p:ext uri="{BB962C8B-B14F-4D97-AF65-F5344CB8AC3E}">
+        <p14:creationId xmlns:p14="http://schemas.microsoft.com/office/powerpoint/2010/main" val="4184427880"/>
+      </p:ext>
+    </p:extLst>
+  </p:cSld>
+  <p:clrMapOvr>
+    <a:masterClrMapping/>
+  </p:clrMapOvr>
+</p:sld>
+</file>
+
+<file path=ppt/slides/slide7.xml><?xml version="1.0" encoding="utf-8"?>
+<p:sld xmlns:a="http://schemas.openxmlformats.org/drawingml/2006/main" xmlns:r="http://schemas.openxmlformats.org/officeDocument/2006/relationships" xmlns:p="http://schemas.openxmlformats.org/presentationml/2006/main">
+  <p:cSld>
+    <p:spTree>
+      <p:nvGrpSpPr>
+        <p:cNvPr id="1" name=""/>
+        <p:cNvGrpSpPr/>
+        <p:nvPr/>
+      </p:nvGrpSpPr>
+      <p:grpSpPr>
+        <a:xfrm>
+          <a:off x="0" y="0"/>
+          <a:ext cx="0" cy="0"/>
+          <a:chOff x="0" y="0"/>
+          <a:chExt cx="0" cy="0"/>
+        </a:xfrm>
+      </p:grpSpPr>
+      <p:sp>
+        <p:nvSpPr>
+          <p:cNvPr id="2" name="Titel 1">
+            <a:extLst>
+              <a:ext uri="{FF2B5EF4-FFF2-40B4-BE49-F238E27FC236}">
+                <a16:creationId xmlns:a16="http://schemas.microsoft.com/office/drawing/2014/main" id="{09CEE31A-91AB-49FD-AC6A-B961244274D3}"/>
+              </a:ext>
+            </a:extLst>
+          </p:cNvPr>
+          <p:cNvSpPr>
+            <a:spLocks noGrp="1"/>
+          </p:cNvSpPr>
+          <p:nvPr>
+            <p:ph type="title"/>
+          </p:nvPr>
+        </p:nvSpPr>
+        <p:spPr/>
+        <p:txBody>
+          <a:bodyPr/>
+          <a:lstStyle/>
+          <a:p>
+            <a:r>
+              <a:rPr lang="de-DE" dirty="0"/>
+              <a:t>3. </a:t>
+            </a:r>
+            <a:r>
+              <a:rPr lang="de-DE" dirty="0" err="1"/>
+              <a:t>Results</a:t>
+            </a:r>
+            <a:endParaRPr lang="en-GB" dirty="0"/>
+          </a:p>
+        </p:txBody>
+      </p:sp>
+      <p:sp>
+        <p:nvSpPr>
+          <p:cNvPr id="3" name="Textplatzhalter 2">
+            <a:extLst>
+              <a:ext uri="{FF2B5EF4-FFF2-40B4-BE49-F238E27FC236}">
+                <a16:creationId xmlns:a16="http://schemas.microsoft.com/office/drawing/2014/main" id="{3A0AB0FC-9646-4FE5-AF7D-9A1EB4DBDDD4}"/>
+              </a:ext>
+            </a:extLst>
+          </p:cNvPr>
+          <p:cNvSpPr>
+            <a:spLocks noGrp="1"/>
+          </p:cNvSpPr>
+          <p:nvPr>
+            <p:ph type="body" sz="quarter" idx="13"/>
+          </p:nvPr>
+        </p:nvSpPr>
+        <p:spPr/>
+        <p:txBody>
+          <a:bodyPr/>
+          <a:lstStyle/>
+          <a:p>
+            <a:endParaRPr lang="en-GB"/>
+          </a:p>
+        </p:txBody>
+      </p:sp>
+      <p:sp>
+        <p:nvSpPr>
+          <p:cNvPr id="4" name="Inhaltsplatzhalter 3">
+            <a:extLst>
+              <a:ext uri="{FF2B5EF4-FFF2-40B4-BE49-F238E27FC236}">
+                <a16:creationId xmlns:a16="http://schemas.microsoft.com/office/drawing/2014/main" id="{18487C19-84C0-4653-BDF8-C7E6064750F6}"/>
+              </a:ext>
+            </a:extLst>
+          </p:cNvPr>
+          <p:cNvSpPr>
+            <a:spLocks noGrp="1"/>
+          </p:cNvSpPr>
+          <p:nvPr>
+            <p:ph idx="1"/>
+          </p:nvPr>
+        </p:nvSpPr>
+        <p:spPr/>
+        <p:txBody>
+          <a:bodyPr/>
+          <a:lstStyle/>
+          <a:p>
+            <a:endParaRPr lang="en-GB" dirty="0"/>
+          </a:p>
+        </p:txBody>
+      </p:sp>
+      <p:sp>
+        <p:nvSpPr>
+          <p:cNvPr id="5" name="Foliennummernplatzhalter 4">
+            <a:extLst>
+              <a:ext uri="{FF2B5EF4-FFF2-40B4-BE49-F238E27FC236}">
+                <a16:creationId xmlns:a16="http://schemas.microsoft.com/office/drawing/2014/main" id="{8A95AC79-56F5-42C6-B760-FAEFB0281F72}"/>
+              </a:ext>
+            </a:extLst>
+          </p:cNvPr>
+          <p:cNvSpPr>
+            <a:spLocks noGrp="1"/>
+          </p:cNvSpPr>
+          <p:nvPr>
+            <p:ph type="sldNum" sz="quarter" idx="12"/>
+          </p:nvPr>
+        </p:nvSpPr>
+        <p:spPr/>
+        <p:txBody>
+          <a:bodyPr/>
+          <a:lstStyle/>
+          <a:p>
+            <a:fld id="{54518C2F-5E54-4CF8-B37A-4631A050CED9}" type="slidenum">
+              <a:rPr lang="de-DE" smtClean="0"/>
+              <a:pPr/>
+              <a:t>7</a:t>
+            </a:fld>
+            <a:endParaRPr lang="de-DE" dirty="0"/>
+          </a:p>
+        </p:txBody>
+      </p:sp>
+      <p:sp>
+        <p:nvSpPr>
+          <p:cNvPr id="6" name="Fußzeilenplatzhalter 5">
+            <a:extLst>
+              <a:ext uri="{FF2B5EF4-FFF2-40B4-BE49-F238E27FC236}">
+                <a16:creationId xmlns:a16="http://schemas.microsoft.com/office/drawing/2014/main" id="{748912F1-D610-4729-AEEE-9675D89A0F12}"/>
+              </a:ext>
+            </a:extLst>
+          </p:cNvPr>
+          <p:cNvSpPr>
+            <a:spLocks noGrp="1"/>
+          </p:cNvSpPr>
+          <p:nvPr>
+            <p:ph type="ftr" sz="quarter" idx="11"/>
+          </p:nvPr>
+        </p:nvSpPr>
+        <p:spPr/>
+        <p:txBody>
+          <a:bodyPr/>
+          <a:lstStyle/>
+          <a:p>
+            <a:r>
+              <a:rPr lang="de-DE"/>
+              <a:t>Team Lab NLP | Author Classification in Poetry		Katrin Schmidt – Carlotta Quensel</a:t>
+            </a:r>
+            <a:endParaRPr lang="de-DE" dirty="0"/>
+          </a:p>
+        </p:txBody>
+      </p:sp>
+    </p:spTree>
+    <p:extLst>
+      <p:ext uri="{BB962C8B-B14F-4D97-AF65-F5344CB8AC3E}">
+        <p14:creationId xmlns:p14="http://schemas.microsoft.com/office/powerpoint/2010/main" val="3666538615"/>
+      </p:ext>
+    </p:extLst>
+  </p:cSld>
+  <p:clrMapOvr>
+    <a:masterClrMapping/>
+  </p:clrMapOvr>
+</p:sld>
+</file>
+
+<file path=ppt/slides/slide8.xml><?xml version="1.0" encoding="utf-8"?>
+<p:sld xmlns:a="http://schemas.openxmlformats.org/drawingml/2006/main" xmlns:r="http://schemas.openxmlformats.org/officeDocument/2006/relationships" xmlns:p="http://schemas.openxmlformats.org/presentationml/2006/main">
+  <p:cSld>
+    <p:spTree>
+      <p:nvGrpSpPr>
+        <p:cNvPr id="1" name=""/>
+        <p:cNvGrpSpPr/>
+        <p:nvPr/>
+      </p:nvGrpSpPr>
+      <p:grpSpPr>
+        <a:xfrm>
+          <a:off x="0" y="0"/>
+          <a:ext cx="0" cy="0"/>
+          <a:chOff x="0" y="0"/>
+          <a:chExt cx="0" cy="0"/>
+        </a:xfrm>
+      </p:grpSpPr>
+      <p:sp>
+        <p:nvSpPr>
+          <p:cNvPr id="2" name="Titel 1">
+            <a:extLst>
+              <a:ext uri="{FF2B5EF4-FFF2-40B4-BE49-F238E27FC236}">
+                <a16:creationId xmlns:a16="http://schemas.microsoft.com/office/drawing/2014/main" id="{09CEE31A-91AB-49FD-AC6A-B961244274D3}"/>
+              </a:ext>
+            </a:extLst>
+          </p:cNvPr>
+          <p:cNvSpPr>
+            <a:spLocks noGrp="1"/>
+          </p:cNvSpPr>
+          <p:nvPr>
+            <p:ph type="title"/>
+          </p:nvPr>
+        </p:nvSpPr>
+        <p:spPr/>
+        <p:txBody>
+          <a:bodyPr/>
+          <a:lstStyle/>
+          <a:p>
+            <a:r>
+              <a:rPr lang="de-DE" dirty="0"/>
+              <a:t>4. Next </a:t>
+            </a:r>
+            <a:r>
+              <a:rPr lang="de-DE" dirty="0" err="1"/>
+              <a:t>steps</a:t>
+            </a:r>
+            <a:endParaRPr lang="en-GB" dirty="0"/>
+          </a:p>
+        </p:txBody>
+      </p:sp>
+      <p:sp>
+        <p:nvSpPr>
+          <p:cNvPr id="3" name="Textplatzhalter 2">
+            <a:extLst>
+              <a:ext uri="{FF2B5EF4-FFF2-40B4-BE49-F238E27FC236}">
+                <a16:creationId xmlns:a16="http://schemas.microsoft.com/office/drawing/2014/main" id="{3A0AB0FC-9646-4FE5-AF7D-9A1EB4DBDDD4}"/>
+              </a:ext>
+            </a:extLst>
+          </p:cNvPr>
+          <p:cNvSpPr>
+            <a:spLocks noGrp="1"/>
+          </p:cNvSpPr>
+          <p:nvPr>
+            <p:ph type="body" sz="quarter" idx="13"/>
+          </p:nvPr>
+        </p:nvSpPr>
+        <p:spPr/>
+        <p:txBody>
+          <a:bodyPr/>
+          <a:lstStyle/>
+          <a:p>
+            <a:endParaRPr lang="en-GB"/>
+          </a:p>
+        </p:txBody>
+      </p:sp>
+      <p:sp>
+        <p:nvSpPr>
+          <p:cNvPr id="4" name="Inhaltsplatzhalter 3">
+            <a:extLst>
+              <a:ext uri="{FF2B5EF4-FFF2-40B4-BE49-F238E27FC236}">
+                <a16:creationId xmlns:a16="http://schemas.microsoft.com/office/drawing/2014/main" id="{18487C19-84C0-4653-BDF8-C7E6064750F6}"/>
+              </a:ext>
+            </a:extLst>
+          </p:cNvPr>
+          <p:cNvSpPr>
+            <a:spLocks noGrp="1"/>
+          </p:cNvSpPr>
+          <p:nvPr>
+            <p:ph idx="1"/>
+          </p:nvPr>
+        </p:nvSpPr>
+        <p:spPr/>
+        <p:txBody>
+          <a:bodyPr/>
+          <a:lstStyle/>
+          <a:p>
+            <a:endParaRPr lang="en-GB" dirty="0"/>
+          </a:p>
+        </p:txBody>
+      </p:sp>
+      <p:sp>
+        <p:nvSpPr>
+          <p:cNvPr id="5" name="Foliennummernplatzhalter 4">
+            <a:extLst>
+              <a:ext uri="{FF2B5EF4-FFF2-40B4-BE49-F238E27FC236}">
+                <a16:creationId xmlns:a16="http://schemas.microsoft.com/office/drawing/2014/main" id="{8A95AC79-56F5-42C6-B760-FAEFB0281F72}"/>
+              </a:ext>
+            </a:extLst>
+          </p:cNvPr>
+          <p:cNvSpPr>
+            <a:spLocks noGrp="1"/>
+          </p:cNvSpPr>
+          <p:nvPr>
+            <p:ph type="sldNum" sz="quarter" idx="12"/>
+          </p:nvPr>
+        </p:nvSpPr>
+        <p:spPr/>
+        <p:txBody>
+          <a:bodyPr/>
+          <a:lstStyle/>
+          <a:p>
+            <a:fld id="{54518C2F-5E54-4CF8-B37A-4631A050CED9}" type="slidenum">
+              <a:rPr lang="de-DE" smtClean="0"/>
+              <a:pPr/>
+              <a:t>8</a:t>
+            </a:fld>
+            <a:endParaRPr lang="de-DE" dirty="0"/>
+          </a:p>
+        </p:txBody>
+      </p:sp>
+      <p:sp>
+        <p:nvSpPr>
+          <p:cNvPr id="6" name="Fußzeilenplatzhalter 5">
+            <a:extLst>
+              <a:ext uri="{FF2B5EF4-FFF2-40B4-BE49-F238E27FC236}">
+                <a16:creationId xmlns:a16="http://schemas.microsoft.com/office/drawing/2014/main" id="{748912F1-D610-4729-AEEE-9675D89A0F12}"/>
+              </a:ext>
+            </a:extLst>
+          </p:cNvPr>
+          <p:cNvSpPr>
+            <a:spLocks noGrp="1"/>
+          </p:cNvSpPr>
+          <p:nvPr>
+            <p:ph type="ftr" sz="quarter" idx="11"/>
+          </p:nvPr>
+        </p:nvSpPr>
+        <p:spPr/>
+        <p:txBody>
+          <a:bodyPr/>
+          <a:lstStyle/>
+          <a:p>
+            <a:r>
+              <a:rPr lang="de-DE"/>
+              <a:t>Team Lab NLP | Author Classification in Poetry		Katrin Schmidt – Carlotta Quensel</a:t>
+            </a:r>
+            <a:endParaRPr lang="de-DE" dirty="0"/>
+          </a:p>
+        </p:txBody>
+      </p:sp>
+    </p:spTree>
+    <p:extLst>
+      <p:ext uri="{BB962C8B-B14F-4D97-AF65-F5344CB8AC3E}">
+        <p14:creationId xmlns:p14="http://schemas.microsoft.com/office/powerpoint/2010/main" val="3416307102"/>
+      </p:ext>
+    </p:extLst>
+  </p:cSld>
+  <p:clrMapOvr>
+    <a:masterClrMapping/>
+  </p:clrMapOvr>
+</p:sld>
+</file>
+
+<file path=ppt/slides/slide9.xml><?xml version="1.0" encoding="utf-8"?>
 <p:sld xmlns:a="http://schemas.openxmlformats.org/drawingml/2006/main" xmlns:r="http://schemas.openxmlformats.org/officeDocument/2006/relationships" xmlns:p="http://schemas.openxmlformats.org/presentationml/2006/main">
   <p:cSld>
     <p:spTree>

--- a/reports/TeamLab-presentation.pptx
+++ b/reports/TeamLab-presentation.pptx
@@ -138,6 +138,2685 @@
     </p:ext>
   </p:extLst>
 </p:presentation>
+</file>
+
+<file path=ppt/diagrams/colors1.xml><?xml version="1.0" encoding="utf-8"?>
+<dgm:colorsDef xmlns:dgm="http://schemas.openxmlformats.org/drawingml/2006/diagram" xmlns:a="http://schemas.openxmlformats.org/drawingml/2006/main" uniqueId="urn:microsoft.com/office/officeart/2005/8/colors/accent1_2">
+  <dgm:title val=""/>
+  <dgm:desc val=""/>
+  <dgm:catLst>
+    <dgm:cat type="accent1" pri="11200"/>
+  </dgm:catLst>
+  <dgm:styleLbl name="node0">
+    <dgm:fillClrLst meth="repeat">
+      <a:schemeClr val="accent1"/>
+    </dgm:fillClrLst>
+    <dgm:linClrLst meth="repeat">
+      <a:schemeClr val="lt1"/>
+    </dgm:linClrLst>
+    <dgm:effectClrLst/>
+    <dgm:txLinClrLst/>
+    <dgm:txFillClrLst/>
+    <dgm:txEffectClrLst/>
+  </dgm:styleLbl>
+  <dgm:styleLbl name="alignNode1">
+    <dgm:fillClrLst meth="repeat">
+      <a:schemeClr val="accent1"/>
+    </dgm:fillClrLst>
+    <dgm:linClrLst meth="repeat">
+      <a:schemeClr val="accent1"/>
+    </dgm:linClrLst>
+    <dgm:effectClrLst/>
+    <dgm:txLinClrLst/>
+    <dgm:txFillClrLst/>
+    <dgm:txEffectClrLst/>
+  </dgm:styleLbl>
+  <dgm:styleLbl name="node1">
+    <dgm:fillClrLst meth="repeat">
+      <a:schemeClr val="accent1"/>
+    </dgm:fillClrLst>
+    <dgm:linClrLst meth="repeat">
+      <a:schemeClr val="lt1"/>
+    </dgm:linClrLst>
+    <dgm:effectClrLst/>
+    <dgm:txLinClrLst/>
+    <dgm:txFillClrLst/>
+    <dgm:txEffectClrLst/>
+  </dgm:styleLbl>
+  <dgm:styleLbl name="lnNode1">
+    <dgm:fillClrLst meth="repeat">
+      <a:schemeClr val="accent1"/>
+    </dgm:fillClrLst>
+    <dgm:linClrLst meth="repeat">
+      <a:schemeClr val="lt1"/>
+    </dgm:linClrLst>
+    <dgm:effectClrLst/>
+    <dgm:txLinClrLst/>
+    <dgm:txFillClrLst/>
+    <dgm:txEffectClrLst/>
+  </dgm:styleLbl>
+  <dgm:styleLbl name="vennNode1">
+    <dgm:fillClrLst meth="repeat">
+      <a:schemeClr val="accent1">
+        <a:alpha val="50000"/>
+      </a:schemeClr>
+    </dgm:fillClrLst>
+    <dgm:linClrLst meth="repeat">
+      <a:schemeClr val="lt1"/>
+    </dgm:linClrLst>
+    <dgm:effectClrLst/>
+    <dgm:txLinClrLst/>
+    <dgm:txFillClrLst/>
+    <dgm:txEffectClrLst/>
+  </dgm:styleLbl>
+  <dgm:styleLbl name="node2">
+    <dgm:fillClrLst meth="repeat">
+      <a:schemeClr val="accent1"/>
+    </dgm:fillClrLst>
+    <dgm:linClrLst meth="repeat">
+      <a:schemeClr val="lt1"/>
+    </dgm:linClrLst>
+    <dgm:effectClrLst/>
+    <dgm:txLinClrLst/>
+    <dgm:txFillClrLst/>
+    <dgm:txEffectClrLst/>
+  </dgm:styleLbl>
+  <dgm:styleLbl name="node3">
+    <dgm:fillClrLst meth="repeat">
+      <a:schemeClr val="accent1"/>
+    </dgm:fillClrLst>
+    <dgm:linClrLst meth="repeat">
+      <a:schemeClr val="lt1"/>
+    </dgm:linClrLst>
+    <dgm:effectClrLst/>
+    <dgm:txLinClrLst/>
+    <dgm:txFillClrLst/>
+    <dgm:txEffectClrLst/>
+  </dgm:styleLbl>
+  <dgm:styleLbl name="node4">
+    <dgm:fillClrLst meth="repeat">
+      <a:schemeClr val="accent1"/>
+    </dgm:fillClrLst>
+    <dgm:linClrLst meth="repeat">
+      <a:schemeClr val="lt1"/>
+    </dgm:linClrLst>
+    <dgm:effectClrLst/>
+    <dgm:txLinClrLst/>
+    <dgm:txFillClrLst/>
+    <dgm:txEffectClrLst/>
+  </dgm:styleLbl>
+  <dgm:styleLbl name="fgImgPlace1">
+    <dgm:fillClrLst meth="repeat">
+      <a:schemeClr val="accent1">
+        <a:tint val="50000"/>
+      </a:schemeClr>
+    </dgm:fillClrLst>
+    <dgm:linClrLst meth="repeat">
+      <a:schemeClr val="lt1"/>
+    </dgm:linClrLst>
+    <dgm:effectClrLst/>
+    <dgm:txLinClrLst/>
+    <dgm:txFillClrLst meth="repeat">
+      <a:schemeClr val="lt1"/>
+    </dgm:txFillClrLst>
+    <dgm:txEffectClrLst/>
+  </dgm:styleLbl>
+  <dgm:styleLbl name="alignImgPlace1">
+    <dgm:fillClrLst meth="repeat">
+      <a:schemeClr val="accent1">
+        <a:tint val="50000"/>
+      </a:schemeClr>
+    </dgm:fillClrLst>
+    <dgm:linClrLst meth="repeat">
+      <a:schemeClr val="lt1"/>
+    </dgm:linClrLst>
+    <dgm:effectClrLst/>
+    <dgm:txLinClrLst/>
+    <dgm:txFillClrLst meth="repeat">
+      <a:schemeClr val="lt1"/>
+    </dgm:txFillClrLst>
+    <dgm:txEffectClrLst/>
+  </dgm:styleLbl>
+  <dgm:styleLbl name="bgImgPlace1">
+    <dgm:fillClrLst meth="repeat">
+      <a:schemeClr val="accent1">
+        <a:tint val="50000"/>
+      </a:schemeClr>
+    </dgm:fillClrLst>
+    <dgm:linClrLst meth="repeat">
+      <a:schemeClr val="lt1"/>
+    </dgm:linClrLst>
+    <dgm:effectClrLst/>
+    <dgm:txLinClrLst/>
+    <dgm:txFillClrLst meth="repeat">
+      <a:schemeClr val="lt1"/>
+    </dgm:txFillClrLst>
+    <dgm:txEffectClrLst/>
+  </dgm:styleLbl>
+  <dgm:styleLbl name="sibTrans2D1">
+    <dgm:fillClrLst meth="repeat">
+      <a:schemeClr val="accent1">
+        <a:tint val="60000"/>
+      </a:schemeClr>
+    </dgm:fillClrLst>
+    <dgm:linClrLst meth="repeat">
+      <a:schemeClr val="accent1">
+        <a:tint val="60000"/>
+      </a:schemeClr>
+    </dgm:linClrLst>
+    <dgm:effectClrLst/>
+    <dgm:txLinClrLst/>
+    <dgm:txFillClrLst/>
+    <dgm:txEffectClrLst/>
+  </dgm:styleLbl>
+  <dgm:styleLbl name="fgSibTrans2D1">
+    <dgm:fillClrLst meth="repeat">
+      <a:schemeClr val="accent1">
+        <a:tint val="60000"/>
+      </a:schemeClr>
+    </dgm:fillClrLst>
+    <dgm:linClrLst meth="repeat">
+      <a:schemeClr val="accent1">
+        <a:tint val="60000"/>
+      </a:schemeClr>
+    </dgm:linClrLst>
+    <dgm:effectClrLst/>
+    <dgm:txLinClrLst/>
+    <dgm:txFillClrLst/>
+    <dgm:txEffectClrLst/>
+  </dgm:styleLbl>
+  <dgm:styleLbl name="bgSibTrans2D1">
+    <dgm:fillClrLst meth="repeat">
+      <a:schemeClr val="accent1">
+        <a:tint val="60000"/>
+      </a:schemeClr>
+    </dgm:fillClrLst>
+    <dgm:linClrLst meth="repeat">
+      <a:schemeClr val="accent1">
+        <a:tint val="60000"/>
+      </a:schemeClr>
+    </dgm:linClrLst>
+    <dgm:effectClrLst/>
+    <dgm:txLinClrLst/>
+    <dgm:txFillClrLst/>
+    <dgm:txEffectClrLst/>
+  </dgm:styleLbl>
+  <dgm:styleLbl name="sibTrans1D1">
+    <dgm:fillClrLst meth="repeat">
+      <a:schemeClr val="accent1"/>
+    </dgm:fillClrLst>
+    <dgm:linClrLst meth="repeat">
+      <a:schemeClr val="accent1"/>
+    </dgm:linClrLst>
+    <dgm:effectClrLst/>
+    <dgm:txLinClrLst/>
+    <dgm:txFillClrLst meth="repeat">
+      <a:schemeClr val="tx1"/>
+    </dgm:txFillClrLst>
+    <dgm:txEffectClrLst/>
+  </dgm:styleLbl>
+  <dgm:styleLbl name="callout">
+    <dgm:fillClrLst meth="repeat">
+      <a:schemeClr val="accent1"/>
+    </dgm:fillClrLst>
+    <dgm:linClrLst meth="repeat">
+      <a:schemeClr val="accent1">
+        <a:tint val="50000"/>
+      </a:schemeClr>
+    </dgm:linClrLst>
+    <dgm:effectClrLst/>
+    <dgm:txLinClrLst/>
+    <dgm:txFillClrLst meth="repeat">
+      <a:schemeClr val="tx1"/>
+    </dgm:txFillClrLst>
+    <dgm:txEffectClrLst/>
+  </dgm:styleLbl>
+  <dgm:styleLbl name="asst0">
+    <dgm:fillClrLst meth="repeat">
+      <a:schemeClr val="accent1"/>
+    </dgm:fillClrLst>
+    <dgm:linClrLst meth="repeat">
+      <a:schemeClr val="lt1"/>
+    </dgm:linClrLst>
+    <dgm:effectClrLst/>
+    <dgm:txLinClrLst/>
+    <dgm:txFillClrLst/>
+    <dgm:txEffectClrLst/>
+  </dgm:styleLbl>
+  <dgm:styleLbl name="asst1">
+    <dgm:fillClrLst meth="repeat">
+      <a:schemeClr val="accent1"/>
+    </dgm:fillClrLst>
+    <dgm:linClrLst meth="repeat">
+      <a:schemeClr val="lt1"/>
+    </dgm:linClrLst>
+    <dgm:effectClrLst/>
+    <dgm:txLinClrLst/>
+    <dgm:txFillClrLst/>
+    <dgm:txEffectClrLst/>
+  </dgm:styleLbl>
+  <dgm:styleLbl name="asst2">
+    <dgm:fillClrLst meth="repeat">
+      <a:schemeClr val="accent1"/>
+    </dgm:fillClrLst>
+    <dgm:linClrLst meth="repeat">
+      <a:schemeClr val="lt1"/>
+    </dgm:linClrLst>
+    <dgm:effectClrLst/>
+    <dgm:txLinClrLst/>
+    <dgm:txFillClrLst/>
+    <dgm:txEffectClrLst/>
+  </dgm:styleLbl>
+  <dgm:styleLbl name="asst3">
+    <dgm:fillClrLst meth="repeat">
+      <a:schemeClr val="accent1"/>
+    </dgm:fillClrLst>
+    <dgm:linClrLst meth="repeat">
+      <a:schemeClr val="lt1"/>
+    </dgm:linClrLst>
+    <dgm:effectClrLst/>
+    <dgm:txLinClrLst/>
+    <dgm:txFillClrLst/>
+    <dgm:txEffectClrLst/>
+  </dgm:styleLbl>
+  <dgm:styleLbl name="asst4">
+    <dgm:fillClrLst meth="repeat">
+      <a:schemeClr val="accent1"/>
+    </dgm:fillClrLst>
+    <dgm:linClrLst meth="repeat">
+      <a:schemeClr val="lt1"/>
+    </dgm:linClrLst>
+    <dgm:effectClrLst/>
+    <dgm:txLinClrLst/>
+    <dgm:txFillClrLst/>
+    <dgm:txEffectClrLst/>
+  </dgm:styleLbl>
+  <dgm:styleLbl name="parChTrans2D1">
+    <dgm:fillClrLst meth="repeat">
+      <a:schemeClr val="accent1">
+        <a:tint val="60000"/>
+      </a:schemeClr>
+    </dgm:fillClrLst>
+    <dgm:linClrLst meth="repeat">
+      <a:schemeClr val="accent1">
+        <a:tint val="60000"/>
+      </a:schemeClr>
+    </dgm:linClrLst>
+    <dgm:effectClrLst/>
+    <dgm:txLinClrLst/>
+    <dgm:txFillClrLst meth="repeat">
+      <a:schemeClr val="lt1"/>
+    </dgm:txFillClrLst>
+    <dgm:txEffectClrLst/>
+  </dgm:styleLbl>
+  <dgm:styleLbl name="parChTrans2D2">
+    <dgm:fillClrLst meth="repeat">
+      <a:schemeClr val="accent1"/>
+    </dgm:fillClrLst>
+    <dgm:linClrLst meth="repeat">
+      <a:schemeClr val="accent1"/>
+    </dgm:linClrLst>
+    <dgm:effectClrLst/>
+    <dgm:txLinClrLst/>
+    <dgm:txFillClrLst meth="repeat">
+      <a:schemeClr val="lt1"/>
+    </dgm:txFillClrLst>
+    <dgm:txEffectClrLst/>
+  </dgm:styleLbl>
+  <dgm:styleLbl name="parChTrans2D3">
+    <dgm:fillClrLst meth="repeat">
+      <a:schemeClr val="accent1"/>
+    </dgm:fillClrLst>
+    <dgm:linClrLst meth="repeat">
+      <a:schemeClr val="accent1"/>
+    </dgm:linClrLst>
+    <dgm:effectClrLst/>
+    <dgm:txLinClrLst/>
+    <dgm:txFillClrLst meth="repeat">
+      <a:schemeClr val="lt1"/>
+    </dgm:txFillClrLst>
+    <dgm:txEffectClrLst/>
+  </dgm:styleLbl>
+  <dgm:styleLbl name="parChTrans2D4">
+    <dgm:fillClrLst meth="repeat">
+      <a:schemeClr val="accent1"/>
+    </dgm:fillClrLst>
+    <dgm:linClrLst meth="repeat">
+      <a:schemeClr val="accent1"/>
+    </dgm:linClrLst>
+    <dgm:effectClrLst/>
+    <dgm:txLinClrLst/>
+    <dgm:txFillClrLst meth="repeat">
+      <a:schemeClr val="lt1"/>
+    </dgm:txFillClrLst>
+    <dgm:txEffectClrLst/>
+  </dgm:styleLbl>
+  <dgm:styleLbl name="parChTrans1D1">
+    <dgm:fillClrLst meth="repeat">
+      <a:schemeClr val="accent1"/>
+    </dgm:fillClrLst>
+    <dgm:linClrLst meth="repeat">
+      <a:schemeClr val="accent1">
+        <a:shade val="60000"/>
+      </a:schemeClr>
+    </dgm:linClrLst>
+    <dgm:effectClrLst/>
+    <dgm:txLinClrLst/>
+    <dgm:txFillClrLst meth="repeat">
+      <a:schemeClr val="tx1"/>
+    </dgm:txFillClrLst>
+    <dgm:txEffectClrLst/>
+  </dgm:styleLbl>
+  <dgm:styleLbl name="parChTrans1D2">
+    <dgm:fillClrLst meth="repeat">
+      <a:schemeClr val="accent1"/>
+    </dgm:fillClrLst>
+    <dgm:linClrLst meth="repeat">
+      <a:schemeClr val="accent1">
+        <a:shade val="60000"/>
+      </a:schemeClr>
+    </dgm:linClrLst>
+    <dgm:effectClrLst/>
+    <dgm:txLinClrLst/>
+    <dgm:txFillClrLst meth="repeat">
+      <a:schemeClr val="tx1"/>
+    </dgm:txFillClrLst>
+    <dgm:txEffectClrLst/>
+  </dgm:styleLbl>
+  <dgm:styleLbl name="parChTrans1D3">
+    <dgm:fillClrLst meth="repeat">
+      <a:schemeClr val="accent1"/>
+    </dgm:fillClrLst>
+    <dgm:linClrLst meth="repeat">
+      <a:schemeClr val="accent1">
+        <a:shade val="80000"/>
+      </a:schemeClr>
+    </dgm:linClrLst>
+    <dgm:effectClrLst/>
+    <dgm:txLinClrLst/>
+    <dgm:txFillClrLst meth="repeat">
+      <a:schemeClr val="tx1"/>
+    </dgm:txFillClrLst>
+    <dgm:txEffectClrLst/>
+  </dgm:styleLbl>
+  <dgm:styleLbl name="parChTrans1D4">
+    <dgm:fillClrLst meth="repeat">
+      <a:schemeClr val="accent1"/>
+    </dgm:fillClrLst>
+    <dgm:linClrLst meth="repeat">
+      <a:schemeClr val="accent1">
+        <a:shade val="80000"/>
+      </a:schemeClr>
+    </dgm:linClrLst>
+    <dgm:effectClrLst/>
+    <dgm:txLinClrLst/>
+    <dgm:txFillClrLst meth="repeat">
+      <a:schemeClr val="tx1"/>
+    </dgm:txFillClrLst>
+    <dgm:txEffectClrLst/>
+  </dgm:styleLbl>
+  <dgm:styleLbl name="fgAcc1">
+    <dgm:fillClrLst meth="repeat">
+      <a:schemeClr val="lt1">
+        <a:alpha val="90000"/>
+      </a:schemeClr>
+    </dgm:fillClrLst>
+    <dgm:linClrLst meth="repeat">
+      <a:schemeClr val="accent1"/>
+    </dgm:linClrLst>
+    <dgm:effectClrLst/>
+    <dgm:txLinClrLst/>
+    <dgm:txFillClrLst meth="repeat">
+      <a:schemeClr val="dk1"/>
+    </dgm:txFillClrLst>
+    <dgm:txEffectClrLst/>
+  </dgm:styleLbl>
+  <dgm:styleLbl name="conFgAcc1">
+    <dgm:fillClrLst meth="repeat">
+      <a:schemeClr val="lt1">
+        <a:alpha val="90000"/>
+      </a:schemeClr>
+    </dgm:fillClrLst>
+    <dgm:linClrLst meth="repeat">
+      <a:schemeClr val="accent1"/>
+    </dgm:linClrLst>
+    <dgm:effectClrLst/>
+    <dgm:txLinClrLst/>
+    <dgm:txFillClrLst meth="repeat">
+      <a:schemeClr val="dk1"/>
+    </dgm:txFillClrLst>
+    <dgm:txEffectClrLst/>
+  </dgm:styleLbl>
+  <dgm:styleLbl name="alignAcc1">
+    <dgm:fillClrLst meth="repeat">
+      <a:schemeClr val="lt1">
+        <a:alpha val="90000"/>
+      </a:schemeClr>
+    </dgm:fillClrLst>
+    <dgm:linClrLst meth="repeat">
+      <a:schemeClr val="accent1"/>
+    </dgm:linClrLst>
+    <dgm:effectClrLst/>
+    <dgm:txLinClrLst/>
+    <dgm:txFillClrLst meth="repeat">
+      <a:schemeClr val="dk1"/>
+    </dgm:txFillClrLst>
+    <dgm:txEffectClrLst/>
+  </dgm:styleLbl>
+  <dgm:styleLbl name="trAlignAcc1">
+    <dgm:fillClrLst meth="repeat">
+      <a:schemeClr val="lt1">
+        <a:alpha val="40000"/>
+      </a:schemeClr>
+    </dgm:fillClrLst>
+    <dgm:linClrLst meth="repeat">
+      <a:schemeClr val="accent1"/>
+    </dgm:linClrLst>
+    <dgm:effectClrLst/>
+    <dgm:txLinClrLst/>
+    <dgm:txFillClrLst meth="repeat">
+      <a:schemeClr val="dk1"/>
+    </dgm:txFillClrLst>
+    <dgm:txEffectClrLst/>
+  </dgm:styleLbl>
+  <dgm:styleLbl name="bgAcc1">
+    <dgm:fillClrLst meth="repeat">
+      <a:schemeClr val="lt1">
+        <a:alpha val="90000"/>
+      </a:schemeClr>
+    </dgm:fillClrLst>
+    <dgm:linClrLst meth="repeat">
+      <a:schemeClr val="accent1"/>
+    </dgm:linClrLst>
+    <dgm:effectClrLst/>
+    <dgm:txLinClrLst/>
+    <dgm:txFillClrLst meth="repeat">
+      <a:schemeClr val="dk1"/>
+    </dgm:txFillClrLst>
+    <dgm:txEffectClrLst/>
+  </dgm:styleLbl>
+  <dgm:styleLbl name="solidFgAcc1">
+    <dgm:fillClrLst meth="repeat">
+      <a:schemeClr val="lt1"/>
+    </dgm:fillClrLst>
+    <dgm:linClrLst meth="repeat">
+      <a:schemeClr val="accent1"/>
+    </dgm:linClrLst>
+    <dgm:effectClrLst/>
+    <dgm:txLinClrLst/>
+    <dgm:txFillClrLst meth="repeat">
+      <a:schemeClr val="dk1"/>
+    </dgm:txFillClrLst>
+    <dgm:txEffectClrLst/>
+  </dgm:styleLbl>
+  <dgm:styleLbl name="solidAlignAcc1">
+    <dgm:fillClrLst meth="repeat">
+      <a:schemeClr val="lt1"/>
+    </dgm:fillClrLst>
+    <dgm:linClrLst meth="repeat">
+      <a:schemeClr val="accent1"/>
+    </dgm:linClrLst>
+    <dgm:effectClrLst/>
+    <dgm:txLinClrLst/>
+    <dgm:txFillClrLst meth="repeat">
+      <a:schemeClr val="dk1"/>
+    </dgm:txFillClrLst>
+    <dgm:txEffectClrLst/>
+  </dgm:styleLbl>
+  <dgm:styleLbl name="solidBgAcc1">
+    <dgm:fillClrLst meth="repeat">
+      <a:schemeClr val="lt1"/>
+    </dgm:fillClrLst>
+    <dgm:linClrLst meth="repeat">
+      <a:schemeClr val="accent1"/>
+    </dgm:linClrLst>
+    <dgm:effectClrLst/>
+    <dgm:txLinClrLst/>
+    <dgm:txFillClrLst meth="repeat">
+      <a:schemeClr val="dk1"/>
+    </dgm:txFillClrLst>
+    <dgm:txEffectClrLst/>
+  </dgm:styleLbl>
+  <dgm:styleLbl name="fgAccFollowNode1">
+    <dgm:fillClrLst meth="repeat">
+      <a:schemeClr val="accent1">
+        <a:alpha val="90000"/>
+        <a:tint val="40000"/>
+      </a:schemeClr>
+    </dgm:fillClrLst>
+    <dgm:linClrLst meth="repeat">
+      <a:schemeClr val="accent1">
+        <a:alpha val="90000"/>
+        <a:tint val="40000"/>
+      </a:schemeClr>
+    </dgm:linClrLst>
+    <dgm:effectClrLst/>
+    <dgm:txLinClrLst/>
+    <dgm:txFillClrLst meth="repeat">
+      <a:schemeClr val="dk1"/>
+    </dgm:txFillClrLst>
+    <dgm:txEffectClrLst/>
+  </dgm:styleLbl>
+  <dgm:styleLbl name="alignAccFollowNode1">
+    <dgm:fillClrLst meth="repeat">
+      <a:schemeClr val="accent1">
+        <a:alpha val="90000"/>
+        <a:tint val="40000"/>
+      </a:schemeClr>
+    </dgm:fillClrLst>
+    <dgm:linClrLst meth="repeat">
+      <a:schemeClr val="accent1">
+        <a:alpha val="90000"/>
+        <a:tint val="40000"/>
+      </a:schemeClr>
+    </dgm:linClrLst>
+    <dgm:effectClrLst/>
+    <dgm:txLinClrLst/>
+    <dgm:txFillClrLst meth="repeat">
+      <a:schemeClr val="dk1"/>
+    </dgm:txFillClrLst>
+    <dgm:txEffectClrLst/>
+  </dgm:styleLbl>
+  <dgm:styleLbl name="bgAccFollowNode1">
+    <dgm:fillClrLst meth="repeat">
+      <a:schemeClr val="accent1">
+        <a:alpha val="90000"/>
+        <a:tint val="40000"/>
+      </a:schemeClr>
+    </dgm:fillClrLst>
+    <dgm:linClrLst meth="repeat">
+      <a:schemeClr val="accent1">
+        <a:alpha val="90000"/>
+        <a:tint val="40000"/>
+      </a:schemeClr>
+    </dgm:linClrLst>
+    <dgm:effectClrLst/>
+    <dgm:txLinClrLst/>
+    <dgm:txFillClrLst meth="repeat">
+      <a:schemeClr val="dk1"/>
+    </dgm:txFillClrLst>
+    <dgm:txEffectClrLst/>
+  </dgm:styleLbl>
+  <dgm:styleLbl name="fgAcc0">
+    <dgm:fillClrLst meth="repeat">
+      <a:schemeClr val="lt1">
+        <a:alpha val="90000"/>
+      </a:schemeClr>
+    </dgm:fillClrLst>
+    <dgm:linClrLst meth="repeat">
+      <a:schemeClr val="accent1"/>
+    </dgm:linClrLst>
+    <dgm:effectClrLst/>
+    <dgm:txLinClrLst/>
+    <dgm:txFillClrLst meth="repeat">
+      <a:schemeClr val="dk1"/>
+    </dgm:txFillClrLst>
+    <dgm:txEffectClrLst/>
+  </dgm:styleLbl>
+  <dgm:styleLbl name="fgAcc2">
+    <dgm:fillClrLst meth="repeat">
+      <a:schemeClr val="lt1">
+        <a:alpha val="90000"/>
+      </a:schemeClr>
+    </dgm:fillClrLst>
+    <dgm:linClrLst meth="repeat">
+      <a:schemeClr val="accent1"/>
+    </dgm:linClrLst>
+    <dgm:effectClrLst/>
+    <dgm:txLinClrLst/>
+    <dgm:txFillClrLst meth="repeat">
+      <a:schemeClr val="dk1"/>
+    </dgm:txFillClrLst>
+    <dgm:txEffectClrLst/>
+  </dgm:styleLbl>
+  <dgm:styleLbl name="fgAcc3">
+    <dgm:fillClrLst meth="repeat">
+      <a:schemeClr val="lt1">
+        <a:alpha val="90000"/>
+      </a:schemeClr>
+    </dgm:fillClrLst>
+    <dgm:linClrLst meth="repeat">
+      <a:schemeClr val="accent1"/>
+    </dgm:linClrLst>
+    <dgm:effectClrLst/>
+    <dgm:txLinClrLst/>
+    <dgm:txFillClrLst meth="repeat">
+      <a:schemeClr val="dk1"/>
+    </dgm:txFillClrLst>
+    <dgm:txEffectClrLst/>
+  </dgm:styleLbl>
+  <dgm:styleLbl name="fgAcc4">
+    <dgm:fillClrLst meth="repeat">
+      <a:schemeClr val="lt1">
+        <a:alpha val="90000"/>
+      </a:schemeClr>
+    </dgm:fillClrLst>
+    <dgm:linClrLst meth="repeat">
+      <a:schemeClr val="accent1"/>
+    </dgm:linClrLst>
+    <dgm:effectClrLst/>
+    <dgm:txLinClrLst/>
+    <dgm:txFillClrLst meth="repeat">
+      <a:schemeClr val="dk1"/>
+    </dgm:txFillClrLst>
+    <dgm:txEffectClrLst/>
+  </dgm:styleLbl>
+  <dgm:styleLbl name="bgShp">
+    <dgm:fillClrLst meth="repeat">
+      <a:schemeClr val="accent1">
+        <a:tint val="40000"/>
+      </a:schemeClr>
+    </dgm:fillClrLst>
+    <dgm:linClrLst meth="repeat">
+      <a:schemeClr val="accent1"/>
+    </dgm:linClrLst>
+    <dgm:effectClrLst/>
+    <dgm:txLinClrLst/>
+    <dgm:txFillClrLst meth="repeat">
+      <a:schemeClr val="dk1"/>
+    </dgm:txFillClrLst>
+    <dgm:txEffectClrLst/>
+  </dgm:styleLbl>
+  <dgm:styleLbl name="dkBgShp">
+    <dgm:fillClrLst meth="repeat">
+      <a:schemeClr val="accent1">
+        <a:shade val="80000"/>
+      </a:schemeClr>
+    </dgm:fillClrLst>
+    <dgm:linClrLst meth="repeat">
+      <a:schemeClr val="accent1"/>
+    </dgm:linClrLst>
+    <dgm:effectClrLst/>
+    <dgm:txLinClrLst/>
+    <dgm:txFillClrLst meth="repeat">
+      <a:schemeClr val="lt1"/>
+    </dgm:txFillClrLst>
+    <dgm:txEffectClrLst/>
+  </dgm:styleLbl>
+  <dgm:styleLbl name="trBgShp">
+    <dgm:fillClrLst meth="repeat">
+      <a:schemeClr val="accent1">
+        <a:tint val="50000"/>
+        <a:alpha val="40000"/>
+      </a:schemeClr>
+    </dgm:fillClrLst>
+    <dgm:linClrLst meth="repeat">
+      <a:schemeClr val="accent1"/>
+    </dgm:linClrLst>
+    <dgm:effectClrLst/>
+    <dgm:txLinClrLst/>
+    <dgm:txFillClrLst meth="repeat">
+      <a:schemeClr val="lt1"/>
+    </dgm:txFillClrLst>
+    <dgm:txEffectClrLst/>
+  </dgm:styleLbl>
+  <dgm:styleLbl name="fgShp">
+    <dgm:fillClrLst meth="repeat">
+      <a:schemeClr val="accent1">
+        <a:tint val="60000"/>
+      </a:schemeClr>
+    </dgm:fillClrLst>
+    <dgm:linClrLst meth="repeat">
+      <a:schemeClr val="lt1"/>
+    </dgm:linClrLst>
+    <dgm:effectClrLst/>
+    <dgm:txLinClrLst/>
+    <dgm:txFillClrLst meth="repeat">
+      <a:schemeClr val="dk1"/>
+    </dgm:txFillClrLst>
+    <dgm:txEffectClrLst/>
+  </dgm:styleLbl>
+  <dgm:styleLbl name="revTx">
+    <dgm:fillClrLst meth="repeat">
+      <a:schemeClr val="lt1">
+        <a:alpha val="0"/>
+      </a:schemeClr>
+    </dgm:fillClrLst>
+    <dgm:linClrLst meth="repeat">
+      <a:schemeClr val="dk1">
+        <a:alpha val="0"/>
+      </a:schemeClr>
+    </dgm:linClrLst>
+    <dgm:effectClrLst/>
+    <dgm:txLinClrLst/>
+    <dgm:txFillClrLst meth="repeat">
+      <a:schemeClr val="tx1"/>
+    </dgm:txFillClrLst>
+    <dgm:txEffectClrLst/>
+  </dgm:styleLbl>
+</dgm:colorsDef>
+</file>
+
+<file path=ppt/diagrams/data1.xml><?xml version="1.0" encoding="utf-8"?>
+<dgm:dataModel xmlns:dgm="http://schemas.openxmlformats.org/drawingml/2006/diagram" xmlns:a="http://schemas.openxmlformats.org/drawingml/2006/main">
+  <dgm:ptLst>
+    <dgm:pt modelId="{10EA341A-525C-4BB9-B24D-A922B5501BAA}" type="doc">
+      <dgm:prSet loTypeId="urn:microsoft.com/office/officeart/2005/8/layout/hProcess9" loCatId="process" qsTypeId="urn:microsoft.com/office/officeart/2005/8/quickstyle/simple1" qsCatId="simple" csTypeId="urn:microsoft.com/office/officeart/2005/8/colors/accent1_2" csCatId="accent1" phldr="1"/>
+      <dgm:spPr/>
+      <dgm:t>
+        <a:bodyPr/>
+        <a:lstStyle/>
+        <a:p>
+          <a:endParaRPr lang="en-GB"/>
+        </a:p>
+      </dgm:t>
+    </dgm:pt>
+    <dgm:pt modelId="{98A93C67-CD33-46A7-A38E-7D6E8D2182B8}">
+      <dgm:prSet/>
+      <dgm:spPr/>
+      <dgm:t>
+        <a:bodyPr/>
+        <a:lstStyle/>
+        <a:p>
+          <a:r>
+            <a:rPr lang="en-GB" dirty="0"/>
+            <a:t>50 features per label learned with PMI</a:t>
+          </a:r>
+        </a:p>
+      </dgm:t>
+    </dgm:pt>
+    <dgm:pt modelId="{3A0F8022-9173-40B0-BDFB-263A0A9E6ADC}" type="parTrans" cxnId="{FB4248B8-42A4-4A0F-BB11-9D5BFFB4D944}">
+      <dgm:prSet/>
+      <dgm:spPr/>
+      <dgm:t>
+        <a:bodyPr/>
+        <a:lstStyle/>
+        <a:p>
+          <a:endParaRPr lang="en-GB"/>
+        </a:p>
+      </dgm:t>
+    </dgm:pt>
+    <dgm:pt modelId="{E34749C3-7A75-4807-A51A-71A493553D42}" type="sibTrans" cxnId="{FB4248B8-42A4-4A0F-BB11-9D5BFFB4D944}">
+      <dgm:prSet/>
+      <dgm:spPr/>
+      <dgm:t>
+        <a:bodyPr/>
+        <a:lstStyle/>
+        <a:p>
+          <a:endParaRPr lang="en-GB"/>
+        </a:p>
+      </dgm:t>
+    </dgm:pt>
+    <dgm:pt modelId="{947DC41F-69E6-4050-9A6C-292E66EA3E63}">
+      <dgm:prSet/>
+      <dgm:spPr/>
+      <dgm:t>
+        <a:bodyPr/>
+        <a:lstStyle/>
+        <a:p>
+          <a:r>
+            <a:rPr lang="en-GB" dirty="0"/>
+            <a:t>Assign a random weight to each feature</a:t>
+          </a:r>
+        </a:p>
+      </dgm:t>
+    </dgm:pt>
+    <dgm:pt modelId="{A9342268-CE18-4A8A-918E-01C505F5B41D}" type="parTrans" cxnId="{CB91E501-CC11-416C-AA5B-F2B2A54E2D93}">
+      <dgm:prSet/>
+      <dgm:spPr/>
+      <dgm:t>
+        <a:bodyPr/>
+        <a:lstStyle/>
+        <a:p>
+          <a:endParaRPr lang="en-GB"/>
+        </a:p>
+      </dgm:t>
+    </dgm:pt>
+    <dgm:pt modelId="{8777D3F1-40DA-4BF9-85C1-70A571BC7FE3}" type="sibTrans" cxnId="{CB91E501-CC11-416C-AA5B-F2B2A54E2D93}">
+      <dgm:prSet/>
+      <dgm:spPr/>
+      <dgm:t>
+        <a:bodyPr/>
+        <a:lstStyle/>
+        <a:p>
+          <a:endParaRPr lang="en-GB"/>
+        </a:p>
+      </dgm:t>
+    </dgm:pt>
+    <dgm:pt modelId="{66F0D7E4-8B1E-4092-B1A0-D6BA3FA5EB7A}">
+      <dgm:prSet/>
+      <dgm:spPr/>
+      <dgm:t>
+        <a:bodyPr/>
+        <a:lstStyle/>
+        <a:p>
+          <a:r>
+            <a:rPr lang="en-GB" dirty="0"/>
+            <a:t>Calculate the accuracy with these weights</a:t>
+          </a:r>
+        </a:p>
+      </dgm:t>
+    </dgm:pt>
+    <dgm:pt modelId="{AC81205D-8B5F-49C3-9772-2B01FDA88F5E}" type="parTrans" cxnId="{B3BA45D4-9DE0-472C-9684-8DD23D3B7018}">
+      <dgm:prSet/>
+      <dgm:spPr/>
+      <dgm:t>
+        <a:bodyPr/>
+        <a:lstStyle/>
+        <a:p>
+          <a:endParaRPr lang="en-GB"/>
+        </a:p>
+      </dgm:t>
+    </dgm:pt>
+    <dgm:pt modelId="{BFC1A886-D660-4257-9F0A-B0EB5DA738FD}" type="sibTrans" cxnId="{B3BA45D4-9DE0-472C-9684-8DD23D3B7018}">
+      <dgm:prSet/>
+      <dgm:spPr/>
+      <dgm:t>
+        <a:bodyPr/>
+        <a:lstStyle/>
+        <a:p>
+          <a:endParaRPr lang="en-GB"/>
+        </a:p>
+      </dgm:t>
+    </dgm:pt>
+    <dgm:pt modelId="{3CA7B066-287A-4409-9576-73438D70AA1B}">
+      <dgm:prSet/>
+      <dgm:spPr/>
+      <dgm:t>
+        <a:bodyPr/>
+        <a:lstStyle/>
+        <a:p>
+          <a:r>
+            <a:rPr lang="en-GB" dirty="0"/>
+            <a:t>Iterative optimization</a:t>
+          </a:r>
+        </a:p>
+      </dgm:t>
+    </dgm:pt>
+    <dgm:pt modelId="{ECBD001B-A16C-4281-B165-348A50AF64E7}" type="parTrans" cxnId="{3C69A924-969E-4159-B7E8-8D0D0EC1CB14}">
+      <dgm:prSet/>
+      <dgm:spPr/>
+      <dgm:t>
+        <a:bodyPr/>
+        <a:lstStyle/>
+        <a:p>
+          <a:endParaRPr lang="en-GB"/>
+        </a:p>
+      </dgm:t>
+    </dgm:pt>
+    <dgm:pt modelId="{06E681E4-944D-44DF-8BA9-DBF93AA4BAA6}" type="sibTrans" cxnId="{3C69A924-969E-4159-B7E8-8D0D0EC1CB14}">
+      <dgm:prSet/>
+      <dgm:spPr/>
+      <dgm:t>
+        <a:bodyPr/>
+        <a:lstStyle/>
+        <a:p>
+          <a:endParaRPr lang="en-GB"/>
+        </a:p>
+      </dgm:t>
+    </dgm:pt>
+    <dgm:pt modelId="{AD3DE4B6-0432-4775-8EAE-41120B956497}">
+      <dgm:prSet/>
+      <dgm:spPr/>
+      <dgm:t>
+        <a:bodyPr/>
+        <a:lstStyle/>
+        <a:p>
+          <a:r>
+            <a:rPr lang="en-GB" dirty="0"/>
+            <a:t>Classify by choosing the label with the highest probability</a:t>
+          </a:r>
+        </a:p>
+      </dgm:t>
+    </dgm:pt>
+    <dgm:pt modelId="{EDB38AA3-FEF9-4645-8E29-336B1FAEC96A}" type="parTrans" cxnId="{285D6F6F-478D-4791-8C46-A99DE9C86C78}">
+      <dgm:prSet/>
+      <dgm:spPr/>
+      <dgm:t>
+        <a:bodyPr/>
+        <a:lstStyle/>
+        <a:p>
+          <a:endParaRPr lang="en-GB"/>
+        </a:p>
+      </dgm:t>
+    </dgm:pt>
+    <dgm:pt modelId="{B02E7421-37CB-43C4-9A72-828116E75282}" type="sibTrans" cxnId="{285D6F6F-478D-4791-8C46-A99DE9C86C78}">
+      <dgm:prSet/>
+      <dgm:spPr/>
+      <dgm:t>
+        <a:bodyPr/>
+        <a:lstStyle/>
+        <a:p>
+          <a:endParaRPr lang="en-GB"/>
+        </a:p>
+      </dgm:t>
+    </dgm:pt>
+    <dgm:pt modelId="{C5442883-DE88-4C9D-B2BB-F447A429D6C2}" type="pres">
+      <dgm:prSet presAssocID="{10EA341A-525C-4BB9-B24D-A922B5501BAA}" presName="CompostProcess" presStyleCnt="0">
+        <dgm:presLayoutVars>
+          <dgm:dir/>
+          <dgm:resizeHandles val="exact"/>
+        </dgm:presLayoutVars>
+      </dgm:prSet>
+      <dgm:spPr/>
+    </dgm:pt>
+    <dgm:pt modelId="{0F1331A2-CD23-4A9F-A9AF-4EC9C92F241C}" type="pres">
+      <dgm:prSet presAssocID="{10EA341A-525C-4BB9-B24D-A922B5501BAA}" presName="arrow" presStyleLbl="bgShp" presStyleIdx="0" presStyleCnt="1"/>
+      <dgm:spPr/>
+    </dgm:pt>
+    <dgm:pt modelId="{2527A31A-FD80-4DA1-8231-66D3FF710E65}" type="pres">
+      <dgm:prSet presAssocID="{10EA341A-525C-4BB9-B24D-A922B5501BAA}" presName="linearProcess" presStyleCnt="0"/>
+      <dgm:spPr/>
+    </dgm:pt>
+    <dgm:pt modelId="{B8400F92-192F-4A6C-A5B9-6DF63248FB78}" type="pres">
+      <dgm:prSet presAssocID="{98A93C67-CD33-46A7-A38E-7D6E8D2182B8}" presName="textNode" presStyleLbl="node1" presStyleIdx="0" presStyleCnt="5">
+        <dgm:presLayoutVars>
+          <dgm:bulletEnabled val="1"/>
+        </dgm:presLayoutVars>
+      </dgm:prSet>
+      <dgm:spPr/>
+    </dgm:pt>
+    <dgm:pt modelId="{46625950-0582-4DAE-8934-C72BF0E9ADBB}" type="pres">
+      <dgm:prSet presAssocID="{E34749C3-7A75-4807-A51A-71A493553D42}" presName="sibTrans" presStyleCnt="0"/>
+      <dgm:spPr/>
+    </dgm:pt>
+    <dgm:pt modelId="{D32E0720-53AB-4145-A51D-41E01835EA93}" type="pres">
+      <dgm:prSet presAssocID="{947DC41F-69E6-4050-9A6C-292E66EA3E63}" presName="textNode" presStyleLbl="node1" presStyleIdx="1" presStyleCnt="5">
+        <dgm:presLayoutVars>
+          <dgm:bulletEnabled val="1"/>
+        </dgm:presLayoutVars>
+      </dgm:prSet>
+      <dgm:spPr/>
+    </dgm:pt>
+    <dgm:pt modelId="{2AE452EB-F6A8-4932-82AA-08A73A371042}" type="pres">
+      <dgm:prSet presAssocID="{8777D3F1-40DA-4BF9-85C1-70A571BC7FE3}" presName="sibTrans" presStyleCnt="0"/>
+      <dgm:spPr/>
+    </dgm:pt>
+    <dgm:pt modelId="{67BD481C-8763-4E32-B86B-901FBCEA1853}" type="pres">
+      <dgm:prSet presAssocID="{66F0D7E4-8B1E-4092-B1A0-D6BA3FA5EB7A}" presName="textNode" presStyleLbl="node1" presStyleIdx="2" presStyleCnt="5">
+        <dgm:presLayoutVars>
+          <dgm:bulletEnabled val="1"/>
+        </dgm:presLayoutVars>
+      </dgm:prSet>
+      <dgm:spPr/>
+    </dgm:pt>
+    <dgm:pt modelId="{B3BCF24A-F862-402D-A02F-D5C26E9444EE}" type="pres">
+      <dgm:prSet presAssocID="{BFC1A886-D660-4257-9F0A-B0EB5DA738FD}" presName="sibTrans" presStyleCnt="0"/>
+      <dgm:spPr/>
+    </dgm:pt>
+    <dgm:pt modelId="{568963F3-D3F9-4067-8746-431C461C493B}" type="pres">
+      <dgm:prSet presAssocID="{3CA7B066-287A-4409-9576-73438D70AA1B}" presName="textNode" presStyleLbl="node1" presStyleIdx="3" presStyleCnt="5">
+        <dgm:presLayoutVars>
+          <dgm:bulletEnabled val="1"/>
+        </dgm:presLayoutVars>
+      </dgm:prSet>
+      <dgm:spPr/>
+    </dgm:pt>
+    <dgm:pt modelId="{9CA34626-65E1-4F1D-AF5B-1B4D9D31B8D6}" type="pres">
+      <dgm:prSet presAssocID="{06E681E4-944D-44DF-8BA9-DBF93AA4BAA6}" presName="sibTrans" presStyleCnt="0"/>
+      <dgm:spPr/>
+    </dgm:pt>
+    <dgm:pt modelId="{8314F0BD-9D87-4D81-AFB1-F63440BD8FF1}" type="pres">
+      <dgm:prSet presAssocID="{AD3DE4B6-0432-4775-8EAE-41120B956497}" presName="textNode" presStyleLbl="node1" presStyleIdx="4" presStyleCnt="5">
+        <dgm:presLayoutVars>
+          <dgm:bulletEnabled val="1"/>
+        </dgm:presLayoutVars>
+      </dgm:prSet>
+      <dgm:spPr/>
+    </dgm:pt>
+  </dgm:ptLst>
+  <dgm:cxnLst>
+    <dgm:cxn modelId="{CB91E501-CC11-416C-AA5B-F2B2A54E2D93}" srcId="{10EA341A-525C-4BB9-B24D-A922B5501BAA}" destId="{947DC41F-69E6-4050-9A6C-292E66EA3E63}" srcOrd="1" destOrd="0" parTransId="{A9342268-CE18-4A8A-918E-01C505F5B41D}" sibTransId="{8777D3F1-40DA-4BF9-85C1-70A571BC7FE3}"/>
+    <dgm:cxn modelId="{3C69A924-969E-4159-B7E8-8D0D0EC1CB14}" srcId="{10EA341A-525C-4BB9-B24D-A922B5501BAA}" destId="{3CA7B066-287A-4409-9576-73438D70AA1B}" srcOrd="3" destOrd="0" parTransId="{ECBD001B-A16C-4281-B165-348A50AF64E7}" sibTransId="{06E681E4-944D-44DF-8BA9-DBF93AA4BAA6}"/>
+    <dgm:cxn modelId="{CEE5F63B-F0D5-42F6-8F77-765CE860CC83}" type="presOf" srcId="{AD3DE4B6-0432-4775-8EAE-41120B956497}" destId="{8314F0BD-9D87-4D81-AFB1-F63440BD8FF1}" srcOrd="0" destOrd="0" presId="urn:microsoft.com/office/officeart/2005/8/layout/hProcess9"/>
+    <dgm:cxn modelId="{EA21743F-AB6A-49F5-93B0-69CBFF332C16}" type="presOf" srcId="{10EA341A-525C-4BB9-B24D-A922B5501BAA}" destId="{C5442883-DE88-4C9D-B2BB-F447A429D6C2}" srcOrd="0" destOrd="0" presId="urn:microsoft.com/office/officeart/2005/8/layout/hProcess9"/>
+    <dgm:cxn modelId="{806B885F-04BF-4966-9E4A-4E90609C5A9E}" type="presOf" srcId="{66F0D7E4-8B1E-4092-B1A0-D6BA3FA5EB7A}" destId="{67BD481C-8763-4E32-B86B-901FBCEA1853}" srcOrd="0" destOrd="0" presId="urn:microsoft.com/office/officeart/2005/8/layout/hProcess9"/>
+    <dgm:cxn modelId="{285D6F6F-478D-4791-8C46-A99DE9C86C78}" srcId="{10EA341A-525C-4BB9-B24D-A922B5501BAA}" destId="{AD3DE4B6-0432-4775-8EAE-41120B956497}" srcOrd="4" destOrd="0" parTransId="{EDB38AA3-FEF9-4645-8E29-336B1FAEC96A}" sibTransId="{B02E7421-37CB-43C4-9A72-828116E75282}"/>
+    <dgm:cxn modelId="{89F45297-B58B-45EB-B2F3-7E1E22DCC8C7}" type="presOf" srcId="{947DC41F-69E6-4050-9A6C-292E66EA3E63}" destId="{D32E0720-53AB-4145-A51D-41E01835EA93}" srcOrd="0" destOrd="0" presId="urn:microsoft.com/office/officeart/2005/8/layout/hProcess9"/>
+    <dgm:cxn modelId="{FB4248B8-42A4-4A0F-BB11-9D5BFFB4D944}" srcId="{10EA341A-525C-4BB9-B24D-A922B5501BAA}" destId="{98A93C67-CD33-46A7-A38E-7D6E8D2182B8}" srcOrd="0" destOrd="0" parTransId="{3A0F8022-9173-40B0-BDFB-263A0A9E6ADC}" sibTransId="{E34749C3-7A75-4807-A51A-71A493553D42}"/>
+    <dgm:cxn modelId="{097922BC-B50A-4B90-900B-8F8B4EDE4893}" type="presOf" srcId="{3CA7B066-287A-4409-9576-73438D70AA1B}" destId="{568963F3-D3F9-4067-8746-431C461C493B}" srcOrd="0" destOrd="0" presId="urn:microsoft.com/office/officeart/2005/8/layout/hProcess9"/>
+    <dgm:cxn modelId="{7F4C95C4-05B9-48F3-90D1-B9D5505DC818}" type="presOf" srcId="{98A93C67-CD33-46A7-A38E-7D6E8D2182B8}" destId="{B8400F92-192F-4A6C-A5B9-6DF63248FB78}" srcOrd="0" destOrd="0" presId="urn:microsoft.com/office/officeart/2005/8/layout/hProcess9"/>
+    <dgm:cxn modelId="{B3BA45D4-9DE0-472C-9684-8DD23D3B7018}" srcId="{10EA341A-525C-4BB9-B24D-A922B5501BAA}" destId="{66F0D7E4-8B1E-4092-B1A0-D6BA3FA5EB7A}" srcOrd="2" destOrd="0" parTransId="{AC81205D-8B5F-49C3-9772-2B01FDA88F5E}" sibTransId="{BFC1A886-D660-4257-9F0A-B0EB5DA738FD}"/>
+    <dgm:cxn modelId="{3AD890A2-ABE6-48CA-9EEB-40E7ACFF3B1C}" type="presParOf" srcId="{C5442883-DE88-4C9D-B2BB-F447A429D6C2}" destId="{0F1331A2-CD23-4A9F-A9AF-4EC9C92F241C}" srcOrd="0" destOrd="0" presId="urn:microsoft.com/office/officeart/2005/8/layout/hProcess9"/>
+    <dgm:cxn modelId="{445BD074-BF22-4A3D-B190-39D0D6EBF35C}" type="presParOf" srcId="{C5442883-DE88-4C9D-B2BB-F447A429D6C2}" destId="{2527A31A-FD80-4DA1-8231-66D3FF710E65}" srcOrd="1" destOrd="0" presId="urn:microsoft.com/office/officeart/2005/8/layout/hProcess9"/>
+    <dgm:cxn modelId="{6351DA0C-1B2E-4324-8D07-687C088DE53C}" type="presParOf" srcId="{2527A31A-FD80-4DA1-8231-66D3FF710E65}" destId="{B8400F92-192F-4A6C-A5B9-6DF63248FB78}" srcOrd="0" destOrd="0" presId="urn:microsoft.com/office/officeart/2005/8/layout/hProcess9"/>
+    <dgm:cxn modelId="{905F643B-5A88-48A3-AFE2-470A1907F797}" type="presParOf" srcId="{2527A31A-FD80-4DA1-8231-66D3FF710E65}" destId="{46625950-0582-4DAE-8934-C72BF0E9ADBB}" srcOrd="1" destOrd="0" presId="urn:microsoft.com/office/officeart/2005/8/layout/hProcess9"/>
+    <dgm:cxn modelId="{EFDA7B90-E7BA-49C5-B1EB-6432D75A0858}" type="presParOf" srcId="{2527A31A-FD80-4DA1-8231-66D3FF710E65}" destId="{D32E0720-53AB-4145-A51D-41E01835EA93}" srcOrd="2" destOrd="0" presId="urn:microsoft.com/office/officeart/2005/8/layout/hProcess9"/>
+    <dgm:cxn modelId="{8F91265E-DE44-4302-9229-F9C6F1BEB01B}" type="presParOf" srcId="{2527A31A-FD80-4DA1-8231-66D3FF710E65}" destId="{2AE452EB-F6A8-4932-82AA-08A73A371042}" srcOrd="3" destOrd="0" presId="urn:microsoft.com/office/officeart/2005/8/layout/hProcess9"/>
+    <dgm:cxn modelId="{AB437C41-DCC4-409D-A6B3-4016C138EF4B}" type="presParOf" srcId="{2527A31A-FD80-4DA1-8231-66D3FF710E65}" destId="{67BD481C-8763-4E32-B86B-901FBCEA1853}" srcOrd="4" destOrd="0" presId="urn:microsoft.com/office/officeart/2005/8/layout/hProcess9"/>
+    <dgm:cxn modelId="{CD855AD0-C3F0-4E1F-8501-B7E4809AC502}" type="presParOf" srcId="{2527A31A-FD80-4DA1-8231-66D3FF710E65}" destId="{B3BCF24A-F862-402D-A02F-D5C26E9444EE}" srcOrd="5" destOrd="0" presId="urn:microsoft.com/office/officeart/2005/8/layout/hProcess9"/>
+    <dgm:cxn modelId="{CF23AA30-1C04-49E8-863F-42EA4381060C}" type="presParOf" srcId="{2527A31A-FD80-4DA1-8231-66D3FF710E65}" destId="{568963F3-D3F9-4067-8746-431C461C493B}" srcOrd="6" destOrd="0" presId="urn:microsoft.com/office/officeart/2005/8/layout/hProcess9"/>
+    <dgm:cxn modelId="{AEA5254E-14C9-41AA-850E-55082111F886}" type="presParOf" srcId="{2527A31A-FD80-4DA1-8231-66D3FF710E65}" destId="{9CA34626-65E1-4F1D-AF5B-1B4D9D31B8D6}" srcOrd="7" destOrd="0" presId="urn:microsoft.com/office/officeart/2005/8/layout/hProcess9"/>
+    <dgm:cxn modelId="{8883A0CA-8059-4E41-A8AC-2FCE293792AD}" type="presParOf" srcId="{2527A31A-FD80-4DA1-8231-66D3FF710E65}" destId="{8314F0BD-9D87-4D81-AFB1-F63440BD8FF1}" srcOrd="8" destOrd="0" presId="urn:microsoft.com/office/officeart/2005/8/layout/hProcess9"/>
+  </dgm:cxnLst>
+  <dgm:bg/>
+  <dgm:whole/>
+  <dgm:extLst>
+    <a:ext uri="http://schemas.microsoft.com/office/drawing/2008/diagram">
+      <dsp:dataModelExt xmlns:dsp="http://schemas.microsoft.com/office/drawing/2008/diagram" relId="rId6" minVer="http://schemas.openxmlformats.org/drawingml/2006/diagram"/>
+    </a:ext>
+  </dgm:extLst>
+</dgm:dataModel>
+</file>
+
+<file path=ppt/diagrams/drawing1.xml><?xml version="1.0" encoding="utf-8"?>
+<dsp:drawing xmlns:dgm="http://schemas.openxmlformats.org/drawingml/2006/diagram" xmlns:dsp="http://schemas.microsoft.com/office/drawing/2008/diagram" xmlns:a="http://schemas.openxmlformats.org/drawingml/2006/main">
+  <dsp:spTree>
+    <dsp:nvGrpSpPr>
+      <dsp:cNvPr id="0" name=""/>
+      <dsp:cNvGrpSpPr/>
+    </dsp:nvGrpSpPr>
+    <dsp:grpSpPr/>
+    <dsp:sp modelId="{0F1331A2-CD23-4A9F-A9AF-4EC9C92F241C}">
+      <dsp:nvSpPr>
+        <dsp:cNvPr id="0" name=""/>
+        <dsp:cNvSpPr/>
+      </dsp:nvSpPr>
+      <dsp:spPr>
+        <a:xfrm>
+          <a:off x="824388" y="0"/>
+          <a:ext cx="9343071" cy="4854869"/>
+        </a:xfrm>
+        <a:prstGeom prst="rightArrow">
+          <a:avLst/>
+        </a:prstGeom>
+        <a:solidFill>
+          <a:schemeClr val="accent1">
+            <a:tint val="40000"/>
+            <a:hueOff val="0"/>
+            <a:satOff val="0"/>
+            <a:lumOff val="0"/>
+            <a:alphaOff val="0"/>
+          </a:schemeClr>
+        </a:solidFill>
+        <a:ln>
+          <a:noFill/>
+        </a:ln>
+        <a:effectLst/>
+      </dsp:spPr>
+      <dsp:style>
+        <a:lnRef idx="0">
+          <a:scrgbClr r="0" g="0" b="0"/>
+        </a:lnRef>
+        <a:fillRef idx="1">
+          <a:scrgbClr r="0" g="0" b="0"/>
+        </a:fillRef>
+        <a:effectRef idx="0">
+          <a:scrgbClr r="0" g="0" b="0"/>
+        </a:effectRef>
+        <a:fontRef idx="minor"/>
+      </dsp:style>
+    </dsp:sp>
+    <dsp:sp modelId="{B8400F92-192F-4A6C-A5B9-6DF63248FB78}">
+      <dsp:nvSpPr>
+        <dsp:cNvPr id="0" name=""/>
+        <dsp:cNvSpPr/>
+      </dsp:nvSpPr>
+      <dsp:spPr>
+        <a:xfrm>
+          <a:off x="4830" y="1456460"/>
+          <a:ext cx="2111959" cy="1941947"/>
+        </a:xfrm>
+        <a:prstGeom prst="roundRect">
+          <a:avLst/>
+        </a:prstGeom>
+        <a:solidFill>
+          <a:schemeClr val="accent1">
+            <a:hueOff val="0"/>
+            <a:satOff val="0"/>
+            <a:lumOff val="0"/>
+            <a:alphaOff val="0"/>
+          </a:schemeClr>
+        </a:solidFill>
+        <a:ln w="12700" cap="flat" cmpd="sng" algn="ctr">
+          <a:solidFill>
+            <a:schemeClr val="lt1">
+              <a:hueOff val="0"/>
+              <a:satOff val="0"/>
+              <a:lumOff val="0"/>
+              <a:alphaOff val="0"/>
+            </a:schemeClr>
+          </a:solidFill>
+          <a:prstDash val="solid"/>
+          <a:miter lim="800000"/>
+        </a:ln>
+        <a:effectLst/>
+      </dsp:spPr>
+      <dsp:style>
+        <a:lnRef idx="2">
+          <a:scrgbClr r="0" g="0" b="0"/>
+        </a:lnRef>
+        <a:fillRef idx="1">
+          <a:scrgbClr r="0" g="0" b="0"/>
+        </a:fillRef>
+        <a:effectRef idx="0">
+          <a:scrgbClr r="0" g="0" b="0"/>
+        </a:effectRef>
+        <a:fontRef idx="minor">
+          <a:schemeClr val="lt1"/>
+        </a:fontRef>
+      </dsp:style>
+      <dsp:txBody>
+        <a:bodyPr spcFirstLastPara="0" vert="horz" wrap="square" lIns="83820" tIns="83820" rIns="83820" bIns="83820" numCol="1" spcCol="1270" anchor="ctr" anchorCtr="0">
+          <a:noAutofit/>
+        </a:bodyPr>
+        <a:lstStyle/>
+        <a:p>
+          <a:pPr marL="0" lvl="0" indent="0" algn="ctr" defTabSz="977900">
+            <a:lnSpc>
+              <a:spcPct val="90000"/>
+            </a:lnSpc>
+            <a:spcBef>
+              <a:spcPct val="0"/>
+            </a:spcBef>
+            <a:spcAft>
+              <a:spcPct val="35000"/>
+            </a:spcAft>
+            <a:buNone/>
+          </a:pPr>
+          <a:r>
+            <a:rPr lang="en-GB" sz="2200" kern="1200" dirty="0"/>
+            <a:t>50 features per label learned with PMI</a:t>
+          </a:r>
+        </a:p>
+      </dsp:txBody>
+      <dsp:txXfrm>
+        <a:off x="99628" y="1551258"/>
+        <a:ext cx="1922363" cy="1752351"/>
+      </dsp:txXfrm>
+    </dsp:sp>
+    <dsp:sp modelId="{D32E0720-53AB-4145-A51D-41E01835EA93}">
+      <dsp:nvSpPr>
+        <dsp:cNvPr id="0" name=""/>
+        <dsp:cNvSpPr/>
+      </dsp:nvSpPr>
+      <dsp:spPr>
+        <a:xfrm>
+          <a:off x="2222387" y="1456460"/>
+          <a:ext cx="2111959" cy="1941947"/>
+        </a:xfrm>
+        <a:prstGeom prst="roundRect">
+          <a:avLst/>
+        </a:prstGeom>
+        <a:solidFill>
+          <a:schemeClr val="accent1">
+            <a:hueOff val="0"/>
+            <a:satOff val="0"/>
+            <a:lumOff val="0"/>
+            <a:alphaOff val="0"/>
+          </a:schemeClr>
+        </a:solidFill>
+        <a:ln w="12700" cap="flat" cmpd="sng" algn="ctr">
+          <a:solidFill>
+            <a:schemeClr val="lt1">
+              <a:hueOff val="0"/>
+              <a:satOff val="0"/>
+              <a:lumOff val="0"/>
+              <a:alphaOff val="0"/>
+            </a:schemeClr>
+          </a:solidFill>
+          <a:prstDash val="solid"/>
+          <a:miter lim="800000"/>
+        </a:ln>
+        <a:effectLst/>
+      </dsp:spPr>
+      <dsp:style>
+        <a:lnRef idx="2">
+          <a:scrgbClr r="0" g="0" b="0"/>
+        </a:lnRef>
+        <a:fillRef idx="1">
+          <a:scrgbClr r="0" g="0" b="0"/>
+        </a:fillRef>
+        <a:effectRef idx="0">
+          <a:scrgbClr r="0" g="0" b="0"/>
+        </a:effectRef>
+        <a:fontRef idx="minor">
+          <a:schemeClr val="lt1"/>
+        </a:fontRef>
+      </dsp:style>
+      <dsp:txBody>
+        <a:bodyPr spcFirstLastPara="0" vert="horz" wrap="square" lIns="83820" tIns="83820" rIns="83820" bIns="83820" numCol="1" spcCol="1270" anchor="ctr" anchorCtr="0">
+          <a:noAutofit/>
+        </a:bodyPr>
+        <a:lstStyle/>
+        <a:p>
+          <a:pPr marL="0" lvl="0" indent="0" algn="ctr" defTabSz="977900">
+            <a:lnSpc>
+              <a:spcPct val="90000"/>
+            </a:lnSpc>
+            <a:spcBef>
+              <a:spcPct val="0"/>
+            </a:spcBef>
+            <a:spcAft>
+              <a:spcPct val="35000"/>
+            </a:spcAft>
+            <a:buNone/>
+          </a:pPr>
+          <a:r>
+            <a:rPr lang="en-GB" sz="2200" kern="1200" dirty="0"/>
+            <a:t>Assign a random weight to each feature</a:t>
+          </a:r>
+        </a:p>
+      </dsp:txBody>
+      <dsp:txXfrm>
+        <a:off x="2317185" y="1551258"/>
+        <a:ext cx="1922363" cy="1752351"/>
+      </dsp:txXfrm>
+    </dsp:sp>
+    <dsp:sp modelId="{67BD481C-8763-4E32-B86B-901FBCEA1853}">
+      <dsp:nvSpPr>
+        <dsp:cNvPr id="0" name=""/>
+        <dsp:cNvSpPr/>
+      </dsp:nvSpPr>
+      <dsp:spPr>
+        <a:xfrm>
+          <a:off x="4439944" y="1456460"/>
+          <a:ext cx="2111959" cy="1941947"/>
+        </a:xfrm>
+        <a:prstGeom prst="roundRect">
+          <a:avLst/>
+        </a:prstGeom>
+        <a:solidFill>
+          <a:schemeClr val="accent1">
+            <a:hueOff val="0"/>
+            <a:satOff val="0"/>
+            <a:lumOff val="0"/>
+            <a:alphaOff val="0"/>
+          </a:schemeClr>
+        </a:solidFill>
+        <a:ln w="12700" cap="flat" cmpd="sng" algn="ctr">
+          <a:solidFill>
+            <a:schemeClr val="lt1">
+              <a:hueOff val="0"/>
+              <a:satOff val="0"/>
+              <a:lumOff val="0"/>
+              <a:alphaOff val="0"/>
+            </a:schemeClr>
+          </a:solidFill>
+          <a:prstDash val="solid"/>
+          <a:miter lim="800000"/>
+        </a:ln>
+        <a:effectLst/>
+      </dsp:spPr>
+      <dsp:style>
+        <a:lnRef idx="2">
+          <a:scrgbClr r="0" g="0" b="0"/>
+        </a:lnRef>
+        <a:fillRef idx="1">
+          <a:scrgbClr r="0" g="0" b="0"/>
+        </a:fillRef>
+        <a:effectRef idx="0">
+          <a:scrgbClr r="0" g="0" b="0"/>
+        </a:effectRef>
+        <a:fontRef idx="minor">
+          <a:schemeClr val="lt1"/>
+        </a:fontRef>
+      </dsp:style>
+      <dsp:txBody>
+        <a:bodyPr spcFirstLastPara="0" vert="horz" wrap="square" lIns="83820" tIns="83820" rIns="83820" bIns="83820" numCol="1" spcCol="1270" anchor="ctr" anchorCtr="0">
+          <a:noAutofit/>
+        </a:bodyPr>
+        <a:lstStyle/>
+        <a:p>
+          <a:pPr marL="0" lvl="0" indent="0" algn="ctr" defTabSz="977900">
+            <a:lnSpc>
+              <a:spcPct val="90000"/>
+            </a:lnSpc>
+            <a:spcBef>
+              <a:spcPct val="0"/>
+            </a:spcBef>
+            <a:spcAft>
+              <a:spcPct val="35000"/>
+            </a:spcAft>
+            <a:buNone/>
+          </a:pPr>
+          <a:r>
+            <a:rPr lang="en-GB" sz="2200" kern="1200" dirty="0"/>
+            <a:t>Calculate the accuracy with these weights</a:t>
+          </a:r>
+        </a:p>
+      </dsp:txBody>
+      <dsp:txXfrm>
+        <a:off x="4534742" y="1551258"/>
+        <a:ext cx="1922363" cy="1752351"/>
+      </dsp:txXfrm>
+    </dsp:sp>
+    <dsp:sp modelId="{568963F3-D3F9-4067-8746-431C461C493B}">
+      <dsp:nvSpPr>
+        <dsp:cNvPr id="0" name=""/>
+        <dsp:cNvSpPr/>
+      </dsp:nvSpPr>
+      <dsp:spPr>
+        <a:xfrm>
+          <a:off x="6657502" y="1456460"/>
+          <a:ext cx="2111959" cy="1941947"/>
+        </a:xfrm>
+        <a:prstGeom prst="roundRect">
+          <a:avLst/>
+        </a:prstGeom>
+        <a:solidFill>
+          <a:schemeClr val="accent1">
+            <a:hueOff val="0"/>
+            <a:satOff val="0"/>
+            <a:lumOff val="0"/>
+            <a:alphaOff val="0"/>
+          </a:schemeClr>
+        </a:solidFill>
+        <a:ln w="12700" cap="flat" cmpd="sng" algn="ctr">
+          <a:solidFill>
+            <a:schemeClr val="lt1">
+              <a:hueOff val="0"/>
+              <a:satOff val="0"/>
+              <a:lumOff val="0"/>
+              <a:alphaOff val="0"/>
+            </a:schemeClr>
+          </a:solidFill>
+          <a:prstDash val="solid"/>
+          <a:miter lim="800000"/>
+        </a:ln>
+        <a:effectLst/>
+      </dsp:spPr>
+      <dsp:style>
+        <a:lnRef idx="2">
+          <a:scrgbClr r="0" g="0" b="0"/>
+        </a:lnRef>
+        <a:fillRef idx="1">
+          <a:scrgbClr r="0" g="0" b="0"/>
+        </a:fillRef>
+        <a:effectRef idx="0">
+          <a:scrgbClr r="0" g="0" b="0"/>
+        </a:effectRef>
+        <a:fontRef idx="minor">
+          <a:schemeClr val="lt1"/>
+        </a:fontRef>
+      </dsp:style>
+      <dsp:txBody>
+        <a:bodyPr spcFirstLastPara="0" vert="horz" wrap="square" lIns="83820" tIns="83820" rIns="83820" bIns="83820" numCol="1" spcCol="1270" anchor="ctr" anchorCtr="0">
+          <a:noAutofit/>
+        </a:bodyPr>
+        <a:lstStyle/>
+        <a:p>
+          <a:pPr marL="0" lvl="0" indent="0" algn="ctr" defTabSz="977900">
+            <a:lnSpc>
+              <a:spcPct val="90000"/>
+            </a:lnSpc>
+            <a:spcBef>
+              <a:spcPct val="0"/>
+            </a:spcBef>
+            <a:spcAft>
+              <a:spcPct val="35000"/>
+            </a:spcAft>
+            <a:buNone/>
+          </a:pPr>
+          <a:r>
+            <a:rPr lang="en-GB" sz="2200" kern="1200" dirty="0"/>
+            <a:t>Iterative optimization</a:t>
+          </a:r>
+        </a:p>
+      </dsp:txBody>
+      <dsp:txXfrm>
+        <a:off x="6752300" y="1551258"/>
+        <a:ext cx="1922363" cy="1752351"/>
+      </dsp:txXfrm>
+    </dsp:sp>
+    <dsp:sp modelId="{8314F0BD-9D87-4D81-AFB1-F63440BD8FF1}">
+      <dsp:nvSpPr>
+        <dsp:cNvPr id="0" name=""/>
+        <dsp:cNvSpPr/>
+      </dsp:nvSpPr>
+      <dsp:spPr>
+        <a:xfrm>
+          <a:off x="8875059" y="1456460"/>
+          <a:ext cx="2111959" cy="1941947"/>
+        </a:xfrm>
+        <a:prstGeom prst="roundRect">
+          <a:avLst/>
+        </a:prstGeom>
+        <a:solidFill>
+          <a:schemeClr val="accent1">
+            <a:hueOff val="0"/>
+            <a:satOff val="0"/>
+            <a:lumOff val="0"/>
+            <a:alphaOff val="0"/>
+          </a:schemeClr>
+        </a:solidFill>
+        <a:ln w="12700" cap="flat" cmpd="sng" algn="ctr">
+          <a:solidFill>
+            <a:schemeClr val="lt1">
+              <a:hueOff val="0"/>
+              <a:satOff val="0"/>
+              <a:lumOff val="0"/>
+              <a:alphaOff val="0"/>
+            </a:schemeClr>
+          </a:solidFill>
+          <a:prstDash val="solid"/>
+          <a:miter lim="800000"/>
+        </a:ln>
+        <a:effectLst/>
+      </dsp:spPr>
+      <dsp:style>
+        <a:lnRef idx="2">
+          <a:scrgbClr r="0" g="0" b="0"/>
+        </a:lnRef>
+        <a:fillRef idx="1">
+          <a:scrgbClr r="0" g="0" b="0"/>
+        </a:fillRef>
+        <a:effectRef idx="0">
+          <a:scrgbClr r="0" g="0" b="0"/>
+        </a:effectRef>
+        <a:fontRef idx="minor">
+          <a:schemeClr val="lt1"/>
+        </a:fontRef>
+      </dsp:style>
+      <dsp:txBody>
+        <a:bodyPr spcFirstLastPara="0" vert="horz" wrap="square" lIns="83820" tIns="83820" rIns="83820" bIns="83820" numCol="1" spcCol="1270" anchor="ctr" anchorCtr="0">
+          <a:noAutofit/>
+        </a:bodyPr>
+        <a:lstStyle/>
+        <a:p>
+          <a:pPr marL="0" lvl="0" indent="0" algn="ctr" defTabSz="977900">
+            <a:lnSpc>
+              <a:spcPct val="90000"/>
+            </a:lnSpc>
+            <a:spcBef>
+              <a:spcPct val="0"/>
+            </a:spcBef>
+            <a:spcAft>
+              <a:spcPct val="35000"/>
+            </a:spcAft>
+            <a:buNone/>
+          </a:pPr>
+          <a:r>
+            <a:rPr lang="en-GB" sz="2200" kern="1200" dirty="0"/>
+            <a:t>Classify by choosing the label with the highest probability</a:t>
+          </a:r>
+        </a:p>
+      </dsp:txBody>
+      <dsp:txXfrm>
+        <a:off x="8969857" y="1551258"/>
+        <a:ext cx="1922363" cy="1752351"/>
+      </dsp:txXfrm>
+    </dsp:sp>
+  </dsp:spTree>
+</dsp:drawing>
+</file>
+
+<file path=ppt/diagrams/layout1.xml><?xml version="1.0" encoding="utf-8"?>
+<dgm:layoutDef xmlns:dgm="http://schemas.openxmlformats.org/drawingml/2006/diagram" xmlns:a="http://schemas.openxmlformats.org/drawingml/2006/main" uniqueId="urn:microsoft.com/office/officeart/2005/8/layout/hProcess9">
+  <dgm:title val=""/>
+  <dgm:desc val=""/>
+  <dgm:catLst>
+    <dgm:cat type="process" pri="5000"/>
+    <dgm:cat type="convert" pri="13000"/>
+  </dgm:catLst>
+  <dgm:sampData useDef="1">
+    <dgm:dataModel>
+      <dgm:ptLst/>
+      <dgm:bg/>
+      <dgm:whole/>
+    </dgm:dataModel>
+  </dgm:sampData>
+  <dgm:styleData>
+    <dgm:dataModel>
+      <dgm:ptLst>
+        <dgm:pt modelId="0" type="doc"/>
+        <dgm:pt modelId="1"/>
+        <dgm:pt modelId="2"/>
+      </dgm:ptLst>
+      <dgm:cxnLst>
+        <dgm:cxn modelId="3" srcId="0" destId="1" srcOrd="0" destOrd="0"/>
+        <dgm:cxn modelId="4" srcId="0" destId="2" srcOrd="1" destOrd="0"/>
+      </dgm:cxnLst>
+      <dgm:bg/>
+      <dgm:whole/>
+    </dgm:dataModel>
+  </dgm:styleData>
+  <dgm:clrData>
+    <dgm:dataModel>
+      <dgm:ptLst>
+        <dgm:pt modelId="0" type="doc"/>
+        <dgm:pt modelId="1"/>
+        <dgm:pt modelId="2"/>
+        <dgm:pt modelId="3"/>
+        <dgm:pt modelId="4"/>
+      </dgm:ptLst>
+      <dgm:cxnLst>
+        <dgm:cxn modelId="5" srcId="0" destId="1" srcOrd="0" destOrd="0"/>
+        <dgm:cxn modelId="6" srcId="0" destId="2" srcOrd="1" destOrd="0"/>
+        <dgm:cxn modelId="7" srcId="0" destId="3" srcOrd="2" destOrd="0"/>
+        <dgm:cxn modelId="8" srcId="0" destId="4" srcOrd="3" destOrd="0"/>
+      </dgm:cxnLst>
+      <dgm:bg/>
+      <dgm:whole/>
+    </dgm:dataModel>
+  </dgm:clrData>
+  <dgm:layoutNode name="CompostProcess">
+    <dgm:varLst>
+      <dgm:dir/>
+      <dgm:resizeHandles val="exact"/>
+    </dgm:varLst>
+    <dgm:alg type="composite">
+      <dgm:param type="horzAlign" val="ctr"/>
+      <dgm:param type="vertAlign" val="mid"/>
+    </dgm:alg>
+    <dgm:shape xmlns:r="http://schemas.openxmlformats.org/officeDocument/2006/relationships" r:blip="">
+      <dgm:adjLst/>
+    </dgm:shape>
+    <dgm:presOf/>
+    <dgm:constrLst>
+      <dgm:constr type="w" for="ch" forName="arrow" refType="w" fact="0.85"/>
+      <dgm:constr type="h" for="ch" forName="arrow" refType="h"/>
+      <dgm:constr type="ctrX" for="ch" forName="arrow" refType="w" fact="0.5"/>
+      <dgm:constr type="ctrY" for="ch" forName="arrow" refType="h" fact="0.5"/>
+      <dgm:constr type="w" for="ch" forName="linearProcess" refType="w"/>
+      <dgm:constr type="h" for="ch" forName="linearProcess" refType="h" fact="0.4"/>
+      <dgm:constr type="ctrX" for="ch" forName="linearProcess" refType="w" fact="0.5"/>
+      <dgm:constr type="ctrY" for="ch" forName="linearProcess" refType="h" fact="0.5"/>
+    </dgm:constrLst>
+    <dgm:ruleLst/>
+    <dgm:layoutNode name="arrow" styleLbl="bgShp">
+      <dgm:alg type="sp"/>
+      <dgm:choose name="Name0">
+        <dgm:if name="Name1" func="var" arg="dir" op="equ" val="norm">
+          <dgm:shape xmlns:r="http://schemas.openxmlformats.org/officeDocument/2006/relationships" type="rightArrow" r:blip="">
+            <dgm:adjLst/>
+          </dgm:shape>
+        </dgm:if>
+        <dgm:else name="Name2">
+          <dgm:shape xmlns:r="http://schemas.openxmlformats.org/officeDocument/2006/relationships" type="leftArrow" r:blip="">
+            <dgm:adjLst/>
+          </dgm:shape>
+        </dgm:else>
+      </dgm:choose>
+      <dgm:presOf/>
+      <dgm:constrLst/>
+      <dgm:ruleLst/>
+    </dgm:layoutNode>
+    <dgm:layoutNode name="linearProcess">
+      <dgm:choose name="Name3">
+        <dgm:if name="Name4" func="var" arg="dir" op="equ" val="norm">
+          <dgm:alg type="lin"/>
+        </dgm:if>
+        <dgm:else name="Name5">
+          <dgm:alg type="lin">
+            <dgm:param type="linDir" val="fromR"/>
+          </dgm:alg>
+        </dgm:else>
+      </dgm:choose>
+      <dgm:shape xmlns:r="http://schemas.openxmlformats.org/officeDocument/2006/relationships" r:blip="">
+        <dgm:adjLst/>
+      </dgm:shape>
+      <dgm:presOf/>
+      <dgm:constrLst>
+        <dgm:constr type="userA" for="ch" ptType="node" refType="w"/>
+        <dgm:constr type="h" for="ch" ptType="node" refType="h"/>
+        <dgm:constr type="w" for="ch" ptType="node" op="equ"/>
+        <dgm:constr type="w" for="ch" forName="sibTrans" refType="w" fact="0.05"/>
+        <dgm:constr type="primFontSz" for="ch" ptType="node" op="equ" val="65"/>
+      </dgm:constrLst>
+      <dgm:ruleLst/>
+      <dgm:forEach name="Name6" axis="ch" ptType="node">
+        <dgm:layoutNode name="textNode" styleLbl="node1">
+          <dgm:varLst>
+            <dgm:bulletEnabled val="1"/>
+          </dgm:varLst>
+          <dgm:alg type="tx"/>
+          <dgm:shape xmlns:r="http://schemas.openxmlformats.org/officeDocument/2006/relationships" type="roundRect" r:blip="">
+            <dgm:adjLst/>
+          </dgm:shape>
+          <dgm:presOf axis="desOrSelf" ptType="node"/>
+          <dgm:constrLst>
+            <dgm:constr type="userA"/>
+            <dgm:constr type="w" refType="userA" fact="0.3"/>
+            <dgm:constr type="tMarg" refType="primFontSz" fact="0.3"/>
+            <dgm:constr type="bMarg" refType="primFontSz" fact="0.3"/>
+            <dgm:constr type="lMarg" refType="primFontSz" fact="0.3"/>
+            <dgm:constr type="rMarg" refType="primFontSz" fact="0.3"/>
+          </dgm:constrLst>
+          <dgm:ruleLst>
+            <dgm:rule type="w" val="NaN" fact="1" max="NaN"/>
+            <dgm:rule type="primFontSz" val="5" fact="NaN" max="NaN"/>
+          </dgm:ruleLst>
+        </dgm:layoutNode>
+        <dgm:forEach name="Name7" axis="followSib" ptType="sibTrans" cnt="1">
+          <dgm:layoutNode name="sibTrans">
+            <dgm:alg type="sp"/>
+            <dgm:shape xmlns:r="http://schemas.openxmlformats.org/officeDocument/2006/relationships" r:blip="">
+              <dgm:adjLst/>
+            </dgm:shape>
+            <dgm:presOf/>
+            <dgm:constrLst/>
+            <dgm:ruleLst/>
+          </dgm:layoutNode>
+        </dgm:forEach>
+      </dgm:forEach>
+    </dgm:layoutNode>
+  </dgm:layoutNode>
+</dgm:layoutDef>
+</file>
+
+<file path=ppt/diagrams/quickStyle1.xml><?xml version="1.0" encoding="utf-8"?>
+<dgm:styleDef xmlns:dgm="http://schemas.openxmlformats.org/drawingml/2006/diagram" xmlns:a="http://schemas.openxmlformats.org/drawingml/2006/main" uniqueId="urn:microsoft.com/office/officeart/2005/8/quickstyle/simple1">
+  <dgm:title val=""/>
+  <dgm:desc val=""/>
+  <dgm:catLst>
+    <dgm:cat type="simple" pri="10100"/>
+  </dgm:catLst>
+  <dgm:scene3d>
+    <a:camera prst="orthographicFront"/>
+    <a:lightRig rig="threePt" dir="t"/>
+  </dgm:scene3d>
+  <dgm:styleLbl name="node0">
+    <dgm:scene3d>
+      <a:camera prst="orthographicFront"/>
+      <a:lightRig rig="threePt" dir="t"/>
+    </dgm:scene3d>
+    <dgm:sp3d/>
+    <dgm:txPr/>
+    <dgm:style>
+      <a:lnRef idx="2">
+        <a:scrgbClr r="0" g="0" b="0"/>
+      </a:lnRef>
+      <a:fillRef idx="1">
+        <a:scrgbClr r="0" g="0" b="0"/>
+      </a:fillRef>
+      <a:effectRef idx="0">
+        <a:scrgbClr r="0" g="0" b="0"/>
+      </a:effectRef>
+      <a:fontRef idx="minor">
+        <a:schemeClr val="lt1"/>
+      </a:fontRef>
+    </dgm:style>
+  </dgm:styleLbl>
+  <dgm:styleLbl name="lnNode1">
+    <dgm:scene3d>
+      <a:camera prst="orthographicFront"/>
+      <a:lightRig rig="threePt" dir="t"/>
+    </dgm:scene3d>
+    <dgm:sp3d/>
+    <dgm:txPr/>
+    <dgm:style>
+      <a:lnRef idx="2">
+        <a:scrgbClr r="0" g="0" b="0"/>
+      </a:lnRef>
+      <a:fillRef idx="1">
+        <a:scrgbClr r="0" g="0" b="0"/>
+      </a:fillRef>
+      <a:effectRef idx="0">
+        <a:scrgbClr r="0" g="0" b="0"/>
+      </a:effectRef>
+      <a:fontRef idx="minor">
+        <a:schemeClr val="lt1"/>
+      </a:fontRef>
+    </dgm:style>
+  </dgm:styleLbl>
+  <dgm:styleLbl name="vennNode1">
+    <dgm:scene3d>
+      <a:camera prst="orthographicFront"/>
+      <a:lightRig rig="threePt" dir="t"/>
+    </dgm:scene3d>
+    <dgm:sp3d/>
+    <dgm:txPr/>
+    <dgm:style>
+      <a:lnRef idx="2">
+        <a:scrgbClr r="0" g="0" b="0"/>
+      </a:lnRef>
+      <a:fillRef idx="1">
+        <a:scrgbClr r="0" g="0" b="0"/>
+      </a:fillRef>
+      <a:effectRef idx="0">
+        <a:scrgbClr r="0" g="0" b="0"/>
+      </a:effectRef>
+      <a:fontRef idx="minor">
+        <a:schemeClr val="tx1"/>
+      </a:fontRef>
+    </dgm:style>
+  </dgm:styleLbl>
+  <dgm:styleLbl name="alignNode1">
+    <dgm:scene3d>
+      <a:camera prst="orthographicFront"/>
+      <a:lightRig rig="threePt" dir="t"/>
+    </dgm:scene3d>
+    <dgm:sp3d/>
+    <dgm:txPr/>
+    <dgm:style>
+      <a:lnRef idx="2">
+        <a:scrgbClr r="0" g="0" b="0"/>
+      </a:lnRef>
+      <a:fillRef idx="1">
+        <a:scrgbClr r="0" g="0" b="0"/>
+      </a:fillRef>
+      <a:effectRef idx="0">
+        <a:scrgbClr r="0" g="0" b="0"/>
+      </a:effectRef>
+      <a:fontRef idx="minor">
+        <a:schemeClr val="lt1"/>
+      </a:fontRef>
+    </dgm:style>
+  </dgm:styleLbl>
+  <dgm:styleLbl name="node1">
+    <dgm:scene3d>
+      <a:camera prst="orthographicFront"/>
+      <a:lightRig rig="threePt" dir="t"/>
+    </dgm:scene3d>
+    <dgm:sp3d/>
+    <dgm:txPr/>
+    <dgm:style>
+      <a:lnRef idx="2">
+        <a:scrgbClr r="0" g="0" b="0"/>
+      </a:lnRef>
+      <a:fillRef idx="1">
+        <a:scrgbClr r="0" g="0" b="0"/>
+      </a:fillRef>
+      <a:effectRef idx="0">
+        <a:scrgbClr r="0" g="0" b="0"/>
+      </a:effectRef>
+      <a:fontRef idx="minor">
+        <a:schemeClr val="lt1"/>
+      </a:fontRef>
+    </dgm:style>
+  </dgm:styleLbl>
+  <dgm:styleLbl name="node2">
+    <dgm:scene3d>
+      <a:camera prst="orthographicFront"/>
+      <a:lightRig rig="threePt" dir="t"/>
+    </dgm:scene3d>
+    <dgm:sp3d/>
+    <dgm:txPr/>
+    <dgm:style>
+      <a:lnRef idx="2">
+        <a:scrgbClr r="0" g="0" b="0"/>
+      </a:lnRef>
+      <a:fillRef idx="1">
+        <a:scrgbClr r="0" g="0" b="0"/>
+      </a:fillRef>
+      <a:effectRef idx="0">
+        <a:scrgbClr r="0" g="0" b="0"/>
+      </a:effectRef>
+      <a:fontRef idx="minor">
+        <a:schemeClr val="lt1"/>
+      </a:fontRef>
+    </dgm:style>
+  </dgm:styleLbl>
+  <dgm:styleLbl name="node3">
+    <dgm:scene3d>
+      <a:camera prst="orthographicFront"/>
+      <a:lightRig rig="threePt" dir="t"/>
+    </dgm:scene3d>
+    <dgm:sp3d/>
+    <dgm:txPr/>
+    <dgm:style>
+      <a:lnRef idx="2">
+        <a:scrgbClr r="0" g="0" b="0"/>
+      </a:lnRef>
+      <a:fillRef idx="1">
+        <a:scrgbClr r="0" g="0" b="0"/>
+      </a:fillRef>
+      <a:effectRef idx="0">
+        <a:scrgbClr r="0" g="0" b="0"/>
+      </a:effectRef>
+      <a:fontRef idx="minor">
+        <a:schemeClr val="lt1"/>
+      </a:fontRef>
+    </dgm:style>
+  </dgm:styleLbl>
+  <dgm:styleLbl name="node4">
+    <dgm:scene3d>
+      <a:camera prst="orthographicFront"/>
+      <a:lightRig rig="threePt" dir="t"/>
+    </dgm:scene3d>
+    <dgm:sp3d/>
+    <dgm:txPr/>
+    <dgm:style>
+      <a:lnRef idx="2">
+        <a:scrgbClr r="0" g="0" b="0"/>
+      </a:lnRef>
+      <a:fillRef idx="1">
+        <a:scrgbClr r="0" g="0" b="0"/>
+      </a:fillRef>
+      <a:effectRef idx="0">
+        <a:scrgbClr r="0" g="0" b="0"/>
+      </a:effectRef>
+      <a:fontRef idx="minor">
+        <a:schemeClr val="lt1"/>
+      </a:fontRef>
+    </dgm:style>
+  </dgm:styleLbl>
+  <dgm:styleLbl name="fgImgPlace1">
+    <dgm:scene3d>
+      <a:camera prst="orthographicFront"/>
+      <a:lightRig rig="threePt" dir="t"/>
+    </dgm:scene3d>
+    <dgm:sp3d/>
+    <dgm:txPr/>
+    <dgm:style>
+      <a:lnRef idx="2">
+        <a:scrgbClr r="0" g="0" b="0"/>
+      </a:lnRef>
+      <a:fillRef idx="1">
+        <a:scrgbClr r="0" g="0" b="0"/>
+      </a:fillRef>
+      <a:effectRef idx="0">
+        <a:scrgbClr r="0" g="0" b="0"/>
+      </a:effectRef>
+      <a:fontRef idx="minor"/>
+    </dgm:style>
+  </dgm:styleLbl>
+  <dgm:styleLbl name="alignImgPlace1">
+    <dgm:scene3d>
+      <a:camera prst="orthographicFront"/>
+      <a:lightRig rig="threePt" dir="t"/>
+    </dgm:scene3d>
+    <dgm:sp3d/>
+    <dgm:txPr/>
+    <dgm:style>
+      <a:lnRef idx="2">
+        <a:scrgbClr r="0" g="0" b="0"/>
+      </a:lnRef>
+      <a:fillRef idx="1">
+        <a:scrgbClr r="0" g="0" b="0"/>
+      </a:fillRef>
+      <a:effectRef idx="0">
+        <a:scrgbClr r="0" g="0" b="0"/>
+      </a:effectRef>
+      <a:fontRef idx="minor"/>
+    </dgm:style>
+  </dgm:styleLbl>
+  <dgm:styleLbl name="bgImgPlace1">
+    <dgm:scene3d>
+      <a:camera prst="orthographicFront"/>
+      <a:lightRig rig="threePt" dir="t"/>
+    </dgm:scene3d>
+    <dgm:sp3d/>
+    <dgm:txPr/>
+    <dgm:style>
+      <a:lnRef idx="2">
+        <a:scrgbClr r="0" g="0" b="0"/>
+      </a:lnRef>
+      <a:fillRef idx="1">
+        <a:scrgbClr r="0" g="0" b="0"/>
+      </a:fillRef>
+      <a:effectRef idx="0">
+        <a:scrgbClr r="0" g="0" b="0"/>
+      </a:effectRef>
+      <a:fontRef idx="minor"/>
+    </dgm:style>
+  </dgm:styleLbl>
+  <dgm:styleLbl name="sibTrans2D1">
+    <dgm:scene3d>
+      <a:camera prst="orthographicFront"/>
+      <a:lightRig rig="threePt" dir="t"/>
+    </dgm:scene3d>
+    <dgm:sp3d/>
+    <dgm:txPr/>
+    <dgm:style>
+      <a:lnRef idx="0">
+        <a:scrgbClr r="0" g="0" b="0"/>
+      </a:lnRef>
+      <a:fillRef idx="1">
+        <a:scrgbClr r="0" g="0" b="0"/>
+      </a:fillRef>
+      <a:effectRef idx="0">
+        <a:scrgbClr r="0" g="0" b="0"/>
+      </a:effectRef>
+      <a:fontRef idx="minor">
+        <a:schemeClr val="lt1"/>
+      </a:fontRef>
+    </dgm:style>
+  </dgm:styleLbl>
+  <dgm:styleLbl name="fgSibTrans2D1">
+    <dgm:scene3d>
+      <a:camera prst="orthographicFront"/>
+      <a:lightRig rig="threePt" dir="t"/>
+    </dgm:scene3d>
+    <dgm:sp3d/>
+    <dgm:txPr/>
+    <dgm:style>
+      <a:lnRef idx="0">
+        <a:scrgbClr r="0" g="0" b="0"/>
+      </a:lnRef>
+      <a:fillRef idx="1">
+        <a:scrgbClr r="0" g="0" b="0"/>
+      </a:fillRef>
+      <a:effectRef idx="0">
+        <a:scrgbClr r="0" g="0" b="0"/>
+      </a:effectRef>
+      <a:fontRef idx="minor">
+        <a:schemeClr val="lt1"/>
+      </a:fontRef>
+    </dgm:style>
+  </dgm:styleLbl>
+  <dgm:styleLbl name="bgSibTrans2D1">
+    <dgm:scene3d>
+      <a:camera prst="orthographicFront"/>
+      <a:lightRig rig="threePt" dir="t"/>
+    </dgm:scene3d>
+    <dgm:sp3d/>
+    <dgm:txPr/>
+    <dgm:style>
+      <a:lnRef idx="0">
+        <a:scrgbClr r="0" g="0" b="0"/>
+      </a:lnRef>
+      <a:fillRef idx="1">
+        <a:scrgbClr r="0" g="0" b="0"/>
+      </a:fillRef>
+      <a:effectRef idx="0">
+        <a:scrgbClr r="0" g="0" b="0"/>
+      </a:effectRef>
+      <a:fontRef idx="minor">
+        <a:schemeClr val="lt1"/>
+      </a:fontRef>
+    </dgm:style>
+  </dgm:styleLbl>
+  <dgm:styleLbl name="sibTrans1D1">
+    <dgm:scene3d>
+      <a:camera prst="orthographicFront"/>
+      <a:lightRig rig="threePt" dir="t"/>
+    </dgm:scene3d>
+    <dgm:sp3d/>
+    <dgm:txPr/>
+    <dgm:style>
+      <a:lnRef idx="1">
+        <a:scrgbClr r="0" g="0" b="0"/>
+      </a:lnRef>
+      <a:fillRef idx="0">
+        <a:scrgbClr r="0" g="0" b="0"/>
+      </a:fillRef>
+      <a:effectRef idx="0">
+        <a:scrgbClr r="0" g="0" b="0"/>
+      </a:effectRef>
+      <a:fontRef idx="minor"/>
+    </dgm:style>
+  </dgm:styleLbl>
+  <dgm:styleLbl name="callout">
+    <dgm:scene3d>
+      <a:camera prst="orthographicFront"/>
+      <a:lightRig rig="threePt" dir="t"/>
+    </dgm:scene3d>
+    <dgm:sp3d/>
+    <dgm:txPr/>
+    <dgm:style>
+      <a:lnRef idx="2">
+        <a:scrgbClr r="0" g="0" b="0"/>
+      </a:lnRef>
+      <a:fillRef idx="1">
+        <a:scrgbClr r="0" g="0" b="0"/>
+      </a:fillRef>
+      <a:effectRef idx="0">
+        <a:scrgbClr r="0" g="0" b="0"/>
+      </a:effectRef>
+      <a:fontRef idx="minor"/>
+    </dgm:style>
+  </dgm:styleLbl>
+  <dgm:styleLbl name="asst0">
+    <dgm:scene3d>
+      <a:camera prst="orthographicFront"/>
+      <a:lightRig rig="threePt" dir="t"/>
+    </dgm:scene3d>
+    <dgm:sp3d/>
+    <dgm:txPr/>
+    <dgm:style>
+      <a:lnRef idx="2">
+        <a:scrgbClr r="0" g="0" b="0"/>
+      </a:lnRef>
+      <a:fillRef idx="1">
+        <a:scrgbClr r="0" g="0" b="0"/>
+      </a:fillRef>
+      <a:effectRef idx="0">
+        <a:scrgbClr r="0" g="0" b="0"/>
+      </a:effectRef>
+      <a:fontRef idx="minor">
+        <a:schemeClr val="lt1"/>
+      </a:fontRef>
+    </dgm:style>
+  </dgm:styleLbl>
+  <dgm:styleLbl name="asst1">
+    <dgm:scene3d>
+      <a:camera prst="orthographicFront"/>
+      <a:lightRig rig="threePt" dir="t"/>
+    </dgm:scene3d>
+    <dgm:sp3d/>
+    <dgm:txPr/>
+    <dgm:style>
+      <a:lnRef idx="2">
+        <a:scrgbClr r="0" g="0" b="0"/>
+      </a:lnRef>
+      <a:fillRef idx="1">
+        <a:scrgbClr r="0" g="0" b="0"/>
+      </a:fillRef>
+      <a:effectRef idx="0">
+        <a:scrgbClr r="0" g="0" b="0"/>
+      </a:effectRef>
+      <a:fontRef idx="minor">
+        <a:schemeClr val="lt1"/>
+      </a:fontRef>
+    </dgm:style>
+  </dgm:styleLbl>
+  <dgm:styleLbl name="asst2">
+    <dgm:scene3d>
+      <a:camera prst="orthographicFront"/>
+      <a:lightRig rig="threePt" dir="t"/>
+    </dgm:scene3d>
+    <dgm:sp3d/>
+    <dgm:txPr/>
+    <dgm:style>
+      <a:lnRef idx="2">
+        <a:scrgbClr r="0" g="0" b="0"/>
+      </a:lnRef>
+      <a:fillRef idx="1">
+        <a:scrgbClr r="0" g="0" b="0"/>
+      </a:fillRef>
+      <a:effectRef idx="0">
+        <a:scrgbClr r="0" g="0" b="0"/>
+      </a:effectRef>
+      <a:fontRef idx="minor">
+        <a:schemeClr val="lt1"/>
+      </a:fontRef>
+    </dgm:style>
+  </dgm:styleLbl>
+  <dgm:styleLbl name="asst3">
+    <dgm:scene3d>
+      <a:camera prst="orthographicFront"/>
+      <a:lightRig rig="threePt" dir="t"/>
+    </dgm:scene3d>
+    <dgm:sp3d/>
+    <dgm:txPr/>
+    <dgm:style>
+      <a:lnRef idx="2">
+        <a:scrgbClr r="0" g="0" b="0"/>
+      </a:lnRef>
+      <a:fillRef idx="1">
+        <a:scrgbClr r="0" g="0" b="0"/>
+      </a:fillRef>
+      <a:effectRef idx="0">
+        <a:scrgbClr r="0" g="0" b="0"/>
+      </a:effectRef>
+      <a:fontRef idx="minor">
+        <a:schemeClr val="lt1"/>
+      </a:fontRef>
+    </dgm:style>
+  </dgm:styleLbl>
+  <dgm:styleLbl name="asst4">
+    <dgm:scene3d>
+      <a:camera prst="orthographicFront"/>
+      <a:lightRig rig="threePt" dir="t"/>
+    </dgm:scene3d>
+    <dgm:sp3d/>
+    <dgm:txPr/>
+    <dgm:style>
+      <a:lnRef idx="2">
+        <a:scrgbClr r="0" g="0" b="0"/>
+      </a:lnRef>
+      <a:fillRef idx="1">
+        <a:scrgbClr r="0" g="0" b="0"/>
+      </a:fillRef>
+      <a:effectRef idx="0">
+        <a:scrgbClr r="0" g="0" b="0"/>
+      </a:effectRef>
+      <a:fontRef idx="minor">
+        <a:schemeClr val="lt1"/>
+      </a:fontRef>
+    </dgm:style>
+  </dgm:styleLbl>
+  <dgm:styleLbl name="parChTrans2D1">
+    <dgm:scene3d>
+      <a:camera prst="orthographicFront"/>
+      <a:lightRig rig="threePt" dir="t"/>
+    </dgm:scene3d>
+    <dgm:sp3d/>
+    <dgm:txPr/>
+    <dgm:style>
+      <a:lnRef idx="2">
+        <a:scrgbClr r="0" g="0" b="0"/>
+      </a:lnRef>
+      <a:fillRef idx="1">
+        <a:scrgbClr r="0" g="0" b="0"/>
+      </a:fillRef>
+      <a:effectRef idx="0">
+        <a:scrgbClr r="0" g="0" b="0"/>
+      </a:effectRef>
+      <a:fontRef idx="minor">
+        <a:schemeClr val="lt1"/>
+      </a:fontRef>
+    </dgm:style>
+  </dgm:styleLbl>
+  <dgm:styleLbl name="parChTrans2D2">
+    <dgm:scene3d>
+      <a:camera prst="orthographicFront"/>
+      <a:lightRig rig="threePt" dir="t"/>
+    </dgm:scene3d>
+    <dgm:sp3d/>
+    <dgm:txPr/>
+    <dgm:style>
+      <a:lnRef idx="2">
+        <a:scrgbClr r="0" g="0" b="0"/>
+      </a:lnRef>
+      <a:fillRef idx="1">
+        <a:scrgbClr r="0" g="0" b="0"/>
+      </a:fillRef>
+      <a:effectRef idx="0">
+        <a:scrgbClr r="0" g="0" b="0"/>
+      </a:effectRef>
+      <a:fontRef idx="minor">
+        <a:schemeClr val="lt1"/>
+      </a:fontRef>
+    </dgm:style>
+  </dgm:styleLbl>
+  <dgm:styleLbl name="parChTrans2D3">
+    <dgm:scene3d>
+      <a:camera prst="orthographicFront"/>
+      <a:lightRig rig="threePt" dir="t"/>
+    </dgm:scene3d>
+    <dgm:sp3d/>
+    <dgm:txPr/>
+    <dgm:style>
+      <a:lnRef idx="2">
+        <a:scrgbClr r="0" g="0" b="0"/>
+      </a:lnRef>
+      <a:fillRef idx="1">
+        <a:scrgbClr r="0" g="0" b="0"/>
+      </a:fillRef>
+      <a:effectRef idx="0">
+        <a:scrgbClr r="0" g="0" b="0"/>
+      </a:effectRef>
+      <a:fontRef idx="minor">
+        <a:schemeClr val="lt1"/>
+      </a:fontRef>
+    </dgm:style>
+  </dgm:styleLbl>
+  <dgm:styleLbl name="parChTrans2D4">
+    <dgm:scene3d>
+      <a:camera prst="orthographicFront"/>
+      <a:lightRig rig="threePt" dir="t"/>
+    </dgm:scene3d>
+    <dgm:sp3d/>
+    <dgm:txPr/>
+    <dgm:style>
+      <a:lnRef idx="2">
+        <a:scrgbClr r="0" g="0" b="0"/>
+      </a:lnRef>
+      <a:fillRef idx="1">
+        <a:scrgbClr r="0" g="0" b="0"/>
+      </a:fillRef>
+      <a:effectRef idx="0">
+        <a:scrgbClr r="0" g="0" b="0"/>
+      </a:effectRef>
+      <a:fontRef idx="minor">
+        <a:schemeClr val="lt1"/>
+      </a:fontRef>
+    </dgm:style>
+  </dgm:styleLbl>
+  <dgm:styleLbl name="parChTrans1D1">
+    <dgm:scene3d>
+      <a:camera prst="orthographicFront"/>
+      <a:lightRig rig="threePt" dir="t"/>
+    </dgm:scene3d>
+    <dgm:sp3d/>
+    <dgm:txPr/>
+    <dgm:style>
+      <a:lnRef idx="2">
+        <a:scrgbClr r="0" g="0" b="0"/>
+      </a:lnRef>
+      <a:fillRef idx="0">
+        <a:scrgbClr r="0" g="0" b="0"/>
+      </a:fillRef>
+      <a:effectRef idx="0">
+        <a:scrgbClr r="0" g="0" b="0"/>
+      </a:effectRef>
+      <a:fontRef idx="minor"/>
+    </dgm:style>
+  </dgm:styleLbl>
+  <dgm:styleLbl name="parChTrans1D2">
+    <dgm:scene3d>
+      <a:camera prst="orthographicFront"/>
+      <a:lightRig rig="threePt" dir="t"/>
+    </dgm:scene3d>
+    <dgm:sp3d/>
+    <dgm:txPr/>
+    <dgm:style>
+      <a:lnRef idx="2">
+        <a:scrgbClr r="0" g="0" b="0"/>
+      </a:lnRef>
+      <a:fillRef idx="0">
+        <a:scrgbClr r="0" g="0" b="0"/>
+      </a:fillRef>
+      <a:effectRef idx="0">
+        <a:scrgbClr r="0" g="0" b="0"/>
+      </a:effectRef>
+      <a:fontRef idx="minor"/>
+    </dgm:style>
+  </dgm:styleLbl>
+  <dgm:styleLbl name="parChTrans1D3">
+    <dgm:scene3d>
+      <a:camera prst="orthographicFront"/>
+      <a:lightRig rig="threePt" dir="t"/>
+    </dgm:scene3d>
+    <dgm:sp3d/>
+    <dgm:txPr/>
+    <dgm:style>
+      <a:lnRef idx="2">
+        <a:scrgbClr r="0" g="0" b="0"/>
+      </a:lnRef>
+      <a:fillRef idx="0">
+        <a:scrgbClr r="0" g="0" b="0"/>
+      </a:fillRef>
+      <a:effectRef idx="0">
+        <a:scrgbClr r="0" g="0" b="0"/>
+      </a:effectRef>
+      <a:fontRef idx="minor"/>
+    </dgm:style>
+  </dgm:styleLbl>
+  <dgm:styleLbl name="parChTrans1D4">
+    <dgm:scene3d>
+      <a:camera prst="orthographicFront"/>
+      <a:lightRig rig="threePt" dir="t"/>
+    </dgm:scene3d>
+    <dgm:sp3d/>
+    <dgm:txPr/>
+    <dgm:style>
+      <a:lnRef idx="2">
+        <a:scrgbClr r="0" g="0" b="0"/>
+      </a:lnRef>
+      <a:fillRef idx="0">
+        <a:scrgbClr r="0" g="0" b="0"/>
+      </a:fillRef>
+      <a:effectRef idx="0">
+        <a:scrgbClr r="0" g="0" b="0"/>
+      </a:effectRef>
+      <a:fontRef idx="minor"/>
+    </dgm:style>
+  </dgm:styleLbl>
+  <dgm:styleLbl name="fgAcc1">
+    <dgm:scene3d>
+      <a:camera prst="orthographicFront"/>
+      <a:lightRig rig="threePt" dir="t"/>
+    </dgm:scene3d>
+    <dgm:sp3d/>
+    <dgm:txPr/>
+    <dgm:style>
+      <a:lnRef idx="2">
+        <a:scrgbClr r="0" g="0" b="0"/>
+      </a:lnRef>
+      <a:fillRef idx="1">
+        <a:scrgbClr r="0" g="0" b="0"/>
+      </a:fillRef>
+      <a:effectRef idx="0">
+        <a:scrgbClr r="0" g="0" b="0"/>
+      </a:effectRef>
+      <a:fontRef idx="minor"/>
+    </dgm:style>
+  </dgm:styleLbl>
+  <dgm:styleLbl name="conFgAcc1">
+    <dgm:scene3d>
+      <a:camera prst="orthographicFront"/>
+      <a:lightRig rig="threePt" dir="t"/>
+    </dgm:scene3d>
+    <dgm:sp3d/>
+    <dgm:txPr/>
+    <dgm:style>
+      <a:lnRef idx="2">
+        <a:scrgbClr r="0" g="0" b="0"/>
+      </a:lnRef>
+      <a:fillRef idx="1">
+        <a:scrgbClr r="0" g="0" b="0"/>
+      </a:fillRef>
+      <a:effectRef idx="0">
+        <a:scrgbClr r="0" g="0" b="0"/>
+      </a:effectRef>
+      <a:fontRef idx="minor"/>
+    </dgm:style>
+  </dgm:styleLbl>
+  <dgm:styleLbl name="alignAcc1">
+    <dgm:scene3d>
+      <a:camera prst="orthographicFront"/>
+      <a:lightRig rig="threePt" dir="t"/>
+    </dgm:scene3d>
+    <dgm:sp3d/>
+    <dgm:txPr/>
+    <dgm:style>
+      <a:lnRef idx="2">
+        <a:scrgbClr r="0" g="0" b="0"/>
+      </a:lnRef>
+      <a:fillRef idx="1">
+        <a:scrgbClr r="0" g="0" b="0"/>
+      </a:fillRef>
+      <a:effectRef idx="0">
+        <a:scrgbClr r="0" g="0" b="0"/>
+      </a:effectRef>
+      <a:fontRef idx="minor"/>
+    </dgm:style>
+  </dgm:styleLbl>
+  <dgm:styleLbl name="trAlignAcc1">
+    <dgm:scene3d>
+      <a:camera prst="orthographicFront"/>
+      <a:lightRig rig="threePt" dir="t"/>
+    </dgm:scene3d>
+    <dgm:sp3d/>
+    <dgm:txPr/>
+    <dgm:style>
+      <a:lnRef idx="1">
+        <a:scrgbClr r="0" g="0" b="0"/>
+      </a:lnRef>
+      <a:fillRef idx="1">
+        <a:scrgbClr r="0" g="0" b="0"/>
+      </a:fillRef>
+      <a:effectRef idx="0">
+        <a:scrgbClr r="0" g="0" b="0"/>
+      </a:effectRef>
+      <a:fontRef idx="minor"/>
+    </dgm:style>
+  </dgm:styleLbl>
+  <dgm:styleLbl name="bgAcc1">
+    <dgm:scene3d>
+      <a:camera prst="orthographicFront"/>
+      <a:lightRig rig="threePt" dir="t"/>
+    </dgm:scene3d>
+    <dgm:sp3d/>
+    <dgm:txPr/>
+    <dgm:style>
+      <a:lnRef idx="2">
+        <a:scrgbClr r="0" g="0" b="0"/>
+      </a:lnRef>
+      <a:fillRef idx="1">
+        <a:scrgbClr r="0" g="0" b="0"/>
+      </a:fillRef>
+      <a:effectRef idx="0">
+        <a:scrgbClr r="0" g="0" b="0"/>
+      </a:effectRef>
+      <a:fontRef idx="minor"/>
+    </dgm:style>
+  </dgm:styleLbl>
+  <dgm:styleLbl name="solidFgAcc1">
+    <dgm:scene3d>
+      <a:camera prst="orthographicFront"/>
+      <a:lightRig rig="threePt" dir="t"/>
+    </dgm:scene3d>
+    <dgm:sp3d/>
+    <dgm:txPr/>
+    <dgm:style>
+      <a:lnRef idx="2">
+        <a:scrgbClr r="0" g="0" b="0"/>
+      </a:lnRef>
+      <a:fillRef idx="1">
+        <a:scrgbClr r="0" g="0" b="0"/>
+      </a:fillRef>
+      <a:effectRef idx="0">
+        <a:scrgbClr r="0" g="0" b="0"/>
+      </a:effectRef>
+      <a:fontRef idx="minor"/>
+    </dgm:style>
+  </dgm:styleLbl>
+  <dgm:styleLbl name="solidAlignAcc1">
+    <dgm:scene3d>
+      <a:camera prst="orthographicFront"/>
+      <a:lightRig rig="threePt" dir="t"/>
+    </dgm:scene3d>
+    <dgm:sp3d/>
+    <dgm:txPr/>
+    <dgm:style>
+      <a:lnRef idx="2">
+        <a:scrgbClr r="0" g="0" b="0"/>
+      </a:lnRef>
+      <a:fillRef idx="1">
+        <a:scrgbClr r="0" g="0" b="0"/>
+      </a:fillRef>
+      <a:effectRef idx="0">
+        <a:scrgbClr r="0" g="0" b="0"/>
+      </a:effectRef>
+      <a:fontRef idx="minor"/>
+    </dgm:style>
+  </dgm:styleLbl>
+  <dgm:styleLbl name="solidBgAcc1">
+    <dgm:scene3d>
+      <a:camera prst="orthographicFront"/>
+      <a:lightRig rig="threePt" dir="t"/>
+    </dgm:scene3d>
+    <dgm:sp3d/>
+    <dgm:txPr/>
+    <dgm:style>
+      <a:lnRef idx="2">
+        <a:scrgbClr r="0" g="0" b="0"/>
+      </a:lnRef>
+      <a:fillRef idx="1">
+        <a:scrgbClr r="0" g="0" b="0"/>
+      </a:fillRef>
+      <a:effectRef idx="0">
+        <a:scrgbClr r="0" g="0" b="0"/>
+      </a:effectRef>
+      <a:fontRef idx="minor"/>
+    </dgm:style>
+  </dgm:styleLbl>
+  <dgm:styleLbl name="fgAccFollowNode1">
+    <dgm:scene3d>
+      <a:camera prst="orthographicFront"/>
+      <a:lightRig rig="threePt" dir="t"/>
+    </dgm:scene3d>
+    <dgm:sp3d/>
+    <dgm:txPr/>
+    <dgm:style>
+      <a:lnRef idx="2">
+        <a:scrgbClr r="0" g="0" b="0"/>
+      </a:lnRef>
+      <a:fillRef idx="1">
+        <a:scrgbClr r="0" g="0" b="0"/>
+      </a:fillRef>
+      <a:effectRef idx="0">
+        <a:scrgbClr r="0" g="0" b="0"/>
+      </a:effectRef>
+      <a:fontRef idx="minor"/>
+    </dgm:style>
+  </dgm:styleLbl>
+  <dgm:styleLbl name="alignAccFollowNode1">
+    <dgm:scene3d>
+      <a:camera prst="orthographicFront"/>
+      <a:lightRig rig="threePt" dir="t"/>
+    </dgm:scene3d>
+    <dgm:sp3d/>
+    <dgm:txPr/>
+    <dgm:style>
+      <a:lnRef idx="2">
+        <a:scrgbClr r="0" g="0" b="0"/>
+      </a:lnRef>
+      <a:fillRef idx="1">
+        <a:scrgbClr r="0" g="0" b="0"/>
+      </a:fillRef>
+      <a:effectRef idx="0">
+        <a:scrgbClr r="0" g="0" b="0"/>
+      </a:effectRef>
+      <a:fontRef idx="minor"/>
+    </dgm:style>
+  </dgm:styleLbl>
+  <dgm:styleLbl name="bgAccFollowNode1">
+    <dgm:scene3d>
+      <a:camera prst="orthographicFront"/>
+      <a:lightRig rig="threePt" dir="t"/>
+    </dgm:scene3d>
+    <dgm:sp3d/>
+    <dgm:txPr/>
+    <dgm:style>
+      <a:lnRef idx="2">
+        <a:scrgbClr r="0" g="0" b="0"/>
+      </a:lnRef>
+      <a:fillRef idx="1">
+        <a:scrgbClr r="0" g="0" b="0"/>
+      </a:fillRef>
+      <a:effectRef idx="0">
+        <a:scrgbClr r="0" g="0" b="0"/>
+      </a:effectRef>
+      <a:fontRef idx="minor"/>
+    </dgm:style>
+  </dgm:styleLbl>
+  <dgm:styleLbl name="fgAcc0">
+    <dgm:scene3d>
+      <a:camera prst="orthographicFront"/>
+      <a:lightRig rig="threePt" dir="t"/>
+    </dgm:scene3d>
+    <dgm:sp3d/>
+    <dgm:txPr/>
+    <dgm:style>
+      <a:lnRef idx="2">
+        <a:scrgbClr r="0" g="0" b="0"/>
+      </a:lnRef>
+      <a:fillRef idx="1">
+        <a:scrgbClr r="0" g="0" b="0"/>
+      </a:fillRef>
+      <a:effectRef idx="0">
+        <a:scrgbClr r="0" g="0" b="0"/>
+      </a:effectRef>
+      <a:fontRef idx="minor"/>
+    </dgm:style>
+  </dgm:styleLbl>
+  <dgm:styleLbl name="fgAcc2">
+    <dgm:scene3d>
+      <a:camera prst="orthographicFront"/>
+      <a:lightRig rig="threePt" dir="t"/>
+    </dgm:scene3d>
+    <dgm:sp3d/>
+    <dgm:txPr/>
+    <dgm:style>
+      <a:lnRef idx="2">
+        <a:scrgbClr r="0" g="0" b="0"/>
+      </a:lnRef>
+      <a:fillRef idx="1">
+        <a:scrgbClr r="0" g="0" b="0"/>
+      </a:fillRef>
+      <a:effectRef idx="0">
+        <a:scrgbClr r="0" g="0" b="0"/>
+      </a:effectRef>
+      <a:fontRef idx="minor"/>
+    </dgm:style>
+  </dgm:styleLbl>
+  <dgm:styleLbl name="fgAcc3">
+    <dgm:scene3d>
+      <a:camera prst="orthographicFront"/>
+      <a:lightRig rig="threePt" dir="t"/>
+    </dgm:scene3d>
+    <dgm:sp3d/>
+    <dgm:txPr/>
+    <dgm:style>
+      <a:lnRef idx="2">
+        <a:scrgbClr r="0" g="0" b="0"/>
+      </a:lnRef>
+      <a:fillRef idx="1">
+        <a:scrgbClr r="0" g="0" b="0"/>
+      </a:fillRef>
+      <a:effectRef idx="0">
+        <a:scrgbClr r="0" g="0" b="0"/>
+      </a:effectRef>
+      <a:fontRef idx="minor"/>
+    </dgm:style>
+  </dgm:styleLbl>
+  <dgm:styleLbl name="fgAcc4">
+    <dgm:scene3d>
+      <a:camera prst="orthographicFront"/>
+      <a:lightRig rig="threePt" dir="t"/>
+    </dgm:scene3d>
+    <dgm:sp3d/>
+    <dgm:txPr/>
+    <dgm:style>
+      <a:lnRef idx="2">
+        <a:scrgbClr r="0" g="0" b="0"/>
+      </a:lnRef>
+      <a:fillRef idx="1">
+        <a:scrgbClr r="0" g="0" b="0"/>
+      </a:fillRef>
+      <a:effectRef idx="0">
+        <a:scrgbClr r="0" g="0" b="0"/>
+      </a:effectRef>
+      <a:fontRef idx="minor"/>
+    </dgm:style>
+  </dgm:styleLbl>
+  <dgm:styleLbl name="bgShp">
+    <dgm:scene3d>
+      <a:camera prst="orthographicFront"/>
+      <a:lightRig rig="threePt" dir="t"/>
+    </dgm:scene3d>
+    <dgm:sp3d/>
+    <dgm:txPr/>
+    <dgm:style>
+      <a:lnRef idx="0">
+        <a:scrgbClr r="0" g="0" b="0"/>
+      </a:lnRef>
+      <a:fillRef idx="1">
+        <a:scrgbClr r="0" g="0" b="0"/>
+      </a:fillRef>
+      <a:effectRef idx="0">
+        <a:scrgbClr r="0" g="0" b="0"/>
+      </a:effectRef>
+      <a:fontRef idx="minor"/>
+    </dgm:style>
+  </dgm:styleLbl>
+  <dgm:styleLbl name="dkBgShp">
+    <dgm:scene3d>
+      <a:camera prst="orthographicFront"/>
+      <a:lightRig rig="threePt" dir="t"/>
+    </dgm:scene3d>
+    <dgm:sp3d/>
+    <dgm:txPr/>
+    <dgm:style>
+      <a:lnRef idx="0">
+        <a:scrgbClr r="0" g="0" b="0"/>
+      </a:lnRef>
+      <a:fillRef idx="1">
+        <a:scrgbClr r="0" g="0" b="0"/>
+      </a:fillRef>
+      <a:effectRef idx="0">
+        <a:scrgbClr r="0" g="0" b="0"/>
+      </a:effectRef>
+      <a:fontRef idx="minor"/>
+    </dgm:style>
+  </dgm:styleLbl>
+  <dgm:styleLbl name="trBgShp">
+    <dgm:scene3d>
+      <a:camera prst="orthographicFront"/>
+      <a:lightRig rig="threePt" dir="t"/>
+    </dgm:scene3d>
+    <dgm:sp3d/>
+    <dgm:txPr/>
+    <dgm:style>
+      <a:lnRef idx="0">
+        <a:scrgbClr r="0" g="0" b="0"/>
+      </a:lnRef>
+      <a:fillRef idx="1">
+        <a:scrgbClr r="0" g="0" b="0"/>
+      </a:fillRef>
+      <a:effectRef idx="0">
+        <a:scrgbClr r="0" g="0" b="0"/>
+      </a:effectRef>
+      <a:fontRef idx="minor"/>
+    </dgm:style>
+  </dgm:styleLbl>
+  <dgm:styleLbl name="fgShp">
+    <dgm:scene3d>
+      <a:camera prst="orthographicFront"/>
+      <a:lightRig rig="threePt" dir="t"/>
+    </dgm:scene3d>
+    <dgm:sp3d/>
+    <dgm:txPr/>
+    <dgm:style>
+      <a:lnRef idx="2">
+        <a:scrgbClr r="0" g="0" b="0"/>
+      </a:lnRef>
+      <a:fillRef idx="1">
+        <a:scrgbClr r="0" g="0" b="0"/>
+      </a:fillRef>
+      <a:effectRef idx="0">
+        <a:scrgbClr r="0" g="0" b="0"/>
+      </a:effectRef>
+      <a:fontRef idx="minor"/>
+    </dgm:style>
+  </dgm:styleLbl>
+  <dgm:styleLbl name="revTx">
+    <dgm:scene3d>
+      <a:camera prst="orthographicFront"/>
+      <a:lightRig rig="threePt" dir="t"/>
+    </dgm:scene3d>
+    <dgm:sp3d/>
+    <dgm:txPr/>
+    <dgm:style>
+      <a:lnRef idx="0">
+        <a:scrgbClr r="0" g="0" b="0"/>
+      </a:lnRef>
+      <a:fillRef idx="0">
+        <a:scrgbClr r="0" g="0" b="0"/>
+      </a:fillRef>
+      <a:effectRef idx="0">
+        <a:scrgbClr r="0" g="0" b="0"/>
+      </a:effectRef>
+      <a:fontRef idx="minor"/>
+    </dgm:style>
+  </dgm:styleLbl>
+</dgm:styleDef>
 </file>
 
 <file path=ppt/notesMasters/notesMaster1.xml><?xml version="1.0" encoding="utf-8"?>
@@ -21563,8 +24242,8 @@
           <a:chExt cx="0" cy="0"/>
         </a:xfrm>
       </p:grpSpPr>
-      <mc:AlternateContent xmlns:mc="http://schemas.openxmlformats.org/markup-compatibility/2006">
-        <mc:Choice xmlns:a14="http://schemas.microsoft.com/office/drawing/2010/main" Requires="a14">
+      <mc:AlternateContent xmlns:mc="http://schemas.openxmlformats.org/markup-compatibility/2006" xmlns:a14="http://schemas.microsoft.com/office/drawing/2010/main">
+        <mc:Choice Requires="a14">
           <p:sp>
             <p:nvSpPr>
               <p:cNvPr id="4" name="Inhaltsplatzhalter 3">
@@ -21616,14 +24295,14 @@
                       <m:sSubPr>
                         <m:ctrlPr>
                           <a:rPr lang="de-DE" sz="1800" b="0" i="1" smtClean="0">
-                            <a:latin typeface="+mj-lt"/>
+                            <a:latin typeface="Cambria Math" panose="02040503050406030204" pitchFamily="18" charset="0"/>
                           </a:rPr>
                         </m:ctrlPr>
                       </m:sSubPr>
                       <m:e>
                         <m:r>
                           <a:rPr lang="en-GB" sz="1800" i="1" smtClean="0">
-                            <a:latin typeface="+mj-lt"/>
+                            <a:latin typeface="Cambria Math" panose="02040503050406030204" pitchFamily="18" charset="0"/>
                           </a:rPr>
                           <m:t>𝑓</m:t>
                         </m:r>
@@ -21631,7 +24310,7 @@
                       <m:sub>
                         <m:r>
                           <a:rPr lang="de-DE" sz="1800" b="0" i="1" smtClean="0">
-                            <a:latin typeface="+mj-lt"/>
+                            <a:latin typeface="Cambria Math" panose="02040503050406030204" pitchFamily="18" charset="0"/>
                           </a:rPr>
                           <m:t>1</m:t>
                         </m:r>
@@ -21641,20 +24320,20 @@
                       <m:dPr>
                         <m:ctrlPr>
                           <a:rPr lang="en-GB" sz="1800" i="1" smtClean="0">
-                            <a:latin typeface="+mj-lt"/>
+                            <a:latin typeface="Cambria Math" panose="02040503050406030204" pitchFamily="18" charset="0"/>
                           </a:rPr>
                         </m:ctrlPr>
                       </m:dPr>
                       <m:e>
                         <m:r>
                           <a:rPr lang="de-DE" sz="1800" b="0" i="1" smtClean="0">
-                            <a:latin typeface="+mj-lt"/>
+                            <a:latin typeface="Cambria Math" panose="02040503050406030204" pitchFamily="18" charset="0"/>
                           </a:rPr>
                           <m:t>𝑦</m:t>
                         </m:r>
                         <m:r>
                           <a:rPr lang="de-DE" sz="1800" b="0" i="1" smtClean="0">
-                            <a:latin typeface="+mj-lt"/>
+                            <a:latin typeface="Cambria Math" panose="02040503050406030204" pitchFamily="18" charset="0"/>
                           </a:rPr>
                           <m:t>,</m:t>
                         </m:r>
@@ -21663,14 +24342,14 @@
                             <m:chr m:val="̅"/>
                             <m:ctrlPr>
                               <a:rPr lang="de-DE" sz="1800" b="0" i="1" smtClean="0">
-                                <a:latin typeface="+mj-lt"/>
+                                <a:latin typeface="Cambria Math" panose="02040503050406030204" pitchFamily="18" charset="0"/>
                               </a:rPr>
                             </m:ctrlPr>
                           </m:accPr>
                           <m:e>
                             <m:r>
                               <a:rPr lang="de-DE" sz="1800" b="0" i="1" smtClean="0">
-                                <a:latin typeface="+mj-lt"/>
+                                <a:latin typeface="Cambria Math" panose="02040503050406030204" pitchFamily="18" charset="0"/>
                               </a:rPr>
                               <m:t>𝑥</m:t>
                             </m:r>
@@ -21680,7 +24359,7 @@
                     </m:d>
                     <m:r>
                       <a:rPr lang="en-GB" sz="1800" i="1" smtClean="0">
-                        <a:latin typeface="+mj-lt"/>
+                        <a:latin typeface="Cambria Math" panose="02040503050406030204" pitchFamily="18" charset="0"/>
                       </a:rPr>
                       <m:t>=</m:t>
                     </m:r>
@@ -21690,7 +24369,7 @@
                         <m:endChr m:val=""/>
                         <m:ctrlPr>
                           <a:rPr lang="en-GB" sz="1800" i="1" smtClean="0">
-                            <a:latin typeface="+mj-lt"/>
+                            <a:latin typeface="Cambria Math" panose="02040503050406030204" pitchFamily="18" charset="0"/>
                           </a:rPr>
                         </m:ctrlPr>
                       </m:dPr>
@@ -21699,20 +24378,20 @@
                           <m:eqArrPr>
                             <m:ctrlPr>
                               <a:rPr lang="en-GB" sz="1800" i="1" smtClean="0">
-                                <a:latin typeface="+mj-lt"/>
+                                <a:latin typeface="Cambria Math" panose="02040503050406030204" pitchFamily="18" charset="0"/>
                               </a:rPr>
                             </m:ctrlPr>
                           </m:eqArrPr>
                           <m:e>
                             <m:r>
                               <a:rPr lang="de-DE" sz="1800" b="0" i="1" smtClean="0">
-                                <a:latin typeface="+mj-lt"/>
+                                <a:latin typeface="Cambria Math" panose="02040503050406030204" pitchFamily="18" charset="0"/>
                               </a:rPr>
                               <m:t>1</m:t>
                             </m:r>
                             <m:r>
                               <a:rPr lang="en-GB" sz="1800" i="1" smtClean="0">
-                                <a:latin typeface="+mj-lt"/>
+                                <a:latin typeface="Cambria Math" panose="02040503050406030204" pitchFamily="18" charset="0"/>
                               </a:rPr>
                               <m:t>, </m:t>
                             </m:r>
@@ -21720,13 +24399,13 @@
                           <m:e>
                             <m:r>
                               <a:rPr lang="de-DE" sz="1800" b="0" i="1" smtClean="0">
-                                <a:latin typeface="+mj-lt"/>
+                                <a:latin typeface="Cambria Math" panose="02040503050406030204" pitchFamily="18" charset="0"/>
                               </a:rPr>
                               <m:t>0,</m:t>
                             </m:r>
                             <m:r>
                               <a:rPr lang="en-GB" sz="1800" i="1" smtClean="0">
-                                <a:latin typeface="+mj-lt"/>
+                                <a:latin typeface="Cambria Math" panose="02040503050406030204" pitchFamily="18" charset="0"/>
                               </a:rPr>
                               <m:t> </m:t>
                             </m:r>
@@ -21737,32 +24416,32 @@
                             <m:type m:val="noBar"/>
                             <m:ctrlPr>
                               <a:rPr lang="en-GB" sz="1800" i="1" smtClean="0">
-                                <a:latin typeface="+mj-lt"/>
+                                <a:latin typeface="Cambria Math" panose="02040503050406030204" pitchFamily="18" charset="0"/>
                               </a:rPr>
                             </m:ctrlPr>
                           </m:fPr>
                           <m:num>
                             <m:r>
                               <a:rPr lang="de-DE" sz="1800" i="1" smtClean="0">
-                                <a:latin typeface="+mj-lt"/>
+                                <a:latin typeface="Cambria Math" panose="02040503050406030204" pitchFamily="18" charset="0"/>
                               </a:rPr>
                               <m:t>𝑦</m:t>
                             </m:r>
                             <m:r>
                               <a:rPr lang="de-DE" sz="1800" b="0" i="1" smtClean="0">
-                                <a:latin typeface="+mj-lt"/>
+                                <a:latin typeface="Cambria Math" panose="02040503050406030204" pitchFamily="18" charset="0"/>
                               </a:rPr>
                               <m:t> </m:t>
                             </m:r>
                             <m:r>
                               <a:rPr lang="de-DE" sz="1800" i="1" smtClean="0">
-                                <a:latin typeface="+mj-lt"/>
+                                <a:latin typeface="Cambria Math" panose="02040503050406030204" pitchFamily="18" charset="0"/>
                               </a:rPr>
                               <m:t>=</m:t>
                             </m:r>
                             <m:r>
                               <a:rPr lang="de-DE" sz="1800" b="0" i="1" smtClean="0">
-                                <a:latin typeface="+mj-lt"/>
+                                <a:latin typeface="Cambria Math" panose="02040503050406030204" pitchFamily="18" charset="0"/>
                               </a:rPr>
                               <m:t> </m:t>
                             </m:r>
@@ -21777,19 +24456,19 @@
                             </m:r>
                             <m:r>
                               <a:rPr lang="de-DE" sz="1800" b="0" i="1" smtClean="0">
-                                <a:latin typeface="+mj-lt"/>
+                                <a:latin typeface="Cambria Math" panose="02040503050406030204" pitchFamily="18" charset="0"/>
                               </a:rPr>
                               <m:t> </m:t>
                             </m:r>
                             <m:r>
                               <a:rPr lang="de-DE" sz="1800" i="1" smtClean="0">
-                                <a:latin typeface="+mj-lt"/>
+                                <a:latin typeface="Cambria Math" panose="02040503050406030204" pitchFamily="18" charset="0"/>
                               </a:rPr>
                               <m:t>∧</m:t>
                             </m:r>
                             <m:r>
                               <a:rPr lang="de-DE" sz="1800" b="0" i="1" smtClean="0">
-                                <a:latin typeface="+mj-lt"/>
+                                <a:latin typeface="Cambria Math" panose="02040503050406030204" pitchFamily="18" charset="0"/>
                               </a:rPr>
                               <m:t> </m:t>
                             </m:r>
@@ -21804,20 +24483,20 @@
                             </m:r>
                             <m:r>
                               <a:rPr lang="de-DE" sz="1800" b="0" i="1" smtClean="0">
-                                <a:latin typeface="+mj-lt"/>
+                                <a:latin typeface="Cambria Math" panose="02040503050406030204" pitchFamily="18" charset="0"/>
                               </a:rPr>
                               <m:t> </m:t>
                             </m:r>
                             <m:r>
                               <a:rPr lang="de-DE" sz="1800" i="1" smtClean="0">
-                                <a:latin typeface="+mj-lt"/>
+                                <a:latin typeface="Cambria Math" panose="02040503050406030204" pitchFamily="18" charset="0"/>
                                 <a:ea typeface="Cambria Math" panose="02040503050406030204" pitchFamily="18" charset="0"/>
                               </a:rPr>
                               <m:t>∈</m:t>
                             </m:r>
                             <m:r>
                               <a:rPr lang="de-DE" sz="1800" b="0" i="1" smtClean="0">
-                                <a:latin typeface="+mj-lt"/>
+                                <a:latin typeface="Cambria Math" panose="02040503050406030204" pitchFamily="18" charset="0"/>
                                 <a:ea typeface="Cambria Math" panose="02040503050406030204" pitchFamily="18" charset="0"/>
                               </a:rPr>
                               <m:t> </m:t>
@@ -21827,7 +24506,7 @@
                                 <m:chr m:val="̅"/>
                                 <m:ctrlPr>
                                   <a:rPr lang="de-DE" sz="1800" i="1">
-                                    <a:latin typeface="+mj-lt"/>
+                                    <a:latin typeface="Cambria Math" panose="02040503050406030204" pitchFamily="18" charset="0"/>
                                     <a:ea typeface="Cambria Math" panose="02040503050406030204" pitchFamily="18" charset="0"/>
                                   </a:rPr>
                                 </m:ctrlPr>
@@ -21835,7 +24514,7 @@
                               <m:e>
                                 <m:r>
                                   <a:rPr lang="de-DE" sz="1800" i="1" smtClean="0">
-                                    <a:latin typeface="+mj-lt"/>
+                                    <a:latin typeface="Cambria Math" panose="02040503050406030204" pitchFamily="18" charset="0"/>
                                     <a:ea typeface="Cambria Math" panose="02040503050406030204" pitchFamily="18" charset="0"/>
                                   </a:rPr>
                                   <m:t>𝑥</m:t>
@@ -21904,7 +24583,7 @@
                   <m:oMath xmlns:m="http://schemas.openxmlformats.org/officeDocument/2006/math">
                     <m:r>
                       <a:rPr lang="en-GB" i="1" baseline="-25000" smtClean="0">
-                        <a:latin typeface="+mj-lt"/>
+                        <a:latin typeface="Cambria Math" panose="02040503050406030204" pitchFamily="18" charset="0"/>
                         <a:ea typeface="Cambria Math" panose="02040503050406030204" pitchFamily="18" charset="0"/>
                       </a:rPr>
                       <m:t>𝜆</m:t>
@@ -21923,7 +24602,7 @@
                       <m:fPr>
                         <m:ctrlPr>
                           <a:rPr lang="en-GB" i="1" smtClean="0">
-                            <a:latin typeface="+mj-lt"/>
+                            <a:latin typeface="Cambria Math" panose="02040503050406030204" pitchFamily="18" charset="0"/>
                           </a:rPr>
                         </m:ctrlPr>
                       </m:fPr>
@@ -21932,7 +24611,7 @@
                           <m:funcPr>
                             <m:ctrlPr>
                               <a:rPr lang="de-DE" b="0" i="1" smtClean="0">
-                                <a:latin typeface="+mj-lt"/>
+                                <a:latin typeface="Cambria Math" panose="02040503050406030204" pitchFamily="18" charset="0"/>
                               </a:rPr>
                             </m:ctrlPr>
                           </m:funcPr>
@@ -21942,7 +24621,7 @@
                                 <m:sty m:val="p"/>
                               </m:rPr>
                               <a:rPr lang="de-DE" b="0" i="0" smtClean="0">
-                                <a:latin typeface="+mj-lt"/>
+                                <a:latin typeface="Cambria Math" panose="02040503050406030204" pitchFamily="18" charset="0"/>
                               </a:rPr>
                               <m:t>exp</m:t>
                             </m:r>
@@ -21950,91 +24629,91 @@
                           <m:e>
                             <m:r>
                               <a:rPr lang="de-DE" b="0" i="1" smtClean="0">
-                                <a:latin typeface="+mj-lt"/>
+                                <a:latin typeface="Cambria Math" panose="02040503050406030204" pitchFamily="18" charset="0"/>
                                 <a:ea typeface="Cambria Math" panose="02040503050406030204" pitchFamily="18" charset="0"/>
                               </a:rPr>
                               <m:t>∑</m:t>
                             </m:r>
                             <m:r>
                               <a:rPr lang="de-DE" b="0" i="1" baseline="-25000" smtClean="0">
-                                <a:latin typeface="+mj-lt"/>
+                                <a:latin typeface="Cambria Math" panose="02040503050406030204" pitchFamily="18" charset="0"/>
                                 <a:ea typeface="Cambria Math" panose="02040503050406030204" pitchFamily="18" charset="0"/>
                               </a:rPr>
                               <m:t>𝑖</m:t>
                             </m:r>
                             <m:r>
                               <a:rPr lang="de-DE" b="0" i="1" baseline="-25000" smtClean="0">
-                                <a:latin typeface="+mj-lt"/>
+                                <a:latin typeface="Cambria Math" panose="02040503050406030204" pitchFamily="18" charset="0"/>
                                 <a:ea typeface="Cambria Math" panose="02040503050406030204" pitchFamily="18" charset="0"/>
                               </a:rPr>
                               <m:t> </m:t>
                             </m:r>
                             <m:r>
                               <a:rPr lang="en-GB" i="1">
-                                <a:latin typeface="+mj-lt"/>
+                                <a:latin typeface="Cambria Math" panose="02040503050406030204" pitchFamily="18" charset="0"/>
                                 <a:ea typeface="Cambria Math" panose="02040503050406030204" pitchFamily="18" charset="0"/>
                               </a:rPr>
                               <m:t>𝜆</m:t>
                             </m:r>
                             <m:r>
                               <a:rPr lang="de-DE" b="0" i="1" baseline="-25000" smtClean="0">
-                                <a:latin typeface="+mj-lt"/>
+                                <a:latin typeface="Cambria Math" panose="02040503050406030204" pitchFamily="18" charset="0"/>
                                 <a:ea typeface="Cambria Math" panose="02040503050406030204" pitchFamily="18" charset="0"/>
                               </a:rPr>
                               <m:t>𝑖</m:t>
                             </m:r>
                             <m:r>
                               <a:rPr lang="de-DE" b="0" i="1" smtClean="0">
-                                <a:latin typeface="+mj-lt"/>
+                                <a:latin typeface="Cambria Math" panose="02040503050406030204" pitchFamily="18" charset="0"/>
                                 <a:ea typeface="Cambria Math" panose="02040503050406030204" pitchFamily="18" charset="0"/>
                               </a:rPr>
                               <m:t>𝑓</m:t>
                             </m:r>
                             <m:r>
                               <a:rPr lang="de-DE" b="0" i="1" baseline="-25000" smtClean="0">
-                                <a:latin typeface="+mj-lt"/>
+                                <a:latin typeface="Cambria Math" panose="02040503050406030204" pitchFamily="18" charset="0"/>
                                 <a:ea typeface="Cambria Math" panose="02040503050406030204" pitchFamily="18" charset="0"/>
                               </a:rPr>
                               <m:t>𝑖</m:t>
                             </m:r>
                             <m:r>
                               <a:rPr lang="de-DE" b="0" i="1" smtClean="0">
-                                <a:latin typeface="+mj-lt"/>
+                                <a:latin typeface="Cambria Math" panose="02040503050406030204" pitchFamily="18" charset="0"/>
                                 <a:ea typeface="Cambria Math" panose="02040503050406030204" pitchFamily="18" charset="0"/>
                               </a:rPr>
                               <m:t>(</m:t>
                             </m:r>
                             <m:r>
                               <a:rPr lang="de-DE" b="0" i="1" smtClean="0">
-                                <a:latin typeface="+mj-lt"/>
+                                <a:latin typeface="Cambria Math" panose="02040503050406030204" pitchFamily="18" charset="0"/>
                                 <a:ea typeface="Cambria Math" panose="02040503050406030204" pitchFamily="18" charset="0"/>
                               </a:rPr>
                               <m:t>𝑦</m:t>
                             </m:r>
                             <m:r>
                               <a:rPr lang="de-DE" b="0" i="1" smtClean="0">
-                                <a:latin typeface="+mj-lt"/>
+                                <a:latin typeface="Cambria Math" panose="02040503050406030204" pitchFamily="18" charset="0"/>
                                 <a:ea typeface="Cambria Math" panose="02040503050406030204" pitchFamily="18" charset="0"/>
                               </a:rPr>
                               <m:t>,  </m:t>
                             </m:r>
                             <m:r>
                               <a:rPr lang="de-DE" b="1" i="1" smtClean="0">
-                                <a:latin typeface="+mj-lt"/>
+                                <a:latin typeface="Cambria Math" panose="02040503050406030204" pitchFamily="18" charset="0"/>
                                 <a:ea typeface="Cambria Math" panose="02040503050406030204" pitchFamily="18" charset="0"/>
                               </a:rPr>
                               <m:t> </m:t>
                             </m:r>
                             <m:r>
                               <a:rPr lang="de-DE" b="1" i="1" smtClean="0">
-                                <a:latin typeface="+mj-lt"/>
+                                <a:latin typeface="Cambria Math" panose="02040503050406030204" pitchFamily="18" charset="0"/>
                                 <a:ea typeface="Cambria Math" panose="02040503050406030204" pitchFamily="18" charset="0"/>
                               </a:rPr>
                               <m:t>𝒙</m:t>
                             </m:r>
                             <m:r>
                               <a:rPr lang="de-DE" b="0" i="1" smtClean="0">
-                                <a:latin typeface="+mj-lt"/>
+                                <a:latin typeface="Cambria Math" panose="02040503050406030204" pitchFamily="18" charset="0"/>
                                 <a:ea typeface="Cambria Math" panose="02040503050406030204" pitchFamily="18" charset="0"/>
                               </a:rPr>
                               <m:t>)</m:t>
@@ -22045,7 +24724,7 @@
                       <m:den>
                         <m:r>
                           <a:rPr lang="de-DE" i="1">
-                            <a:latin typeface="+mj-lt"/>
+                            <a:latin typeface="Cambria Math" panose="02040503050406030204" pitchFamily="18" charset="0"/>
                             <a:ea typeface="Cambria Math" panose="02040503050406030204" pitchFamily="18" charset="0"/>
                           </a:rPr>
                           <m:t>∑</m:t>
@@ -22054,7 +24733,7 @@
                           <m:sSupPr>
                             <m:ctrlPr>
                               <a:rPr lang="de-DE" i="1" baseline="-25000">
-                                <a:latin typeface="+mj-lt"/>
+                                <a:latin typeface="Cambria Math" panose="02040503050406030204" pitchFamily="18" charset="0"/>
                                 <a:ea typeface="Cambria Math" panose="02040503050406030204" pitchFamily="18" charset="0"/>
                               </a:rPr>
                             </m:ctrlPr>
@@ -22062,7 +24741,7 @@
                           <m:e>
                             <m:r>
                               <a:rPr lang="de-DE" i="1" baseline="-25000">
-                                <a:latin typeface="+mj-lt"/>
+                                <a:latin typeface="Cambria Math" panose="02040503050406030204" pitchFamily="18" charset="0"/>
                                 <a:ea typeface="Cambria Math" panose="02040503050406030204" pitchFamily="18" charset="0"/>
                               </a:rPr>
                               <m:t>𝑦</m:t>
@@ -22071,7 +24750,7 @@
                           <m:sup>
                             <m:r>
                               <a:rPr lang="de-DE" i="1" baseline="-25000">
-                                <a:latin typeface="+mj-lt"/>
+                                <a:latin typeface="Cambria Math" panose="02040503050406030204" pitchFamily="18" charset="0"/>
                                 <a:ea typeface="Cambria Math" panose="02040503050406030204" pitchFamily="18" charset="0"/>
                               </a:rPr>
                               <m:t>′ </m:t>
@@ -22082,7 +24761,7 @@
                           <m:funcPr>
                             <m:ctrlPr>
                               <a:rPr lang="de-DE" i="1">
-                                <a:latin typeface="+mj-lt"/>
+                                <a:latin typeface="Cambria Math" panose="02040503050406030204" pitchFamily="18" charset="0"/>
                               </a:rPr>
                             </m:ctrlPr>
                           </m:funcPr>
@@ -22092,7 +24771,7 @@
                                 <m:sty m:val="p"/>
                               </m:rPr>
                               <a:rPr lang="de-DE">
-                                <a:latin typeface="+mj-lt"/>
+                                <a:latin typeface="Cambria Math" panose="02040503050406030204" pitchFamily="18" charset="0"/>
                               </a:rPr>
                               <m:t>exp</m:t>
                             </m:r>
@@ -22100,91 +24779,91 @@
                           <m:e>
                             <m:r>
                               <a:rPr lang="de-DE" i="1">
-                                <a:latin typeface="+mj-lt"/>
+                                <a:latin typeface="Cambria Math" panose="02040503050406030204" pitchFamily="18" charset="0"/>
                                 <a:ea typeface="Cambria Math" panose="02040503050406030204" pitchFamily="18" charset="0"/>
                               </a:rPr>
                               <m:t>∑</m:t>
                             </m:r>
                             <m:r>
                               <a:rPr lang="de-DE" i="1" baseline="-25000">
-                                <a:latin typeface="+mj-lt"/>
+                                <a:latin typeface="Cambria Math" panose="02040503050406030204" pitchFamily="18" charset="0"/>
                                 <a:ea typeface="Cambria Math" panose="02040503050406030204" pitchFamily="18" charset="0"/>
                               </a:rPr>
                               <m:t>𝑖</m:t>
                             </m:r>
                             <m:r>
                               <a:rPr lang="de-DE" i="1" baseline="-25000">
-                                <a:latin typeface="+mj-lt"/>
+                                <a:latin typeface="Cambria Math" panose="02040503050406030204" pitchFamily="18" charset="0"/>
                                 <a:ea typeface="Cambria Math" panose="02040503050406030204" pitchFamily="18" charset="0"/>
                               </a:rPr>
                               <m:t> </m:t>
                             </m:r>
                             <m:r>
                               <a:rPr lang="en-GB" i="1">
-                                <a:latin typeface="+mj-lt"/>
+                                <a:latin typeface="Cambria Math" panose="02040503050406030204" pitchFamily="18" charset="0"/>
                                 <a:ea typeface="Cambria Math" panose="02040503050406030204" pitchFamily="18" charset="0"/>
                               </a:rPr>
                               <m:t>𝜆</m:t>
                             </m:r>
                             <m:r>
                               <a:rPr lang="de-DE" i="1" baseline="-25000">
-                                <a:latin typeface="+mj-lt"/>
+                                <a:latin typeface="Cambria Math" panose="02040503050406030204" pitchFamily="18" charset="0"/>
                                 <a:ea typeface="Cambria Math" panose="02040503050406030204" pitchFamily="18" charset="0"/>
                               </a:rPr>
                               <m:t>𝑖</m:t>
                             </m:r>
                             <m:r>
                               <a:rPr lang="de-DE" i="1">
-                                <a:latin typeface="+mj-lt"/>
+                                <a:latin typeface="Cambria Math" panose="02040503050406030204" pitchFamily="18" charset="0"/>
                                 <a:ea typeface="Cambria Math" panose="02040503050406030204" pitchFamily="18" charset="0"/>
                               </a:rPr>
                               <m:t>𝑓</m:t>
                             </m:r>
                             <m:r>
                               <a:rPr lang="de-DE" i="1" baseline="-25000">
-                                <a:latin typeface="+mj-lt"/>
+                                <a:latin typeface="Cambria Math" panose="02040503050406030204" pitchFamily="18" charset="0"/>
                                 <a:ea typeface="Cambria Math" panose="02040503050406030204" pitchFamily="18" charset="0"/>
                               </a:rPr>
                               <m:t>𝑖</m:t>
                             </m:r>
                             <m:r>
                               <a:rPr lang="de-DE" i="1">
-                                <a:latin typeface="+mj-lt"/>
+                                <a:latin typeface="Cambria Math" panose="02040503050406030204" pitchFamily="18" charset="0"/>
                                 <a:ea typeface="Cambria Math" panose="02040503050406030204" pitchFamily="18" charset="0"/>
                               </a:rPr>
                               <m:t>(</m:t>
                             </m:r>
                             <m:r>
                               <a:rPr lang="de-DE" i="1">
-                                <a:latin typeface="+mj-lt"/>
+                                <a:latin typeface="Cambria Math" panose="02040503050406030204" pitchFamily="18" charset="0"/>
                                 <a:ea typeface="Cambria Math" panose="02040503050406030204" pitchFamily="18" charset="0"/>
                               </a:rPr>
                               <m:t>𝑦</m:t>
                             </m:r>
                             <m:r>
                               <a:rPr lang="de-DE" i="1" baseline="30000">
-                                <a:latin typeface="+mj-lt"/>
+                                <a:latin typeface="Cambria Math" panose="02040503050406030204" pitchFamily="18" charset="0"/>
                                 <a:ea typeface="Cambria Math" panose="02040503050406030204" pitchFamily="18" charset="0"/>
                               </a:rPr>
                               <m:t>′</m:t>
                             </m:r>
                             <m:r>
                               <a:rPr lang="de-DE" i="1">
-                                <a:latin typeface="+mj-lt"/>
+                                <a:latin typeface="Cambria Math" panose="02040503050406030204" pitchFamily="18" charset="0"/>
                                 <a:ea typeface="Cambria Math" panose="02040503050406030204" pitchFamily="18" charset="0"/>
                               </a:rPr>
                               <m:t>,</m:t>
                             </m:r>
                             <m:r>
                               <a:rPr lang="de-DE" b="1" i="1">
-                                <a:latin typeface="+mj-lt"/>
+                                <a:latin typeface="Cambria Math" panose="02040503050406030204" pitchFamily="18" charset="0"/>
                                 <a:ea typeface="Cambria Math" panose="02040503050406030204" pitchFamily="18" charset="0"/>
                               </a:rPr>
                               <m:t>𝒙</m:t>
                             </m:r>
                             <m:r>
                               <a:rPr lang="de-DE" i="1">
-                                <a:latin typeface="+mj-lt"/>
+                                <a:latin typeface="Cambria Math" panose="02040503050406030204" pitchFamily="18" charset="0"/>
                                 <a:ea typeface="Cambria Math" panose="02040503050406030204" pitchFamily="18" charset="0"/>
                               </a:rPr>
                               <m:t>)</m:t>
@@ -22207,68 +24886,68 @@
                       <m:fPr>
                         <m:ctrlPr>
                           <a:rPr lang="en-GB" i="1">
-                            <a:latin typeface="+mj-lt"/>
+                            <a:latin typeface="Cambria Math" panose="02040503050406030204" pitchFamily="18" charset="0"/>
                           </a:rPr>
                         </m:ctrlPr>
                       </m:fPr>
                       <m:num>
                         <m:r>
                           <a:rPr lang="de-DE" i="1" smtClean="0">
-                            <a:latin typeface="+mj-lt"/>
+                            <a:latin typeface="Cambria Math" panose="02040503050406030204" pitchFamily="18" charset="0"/>
                           </a:rPr>
                           <m:t>𝑠</m:t>
                         </m:r>
                         <m:r>
                           <a:rPr lang="de-DE" b="0" i="1" smtClean="0">
-                            <a:latin typeface="+mj-lt"/>
+                            <a:latin typeface="Cambria Math" panose="02040503050406030204" pitchFamily="18" charset="0"/>
                           </a:rPr>
                           <m:t>𝑐𝑜𝑟𝑒</m:t>
                         </m:r>
                         <m:r>
                           <a:rPr lang="de-DE" b="0" i="1" smtClean="0">
-                            <a:latin typeface="+mj-lt"/>
+                            <a:latin typeface="Cambria Math" panose="02040503050406030204" pitchFamily="18" charset="0"/>
                           </a:rPr>
                           <m:t> </m:t>
                         </m:r>
                         <m:r>
                           <a:rPr lang="de-DE" b="0" i="1" smtClean="0">
-                            <a:latin typeface="+mj-lt"/>
+                            <a:latin typeface="Cambria Math" panose="02040503050406030204" pitchFamily="18" charset="0"/>
                           </a:rPr>
                           <m:t>𝑜𝑓</m:t>
                         </m:r>
                         <m:r>
                           <a:rPr lang="de-DE" b="0" i="1" smtClean="0">
-                            <a:latin typeface="+mj-lt"/>
+                            <a:latin typeface="Cambria Math" panose="02040503050406030204" pitchFamily="18" charset="0"/>
                           </a:rPr>
                           <m:t> </m:t>
                         </m:r>
                         <m:r>
                           <a:rPr lang="de-DE" b="0" i="1" smtClean="0">
-                            <a:latin typeface="+mj-lt"/>
+                            <a:latin typeface="Cambria Math" panose="02040503050406030204" pitchFamily="18" charset="0"/>
                           </a:rPr>
                           <m:t>𝑎</m:t>
                         </m:r>
                         <m:r>
                           <a:rPr lang="de-DE" b="0" i="1" smtClean="0">
-                            <a:latin typeface="+mj-lt"/>
+                            <a:latin typeface="Cambria Math" panose="02040503050406030204" pitchFamily="18" charset="0"/>
                           </a:rPr>
                           <m:t> </m:t>
                         </m:r>
                         <m:r>
                           <a:rPr lang="de-DE" b="0" i="1" smtClean="0">
-                            <a:latin typeface="+mj-lt"/>
+                            <a:latin typeface="Cambria Math" panose="02040503050406030204" pitchFamily="18" charset="0"/>
                           </a:rPr>
                           <m:t>𝑐𝑙𝑎𝑠𝑠</m:t>
                         </m:r>
                         <m:r>
                           <a:rPr lang="de-DE" b="0" i="1" smtClean="0">
-                            <a:latin typeface="+mj-lt"/>
+                            <a:latin typeface="Cambria Math" panose="02040503050406030204" pitchFamily="18" charset="0"/>
                           </a:rPr>
                           <m:t> </m:t>
                         </m:r>
                         <m:r>
                           <a:rPr lang="de-DE" b="0" i="1" smtClean="0">
-                            <a:latin typeface="+mj-lt"/>
+                            <a:latin typeface="Cambria Math" panose="02040503050406030204" pitchFamily="18" charset="0"/>
                           </a:rPr>
                           <m:t>𝑦</m:t>
                         </m:r>
@@ -22276,98 +24955,98 @@
                       <m:den>
                         <m:r>
                           <a:rPr lang="de-DE" b="0" i="1" smtClean="0">
-                            <a:latin typeface="+mj-lt"/>
+                            <a:latin typeface="Cambria Math" panose="02040503050406030204" pitchFamily="18" charset="0"/>
                             <a:ea typeface="Cambria Math" panose="02040503050406030204" pitchFamily="18" charset="0"/>
                           </a:rPr>
                           <m:t>𝑠𝑢𝑚</m:t>
                         </m:r>
                         <m:r>
                           <a:rPr lang="de-DE" b="0" i="1" smtClean="0">
-                            <a:latin typeface="+mj-lt"/>
+                            <a:latin typeface="Cambria Math" panose="02040503050406030204" pitchFamily="18" charset="0"/>
                             <a:ea typeface="Cambria Math" panose="02040503050406030204" pitchFamily="18" charset="0"/>
                           </a:rPr>
                           <m:t> </m:t>
                         </m:r>
                         <m:r>
                           <a:rPr lang="de-DE" b="0" i="1" smtClean="0">
-                            <a:latin typeface="+mj-lt"/>
+                            <a:latin typeface="Cambria Math" panose="02040503050406030204" pitchFamily="18" charset="0"/>
                             <a:ea typeface="Cambria Math" panose="02040503050406030204" pitchFamily="18" charset="0"/>
                           </a:rPr>
                           <m:t>𝑜𝑓</m:t>
                         </m:r>
                         <m:r>
                           <a:rPr lang="de-DE" b="0" i="1" smtClean="0">
-                            <a:latin typeface="+mj-lt"/>
+                            <a:latin typeface="Cambria Math" panose="02040503050406030204" pitchFamily="18" charset="0"/>
                             <a:ea typeface="Cambria Math" panose="02040503050406030204" pitchFamily="18" charset="0"/>
                           </a:rPr>
                           <m:t> </m:t>
                         </m:r>
                         <m:r>
                           <a:rPr lang="de-DE" b="0" i="1" smtClean="0">
-                            <a:latin typeface="+mj-lt"/>
+                            <a:latin typeface="Cambria Math" panose="02040503050406030204" pitchFamily="18" charset="0"/>
                             <a:ea typeface="Cambria Math" panose="02040503050406030204" pitchFamily="18" charset="0"/>
                           </a:rPr>
                           <m:t>𝑠𝑐𝑜𝑟𝑒𝑠</m:t>
                         </m:r>
                         <m:r>
                           <a:rPr lang="de-DE" b="0" i="1" smtClean="0">
-                            <a:latin typeface="+mj-lt"/>
+                            <a:latin typeface="Cambria Math" panose="02040503050406030204" pitchFamily="18" charset="0"/>
                             <a:ea typeface="Cambria Math" panose="02040503050406030204" pitchFamily="18" charset="0"/>
                           </a:rPr>
                           <m:t> </m:t>
                         </m:r>
                         <m:r>
                           <a:rPr lang="de-DE" b="0" i="1" smtClean="0">
-                            <a:latin typeface="+mj-lt"/>
+                            <a:latin typeface="Cambria Math" panose="02040503050406030204" pitchFamily="18" charset="0"/>
                             <a:ea typeface="Cambria Math" panose="02040503050406030204" pitchFamily="18" charset="0"/>
                           </a:rPr>
                           <m:t>𝑓𝑜𝑟</m:t>
                         </m:r>
                         <m:r>
                           <a:rPr lang="de-DE" b="0" i="1" smtClean="0">
-                            <a:latin typeface="+mj-lt"/>
+                            <a:latin typeface="Cambria Math" panose="02040503050406030204" pitchFamily="18" charset="0"/>
                             <a:ea typeface="Cambria Math" panose="02040503050406030204" pitchFamily="18" charset="0"/>
                           </a:rPr>
                           <m:t> </m:t>
                         </m:r>
                         <m:r>
                           <a:rPr lang="de-DE" b="0" i="1" smtClean="0">
-                            <a:latin typeface="+mj-lt"/>
+                            <a:latin typeface="Cambria Math" panose="02040503050406030204" pitchFamily="18" charset="0"/>
                             <a:ea typeface="Cambria Math" panose="02040503050406030204" pitchFamily="18" charset="0"/>
                           </a:rPr>
                           <m:t>𝑎𝑙𝑙</m:t>
                         </m:r>
                         <m:r>
                           <a:rPr lang="de-DE" b="0" i="1" smtClean="0">
-                            <a:latin typeface="+mj-lt"/>
+                            <a:latin typeface="Cambria Math" panose="02040503050406030204" pitchFamily="18" charset="0"/>
                             <a:ea typeface="Cambria Math" panose="02040503050406030204" pitchFamily="18" charset="0"/>
                           </a:rPr>
                           <m:t> </m:t>
                         </m:r>
                         <m:r>
                           <a:rPr lang="de-DE" b="0" i="1" smtClean="0">
-                            <a:latin typeface="+mj-lt"/>
+                            <a:latin typeface="Cambria Math" panose="02040503050406030204" pitchFamily="18" charset="0"/>
                             <a:ea typeface="Cambria Math" panose="02040503050406030204" pitchFamily="18" charset="0"/>
                           </a:rPr>
                           <m:t>𝑐𝑙𝑎𝑠𝑠𝑒𝑠</m:t>
                         </m:r>
                         <m:r>
                           <a:rPr lang="de-DE" b="0" i="1" smtClean="0">
-                            <a:latin typeface="+mj-lt"/>
+                            <a:latin typeface="Cambria Math" panose="02040503050406030204" pitchFamily="18" charset="0"/>
                             <a:ea typeface="Cambria Math" panose="02040503050406030204" pitchFamily="18" charset="0"/>
                           </a:rPr>
                           <m:t> </m:t>
                         </m:r>
                         <m:r>
                           <a:rPr lang="de-DE" b="0" i="1" smtClean="0">
-                            <a:latin typeface="+mj-lt"/>
+                            <a:latin typeface="Cambria Math" panose="02040503050406030204" pitchFamily="18" charset="0"/>
                             <a:ea typeface="Cambria Math" panose="02040503050406030204" pitchFamily="18" charset="0"/>
                           </a:rPr>
                           <m:t>𝑦</m:t>
                         </m:r>
                         <m:r>
                           <a:rPr lang="de-DE" b="0" i="1" baseline="30000" smtClean="0">
-                            <a:latin typeface="+mj-lt"/>
+                            <a:latin typeface="Cambria Math" panose="02040503050406030204" pitchFamily="18" charset="0"/>
                             <a:ea typeface="Cambria Math" panose="02040503050406030204" pitchFamily="18" charset="0"/>
                           </a:rPr>
                           <m:t>′</m:t>
@@ -22399,7 +25078,7 @@
             </p:txBody>
           </p:sp>
         </mc:Choice>
-        <mc:Fallback>
+        <mc:Fallback xmlns="">
           <p:sp>
             <p:nvSpPr>
               <p:cNvPr id="4" name="Inhaltsplatzhalter 3">
@@ -22631,13 +25310,7 @@
               <a:rPr lang="de-DE" b="0" dirty="0">
                 <a:latin typeface="+mn-lt"/>
               </a:rPr>
-              <a:t>2. Baseline </a:t>
-            </a:r>
-            <a:r>
-              <a:rPr lang="de-DE" b="0" dirty="0" err="1">
-                <a:latin typeface="+mn-lt"/>
-              </a:rPr>
-              <a:t>model</a:t>
+              <a:t>Approach</a:t>
             </a:r>
             <a:endParaRPr lang="en-GB" dirty="0"/>
           </a:p>
@@ -22680,147 +25353,37 @@
           </a:p>
         </p:txBody>
       </p:sp>
-      <p:sp>
-        <p:nvSpPr>
-          <p:cNvPr id="4" name="Inhaltsplatzhalter 3">
+      <p:graphicFrame>
+        <p:nvGraphicFramePr>
+          <p:cNvPr id="7" name="Inhaltsplatzhalter 6">
             <a:extLst>
               <a:ext uri="{FF2B5EF4-FFF2-40B4-BE49-F238E27FC236}">
-                <a16:creationId xmlns:a16="http://schemas.microsoft.com/office/drawing/2014/main" id="{C13F0CCD-E58F-4E53-A61C-D7F519E057E5}"/>
+                <a16:creationId xmlns:a16="http://schemas.microsoft.com/office/drawing/2014/main" id="{AFB231D7-4FCB-4303-A054-9D2FE561483D}"/>
               </a:ext>
             </a:extLst>
           </p:cNvPr>
-          <p:cNvSpPr>
-            <a:spLocks noGrp="1"/>
-          </p:cNvSpPr>
+          <p:cNvGraphicFramePr>
+            <a:graphicFrameLocks noGrp="1"/>
+          </p:cNvGraphicFramePr>
           <p:nvPr>
             <p:ph idx="1"/>
+            <p:extLst>
+              <p:ext uri="{D42A27DB-BD31-4B8C-83A1-F6EECF244321}">
+                <p14:modId xmlns:p14="http://schemas.microsoft.com/office/powerpoint/2010/main" val="1991508156"/>
+              </p:ext>
+            </p:extLst>
           </p:nvPr>
-        </p:nvSpPr>
-        <p:spPr/>
-        <p:txBody>
-          <a:bodyPr/>
-          <a:lstStyle/>
-          <a:p>
-            <a:r>
-              <a:rPr lang="en-GB" dirty="0"/>
-              <a:t>Documents as 0/1 word vectors built from the vocabulary of the training data</a:t>
-            </a:r>
-          </a:p>
-          <a:p>
-            <a:r>
-              <a:rPr lang="en-GB" dirty="0"/>
-              <a:t>Features have a label string and the index of a word as the document property</a:t>
-            </a:r>
-          </a:p>
-          <a:p>
-            <a:pPr lvl="1"/>
-            <a:r>
-              <a:rPr lang="en-GB" dirty="0"/>
-              <a:t>Learned from the training data as pointwise mutual information</a:t>
-            </a:r>
-          </a:p>
-          <a:p>
-            <a:r>
-              <a:rPr lang="en-GB" dirty="0"/>
-              <a:t>Program:</a:t>
-            </a:r>
-          </a:p>
-          <a:p>
-            <a:pPr marL="709076" lvl="1" indent="-457200">
-              <a:buFont typeface="+mj-lt"/>
-              <a:buAutoNum type="arabicPeriod"/>
-            </a:pPr>
-            <a:r>
-              <a:rPr lang="en-GB" dirty="0"/>
-              <a:t>Learn 50 features for each label in the training data</a:t>
-            </a:r>
-          </a:p>
-          <a:p>
-            <a:pPr marL="709076" lvl="1" indent="-457200">
-              <a:buFont typeface="+mj-lt"/>
-              <a:buAutoNum type="arabicPeriod"/>
-            </a:pPr>
-            <a:r>
-              <a:rPr lang="en-GB" dirty="0"/>
-              <a:t>Assign a random weight to each feature</a:t>
-            </a:r>
-          </a:p>
-          <a:p>
-            <a:pPr marL="709076" lvl="1" indent="-457200">
-              <a:buFont typeface="+mj-lt"/>
-              <a:buAutoNum type="arabicPeriod"/>
-            </a:pPr>
-            <a:r>
-              <a:rPr lang="en-GB" dirty="0"/>
-              <a:t>Calculate the classifier’s accuracy with these weights</a:t>
-            </a:r>
-          </a:p>
-          <a:p>
-            <a:pPr marL="709076" lvl="1" indent="-457200">
-              <a:buFont typeface="+mj-lt"/>
-              <a:buAutoNum type="arabicPeriod"/>
-            </a:pPr>
-            <a:r>
-              <a:rPr lang="en-GB" dirty="0"/>
-              <a:t>Improve them through iterative optimization with stochastic gradient descent:</a:t>
-            </a:r>
-          </a:p>
-          <a:p>
-            <a:pPr lvl="2"/>
-            <a:r>
-              <a:rPr lang="en-GB" dirty="0"/>
-              <a:t>calculate the </a:t>
-            </a:r>
-            <a:r>
-              <a:rPr lang="en-GB" b="1" dirty="0"/>
-              <a:t>derivative of the function F (conditional log likelihood)</a:t>
-            </a:r>
-          </a:p>
-          <a:p>
-            <a:pPr lvl="2"/>
-            <a:r>
-              <a:rPr lang="en-GB" dirty="0" err="1"/>
-              <a:t>new_weight</a:t>
-            </a:r>
-            <a:r>
-              <a:rPr lang="en-GB" dirty="0"/>
-              <a:t> = </a:t>
-            </a:r>
-            <a:r>
-              <a:rPr lang="en-GB" dirty="0" err="1"/>
-              <a:t>old_weight</a:t>
-            </a:r>
-            <a:r>
-              <a:rPr lang="en-GB" dirty="0"/>
-              <a:t> - derivative </a:t>
-            </a:r>
-          </a:p>
-          <a:p>
-            <a:pPr marL="709076" lvl="1" indent="-457200">
-              <a:buFont typeface="+mj-lt"/>
-              <a:buAutoNum type="arabicPeriod"/>
-            </a:pPr>
-            <a:r>
-              <a:rPr lang="en-GB" dirty="0"/>
-              <a:t>Classify by computing the p(</a:t>
-            </a:r>
-            <a:r>
-              <a:rPr lang="en-GB" dirty="0" err="1"/>
-              <a:t>label|doc</a:t>
-            </a:r>
-            <a:r>
-              <a:rPr lang="en-GB" dirty="0"/>
-              <a:t>) and choosing the label with the highest probability</a:t>
-            </a:r>
-          </a:p>
-          <a:p>
-            <a:pPr marL="0" indent="0">
-              <a:buNone/>
-            </a:pPr>
-            <a:endParaRPr lang="en-GB" dirty="0"/>
-          </a:p>
-        </p:txBody>
-      </p:sp>
+        </p:nvGraphicFramePr>
+        <p:xfrm>
+          <a:off x="624422" y="1430976"/>
+          <a:ext cx="10991849" cy="4854869"/>
+        </p:xfrm>
+        <a:graphic>
+          <a:graphicData uri="http://schemas.openxmlformats.org/drawingml/2006/diagram">
+            <dgm:relIds xmlns:dgm="http://schemas.openxmlformats.org/drawingml/2006/diagram" xmlns:r="http://schemas.openxmlformats.org/officeDocument/2006/relationships" r:dm="rId2" r:lo="rId3" r:qs="rId4" r:cs="rId5"/>
+          </a:graphicData>
+        </a:graphic>
+      </p:graphicFrame>
       <p:sp>
         <p:nvSpPr>
           <p:cNvPr id="5" name="Foliennummernplatzhalter 4">
@@ -22877,6 +25440,112 @@
               <a:t>Team Lab NLP | Author Classification in Poetry		Katrin Schmidt – Carlotta Quensel</a:t>
             </a:r>
             <a:endParaRPr lang="de-DE" dirty="0"/>
+          </a:p>
+        </p:txBody>
+      </p:sp>
+      <p:sp>
+        <p:nvSpPr>
+          <p:cNvPr id="8" name="Pfeil: nach oben gekrümmt 7">
+            <a:extLst>
+              <a:ext uri="{FF2B5EF4-FFF2-40B4-BE49-F238E27FC236}">
+                <a16:creationId xmlns:a16="http://schemas.microsoft.com/office/drawing/2014/main" id="{90D95888-F343-4779-A9D5-3C1318B8CA0B}"/>
+              </a:ext>
+            </a:extLst>
+          </p:cNvPr>
+          <p:cNvSpPr/>
+          <p:nvPr/>
+        </p:nvSpPr>
+        <p:spPr>
+          <a:xfrm rot="10800000">
+            <a:off x="6248400" y="2243388"/>
+            <a:ext cx="2088776" cy="630906"/>
+          </a:xfrm>
+          <a:prstGeom prst="curvedUpArrow">
+            <a:avLst/>
+          </a:prstGeom>
+          <a:ln>
+            <a:noFill/>
+          </a:ln>
+        </p:spPr>
+        <p:style>
+          <a:lnRef idx="2">
+            <a:schemeClr val="accent1">
+              <a:shade val="50000"/>
+            </a:schemeClr>
+          </a:lnRef>
+          <a:fillRef idx="1">
+            <a:schemeClr val="accent1"/>
+          </a:fillRef>
+          <a:effectRef idx="0">
+            <a:schemeClr val="accent1"/>
+          </a:effectRef>
+          <a:fontRef idx="minor">
+            <a:schemeClr val="lt1"/>
+          </a:fontRef>
+        </p:style>
+        <p:txBody>
+          <a:bodyPr rtlCol="0" anchor="ctr"/>
+          <a:lstStyle/>
+          <a:p>
+            <a:pPr algn="ctr"/>
+            <a:endParaRPr lang="en-GB" sz="1600" dirty="0">
+              <a:solidFill>
+                <a:schemeClr val="tx1"/>
+              </a:solidFill>
+            </a:endParaRPr>
+          </a:p>
+        </p:txBody>
+      </p:sp>
+      <p:sp>
+        <p:nvSpPr>
+          <p:cNvPr id="9" name="Pfeil: nach oben gekrümmt 8">
+            <a:extLst>
+              <a:ext uri="{FF2B5EF4-FFF2-40B4-BE49-F238E27FC236}">
+                <a16:creationId xmlns:a16="http://schemas.microsoft.com/office/drawing/2014/main" id="{70A5BEF3-300F-4781-B06E-9879C8D13BAA}"/>
+              </a:ext>
+            </a:extLst>
+          </p:cNvPr>
+          <p:cNvSpPr/>
+          <p:nvPr/>
+        </p:nvSpPr>
+        <p:spPr>
+          <a:xfrm>
+            <a:off x="6248400" y="4948518"/>
+            <a:ext cx="2088776" cy="630906"/>
+          </a:xfrm>
+          <a:prstGeom prst="curvedUpArrow">
+            <a:avLst/>
+          </a:prstGeom>
+          <a:ln>
+            <a:noFill/>
+          </a:ln>
+        </p:spPr>
+        <p:style>
+          <a:lnRef idx="2">
+            <a:schemeClr val="accent1">
+              <a:shade val="50000"/>
+            </a:schemeClr>
+          </a:lnRef>
+          <a:fillRef idx="1">
+            <a:schemeClr val="accent1"/>
+          </a:fillRef>
+          <a:effectRef idx="0">
+            <a:schemeClr val="accent1"/>
+          </a:effectRef>
+          <a:fontRef idx="minor">
+            <a:schemeClr val="lt1"/>
+          </a:fontRef>
+        </p:style>
+        <p:txBody>
+          <a:bodyPr rtlCol="0" anchor="ctr"/>
+          <a:lstStyle/>
+          <a:p>
+            <a:pPr algn="ctr"/>
+            <a:endParaRPr lang="en-GB" sz="1600" dirty="0">
+              <a:solidFill>
+                <a:schemeClr val="tx1"/>
+              </a:solidFill>
+            </a:endParaRPr>
           </a:p>
         </p:txBody>
       </p:sp>
@@ -22932,10 +25601,6 @@
           <a:lstStyle/>
           <a:p>
             <a:r>
-              <a:rPr lang="de-DE" dirty="0"/>
-              <a:t>3. </a:t>
-            </a:r>
-            <a:r>
               <a:rPr lang="de-DE" dirty="0" err="1"/>
               <a:t>Results</a:t>
             </a:r>
@@ -22989,7 +25654,76 @@
           <a:bodyPr/>
           <a:lstStyle/>
           <a:p>
-            <a:endParaRPr lang="en-GB" dirty="0"/>
+            <a:pPr>
+              <a:buFont typeface="Webdings" panose="05030102010509060703" pitchFamily="18" charset="2"/>
+              <a:buChar char="s"/>
+            </a:pPr>
+            <a:r>
+              <a:rPr lang="en-US" dirty="0"/>
+              <a:t>How does the number of authors influence the classification?</a:t>
+            </a:r>
+          </a:p>
+          <a:p>
+            <a:pPr>
+              <a:buFont typeface="Webdings" panose="05030102010509060703" pitchFamily="18" charset="2"/>
+              <a:buChar char="s"/>
+            </a:pPr>
+            <a:r>
+              <a:rPr lang="en-US" dirty="0"/>
+              <a:t>Are bag-of-word features enough?</a:t>
+            </a:r>
+          </a:p>
+          <a:p>
+            <a:r>
+              <a:rPr lang="en-US" dirty="0"/>
+              <a:t>Experimental design:</a:t>
+            </a:r>
+          </a:p>
+          <a:p>
+            <a:pPr lvl="1"/>
+            <a:r>
+              <a:rPr lang="en-US" dirty="0"/>
+              <a:t>39 authors </a:t>
+            </a:r>
+            <a:r>
+              <a:rPr lang="en-US" dirty="0">
+                <a:highlight>
+                  <a:srgbClr val="FFFF00"/>
+                </a:highlight>
+              </a:rPr>
+              <a:t>(vs. 15 authors)</a:t>
+            </a:r>
+            <a:r>
+              <a:rPr lang="en-US" dirty="0"/>
+              <a:t> </a:t>
+            </a:r>
+          </a:p>
+          <a:p>
+            <a:pPr lvl="1"/>
+            <a:r>
+              <a:rPr lang="en-US" dirty="0"/>
+              <a:t>50 features per label (only bag-of-words)</a:t>
+            </a:r>
+          </a:p>
+          <a:p>
+            <a:pPr lvl="1"/>
+            <a:endParaRPr lang="en-US" dirty="0"/>
+          </a:p>
+          <a:p>
+            <a:r>
+              <a:rPr lang="en-US" dirty="0"/>
+              <a:t>F1 – overview</a:t>
+            </a:r>
+          </a:p>
+          <a:p>
+            <a:r>
+              <a:rPr lang="en-US" dirty="0">
+                <a:highlight>
+                  <a:srgbClr val="FFFF00"/>
+                </a:highlight>
+              </a:rPr>
+              <a:t>Confusion matrix (if time + interesting)</a:t>
+            </a:r>
           </a:p>
         </p:txBody>
       </p:sp>
@@ -23105,7 +25839,7 @@
           <a:p>
             <a:r>
               <a:rPr lang="de-DE" dirty="0"/>
-              <a:t>4. Next </a:t>
+              <a:t>Next </a:t>
             </a:r>
             <a:r>
               <a:rPr lang="de-DE" dirty="0" err="1"/>
@@ -23136,7 +25870,7 @@
           <a:bodyPr/>
           <a:lstStyle/>
           <a:p>
-            <a:endParaRPr lang="en-GB"/>
+            <a:endParaRPr lang="en-GB" dirty="0"/>
           </a:p>
         </p:txBody>
       </p:sp>
@@ -23161,7 +25895,102 @@
           <a:bodyPr/>
           <a:lstStyle/>
           <a:p>
-            <a:endParaRPr lang="en-GB" dirty="0"/>
+            <a:r>
+              <a:rPr lang="de-DE" dirty="0">
+                <a:latin typeface="+mj-lt"/>
+              </a:rPr>
+              <a:t>Goal</a:t>
+            </a:r>
+            <a:endParaRPr lang="en-GB" dirty="0">
+              <a:latin typeface="+mj-lt"/>
+            </a:endParaRPr>
+          </a:p>
+          <a:p>
+            <a:pPr lvl="1"/>
+            <a:r>
+              <a:rPr lang="en-GB" dirty="0">
+                <a:latin typeface="+mj-lt"/>
+              </a:rPr>
+              <a:t>Classifier that is especially good for poems</a:t>
+            </a:r>
+          </a:p>
+          <a:p>
+            <a:pPr marL="234943" lvl="1" indent="0">
+              <a:buNone/>
+            </a:pPr>
+            <a:endParaRPr lang="en-GB" dirty="0">
+              <a:latin typeface="+mj-lt"/>
+            </a:endParaRPr>
+          </a:p>
+          <a:p>
+            <a:r>
+              <a:rPr lang="en-GB" dirty="0">
+                <a:latin typeface="+mj-lt"/>
+              </a:rPr>
+              <a:t>Approaches</a:t>
+            </a:r>
+          </a:p>
+          <a:p>
+            <a:pPr lvl="1"/>
+            <a:r>
+              <a:rPr lang="en-GB" dirty="0">
+                <a:latin typeface="+mj-lt"/>
+              </a:rPr>
+              <a:t>Architecture (</a:t>
+            </a:r>
+            <a:r>
+              <a:rPr lang="en-GB" dirty="0" err="1">
+                <a:latin typeface="+mj-lt"/>
+              </a:rPr>
+              <a:t>MaxEnt</a:t>
+            </a:r>
+            <a:r>
+              <a:rPr lang="en-GB" dirty="0">
+                <a:latin typeface="+mj-lt"/>
+              </a:rPr>
+              <a:t> vs. NN vs. ...) </a:t>
+            </a:r>
+          </a:p>
+          <a:p>
+            <a:pPr lvl="1"/>
+            <a:r>
+              <a:rPr lang="en-GB" dirty="0">
+                <a:latin typeface="+mj-lt"/>
+              </a:rPr>
+              <a:t>Features (stanzas/verses/rhymes/...)</a:t>
+            </a:r>
+          </a:p>
+          <a:p>
+            <a:pPr lvl="1"/>
+            <a:endParaRPr lang="en-GB" dirty="0">
+              <a:latin typeface="+mj-lt"/>
+            </a:endParaRPr>
+          </a:p>
+          <a:p>
+            <a:r>
+              <a:rPr lang="en-GB" dirty="0">
+                <a:latin typeface="+mj-lt"/>
+              </a:rPr>
+              <a:t>Division</a:t>
+            </a:r>
+          </a:p>
+          <a:p>
+            <a:pPr lvl="1"/>
+            <a:r>
+              <a:rPr lang="en-GB" dirty="0">
+                <a:latin typeface="+mj-lt"/>
+              </a:rPr>
+              <a:t>Kati experiments with NN</a:t>
+            </a:r>
+          </a:p>
+          <a:p>
+            <a:pPr lvl="1"/>
+            <a:r>
+              <a:rPr lang="en-GB" dirty="0">
+                <a:latin typeface="+mj-lt"/>
+              </a:rPr>
+              <a:t>Carlotta searches for poetry-specific features</a:t>
+            </a:r>
           </a:p>
         </p:txBody>
       </p:sp>

--- a/reports/TeamLab-presentation.pptx
+++ b/reports/TeamLab-presentation.pptx
@@ -22552,28 +22552,15 @@
               <a:rPr lang="en-GB" sz="2000" dirty="0">
                 <a:latin typeface="+mj-lt"/>
               </a:rPr>
-              <a:t>Prolific authors </a:t>
-            </a:r>
-            <a:r>
-              <a:rPr lang="en-GB" sz="2000" dirty="0">
-                <a:latin typeface="+mj-lt"/>
-                <a:sym typeface="Wingdings" panose="05000000000000000000" pitchFamily="2" charset="2"/>
-              </a:rPr>
-              <a:t></a:t>
-            </a:r>
+              <a:t>More datapoints per class</a:t>
+            </a:r>
+          </a:p>
+          <a:p>
             <a:r>
               <a:rPr lang="en-GB" sz="2000" dirty="0">
                 <a:latin typeface="+mj-lt"/>
               </a:rPr>
-              <a:t> more datapoints per class</a:t>
-            </a:r>
-          </a:p>
-          <a:p>
-            <a:r>
-              <a:rPr lang="en-GB" sz="2000" dirty="0">
-                <a:latin typeface="+mj-lt"/>
-              </a:rPr>
-              <a:t>Only 39 labels, lower computational effort</a:t>
+              <a:t>Lower computational effort</a:t>
             </a:r>
           </a:p>
           <a:p>
@@ -25307,9 +25294,7 @@
           <a:lstStyle/>
           <a:p>
             <a:r>
-              <a:rPr lang="de-DE" b="0" dirty="0">
-                <a:latin typeface="+mn-lt"/>
-              </a:rPr>
+              <a:rPr lang="de-DE" dirty="0"/>
               <a:t>Approach</a:t>
             </a:r>
             <a:endParaRPr lang="en-GB" dirty="0"/>
@@ -25338,18 +25323,26 @@
           <a:lstStyle/>
           <a:p>
             <a:r>
-              <a:rPr lang="de-DE" dirty="0" err="1"/>
+              <a:rPr lang="de-DE" dirty="0" err="1">
+                <a:latin typeface="+mj-lt"/>
+              </a:rPr>
               <a:t>Our</a:t>
             </a:r>
             <a:r>
-              <a:rPr lang="de-DE" dirty="0"/>
+              <a:rPr lang="de-DE" dirty="0">
+                <a:latin typeface="+mj-lt"/>
+              </a:rPr>
               <a:t> </a:t>
             </a:r>
             <a:r>
-              <a:rPr lang="de-DE" dirty="0" err="1"/>
+              <a:rPr lang="de-DE" dirty="0" err="1">
+                <a:latin typeface="+mj-lt"/>
+              </a:rPr>
               <a:t>implementation</a:t>
             </a:r>
-            <a:endParaRPr lang="en-GB" dirty="0"/>
+            <a:endParaRPr lang="en-GB" dirty="0">
+              <a:latin typeface="+mj-lt"/>
+            </a:endParaRPr>
           </a:p>
         </p:txBody>
       </p:sp>

--- a/reports/TeamLab-presentation.pptx
+++ b/reports/TeamLab-presentation.pptx
@@ -138,6 +138,2685 @@
     </p:ext>
   </p:extLst>
 </p:presentation>
+</file>
+
+<file path=ppt/diagrams/colors1.xml><?xml version="1.0" encoding="utf-8"?>
+<dgm:colorsDef xmlns:dgm="http://schemas.openxmlformats.org/drawingml/2006/diagram" xmlns:a="http://schemas.openxmlformats.org/drawingml/2006/main" uniqueId="urn:microsoft.com/office/officeart/2005/8/colors/accent1_2">
+  <dgm:title val=""/>
+  <dgm:desc val=""/>
+  <dgm:catLst>
+    <dgm:cat type="accent1" pri="11200"/>
+  </dgm:catLst>
+  <dgm:styleLbl name="node0">
+    <dgm:fillClrLst meth="repeat">
+      <a:schemeClr val="accent1"/>
+    </dgm:fillClrLst>
+    <dgm:linClrLst meth="repeat">
+      <a:schemeClr val="lt1"/>
+    </dgm:linClrLst>
+    <dgm:effectClrLst/>
+    <dgm:txLinClrLst/>
+    <dgm:txFillClrLst/>
+    <dgm:txEffectClrLst/>
+  </dgm:styleLbl>
+  <dgm:styleLbl name="alignNode1">
+    <dgm:fillClrLst meth="repeat">
+      <a:schemeClr val="accent1"/>
+    </dgm:fillClrLst>
+    <dgm:linClrLst meth="repeat">
+      <a:schemeClr val="accent1"/>
+    </dgm:linClrLst>
+    <dgm:effectClrLst/>
+    <dgm:txLinClrLst/>
+    <dgm:txFillClrLst/>
+    <dgm:txEffectClrLst/>
+  </dgm:styleLbl>
+  <dgm:styleLbl name="node1">
+    <dgm:fillClrLst meth="repeat">
+      <a:schemeClr val="accent1"/>
+    </dgm:fillClrLst>
+    <dgm:linClrLst meth="repeat">
+      <a:schemeClr val="lt1"/>
+    </dgm:linClrLst>
+    <dgm:effectClrLst/>
+    <dgm:txLinClrLst/>
+    <dgm:txFillClrLst/>
+    <dgm:txEffectClrLst/>
+  </dgm:styleLbl>
+  <dgm:styleLbl name="lnNode1">
+    <dgm:fillClrLst meth="repeat">
+      <a:schemeClr val="accent1"/>
+    </dgm:fillClrLst>
+    <dgm:linClrLst meth="repeat">
+      <a:schemeClr val="lt1"/>
+    </dgm:linClrLst>
+    <dgm:effectClrLst/>
+    <dgm:txLinClrLst/>
+    <dgm:txFillClrLst/>
+    <dgm:txEffectClrLst/>
+  </dgm:styleLbl>
+  <dgm:styleLbl name="vennNode1">
+    <dgm:fillClrLst meth="repeat">
+      <a:schemeClr val="accent1">
+        <a:alpha val="50000"/>
+      </a:schemeClr>
+    </dgm:fillClrLst>
+    <dgm:linClrLst meth="repeat">
+      <a:schemeClr val="lt1"/>
+    </dgm:linClrLst>
+    <dgm:effectClrLst/>
+    <dgm:txLinClrLst/>
+    <dgm:txFillClrLst/>
+    <dgm:txEffectClrLst/>
+  </dgm:styleLbl>
+  <dgm:styleLbl name="node2">
+    <dgm:fillClrLst meth="repeat">
+      <a:schemeClr val="accent1"/>
+    </dgm:fillClrLst>
+    <dgm:linClrLst meth="repeat">
+      <a:schemeClr val="lt1"/>
+    </dgm:linClrLst>
+    <dgm:effectClrLst/>
+    <dgm:txLinClrLst/>
+    <dgm:txFillClrLst/>
+    <dgm:txEffectClrLst/>
+  </dgm:styleLbl>
+  <dgm:styleLbl name="node3">
+    <dgm:fillClrLst meth="repeat">
+      <a:schemeClr val="accent1"/>
+    </dgm:fillClrLst>
+    <dgm:linClrLst meth="repeat">
+      <a:schemeClr val="lt1"/>
+    </dgm:linClrLst>
+    <dgm:effectClrLst/>
+    <dgm:txLinClrLst/>
+    <dgm:txFillClrLst/>
+    <dgm:txEffectClrLst/>
+  </dgm:styleLbl>
+  <dgm:styleLbl name="node4">
+    <dgm:fillClrLst meth="repeat">
+      <a:schemeClr val="accent1"/>
+    </dgm:fillClrLst>
+    <dgm:linClrLst meth="repeat">
+      <a:schemeClr val="lt1"/>
+    </dgm:linClrLst>
+    <dgm:effectClrLst/>
+    <dgm:txLinClrLst/>
+    <dgm:txFillClrLst/>
+    <dgm:txEffectClrLst/>
+  </dgm:styleLbl>
+  <dgm:styleLbl name="fgImgPlace1">
+    <dgm:fillClrLst meth="repeat">
+      <a:schemeClr val="accent1">
+        <a:tint val="50000"/>
+      </a:schemeClr>
+    </dgm:fillClrLst>
+    <dgm:linClrLst meth="repeat">
+      <a:schemeClr val="lt1"/>
+    </dgm:linClrLst>
+    <dgm:effectClrLst/>
+    <dgm:txLinClrLst/>
+    <dgm:txFillClrLst meth="repeat">
+      <a:schemeClr val="lt1"/>
+    </dgm:txFillClrLst>
+    <dgm:txEffectClrLst/>
+  </dgm:styleLbl>
+  <dgm:styleLbl name="alignImgPlace1">
+    <dgm:fillClrLst meth="repeat">
+      <a:schemeClr val="accent1">
+        <a:tint val="50000"/>
+      </a:schemeClr>
+    </dgm:fillClrLst>
+    <dgm:linClrLst meth="repeat">
+      <a:schemeClr val="lt1"/>
+    </dgm:linClrLst>
+    <dgm:effectClrLst/>
+    <dgm:txLinClrLst/>
+    <dgm:txFillClrLst meth="repeat">
+      <a:schemeClr val="lt1"/>
+    </dgm:txFillClrLst>
+    <dgm:txEffectClrLst/>
+  </dgm:styleLbl>
+  <dgm:styleLbl name="bgImgPlace1">
+    <dgm:fillClrLst meth="repeat">
+      <a:schemeClr val="accent1">
+        <a:tint val="50000"/>
+      </a:schemeClr>
+    </dgm:fillClrLst>
+    <dgm:linClrLst meth="repeat">
+      <a:schemeClr val="lt1"/>
+    </dgm:linClrLst>
+    <dgm:effectClrLst/>
+    <dgm:txLinClrLst/>
+    <dgm:txFillClrLst meth="repeat">
+      <a:schemeClr val="lt1"/>
+    </dgm:txFillClrLst>
+    <dgm:txEffectClrLst/>
+  </dgm:styleLbl>
+  <dgm:styleLbl name="sibTrans2D1">
+    <dgm:fillClrLst meth="repeat">
+      <a:schemeClr val="accent1">
+        <a:tint val="60000"/>
+      </a:schemeClr>
+    </dgm:fillClrLst>
+    <dgm:linClrLst meth="repeat">
+      <a:schemeClr val="accent1">
+        <a:tint val="60000"/>
+      </a:schemeClr>
+    </dgm:linClrLst>
+    <dgm:effectClrLst/>
+    <dgm:txLinClrLst/>
+    <dgm:txFillClrLst/>
+    <dgm:txEffectClrLst/>
+  </dgm:styleLbl>
+  <dgm:styleLbl name="fgSibTrans2D1">
+    <dgm:fillClrLst meth="repeat">
+      <a:schemeClr val="accent1">
+        <a:tint val="60000"/>
+      </a:schemeClr>
+    </dgm:fillClrLst>
+    <dgm:linClrLst meth="repeat">
+      <a:schemeClr val="accent1">
+        <a:tint val="60000"/>
+      </a:schemeClr>
+    </dgm:linClrLst>
+    <dgm:effectClrLst/>
+    <dgm:txLinClrLst/>
+    <dgm:txFillClrLst/>
+    <dgm:txEffectClrLst/>
+  </dgm:styleLbl>
+  <dgm:styleLbl name="bgSibTrans2D1">
+    <dgm:fillClrLst meth="repeat">
+      <a:schemeClr val="accent1">
+        <a:tint val="60000"/>
+      </a:schemeClr>
+    </dgm:fillClrLst>
+    <dgm:linClrLst meth="repeat">
+      <a:schemeClr val="accent1">
+        <a:tint val="60000"/>
+      </a:schemeClr>
+    </dgm:linClrLst>
+    <dgm:effectClrLst/>
+    <dgm:txLinClrLst/>
+    <dgm:txFillClrLst/>
+    <dgm:txEffectClrLst/>
+  </dgm:styleLbl>
+  <dgm:styleLbl name="sibTrans1D1">
+    <dgm:fillClrLst meth="repeat">
+      <a:schemeClr val="accent1"/>
+    </dgm:fillClrLst>
+    <dgm:linClrLst meth="repeat">
+      <a:schemeClr val="accent1"/>
+    </dgm:linClrLst>
+    <dgm:effectClrLst/>
+    <dgm:txLinClrLst/>
+    <dgm:txFillClrLst meth="repeat">
+      <a:schemeClr val="tx1"/>
+    </dgm:txFillClrLst>
+    <dgm:txEffectClrLst/>
+  </dgm:styleLbl>
+  <dgm:styleLbl name="callout">
+    <dgm:fillClrLst meth="repeat">
+      <a:schemeClr val="accent1"/>
+    </dgm:fillClrLst>
+    <dgm:linClrLst meth="repeat">
+      <a:schemeClr val="accent1">
+        <a:tint val="50000"/>
+      </a:schemeClr>
+    </dgm:linClrLst>
+    <dgm:effectClrLst/>
+    <dgm:txLinClrLst/>
+    <dgm:txFillClrLst meth="repeat">
+      <a:schemeClr val="tx1"/>
+    </dgm:txFillClrLst>
+    <dgm:txEffectClrLst/>
+  </dgm:styleLbl>
+  <dgm:styleLbl name="asst0">
+    <dgm:fillClrLst meth="repeat">
+      <a:schemeClr val="accent1"/>
+    </dgm:fillClrLst>
+    <dgm:linClrLst meth="repeat">
+      <a:schemeClr val="lt1"/>
+    </dgm:linClrLst>
+    <dgm:effectClrLst/>
+    <dgm:txLinClrLst/>
+    <dgm:txFillClrLst/>
+    <dgm:txEffectClrLst/>
+  </dgm:styleLbl>
+  <dgm:styleLbl name="asst1">
+    <dgm:fillClrLst meth="repeat">
+      <a:schemeClr val="accent1"/>
+    </dgm:fillClrLst>
+    <dgm:linClrLst meth="repeat">
+      <a:schemeClr val="lt1"/>
+    </dgm:linClrLst>
+    <dgm:effectClrLst/>
+    <dgm:txLinClrLst/>
+    <dgm:txFillClrLst/>
+    <dgm:txEffectClrLst/>
+  </dgm:styleLbl>
+  <dgm:styleLbl name="asst2">
+    <dgm:fillClrLst meth="repeat">
+      <a:schemeClr val="accent1"/>
+    </dgm:fillClrLst>
+    <dgm:linClrLst meth="repeat">
+      <a:schemeClr val="lt1"/>
+    </dgm:linClrLst>
+    <dgm:effectClrLst/>
+    <dgm:txLinClrLst/>
+    <dgm:txFillClrLst/>
+    <dgm:txEffectClrLst/>
+  </dgm:styleLbl>
+  <dgm:styleLbl name="asst3">
+    <dgm:fillClrLst meth="repeat">
+      <a:schemeClr val="accent1"/>
+    </dgm:fillClrLst>
+    <dgm:linClrLst meth="repeat">
+      <a:schemeClr val="lt1"/>
+    </dgm:linClrLst>
+    <dgm:effectClrLst/>
+    <dgm:txLinClrLst/>
+    <dgm:txFillClrLst/>
+    <dgm:txEffectClrLst/>
+  </dgm:styleLbl>
+  <dgm:styleLbl name="asst4">
+    <dgm:fillClrLst meth="repeat">
+      <a:schemeClr val="accent1"/>
+    </dgm:fillClrLst>
+    <dgm:linClrLst meth="repeat">
+      <a:schemeClr val="lt1"/>
+    </dgm:linClrLst>
+    <dgm:effectClrLst/>
+    <dgm:txLinClrLst/>
+    <dgm:txFillClrLst/>
+    <dgm:txEffectClrLst/>
+  </dgm:styleLbl>
+  <dgm:styleLbl name="parChTrans2D1">
+    <dgm:fillClrLst meth="repeat">
+      <a:schemeClr val="accent1">
+        <a:tint val="60000"/>
+      </a:schemeClr>
+    </dgm:fillClrLst>
+    <dgm:linClrLst meth="repeat">
+      <a:schemeClr val="accent1">
+        <a:tint val="60000"/>
+      </a:schemeClr>
+    </dgm:linClrLst>
+    <dgm:effectClrLst/>
+    <dgm:txLinClrLst/>
+    <dgm:txFillClrLst meth="repeat">
+      <a:schemeClr val="lt1"/>
+    </dgm:txFillClrLst>
+    <dgm:txEffectClrLst/>
+  </dgm:styleLbl>
+  <dgm:styleLbl name="parChTrans2D2">
+    <dgm:fillClrLst meth="repeat">
+      <a:schemeClr val="accent1"/>
+    </dgm:fillClrLst>
+    <dgm:linClrLst meth="repeat">
+      <a:schemeClr val="accent1"/>
+    </dgm:linClrLst>
+    <dgm:effectClrLst/>
+    <dgm:txLinClrLst/>
+    <dgm:txFillClrLst meth="repeat">
+      <a:schemeClr val="lt1"/>
+    </dgm:txFillClrLst>
+    <dgm:txEffectClrLst/>
+  </dgm:styleLbl>
+  <dgm:styleLbl name="parChTrans2D3">
+    <dgm:fillClrLst meth="repeat">
+      <a:schemeClr val="accent1"/>
+    </dgm:fillClrLst>
+    <dgm:linClrLst meth="repeat">
+      <a:schemeClr val="accent1"/>
+    </dgm:linClrLst>
+    <dgm:effectClrLst/>
+    <dgm:txLinClrLst/>
+    <dgm:txFillClrLst meth="repeat">
+      <a:schemeClr val="lt1"/>
+    </dgm:txFillClrLst>
+    <dgm:txEffectClrLst/>
+  </dgm:styleLbl>
+  <dgm:styleLbl name="parChTrans2D4">
+    <dgm:fillClrLst meth="repeat">
+      <a:schemeClr val="accent1"/>
+    </dgm:fillClrLst>
+    <dgm:linClrLst meth="repeat">
+      <a:schemeClr val="accent1"/>
+    </dgm:linClrLst>
+    <dgm:effectClrLst/>
+    <dgm:txLinClrLst/>
+    <dgm:txFillClrLst meth="repeat">
+      <a:schemeClr val="lt1"/>
+    </dgm:txFillClrLst>
+    <dgm:txEffectClrLst/>
+  </dgm:styleLbl>
+  <dgm:styleLbl name="parChTrans1D1">
+    <dgm:fillClrLst meth="repeat">
+      <a:schemeClr val="accent1"/>
+    </dgm:fillClrLst>
+    <dgm:linClrLst meth="repeat">
+      <a:schemeClr val="accent1">
+        <a:shade val="60000"/>
+      </a:schemeClr>
+    </dgm:linClrLst>
+    <dgm:effectClrLst/>
+    <dgm:txLinClrLst/>
+    <dgm:txFillClrLst meth="repeat">
+      <a:schemeClr val="tx1"/>
+    </dgm:txFillClrLst>
+    <dgm:txEffectClrLst/>
+  </dgm:styleLbl>
+  <dgm:styleLbl name="parChTrans1D2">
+    <dgm:fillClrLst meth="repeat">
+      <a:schemeClr val="accent1"/>
+    </dgm:fillClrLst>
+    <dgm:linClrLst meth="repeat">
+      <a:schemeClr val="accent1">
+        <a:shade val="60000"/>
+      </a:schemeClr>
+    </dgm:linClrLst>
+    <dgm:effectClrLst/>
+    <dgm:txLinClrLst/>
+    <dgm:txFillClrLst meth="repeat">
+      <a:schemeClr val="tx1"/>
+    </dgm:txFillClrLst>
+    <dgm:txEffectClrLst/>
+  </dgm:styleLbl>
+  <dgm:styleLbl name="parChTrans1D3">
+    <dgm:fillClrLst meth="repeat">
+      <a:schemeClr val="accent1"/>
+    </dgm:fillClrLst>
+    <dgm:linClrLst meth="repeat">
+      <a:schemeClr val="accent1">
+        <a:shade val="80000"/>
+      </a:schemeClr>
+    </dgm:linClrLst>
+    <dgm:effectClrLst/>
+    <dgm:txLinClrLst/>
+    <dgm:txFillClrLst meth="repeat">
+      <a:schemeClr val="tx1"/>
+    </dgm:txFillClrLst>
+    <dgm:txEffectClrLst/>
+  </dgm:styleLbl>
+  <dgm:styleLbl name="parChTrans1D4">
+    <dgm:fillClrLst meth="repeat">
+      <a:schemeClr val="accent1"/>
+    </dgm:fillClrLst>
+    <dgm:linClrLst meth="repeat">
+      <a:schemeClr val="accent1">
+        <a:shade val="80000"/>
+      </a:schemeClr>
+    </dgm:linClrLst>
+    <dgm:effectClrLst/>
+    <dgm:txLinClrLst/>
+    <dgm:txFillClrLst meth="repeat">
+      <a:schemeClr val="tx1"/>
+    </dgm:txFillClrLst>
+    <dgm:txEffectClrLst/>
+  </dgm:styleLbl>
+  <dgm:styleLbl name="fgAcc1">
+    <dgm:fillClrLst meth="repeat">
+      <a:schemeClr val="lt1">
+        <a:alpha val="90000"/>
+      </a:schemeClr>
+    </dgm:fillClrLst>
+    <dgm:linClrLst meth="repeat">
+      <a:schemeClr val="accent1"/>
+    </dgm:linClrLst>
+    <dgm:effectClrLst/>
+    <dgm:txLinClrLst/>
+    <dgm:txFillClrLst meth="repeat">
+      <a:schemeClr val="dk1"/>
+    </dgm:txFillClrLst>
+    <dgm:txEffectClrLst/>
+  </dgm:styleLbl>
+  <dgm:styleLbl name="conFgAcc1">
+    <dgm:fillClrLst meth="repeat">
+      <a:schemeClr val="lt1">
+        <a:alpha val="90000"/>
+      </a:schemeClr>
+    </dgm:fillClrLst>
+    <dgm:linClrLst meth="repeat">
+      <a:schemeClr val="accent1"/>
+    </dgm:linClrLst>
+    <dgm:effectClrLst/>
+    <dgm:txLinClrLst/>
+    <dgm:txFillClrLst meth="repeat">
+      <a:schemeClr val="dk1"/>
+    </dgm:txFillClrLst>
+    <dgm:txEffectClrLst/>
+  </dgm:styleLbl>
+  <dgm:styleLbl name="alignAcc1">
+    <dgm:fillClrLst meth="repeat">
+      <a:schemeClr val="lt1">
+        <a:alpha val="90000"/>
+      </a:schemeClr>
+    </dgm:fillClrLst>
+    <dgm:linClrLst meth="repeat">
+      <a:schemeClr val="accent1"/>
+    </dgm:linClrLst>
+    <dgm:effectClrLst/>
+    <dgm:txLinClrLst/>
+    <dgm:txFillClrLst meth="repeat">
+      <a:schemeClr val="dk1"/>
+    </dgm:txFillClrLst>
+    <dgm:txEffectClrLst/>
+  </dgm:styleLbl>
+  <dgm:styleLbl name="trAlignAcc1">
+    <dgm:fillClrLst meth="repeat">
+      <a:schemeClr val="lt1">
+        <a:alpha val="40000"/>
+      </a:schemeClr>
+    </dgm:fillClrLst>
+    <dgm:linClrLst meth="repeat">
+      <a:schemeClr val="accent1"/>
+    </dgm:linClrLst>
+    <dgm:effectClrLst/>
+    <dgm:txLinClrLst/>
+    <dgm:txFillClrLst meth="repeat">
+      <a:schemeClr val="dk1"/>
+    </dgm:txFillClrLst>
+    <dgm:txEffectClrLst/>
+  </dgm:styleLbl>
+  <dgm:styleLbl name="bgAcc1">
+    <dgm:fillClrLst meth="repeat">
+      <a:schemeClr val="lt1">
+        <a:alpha val="90000"/>
+      </a:schemeClr>
+    </dgm:fillClrLst>
+    <dgm:linClrLst meth="repeat">
+      <a:schemeClr val="accent1"/>
+    </dgm:linClrLst>
+    <dgm:effectClrLst/>
+    <dgm:txLinClrLst/>
+    <dgm:txFillClrLst meth="repeat">
+      <a:schemeClr val="dk1"/>
+    </dgm:txFillClrLst>
+    <dgm:txEffectClrLst/>
+  </dgm:styleLbl>
+  <dgm:styleLbl name="solidFgAcc1">
+    <dgm:fillClrLst meth="repeat">
+      <a:schemeClr val="lt1"/>
+    </dgm:fillClrLst>
+    <dgm:linClrLst meth="repeat">
+      <a:schemeClr val="accent1"/>
+    </dgm:linClrLst>
+    <dgm:effectClrLst/>
+    <dgm:txLinClrLst/>
+    <dgm:txFillClrLst meth="repeat">
+      <a:schemeClr val="dk1"/>
+    </dgm:txFillClrLst>
+    <dgm:txEffectClrLst/>
+  </dgm:styleLbl>
+  <dgm:styleLbl name="solidAlignAcc1">
+    <dgm:fillClrLst meth="repeat">
+      <a:schemeClr val="lt1"/>
+    </dgm:fillClrLst>
+    <dgm:linClrLst meth="repeat">
+      <a:schemeClr val="accent1"/>
+    </dgm:linClrLst>
+    <dgm:effectClrLst/>
+    <dgm:txLinClrLst/>
+    <dgm:txFillClrLst meth="repeat">
+      <a:schemeClr val="dk1"/>
+    </dgm:txFillClrLst>
+    <dgm:txEffectClrLst/>
+  </dgm:styleLbl>
+  <dgm:styleLbl name="solidBgAcc1">
+    <dgm:fillClrLst meth="repeat">
+      <a:schemeClr val="lt1"/>
+    </dgm:fillClrLst>
+    <dgm:linClrLst meth="repeat">
+      <a:schemeClr val="accent1"/>
+    </dgm:linClrLst>
+    <dgm:effectClrLst/>
+    <dgm:txLinClrLst/>
+    <dgm:txFillClrLst meth="repeat">
+      <a:schemeClr val="dk1"/>
+    </dgm:txFillClrLst>
+    <dgm:txEffectClrLst/>
+  </dgm:styleLbl>
+  <dgm:styleLbl name="fgAccFollowNode1">
+    <dgm:fillClrLst meth="repeat">
+      <a:schemeClr val="accent1">
+        <a:alpha val="90000"/>
+        <a:tint val="40000"/>
+      </a:schemeClr>
+    </dgm:fillClrLst>
+    <dgm:linClrLst meth="repeat">
+      <a:schemeClr val="accent1">
+        <a:alpha val="90000"/>
+        <a:tint val="40000"/>
+      </a:schemeClr>
+    </dgm:linClrLst>
+    <dgm:effectClrLst/>
+    <dgm:txLinClrLst/>
+    <dgm:txFillClrLst meth="repeat">
+      <a:schemeClr val="dk1"/>
+    </dgm:txFillClrLst>
+    <dgm:txEffectClrLst/>
+  </dgm:styleLbl>
+  <dgm:styleLbl name="alignAccFollowNode1">
+    <dgm:fillClrLst meth="repeat">
+      <a:schemeClr val="accent1">
+        <a:alpha val="90000"/>
+        <a:tint val="40000"/>
+      </a:schemeClr>
+    </dgm:fillClrLst>
+    <dgm:linClrLst meth="repeat">
+      <a:schemeClr val="accent1">
+        <a:alpha val="90000"/>
+        <a:tint val="40000"/>
+      </a:schemeClr>
+    </dgm:linClrLst>
+    <dgm:effectClrLst/>
+    <dgm:txLinClrLst/>
+    <dgm:txFillClrLst meth="repeat">
+      <a:schemeClr val="dk1"/>
+    </dgm:txFillClrLst>
+    <dgm:txEffectClrLst/>
+  </dgm:styleLbl>
+  <dgm:styleLbl name="bgAccFollowNode1">
+    <dgm:fillClrLst meth="repeat">
+      <a:schemeClr val="accent1">
+        <a:alpha val="90000"/>
+        <a:tint val="40000"/>
+      </a:schemeClr>
+    </dgm:fillClrLst>
+    <dgm:linClrLst meth="repeat">
+      <a:schemeClr val="accent1">
+        <a:alpha val="90000"/>
+        <a:tint val="40000"/>
+      </a:schemeClr>
+    </dgm:linClrLst>
+    <dgm:effectClrLst/>
+    <dgm:txLinClrLst/>
+    <dgm:txFillClrLst meth="repeat">
+      <a:schemeClr val="dk1"/>
+    </dgm:txFillClrLst>
+    <dgm:txEffectClrLst/>
+  </dgm:styleLbl>
+  <dgm:styleLbl name="fgAcc0">
+    <dgm:fillClrLst meth="repeat">
+      <a:schemeClr val="lt1">
+        <a:alpha val="90000"/>
+      </a:schemeClr>
+    </dgm:fillClrLst>
+    <dgm:linClrLst meth="repeat">
+      <a:schemeClr val="accent1"/>
+    </dgm:linClrLst>
+    <dgm:effectClrLst/>
+    <dgm:txLinClrLst/>
+    <dgm:txFillClrLst meth="repeat">
+      <a:schemeClr val="dk1"/>
+    </dgm:txFillClrLst>
+    <dgm:txEffectClrLst/>
+  </dgm:styleLbl>
+  <dgm:styleLbl name="fgAcc2">
+    <dgm:fillClrLst meth="repeat">
+      <a:schemeClr val="lt1">
+        <a:alpha val="90000"/>
+      </a:schemeClr>
+    </dgm:fillClrLst>
+    <dgm:linClrLst meth="repeat">
+      <a:schemeClr val="accent1"/>
+    </dgm:linClrLst>
+    <dgm:effectClrLst/>
+    <dgm:txLinClrLst/>
+    <dgm:txFillClrLst meth="repeat">
+      <a:schemeClr val="dk1"/>
+    </dgm:txFillClrLst>
+    <dgm:txEffectClrLst/>
+  </dgm:styleLbl>
+  <dgm:styleLbl name="fgAcc3">
+    <dgm:fillClrLst meth="repeat">
+      <a:schemeClr val="lt1">
+        <a:alpha val="90000"/>
+      </a:schemeClr>
+    </dgm:fillClrLst>
+    <dgm:linClrLst meth="repeat">
+      <a:schemeClr val="accent1"/>
+    </dgm:linClrLst>
+    <dgm:effectClrLst/>
+    <dgm:txLinClrLst/>
+    <dgm:txFillClrLst meth="repeat">
+      <a:schemeClr val="dk1"/>
+    </dgm:txFillClrLst>
+    <dgm:txEffectClrLst/>
+  </dgm:styleLbl>
+  <dgm:styleLbl name="fgAcc4">
+    <dgm:fillClrLst meth="repeat">
+      <a:schemeClr val="lt1">
+        <a:alpha val="90000"/>
+      </a:schemeClr>
+    </dgm:fillClrLst>
+    <dgm:linClrLst meth="repeat">
+      <a:schemeClr val="accent1"/>
+    </dgm:linClrLst>
+    <dgm:effectClrLst/>
+    <dgm:txLinClrLst/>
+    <dgm:txFillClrLst meth="repeat">
+      <a:schemeClr val="dk1"/>
+    </dgm:txFillClrLst>
+    <dgm:txEffectClrLst/>
+  </dgm:styleLbl>
+  <dgm:styleLbl name="bgShp">
+    <dgm:fillClrLst meth="repeat">
+      <a:schemeClr val="accent1">
+        <a:tint val="40000"/>
+      </a:schemeClr>
+    </dgm:fillClrLst>
+    <dgm:linClrLst meth="repeat">
+      <a:schemeClr val="accent1"/>
+    </dgm:linClrLst>
+    <dgm:effectClrLst/>
+    <dgm:txLinClrLst/>
+    <dgm:txFillClrLst meth="repeat">
+      <a:schemeClr val="dk1"/>
+    </dgm:txFillClrLst>
+    <dgm:txEffectClrLst/>
+  </dgm:styleLbl>
+  <dgm:styleLbl name="dkBgShp">
+    <dgm:fillClrLst meth="repeat">
+      <a:schemeClr val="accent1">
+        <a:shade val="80000"/>
+      </a:schemeClr>
+    </dgm:fillClrLst>
+    <dgm:linClrLst meth="repeat">
+      <a:schemeClr val="accent1"/>
+    </dgm:linClrLst>
+    <dgm:effectClrLst/>
+    <dgm:txLinClrLst/>
+    <dgm:txFillClrLst meth="repeat">
+      <a:schemeClr val="lt1"/>
+    </dgm:txFillClrLst>
+    <dgm:txEffectClrLst/>
+  </dgm:styleLbl>
+  <dgm:styleLbl name="trBgShp">
+    <dgm:fillClrLst meth="repeat">
+      <a:schemeClr val="accent1">
+        <a:tint val="50000"/>
+        <a:alpha val="40000"/>
+      </a:schemeClr>
+    </dgm:fillClrLst>
+    <dgm:linClrLst meth="repeat">
+      <a:schemeClr val="accent1"/>
+    </dgm:linClrLst>
+    <dgm:effectClrLst/>
+    <dgm:txLinClrLst/>
+    <dgm:txFillClrLst meth="repeat">
+      <a:schemeClr val="lt1"/>
+    </dgm:txFillClrLst>
+    <dgm:txEffectClrLst/>
+  </dgm:styleLbl>
+  <dgm:styleLbl name="fgShp">
+    <dgm:fillClrLst meth="repeat">
+      <a:schemeClr val="accent1">
+        <a:tint val="60000"/>
+      </a:schemeClr>
+    </dgm:fillClrLst>
+    <dgm:linClrLst meth="repeat">
+      <a:schemeClr val="lt1"/>
+    </dgm:linClrLst>
+    <dgm:effectClrLst/>
+    <dgm:txLinClrLst/>
+    <dgm:txFillClrLst meth="repeat">
+      <a:schemeClr val="dk1"/>
+    </dgm:txFillClrLst>
+    <dgm:txEffectClrLst/>
+  </dgm:styleLbl>
+  <dgm:styleLbl name="revTx">
+    <dgm:fillClrLst meth="repeat">
+      <a:schemeClr val="lt1">
+        <a:alpha val="0"/>
+      </a:schemeClr>
+    </dgm:fillClrLst>
+    <dgm:linClrLst meth="repeat">
+      <a:schemeClr val="dk1">
+        <a:alpha val="0"/>
+      </a:schemeClr>
+    </dgm:linClrLst>
+    <dgm:effectClrLst/>
+    <dgm:txLinClrLst/>
+    <dgm:txFillClrLst meth="repeat">
+      <a:schemeClr val="tx1"/>
+    </dgm:txFillClrLst>
+    <dgm:txEffectClrLst/>
+  </dgm:styleLbl>
+</dgm:colorsDef>
+</file>
+
+<file path=ppt/diagrams/data1.xml><?xml version="1.0" encoding="utf-8"?>
+<dgm:dataModel xmlns:dgm="http://schemas.openxmlformats.org/drawingml/2006/diagram" xmlns:a="http://schemas.openxmlformats.org/drawingml/2006/main">
+  <dgm:ptLst>
+    <dgm:pt modelId="{10EA341A-525C-4BB9-B24D-A922B5501BAA}" type="doc">
+      <dgm:prSet loTypeId="urn:microsoft.com/office/officeart/2005/8/layout/hProcess9" loCatId="process" qsTypeId="urn:microsoft.com/office/officeart/2005/8/quickstyle/simple1" qsCatId="simple" csTypeId="urn:microsoft.com/office/officeart/2005/8/colors/accent1_2" csCatId="accent1" phldr="1"/>
+      <dgm:spPr/>
+      <dgm:t>
+        <a:bodyPr/>
+        <a:lstStyle/>
+        <a:p>
+          <a:endParaRPr lang="en-GB"/>
+        </a:p>
+      </dgm:t>
+    </dgm:pt>
+    <dgm:pt modelId="{98A93C67-CD33-46A7-A38E-7D6E8D2182B8}">
+      <dgm:prSet/>
+      <dgm:spPr/>
+      <dgm:t>
+        <a:bodyPr/>
+        <a:lstStyle/>
+        <a:p>
+          <a:r>
+            <a:rPr lang="en-GB" dirty="0"/>
+            <a:t>50 features per label learned with PMI</a:t>
+          </a:r>
+        </a:p>
+      </dgm:t>
+    </dgm:pt>
+    <dgm:pt modelId="{3A0F8022-9173-40B0-BDFB-263A0A9E6ADC}" type="parTrans" cxnId="{FB4248B8-42A4-4A0F-BB11-9D5BFFB4D944}">
+      <dgm:prSet/>
+      <dgm:spPr/>
+      <dgm:t>
+        <a:bodyPr/>
+        <a:lstStyle/>
+        <a:p>
+          <a:endParaRPr lang="en-GB"/>
+        </a:p>
+      </dgm:t>
+    </dgm:pt>
+    <dgm:pt modelId="{E34749C3-7A75-4807-A51A-71A493553D42}" type="sibTrans" cxnId="{FB4248B8-42A4-4A0F-BB11-9D5BFFB4D944}">
+      <dgm:prSet/>
+      <dgm:spPr/>
+      <dgm:t>
+        <a:bodyPr/>
+        <a:lstStyle/>
+        <a:p>
+          <a:endParaRPr lang="en-GB"/>
+        </a:p>
+      </dgm:t>
+    </dgm:pt>
+    <dgm:pt modelId="{947DC41F-69E6-4050-9A6C-292E66EA3E63}">
+      <dgm:prSet/>
+      <dgm:spPr/>
+      <dgm:t>
+        <a:bodyPr/>
+        <a:lstStyle/>
+        <a:p>
+          <a:r>
+            <a:rPr lang="en-GB" dirty="0"/>
+            <a:t>Assign a random weight to each feature</a:t>
+          </a:r>
+        </a:p>
+      </dgm:t>
+    </dgm:pt>
+    <dgm:pt modelId="{A9342268-CE18-4A8A-918E-01C505F5B41D}" type="parTrans" cxnId="{CB91E501-CC11-416C-AA5B-F2B2A54E2D93}">
+      <dgm:prSet/>
+      <dgm:spPr/>
+      <dgm:t>
+        <a:bodyPr/>
+        <a:lstStyle/>
+        <a:p>
+          <a:endParaRPr lang="en-GB"/>
+        </a:p>
+      </dgm:t>
+    </dgm:pt>
+    <dgm:pt modelId="{8777D3F1-40DA-4BF9-85C1-70A571BC7FE3}" type="sibTrans" cxnId="{CB91E501-CC11-416C-AA5B-F2B2A54E2D93}">
+      <dgm:prSet/>
+      <dgm:spPr/>
+      <dgm:t>
+        <a:bodyPr/>
+        <a:lstStyle/>
+        <a:p>
+          <a:endParaRPr lang="en-GB"/>
+        </a:p>
+      </dgm:t>
+    </dgm:pt>
+    <dgm:pt modelId="{66F0D7E4-8B1E-4092-B1A0-D6BA3FA5EB7A}">
+      <dgm:prSet/>
+      <dgm:spPr/>
+      <dgm:t>
+        <a:bodyPr/>
+        <a:lstStyle/>
+        <a:p>
+          <a:r>
+            <a:rPr lang="en-GB" dirty="0"/>
+            <a:t>Calculate the accuracy with these weights</a:t>
+          </a:r>
+        </a:p>
+      </dgm:t>
+    </dgm:pt>
+    <dgm:pt modelId="{AC81205D-8B5F-49C3-9772-2B01FDA88F5E}" type="parTrans" cxnId="{B3BA45D4-9DE0-472C-9684-8DD23D3B7018}">
+      <dgm:prSet/>
+      <dgm:spPr/>
+      <dgm:t>
+        <a:bodyPr/>
+        <a:lstStyle/>
+        <a:p>
+          <a:endParaRPr lang="en-GB"/>
+        </a:p>
+      </dgm:t>
+    </dgm:pt>
+    <dgm:pt modelId="{BFC1A886-D660-4257-9F0A-B0EB5DA738FD}" type="sibTrans" cxnId="{B3BA45D4-9DE0-472C-9684-8DD23D3B7018}">
+      <dgm:prSet/>
+      <dgm:spPr/>
+      <dgm:t>
+        <a:bodyPr/>
+        <a:lstStyle/>
+        <a:p>
+          <a:endParaRPr lang="en-GB"/>
+        </a:p>
+      </dgm:t>
+    </dgm:pt>
+    <dgm:pt modelId="{3CA7B066-287A-4409-9576-73438D70AA1B}">
+      <dgm:prSet/>
+      <dgm:spPr/>
+      <dgm:t>
+        <a:bodyPr/>
+        <a:lstStyle/>
+        <a:p>
+          <a:r>
+            <a:rPr lang="en-GB" dirty="0"/>
+            <a:t>Iterative optimization</a:t>
+          </a:r>
+        </a:p>
+      </dgm:t>
+    </dgm:pt>
+    <dgm:pt modelId="{ECBD001B-A16C-4281-B165-348A50AF64E7}" type="parTrans" cxnId="{3C69A924-969E-4159-B7E8-8D0D0EC1CB14}">
+      <dgm:prSet/>
+      <dgm:spPr/>
+      <dgm:t>
+        <a:bodyPr/>
+        <a:lstStyle/>
+        <a:p>
+          <a:endParaRPr lang="en-GB"/>
+        </a:p>
+      </dgm:t>
+    </dgm:pt>
+    <dgm:pt modelId="{06E681E4-944D-44DF-8BA9-DBF93AA4BAA6}" type="sibTrans" cxnId="{3C69A924-969E-4159-B7E8-8D0D0EC1CB14}">
+      <dgm:prSet/>
+      <dgm:spPr/>
+      <dgm:t>
+        <a:bodyPr/>
+        <a:lstStyle/>
+        <a:p>
+          <a:endParaRPr lang="en-GB"/>
+        </a:p>
+      </dgm:t>
+    </dgm:pt>
+    <dgm:pt modelId="{AD3DE4B6-0432-4775-8EAE-41120B956497}">
+      <dgm:prSet/>
+      <dgm:spPr/>
+      <dgm:t>
+        <a:bodyPr/>
+        <a:lstStyle/>
+        <a:p>
+          <a:r>
+            <a:rPr lang="en-GB" dirty="0"/>
+            <a:t>Classify by choosing the label with the highest probability</a:t>
+          </a:r>
+        </a:p>
+      </dgm:t>
+    </dgm:pt>
+    <dgm:pt modelId="{EDB38AA3-FEF9-4645-8E29-336B1FAEC96A}" type="parTrans" cxnId="{285D6F6F-478D-4791-8C46-A99DE9C86C78}">
+      <dgm:prSet/>
+      <dgm:spPr/>
+      <dgm:t>
+        <a:bodyPr/>
+        <a:lstStyle/>
+        <a:p>
+          <a:endParaRPr lang="en-GB"/>
+        </a:p>
+      </dgm:t>
+    </dgm:pt>
+    <dgm:pt modelId="{B02E7421-37CB-43C4-9A72-828116E75282}" type="sibTrans" cxnId="{285D6F6F-478D-4791-8C46-A99DE9C86C78}">
+      <dgm:prSet/>
+      <dgm:spPr/>
+      <dgm:t>
+        <a:bodyPr/>
+        <a:lstStyle/>
+        <a:p>
+          <a:endParaRPr lang="en-GB"/>
+        </a:p>
+      </dgm:t>
+    </dgm:pt>
+    <dgm:pt modelId="{C5442883-DE88-4C9D-B2BB-F447A429D6C2}" type="pres">
+      <dgm:prSet presAssocID="{10EA341A-525C-4BB9-B24D-A922B5501BAA}" presName="CompostProcess" presStyleCnt="0">
+        <dgm:presLayoutVars>
+          <dgm:dir/>
+          <dgm:resizeHandles val="exact"/>
+        </dgm:presLayoutVars>
+      </dgm:prSet>
+      <dgm:spPr/>
+    </dgm:pt>
+    <dgm:pt modelId="{0F1331A2-CD23-4A9F-A9AF-4EC9C92F241C}" type="pres">
+      <dgm:prSet presAssocID="{10EA341A-525C-4BB9-B24D-A922B5501BAA}" presName="arrow" presStyleLbl="bgShp" presStyleIdx="0" presStyleCnt="1"/>
+      <dgm:spPr/>
+    </dgm:pt>
+    <dgm:pt modelId="{2527A31A-FD80-4DA1-8231-66D3FF710E65}" type="pres">
+      <dgm:prSet presAssocID="{10EA341A-525C-4BB9-B24D-A922B5501BAA}" presName="linearProcess" presStyleCnt="0"/>
+      <dgm:spPr/>
+    </dgm:pt>
+    <dgm:pt modelId="{B8400F92-192F-4A6C-A5B9-6DF63248FB78}" type="pres">
+      <dgm:prSet presAssocID="{98A93C67-CD33-46A7-A38E-7D6E8D2182B8}" presName="textNode" presStyleLbl="node1" presStyleIdx="0" presStyleCnt="5">
+        <dgm:presLayoutVars>
+          <dgm:bulletEnabled val="1"/>
+        </dgm:presLayoutVars>
+      </dgm:prSet>
+      <dgm:spPr/>
+    </dgm:pt>
+    <dgm:pt modelId="{46625950-0582-4DAE-8934-C72BF0E9ADBB}" type="pres">
+      <dgm:prSet presAssocID="{E34749C3-7A75-4807-A51A-71A493553D42}" presName="sibTrans" presStyleCnt="0"/>
+      <dgm:spPr/>
+    </dgm:pt>
+    <dgm:pt modelId="{D32E0720-53AB-4145-A51D-41E01835EA93}" type="pres">
+      <dgm:prSet presAssocID="{947DC41F-69E6-4050-9A6C-292E66EA3E63}" presName="textNode" presStyleLbl="node1" presStyleIdx="1" presStyleCnt="5">
+        <dgm:presLayoutVars>
+          <dgm:bulletEnabled val="1"/>
+        </dgm:presLayoutVars>
+      </dgm:prSet>
+      <dgm:spPr/>
+    </dgm:pt>
+    <dgm:pt modelId="{2AE452EB-F6A8-4932-82AA-08A73A371042}" type="pres">
+      <dgm:prSet presAssocID="{8777D3F1-40DA-4BF9-85C1-70A571BC7FE3}" presName="sibTrans" presStyleCnt="0"/>
+      <dgm:spPr/>
+    </dgm:pt>
+    <dgm:pt modelId="{67BD481C-8763-4E32-B86B-901FBCEA1853}" type="pres">
+      <dgm:prSet presAssocID="{66F0D7E4-8B1E-4092-B1A0-D6BA3FA5EB7A}" presName="textNode" presStyleLbl="node1" presStyleIdx="2" presStyleCnt="5">
+        <dgm:presLayoutVars>
+          <dgm:bulletEnabled val="1"/>
+        </dgm:presLayoutVars>
+      </dgm:prSet>
+      <dgm:spPr/>
+    </dgm:pt>
+    <dgm:pt modelId="{B3BCF24A-F862-402D-A02F-D5C26E9444EE}" type="pres">
+      <dgm:prSet presAssocID="{BFC1A886-D660-4257-9F0A-B0EB5DA738FD}" presName="sibTrans" presStyleCnt="0"/>
+      <dgm:spPr/>
+    </dgm:pt>
+    <dgm:pt modelId="{568963F3-D3F9-4067-8746-431C461C493B}" type="pres">
+      <dgm:prSet presAssocID="{3CA7B066-287A-4409-9576-73438D70AA1B}" presName="textNode" presStyleLbl="node1" presStyleIdx="3" presStyleCnt="5">
+        <dgm:presLayoutVars>
+          <dgm:bulletEnabled val="1"/>
+        </dgm:presLayoutVars>
+      </dgm:prSet>
+      <dgm:spPr/>
+    </dgm:pt>
+    <dgm:pt modelId="{9CA34626-65E1-4F1D-AF5B-1B4D9D31B8D6}" type="pres">
+      <dgm:prSet presAssocID="{06E681E4-944D-44DF-8BA9-DBF93AA4BAA6}" presName="sibTrans" presStyleCnt="0"/>
+      <dgm:spPr/>
+    </dgm:pt>
+    <dgm:pt modelId="{8314F0BD-9D87-4D81-AFB1-F63440BD8FF1}" type="pres">
+      <dgm:prSet presAssocID="{AD3DE4B6-0432-4775-8EAE-41120B956497}" presName="textNode" presStyleLbl="node1" presStyleIdx="4" presStyleCnt="5">
+        <dgm:presLayoutVars>
+          <dgm:bulletEnabled val="1"/>
+        </dgm:presLayoutVars>
+      </dgm:prSet>
+      <dgm:spPr/>
+    </dgm:pt>
+  </dgm:ptLst>
+  <dgm:cxnLst>
+    <dgm:cxn modelId="{CB91E501-CC11-416C-AA5B-F2B2A54E2D93}" srcId="{10EA341A-525C-4BB9-B24D-A922B5501BAA}" destId="{947DC41F-69E6-4050-9A6C-292E66EA3E63}" srcOrd="1" destOrd="0" parTransId="{A9342268-CE18-4A8A-918E-01C505F5B41D}" sibTransId="{8777D3F1-40DA-4BF9-85C1-70A571BC7FE3}"/>
+    <dgm:cxn modelId="{3C69A924-969E-4159-B7E8-8D0D0EC1CB14}" srcId="{10EA341A-525C-4BB9-B24D-A922B5501BAA}" destId="{3CA7B066-287A-4409-9576-73438D70AA1B}" srcOrd="3" destOrd="0" parTransId="{ECBD001B-A16C-4281-B165-348A50AF64E7}" sibTransId="{06E681E4-944D-44DF-8BA9-DBF93AA4BAA6}"/>
+    <dgm:cxn modelId="{CEE5F63B-F0D5-42F6-8F77-765CE860CC83}" type="presOf" srcId="{AD3DE4B6-0432-4775-8EAE-41120B956497}" destId="{8314F0BD-9D87-4D81-AFB1-F63440BD8FF1}" srcOrd="0" destOrd="0" presId="urn:microsoft.com/office/officeart/2005/8/layout/hProcess9"/>
+    <dgm:cxn modelId="{EA21743F-AB6A-49F5-93B0-69CBFF332C16}" type="presOf" srcId="{10EA341A-525C-4BB9-B24D-A922B5501BAA}" destId="{C5442883-DE88-4C9D-B2BB-F447A429D6C2}" srcOrd="0" destOrd="0" presId="urn:microsoft.com/office/officeart/2005/8/layout/hProcess9"/>
+    <dgm:cxn modelId="{806B885F-04BF-4966-9E4A-4E90609C5A9E}" type="presOf" srcId="{66F0D7E4-8B1E-4092-B1A0-D6BA3FA5EB7A}" destId="{67BD481C-8763-4E32-B86B-901FBCEA1853}" srcOrd="0" destOrd="0" presId="urn:microsoft.com/office/officeart/2005/8/layout/hProcess9"/>
+    <dgm:cxn modelId="{285D6F6F-478D-4791-8C46-A99DE9C86C78}" srcId="{10EA341A-525C-4BB9-B24D-A922B5501BAA}" destId="{AD3DE4B6-0432-4775-8EAE-41120B956497}" srcOrd="4" destOrd="0" parTransId="{EDB38AA3-FEF9-4645-8E29-336B1FAEC96A}" sibTransId="{B02E7421-37CB-43C4-9A72-828116E75282}"/>
+    <dgm:cxn modelId="{89F45297-B58B-45EB-B2F3-7E1E22DCC8C7}" type="presOf" srcId="{947DC41F-69E6-4050-9A6C-292E66EA3E63}" destId="{D32E0720-53AB-4145-A51D-41E01835EA93}" srcOrd="0" destOrd="0" presId="urn:microsoft.com/office/officeart/2005/8/layout/hProcess9"/>
+    <dgm:cxn modelId="{FB4248B8-42A4-4A0F-BB11-9D5BFFB4D944}" srcId="{10EA341A-525C-4BB9-B24D-A922B5501BAA}" destId="{98A93C67-CD33-46A7-A38E-7D6E8D2182B8}" srcOrd="0" destOrd="0" parTransId="{3A0F8022-9173-40B0-BDFB-263A0A9E6ADC}" sibTransId="{E34749C3-7A75-4807-A51A-71A493553D42}"/>
+    <dgm:cxn modelId="{097922BC-B50A-4B90-900B-8F8B4EDE4893}" type="presOf" srcId="{3CA7B066-287A-4409-9576-73438D70AA1B}" destId="{568963F3-D3F9-4067-8746-431C461C493B}" srcOrd="0" destOrd="0" presId="urn:microsoft.com/office/officeart/2005/8/layout/hProcess9"/>
+    <dgm:cxn modelId="{7F4C95C4-05B9-48F3-90D1-B9D5505DC818}" type="presOf" srcId="{98A93C67-CD33-46A7-A38E-7D6E8D2182B8}" destId="{B8400F92-192F-4A6C-A5B9-6DF63248FB78}" srcOrd="0" destOrd="0" presId="urn:microsoft.com/office/officeart/2005/8/layout/hProcess9"/>
+    <dgm:cxn modelId="{B3BA45D4-9DE0-472C-9684-8DD23D3B7018}" srcId="{10EA341A-525C-4BB9-B24D-A922B5501BAA}" destId="{66F0D7E4-8B1E-4092-B1A0-D6BA3FA5EB7A}" srcOrd="2" destOrd="0" parTransId="{AC81205D-8B5F-49C3-9772-2B01FDA88F5E}" sibTransId="{BFC1A886-D660-4257-9F0A-B0EB5DA738FD}"/>
+    <dgm:cxn modelId="{3AD890A2-ABE6-48CA-9EEB-40E7ACFF3B1C}" type="presParOf" srcId="{C5442883-DE88-4C9D-B2BB-F447A429D6C2}" destId="{0F1331A2-CD23-4A9F-A9AF-4EC9C92F241C}" srcOrd="0" destOrd="0" presId="urn:microsoft.com/office/officeart/2005/8/layout/hProcess9"/>
+    <dgm:cxn modelId="{445BD074-BF22-4A3D-B190-39D0D6EBF35C}" type="presParOf" srcId="{C5442883-DE88-4C9D-B2BB-F447A429D6C2}" destId="{2527A31A-FD80-4DA1-8231-66D3FF710E65}" srcOrd="1" destOrd="0" presId="urn:microsoft.com/office/officeart/2005/8/layout/hProcess9"/>
+    <dgm:cxn modelId="{6351DA0C-1B2E-4324-8D07-687C088DE53C}" type="presParOf" srcId="{2527A31A-FD80-4DA1-8231-66D3FF710E65}" destId="{B8400F92-192F-4A6C-A5B9-6DF63248FB78}" srcOrd="0" destOrd="0" presId="urn:microsoft.com/office/officeart/2005/8/layout/hProcess9"/>
+    <dgm:cxn modelId="{905F643B-5A88-48A3-AFE2-470A1907F797}" type="presParOf" srcId="{2527A31A-FD80-4DA1-8231-66D3FF710E65}" destId="{46625950-0582-4DAE-8934-C72BF0E9ADBB}" srcOrd="1" destOrd="0" presId="urn:microsoft.com/office/officeart/2005/8/layout/hProcess9"/>
+    <dgm:cxn modelId="{EFDA7B90-E7BA-49C5-B1EB-6432D75A0858}" type="presParOf" srcId="{2527A31A-FD80-4DA1-8231-66D3FF710E65}" destId="{D32E0720-53AB-4145-A51D-41E01835EA93}" srcOrd="2" destOrd="0" presId="urn:microsoft.com/office/officeart/2005/8/layout/hProcess9"/>
+    <dgm:cxn modelId="{8F91265E-DE44-4302-9229-F9C6F1BEB01B}" type="presParOf" srcId="{2527A31A-FD80-4DA1-8231-66D3FF710E65}" destId="{2AE452EB-F6A8-4932-82AA-08A73A371042}" srcOrd="3" destOrd="0" presId="urn:microsoft.com/office/officeart/2005/8/layout/hProcess9"/>
+    <dgm:cxn modelId="{AB437C41-DCC4-409D-A6B3-4016C138EF4B}" type="presParOf" srcId="{2527A31A-FD80-4DA1-8231-66D3FF710E65}" destId="{67BD481C-8763-4E32-B86B-901FBCEA1853}" srcOrd="4" destOrd="0" presId="urn:microsoft.com/office/officeart/2005/8/layout/hProcess9"/>
+    <dgm:cxn modelId="{CD855AD0-C3F0-4E1F-8501-B7E4809AC502}" type="presParOf" srcId="{2527A31A-FD80-4DA1-8231-66D3FF710E65}" destId="{B3BCF24A-F862-402D-A02F-D5C26E9444EE}" srcOrd="5" destOrd="0" presId="urn:microsoft.com/office/officeart/2005/8/layout/hProcess9"/>
+    <dgm:cxn modelId="{CF23AA30-1C04-49E8-863F-42EA4381060C}" type="presParOf" srcId="{2527A31A-FD80-4DA1-8231-66D3FF710E65}" destId="{568963F3-D3F9-4067-8746-431C461C493B}" srcOrd="6" destOrd="0" presId="urn:microsoft.com/office/officeart/2005/8/layout/hProcess9"/>
+    <dgm:cxn modelId="{AEA5254E-14C9-41AA-850E-55082111F886}" type="presParOf" srcId="{2527A31A-FD80-4DA1-8231-66D3FF710E65}" destId="{9CA34626-65E1-4F1D-AF5B-1B4D9D31B8D6}" srcOrd="7" destOrd="0" presId="urn:microsoft.com/office/officeart/2005/8/layout/hProcess9"/>
+    <dgm:cxn modelId="{8883A0CA-8059-4E41-A8AC-2FCE293792AD}" type="presParOf" srcId="{2527A31A-FD80-4DA1-8231-66D3FF710E65}" destId="{8314F0BD-9D87-4D81-AFB1-F63440BD8FF1}" srcOrd="8" destOrd="0" presId="urn:microsoft.com/office/officeart/2005/8/layout/hProcess9"/>
+  </dgm:cxnLst>
+  <dgm:bg/>
+  <dgm:whole/>
+  <dgm:extLst>
+    <a:ext uri="http://schemas.microsoft.com/office/drawing/2008/diagram">
+      <dsp:dataModelExt xmlns:dsp="http://schemas.microsoft.com/office/drawing/2008/diagram" relId="rId6" minVer="http://schemas.openxmlformats.org/drawingml/2006/diagram"/>
+    </a:ext>
+  </dgm:extLst>
+</dgm:dataModel>
+</file>
+
+<file path=ppt/diagrams/drawing1.xml><?xml version="1.0" encoding="utf-8"?>
+<dsp:drawing xmlns:dgm="http://schemas.openxmlformats.org/drawingml/2006/diagram" xmlns:dsp="http://schemas.microsoft.com/office/drawing/2008/diagram" xmlns:a="http://schemas.openxmlformats.org/drawingml/2006/main">
+  <dsp:spTree>
+    <dsp:nvGrpSpPr>
+      <dsp:cNvPr id="0" name=""/>
+      <dsp:cNvGrpSpPr/>
+    </dsp:nvGrpSpPr>
+    <dsp:grpSpPr/>
+    <dsp:sp modelId="{0F1331A2-CD23-4A9F-A9AF-4EC9C92F241C}">
+      <dsp:nvSpPr>
+        <dsp:cNvPr id="0" name=""/>
+        <dsp:cNvSpPr/>
+      </dsp:nvSpPr>
+      <dsp:spPr>
+        <a:xfrm>
+          <a:off x="824388" y="0"/>
+          <a:ext cx="9343071" cy="4854869"/>
+        </a:xfrm>
+        <a:prstGeom prst="rightArrow">
+          <a:avLst/>
+        </a:prstGeom>
+        <a:solidFill>
+          <a:schemeClr val="accent1">
+            <a:tint val="40000"/>
+            <a:hueOff val="0"/>
+            <a:satOff val="0"/>
+            <a:lumOff val="0"/>
+            <a:alphaOff val="0"/>
+          </a:schemeClr>
+        </a:solidFill>
+        <a:ln>
+          <a:noFill/>
+        </a:ln>
+        <a:effectLst/>
+      </dsp:spPr>
+      <dsp:style>
+        <a:lnRef idx="0">
+          <a:scrgbClr r="0" g="0" b="0"/>
+        </a:lnRef>
+        <a:fillRef idx="1">
+          <a:scrgbClr r="0" g="0" b="0"/>
+        </a:fillRef>
+        <a:effectRef idx="0">
+          <a:scrgbClr r="0" g="0" b="0"/>
+        </a:effectRef>
+        <a:fontRef idx="minor"/>
+      </dsp:style>
+    </dsp:sp>
+    <dsp:sp modelId="{B8400F92-192F-4A6C-A5B9-6DF63248FB78}">
+      <dsp:nvSpPr>
+        <dsp:cNvPr id="0" name=""/>
+        <dsp:cNvSpPr/>
+      </dsp:nvSpPr>
+      <dsp:spPr>
+        <a:xfrm>
+          <a:off x="4830" y="1456460"/>
+          <a:ext cx="2111959" cy="1941947"/>
+        </a:xfrm>
+        <a:prstGeom prst="roundRect">
+          <a:avLst/>
+        </a:prstGeom>
+        <a:solidFill>
+          <a:schemeClr val="accent1">
+            <a:hueOff val="0"/>
+            <a:satOff val="0"/>
+            <a:lumOff val="0"/>
+            <a:alphaOff val="0"/>
+          </a:schemeClr>
+        </a:solidFill>
+        <a:ln w="12700" cap="flat" cmpd="sng" algn="ctr">
+          <a:solidFill>
+            <a:schemeClr val="lt1">
+              <a:hueOff val="0"/>
+              <a:satOff val="0"/>
+              <a:lumOff val="0"/>
+              <a:alphaOff val="0"/>
+            </a:schemeClr>
+          </a:solidFill>
+          <a:prstDash val="solid"/>
+          <a:miter lim="800000"/>
+        </a:ln>
+        <a:effectLst/>
+      </dsp:spPr>
+      <dsp:style>
+        <a:lnRef idx="2">
+          <a:scrgbClr r="0" g="0" b="0"/>
+        </a:lnRef>
+        <a:fillRef idx="1">
+          <a:scrgbClr r="0" g="0" b="0"/>
+        </a:fillRef>
+        <a:effectRef idx="0">
+          <a:scrgbClr r="0" g="0" b="0"/>
+        </a:effectRef>
+        <a:fontRef idx="minor">
+          <a:schemeClr val="lt1"/>
+        </a:fontRef>
+      </dsp:style>
+      <dsp:txBody>
+        <a:bodyPr spcFirstLastPara="0" vert="horz" wrap="square" lIns="83820" tIns="83820" rIns="83820" bIns="83820" numCol="1" spcCol="1270" anchor="ctr" anchorCtr="0">
+          <a:noAutofit/>
+        </a:bodyPr>
+        <a:lstStyle/>
+        <a:p>
+          <a:pPr marL="0" lvl="0" indent="0" algn="ctr" defTabSz="977900">
+            <a:lnSpc>
+              <a:spcPct val="90000"/>
+            </a:lnSpc>
+            <a:spcBef>
+              <a:spcPct val="0"/>
+            </a:spcBef>
+            <a:spcAft>
+              <a:spcPct val="35000"/>
+            </a:spcAft>
+            <a:buNone/>
+          </a:pPr>
+          <a:r>
+            <a:rPr lang="en-GB" sz="2200" kern="1200" dirty="0"/>
+            <a:t>50 features per label learned with PMI</a:t>
+          </a:r>
+        </a:p>
+      </dsp:txBody>
+      <dsp:txXfrm>
+        <a:off x="99628" y="1551258"/>
+        <a:ext cx="1922363" cy="1752351"/>
+      </dsp:txXfrm>
+    </dsp:sp>
+    <dsp:sp modelId="{D32E0720-53AB-4145-A51D-41E01835EA93}">
+      <dsp:nvSpPr>
+        <dsp:cNvPr id="0" name=""/>
+        <dsp:cNvSpPr/>
+      </dsp:nvSpPr>
+      <dsp:spPr>
+        <a:xfrm>
+          <a:off x="2222387" y="1456460"/>
+          <a:ext cx="2111959" cy="1941947"/>
+        </a:xfrm>
+        <a:prstGeom prst="roundRect">
+          <a:avLst/>
+        </a:prstGeom>
+        <a:solidFill>
+          <a:schemeClr val="accent1">
+            <a:hueOff val="0"/>
+            <a:satOff val="0"/>
+            <a:lumOff val="0"/>
+            <a:alphaOff val="0"/>
+          </a:schemeClr>
+        </a:solidFill>
+        <a:ln w="12700" cap="flat" cmpd="sng" algn="ctr">
+          <a:solidFill>
+            <a:schemeClr val="lt1">
+              <a:hueOff val="0"/>
+              <a:satOff val="0"/>
+              <a:lumOff val="0"/>
+              <a:alphaOff val="0"/>
+            </a:schemeClr>
+          </a:solidFill>
+          <a:prstDash val="solid"/>
+          <a:miter lim="800000"/>
+        </a:ln>
+        <a:effectLst/>
+      </dsp:spPr>
+      <dsp:style>
+        <a:lnRef idx="2">
+          <a:scrgbClr r="0" g="0" b="0"/>
+        </a:lnRef>
+        <a:fillRef idx="1">
+          <a:scrgbClr r="0" g="0" b="0"/>
+        </a:fillRef>
+        <a:effectRef idx="0">
+          <a:scrgbClr r="0" g="0" b="0"/>
+        </a:effectRef>
+        <a:fontRef idx="minor">
+          <a:schemeClr val="lt1"/>
+        </a:fontRef>
+      </dsp:style>
+      <dsp:txBody>
+        <a:bodyPr spcFirstLastPara="0" vert="horz" wrap="square" lIns="83820" tIns="83820" rIns="83820" bIns="83820" numCol="1" spcCol="1270" anchor="ctr" anchorCtr="0">
+          <a:noAutofit/>
+        </a:bodyPr>
+        <a:lstStyle/>
+        <a:p>
+          <a:pPr marL="0" lvl="0" indent="0" algn="ctr" defTabSz="977900">
+            <a:lnSpc>
+              <a:spcPct val="90000"/>
+            </a:lnSpc>
+            <a:spcBef>
+              <a:spcPct val="0"/>
+            </a:spcBef>
+            <a:spcAft>
+              <a:spcPct val="35000"/>
+            </a:spcAft>
+            <a:buNone/>
+          </a:pPr>
+          <a:r>
+            <a:rPr lang="en-GB" sz="2200" kern="1200" dirty="0"/>
+            <a:t>Assign a random weight to each feature</a:t>
+          </a:r>
+        </a:p>
+      </dsp:txBody>
+      <dsp:txXfrm>
+        <a:off x="2317185" y="1551258"/>
+        <a:ext cx="1922363" cy="1752351"/>
+      </dsp:txXfrm>
+    </dsp:sp>
+    <dsp:sp modelId="{67BD481C-8763-4E32-B86B-901FBCEA1853}">
+      <dsp:nvSpPr>
+        <dsp:cNvPr id="0" name=""/>
+        <dsp:cNvSpPr/>
+      </dsp:nvSpPr>
+      <dsp:spPr>
+        <a:xfrm>
+          <a:off x="4439944" y="1456460"/>
+          <a:ext cx="2111959" cy="1941947"/>
+        </a:xfrm>
+        <a:prstGeom prst="roundRect">
+          <a:avLst/>
+        </a:prstGeom>
+        <a:solidFill>
+          <a:schemeClr val="accent1">
+            <a:hueOff val="0"/>
+            <a:satOff val="0"/>
+            <a:lumOff val="0"/>
+            <a:alphaOff val="0"/>
+          </a:schemeClr>
+        </a:solidFill>
+        <a:ln w="12700" cap="flat" cmpd="sng" algn="ctr">
+          <a:solidFill>
+            <a:schemeClr val="lt1">
+              <a:hueOff val="0"/>
+              <a:satOff val="0"/>
+              <a:lumOff val="0"/>
+              <a:alphaOff val="0"/>
+            </a:schemeClr>
+          </a:solidFill>
+          <a:prstDash val="solid"/>
+          <a:miter lim="800000"/>
+        </a:ln>
+        <a:effectLst/>
+      </dsp:spPr>
+      <dsp:style>
+        <a:lnRef idx="2">
+          <a:scrgbClr r="0" g="0" b="0"/>
+        </a:lnRef>
+        <a:fillRef idx="1">
+          <a:scrgbClr r="0" g="0" b="0"/>
+        </a:fillRef>
+        <a:effectRef idx="0">
+          <a:scrgbClr r="0" g="0" b="0"/>
+        </a:effectRef>
+        <a:fontRef idx="minor">
+          <a:schemeClr val="lt1"/>
+        </a:fontRef>
+      </dsp:style>
+      <dsp:txBody>
+        <a:bodyPr spcFirstLastPara="0" vert="horz" wrap="square" lIns="83820" tIns="83820" rIns="83820" bIns="83820" numCol="1" spcCol="1270" anchor="ctr" anchorCtr="0">
+          <a:noAutofit/>
+        </a:bodyPr>
+        <a:lstStyle/>
+        <a:p>
+          <a:pPr marL="0" lvl="0" indent="0" algn="ctr" defTabSz="977900">
+            <a:lnSpc>
+              <a:spcPct val="90000"/>
+            </a:lnSpc>
+            <a:spcBef>
+              <a:spcPct val="0"/>
+            </a:spcBef>
+            <a:spcAft>
+              <a:spcPct val="35000"/>
+            </a:spcAft>
+            <a:buNone/>
+          </a:pPr>
+          <a:r>
+            <a:rPr lang="en-GB" sz="2200" kern="1200" dirty="0"/>
+            <a:t>Calculate the accuracy with these weights</a:t>
+          </a:r>
+        </a:p>
+      </dsp:txBody>
+      <dsp:txXfrm>
+        <a:off x="4534742" y="1551258"/>
+        <a:ext cx="1922363" cy="1752351"/>
+      </dsp:txXfrm>
+    </dsp:sp>
+    <dsp:sp modelId="{568963F3-D3F9-4067-8746-431C461C493B}">
+      <dsp:nvSpPr>
+        <dsp:cNvPr id="0" name=""/>
+        <dsp:cNvSpPr/>
+      </dsp:nvSpPr>
+      <dsp:spPr>
+        <a:xfrm>
+          <a:off x="6657502" y="1456460"/>
+          <a:ext cx="2111959" cy="1941947"/>
+        </a:xfrm>
+        <a:prstGeom prst="roundRect">
+          <a:avLst/>
+        </a:prstGeom>
+        <a:solidFill>
+          <a:schemeClr val="accent1">
+            <a:hueOff val="0"/>
+            <a:satOff val="0"/>
+            <a:lumOff val="0"/>
+            <a:alphaOff val="0"/>
+          </a:schemeClr>
+        </a:solidFill>
+        <a:ln w="12700" cap="flat" cmpd="sng" algn="ctr">
+          <a:solidFill>
+            <a:schemeClr val="lt1">
+              <a:hueOff val="0"/>
+              <a:satOff val="0"/>
+              <a:lumOff val="0"/>
+              <a:alphaOff val="0"/>
+            </a:schemeClr>
+          </a:solidFill>
+          <a:prstDash val="solid"/>
+          <a:miter lim="800000"/>
+        </a:ln>
+        <a:effectLst/>
+      </dsp:spPr>
+      <dsp:style>
+        <a:lnRef idx="2">
+          <a:scrgbClr r="0" g="0" b="0"/>
+        </a:lnRef>
+        <a:fillRef idx="1">
+          <a:scrgbClr r="0" g="0" b="0"/>
+        </a:fillRef>
+        <a:effectRef idx="0">
+          <a:scrgbClr r="0" g="0" b="0"/>
+        </a:effectRef>
+        <a:fontRef idx="minor">
+          <a:schemeClr val="lt1"/>
+        </a:fontRef>
+      </dsp:style>
+      <dsp:txBody>
+        <a:bodyPr spcFirstLastPara="0" vert="horz" wrap="square" lIns="83820" tIns="83820" rIns="83820" bIns="83820" numCol="1" spcCol="1270" anchor="ctr" anchorCtr="0">
+          <a:noAutofit/>
+        </a:bodyPr>
+        <a:lstStyle/>
+        <a:p>
+          <a:pPr marL="0" lvl="0" indent="0" algn="ctr" defTabSz="977900">
+            <a:lnSpc>
+              <a:spcPct val="90000"/>
+            </a:lnSpc>
+            <a:spcBef>
+              <a:spcPct val="0"/>
+            </a:spcBef>
+            <a:spcAft>
+              <a:spcPct val="35000"/>
+            </a:spcAft>
+            <a:buNone/>
+          </a:pPr>
+          <a:r>
+            <a:rPr lang="en-GB" sz="2200" kern="1200" dirty="0"/>
+            <a:t>Iterative optimization</a:t>
+          </a:r>
+        </a:p>
+      </dsp:txBody>
+      <dsp:txXfrm>
+        <a:off x="6752300" y="1551258"/>
+        <a:ext cx="1922363" cy="1752351"/>
+      </dsp:txXfrm>
+    </dsp:sp>
+    <dsp:sp modelId="{8314F0BD-9D87-4D81-AFB1-F63440BD8FF1}">
+      <dsp:nvSpPr>
+        <dsp:cNvPr id="0" name=""/>
+        <dsp:cNvSpPr/>
+      </dsp:nvSpPr>
+      <dsp:spPr>
+        <a:xfrm>
+          <a:off x="8875059" y="1456460"/>
+          <a:ext cx="2111959" cy="1941947"/>
+        </a:xfrm>
+        <a:prstGeom prst="roundRect">
+          <a:avLst/>
+        </a:prstGeom>
+        <a:solidFill>
+          <a:schemeClr val="accent1">
+            <a:hueOff val="0"/>
+            <a:satOff val="0"/>
+            <a:lumOff val="0"/>
+            <a:alphaOff val="0"/>
+          </a:schemeClr>
+        </a:solidFill>
+        <a:ln w="12700" cap="flat" cmpd="sng" algn="ctr">
+          <a:solidFill>
+            <a:schemeClr val="lt1">
+              <a:hueOff val="0"/>
+              <a:satOff val="0"/>
+              <a:lumOff val="0"/>
+              <a:alphaOff val="0"/>
+            </a:schemeClr>
+          </a:solidFill>
+          <a:prstDash val="solid"/>
+          <a:miter lim="800000"/>
+        </a:ln>
+        <a:effectLst/>
+      </dsp:spPr>
+      <dsp:style>
+        <a:lnRef idx="2">
+          <a:scrgbClr r="0" g="0" b="0"/>
+        </a:lnRef>
+        <a:fillRef idx="1">
+          <a:scrgbClr r="0" g="0" b="0"/>
+        </a:fillRef>
+        <a:effectRef idx="0">
+          <a:scrgbClr r="0" g="0" b="0"/>
+        </a:effectRef>
+        <a:fontRef idx="minor">
+          <a:schemeClr val="lt1"/>
+        </a:fontRef>
+      </dsp:style>
+      <dsp:txBody>
+        <a:bodyPr spcFirstLastPara="0" vert="horz" wrap="square" lIns="83820" tIns="83820" rIns="83820" bIns="83820" numCol="1" spcCol="1270" anchor="ctr" anchorCtr="0">
+          <a:noAutofit/>
+        </a:bodyPr>
+        <a:lstStyle/>
+        <a:p>
+          <a:pPr marL="0" lvl="0" indent="0" algn="ctr" defTabSz="977900">
+            <a:lnSpc>
+              <a:spcPct val="90000"/>
+            </a:lnSpc>
+            <a:spcBef>
+              <a:spcPct val="0"/>
+            </a:spcBef>
+            <a:spcAft>
+              <a:spcPct val="35000"/>
+            </a:spcAft>
+            <a:buNone/>
+          </a:pPr>
+          <a:r>
+            <a:rPr lang="en-GB" sz="2200" kern="1200" dirty="0"/>
+            <a:t>Classify by choosing the label with the highest probability</a:t>
+          </a:r>
+        </a:p>
+      </dsp:txBody>
+      <dsp:txXfrm>
+        <a:off x="8969857" y="1551258"/>
+        <a:ext cx="1922363" cy="1752351"/>
+      </dsp:txXfrm>
+    </dsp:sp>
+  </dsp:spTree>
+</dsp:drawing>
+</file>
+
+<file path=ppt/diagrams/layout1.xml><?xml version="1.0" encoding="utf-8"?>
+<dgm:layoutDef xmlns:dgm="http://schemas.openxmlformats.org/drawingml/2006/diagram" xmlns:a="http://schemas.openxmlformats.org/drawingml/2006/main" uniqueId="urn:microsoft.com/office/officeart/2005/8/layout/hProcess9">
+  <dgm:title val=""/>
+  <dgm:desc val=""/>
+  <dgm:catLst>
+    <dgm:cat type="process" pri="5000"/>
+    <dgm:cat type="convert" pri="13000"/>
+  </dgm:catLst>
+  <dgm:sampData useDef="1">
+    <dgm:dataModel>
+      <dgm:ptLst/>
+      <dgm:bg/>
+      <dgm:whole/>
+    </dgm:dataModel>
+  </dgm:sampData>
+  <dgm:styleData>
+    <dgm:dataModel>
+      <dgm:ptLst>
+        <dgm:pt modelId="0" type="doc"/>
+        <dgm:pt modelId="1"/>
+        <dgm:pt modelId="2"/>
+      </dgm:ptLst>
+      <dgm:cxnLst>
+        <dgm:cxn modelId="3" srcId="0" destId="1" srcOrd="0" destOrd="0"/>
+        <dgm:cxn modelId="4" srcId="0" destId="2" srcOrd="1" destOrd="0"/>
+      </dgm:cxnLst>
+      <dgm:bg/>
+      <dgm:whole/>
+    </dgm:dataModel>
+  </dgm:styleData>
+  <dgm:clrData>
+    <dgm:dataModel>
+      <dgm:ptLst>
+        <dgm:pt modelId="0" type="doc"/>
+        <dgm:pt modelId="1"/>
+        <dgm:pt modelId="2"/>
+        <dgm:pt modelId="3"/>
+        <dgm:pt modelId="4"/>
+      </dgm:ptLst>
+      <dgm:cxnLst>
+        <dgm:cxn modelId="5" srcId="0" destId="1" srcOrd="0" destOrd="0"/>
+        <dgm:cxn modelId="6" srcId="0" destId="2" srcOrd="1" destOrd="0"/>
+        <dgm:cxn modelId="7" srcId="0" destId="3" srcOrd="2" destOrd="0"/>
+        <dgm:cxn modelId="8" srcId="0" destId="4" srcOrd="3" destOrd="0"/>
+      </dgm:cxnLst>
+      <dgm:bg/>
+      <dgm:whole/>
+    </dgm:dataModel>
+  </dgm:clrData>
+  <dgm:layoutNode name="CompostProcess">
+    <dgm:varLst>
+      <dgm:dir/>
+      <dgm:resizeHandles val="exact"/>
+    </dgm:varLst>
+    <dgm:alg type="composite">
+      <dgm:param type="horzAlign" val="ctr"/>
+      <dgm:param type="vertAlign" val="mid"/>
+    </dgm:alg>
+    <dgm:shape xmlns:r="http://schemas.openxmlformats.org/officeDocument/2006/relationships" r:blip="">
+      <dgm:adjLst/>
+    </dgm:shape>
+    <dgm:presOf/>
+    <dgm:constrLst>
+      <dgm:constr type="w" for="ch" forName="arrow" refType="w" fact="0.85"/>
+      <dgm:constr type="h" for="ch" forName="arrow" refType="h"/>
+      <dgm:constr type="ctrX" for="ch" forName="arrow" refType="w" fact="0.5"/>
+      <dgm:constr type="ctrY" for="ch" forName="arrow" refType="h" fact="0.5"/>
+      <dgm:constr type="w" for="ch" forName="linearProcess" refType="w"/>
+      <dgm:constr type="h" for="ch" forName="linearProcess" refType="h" fact="0.4"/>
+      <dgm:constr type="ctrX" for="ch" forName="linearProcess" refType="w" fact="0.5"/>
+      <dgm:constr type="ctrY" for="ch" forName="linearProcess" refType="h" fact="0.5"/>
+    </dgm:constrLst>
+    <dgm:ruleLst/>
+    <dgm:layoutNode name="arrow" styleLbl="bgShp">
+      <dgm:alg type="sp"/>
+      <dgm:choose name="Name0">
+        <dgm:if name="Name1" func="var" arg="dir" op="equ" val="norm">
+          <dgm:shape xmlns:r="http://schemas.openxmlformats.org/officeDocument/2006/relationships" type="rightArrow" r:blip="">
+            <dgm:adjLst/>
+          </dgm:shape>
+        </dgm:if>
+        <dgm:else name="Name2">
+          <dgm:shape xmlns:r="http://schemas.openxmlformats.org/officeDocument/2006/relationships" type="leftArrow" r:blip="">
+            <dgm:adjLst/>
+          </dgm:shape>
+        </dgm:else>
+      </dgm:choose>
+      <dgm:presOf/>
+      <dgm:constrLst/>
+      <dgm:ruleLst/>
+    </dgm:layoutNode>
+    <dgm:layoutNode name="linearProcess">
+      <dgm:choose name="Name3">
+        <dgm:if name="Name4" func="var" arg="dir" op="equ" val="norm">
+          <dgm:alg type="lin"/>
+        </dgm:if>
+        <dgm:else name="Name5">
+          <dgm:alg type="lin">
+            <dgm:param type="linDir" val="fromR"/>
+          </dgm:alg>
+        </dgm:else>
+      </dgm:choose>
+      <dgm:shape xmlns:r="http://schemas.openxmlformats.org/officeDocument/2006/relationships" r:blip="">
+        <dgm:adjLst/>
+      </dgm:shape>
+      <dgm:presOf/>
+      <dgm:constrLst>
+        <dgm:constr type="userA" for="ch" ptType="node" refType="w"/>
+        <dgm:constr type="h" for="ch" ptType="node" refType="h"/>
+        <dgm:constr type="w" for="ch" ptType="node" op="equ"/>
+        <dgm:constr type="w" for="ch" forName="sibTrans" refType="w" fact="0.05"/>
+        <dgm:constr type="primFontSz" for="ch" ptType="node" op="equ" val="65"/>
+      </dgm:constrLst>
+      <dgm:ruleLst/>
+      <dgm:forEach name="Name6" axis="ch" ptType="node">
+        <dgm:layoutNode name="textNode" styleLbl="node1">
+          <dgm:varLst>
+            <dgm:bulletEnabled val="1"/>
+          </dgm:varLst>
+          <dgm:alg type="tx"/>
+          <dgm:shape xmlns:r="http://schemas.openxmlformats.org/officeDocument/2006/relationships" type="roundRect" r:blip="">
+            <dgm:adjLst/>
+          </dgm:shape>
+          <dgm:presOf axis="desOrSelf" ptType="node"/>
+          <dgm:constrLst>
+            <dgm:constr type="userA"/>
+            <dgm:constr type="w" refType="userA" fact="0.3"/>
+            <dgm:constr type="tMarg" refType="primFontSz" fact="0.3"/>
+            <dgm:constr type="bMarg" refType="primFontSz" fact="0.3"/>
+            <dgm:constr type="lMarg" refType="primFontSz" fact="0.3"/>
+            <dgm:constr type="rMarg" refType="primFontSz" fact="0.3"/>
+          </dgm:constrLst>
+          <dgm:ruleLst>
+            <dgm:rule type="w" val="NaN" fact="1" max="NaN"/>
+            <dgm:rule type="primFontSz" val="5" fact="NaN" max="NaN"/>
+          </dgm:ruleLst>
+        </dgm:layoutNode>
+        <dgm:forEach name="Name7" axis="followSib" ptType="sibTrans" cnt="1">
+          <dgm:layoutNode name="sibTrans">
+            <dgm:alg type="sp"/>
+            <dgm:shape xmlns:r="http://schemas.openxmlformats.org/officeDocument/2006/relationships" r:blip="">
+              <dgm:adjLst/>
+            </dgm:shape>
+            <dgm:presOf/>
+            <dgm:constrLst/>
+            <dgm:ruleLst/>
+          </dgm:layoutNode>
+        </dgm:forEach>
+      </dgm:forEach>
+    </dgm:layoutNode>
+  </dgm:layoutNode>
+</dgm:layoutDef>
+</file>
+
+<file path=ppt/diagrams/quickStyle1.xml><?xml version="1.0" encoding="utf-8"?>
+<dgm:styleDef xmlns:dgm="http://schemas.openxmlformats.org/drawingml/2006/diagram" xmlns:a="http://schemas.openxmlformats.org/drawingml/2006/main" uniqueId="urn:microsoft.com/office/officeart/2005/8/quickstyle/simple1">
+  <dgm:title val=""/>
+  <dgm:desc val=""/>
+  <dgm:catLst>
+    <dgm:cat type="simple" pri="10100"/>
+  </dgm:catLst>
+  <dgm:scene3d>
+    <a:camera prst="orthographicFront"/>
+    <a:lightRig rig="threePt" dir="t"/>
+  </dgm:scene3d>
+  <dgm:styleLbl name="node0">
+    <dgm:scene3d>
+      <a:camera prst="orthographicFront"/>
+      <a:lightRig rig="threePt" dir="t"/>
+    </dgm:scene3d>
+    <dgm:sp3d/>
+    <dgm:txPr/>
+    <dgm:style>
+      <a:lnRef idx="2">
+        <a:scrgbClr r="0" g="0" b="0"/>
+      </a:lnRef>
+      <a:fillRef idx="1">
+        <a:scrgbClr r="0" g="0" b="0"/>
+      </a:fillRef>
+      <a:effectRef idx="0">
+        <a:scrgbClr r="0" g="0" b="0"/>
+      </a:effectRef>
+      <a:fontRef idx="minor">
+        <a:schemeClr val="lt1"/>
+      </a:fontRef>
+    </dgm:style>
+  </dgm:styleLbl>
+  <dgm:styleLbl name="lnNode1">
+    <dgm:scene3d>
+      <a:camera prst="orthographicFront"/>
+      <a:lightRig rig="threePt" dir="t"/>
+    </dgm:scene3d>
+    <dgm:sp3d/>
+    <dgm:txPr/>
+    <dgm:style>
+      <a:lnRef idx="2">
+        <a:scrgbClr r="0" g="0" b="0"/>
+      </a:lnRef>
+      <a:fillRef idx="1">
+        <a:scrgbClr r="0" g="0" b="0"/>
+      </a:fillRef>
+      <a:effectRef idx="0">
+        <a:scrgbClr r="0" g="0" b="0"/>
+      </a:effectRef>
+      <a:fontRef idx="minor">
+        <a:schemeClr val="lt1"/>
+      </a:fontRef>
+    </dgm:style>
+  </dgm:styleLbl>
+  <dgm:styleLbl name="vennNode1">
+    <dgm:scene3d>
+      <a:camera prst="orthographicFront"/>
+      <a:lightRig rig="threePt" dir="t"/>
+    </dgm:scene3d>
+    <dgm:sp3d/>
+    <dgm:txPr/>
+    <dgm:style>
+      <a:lnRef idx="2">
+        <a:scrgbClr r="0" g="0" b="0"/>
+      </a:lnRef>
+      <a:fillRef idx="1">
+        <a:scrgbClr r="0" g="0" b="0"/>
+      </a:fillRef>
+      <a:effectRef idx="0">
+        <a:scrgbClr r="0" g="0" b="0"/>
+      </a:effectRef>
+      <a:fontRef idx="minor">
+        <a:schemeClr val="tx1"/>
+      </a:fontRef>
+    </dgm:style>
+  </dgm:styleLbl>
+  <dgm:styleLbl name="alignNode1">
+    <dgm:scene3d>
+      <a:camera prst="orthographicFront"/>
+      <a:lightRig rig="threePt" dir="t"/>
+    </dgm:scene3d>
+    <dgm:sp3d/>
+    <dgm:txPr/>
+    <dgm:style>
+      <a:lnRef idx="2">
+        <a:scrgbClr r="0" g="0" b="0"/>
+      </a:lnRef>
+      <a:fillRef idx="1">
+        <a:scrgbClr r="0" g="0" b="0"/>
+      </a:fillRef>
+      <a:effectRef idx="0">
+        <a:scrgbClr r="0" g="0" b="0"/>
+      </a:effectRef>
+      <a:fontRef idx="minor">
+        <a:schemeClr val="lt1"/>
+      </a:fontRef>
+    </dgm:style>
+  </dgm:styleLbl>
+  <dgm:styleLbl name="node1">
+    <dgm:scene3d>
+      <a:camera prst="orthographicFront"/>
+      <a:lightRig rig="threePt" dir="t"/>
+    </dgm:scene3d>
+    <dgm:sp3d/>
+    <dgm:txPr/>
+    <dgm:style>
+      <a:lnRef idx="2">
+        <a:scrgbClr r="0" g="0" b="0"/>
+      </a:lnRef>
+      <a:fillRef idx="1">
+        <a:scrgbClr r="0" g="0" b="0"/>
+      </a:fillRef>
+      <a:effectRef idx="0">
+        <a:scrgbClr r="0" g="0" b="0"/>
+      </a:effectRef>
+      <a:fontRef idx="minor">
+        <a:schemeClr val="lt1"/>
+      </a:fontRef>
+    </dgm:style>
+  </dgm:styleLbl>
+  <dgm:styleLbl name="node2">
+    <dgm:scene3d>
+      <a:camera prst="orthographicFront"/>
+      <a:lightRig rig="threePt" dir="t"/>
+    </dgm:scene3d>
+    <dgm:sp3d/>
+    <dgm:txPr/>
+    <dgm:style>
+      <a:lnRef idx="2">
+        <a:scrgbClr r="0" g="0" b="0"/>
+      </a:lnRef>
+      <a:fillRef idx="1">
+        <a:scrgbClr r="0" g="0" b="0"/>
+      </a:fillRef>
+      <a:effectRef idx="0">
+        <a:scrgbClr r="0" g="0" b="0"/>
+      </a:effectRef>
+      <a:fontRef idx="minor">
+        <a:schemeClr val="lt1"/>
+      </a:fontRef>
+    </dgm:style>
+  </dgm:styleLbl>
+  <dgm:styleLbl name="node3">
+    <dgm:scene3d>
+      <a:camera prst="orthographicFront"/>
+      <a:lightRig rig="threePt" dir="t"/>
+    </dgm:scene3d>
+    <dgm:sp3d/>
+    <dgm:txPr/>
+    <dgm:style>
+      <a:lnRef idx="2">
+        <a:scrgbClr r="0" g="0" b="0"/>
+      </a:lnRef>
+      <a:fillRef idx="1">
+        <a:scrgbClr r="0" g="0" b="0"/>
+      </a:fillRef>
+      <a:effectRef idx="0">
+        <a:scrgbClr r="0" g="0" b="0"/>
+      </a:effectRef>
+      <a:fontRef idx="minor">
+        <a:schemeClr val="lt1"/>
+      </a:fontRef>
+    </dgm:style>
+  </dgm:styleLbl>
+  <dgm:styleLbl name="node4">
+    <dgm:scene3d>
+      <a:camera prst="orthographicFront"/>
+      <a:lightRig rig="threePt" dir="t"/>
+    </dgm:scene3d>
+    <dgm:sp3d/>
+    <dgm:txPr/>
+    <dgm:style>
+      <a:lnRef idx="2">
+        <a:scrgbClr r="0" g="0" b="0"/>
+      </a:lnRef>
+      <a:fillRef idx="1">
+        <a:scrgbClr r="0" g="0" b="0"/>
+      </a:fillRef>
+      <a:effectRef idx="0">
+        <a:scrgbClr r="0" g="0" b="0"/>
+      </a:effectRef>
+      <a:fontRef idx="minor">
+        <a:schemeClr val="lt1"/>
+      </a:fontRef>
+    </dgm:style>
+  </dgm:styleLbl>
+  <dgm:styleLbl name="fgImgPlace1">
+    <dgm:scene3d>
+      <a:camera prst="orthographicFront"/>
+      <a:lightRig rig="threePt" dir="t"/>
+    </dgm:scene3d>
+    <dgm:sp3d/>
+    <dgm:txPr/>
+    <dgm:style>
+      <a:lnRef idx="2">
+        <a:scrgbClr r="0" g="0" b="0"/>
+      </a:lnRef>
+      <a:fillRef idx="1">
+        <a:scrgbClr r="0" g="0" b="0"/>
+      </a:fillRef>
+      <a:effectRef idx="0">
+        <a:scrgbClr r="0" g="0" b="0"/>
+      </a:effectRef>
+      <a:fontRef idx="minor"/>
+    </dgm:style>
+  </dgm:styleLbl>
+  <dgm:styleLbl name="alignImgPlace1">
+    <dgm:scene3d>
+      <a:camera prst="orthographicFront"/>
+      <a:lightRig rig="threePt" dir="t"/>
+    </dgm:scene3d>
+    <dgm:sp3d/>
+    <dgm:txPr/>
+    <dgm:style>
+      <a:lnRef idx="2">
+        <a:scrgbClr r="0" g="0" b="0"/>
+      </a:lnRef>
+      <a:fillRef idx="1">
+        <a:scrgbClr r="0" g="0" b="0"/>
+      </a:fillRef>
+      <a:effectRef idx="0">
+        <a:scrgbClr r="0" g="0" b="0"/>
+      </a:effectRef>
+      <a:fontRef idx="minor"/>
+    </dgm:style>
+  </dgm:styleLbl>
+  <dgm:styleLbl name="bgImgPlace1">
+    <dgm:scene3d>
+      <a:camera prst="orthographicFront"/>
+      <a:lightRig rig="threePt" dir="t"/>
+    </dgm:scene3d>
+    <dgm:sp3d/>
+    <dgm:txPr/>
+    <dgm:style>
+      <a:lnRef idx="2">
+        <a:scrgbClr r="0" g="0" b="0"/>
+      </a:lnRef>
+      <a:fillRef idx="1">
+        <a:scrgbClr r="0" g="0" b="0"/>
+      </a:fillRef>
+      <a:effectRef idx="0">
+        <a:scrgbClr r="0" g="0" b="0"/>
+      </a:effectRef>
+      <a:fontRef idx="minor"/>
+    </dgm:style>
+  </dgm:styleLbl>
+  <dgm:styleLbl name="sibTrans2D1">
+    <dgm:scene3d>
+      <a:camera prst="orthographicFront"/>
+      <a:lightRig rig="threePt" dir="t"/>
+    </dgm:scene3d>
+    <dgm:sp3d/>
+    <dgm:txPr/>
+    <dgm:style>
+      <a:lnRef idx="0">
+        <a:scrgbClr r="0" g="0" b="0"/>
+      </a:lnRef>
+      <a:fillRef idx="1">
+        <a:scrgbClr r="0" g="0" b="0"/>
+      </a:fillRef>
+      <a:effectRef idx="0">
+        <a:scrgbClr r="0" g="0" b="0"/>
+      </a:effectRef>
+      <a:fontRef idx="minor">
+        <a:schemeClr val="lt1"/>
+      </a:fontRef>
+    </dgm:style>
+  </dgm:styleLbl>
+  <dgm:styleLbl name="fgSibTrans2D1">
+    <dgm:scene3d>
+      <a:camera prst="orthographicFront"/>
+      <a:lightRig rig="threePt" dir="t"/>
+    </dgm:scene3d>
+    <dgm:sp3d/>
+    <dgm:txPr/>
+    <dgm:style>
+      <a:lnRef idx="0">
+        <a:scrgbClr r="0" g="0" b="0"/>
+      </a:lnRef>
+      <a:fillRef idx="1">
+        <a:scrgbClr r="0" g="0" b="0"/>
+      </a:fillRef>
+      <a:effectRef idx="0">
+        <a:scrgbClr r="0" g="0" b="0"/>
+      </a:effectRef>
+      <a:fontRef idx="minor">
+        <a:schemeClr val="lt1"/>
+      </a:fontRef>
+    </dgm:style>
+  </dgm:styleLbl>
+  <dgm:styleLbl name="bgSibTrans2D1">
+    <dgm:scene3d>
+      <a:camera prst="orthographicFront"/>
+      <a:lightRig rig="threePt" dir="t"/>
+    </dgm:scene3d>
+    <dgm:sp3d/>
+    <dgm:txPr/>
+    <dgm:style>
+      <a:lnRef idx="0">
+        <a:scrgbClr r="0" g="0" b="0"/>
+      </a:lnRef>
+      <a:fillRef idx="1">
+        <a:scrgbClr r="0" g="0" b="0"/>
+      </a:fillRef>
+      <a:effectRef idx="0">
+        <a:scrgbClr r="0" g="0" b="0"/>
+      </a:effectRef>
+      <a:fontRef idx="minor">
+        <a:schemeClr val="lt1"/>
+      </a:fontRef>
+    </dgm:style>
+  </dgm:styleLbl>
+  <dgm:styleLbl name="sibTrans1D1">
+    <dgm:scene3d>
+      <a:camera prst="orthographicFront"/>
+      <a:lightRig rig="threePt" dir="t"/>
+    </dgm:scene3d>
+    <dgm:sp3d/>
+    <dgm:txPr/>
+    <dgm:style>
+      <a:lnRef idx="1">
+        <a:scrgbClr r="0" g="0" b="0"/>
+      </a:lnRef>
+      <a:fillRef idx="0">
+        <a:scrgbClr r="0" g="0" b="0"/>
+      </a:fillRef>
+      <a:effectRef idx="0">
+        <a:scrgbClr r="0" g="0" b="0"/>
+      </a:effectRef>
+      <a:fontRef idx="minor"/>
+    </dgm:style>
+  </dgm:styleLbl>
+  <dgm:styleLbl name="callout">
+    <dgm:scene3d>
+      <a:camera prst="orthographicFront"/>
+      <a:lightRig rig="threePt" dir="t"/>
+    </dgm:scene3d>
+    <dgm:sp3d/>
+    <dgm:txPr/>
+    <dgm:style>
+      <a:lnRef idx="2">
+        <a:scrgbClr r="0" g="0" b="0"/>
+      </a:lnRef>
+      <a:fillRef idx="1">
+        <a:scrgbClr r="0" g="0" b="0"/>
+      </a:fillRef>
+      <a:effectRef idx="0">
+        <a:scrgbClr r="0" g="0" b="0"/>
+      </a:effectRef>
+      <a:fontRef idx="minor"/>
+    </dgm:style>
+  </dgm:styleLbl>
+  <dgm:styleLbl name="asst0">
+    <dgm:scene3d>
+      <a:camera prst="orthographicFront"/>
+      <a:lightRig rig="threePt" dir="t"/>
+    </dgm:scene3d>
+    <dgm:sp3d/>
+    <dgm:txPr/>
+    <dgm:style>
+      <a:lnRef idx="2">
+        <a:scrgbClr r="0" g="0" b="0"/>
+      </a:lnRef>
+      <a:fillRef idx="1">
+        <a:scrgbClr r="0" g="0" b="0"/>
+      </a:fillRef>
+      <a:effectRef idx="0">
+        <a:scrgbClr r="0" g="0" b="0"/>
+      </a:effectRef>
+      <a:fontRef idx="minor">
+        <a:schemeClr val="lt1"/>
+      </a:fontRef>
+    </dgm:style>
+  </dgm:styleLbl>
+  <dgm:styleLbl name="asst1">
+    <dgm:scene3d>
+      <a:camera prst="orthographicFront"/>
+      <a:lightRig rig="threePt" dir="t"/>
+    </dgm:scene3d>
+    <dgm:sp3d/>
+    <dgm:txPr/>
+    <dgm:style>
+      <a:lnRef idx="2">
+        <a:scrgbClr r="0" g="0" b="0"/>
+      </a:lnRef>
+      <a:fillRef idx="1">
+        <a:scrgbClr r="0" g="0" b="0"/>
+      </a:fillRef>
+      <a:effectRef idx="0">
+        <a:scrgbClr r="0" g="0" b="0"/>
+      </a:effectRef>
+      <a:fontRef idx="minor">
+        <a:schemeClr val="lt1"/>
+      </a:fontRef>
+    </dgm:style>
+  </dgm:styleLbl>
+  <dgm:styleLbl name="asst2">
+    <dgm:scene3d>
+      <a:camera prst="orthographicFront"/>
+      <a:lightRig rig="threePt" dir="t"/>
+    </dgm:scene3d>
+    <dgm:sp3d/>
+    <dgm:txPr/>
+    <dgm:style>
+      <a:lnRef idx="2">
+        <a:scrgbClr r="0" g="0" b="0"/>
+      </a:lnRef>
+      <a:fillRef idx="1">
+        <a:scrgbClr r="0" g="0" b="0"/>
+      </a:fillRef>
+      <a:effectRef idx="0">
+        <a:scrgbClr r="0" g="0" b="0"/>
+      </a:effectRef>
+      <a:fontRef idx="minor">
+        <a:schemeClr val="lt1"/>
+      </a:fontRef>
+    </dgm:style>
+  </dgm:styleLbl>
+  <dgm:styleLbl name="asst3">
+    <dgm:scene3d>
+      <a:camera prst="orthographicFront"/>
+      <a:lightRig rig="threePt" dir="t"/>
+    </dgm:scene3d>
+    <dgm:sp3d/>
+    <dgm:txPr/>
+    <dgm:style>
+      <a:lnRef idx="2">
+        <a:scrgbClr r="0" g="0" b="0"/>
+      </a:lnRef>
+      <a:fillRef idx="1">
+        <a:scrgbClr r="0" g="0" b="0"/>
+      </a:fillRef>
+      <a:effectRef idx="0">
+        <a:scrgbClr r="0" g="0" b="0"/>
+      </a:effectRef>
+      <a:fontRef idx="minor">
+        <a:schemeClr val="lt1"/>
+      </a:fontRef>
+    </dgm:style>
+  </dgm:styleLbl>
+  <dgm:styleLbl name="asst4">
+    <dgm:scene3d>
+      <a:camera prst="orthographicFront"/>
+      <a:lightRig rig="threePt" dir="t"/>
+    </dgm:scene3d>
+    <dgm:sp3d/>
+    <dgm:txPr/>
+    <dgm:style>
+      <a:lnRef idx="2">
+        <a:scrgbClr r="0" g="0" b="0"/>
+      </a:lnRef>
+      <a:fillRef idx="1">
+        <a:scrgbClr r="0" g="0" b="0"/>
+      </a:fillRef>
+      <a:effectRef idx="0">
+        <a:scrgbClr r="0" g="0" b="0"/>
+      </a:effectRef>
+      <a:fontRef idx="minor">
+        <a:schemeClr val="lt1"/>
+      </a:fontRef>
+    </dgm:style>
+  </dgm:styleLbl>
+  <dgm:styleLbl name="parChTrans2D1">
+    <dgm:scene3d>
+      <a:camera prst="orthographicFront"/>
+      <a:lightRig rig="threePt" dir="t"/>
+    </dgm:scene3d>
+    <dgm:sp3d/>
+    <dgm:txPr/>
+    <dgm:style>
+      <a:lnRef idx="2">
+        <a:scrgbClr r="0" g="0" b="0"/>
+      </a:lnRef>
+      <a:fillRef idx="1">
+        <a:scrgbClr r="0" g="0" b="0"/>
+      </a:fillRef>
+      <a:effectRef idx="0">
+        <a:scrgbClr r="0" g="0" b="0"/>
+      </a:effectRef>
+      <a:fontRef idx="minor">
+        <a:schemeClr val="lt1"/>
+      </a:fontRef>
+    </dgm:style>
+  </dgm:styleLbl>
+  <dgm:styleLbl name="parChTrans2D2">
+    <dgm:scene3d>
+      <a:camera prst="orthographicFront"/>
+      <a:lightRig rig="threePt" dir="t"/>
+    </dgm:scene3d>
+    <dgm:sp3d/>
+    <dgm:txPr/>
+    <dgm:style>
+      <a:lnRef idx="2">
+        <a:scrgbClr r="0" g="0" b="0"/>
+      </a:lnRef>
+      <a:fillRef idx="1">
+        <a:scrgbClr r="0" g="0" b="0"/>
+      </a:fillRef>
+      <a:effectRef idx="0">
+        <a:scrgbClr r="0" g="0" b="0"/>
+      </a:effectRef>
+      <a:fontRef idx="minor">
+        <a:schemeClr val="lt1"/>
+      </a:fontRef>
+    </dgm:style>
+  </dgm:styleLbl>
+  <dgm:styleLbl name="parChTrans2D3">
+    <dgm:scene3d>
+      <a:camera prst="orthographicFront"/>
+      <a:lightRig rig="threePt" dir="t"/>
+    </dgm:scene3d>
+    <dgm:sp3d/>
+    <dgm:txPr/>
+    <dgm:style>
+      <a:lnRef idx="2">
+        <a:scrgbClr r="0" g="0" b="0"/>
+      </a:lnRef>
+      <a:fillRef idx="1">
+        <a:scrgbClr r="0" g="0" b="0"/>
+      </a:fillRef>
+      <a:effectRef idx="0">
+        <a:scrgbClr r="0" g="0" b="0"/>
+      </a:effectRef>
+      <a:fontRef idx="minor">
+        <a:schemeClr val="lt1"/>
+      </a:fontRef>
+    </dgm:style>
+  </dgm:styleLbl>
+  <dgm:styleLbl name="parChTrans2D4">
+    <dgm:scene3d>
+      <a:camera prst="orthographicFront"/>
+      <a:lightRig rig="threePt" dir="t"/>
+    </dgm:scene3d>
+    <dgm:sp3d/>
+    <dgm:txPr/>
+    <dgm:style>
+      <a:lnRef idx="2">
+        <a:scrgbClr r="0" g="0" b="0"/>
+      </a:lnRef>
+      <a:fillRef idx="1">
+        <a:scrgbClr r="0" g="0" b="0"/>
+      </a:fillRef>
+      <a:effectRef idx="0">
+        <a:scrgbClr r="0" g="0" b="0"/>
+      </a:effectRef>
+      <a:fontRef idx="minor">
+        <a:schemeClr val="lt1"/>
+      </a:fontRef>
+    </dgm:style>
+  </dgm:styleLbl>
+  <dgm:styleLbl name="parChTrans1D1">
+    <dgm:scene3d>
+      <a:camera prst="orthographicFront"/>
+      <a:lightRig rig="threePt" dir="t"/>
+    </dgm:scene3d>
+    <dgm:sp3d/>
+    <dgm:txPr/>
+    <dgm:style>
+      <a:lnRef idx="2">
+        <a:scrgbClr r="0" g="0" b="0"/>
+      </a:lnRef>
+      <a:fillRef idx="0">
+        <a:scrgbClr r="0" g="0" b="0"/>
+      </a:fillRef>
+      <a:effectRef idx="0">
+        <a:scrgbClr r="0" g="0" b="0"/>
+      </a:effectRef>
+      <a:fontRef idx="minor"/>
+    </dgm:style>
+  </dgm:styleLbl>
+  <dgm:styleLbl name="parChTrans1D2">
+    <dgm:scene3d>
+      <a:camera prst="orthographicFront"/>
+      <a:lightRig rig="threePt" dir="t"/>
+    </dgm:scene3d>
+    <dgm:sp3d/>
+    <dgm:txPr/>
+    <dgm:style>
+      <a:lnRef idx="2">
+        <a:scrgbClr r="0" g="0" b="0"/>
+      </a:lnRef>
+      <a:fillRef idx="0">
+        <a:scrgbClr r="0" g="0" b="0"/>
+      </a:fillRef>
+      <a:effectRef idx="0">
+        <a:scrgbClr r="0" g="0" b="0"/>
+      </a:effectRef>
+      <a:fontRef idx="minor"/>
+    </dgm:style>
+  </dgm:styleLbl>
+  <dgm:styleLbl name="parChTrans1D3">
+    <dgm:scene3d>
+      <a:camera prst="orthographicFront"/>
+      <a:lightRig rig="threePt" dir="t"/>
+    </dgm:scene3d>
+    <dgm:sp3d/>
+    <dgm:txPr/>
+    <dgm:style>
+      <a:lnRef idx="2">
+        <a:scrgbClr r="0" g="0" b="0"/>
+      </a:lnRef>
+      <a:fillRef idx="0">
+        <a:scrgbClr r="0" g="0" b="0"/>
+      </a:fillRef>
+      <a:effectRef idx="0">
+        <a:scrgbClr r="0" g="0" b="0"/>
+      </a:effectRef>
+      <a:fontRef idx="minor"/>
+    </dgm:style>
+  </dgm:styleLbl>
+  <dgm:styleLbl name="parChTrans1D4">
+    <dgm:scene3d>
+      <a:camera prst="orthographicFront"/>
+      <a:lightRig rig="threePt" dir="t"/>
+    </dgm:scene3d>
+    <dgm:sp3d/>
+    <dgm:txPr/>
+    <dgm:style>
+      <a:lnRef idx="2">
+        <a:scrgbClr r="0" g="0" b="0"/>
+      </a:lnRef>
+      <a:fillRef idx="0">
+        <a:scrgbClr r="0" g="0" b="0"/>
+      </a:fillRef>
+      <a:effectRef idx="0">
+        <a:scrgbClr r="0" g="0" b="0"/>
+      </a:effectRef>
+      <a:fontRef idx="minor"/>
+    </dgm:style>
+  </dgm:styleLbl>
+  <dgm:styleLbl name="fgAcc1">
+    <dgm:scene3d>
+      <a:camera prst="orthographicFront"/>
+      <a:lightRig rig="threePt" dir="t"/>
+    </dgm:scene3d>
+    <dgm:sp3d/>
+    <dgm:txPr/>
+    <dgm:style>
+      <a:lnRef idx="2">
+        <a:scrgbClr r="0" g="0" b="0"/>
+      </a:lnRef>
+      <a:fillRef idx="1">
+        <a:scrgbClr r="0" g="0" b="0"/>
+      </a:fillRef>
+      <a:effectRef idx="0">
+        <a:scrgbClr r="0" g="0" b="0"/>
+      </a:effectRef>
+      <a:fontRef idx="minor"/>
+    </dgm:style>
+  </dgm:styleLbl>
+  <dgm:styleLbl name="conFgAcc1">
+    <dgm:scene3d>
+      <a:camera prst="orthographicFront"/>
+      <a:lightRig rig="threePt" dir="t"/>
+    </dgm:scene3d>
+    <dgm:sp3d/>
+    <dgm:txPr/>
+    <dgm:style>
+      <a:lnRef idx="2">
+        <a:scrgbClr r="0" g="0" b="0"/>
+      </a:lnRef>
+      <a:fillRef idx="1">
+        <a:scrgbClr r="0" g="0" b="0"/>
+      </a:fillRef>
+      <a:effectRef idx="0">
+        <a:scrgbClr r="0" g="0" b="0"/>
+      </a:effectRef>
+      <a:fontRef idx="minor"/>
+    </dgm:style>
+  </dgm:styleLbl>
+  <dgm:styleLbl name="alignAcc1">
+    <dgm:scene3d>
+      <a:camera prst="orthographicFront"/>
+      <a:lightRig rig="threePt" dir="t"/>
+    </dgm:scene3d>
+    <dgm:sp3d/>
+    <dgm:txPr/>
+    <dgm:style>
+      <a:lnRef idx="2">
+        <a:scrgbClr r="0" g="0" b="0"/>
+      </a:lnRef>
+      <a:fillRef idx="1">
+        <a:scrgbClr r="0" g="0" b="0"/>
+      </a:fillRef>
+      <a:effectRef idx="0">
+        <a:scrgbClr r="0" g="0" b="0"/>
+      </a:effectRef>
+      <a:fontRef idx="minor"/>
+    </dgm:style>
+  </dgm:styleLbl>
+  <dgm:styleLbl name="trAlignAcc1">
+    <dgm:scene3d>
+      <a:camera prst="orthographicFront"/>
+      <a:lightRig rig="threePt" dir="t"/>
+    </dgm:scene3d>
+    <dgm:sp3d/>
+    <dgm:txPr/>
+    <dgm:style>
+      <a:lnRef idx="1">
+        <a:scrgbClr r="0" g="0" b="0"/>
+      </a:lnRef>
+      <a:fillRef idx="1">
+        <a:scrgbClr r="0" g="0" b="0"/>
+      </a:fillRef>
+      <a:effectRef idx="0">
+        <a:scrgbClr r="0" g="0" b="0"/>
+      </a:effectRef>
+      <a:fontRef idx="minor"/>
+    </dgm:style>
+  </dgm:styleLbl>
+  <dgm:styleLbl name="bgAcc1">
+    <dgm:scene3d>
+      <a:camera prst="orthographicFront"/>
+      <a:lightRig rig="threePt" dir="t"/>
+    </dgm:scene3d>
+    <dgm:sp3d/>
+    <dgm:txPr/>
+    <dgm:style>
+      <a:lnRef idx="2">
+        <a:scrgbClr r="0" g="0" b="0"/>
+      </a:lnRef>
+      <a:fillRef idx="1">
+        <a:scrgbClr r="0" g="0" b="0"/>
+      </a:fillRef>
+      <a:effectRef idx="0">
+        <a:scrgbClr r="0" g="0" b="0"/>
+      </a:effectRef>
+      <a:fontRef idx="minor"/>
+    </dgm:style>
+  </dgm:styleLbl>
+  <dgm:styleLbl name="solidFgAcc1">
+    <dgm:scene3d>
+      <a:camera prst="orthographicFront"/>
+      <a:lightRig rig="threePt" dir="t"/>
+    </dgm:scene3d>
+    <dgm:sp3d/>
+    <dgm:txPr/>
+    <dgm:style>
+      <a:lnRef idx="2">
+        <a:scrgbClr r="0" g="0" b="0"/>
+      </a:lnRef>
+      <a:fillRef idx="1">
+        <a:scrgbClr r="0" g="0" b="0"/>
+      </a:fillRef>
+      <a:effectRef idx="0">
+        <a:scrgbClr r="0" g="0" b="0"/>
+      </a:effectRef>
+      <a:fontRef idx="minor"/>
+    </dgm:style>
+  </dgm:styleLbl>
+  <dgm:styleLbl name="solidAlignAcc1">
+    <dgm:scene3d>
+      <a:camera prst="orthographicFront"/>
+      <a:lightRig rig="threePt" dir="t"/>
+    </dgm:scene3d>
+    <dgm:sp3d/>
+    <dgm:txPr/>
+    <dgm:style>
+      <a:lnRef idx="2">
+        <a:scrgbClr r="0" g="0" b="0"/>
+      </a:lnRef>
+      <a:fillRef idx="1">
+        <a:scrgbClr r="0" g="0" b="0"/>
+      </a:fillRef>
+      <a:effectRef idx="0">
+        <a:scrgbClr r="0" g="0" b="0"/>
+      </a:effectRef>
+      <a:fontRef idx="minor"/>
+    </dgm:style>
+  </dgm:styleLbl>
+  <dgm:styleLbl name="solidBgAcc1">
+    <dgm:scene3d>
+      <a:camera prst="orthographicFront"/>
+      <a:lightRig rig="threePt" dir="t"/>
+    </dgm:scene3d>
+    <dgm:sp3d/>
+    <dgm:txPr/>
+    <dgm:style>
+      <a:lnRef idx="2">
+        <a:scrgbClr r="0" g="0" b="0"/>
+      </a:lnRef>
+      <a:fillRef idx="1">
+        <a:scrgbClr r="0" g="0" b="0"/>
+      </a:fillRef>
+      <a:effectRef idx="0">
+        <a:scrgbClr r="0" g="0" b="0"/>
+      </a:effectRef>
+      <a:fontRef idx="minor"/>
+    </dgm:style>
+  </dgm:styleLbl>
+  <dgm:styleLbl name="fgAccFollowNode1">
+    <dgm:scene3d>
+      <a:camera prst="orthographicFront"/>
+      <a:lightRig rig="threePt" dir="t"/>
+    </dgm:scene3d>
+    <dgm:sp3d/>
+    <dgm:txPr/>
+    <dgm:style>
+      <a:lnRef idx="2">
+        <a:scrgbClr r="0" g="0" b="0"/>
+      </a:lnRef>
+      <a:fillRef idx="1">
+        <a:scrgbClr r="0" g="0" b="0"/>
+      </a:fillRef>
+      <a:effectRef idx="0">
+        <a:scrgbClr r="0" g="0" b="0"/>
+      </a:effectRef>
+      <a:fontRef idx="minor"/>
+    </dgm:style>
+  </dgm:styleLbl>
+  <dgm:styleLbl name="alignAccFollowNode1">
+    <dgm:scene3d>
+      <a:camera prst="orthographicFront"/>
+      <a:lightRig rig="threePt" dir="t"/>
+    </dgm:scene3d>
+    <dgm:sp3d/>
+    <dgm:txPr/>
+    <dgm:style>
+      <a:lnRef idx="2">
+        <a:scrgbClr r="0" g="0" b="0"/>
+      </a:lnRef>
+      <a:fillRef idx="1">
+        <a:scrgbClr r="0" g="0" b="0"/>
+      </a:fillRef>
+      <a:effectRef idx="0">
+        <a:scrgbClr r="0" g="0" b="0"/>
+      </a:effectRef>
+      <a:fontRef idx="minor"/>
+    </dgm:style>
+  </dgm:styleLbl>
+  <dgm:styleLbl name="bgAccFollowNode1">
+    <dgm:scene3d>
+      <a:camera prst="orthographicFront"/>
+      <a:lightRig rig="threePt" dir="t"/>
+    </dgm:scene3d>
+    <dgm:sp3d/>
+    <dgm:txPr/>
+    <dgm:style>
+      <a:lnRef idx="2">
+        <a:scrgbClr r="0" g="0" b="0"/>
+      </a:lnRef>
+      <a:fillRef idx="1">
+        <a:scrgbClr r="0" g="0" b="0"/>
+      </a:fillRef>
+      <a:effectRef idx="0">
+        <a:scrgbClr r="0" g="0" b="0"/>
+      </a:effectRef>
+      <a:fontRef idx="minor"/>
+    </dgm:style>
+  </dgm:styleLbl>
+  <dgm:styleLbl name="fgAcc0">
+    <dgm:scene3d>
+      <a:camera prst="orthographicFront"/>
+      <a:lightRig rig="threePt" dir="t"/>
+    </dgm:scene3d>
+    <dgm:sp3d/>
+    <dgm:txPr/>
+    <dgm:style>
+      <a:lnRef idx="2">
+        <a:scrgbClr r="0" g="0" b="0"/>
+      </a:lnRef>
+      <a:fillRef idx="1">
+        <a:scrgbClr r="0" g="0" b="0"/>
+      </a:fillRef>
+      <a:effectRef idx="0">
+        <a:scrgbClr r="0" g="0" b="0"/>
+      </a:effectRef>
+      <a:fontRef idx="minor"/>
+    </dgm:style>
+  </dgm:styleLbl>
+  <dgm:styleLbl name="fgAcc2">
+    <dgm:scene3d>
+      <a:camera prst="orthographicFront"/>
+      <a:lightRig rig="threePt" dir="t"/>
+    </dgm:scene3d>
+    <dgm:sp3d/>
+    <dgm:txPr/>
+    <dgm:style>
+      <a:lnRef idx="2">
+        <a:scrgbClr r="0" g="0" b="0"/>
+      </a:lnRef>
+      <a:fillRef idx="1">
+        <a:scrgbClr r="0" g="0" b="0"/>
+      </a:fillRef>
+      <a:effectRef idx="0">
+        <a:scrgbClr r="0" g="0" b="0"/>
+      </a:effectRef>
+      <a:fontRef idx="minor"/>
+    </dgm:style>
+  </dgm:styleLbl>
+  <dgm:styleLbl name="fgAcc3">
+    <dgm:scene3d>
+      <a:camera prst="orthographicFront"/>
+      <a:lightRig rig="threePt" dir="t"/>
+    </dgm:scene3d>
+    <dgm:sp3d/>
+    <dgm:txPr/>
+    <dgm:style>
+      <a:lnRef idx="2">
+        <a:scrgbClr r="0" g="0" b="0"/>
+      </a:lnRef>
+      <a:fillRef idx="1">
+        <a:scrgbClr r="0" g="0" b="0"/>
+      </a:fillRef>
+      <a:effectRef idx="0">
+        <a:scrgbClr r="0" g="0" b="0"/>
+      </a:effectRef>
+      <a:fontRef idx="minor"/>
+    </dgm:style>
+  </dgm:styleLbl>
+  <dgm:styleLbl name="fgAcc4">
+    <dgm:scene3d>
+      <a:camera prst="orthographicFront"/>
+      <a:lightRig rig="threePt" dir="t"/>
+    </dgm:scene3d>
+    <dgm:sp3d/>
+    <dgm:txPr/>
+    <dgm:style>
+      <a:lnRef idx="2">
+        <a:scrgbClr r="0" g="0" b="0"/>
+      </a:lnRef>
+      <a:fillRef idx="1">
+        <a:scrgbClr r="0" g="0" b="0"/>
+      </a:fillRef>
+      <a:effectRef idx="0">
+        <a:scrgbClr r="0" g="0" b="0"/>
+      </a:effectRef>
+      <a:fontRef idx="minor"/>
+    </dgm:style>
+  </dgm:styleLbl>
+  <dgm:styleLbl name="bgShp">
+    <dgm:scene3d>
+      <a:camera prst="orthographicFront"/>
+      <a:lightRig rig="threePt" dir="t"/>
+    </dgm:scene3d>
+    <dgm:sp3d/>
+    <dgm:txPr/>
+    <dgm:style>
+      <a:lnRef idx="0">
+        <a:scrgbClr r="0" g="0" b="0"/>
+      </a:lnRef>
+      <a:fillRef idx="1">
+        <a:scrgbClr r="0" g="0" b="0"/>
+      </a:fillRef>
+      <a:effectRef idx="0">
+        <a:scrgbClr r="0" g="0" b="0"/>
+      </a:effectRef>
+      <a:fontRef idx="minor"/>
+    </dgm:style>
+  </dgm:styleLbl>
+  <dgm:styleLbl name="dkBgShp">
+    <dgm:scene3d>
+      <a:camera prst="orthographicFront"/>
+      <a:lightRig rig="threePt" dir="t"/>
+    </dgm:scene3d>
+    <dgm:sp3d/>
+    <dgm:txPr/>
+    <dgm:style>
+      <a:lnRef idx="0">
+        <a:scrgbClr r="0" g="0" b="0"/>
+      </a:lnRef>
+      <a:fillRef idx="1">
+        <a:scrgbClr r="0" g="0" b="0"/>
+      </a:fillRef>
+      <a:effectRef idx="0">
+        <a:scrgbClr r="0" g="0" b="0"/>
+      </a:effectRef>
+      <a:fontRef idx="minor"/>
+    </dgm:style>
+  </dgm:styleLbl>
+  <dgm:styleLbl name="trBgShp">
+    <dgm:scene3d>
+      <a:camera prst="orthographicFront"/>
+      <a:lightRig rig="threePt" dir="t"/>
+    </dgm:scene3d>
+    <dgm:sp3d/>
+    <dgm:txPr/>
+    <dgm:style>
+      <a:lnRef idx="0">
+        <a:scrgbClr r="0" g="0" b="0"/>
+      </a:lnRef>
+      <a:fillRef idx="1">
+        <a:scrgbClr r="0" g="0" b="0"/>
+      </a:fillRef>
+      <a:effectRef idx="0">
+        <a:scrgbClr r="0" g="0" b="0"/>
+      </a:effectRef>
+      <a:fontRef idx="minor"/>
+    </dgm:style>
+  </dgm:styleLbl>
+  <dgm:styleLbl name="fgShp">
+    <dgm:scene3d>
+      <a:camera prst="orthographicFront"/>
+      <a:lightRig rig="threePt" dir="t"/>
+    </dgm:scene3d>
+    <dgm:sp3d/>
+    <dgm:txPr/>
+    <dgm:style>
+      <a:lnRef idx="2">
+        <a:scrgbClr r="0" g="0" b="0"/>
+      </a:lnRef>
+      <a:fillRef idx="1">
+        <a:scrgbClr r="0" g="0" b="0"/>
+      </a:fillRef>
+      <a:effectRef idx="0">
+        <a:scrgbClr r="0" g="0" b="0"/>
+      </a:effectRef>
+      <a:fontRef idx="minor"/>
+    </dgm:style>
+  </dgm:styleLbl>
+  <dgm:styleLbl name="revTx">
+    <dgm:scene3d>
+      <a:camera prst="orthographicFront"/>
+      <a:lightRig rig="threePt" dir="t"/>
+    </dgm:scene3d>
+    <dgm:sp3d/>
+    <dgm:txPr/>
+    <dgm:style>
+      <a:lnRef idx="0">
+        <a:scrgbClr r="0" g="0" b="0"/>
+      </a:lnRef>
+      <a:fillRef idx="0">
+        <a:scrgbClr r="0" g="0" b="0"/>
+      </a:fillRef>
+      <a:effectRef idx="0">
+        <a:scrgbClr r="0" g="0" b="0"/>
+      </a:effectRef>
+      <a:fontRef idx="minor"/>
+    </dgm:style>
+  </dgm:styleLbl>
+</dgm:styleDef>
 </file>
 
 <file path=ppt/notesMasters/notesMaster1.xml><?xml version="1.0" encoding="utf-8"?>
@@ -19873,28 +22552,15 @@
               <a:rPr lang="en-GB" sz="2000" dirty="0">
                 <a:latin typeface="+mj-lt"/>
               </a:rPr>
-              <a:t>Prolific authors </a:t>
-            </a:r>
-            <a:r>
-              <a:rPr lang="en-GB" sz="2000" dirty="0">
-                <a:latin typeface="+mj-lt"/>
-                <a:sym typeface="Wingdings" panose="05000000000000000000" pitchFamily="2" charset="2"/>
-              </a:rPr>
-              <a:t></a:t>
-            </a:r>
+              <a:t>More datapoints per class</a:t>
+            </a:r>
+          </a:p>
+          <a:p>
             <a:r>
               <a:rPr lang="en-GB" sz="2000" dirty="0">
                 <a:latin typeface="+mj-lt"/>
               </a:rPr>
-              <a:t> more datapoints per class</a:t>
-            </a:r>
-          </a:p>
-          <a:p>
-            <a:r>
-              <a:rPr lang="en-GB" sz="2000" dirty="0">
-                <a:latin typeface="+mj-lt"/>
-              </a:rPr>
-              <a:t>Only 39 labels, lower computational effort</a:t>
+              <a:t>Lower computational effort</a:t>
             </a:r>
           </a:p>
           <a:p>
@@ -21563,8 +24229,8 @@
           <a:chExt cx="0" cy="0"/>
         </a:xfrm>
       </p:grpSpPr>
-      <mc:AlternateContent xmlns:mc="http://schemas.openxmlformats.org/markup-compatibility/2006">
-        <mc:Choice xmlns:a14="http://schemas.microsoft.com/office/drawing/2010/main" Requires="a14">
+      <mc:AlternateContent xmlns:mc="http://schemas.openxmlformats.org/markup-compatibility/2006" xmlns:a14="http://schemas.microsoft.com/office/drawing/2010/main">
+        <mc:Choice Requires="a14">
           <p:sp>
             <p:nvSpPr>
               <p:cNvPr id="4" name="Inhaltsplatzhalter 3">
@@ -21616,14 +24282,14 @@
                       <m:sSubPr>
                         <m:ctrlPr>
                           <a:rPr lang="de-DE" sz="1800" b="0" i="1" smtClean="0">
-                            <a:latin typeface="+mj-lt"/>
+                            <a:latin typeface="Cambria Math" panose="02040503050406030204" pitchFamily="18" charset="0"/>
                           </a:rPr>
                         </m:ctrlPr>
                       </m:sSubPr>
                       <m:e>
                         <m:r>
                           <a:rPr lang="en-GB" sz="1800" i="1" smtClean="0">
-                            <a:latin typeface="+mj-lt"/>
+                            <a:latin typeface="Cambria Math" panose="02040503050406030204" pitchFamily="18" charset="0"/>
                           </a:rPr>
                           <m:t>𝑓</m:t>
                         </m:r>
@@ -21631,7 +24297,7 @@
                       <m:sub>
                         <m:r>
                           <a:rPr lang="de-DE" sz="1800" b="0" i="1" smtClean="0">
-                            <a:latin typeface="+mj-lt"/>
+                            <a:latin typeface="Cambria Math" panose="02040503050406030204" pitchFamily="18" charset="0"/>
                           </a:rPr>
                           <m:t>1</m:t>
                         </m:r>
@@ -21641,20 +24307,20 @@
                       <m:dPr>
                         <m:ctrlPr>
                           <a:rPr lang="en-GB" sz="1800" i="1" smtClean="0">
-                            <a:latin typeface="+mj-lt"/>
+                            <a:latin typeface="Cambria Math" panose="02040503050406030204" pitchFamily="18" charset="0"/>
                           </a:rPr>
                         </m:ctrlPr>
                       </m:dPr>
                       <m:e>
                         <m:r>
                           <a:rPr lang="de-DE" sz="1800" b="0" i="1" smtClean="0">
-                            <a:latin typeface="+mj-lt"/>
+                            <a:latin typeface="Cambria Math" panose="02040503050406030204" pitchFamily="18" charset="0"/>
                           </a:rPr>
                           <m:t>𝑦</m:t>
                         </m:r>
                         <m:r>
                           <a:rPr lang="de-DE" sz="1800" b="0" i="1" smtClean="0">
-                            <a:latin typeface="+mj-lt"/>
+                            <a:latin typeface="Cambria Math" panose="02040503050406030204" pitchFamily="18" charset="0"/>
                           </a:rPr>
                           <m:t>,</m:t>
                         </m:r>
@@ -21663,14 +24329,14 @@
                             <m:chr m:val="̅"/>
                             <m:ctrlPr>
                               <a:rPr lang="de-DE" sz="1800" b="0" i="1" smtClean="0">
-                                <a:latin typeface="+mj-lt"/>
+                                <a:latin typeface="Cambria Math" panose="02040503050406030204" pitchFamily="18" charset="0"/>
                               </a:rPr>
                             </m:ctrlPr>
                           </m:accPr>
                           <m:e>
                             <m:r>
                               <a:rPr lang="de-DE" sz="1800" b="0" i="1" smtClean="0">
-                                <a:latin typeface="+mj-lt"/>
+                                <a:latin typeface="Cambria Math" panose="02040503050406030204" pitchFamily="18" charset="0"/>
                               </a:rPr>
                               <m:t>𝑥</m:t>
                             </m:r>
@@ -21680,7 +24346,7 @@
                     </m:d>
                     <m:r>
                       <a:rPr lang="en-GB" sz="1800" i="1" smtClean="0">
-                        <a:latin typeface="+mj-lt"/>
+                        <a:latin typeface="Cambria Math" panose="02040503050406030204" pitchFamily="18" charset="0"/>
                       </a:rPr>
                       <m:t>=</m:t>
                     </m:r>
@@ -21690,7 +24356,7 @@
                         <m:endChr m:val=""/>
                         <m:ctrlPr>
                           <a:rPr lang="en-GB" sz="1800" i="1" smtClean="0">
-                            <a:latin typeface="+mj-lt"/>
+                            <a:latin typeface="Cambria Math" panose="02040503050406030204" pitchFamily="18" charset="0"/>
                           </a:rPr>
                         </m:ctrlPr>
                       </m:dPr>
@@ -21699,20 +24365,20 @@
                           <m:eqArrPr>
                             <m:ctrlPr>
                               <a:rPr lang="en-GB" sz="1800" i="1" smtClean="0">
-                                <a:latin typeface="+mj-lt"/>
+                                <a:latin typeface="Cambria Math" panose="02040503050406030204" pitchFamily="18" charset="0"/>
                               </a:rPr>
                             </m:ctrlPr>
                           </m:eqArrPr>
                           <m:e>
                             <m:r>
                               <a:rPr lang="de-DE" sz="1800" b="0" i="1" smtClean="0">
-                                <a:latin typeface="+mj-lt"/>
+                                <a:latin typeface="Cambria Math" panose="02040503050406030204" pitchFamily="18" charset="0"/>
                               </a:rPr>
                               <m:t>1</m:t>
                             </m:r>
                             <m:r>
                               <a:rPr lang="en-GB" sz="1800" i="1" smtClean="0">
-                                <a:latin typeface="+mj-lt"/>
+                                <a:latin typeface="Cambria Math" panose="02040503050406030204" pitchFamily="18" charset="0"/>
                               </a:rPr>
                               <m:t>, </m:t>
                             </m:r>
@@ -21720,13 +24386,13 @@
                           <m:e>
                             <m:r>
                               <a:rPr lang="de-DE" sz="1800" b="0" i="1" smtClean="0">
-                                <a:latin typeface="+mj-lt"/>
+                                <a:latin typeface="Cambria Math" panose="02040503050406030204" pitchFamily="18" charset="0"/>
                               </a:rPr>
                               <m:t>0,</m:t>
                             </m:r>
                             <m:r>
                               <a:rPr lang="en-GB" sz="1800" i="1" smtClean="0">
-                                <a:latin typeface="+mj-lt"/>
+                                <a:latin typeface="Cambria Math" panose="02040503050406030204" pitchFamily="18" charset="0"/>
                               </a:rPr>
                               <m:t> </m:t>
                             </m:r>
@@ -21737,32 +24403,32 @@
                             <m:type m:val="noBar"/>
                             <m:ctrlPr>
                               <a:rPr lang="en-GB" sz="1800" i="1" smtClean="0">
-                                <a:latin typeface="+mj-lt"/>
+                                <a:latin typeface="Cambria Math" panose="02040503050406030204" pitchFamily="18" charset="0"/>
                               </a:rPr>
                             </m:ctrlPr>
                           </m:fPr>
                           <m:num>
                             <m:r>
                               <a:rPr lang="de-DE" sz="1800" i="1" smtClean="0">
-                                <a:latin typeface="+mj-lt"/>
+                                <a:latin typeface="Cambria Math" panose="02040503050406030204" pitchFamily="18" charset="0"/>
                               </a:rPr>
                               <m:t>𝑦</m:t>
                             </m:r>
                             <m:r>
                               <a:rPr lang="de-DE" sz="1800" b="0" i="1" smtClean="0">
-                                <a:latin typeface="+mj-lt"/>
+                                <a:latin typeface="Cambria Math" panose="02040503050406030204" pitchFamily="18" charset="0"/>
                               </a:rPr>
                               <m:t> </m:t>
                             </m:r>
                             <m:r>
                               <a:rPr lang="de-DE" sz="1800" i="1" smtClean="0">
-                                <a:latin typeface="+mj-lt"/>
+                                <a:latin typeface="Cambria Math" panose="02040503050406030204" pitchFamily="18" charset="0"/>
                               </a:rPr>
                               <m:t>=</m:t>
                             </m:r>
                             <m:r>
                               <a:rPr lang="de-DE" sz="1800" b="0" i="1" smtClean="0">
-                                <a:latin typeface="+mj-lt"/>
+                                <a:latin typeface="Cambria Math" panose="02040503050406030204" pitchFamily="18" charset="0"/>
                               </a:rPr>
                               <m:t> </m:t>
                             </m:r>
@@ -21777,19 +24443,19 @@
                             </m:r>
                             <m:r>
                               <a:rPr lang="de-DE" sz="1800" b="0" i="1" smtClean="0">
-                                <a:latin typeface="+mj-lt"/>
+                                <a:latin typeface="Cambria Math" panose="02040503050406030204" pitchFamily="18" charset="0"/>
                               </a:rPr>
                               <m:t> </m:t>
                             </m:r>
                             <m:r>
                               <a:rPr lang="de-DE" sz="1800" i="1" smtClean="0">
-                                <a:latin typeface="+mj-lt"/>
+                                <a:latin typeface="Cambria Math" panose="02040503050406030204" pitchFamily="18" charset="0"/>
                               </a:rPr>
                               <m:t>∧</m:t>
                             </m:r>
                             <m:r>
                               <a:rPr lang="de-DE" sz="1800" b="0" i="1" smtClean="0">
-                                <a:latin typeface="+mj-lt"/>
+                                <a:latin typeface="Cambria Math" panose="02040503050406030204" pitchFamily="18" charset="0"/>
                               </a:rPr>
                               <m:t> </m:t>
                             </m:r>
@@ -21804,20 +24470,20 @@
                             </m:r>
                             <m:r>
                               <a:rPr lang="de-DE" sz="1800" b="0" i="1" smtClean="0">
-                                <a:latin typeface="+mj-lt"/>
+                                <a:latin typeface="Cambria Math" panose="02040503050406030204" pitchFamily="18" charset="0"/>
                               </a:rPr>
                               <m:t> </m:t>
                             </m:r>
                             <m:r>
                               <a:rPr lang="de-DE" sz="1800" i="1" smtClean="0">
-                                <a:latin typeface="+mj-lt"/>
+                                <a:latin typeface="Cambria Math" panose="02040503050406030204" pitchFamily="18" charset="0"/>
                                 <a:ea typeface="Cambria Math" panose="02040503050406030204" pitchFamily="18" charset="0"/>
                               </a:rPr>
                               <m:t>∈</m:t>
                             </m:r>
                             <m:r>
                               <a:rPr lang="de-DE" sz="1800" b="0" i="1" smtClean="0">
-                                <a:latin typeface="+mj-lt"/>
+                                <a:latin typeface="Cambria Math" panose="02040503050406030204" pitchFamily="18" charset="0"/>
                                 <a:ea typeface="Cambria Math" panose="02040503050406030204" pitchFamily="18" charset="0"/>
                               </a:rPr>
                               <m:t> </m:t>
@@ -21827,7 +24493,7 @@
                                 <m:chr m:val="̅"/>
                                 <m:ctrlPr>
                                   <a:rPr lang="de-DE" sz="1800" i="1">
-                                    <a:latin typeface="+mj-lt"/>
+                                    <a:latin typeface="Cambria Math" panose="02040503050406030204" pitchFamily="18" charset="0"/>
                                     <a:ea typeface="Cambria Math" panose="02040503050406030204" pitchFamily="18" charset="0"/>
                                   </a:rPr>
                                 </m:ctrlPr>
@@ -21835,7 +24501,7 @@
                               <m:e>
                                 <m:r>
                                   <a:rPr lang="de-DE" sz="1800" i="1" smtClean="0">
-                                    <a:latin typeface="+mj-lt"/>
+                                    <a:latin typeface="Cambria Math" panose="02040503050406030204" pitchFamily="18" charset="0"/>
                                     <a:ea typeface="Cambria Math" panose="02040503050406030204" pitchFamily="18" charset="0"/>
                                   </a:rPr>
                                   <m:t>𝑥</m:t>
@@ -21904,7 +24570,7 @@
                   <m:oMath xmlns:m="http://schemas.openxmlformats.org/officeDocument/2006/math">
                     <m:r>
                       <a:rPr lang="en-GB" i="1" baseline="-25000" smtClean="0">
-                        <a:latin typeface="+mj-lt"/>
+                        <a:latin typeface="Cambria Math" panose="02040503050406030204" pitchFamily="18" charset="0"/>
                         <a:ea typeface="Cambria Math" panose="02040503050406030204" pitchFamily="18" charset="0"/>
                       </a:rPr>
                       <m:t>𝜆</m:t>
@@ -21923,7 +24589,7 @@
                       <m:fPr>
                         <m:ctrlPr>
                           <a:rPr lang="en-GB" i="1" smtClean="0">
-                            <a:latin typeface="+mj-lt"/>
+                            <a:latin typeface="Cambria Math" panose="02040503050406030204" pitchFamily="18" charset="0"/>
                           </a:rPr>
                         </m:ctrlPr>
                       </m:fPr>
@@ -21932,7 +24598,7 @@
                           <m:funcPr>
                             <m:ctrlPr>
                               <a:rPr lang="de-DE" b="0" i="1" smtClean="0">
-                                <a:latin typeface="+mj-lt"/>
+                                <a:latin typeface="Cambria Math" panose="02040503050406030204" pitchFamily="18" charset="0"/>
                               </a:rPr>
                             </m:ctrlPr>
                           </m:funcPr>
@@ -21942,7 +24608,7 @@
                                 <m:sty m:val="p"/>
                               </m:rPr>
                               <a:rPr lang="de-DE" b="0" i="0" smtClean="0">
-                                <a:latin typeface="+mj-lt"/>
+                                <a:latin typeface="Cambria Math" panose="02040503050406030204" pitchFamily="18" charset="0"/>
                               </a:rPr>
                               <m:t>exp</m:t>
                             </m:r>
@@ -21950,91 +24616,91 @@
                           <m:e>
                             <m:r>
                               <a:rPr lang="de-DE" b="0" i="1" smtClean="0">
-                                <a:latin typeface="+mj-lt"/>
+                                <a:latin typeface="Cambria Math" panose="02040503050406030204" pitchFamily="18" charset="0"/>
                                 <a:ea typeface="Cambria Math" panose="02040503050406030204" pitchFamily="18" charset="0"/>
                               </a:rPr>
                               <m:t>∑</m:t>
                             </m:r>
                             <m:r>
                               <a:rPr lang="de-DE" b="0" i="1" baseline="-25000" smtClean="0">
-                                <a:latin typeface="+mj-lt"/>
+                                <a:latin typeface="Cambria Math" panose="02040503050406030204" pitchFamily="18" charset="0"/>
                                 <a:ea typeface="Cambria Math" panose="02040503050406030204" pitchFamily="18" charset="0"/>
                               </a:rPr>
                               <m:t>𝑖</m:t>
                             </m:r>
                             <m:r>
                               <a:rPr lang="de-DE" b="0" i="1" baseline="-25000" smtClean="0">
-                                <a:latin typeface="+mj-lt"/>
+                                <a:latin typeface="Cambria Math" panose="02040503050406030204" pitchFamily="18" charset="0"/>
                                 <a:ea typeface="Cambria Math" panose="02040503050406030204" pitchFamily="18" charset="0"/>
                               </a:rPr>
                               <m:t> </m:t>
                             </m:r>
                             <m:r>
                               <a:rPr lang="en-GB" i="1">
-                                <a:latin typeface="+mj-lt"/>
+                                <a:latin typeface="Cambria Math" panose="02040503050406030204" pitchFamily="18" charset="0"/>
                                 <a:ea typeface="Cambria Math" panose="02040503050406030204" pitchFamily="18" charset="0"/>
                               </a:rPr>
                               <m:t>𝜆</m:t>
                             </m:r>
                             <m:r>
                               <a:rPr lang="de-DE" b="0" i="1" baseline="-25000" smtClean="0">
-                                <a:latin typeface="+mj-lt"/>
+                                <a:latin typeface="Cambria Math" panose="02040503050406030204" pitchFamily="18" charset="0"/>
                                 <a:ea typeface="Cambria Math" panose="02040503050406030204" pitchFamily="18" charset="0"/>
                               </a:rPr>
                               <m:t>𝑖</m:t>
                             </m:r>
                             <m:r>
                               <a:rPr lang="de-DE" b="0" i="1" smtClean="0">
-                                <a:latin typeface="+mj-lt"/>
+                                <a:latin typeface="Cambria Math" panose="02040503050406030204" pitchFamily="18" charset="0"/>
                                 <a:ea typeface="Cambria Math" panose="02040503050406030204" pitchFamily="18" charset="0"/>
                               </a:rPr>
                               <m:t>𝑓</m:t>
                             </m:r>
                             <m:r>
                               <a:rPr lang="de-DE" b="0" i="1" baseline="-25000" smtClean="0">
-                                <a:latin typeface="+mj-lt"/>
+                                <a:latin typeface="Cambria Math" panose="02040503050406030204" pitchFamily="18" charset="0"/>
                                 <a:ea typeface="Cambria Math" panose="02040503050406030204" pitchFamily="18" charset="0"/>
                               </a:rPr>
                               <m:t>𝑖</m:t>
                             </m:r>
                             <m:r>
                               <a:rPr lang="de-DE" b="0" i="1" smtClean="0">
-                                <a:latin typeface="+mj-lt"/>
+                                <a:latin typeface="Cambria Math" panose="02040503050406030204" pitchFamily="18" charset="0"/>
                                 <a:ea typeface="Cambria Math" panose="02040503050406030204" pitchFamily="18" charset="0"/>
                               </a:rPr>
                               <m:t>(</m:t>
                             </m:r>
                             <m:r>
                               <a:rPr lang="de-DE" b="0" i="1" smtClean="0">
-                                <a:latin typeface="+mj-lt"/>
+                                <a:latin typeface="Cambria Math" panose="02040503050406030204" pitchFamily="18" charset="0"/>
                                 <a:ea typeface="Cambria Math" panose="02040503050406030204" pitchFamily="18" charset="0"/>
                               </a:rPr>
                               <m:t>𝑦</m:t>
                             </m:r>
                             <m:r>
                               <a:rPr lang="de-DE" b="0" i="1" smtClean="0">
-                                <a:latin typeface="+mj-lt"/>
+                                <a:latin typeface="Cambria Math" panose="02040503050406030204" pitchFamily="18" charset="0"/>
                                 <a:ea typeface="Cambria Math" panose="02040503050406030204" pitchFamily="18" charset="0"/>
                               </a:rPr>
                               <m:t>,  </m:t>
                             </m:r>
                             <m:r>
                               <a:rPr lang="de-DE" b="1" i="1" smtClean="0">
-                                <a:latin typeface="+mj-lt"/>
+                                <a:latin typeface="Cambria Math" panose="02040503050406030204" pitchFamily="18" charset="0"/>
                                 <a:ea typeface="Cambria Math" panose="02040503050406030204" pitchFamily="18" charset="0"/>
                               </a:rPr>
                               <m:t> </m:t>
                             </m:r>
                             <m:r>
                               <a:rPr lang="de-DE" b="1" i="1" smtClean="0">
-                                <a:latin typeface="+mj-lt"/>
+                                <a:latin typeface="Cambria Math" panose="02040503050406030204" pitchFamily="18" charset="0"/>
                                 <a:ea typeface="Cambria Math" panose="02040503050406030204" pitchFamily="18" charset="0"/>
                               </a:rPr>
                               <m:t>𝒙</m:t>
                             </m:r>
                             <m:r>
                               <a:rPr lang="de-DE" b="0" i="1" smtClean="0">
-                                <a:latin typeface="+mj-lt"/>
+                                <a:latin typeface="Cambria Math" panose="02040503050406030204" pitchFamily="18" charset="0"/>
                                 <a:ea typeface="Cambria Math" panose="02040503050406030204" pitchFamily="18" charset="0"/>
                               </a:rPr>
                               <m:t>)</m:t>
@@ -22045,7 +24711,7 @@
                       <m:den>
                         <m:r>
                           <a:rPr lang="de-DE" i="1">
-                            <a:latin typeface="+mj-lt"/>
+                            <a:latin typeface="Cambria Math" panose="02040503050406030204" pitchFamily="18" charset="0"/>
                             <a:ea typeface="Cambria Math" panose="02040503050406030204" pitchFamily="18" charset="0"/>
                           </a:rPr>
                           <m:t>∑</m:t>
@@ -22054,7 +24720,7 @@
                           <m:sSupPr>
                             <m:ctrlPr>
                               <a:rPr lang="de-DE" i="1" baseline="-25000">
-                                <a:latin typeface="+mj-lt"/>
+                                <a:latin typeface="Cambria Math" panose="02040503050406030204" pitchFamily="18" charset="0"/>
                                 <a:ea typeface="Cambria Math" panose="02040503050406030204" pitchFamily="18" charset="0"/>
                               </a:rPr>
                             </m:ctrlPr>
@@ -22062,7 +24728,7 @@
                           <m:e>
                             <m:r>
                               <a:rPr lang="de-DE" i="1" baseline="-25000">
-                                <a:latin typeface="+mj-lt"/>
+                                <a:latin typeface="Cambria Math" panose="02040503050406030204" pitchFamily="18" charset="0"/>
                                 <a:ea typeface="Cambria Math" panose="02040503050406030204" pitchFamily="18" charset="0"/>
                               </a:rPr>
                               <m:t>𝑦</m:t>
@@ -22071,7 +24737,7 @@
                           <m:sup>
                             <m:r>
                               <a:rPr lang="de-DE" i="1" baseline="-25000">
-                                <a:latin typeface="+mj-lt"/>
+                                <a:latin typeface="Cambria Math" panose="02040503050406030204" pitchFamily="18" charset="0"/>
                                 <a:ea typeface="Cambria Math" panose="02040503050406030204" pitchFamily="18" charset="0"/>
                               </a:rPr>
                               <m:t>′ </m:t>
@@ -22082,7 +24748,7 @@
                           <m:funcPr>
                             <m:ctrlPr>
                               <a:rPr lang="de-DE" i="1">
-                                <a:latin typeface="+mj-lt"/>
+                                <a:latin typeface="Cambria Math" panose="02040503050406030204" pitchFamily="18" charset="0"/>
                               </a:rPr>
                             </m:ctrlPr>
                           </m:funcPr>
@@ -22092,7 +24758,7 @@
                                 <m:sty m:val="p"/>
                               </m:rPr>
                               <a:rPr lang="de-DE">
-                                <a:latin typeface="+mj-lt"/>
+                                <a:latin typeface="Cambria Math" panose="02040503050406030204" pitchFamily="18" charset="0"/>
                               </a:rPr>
                               <m:t>exp</m:t>
                             </m:r>
@@ -22100,91 +24766,91 @@
                           <m:e>
                             <m:r>
                               <a:rPr lang="de-DE" i="1">
-                                <a:latin typeface="+mj-lt"/>
+                                <a:latin typeface="Cambria Math" panose="02040503050406030204" pitchFamily="18" charset="0"/>
                                 <a:ea typeface="Cambria Math" panose="02040503050406030204" pitchFamily="18" charset="0"/>
                               </a:rPr>
                               <m:t>∑</m:t>
                             </m:r>
                             <m:r>
                               <a:rPr lang="de-DE" i="1" baseline="-25000">
-                                <a:latin typeface="+mj-lt"/>
+                                <a:latin typeface="Cambria Math" panose="02040503050406030204" pitchFamily="18" charset="0"/>
                                 <a:ea typeface="Cambria Math" panose="02040503050406030204" pitchFamily="18" charset="0"/>
                               </a:rPr>
                               <m:t>𝑖</m:t>
                             </m:r>
                             <m:r>
                               <a:rPr lang="de-DE" i="1" baseline="-25000">
-                                <a:latin typeface="+mj-lt"/>
+                                <a:latin typeface="Cambria Math" panose="02040503050406030204" pitchFamily="18" charset="0"/>
                                 <a:ea typeface="Cambria Math" panose="02040503050406030204" pitchFamily="18" charset="0"/>
                               </a:rPr>
                               <m:t> </m:t>
                             </m:r>
                             <m:r>
                               <a:rPr lang="en-GB" i="1">
-                                <a:latin typeface="+mj-lt"/>
+                                <a:latin typeface="Cambria Math" panose="02040503050406030204" pitchFamily="18" charset="0"/>
                                 <a:ea typeface="Cambria Math" panose="02040503050406030204" pitchFamily="18" charset="0"/>
                               </a:rPr>
                               <m:t>𝜆</m:t>
                             </m:r>
                             <m:r>
                               <a:rPr lang="de-DE" i="1" baseline="-25000">
-                                <a:latin typeface="+mj-lt"/>
+                                <a:latin typeface="Cambria Math" panose="02040503050406030204" pitchFamily="18" charset="0"/>
                                 <a:ea typeface="Cambria Math" panose="02040503050406030204" pitchFamily="18" charset="0"/>
                               </a:rPr>
                               <m:t>𝑖</m:t>
                             </m:r>
                             <m:r>
                               <a:rPr lang="de-DE" i="1">
-                                <a:latin typeface="+mj-lt"/>
+                                <a:latin typeface="Cambria Math" panose="02040503050406030204" pitchFamily="18" charset="0"/>
                                 <a:ea typeface="Cambria Math" panose="02040503050406030204" pitchFamily="18" charset="0"/>
                               </a:rPr>
                               <m:t>𝑓</m:t>
                             </m:r>
                             <m:r>
                               <a:rPr lang="de-DE" i="1" baseline="-25000">
-                                <a:latin typeface="+mj-lt"/>
+                                <a:latin typeface="Cambria Math" panose="02040503050406030204" pitchFamily="18" charset="0"/>
                                 <a:ea typeface="Cambria Math" panose="02040503050406030204" pitchFamily="18" charset="0"/>
                               </a:rPr>
                               <m:t>𝑖</m:t>
                             </m:r>
                             <m:r>
                               <a:rPr lang="de-DE" i="1">
-                                <a:latin typeface="+mj-lt"/>
+                                <a:latin typeface="Cambria Math" panose="02040503050406030204" pitchFamily="18" charset="0"/>
                                 <a:ea typeface="Cambria Math" panose="02040503050406030204" pitchFamily="18" charset="0"/>
                               </a:rPr>
                               <m:t>(</m:t>
                             </m:r>
                             <m:r>
                               <a:rPr lang="de-DE" i="1">
-                                <a:latin typeface="+mj-lt"/>
+                                <a:latin typeface="Cambria Math" panose="02040503050406030204" pitchFamily="18" charset="0"/>
                                 <a:ea typeface="Cambria Math" panose="02040503050406030204" pitchFamily="18" charset="0"/>
                               </a:rPr>
                               <m:t>𝑦</m:t>
                             </m:r>
                             <m:r>
                               <a:rPr lang="de-DE" i="1" baseline="30000">
-                                <a:latin typeface="+mj-lt"/>
+                                <a:latin typeface="Cambria Math" panose="02040503050406030204" pitchFamily="18" charset="0"/>
                                 <a:ea typeface="Cambria Math" panose="02040503050406030204" pitchFamily="18" charset="0"/>
                               </a:rPr>
                               <m:t>′</m:t>
                             </m:r>
                             <m:r>
                               <a:rPr lang="de-DE" i="1">
-                                <a:latin typeface="+mj-lt"/>
+                                <a:latin typeface="Cambria Math" panose="02040503050406030204" pitchFamily="18" charset="0"/>
                                 <a:ea typeface="Cambria Math" panose="02040503050406030204" pitchFamily="18" charset="0"/>
                               </a:rPr>
                               <m:t>,</m:t>
                             </m:r>
                             <m:r>
                               <a:rPr lang="de-DE" b="1" i="1">
-                                <a:latin typeface="+mj-lt"/>
+                                <a:latin typeface="Cambria Math" panose="02040503050406030204" pitchFamily="18" charset="0"/>
                                 <a:ea typeface="Cambria Math" panose="02040503050406030204" pitchFamily="18" charset="0"/>
                               </a:rPr>
                               <m:t>𝒙</m:t>
                             </m:r>
                             <m:r>
                               <a:rPr lang="de-DE" i="1">
-                                <a:latin typeface="+mj-lt"/>
+                                <a:latin typeface="Cambria Math" panose="02040503050406030204" pitchFamily="18" charset="0"/>
                                 <a:ea typeface="Cambria Math" panose="02040503050406030204" pitchFamily="18" charset="0"/>
                               </a:rPr>
                               <m:t>)</m:t>
@@ -22207,68 +24873,68 @@
                       <m:fPr>
                         <m:ctrlPr>
                           <a:rPr lang="en-GB" i="1">
-                            <a:latin typeface="+mj-lt"/>
+                            <a:latin typeface="Cambria Math" panose="02040503050406030204" pitchFamily="18" charset="0"/>
                           </a:rPr>
                         </m:ctrlPr>
                       </m:fPr>
                       <m:num>
                         <m:r>
                           <a:rPr lang="de-DE" i="1" smtClean="0">
-                            <a:latin typeface="+mj-lt"/>
+                            <a:latin typeface="Cambria Math" panose="02040503050406030204" pitchFamily="18" charset="0"/>
                           </a:rPr>
                           <m:t>𝑠</m:t>
                         </m:r>
                         <m:r>
                           <a:rPr lang="de-DE" b="0" i="1" smtClean="0">
-                            <a:latin typeface="+mj-lt"/>
+                            <a:latin typeface="Cambria Math" panose="02040503050406030204" pitchFamily="18" charset="0"/>
                           </a:rPr>
                           <m:t>𝑐𝑜𝑟𝑒</m:t>
                         </m:r>
                         <m:r>
                           <a:rPr lang="de-DE" b="0" i="1" smtClean="0">
-                            <a:latin typeface="+mj-lt"/>
+                            <a:latin typeface="Cambria Math" panose="02040503050406030204" pitchFamily="18" charset="0"/>
                           </a:rPr>
                           <m:t> </m:t>
                         </m:r>
                         <m:r>
                           <a:rPr lang="de-DE" b="0" i="1" smtClean="0">
-                            <a:latin typeface="+mj-lt"/>
+                            <a:latin typeface="Cambria Math" panose="02040503050406030204" pitchFamily="18" charset="0"/>
                           </a:rPr>
                           <m:t>𝑜𝑓</m:t>
                         </m:r>
                         <m:r>
                           <a:rPr lang="de-DE" b="0" i="1" smtClean="0">
-                            <a:latin typeface="+mj-lt"/>
+                            <a:latin typeface="Cambria Math" panose="02040503050406030204" pitchFamily="18" charset="0"/>
                           </a:rPr>
                           <m:t> </m:t>
                         </m:r>
                         <m:r>
                           <a:rPr lang="de-DE" b="0" i="1" smtClean="0">
-                            <a:latin typeface="+mj-lt"/>
+                            <a:latin typeface="Cambria Math" panose="02040503050406030204" pitchFamily="18" charset="0"/>
                           </a:rPr>
                           <m:t>𝑎</m:t>
                         </m:r>
                         <m:r>
                           <a:rPr lang="de-DE" b="0" i="1" smtClean="0">
-                            <a:latin typeface="+mj-lt"/>
+                            <a:latin typeface="Cambria Math" panose="02040503050406030204" pitchFamily="18" charset="0"/>
                           </a:rPr>
                           <m:t> </m:t>
                         </m:r>
                         <m:r>
                           <a:rPr lang="de-DE" b="0" i="1" smtClean="0">
-                            <a:latin typeface="+mj-lt"/>
+                            <a:latin typeface="Cambria Math" panose="02040503050406030204" pitchFamily="18" charset="0"/>
                           </a:rPr>
                           <m:t>𝑐𝑙𝑎𝑠𝑠</m:t>
                         </m:r>
                         <m:r>
                           <a:rPr lang="de-DE" b="0" i="1" smtClean="0">
-                            <a:latin typeface="+mj-lt"/>
+                            <a:latin typeface="Cambria Math" panose="02040503050406030204" pitchFamily="18" charset="0"/>
                           </a:rPr>
                           <m:t> </m:t>
                         </m:r>
                         <m:r>
                           <a:rPr lang="de-DE" b="0" i="1" smtClean="0">
-                            <a:latin typeface="+mj-lt"/>
+                            <a:latin typeface="Cambria Math" panose="02040503050406030204" pitchFamily="18" charset="0"/>
                           </a:rPr>
                           <m:t>𝑦</m:t>
                         </m:r>
@@ -22276,98 +24942,98 @@
                       <m:den>
                         <m:r>
                           <a:rPr lang="de-DE" b="0" i="1" smtClean="0">
-                            <a:latin typeface="+mj-lt"/>
+                            <a:latin typeface="Cambria Math" panose="02040503050406030204" pitchFamily="18" charset="0"/>
                             <a:ea typeface="Cambria Math" panose="02040503050406030204" pitchFamily="18" charset="0"/>
                           </a:rPr>
                           <m:t>𝑠𝑢𝑚</m:t>
                         </m:r>
                         <m:r>
                           <a:rPr lang="de-DE" b="0" i="1" smtClean="0">
-                            <a:latin typeface="+mj-lt"/>
+                            <a:latin typeface="Cambria Math" panose="02040503050406030204" pitchFamily="18" charset="0"/>
                             <a:ea typeface="Cambria Math" panose="02040503050406030204" pitchFamily="18" charset="0"/>
                           </a:rPr>
                           <m:t> </m:t>
                         </m:r>
                         <m:r>
                           <a:rPr lang="de-DE" b="0" i="1" smtClean="0">
-                            <a:latin typeface="+mj-lt"/>
+                            <a:latin typeface="Cambria Math" panose="02040503050406030204" pitchFamily="18" charset="0"/>
                             <a:ea typeface="Cambria Math" panose="02040503050406030204" pitchFamily="18" charset="0"/>
                           </a:rPr>
                           <m:t>𝑜𝑓</m:t>
                         </m:r>
                         <m:r>
                           <a:rPr lang="de-DE" b="0" i="1" smtClean="0">
-                            <a:latin typeface="+mj-lt"/>
+                            <a:latin typeface="Cambria Math" panose="02040503050406030204" pitchFamily="18" charset="0"/>
                             <a:ea typeface="Cambria Math" panose="02040503050406030204" pitchFamily="18" charset="0"/>
                           </a:rPr>
                           <m:t> </m:t>
                         </m:r>
                         <m:r>
                           <a:rPr lang="de-DE" b="0" i="1" smtClean="0">
-                            <a:latin typeface="+mj-lt"/>
+                            <a:latin typeface="Cambria Math" panose="02040503050406030204" pitchFamily="18" charset="0"/>
                             <a:ea typeface="Cambria Math" panose="02040503050406030204" pitchFamily="18" charset="0"/>
                           </a:rPr>
                           <m:t>𝑠𝑐𝑜𝑟𝑒𝑠</m:t>
                         </m:r>
                         <m:r>
                           <a:rPr lang="de-DE" b="0" i="1" smtClean="0">
-                            <a:latin typeface="+mj-lt"/>
+                            <a:latin typeface="Cambria Math" panose="02040503050406030204" pitchFamily="18" charset="0"/>
                             <a:ea typeface="Cambria Math" panose="02040503050406030204" pitchFamily="18" charset="0"/>
                           </a:rPr>
                           <m:t> </m:t>
                         </m:r>
                         <m:r>
                           <a:rPr lang="de-DE" b="0" i="1" smtClean="0">
-                            <a:latin typeface="+mj-lt"/>
+                            <a:latin typeface="Cambria Math" panose="02040503050406030204" pitchFamily="18" charset="0"/>
                             <a:ea typeface="Cambria Math" panose="02040503050406030204" pitchFamily="18" charset="0"/>
                           </a:rPr>
                           <m:t>𝑓𝑜𝑟</m:t>
                         </m:r>
                         <m:r>
                           <a:rPr lang="de-DE" b="0" i="1" smtClean="0">
-                            <a:latin typeface="+mj-lt"/>
+                            <a:latin typeface="Cambria Math" panose="02040503050406030204" pitchFamily="18" charset="0"/>
                             <a:ea typeface="Cambria Math" panose="02040503050406030204" pitchFamily="18" charset="0"/>
                           </a:rPr>
                           <m:t> </m:t>
                         </m:r>
                         <m:r>
                           <a:rPr lang="de-DE" b="0" i="1" smtClean="0">
-                            <a:latin typeface="+mj-lt"/>
+                            <a:latin typeface="Cambria Math" panose="02040503050406030204" pitchFamily="18" charset="0"/>
                             <a:ea typeface="Cambria Math" panose="02040503050406030204" pitchFamily="18" charset="0"/>
                           </a:rPr>
                           <m:t>𝑎𝑙𝑙</m:t>
                         </m:r>
                         <m:r>
                           <a:rPr lang="de-DE" b="0" i="1" smtClean="0">
-                            <a:latin typeface="+mj-lt"/>
+                            <a:latin typeface="Cambria Math" panose="02040503050406030204" pitchFamily="18" charset="0"/>
                             <a:ea typeface="Cambria Math" panose="02040503050406030204" pitchFamily="18" charset="0"/>
                           </a:rPr>
                           <m:t> </m:t>
                         </m:r>
                         <m:r>
                           <a:rPr lang="de-DE" b="0" i="1" smtClean="0">
-                            <a:latin typeface="+mj-lt"/>
+                            <a:latin typeface="Cambria Math" panose="02040503050406030204" pitchFamily="18" charset="0"/>
                             <a:ea typeface="Cambria Math" panose="02040503050406030204" pitchFamily="18" charset="0"/>
                           </a:rPr>
                           <m:t>𝑐𝑙𝑎𝑠𝑠𝑒𝑠</m:t>
                         </m:r>
                         <m:r>
                           <a:rPr lang="de-DE" b="0" i="1" smtClean="0">
-                            <a:latin typeface="+mj-lt"/>
+                            <a:latin typeface="Cambria Math" panose="02040503050406030204" pitchFamily="18" charset="0"/>
                             <a:ea typeface="Cambria Math" panose="02040503050406030204" pitchFamily="18" charset="0"/>
                           </a:rPr>
                           <m:t> </m:t>
                         </m:r>
                         <m:r>
                           <a:rPr lang="de-DE" b="0" i="1" smtClean="0">
-                            <a:latin typeface="+mj-lt"/>
+                            <a:latin typeface="Cambria Math" panose="02040503050406030204" pitchFamily="18" charset="0"/>
                             <a:ea typeface="Cambria Math" panose="02040503050406030204" pitchFamily="18" charset="0"/>
                           </a:rPr>
                           <m:t>𝑦</m:t>
                         </m:r>
                         <m:r>
                           <a:rPr lang="de-DE" b="0" i="1" baseline="30000" smtClean="0">
-                            <a:latin typeface="+mj-lt"/>
+                            <a:latin typeface="Cambria Math" panose="02040503050406030204" pitchFamily="18" charset="0"/>
                             <a:ea typeface="Cambria Math" panose="02040503050406030204" pitchFamily="18" charset="0"/>
                           </a:rPr>
                           <m:t>′</m:t>
@@ -22399,7 +25065,7 @@
             </p:txBody>
           </p:sp>
         </mc:Choice>
-        <mc:Fallback>
+        <mc:Fallback xmlns="">
           <p:sp>
             <p:nvSpPr>
               <p:cNvPr id="4" name="Inhaltsplatzhalter 3">
@@ -22628,16 +25294,8 @@
           <a:lstStyle/>
           <a:p>
             <a:r>
-              <a:rPr lang="de-DE" b="0" dirty="0">
-                <a:latin typeface="+mn-lt"/>
-              </a:rPr>
-              <a:t>2. Baseline </a:t>
-            </a:r>
-            <a:r>
-              <a:rPr lang="de-DE" b="0" dirty="0" err="1">
-                <a:latin typeface="+mn-lt"/>
-              </a:rPr>
-              <a:t>model</a:t>
+              <a:rPr lang="de-DE" dirty="0"/>
+              <a:t>Approach</a:t>
             </a:r>
             <a:endParaRPr lang="en-GB" dirty="0"/>
           </a:p>
@@ -22665,162 +25323,60 @@
           <a:lstStyle/>
           <a:p>
             <a:r>
-              <a:rPr lang="de-DE" dirty="0" err="1"/>
+              <a:rPr lang="de-DE" dirty="0" err="1">
+                <a:latin typeface="+mj-lt"/>
+              </a:rPr>
               <a:t>Our</a:t>
             </a:r>
             <a:r>
-              <a:rPr lang="de-DE" dirty="0"/>
+              <a:rPr lang="de-DE" dirty="0">
+                <a:latin typeface="+mj-lt"/>
+              </a:rPr>
               <a:t> </a:t>
             </a:r>
             <a:r>
-              <a:rPr lang="de-DE" dirty="0" err="1"/>
+              <a:rPr lang="de-DE" dirty="0" err="1">
+                <a:latin typeface="+mj-lt"/>
+              </a:rPr>
               <a:t>implementation</a:t>
             </a:r>
-            <a:endParaRPr lang="en-GB" dirty="0"/>
-          </a:p>
-        </p:txBody>
-      </p:sp>
-      <p:sp>
-        <p:nvSpPr>
-          <p:cNvPr id="4" name="Inhaltsplatzhalter 3">
+            <a:endParaRPr lang="en-GB" dirty="0">
+              <a:latin typeface="+mj-lt"/>
+            </a:endParaRPr>
+          </a:p>
+        </p:txBody>
+      </p:sp>
+      <p:graphicFrame>
+        <p:nvGraphicFramePr>
+          <p:cNvPr id="7" name="Inhaltsplatzhalter 6">
             <a:extLst>
               <a:ext uri="{FF2B5EF4-FFF2-40B4-BE49-F238E27FC236}">
-                <a16:creationId xmlns:a16="http://schemas.microsoft.com/office/drawing/2014/main" id="{C13F0CCD-E58F-4E53-A61C-D7F519E057E5}"/>
+                <a16:creationId xmlns:a16="http://schemas.microsoft.com/office/drawing/2014/main" id="{AFB231D7-4FCB-4303-A054-9D2FE561483D}"/>
               </a:ext>
             </a:extLst>
           </p:cNvPr>
-          <p:cNvSpPr>
-            <a:spLocks noGrp="1"/>
-          </p:cNvSpPr>
+          <p:cNvGraphicFramePr>
+            <a:graphicFrameLocks noGrp="1"/>
+          </p:cNvGraphicFramePr>
           <p:nvPr>
             <p:ph idx="1"/>
+            <p:extLst>
+              <p:ext uri="{D42A27DB-BD31-4B8C-83A1-F6EECF244321}">
+                <p14:modId xmlns:p14="http://schemas.microsoft.com/office/powerpoint/2010/main" val="1991508156"/>
+              </p:ext>
+            </p:extLst>
           </p:nvPr>
-        </p:nvSpPr>
-        <p:spPr/>
-        <p:txBody>
-          <a:bodyPr/>
-          <a:lstStyle/>
-          <a:p>
-            <a:r>
-              <a:rPr lang="en-GB" dirty="0"/>
-              <a:t>Documents as 0/1 word vectors built from the vocabulary of the training data</a:t>
-            </a:r>
-          </a:p>
-          <a:p>
-            <a:r>
-              <a:rPr lang="en-GB" dirty="0"/>
-              <a:t>Features have a label string and the index of a word as the document property</a:t>
-            </a:r>
-          </a:p>
-          <a:p>
-            <a:pPr lvl="1"/>
-            <a:r>
-              <a:rPr lang="en-GB" dirty="0"/>
-              <a:t>Learned from the training data as pointwise mutual information</a:t>
-            </a:r>
-          </a:p>
-          <a:p>
-            <a:r>
-              <a:rPr lang="en-GB" dirty="0"/>
-              <a:t>Program:</a:t>
-            </a:r>
-          </a:p>
-          <a:p>
-            <a:pPr marL="709076" lvl="1" indent="-457200">
-              <a:buFont typeface="+mj-lt"/>
-              <a:buAutoNum type="arabicPeriod"/>
-            </a:pPr>
-            <a:r>
-              <a:rPr lang="en-GB" dirty="0"/>
-              <a:t>Learn 50 features for each label in the training data</a:t>
-            </a:r>
-          </a:p>
-          <a:p>
-            <a:pPr marL="709076" lvl="1" indent="-457200">
-              <a:buFont typeface="+mj-lt"/>
-              <a:buAutoNum type="arabicPeriod"/>
-            </a:pPr>
-            <a:r>
-              <a:rPr lang="en-GB" dirty="0"/>
-              <a:t>Assign a random weight to each feature</a:t>
-            </a:r>
-          </a:p>
-          <a:p>
-            <a:pPr marL="709076" lvl="1" indent="-457200">
-              <a:buFont typeface="+mj-lt"/>
-              <a:buAutoNum type="arabicPeriod"/>
-            </a:pPr>
-            <a:r>
-              <a:rPr lang="en-GB" dirty="0"/>
-              <a:t>Calculate the classifier’s accuracy with these weights</a:t>
-            </a:r>
-          </a:p>
-          <a:p>
-            <a:pPr marL="709076" lvl="1" indent="-457200">
-              <a:buFont typeface="+mj-lt"/>
-              <a:buAutoNum type="arabicPeriod"/>
-            </a:pPr>
-            <a:r>
-              <a:rPr lang="en-GB" dirty="0"/>
-              <a:t>Improve them through iterative optimization with stochastic gradient descent:</a:t>
-            </a:r>
-          </a:p>
-          <a:p>
-            <a:pPr lvl="2"/>
-            <a:r>
-              <a:rPr lang="en-GB" dirty="0"/>
-              <a:t>calculate the </a:t>
-            </a:r>
-            <a:r>
-              <a:rPr lang="en-GB" b="1" dirty="0"/>
-              <a:t>derivative of the function F (conditional log likelihood)</a:t>
-            </a:r>
-          </a:p>
-          <a:p>
-            <a:pPr lvl="2"/>
-            <a:r>
-              <a:rPr lang="en-GB" dirty="0" err="1"/>
-              <a:t>new_weight</a:t>
-            </a:r>
-            <a:r>
-              <a:rPr lang="en-GB" dirty="0"/>
-              <a:t> = </a:t>
-            </a:r>
-            <a:r>
-              <a:rPr lang="en-GB" dirty="0" err="1"/>
-              <a:t>old_weight</a:t>
-            </a:r>
-            <a:r>
-              <a:rPr lang="en-GB" dirty="0"/>
-              <a:t> - derivative </a:t>
-            </a:r>
-          </a:p>
-          <a:p>
-            <a:pPr marL="709076" lvl="1" indent="-457200">
-              <a:buFont typeface="+mj-lt"/>
-              <a:buAutoNum type="arabicPeriod"/>
-            </a:pPr>
-            <a:r>
-              <a:rPr lang="en-GB" dirty="0"/>
-              <a:t>Classify by computing the p(</a:t>
-            </a:r>
-            <a:r>
-              <a:rPr lang="en-GB" dirty="0" err="1"/>
-              <a:t>label|doc</a:t>
-            </a:r>
-            <a:r>
-              <a:rPr lang="en-GB" dirty="0"/>
-              <a:t>) and choosing the label with the highest probability</a:t>
-            </a:r>
-          </a:p>
-          <a:p>
-            <a:pPr marL="0" indent="0">
-              <a:buNone/>
-            </a:pPr>
-            <a:endParaRPr lang="en-GB" dirty="0"/>
-          </a:p>
-        </p:txBody>
-      </p:sp>
+        </p:nvGraphicFramePr>
+        <p:xfrm>
+          <a:off x="624422" y="1430976"/>
+          <a:ext cx="10991849" cy="4854869"/>
+        </p:xfrm>
+        <a:graphic>
+          <a:graphicData uri="http://schemas.openxmlformats.org/drawingml/2006/diagram">
+            <dgm:relIds xmlns:dgm="http://schemas.openxmlformats.org/drawingml/2006/diagram" xmlns:r="http://schemas.openxmlformats.org/officeDocument/2006/relationships" r:dm="rId2" r:lo="rId3" r:qs="rId4" r:cs="rId5"/>
+          </a:graphicData>
+        </a:graphic>
+      </p:graphicFrame>
       <p:sp>
         <p:nvSpPr>
           <p:cNvPr id="5" name="Foliennummernplatzhalter 4">
@@ -22877,6 +25433,112 @@
               <a:t>Team Lab NLP | Author Classification in Poetry		Katrin Schmidt – Carlotta Quensel</a:t>
             </a:r>
             <a:endParaRPr lang="de-DE" dirty="0"/>
+          </a:p>
+        </p:txBody>
+      </p:sp>
+      <p:sp>
+        <p:nvSpPr>
+          <p:cNvPr id="8" name="Pfeil: nach oben gekrümmt 7">
+            <a:extLst>
+              <a:ext uri="{FF2B5EF4-FFF2-40B4-BE49-F238E27FC236}">
+                <a16:creationId xmlns:a16="http://schemas.microsoft.com/office/drawing/2014/main" id="{90D95888-F343-4779-A9D5-3C1318B8CA0B}"/>
+              </a:ext>
+            </a:extLst>
+          </p:cNvPr>
+          <p:cNvSpPr/>
+          <p:nvPr/>
+        </p:nvSpPr>
+        <p:spPr>
+          <a:xfrm rot="10800000">
+            <a:off x="6248400" y="2243388"/>
+            <a:ext cx="2088776" cy="630906"/>
+          </a:xfrm>
+          <a:prstGeom prst="curvedUpArrow">
+            <a:avLst/>
+          </a:prstGeom>
+          <a:ln>
+            <a:noFill/>
+          </a:ln>
+        </p:spPr>
+        <p:style>
+          <a:lnRef idx="2">
+            <a:schemeClr val="accent1">
+              <a:shade val="50000"/>
+            </a:schemeClr>
+          </a:lnRef>
+          <a:fillRef idx="1">
+            <a:schemeClr val="accent1"/>
+          </a:fillRef>
+          <a:effectRef idx="0">
+            <a:schemeClr val="accent1"/>
+          </a:effectRef>
+          <a:fontRef idx="minor">
+            <a:schemeClr val="lt1"/>
+          </a:fontRef>
+        </p:style>
+        <p:txBody>
+          <a:bodyPr rtlCol="0" anchor="ctr"/>
+          <a:lstStyle/>
+          <a:p>
+            <a:pPr algn="ctr"/>
+            <a:endParaRPr lang="en-GB" sz="1600" dirty="0">
+              <a:solidFill>
+                <a:schemeClr val="tx1"/>
+              </a:solidFill>
+            </a:endParaRPr>
+          </a:p>
+        </p:txBody>
+      </p:sp>
+      <p:sp>
+        <p:nvSpPr>
+          <p:cNvPr id="9" name="Pfeil: nach oben gekrümmt 8">
+            <a:extLst>
+              <a:ext uri="{FF2B5EF4-FFF2-40B4-BE49-F238E27FC236}">
+                <a16:creationId xmlns:a16="http://schemas.microsoft.com/office/drawing/2014/main" id="{70A5BEF3-300F-4781-B06E-9879C8D13BAA}"/>
+              </a:ext>
+            </a:extLst>
+          </p:cNvPr>
+          <p:cNvSpPr/>
+          <p:nvPr/>
+        </p:nvSpPr>
+        <p:spPr>
+          <a:xfrm>
+            <a:off x="6248400" y="4948518"/>
+            <a:ext cx="2088776" cy="630906"/>
+          </a:xfrm>
+          <a:prstGeom prst="curvedUpArrow">
+            <a:avLst/>
+          </a:prstGeom>
+          <a:ln>
+            <a:noFill/>
+          </a:ln>
+        </p:spPr>
+        <p:style>
+          <a:lnRef idx="2">
+            <a:schemeClr val="accent1">
+              <a:shade val="50000"/>
+            </a:schemeClr>
+          </a:lnRef>
+          <a:fillRef idx="1">
+            <a:schemeClr val="accent1"/>
+          </a:fillRef>
+          <a:effectRef idx="0">
+            <a:schemeClr val="accent1"/>
+          </a:effectRef>
+          <a:fontRef idx="minor">
+            <a:schemeClr val="lt1"/>
+          </a:fontRef>
+        </p:style>
+        <p:txBody>
+          <a:bodyPr rtlCol="0" anchor="ctr"/>
+          <a:lstStyle/>
+          <a:p>
+            <a:pPr algn="ctr"/>
+            <a:endParaRPr lang="en-GB" sz="1600" dirty="0">
+              <a:solidFill>
+                <a:schemeClr val="tx1"/>
+              </a:solidFill>
+            </a:endParaRPr>
           </a:p>
         </p:txBody>
       </p:sp>
@@ -22932,10 +25594,6 @@
           <a:lstStyle/>
           <a:p>
             <a:r>
-              <a:rPr lang="de-DE" dirty="0"/>
-              <a:t>3. </a:t>
-            </a:r>
-            <a:r>
               <a:rPr lang="de-DE" dirty="0" err="1"/>
               <a:t>Results</a:t>
             </a:r>
@@ -22989,7 +25647,76 @@
           <a:bodyPr/>
           <a:lstStyle/>
           <a:p>
-            <a:endParaRPr lang="en-GB" dirty="0"/>
+            <a:pPr>
+              <a:buFont typeface="Webdings" panose="05030102010509060703" pitchFamily="18" charset="2"/>
+              <a:buChar char="s"/>
+            </a:pPr>
+            <a:r>
+              <a:rPr lang="en-US" dirty="0"/>
+              <a:t>How does the number of authors influence the classification?</a:t>
+            </a:r>
+          </a:p>
+          <a:p>
+            <a:pPr>
+              <a:buFont typeface="Webdings" panose="05030102010509060703" pitchFamily="18" charset="2"/>
+              <a:buChar char="s"/>
+            </a:pPr>
+            <a:r>
+              <a:rPr lang="en-US" dirty="0"/>
+              <a:t>Are bag-of-word features enough?</a:t>
+            </a:r>
+          </a:p>
+          <a:p>
+            <a:r>
+              <a:rPr lang="en-US" dirty="0"/>
+              <a:t>Experimental design:</a:t>
+            </a:r>
+          </a:p>
+          <a:p>
+            <a:pPr lvl="1"/>
+            <a:r>
+              <a:rPr lang="en-US" dirty="0"/>
+              <a:t>39 authors </a:t>
+            </a:r>
+            <a:r>
+              <a:rPr lang="en-US" dirty="0">
+                <a:highlight>
+                  <a:srgbClr val="FFFF00"/>
+                </a:highlight>
+              </a:rPr>
+              <a:t>(vs. 15 authors)</a:t>
+            </a:r>
+            <a:r>
+              <a:rPr lang="en-US" dirty="0"/>
+              <a:t> </a:t>
+            </a:r>
+          </a:p>
+          <a:p>
+            <a:pPr lvl="1"/>
+            <a:r>
+              <a:rPr lang="en-US" dirty="0"/>
+              <a:t>50 features per label (only bag-of-words)</a:t>
+            </a:r>
+          </a:p>
+          <a:p>
+            <a:pPr lvl="1"/>
+            <a:endParaRPr lang="en-US" dirty="0"/>
+          </a:p>
+          <a:p>
+            <a:r>
+              <a:rPr lang="en-US" dirty="0"/>
+              <a:t>F1 – overview</a:t>
+            </a:r>
+          </a:p>
+          <a:p>
+            <a:r>
+              <a:rPr lang="en-US" dirty="0">
+                <a:highlight>
+                  <a:srgbClr val="FFFF00"/>
+                </a:highlight>
+              </a:rPr>
+              <a:t>Confusion matrix (if time + interesting)</a:t>
+            </a:r>
           </a:p>
         </p:txBody>
       </p:sp>
@@ -23105,7 +25832,7 @@
           <a:p>
             <a:r>
               <a:rPr lang="de-DE" dirty="0"/>
-              <a:t>4. Next </a:t>
+              <a:t>Next </a:t>
             </a:r>
             <a:r>
               <a:rPr lang="de-DE" dirty="0" err="1"/>
@@ -23136,7 +25863,7 @@
           <a:bodyPr/>
           <a:lstStyle/>
           <a:p>
-            <a:endParaRPr lang="en-GB"/>
+            <a:endParaRPr lang="en-GB" dirty="0"/>
           </a:p>
         </p:txBody>
       </p:sp>
@@ -23161,7 +25888,102 @@
           <a:bodyPr/>
           <a:lstStyle/>
           <a:p>
-            <a:endParaRPr lang="en-GB" dirty="0"/>
+            <a:r>
+              <a:rPr lang="de-DE" dirty="0">
+                <a:latin typeface="+mj-lt"/>
+              </a:rPr>
+              <a:t>Goal</a:t>
+            </a:r>
+            <a:endParaRPr lang="en-GB" dirty="0">
+              <a:latin typeface="+mj-lt"/>
+            </a:endParaRPr>
+          </a:p>
+          <a:p>
+            <a:pPr lvl="1"/>
+            <a:r>
+              <a:rPr lang="en-GB" dirty="0">
+                <a:latin typeface="+mj-lt"/>
+              </a:rPr>
+              <a:t>Classifier that is especially good for poems</a:t>
+            </a:r>
+          </a:p>
+          <a:p>
+            <a:pPr marL="234943" lvl="1" indent="0">
+              <a:buNone/>
+            </a:pPr>
+            <a:endParaRPr lang="en-GB" dirty="0">
+              <a:latin typeface="+mj-lt"/>
+            </a:endParaRPr>
+          </a:p>
+          <a:p>
+            <a:r>
+              <a:rPr lang="en-GB" dirty="0">
+                <a:latin typeface="+mj-lt"/>
+              </a:rPr>
+              <a:t>Approaches</a:t>
+            </a:r>
+          </a:p>
+          <a:p>
+            <a:pPr lvl="1"/>
+            <a:r>
+              <a:rPr lang="en-GB" dirty="0">
+                <a:latin typeface="+mj-lt"/>
+              </a:rPr>
+              <a:t>Architecture (</a:t>
+            </a:r>
+            <a:r>
+              <a:rPr lang="en-GB" dirty="0" err="1">
+                <a:latin typeface="+mj-lt"/>
+              </a:rPr>
+              <a:t>MaxEnt</a:t>
+            </a:r>
+            <a:r>
+              <a:rPr lang="en-GB" dirty="0">
+                <a:latin typeface="+mj-lt"/>
+              </a:rPr>
+              <a:t> vs. NN vs. ...) </a:t>
+            </a:r>
+          </a:p>
+          <a:p>
+            <a:pPr lvl="1"/>
+            <a:r>
+              <a:rPr lang="en-GB" dirty="0">
+                <a:latin typeface="+mj-lt"/>
+              </a:rPr>
+              <a:t>Features (stanzas/verses/rhymes/...)</a:t>
+            </a:r>
+          </a:p>
+          <a:p>
+            <a:pPr lvl="1"/>
+            <a:endParaRPr lang="en-GB" dirty="0">
+              <a:latin typeface="+mj-lt"/>
+            </a:endParaRPr>
+          </a:p>
+          <a:p>
+            <a:r>
+              <a:rPr lang="en-GB" dirty="0">
+                <a:latin typeface="+mj-lt"/>
+              </a:rPr>
+              <a:t>Division</a:t>
+            </a:r>
+          </a:p>
+          <a:p>
+            <a:pPr lvl="1"/>
+            <a:r>
+              <a:rPr lang="en-GB" dirty="0">
+                <a:latin typeface="+mj-lt"/>
+              </a:rPr>
+              <a:t>Kati experiments with NN</a:t>
+            </a:r>
+          </a:p>
+          <a:p>
+            <a:pPr lvl="1"/>
+            <a:r>
+              <a:rPr lang="en-GB" dirty="0">
+                <a:latin typeface="+mj-lt"/>
+              </a:rPr>
+              <a:t>Carlotta searches for poetry-specific features</a:t>
+            </a:r>
           </a:p>
         </p:txBody>
       </p:sp>

--- a/reports/TeamLab-presentation.pptx
+++ b/reports/TeamLab-presentation.pptx
@@ -5,7 +5,7 @@
     <p:sldMasterId id="2147483660" r:id="rId1"/>
   </p:sldMasterIdLst>
   <p:notesMasterIdLst>
-    <p:notesMasterId r:id="rId11"/>
+    <p:notesMasterId r:id="rId12"/>
   </p:notesMasterIdLst>
   <p:sldIdLst>
     <p:sldId id="337" r:id="rId2"/>
@@ -15,8 +15,9 @@
     <p:sldId id="346" r:id="rId6"/>
     <p:sldId id="347" r:id="rId7"/>
     <p:sldId id="348" r:id="rId8"/>
-    <p:sldId id="349" r:id="rId9"/>
-    <p:sldId id="341" r:id="rId10"/>
+    <p:sldId id="354" r:id="rId9"/>
+    <p:sldId id="349" r:id="rId10"/>
+    <p:sldId id="341" r:id="rId11"/>
   </p:sldIdLst>
   <p:sldSz cx="12192000" cy="6858000"/>
   <p:notesSz cx="6858000" cy="9144000"/>
@@ -127,6 +128,7 @@
             <p14:sldId id="346"/>
             <p14:sldId id="347"/>
             <p14:sldId id="348"/>
+            <p14:sldId id="354"/>
             <p14:sldId id="349"/>
             <p14:sldId id="341"/>
           </p14:sldIdLst>
@@ -910,7 +912,7 @@
         <a:p>
           <a:r>
             <a:rPr lang="en-GB" dirty="0"/>
-            <a:t>50 features per label learned with PMI</a:t>
+            <a:t>Features learned with PMI</a:t>
           </a:r>
         </a:p>
       </dgm:t>
@@ -946,7 +948,7 @@
         <a:p>
           <a:r>
             <a:rPr lang="en-GB" dirty="0"/>
-            <a:t>Assign a random weight to each feature</a:t>
+            <a:t>Random weight for each feature</a:t>
           </a:r>
         </a:p>
       </dgm:t>
@@ -982,7 +984,7 @@
         <a:p>
           <a:r>
             <a:rPr lang="en-GB" dirty="0"/>
-            <a:t>Calculate the accuracy with these weights</a:t>
+            <a:t>Accuracy with these weights</a:t>
           </a:r>
         </a:p>
       </dgm:t>
@@ -1054,7 +1056,7 @@
         <a:p>
           <a:r>
             <a:rPr lang="en-GB" dirty="0"/>
-            <a:t>Classify by choosing the label with the highest probability</a:t>
+            <a:t>Classify</a:t>
           </a:r>
         </a:p>
       </dgm:t>
@@ -1287,12 +1289,12 @@
         </a:fontRef>
       </dsp:style>
       <dsp:txBody>
-        <a:bodyPr spcFirstLastPara="0" vert="horz" wrap="square" lIns="83820" tIns="83820" rIns="83820" bIns="83820" numCol="1" spcCol="1270" anchor="ctr" anchorCtr="0">
+        <a:bodyPr spcFirstLastPara="0" vert="horz" wrap="square" lIns="99060" tIns="99060" rIns="99060" bIns="99060" numCol="1" spcCol="1270" anchor="ctr" anchorCtr="0">
           <a:noAutofit/>
         </a:bodyPr>
         <a:lstStyle/>
         <a:p>
-          <a:pPr marL="0" lvl="0" indent="0" algn="ctr" defTabSz="977900">
+          <a:pPr marL="0" lvl="0" indent="0" algn="ctr" defTabSz="1155700">
             <a:lnSpc>
               <a:spcPct val="90000"/>
             </a:lnSpc>
@@ -1305,8 +1307,8 @@
             <a:buNone/>
           </a:pPr>
           <a:r>
-            <a:rPr lang="en-GB" sz="2200" kern="1200" dirty="0"/>
-            <a:t>50 features per label learned with PMI</a:t>
+            <a:rPr lang="en-GB" sz="2600" kern="1200" dirty="0"/>
+            <a:t>Features learned with PMI</a:t>
           </a:r>
         </a:p>
       </dsp:txBody>
@@ -1365,12 +1367,12 @@
         </a:fontRef>
       </dsp:style>
       <dsp:txBody>
-        <a:bodyPr spcFirstLastPara="0" vert="horz" wrap="square" lIns="83820" tIns="83820" rIns="83820" bIns="83820" numCol="1" spcCol="1270" anchor="ctr" anchorCtr="0">
+        <a:bodyPr spcFirstLastPara="0" vert="horz" wrap="square" lIns="99060" tIns="99060" rIns="99060" bIns="99060" numCol="1" spcCol="1270" anchor="ctr" anchorCtr="0">
           <a:noAutofit/>
         </a:bodyPr>
         <a:lstStyle/>
         <a:p>
-          <a:pPr marL="0" lvl="0" indent="0" algn="ctr" defTabSz="977900">
+          <a:pPr marL="0" lvl="0" indent="0" algn="ctr" defTabSz="1155700">
             <a:lnSpc>
               <a:spcPct val="90000"/>
             </a:lnSpc>
@@ -1383,8 +1385,8 @@
             <a:buNone/>
           </a:pPr>
           <a:r>
-            <a:rPr lang="en-GB" sz="2200" kern="1200" dirty="0"/>
-            <a:t>Assign a random weight to each feature</a:t>
+            <a:rPr lang="en-GB" sz="2600" kern="1200" dirty="0"/>
+            <a:t>Random weight for each feature</a:t>
           </a:r>
         </a:p>
       </dsp:txBody>
@@ -1443,12 +1445,12 @@
         </a:fontRef>
       </dsp:style>
       <dsp:txBody>
-        <a:bodyPr spcFirstLastPara="0" vert="horz" wrap="square" lIns="83820" tIns="83820" rIns="83820" bIns="83820" numCol="1" spcCol="1270" anchor="ctr" anchorCtr="0">
+        <a:bodyPr spcFirstLastPara="0" vert="horz" wrap="square" lIns="99060" tIns="99060" rIns="99060" bIns="99060" numCol="1" spcCol="1270" anchor="ctr" anchorCtr="0">
           <a:noAutofit/>
         </a:bodyPr>
         <a:lstStyle/>
         <a:p>
-          <a:pPr marL="0" lvl="0" indent="0" algn="ctr" defTabSz="977900">
+          <a:pPr marL="0" lvl="0" indent="0" algn="ctr" defTabSz="1155700">
             <a:lnSpc>
               <a:spcPct val="90000"/>
             </a:lnSpc>
@@ -1461,8 +1463,8 @@
             <a:buNone/>
           </a:pPr>
           <a:r>
-            <a:rPr lang="en-GB" sz="2200" kern="1200" dirty="0"/>
-            <a:t>Calculate the accuracy with these weights</a:t>
+            <a:rPr lang="en-GB" sz="2600" kern="1200" dirty="0"/>
+            <a:t>Accuracy with these weights</a:t>
           </a:r>
         </a:p>
       </dsp:txBody>
@@ -1521,12 +1523,12 @@
         </a:fontRef>
       </dsp:style>
       <dsp:txBody>
-        <a:bodyPr spcFirstLastPara="0" vert="horz" wrap="square" lIns="83820" tIns="83820" rIns="83820" bIns="83820" numCol="1" spcCol="1270" anchor="ctr" anchorCtr="0">
+        <a:bodyPr spcFirstLastPara="0" vert="horz" wrap="square" lIns="99060" tIns="99060" rIns="99060" bIns="99060" numCol="1" spcCol="1270" anchor="ctr" anchorCtr="0">
           <a:noAutofit/>
         </a:bodyPr>
         <a:lstStyle/>
         <a:p>
-          <a:pPr marL="0" lvl="0" indent="0" algn="ctr" defTabSz="977900">
+          <a:pPr marL="0" lvl="0" indent="0" algn="ctr" defTabSz="1155700">
             <a:lnSpc>
               <a:spcPct val="90000"/>
             </a:lnSpc>
@@ -1539,7 +1541,7 @@
             <a:buNone/>
           </a:pPr>
           <a:r>
-            <a:rPr lang="en-GB" sz="2200" kern="1200" dirty="0"/>
+            <a:rPr lang="en-GB" sz="2600" kern="1200" dirty="0"/>
             <a:t>Iterative optimization</a:t>
           </a:r>
         </a:p>
@@ -1599,12 +1601,12 @@
         </a:fontRef>
       </dsp:style>
       <dsp:txBody>
-        <a:bodyPr spcFirstLastPara="0" vert="horz" wrap="square" lIns="83820" tIns="83820" rIns="83820" bIns="83820" numCol="1" spcCol="1270" anchor="ctr" anchorCtr="0">
+        <a:bodyPr spcFirstLastPara="0" vert="horz" wrap="square" lIns="99060" tIns="99060" rIns="99060" bIns="99060" numCol="1" spcCol="1270" anchor="ctr" anchorCtr="0">
           <a:noAutofit/>
         </a:bodyPr>
         <a:lstStyle/>
         <a:p>
-          <a:pPr marL="0" lvl="0" indent="0" algn="ctr" defTabSz="977900">
+          <a:pPr marL="0" lvl="0" indent="0" algn="ctr" defTabSz="1155700">
             <a:lnSpc>
               <a:spcPct val="90000"/>
             </a:lnSpc>
@@ -1617,8 +1619,8 @@
             <a:buNone/>
           </a:pPr>
           <a:r>
-            <a:rPr lang="en-GB" sz="2200" kern="1200" dirty="0"/>
-            <a:t>Classify by choosing the label with the highest probability</a:t>
+            <a:rPr lang="en-GB" sz="2600" kern="1200" dirty="0"/>
+            <a:t>Classify</a:t>
           </a:r>
         </a:p>
       </dsp:txBody>
@@ -2901,7 +2903,7 @@
           <a:p>
             <a:fld id="{322CBE9C-AAEB-46BF-9047-18B3831519BE}" type="datetimeFigureOut">
               <a:rPr lang="de-DE" smtClean="0"/>
-              <a:t>04.06.2021</a:t>
+              <a:t>05.06.2021</a:t>
             </a:fld>
             <a:endParaRPr lang="de-DE"/>
           </a:p>
@@ -3212,6 +3214,118 @@
           <a:bodyPr/>
           <a:lstStyle/>
           <a:p>
+            <a:pPr marL="171450" indent="-171450">
+              <a:buFontTx/>
+              <a:buChar char="-"/>
+            </a:pPr>
+            <a:r>
+              <a:rPr lang="de-DE" dirty="0"/>
+              <a:t>What </a:t>
+            </a:r>
+            <a:r>
+              <a:rPr lang="de-DE" dirty="0" err="1"/>
+              <a:t>is</a:t>
+            </a:r>
+            <a:r>
+              <a:rPr lang="de-DE" dirty="0"/>
+              <a:t> </a:t>
+            </a:r>
+            <a:r>
+              <a:rPr lang="de-DE" dirty="0" err="1"/>
+              <a:t>author</a:t>
+            </a:r>
+            <a:r>
+              <a:rPr lang="de-DE" dirty="0"/>
+              <a:t> </a:t>
+            </a:r>
+            <a:r>
+              <a:rPr lang="de-DE" dirty="0" err="1"/>
+              <a:t>classification</a:t>
+            </a:r>
+            <a:r>
+              <a:rPr lang="de-DE" dirty="0"/>
+              <a:t>?</a:t>
+            </a:r>
+          </a:p>
+          <a:p>
+            <a:pPr marL="171450" indent="-171450">
+              <a:buFontTx/>
+              <a:buChar char="-"/>
+            </a:pPr>
+            <a:r>
+              <a:rPr lang="de-DE" dirty="0"/>
+              <a:t>What </a:t>
+            </a:r>
+            <a:r>
+              <a:rPr lang="de-DE" dirty="0" err="1"/>
+              <a:t>did</a:t>
+            </a:r>
+            <a:r>
+              <a:rPr lang="de-DE" dirty="0"/>
+              <a:t> </a:t>
+            </a:r>
+            <a:r>
+              <a:rPr lang="de-DE" dirty="0" err="1"/>
+              <a:t>we</a:t>
+            </a:r>
+            <a:r>
+              <a:rPr lang="de-DE" dirty="0"/>
+              <a:t> </a:t>
+            </a:r>
+            <a:r>
+              <a:rPr lang="de-DE" dirty="0" err="1"/>
+              <a:t>decide</a:t>
+            </a:r>
+            <a:r>
+              <a:rPr lang="de-DE" dirty="0"/>
+              <a:t> </a:t>
+            </a:r>
+            <a:r>
+              <a:rPr lang="de-DE" dirty="0" err="1"/>
+              <a:t>to</a:t>
+            </a:r>
+            <a:r>
+              <a:rPr lang="de-DE" dirty="0"/>
+              <a:t> do?</a:t>
+            </a:r>
+          </a:p>
+          <a:p>
+            <a:pPr marL="171450" indent="-171450">
+              <a:buFontTx/>
+              <a:buChar char="-"/>
+            </a:pPr>
+            <a:r>
+              <a:rPr lang="de-DE" dirty="0"/>
+              <a:t>Data </a:t>
+            </a:r>
+            <a:r>
+              <a:rPr lang="de-DE" dirty="0" err="1"/>
+              <a:t>choice</a:t>
+            </a:r>
+            <a:r>
+              <a:rPr lang="de-DE" dirty="0"/>
+              <a:t> </a:t>
+            </a:r>
+            <a:r>
+              <a:rPr lang="de-DE" dirty="0" err="1"/>
+              <a:t>is</a:t>
+            </a:r>
+            <a:r>
+              <a:rPr lang="de-DE" dirty="0"/>
+              <a:t> limited -&gt; </a:t>
+            </a:r>
+            <a:r>
+              <a:rPr lang="de-DE" dirty="0" err="1"/>
+              <a:t>our</a:t>
+            </a:r>
+            <a:r>
+              <a:rPr lang="de-DE" dirty="0"/>
+              <a:t> </a:t>
+            </a:r>
+            <a:r>
+              <a:rPr lang="de-DE" dirty="0" err="1"/>
+              <a:t>data</a:t>
+            </a:r>
             <a:endParaRPr lang="en-GB" dirty="0"/>
           </a:p>
         </p:txBody>
@@ -3233,7 +3347,1019 @@
           <a:p>
             <a:fld id="{5D32D79F-5F1C-4022-A95E-5F41D14F0F12}" type="slidenum">
               <a:rPr lang="de-DE" smtClean="0"/>
-              <a:t>9</a:t>
+              <a:t>2</a:t>
+            </a:fld>
+            <a:endParaRPr lang="de-DE"/>
+          </a:p>
+        </p:txBody>
+      </p:sp>
+    </p:spTree>
+    <p:extLst>
+      <p:ext uri="{BB962C8B-B14F-4D97-AF65-F5344CB8AC3E}">
+        <p14:creationId xmlns:p14="http://schemas.microsoft.com/office/powerpoint/2010/main" val="1864603257"/>
+      </p:ext>
+    </p:extLst>
+  </p:cSld>
+  <p:clrMapOvr>
+    <a:masterClrMapping/>
+  </p:clrMapOvr>
+</p:notes>
+</file>
+
+<file path=ppt/notesSlides/notesSlide2.xml><?xml version="1.0" encoding="utf-8"?>
+<p:notes xmlns:a="http://schemas.openxmlformats.org/drawingml/2006/main" xmlns:r="http://schemas.openxmlformats.org/officeDocument/2006/relationships" xmlns:p="http://schemas.openxmlformats.org/presentationml/2006/main">
+  <p:cSld>
+    <p:spTree>
+      <p:nvGrpSpPr>
+        <p:cNvPr id="1" name=""/>
+        <p:cNvGrpSpPr/>
+        <p:nvPr/>
+      </p:nvGrpSpPr>
+      <p:grpSpPr>
+        <a:xfrm>
+          <a:off x="0" y="0"/>
+          <a:ext cx="0" cy="0"/>
+          <a:chOff x="0" y="0"/>
+          <a:chExt cx="0" cy="0"/>
+        </a:xfrm>
+      </p:grpSpPr>
+      <p:sp>
+        <p:nvSpPr>
+          <p:cNvPr id="2" name="Folienbildplatzhalter 1"/>
+          <p:cNvSpPr>
+            <a:spLocks noGrp="1" noRot="1" noChangeAspect="1"/>
+          </p:cNvSpPr>
+          <p:nvPr>
+            <p:ph type="sldImg"/>
+          </p:nvPr>
+        </p:nvSpPr>
+        <p:spPr/>
+      </p:sp>
+      <p:sp>
+        <p:nvSpPr>
+          <p:cNvPr id="3" name="Notizenplatzhalter 2"/>
+          <p:cNvSpPr>
+            <a:spLocks noGrp="1"/>
+          </p:cNvSpPr>
+          <p:nvPr>
+            <p:ph type="body" idx="1"/>
+          </p:nvPr>
+        </p:nvSpPr>
+        <p:spPr/>
+        <p:txBody>
+          <a:bodyPr/>
+          <a:lstStyle/>
+          <a:p>
+            <a:pPr marL="171450" indent="-171450">
+              <a:buFontTx/>
+              <a:buChar char="-"/>
+            </a:pPr>
+            <a:r>
+              <a:rPr lang="de-DE" dirty="0"/>
+              <a:t>Show </a:t>
+            </a:r>
+            <a:r>
+              <a:rPr lang="de-DE" dirty="0" err="1"/>
+              <a:t>stats</a:t>
+            </a:r>
+            <a:r>
+              <a:rPr lang="de-DE" dirty="0"/>
+              <a:t>: </a:t>
+            </a:r>
+            <a:r>
+              <a:rPr lang="de-DE" dirty="0" err="1"/>
+              <a:t>sparse</a:t>
+            </a:r>
+            <a:r>
+              <a:rPr lang="de-DE" dirty="0"/>
+              <a:t> </a:t>
+            </a:r>
+            <a:r>
+              <a:rPr lang="de-DE" dirty="0" err="1"/>
+              <a:t>data</a:t>
+            </a:r>
+            <a:r>
+              <a:rPr lang="de-DE" dirty="0"/>
+              <a:t> </a:t>
+            </a:r>
+            <a:r>
+              <a:rPr lang="de-DE" dirty="0" err="1"/>
+              <a:t>for</a:t>
+            </a:r>
+            <a:r>
+              <a:rPr lang="de-DE" dirty="0"/>
+              <a:t> </a:t>
+            </a:r>
+            <a:r>
+              <a:rPr lang="de-DE" dirty="0" err="1"/>
+              <a:t>many</a:t>
+            </a:r>
+            <a:r>
+              <a:rPr lang="de-DE" dirty="0"/>
+              <a:t> </a:t>
+            </a:r>
+            <a:r>
+              <a:rPr lang="de-DE" dirty="0" err="1"/>
+              <a:t>classes</a:t>
+            </a:r>
+            <a:r>
+              <a:rPr lang="de-DE" dirty="0"/>
+              <a:t> (</a:t>
+            </a:r>
+            <a:r>
+              <a:rPr lang="de-DE" dirty="0" err="1"/>
+              <a:t>many</a:t>
+            </a:r>
+            <a:r>
+              <a:rPr lang="de-DE" dirty="0"/>
+              <a:t> </a:t>
+            </a:r>
+            <a:r>
+              <a:rPr lang="de-DE" dirty="0" err="1"/>
+              <a:t>authors</a:t>
+            </a:r>
+            <a:r>
+              <a:rPr lang="de-DE" dirty="0"/>
+              <a:t> </a:t>
+            </a:r>
+            <a:r>
+              <a:rPr lang="de-DE" dirty="0" err="1"/>
+              <a:t>only</a:t>
+            </a:r>
+            <a:r>
+              <a:rPr lang="de-DE" dirty="0"/>
+              <a:t> </a:t>
+            </a:r>
+            <a:r>
+              <a:rPr lang="de-DE" dirty="0" err="1"/>
+              <a:t>wrote</a:t>
+            </a:r>
+            <a:r>
+              <a:rPr lang="de-DE" dirty="0"/>
+              <a:t> </a:t>
+            </a:r>
+            <a:r>
+              <a:rPr lang="de-DE" dirty="0" err="1"/>
+              <a:t>one</a:t>
+            </a:r>
+            <a:r>
+              <a:rPr lang="de-DE" dirty="0"/>
+              <a:t> </a:t>
+            </a:r>
+            <a:r>
+              <a:rPr lang="de-DE" dirty="0" err="1"/>
+              <a:t>to</a:t>
+            </a:r>
+            <a:r>
+              <a:rPr lang="de-DE" dirty="0"/>
+              <a:t> </a:t>
+            </a:r>
+            <a:r>
+              <a:rPr lang="de-DE" dirty="0" err="1"/>
+              <a:t>ten</a:t>
+            </a:r>
+            <a:r>
+              <a:rPr lang="de-DE" dirty="0"/>
+              <a:t> </a:t>
+            </a:r>
+            <a:r>
+              <a:rPr lang="de-DE" dirty="0" err="1"/>
+              <a:t>poems</a:t>
+            </a:r>
+            <a:r>
+              <a:rPr lang="de-DE" dirty="0"/>
+              <a:t>)</a:t>
+            </a:r>
+          </a:p>
+          <a:p>
+            <a:pPr marL="171450" indent="-171450">
+              <a:buFontTx/>
+              <a:buChar char="-"/>
+            </a:pPr>
+            <a:r>
+              <a:rPr lang="de-DE" dirty="0" err="1"/>
+              <a:t>Therefore</a:t>
+            </a:r>
+            <a:r>
+              <a:rPr lang="de-DE" dirty="0"/>
+              <a:t> </a:t>
+            </a:r>
+            <a:r>
+              <a:rPr lang="de-DE" dirty="0" err="1"/>
+              <a:t>we</a:t>
+            </a:r>
+            <a:r>
+              <a:rPr lang="de-DE" dirty="0"/>
+              <a:t> </a:t>
+            </a:r>
+            <a:r>
+              <a:rPr lang="de-DE" dirty="0" err="1"/>
+              <a:t>only</a:t>
+            </a:r>
+            <a:r>
+              <a:rPr lang="de-DE" dirty="0"/>
+              <a:t> </a:t>
+            </a:r>
+            <a:r>
+              <a:rPr lang="de-DE" dirty="0" err="1"/>
+              <a:t>use</a:t>
+            </a:r>
+            <a:r>
+              <a:rPr lang="de-DE" dirty="0"/>
+              <a:t> </a:t>
+            </a:r>
+            <a:r>
+              <a:rPr lang="de-DE" dirty="0" err="1"/>
+              <a:t>the</a:t>
+            </a:r>
+            <a:r>
+              <a:rPr lang="de-DE" dirty="0"/>
+              <a:t> </a:t>
+            </a:r>
+            <a:r>
+              <a:rPr lang="de-DE" dirty="0" err="1"/>
+              <a:t>most</a:t>
+            </a:r>
+            <a:r>
+              <a:rPr lang="de-DE" dirty="0"/>
+              <a:t> </a:t>
+            </a:r>
+            <a:r>
+              <a:rPr lang="de-DE" dirty="0" err="1"/>
+              <a:t>prolific</a:t>
+            </a:r>
+            <a:r>
+              <a:rPr lang="de-DE" dirty="0"/>
+              <a:t> </a:t>
+            </a:r>
+            <a:r>
+              <a:rPr lang="de-DE" dirty="0" err="1"/>
+              <a:t>authors</a:t>
+            </a:r>
+            <a:endParaRPr lang="de-DE" dirty="0"/>
+          </a:p>
+          <a:p>
+            <a:pPr marL="171450" indent="-171450">
+              <a:buFontTx/>
+              <a:buChar char="-"/>
+            </a:pPr>
+            <a:endParaRPr lang="en-GB" dirty="0"/>
+          </a:p>
+        </p:txBody>
+      </p:sp>
+      <p:sp>
+        <p:nvSpPr>
+          <p:cNvPr id="4" name="Foliennummernplatzhalter 3"/>
+          <p:cNvSpPr>
+            <a:spLocks noGrp="1"/>
+          </p:cNvSpPr>
+          <p:nvPr>
+            <p:ph type="sldNum" sz="quarter" idx="5"/>
+          </p:nvPr>
+        </p:nvSpPr>
+        <p:spPr/>
+        <p:txBody>
+          <a:bodyPr/>
+          <a:lstStyle/>
+          <a:p>
+            <a:fld id="{5D32D79F-5F1C-4022-A95E-5F41D14F0F12}" type="slidenum">
+              <a:rPr lang="de-DE" smtClean="0"/>
+              <a:t>3</a:t>
+            </a:fld>
+            <a:endParaRPr lang="de-DE"/>
+          </a:p>
+        </p:txBody>
+      </p:sp>
+    </p:spTree>
+    <p:extLst>
+      <p:ext uri="{BB962C8B-B14F-4D97-AF65-F5344CB8AC3E}">
+        <p14:creationId xmlns:p14="http://schemas.microsoft.com/office/powerpoint/2010/main" val="1710599105"/>
+      </p:ext>
+    </p:extLst>
+  </p:cSld>
+  <p:clrMapOvr>
+    <a:masterClrMapping/>
+  </p:clrMapOvr>
+</p:notes>
+</file>
+
+<file path=ppt/notesSlides/notesSlide3.xml><?xml version="1.0" encoding="utf-8"?>
+<p:notes xmlns:a="http://schemas.openxmlformats.org/drawingml/2006/main" xmlns:r="http://schemas.openxmlformats.org/officeDocument/2006/relationships" xmlns:p="http://schemas.openxmlformats.org/presentationml/2006/main">
+  <p:cSld>
+    <p:spTree>
+      <p:nvGrpSpPr>
+        <p:cNvPr id="1" name=""/>
+        <p:cNvGrpSpPr/>
+        <p:nvPr/>
+      </p:nvGrpSpPr>
+      <p:grpSpPr>
+        <a:xfrm>
+          <a:off x="0" y="0"/>
+          <a:ext cx="0" cy="0"/>
+          <a:chOff x="0" y="0"/>
+          <a:chExt cx="0" cy="0"/>
+        </a:xfrm>
+      </p:grpSpPr>
+      <p:sp>
+        <p:nvSpPr>
+          <p:cNvPr id="2" name="Folienbildplatzhalter 1"/>
+          <p:cNvSpPr>
+            <a:spLocks noGrp="1" noRot="1" noChangeAspect="1"/>
+          </p:cNvSpPr>
+          <p:nvPr>
+            <p:ph type="sldImg"/>
+          </p:nvPr>
+        </p:nvSpPr>
+        <p:spPr/>
+      </p:sp>
+      <p:sp>
+        <p:nvSpPr>
+          <p:cNvPr id="3" name="Notizenplatzhalter 2"/>
+          <p:cNvSpPr>
+            <a:spLocks noGrp="1"/>
+          </p:cNvSpPr>
+          <p:nvPr>
+            <p:ph type="body" idx="1"/>
+          </p:nvPr>
+        </p:nvSpPr>
+        <p:spPr/>
+        <p:txBody>
+          <a:bodyPr/>
+          <a:lstStyle/>
+          <a:p>
+            <a:pPr marL="171450" indent="-171450">
+              <a:buFontTx/>
+              <a:buChar char="-"/>
+            </a:pPr>
+            <a:r>
+              <a:rPr lang="de-DE" dirty="0" err="1"/>
+              <a:t>Example</a:t>
+            </a:r>
+            <a:r>
+              <a:rPr lang="de-DE" dirty="0"/>
+              <a:t> </a:t>
+            </a:r>
+            <a:r>
+              <a:rPr lang="de-DE" dirty="0" err="1"/>
+              <a:t>for</a:t>
+            </a:r>
+            <a:r>
+              <a:rPr lang="de-DE" dirty="0"/>
+              <a:t> </a:t>
+            </a:r>
+            <a:r>
+              <a:rPr lang="de-DE" dirty="0" err="1"/>
+              <a:t>one</a:t>
+            </a:r>
+            <a:r>
+              <a:rPr lang="de-DE" dirty="0"/>
+              <a:t> </a:t>
+            </a:r>
+            <a:r>
+              <a:rPr lang="de-DE" dirty="0" err="1"/>
+              <a:t>poem</a:t>
+            </a:r>
+            <a:r>
+              <a:rPr lang="de-DE" dirty="0"/>
+              <a:t> </a:t>
+            </a:r>
+            <a:r>
+              <a:rPr lang="de-DE" dirty="0" err="1"/>
+              <a:t>or</a:t>
+            </a:r>
+            <a:r>
+              <a:rPr lang="de-DE" dirty="0"/>
+              <a:t> </a:t>
+            </a:r>
+            <a:r>
+              <a:rPr lang="de-DE" dirty="0" err="1"/>
+              <a:t>datapoint</a:t>
+            </a:r>
+            <a:endParaRPr lang="de-DE" dirty="0"/>
+          </a:p>
+          <a:p>
+            <a:pPr marL="171450" indent="-171450">
+              <a:buFontTx/>
+              <a:buChar char="-"/>
+            </a:pPr>
+            <a:r>
+              <a:rPr lang="de-DE" dirty="0" err="1"/>
+              <a:t>We</a:t>
+            </a:r>
+            <a:r>
+              <a:rPr lang="de-DE" dirty="0"/>
+              <a:t> </a:t>
+            </a:r>
+            <a:r>
+              <a:rPr lang="de-DE" dirty="0" err="1"/>
+              <a:t>downloaded</a:t>
+            </a:r>
+            <a:r>
+              <a:rPr lang="de-DE" dirty="0"/>
+              <a:t> a </a:t>
+            </a:r>
+            <a:r>
+              <a:rPr lang="de-DE" dirty="0" err="1"/>
+              <a:t>premade</a:t>
+            </a:r>
+            <a:r>
+              <a:rPr lang="de-DE" dirty="0"/>
+              <a:t> </a:t>
+            </a:r>
+            <a:r>
+              <a:rPr lang="de-DE" dirty="0" err="1"/>
+              <a:t>csv</a:t>
+            </a:r>
+            <a:r>
+              <a:rPr lang="de-DE" dirty="0"/>
+              <a:t> </a:t>
+            </a:r>
+            <a:r>
+              <a:rPr lang="de-DE" dirty="0" err="1"/>
+              <a:t>table</a:t>
+            </a:r>
+            <a:r>
+              <a:rPr lang="de-DE" dirty="0"/>
+              <a:t> </a:t>
+            </a:r>
+            <a:r>
+              <a:rPr lang="de-DE" dirty="0" err="1"/>
+              <a:t>from</a:t>
+            </a:r>
+            <a:r>
+              <a:rPr lang="de-DE" dirty="0"/>
+              <a:t> kaggle.com</a:t>
+            </a:r>
+          </a:p>
+          <a:p>
+            <a:pPr marL="171450" indent="-171450">
+              <a:buFontTx/>
+              <a:buChar char="-"/>
+            </a:pPr>
+            <a:r>
+              <a:rPr lang="de-DE" dirty="0" err="1"/>
+              <a:t>Each</a:t>
+            </a:r>
+            <a:r>
+              <a:rPr lang="de-DE" dirty="0"/>
+              <a:t> </a:t>
+            </a:r>
+            <a:r>
+              <a:rPr lang="de-DE" dirty="0" err="1"/>
+              <a:t>poem</a:t>
+            </a:r>
+            <a:r>
+              <a:rPr lang="de-DE" dirty="0"/>
+              <a:t> </a:t>
+            </a:r>
+            <a:r>
+              <a:rPr lang="de-DE" dirty="0" err="1"/>
+              <a:t>has</a:t>
+            </a:r>
+            <a:r>
+              <a:rPr lang="de-DE" dirty="0"/>
+              <a:t> an </a:t>
+            </a:r>
+            <a:r>
+              <a:rPr lang="de-DE" dirty="0" err="1"/>
+              <a:t>index</a:t>
+            </a:r>
+            <a:r>
+              <a:rPr lang="de-DE" dirty="0"/>
+              <a:t>, </a:t>
+            </a:r>
+            <a:r>
+              <a:rPr lang="de-DE" dirty="0" err="1"/>
+              <a:t>its</a:t>
+            </a:r>
+            <a:r>
+              <a:rPr lang="de-DE" dirty="0"/>
+              <a:t> title and </a:t>
+            </a:r>
+            <a:r>
+              <a:rPr lang="de-DE" dirty="0" err="1"/>
+              <a:t>its</a:t>
+            </a:r>
+            <a:r>
+              <a:rPr lang="de-DE" dirty="0"/>
+              <a:t> Poetry-</a:t>
+            </a:r>
+            <a:r>
+              <a:rPr lang="de-DE" dirty="0" err="1"/>
+              <a:t>Foundation</a:t>
+            </a:r>
+            <a:r>
+              <a:rPr lang="de-DE" dirty="0"/>
+              <a:t>-ID (</a:t>
+            </a:r>
+            <a:r>
+              <a:rPr lang="de-DE" dirty="0" err="1"/>
+              <a:t>unique</a:t>
+            </a:r>
+            <a:r>
+              <a:rPr lang="de-DE" dirty="0"/>
+              <a:t> </a:t>
+            </a:r>
+            <a:r>
+              <a:rPr lang="de-DE" dirty="0" err="1"/>
+              <a:t>index</a:t>
+            </a:r>
+            <a:r>
+              <a:rPr lang="de-DE" dirty="0"/>
+              <a:t>)</a:t>
+            </a:r>
+          </a:p>
+          <a:p>
+            <a:pPr marL="171450" indent="-171450">
+              <a:buFontTx/>
+              <a:buChar char="-"/>
+            </a:pPr>
+            <a:r>
+              <a:rPr lang="de-DE" dirty="0" err="1"/>
+              <a:t>Saved</a:t>
+            </a:r>
+            <a:r>
+              <a:rPr lang="de-DE" dirty="0"/>
+              <a:t> </a:t>
+            </a:r>
+            <a:r>
+              <a:rPr lang="de-DE" dirty="0" err="1"/>
+              <a:t>each</a:t>
+            </a:r>
+            <a:r>
+              <a:rPr lang="de-DE" dirty="0"/>
+              <a:t> </a:t>
+            </a:r>
+            <a:r>
+              <a:rPr lang="de-DE" dirty="0" err="1"/>
+              <a:t>poem</a:t>
+            </a:r>
+            <a:r>
+              <a:rPr lang="de-DE" dirty="0"/>
+              <a:t> </a:t>
+            </a:r>
+            <a:r>
+              <a:rPr lang="de-DE" dirty="0" err="1"/>
+              <a:t>sorted</a:t>
+            </a:r>
+            <a:r>
+              <a:rPr lang="de-DE" dirty="0"/>
+              <a:t> </a:t>
+            </a:r>
+            <a:r>
+              <a:rPr lang="de-DE" dirty="0" err="1"/>
+              <a:t>by</a:t>
+            </a:r>
+            <a:r>
+              <a:rPr lang="de-DE" dirty="0"/>
+              <a:t> </a:t>
+            </a:r>
+            <a:r>
+              <a:rPr lang="de-DE" dirty="0" err="1"/>
+              <a:t>author</a:t>
+            </a:r>
+            <a:endParaRPr lang="de-DE" dirty="0"/>
+          </a:p>
+          <a:p>
+            <a:pPr marL="171450" indent="-171450">
+              <a:buFontTx/>
+              <a:buChar char="-"/>
+            </a:pPr>
+            <a:r>
+              <a:rPr lang="de-DE" dirty="0"/>
+              <a:t>Final </a:t>
+            </a:r>
+            <a:r>
+              <a:rPr lang="de-DE" dirty="0" err="1"/>
+              <a:t>structure</a:t>
+            </a:r>
+            <a:r>
+              <a:rPr lang="de-DE" dirty="0"/>
+              <a:t>: </a:t>
+            </a:r>
+            <a:r>
+              <a:rPr lang="de-DE" dirty="0" err="1"/>
+              <a:t>each</a:t>
+            </a:r>
+            <a:r>
+              <a:rPr lang="de-DE" dirty="0"/>
+              <a:t> </a:t>
+            </a:r>
+            <a:r>
+              <a:rPr lang="de-DE" dirty="0" err="1"/>
+              <a:t>datapoint</a:t>
+            </a:r>
+            <a:r>
+              <a:rPr lang="de-DE" dirty="0"/>
+              <a:t> </a:t>
+            </a:r>
+            <a:r>
+              <a:rPr lang="de-DE" dirty="0" err="1"/>
+              <a:t>consists</a:t>
+            </a:r>
+            <a:r>
+              <a:rPr lang="de-DE" dirty="0"/>
+              <a:t> </a:t>
+            </a:r>
+            <a:r>
+              <a:rPr lang="de-DE" dirty="0" err="1"/>
+              <a:t>of</a:t>
+            </a:r>
+            <a:r>
+              <a:rPr lang="de-DE" dirty="0"/>
+              <a:t> a </a:t>
+            </a:r>
+            <a:r>
+              <a:rPr lang="de-DE" dirty="0" err="1"/>
+              <a:t>vector</a:t>
+            </a:r>
+            <a:r>
+              <a:rPr lang="de-DE" dirty="0"/>
+              <a:t> and a </a:t>
+            </a:r>
+            <a:r>
+              <a:rPr lang="de-DE" dirty="0" err="1"/>
+              <a:t>label</a:t>
+            </a:r>
+            <a:endParaRPr lang="de-DE" dirty="0"/>
+          </a:p>
+          <a:p>
+            <a:pPr marL="171450" indent="-171450">
+              <a:buFontTx/>
+              <a:buChar char="-"/>
+            </a:pPr>
+            <a:endParaRPr lang="en-GB" dirty="0"/>
+          </a:p>
+        </p:txBody>
+      </p:sp>
+      <p:sp>
+        <p:nvSpPr>
+          <p:cNvPr id="4" name="Foliennummernplatzhalter 3"/>
+          <p:cNvSpPr>
+            <a:spLocks noGrp="1"/>
+          </p:cNvSpPr>
+          <p:nvPr>
+            <p:ph type="sldNum" sz="quarter" idx="5"/>
+          </p:nvPr>
+        </p:nvSpPr>
+        <p:spPr/>
+        <p:txBody>
+          <a:bodyPr/>
+          <a:lstStyle/>
+          <a:p>
+            <a:fld id="{5D32D79F-5F1C-4022-A95E-5F41D14F0F12}" type="slidenum">
+              <a:rPr lang="de-DE" smtClean="0"/>
+              <a:t>4</a:t>
+            </a:fld>
+            <a:endParaRPr lang="de-DE"/>
+          </a:p>
+        </p:txBody>
+      </p:sp>
+    </p:spTree>
+    <p:extLst>
+      <p:ext uri="{BB962C8B-B14F-4D97-AF65-F5344CB8AC3E}">
+        <p14:creationId xmlns:p14="http://schemas.microsoft.com/office/powerpoint/2010/main" val="2989221324"/>
+      </p:ext>
+    </p:extLst>
+  </p:cSld>
+  <p:clrMapOvr>
+    <a:masterClrMapping/>
+  </p:clrMapOvr>
+</p:notes>
+</file>
+
+<file path=ppt/notesSlides/notesSlide4.xml><?xml version="1.0" encoding="utf-8"?>
+<p:notes xmlns:a="http://schemas.openxmlformats.org/drawingml/2006/main" xmlns:r="http://schemas.openxmlformats.org/officeDocument/2006/relationships" xmlns:p="http://schemas.openxmlformats.org/presentationml/2006/main">
+  <p:cSld>
+    <p:spTree>
+      <p:nvGrpSpPr>
+        <p:cNvPr id="1" name=""/>
+        <p:cNvGrpSpPr/>
+        <p:nvPr/>
+      </p:nvGrpSpPr>
+      <p:grpSpPr>
+        <a:xfrm>
+          <a:off x="0" y="0"/>
+          <a:ext cx="0" cy="0"/>
+          <a:chOff x="0" y="0"/>
+          <a:chExt cx="0" cy="0"/>
+        </a:xfrm>
+      </p:grpSpPr>
+      <p:sp>
+        <p:nvSpPr>
+          <p:cNvPr id="2" name="Folienbildplatzhalter 1"/>
+          <p:cNvSpPr>
+            <a:spLocks noGrp="1" noRot="1" noChangeAspect="1"/>
+          </p:cNvSpPr>
+          <p:nvPr>
+            <p:ph type="sldImg"/>
+          </p:nvPr>
+        </p:nvSpPr>
+        <p:spPr/>
+      </p:sp>
+      <p:sp>
+        <p:nvSpPr>
+          <p:cNvPr id="3" name="Notizenplatzhalter 2"/>
+          <p:cNvSpPr>
+            <a:spLocks noGrp="1"/>
+          </p:cNvSpPr>
+          <p:nvPr>
+            <p:ph type="body" idx="1"/>
+          </p:nvPr>
+        </p:nvSpPr>
+        <p:spPr/>
+        <p:txBody>
+          <a:bodyPr/>
+          <a:lstStyle/>
+          <a:p>
+            <a:pPr marL="171450" indent="-171450">
+              <a:buFontTx/>
+              <a:buChar char="-"/>
+            </a:pPr>
+            <a:r>
+              <a:rPr lang="de-DE" dirty="0"/>
+              <a:t>What </a:t>
+            </a:r>
+            <a:r>
+              <a:rPr lang="de-DE" dirty="0" err="1"/>
+              <a:t>is</a:t>
+            </a:r>
+            <a:r>
+              <a:rPr lang="de-DE" dirty="0"/>
+              <a:t> maximum </a:t>
+            </a:r>
+            <a:r>
+              <a:rPr lang="de-DE" dirty="0" err="1"/>
+              <a:t>entropy</a:t>
+            </a:r>
+            <a:endParaRPr lang="de-DE" dirty="0"/>
+          </a:p>
+          <a:p>
+            <a:pPr marL="171450" indent="-171450">
+              <a:buFontTx/>
+              <a:buChar char="-"/>
+            </a:pPr>
+            <a:r>
+              <a:rPr lang="de-DE" dirty="0"/>
+              <a:t>This </a:t>
+            </a:r>
+            <a:r>
+              <a:rPr lang="de-DE" dirty="0" err="1"/>
+              <a:t>is</a:t>
+            </a:r>
+            <a:r>
+              <a:rPr lang="de-DE" dirty="0"/>
+              <a:t> </a:t>
+            </a:r>
+            <a:r>
+              <a:rPr lang="de-DE" dirty="0" err="1"/>
+              <a:t>the</a:t>
+            </a:r>
+            <a:r>
+              <a:rPr lang="de-DE" dirty="0"/>
+              <a:t> </a:t>
+            </a:r>
+            <a:r>
+              <a:rPr lang="de-DE" dirty="0" err="1"/>
+              <a:t>formula</a:t>
+            </a:r>
+            <a:r>
+              <a:rPr lang="de-DE" dirty="0"/>
+              <a:t>, </a:t>
+            </a:r>
+            <a:r>
+              <a:rPr lang="de-DE" dirty="0" err="1"/>
+              <a:t>each</a:t>
+            </a:r>
+            <a:r>
+              <a:rPr lang="de-DE" dirty="0"/>
+              <a:t> </a:t>
+            </a:r>
+            <a:r>
+              <a:rPr lang="de-DE" dirty="0" err="1"/>
+              <a:t>label</a:t>
+            </a:r>
+            <a:r>
+              <a:rPr lang="de-DE" dirty="0"/>
+              <a:t> </a:t>
+            </a:r>
+            <a:r>
+              <a:rPr lang="de-DE" dirty="0" err="1"/>
+              <a:t>has</a:t>
+            </a:r>
+            <a:r>
+              <a:rPr lang="de-DE" dirty="0"/>
+              <a:t> a </a:t>
+            </a:r>
+            <a:r>
+              <a:rPr lang="de-DE" dirty="0" err="1"/>
+              <a:t>probability</a:t>
+            </a:r>
+            <a:endParaRPr lang="de-DE" dirty="0"/>
+          </a:p>
+          <a:p>
+            <a:pPr marL="171450" indent="-171450">
+              <a:buFontTx/>
+              <a:buChar char="-"/>
+            </a:pPr>
+            <a:r>
+              <a:rPr lang="de-DE" dirty="0" err="1"/>
+              <a:t>We</a:t>
+            </a:r>
+            <a:r>
+              <a:rPr lang="de-DE" dirty="0"/>
+              <a:t> </a:t>
+            </a:r>
+            <a:r>
+              <a:rPr lang="de-DE" dirty="0" err="1"/>
+              <a:t>compute</a:t>
+            </a:r>
+            <a:r>
+              <a:rPr lang="de-DE" dirty="0"/>
+              <a:t> </a:t>
+            </a:r>
+            <a:r>
+              <a:rPr lang="de-DE" dirty="0" err="1"/>
+              <a:t>the</a:t>
+            </a:r>
+            <a:r>
+              <a:rPr lang="de-DE" dirty="0"/>
+              <a:t> partial derivative </a:t>
+            </a:r>
+            <a:r>
+              <a:rPr lang="de-DE" dirty="0" err="1"/>
+              <a:t>with</a:t>
+            </a:r>
+            <a:r>
+              <a:rPr lang="de-DE" dirty="0"/>
+              <a:t> </a:t>
+            </a:r>
+            <a:r>
+              <a:rPr lang="de-DE" dirty="0" err="1"/>
+              <a:t>regard</a:t>
+            </a:r>
+            <a:r>
+              <a:rPr lang="de-DE" dirty="0"/>
+              <a:t> </a:t>
+            </a:r>
+            <a:r>
+              <a:rPr lang="de-DE" dirty="0" err="1"/>
+              <a:t>to</a:t>
+            </a:r>
+            <a:r>
+              <a:rPr lang="de-DE" dirty="0"/>
+              <a:t> </a:t>
+            </a:r>
+            <a:r>
+              <a:rPr lang="de-DE" dirty="0" err="1"/>
+              <a:t>each</a:t>
+            </a:r>
+            <a:r>
+              <a:rPr lang="de-DE" dirty="0"/>
+              <a:t> </a:t>
+            </a:r>
+            <a:r>
+              <a:rPr lang="de-DE" dirty="0" err="1"/>
+              <a:t>weight</a:t>
+            </a:r>
+            <a:r>
+              <a:rPr lang="de-DE" dirty="0"/>
+              <a:t> and </a:t>
+            </a:r>
+            <a:r>
+              <a:rPr lang="de-DE" dirty="0" err="1"/>
+              <a:t>optimize</a:t>
+            </a:r>
+            <a:r>
+              <a:rPr lang="de-DE" dirty="0"/>
+              <a:t> </a:t>
+            </a:r>
+            <a:r>
+              <a:rPr lang="de-DE" dirty="0" err="1"/>
+              <a:t>the</a:t>
+            </a:r>
+            <a:r>
+              <a:rPr lang="de-DE" dirty="0"/>
+              <a:t> </a:t>
+            </a:r>
+            <a:r>
+              <a:rPr lang="de-DE" dirty="0" err="1"/>
+              <a:t>weights</a:t>
+            </a:r>
+            <a:r>
+              <a:rPr lang="de-DE" dirty="0"/>
+              <a:t> </a:t>
+            </a:r>
+            <a:r>
+              <a:rPr lang="de-DE" dirty="0" err="1"/>
+              <a:t>iteratively</a:t>
+            </a:r>
+            <a:endParaRPr lang="en-GB" dirty="0"/>
+          </a:p>
+        </p:txBody>
+      </p:sp>
+      <p:sp>
+        <p:nvSpPr>
+          <p:cNvPr id="4" name="Foliennummernplatzhalter 3"/>
+          <p:cNvSpPr>
+            <a:spLocks noGrp="1"/>
+          </p:cNvSpPr>
+          <p:nvPr>
+            <p:ph type="sldNum" sz="quarter" idx="5"/>
+          </p:nvPr>
+        </p:nvSpPr>
+        <p:spPr/>
+        <p:txBody>
+          <a:bodyPr/>
+          <a:lstStyle/>
+          <a:p>
+            <a:fld id="{5D32D79F-5F1C-4022-A95E-5F41D14F0F12}" type="slidenum">
+              <a:rPr lang="de-DE" smtClean="0"/>
+              <a:t>5</a:t>
+            </a:fld>
+            <a:endParaRPr lang="de-DE"/>
+          </a:p>
+        </p:txBody>
+      </p:sp>
+    </p:spTree>
+    <p:extLst>
+      <p:ext uri="{BB962C8B-B14F-4D97-AF65-F5344CB8AC3E}">
+        <p14:creationId xmlns:p14="http://schemas.microsoft.com/office/powerpoint/2010/main" val="2857138758"/>
+      </p:ext>
+    </p:extLst>
+  </p:cSld>
+  <p:clrMapOvr>
+    <a:masterClrMapping/>
+  </p:clrMapOvr>
+</p:notes>
+</file>
+
+<file path=ppt/notesSlides/notesSlide5.xml><?xml version="1.0" encoding="utf-8"?>
+<p:notes xmlns:a="http://schemas.openxmlformats.org/drawingml/2006/main" xmlns:r="http://schemas.openxmlformats.org/officeDocument/2006/relationships" xmlns:p="http://schemas.openxmlformats.org/presentationml/2006/main">
+  <p:cSld>
+    <p:spTree>
+      <p:nvGrpSpPr>
+        <p:cNvPr id="1" name=""/>
+        <p:cNvGrpSpPr/>
+        <p:nvPr/>
+      </p:nvGrpSpPr>
+      <p:grpSpPr>
+        <a:xfrm>
+          <a:off x="0" y="0"/>
+          <a:ext cx="0" cy="0"/>
+          <a:chOff x="0" y="0"/>
+          <a:chExt cx="0" cy="0"/>
+        </a:xfrm>
+      </p:grpSpPr>
+      <p:sp>
+        <p:nvSpPr>
+          <p:cNvPr id="2" name="Folienbildplatzhalter 1"/>
+          <p:cNvSpPr>
+            <a:spLocks noGrp="1" noRot="1" noChangeAspect="1"/>
+          </p:cNvSpPr>
+          <p:nvPr>
+            <p:ph type="sldImg"/>
+          </p:nvPr>
+        </p:nvSpPr>
+        <p:spPr/>
+      </p:sp>
+      <p:sp>
+        <p:nvSpPr>
+          <p:cNvPr id="3" name="Notizenplatzhalter 2"/>
+          <p:cNvSpPr>
+            <a:spLocks noGrp="1"/>
+          </p:cNvSpPr>
+          <p:nvPr>
+            <p:ph type="body" idx="1"/>
+          </p:nvPr>
+        </p:nvSpPr>
+        <p:spPr/>
+        <p:txBody>
+          <a:bodyPr/>
+          <a:lstStyle/>
+          <a:p>
+            <a:endParaRPr lang="en-GB" dirty="0"/>
+          </a:p>
+        </p:txBody>
+      </p:sp>
+      <p:sp>
+        <p:nvSpPr>
+          <p:cNvPr id="4" name="Foliennummernplatzhalter 3"/>
+          <p:cNvSpPr>
+            <a:spLocks noGrp="1"/>
+          </p:cNvSpPr>
+          <p:nvPr>
+            <p:ph type="sldNum" sz="quarter" idx="5"/>
+          </p:nvPr>
+        </p:nvSpPr>
+        <p:spPr/>
+        <p:txBody>
+          <a:bodyPr/>
+          <a:lstStyle/>
+          <a:p>
+            <a:fld id="{5D32D79F-5F1C-4022-A95E-5F41D14F0F12}" type="slidenum">
+              <a:rPr lang="de-DE" smtClean="0"/>
+              <a:t>10</a:t>
             </a:fld>
             <a:endParaRPr lang="de-DE"/>
           </a:p>
@@ -21776,6 +22902,1068 @@
 </p:sld>
 </file>
 
+<file path=ppt/slides/slide10.xml><?xml version="1.0" encoding="utf-8"?>
+<p:sld xmlns:a="http://schemas.openxmlformats.org/drawingml/2006/main" xmlns:r="http://schemas.openxmlformats.org/officeDocument/2006/relationships" xmlns:p="http://schemas.openxmlformats.org/presentationml/2006/main">
+  <p:cSld>
+    <p:spTree>
+      <p:nvGrpSpPr>
+        <p:cNvPr id="1" name=""/>
+        <p:cNvGrpSpPr/>
+        <p:nvPr/>
+      </p:nvGrpSpPr>
+      <p:grpSpPr>
+        <a:xfrm>
+          <a:off x="0" y="0"/>
+          <a:ext cx="0" cy="0"/>
+          <a:chOff x="0" y="0"/>
+          <a:chExt cx="0" cy="0"/>
+        </a:xfrm>
+      </p:grpSpPr>
+      <p:sp>
+        <p:nvSpPr>
+          <p:cNvPr id="2" name="Bildplatzhalter 1">
+            <a:extLst>
+              <a:ext uri="{FF2B5EF4-FFF2-40B4-BE49-F238E27FC236}">
+                <a16:creationId xmlns:a16="http://schemas.microsoft.com/office/drawing/2014/main" id="{797EA214-9839-4263-91CF-4625BF62D711}"/>
+              </a:ext>
+            </a:extLst>
+          </p:cNvPr>
+          <p:cNvSpPr>
+            <a:spLocks noGrp="1"/>
+          </p:cNvSpPr>
+          <p:nvPr>
+            <p:ph type="pic" sz="quarter" idx="14"/>
+          </p:nvPr>
+        </p:nvSpPr>
+        <p:spPr/>
+      </p:sp>
+      <p:sp>
+        <p:nvSpPr>
+          <p:cNvPr id="3" name="Textplatzhalter 2">
+            <a:extLst>
+              <a:ext uri="{FF2B5EF4-FFF2-40B4-BE49-F238E27FC236}">
+                <a16:creationId xmlns:a16="http://schemas.microsoft.com/office/drawing/2014/main" id="{FC08E3D3-A7AD-4294-AA40-CA4C7DA2C39C}"/>
+              </a:ext>
+            </a:extLst>
+          </p:cNvPr>
+          <p:cNvSpPr>
+            <a:spLocks noGrp="1"/>
+          </p:cNvSpPr>
+          <p:nvPr>
+            <p:ph type="body" sz="quarter" idx="15"/>
+          </p:nvPr>
+        </p:nvSpPr>
+        <p:spPr>
+          <a:xfrm>
+            <a:off x="6219220" y="2790720"/>
+            <a:ext cx="4386739" cy="259200"/>
+          </a:xfrm>
+        </p:spPr>
+        <p:txBody>
+          <a:bodyPr/>
+          <a:lstStyle/>
+          <a:p>
+            <a:r>
+              <a:rPr lang="de-DE" dirty="0"/>
+              <a:t>Carlotta Quensel</a:t>
+            </a:r>
+            <a:endParaRPr lang="en-GB" dirty="0"/>
+          </a:p>
+        </p:txBody>
+      </p:sp>
+      <p:sp>
+        <p:nvSpPr>
+          <p:cNvPr id="4" name="Textplatzhalter 3">
+            <a:extLst>
+              <a:ext uri="{FF2B5EF4-FFF2-40B4-BE49-F238E27FC236}">
+                <a16:creationId xmlns:a16="http://schemas.microsoft.com/office/drawing/2014/main" id="{D5FD6426-7317-4706-B736-0D37EB992BB2}"/>
+              </a:ext>
+            </a:extLst>
+          </p:cNvPr>
+          <p:cNvSpPr>
+            <a:spLocks noGrp="1"/>
+          </p:cNvSpPr>
+          <p:nvPr>
+            <p:ph type="body" sz="quarter" idx="31"/>
+          </p:nvPr>
+        </p:nvSpPr>
+        <p:spPr>
+          <a:xfrm>
+            <a:off x="6219219" y="3049920"/>
+            <a:ext cx="3900435" cy="288000"/>
+          </a:xfrm>
+        </p:spPr>
+        <p:txBody>
+          <a:bodyPr/>
+          <a:lstStyle/>
+          <a:p>
+            <a:r>
+              <a:rPr lang="de-DE" dirty="0"/>
+              <a:t>carlotta.quensel@ims.uni-stuttgart.de </a:t>
+            </a:r>
+            <a:endParaRPr lang="en-GB" dirty="0"/>
+          </a:p>
+        </p:txBody>
+      </p:sp>
+      <p:sp>
+        <p:nvSpPr>
+          <p:cNvPr id="10" name="Textplatzhalter 9">
+            <a:extLst>
+              <a:ext uri="{FF2B5EF4-FFF2-40B4-BE49-F238E27FC236}">
+                <a16:creationId xmlns:a16="http://schemas.microsoft.com/office/drawing/2014/main" id="{42073EF8-70E9-442E-A2B0-9FE5B05418A0}"/>
+              </a:ext>
+            </a:extLst>
+          </p:cNvPr>
+          <p:cNvSpPr>
+            <a:spLocks noGrp="1"/>
+          </p:cNvSpPr>
+          <p:nvPr>
+            <p:ph type="body" sz="quarter" idx="34"/>
+          </p:nvPr>
+        </p:nvSpPr>
+        <p:spPr>
+          <a:xfrm>
+            <a:off x="2899200" y="4677646"/>
+            <a:ext cx="6219748" cy="288000"/>
+          </a:xfrm>
+        </p:spPr>
+        <p:txBody>
+          <a:bodyPr/>
+          <a:lstStyle/>
+          <a:p>
+            <a:r>
+              <a:rPr lang="en-GB" dirty="0"/>
+              <a:t>source2</a:t>
+            </a:r>
+          </a:p>
+        </p:txBody>
+      </p:sp>
+      <p:sp>
+        <p:nvSpPr>
+          <p:cNvPr id="11" name="Textplatzhalter 10">
+            <a:extLst>
+              <a:ext uri="{FF2B5EF4-FFF2-40B4-BE49-F238E27FC236}">
+                <a16:creationId xmlns:a16="http://schemas.microsoft.com/office/drawing/2014/main" id="{37490C48-77AA-4F0D-B6B9-1DC43C37E755}"/>
+              </a:ext>
+            </a:extLst>
+          </p:cNvPr>
+          <p:cNvSpPr>
+            <a:spLocks noGrp="1"/>
+          </p:cNvSpPr>
+          <p:nvPr>
+            <p:ph type="body" sz="quarter" idx="25"/>
+          </p:nvPr>
+        </p:nvSpPr>
+        <p:spPr/>
+        <p:txBody>
+          <a:bodyPr/>
+          <a:lstStyle/>
+          <a:p>
+            <a:r>
+              <a:rPr lang="en-GB" dirty="0"/>
+              <a:t>source3</a:t>
+            </a:r>
+          </a:p>
+        </p:txBody>
+      </p:sp>
+      <p:sp>
+        <p:nvSpPr>
+          <p:cNvPr id="12" name="Textplatzhalter 11">
+            <a:extLst>
+              <a:ext uri="{FF2B5EF4-FFF2-40B4-BE49-F238E27FC236}">
+                <a16:creationId xmlns:a16="http://schemas.microsoft.com/office/drawing/2014/main" id="{919E8E7F-F1B8-4ABB-95CD-2933F38CD387}"/>
+              </a:ext>
+            </a:extLst>
+          </p:cNvPr>
+          <p:cNvSpPr>
+            <a:spLocks noGrp="1"/>
+          </p:cNvSpPr>
+          <p:nvPr>
+            <p:ph type="body" sz="quarter" idx="21"/>
+          </p:nvPr>
+        </p:nvSpPr>
+        <p:spPr>
+          <a:xfrm>
+            <a:off x="2899199" y="4389646"/>
+            <a:ext cx="5359583" cy="288000"/>
+          </a:xfrm>
+        </p:spPr>
+        <p:txBody>
+          <a:bodyPr/>
+          <a:lstStyle/>
+          <a:p>
+            <a:r>
+              <a:rPr lang="de-DE" dirty="0"/>
+              <a:t>source1</a:t>
+            </a:r>
+            <a:endParaRPr lang="en-GB" i="1" dirty="0"/>
+          </a:p>
+        </p:txBody>
+      </p:sp>
+      <p:sp>
+        <p:nvSpPr>
+          <p:cNvPr id="13" name="Textplatzhalter 10">
+            <a:extLst>
+              <a:ext uri="{FF2B5EF4-FFF2-40B4-BE49-F238E27FC236}">
+                <a16:creationId xmlns:a16="http://schemas.microsoft.com/office/drawing/2014/main" id="{9089140B-1560-4E8A-A637-FC56BFD23338}"/>
+              </a:ext>
+            </a:extLst>
+          </p:cNvPr>
+          <p:cNvSpPr txBox="1">
+            <a:spLocks/>
+          </p:cNvSpPr>
+          <p:nvPr/>
+        </p:nvSpPr>
+        <p:spPr>
+          <a:xfrm>
+            <a:off x="2899199" y="5284239"/>
+            <a:ext cx="4386739" cy="288000"/>
+          </a:xfrm>
+          <a:prstGeom prst="rect">
+            <a:avLst/>
+          </a:prstGeom>
+        </p:spPr>
+        <p:txBody>
+          <a:bodyPr vert="horz" lIns="0" tIns="0" rIns="0" bIns="0" rtlCol="0">
+            <a:noAutofit/>
+          </a:bodyPr>
+          <a:lstStyle>
+            <a:lvl1pPr marL="0" indent="0" algn="l" defTabSz="914368" rtl="0" eaLnBrk="1" latinLnBrk="0" hangingPunct="1">
+              <a:lnSpc>
+                <a:spcPct val="120000"/>
+              </a:lnSpc>
+              <a:spcBef>
+                <a:spcPts val="1000"/>
+              </a:spcBef>
+              <a:buClr>
+                <a:schemeClr val="accent1"/>
+              </a:buClr>
+              <a:buFont typeface="Arial" panose="020B0604020202020204" pitchFamily="34" charset="0"/>
+              <a:buNone/>
+              <a:defRPr sz="1600" b="0" kern="1200">
+                <a:solidFill>
+                  <a:schemeClr val="tx1"/>
+                </a:solidFill>
+                <a:latin typeface="+mn-lt"/>
+                <a:ea typeface="+mn-ea"/>
+                <a:cs typeface="+mn-cs"/>
+              </a:defRPr>
+            </a:lvl1pPr>
+            <a:lvl2pPr marL="480468" indent="-245525" algn="l" defTabSz="914368" rtl="0" eaLnBrk="1" latinLnBrk="0" hangingPunct="1">
+              <a:lnSpc>
+                <a:spcPct val="120000"/>
+              </a:lnSpc>
+              <a:spcBef>
+                <a:spcPts val="501"/>
+              </a:spcBef>
+              <a:buClr>
+                <a:schemeClr val="tx1"/>
+              </a:buClr>
+              <a:buFont typeface="Arial" panose="020B0604020202020204" pitchFamily="34" charset="0"/>
+              <a:buChar char="•"/>
+              <a:defRPr sz="2133" kern="1200">
+                <a:solidFill>
+                  <a:schemeClr val="bg1"/>
+                </a:solidFill>
+                <a:latin typeface="+mn-lt"/>
+                <a:ea typeface="+mn-ea"/>
+                <a:cs typeface="+mn-cs"/>
+              </a:defRPr>
+            </a:lvl2pPr>
+            <a:lvl3pPr marL="715409" indent="-234943" algn="l" defTabSz="914368" rtl="0" eaLnBrk="1" latinLnBrk="0" hangingPunct="1">
+              <a:lnSpc>
+                <a:spcPct val="120000"/>
+              </a:lnSpc>
+              <a:spcBef>
+                <a:spcPts val="501"/>
+              </a:spcBef>
+              <a:buClr>
+                <a:schemeClr val="tx1"/>
+              </a:buClr>
+              <a:buFont typeface="Arial" panose="020B0604020202020204" pitchFamily="34" charset="0"/>
+              <a:buChar char="•"/>
+              <a:defRPr sz="1867" kern="1200">
+                <a:solidFill>
+                  <a:schemeClr val="bg1"/>
+                </a:solidFill>
+                <a:latin typeface="+mn-lt"/>
+                <a:ea typeface="+mn-ea"/>
+                <a:cs typeface="+mn-cs"/>
+              </a:defRPr>
+            </a:lvl3pPr>
+            <a:lvl4pPr marL="960933" indent="-245525" algn="l" defTabSz="914368" rtl="0" eaLnBrk="1" latinLnBrk="0" hangingPunct="1">
+              <a:lnSpc>
+                <a:spcPct val="120000"/>
+              </a:lnSpc>
+              <a:spcBef>
+                <a:spcPts val="501"/>
+              </a:spcBef>
+              <a:buClr>
+                <a:schemeClr val="tx1"/>
+              </a:buClr>
+              <a:buFont typeface="Arial" panose="020B0604020202020204" pitchFamily="34" charset="0"/>
+              <a:buChar char="•"/>
+              <a:defRPr sz="1867" kern="1200">
+                <a:solidFill>
+                  <a:schemeClr val="bg1"/>
+                </a:solidFill>
+                <a:latin typeface="+mn-lt"/>
+                <a:ea typeface="+mn-ea"/>
+                <a:cs typeface="+mn-cs"/>
+              </a:defRPr>
+            </a:lvl4pPr>
+            <a:lvl5pPr marL="1195875" indent="-234943" algn="l" defTabSz="914368" rtl="0" eaLnBrk="1" latinLnBrk="0" hangingPunct="1">
+              <a:lnSpc>
+                <a:spcPct val="120000"/>
+              </a:lnSpc>
+              <a:spcBef>
+                <a:spcPts val="501"/>
+              </a:spcBef>
+              <a:buClr>
+                <a:schemeClr val="tx1"/>
+              </a:buClr>
+              <a:buFont typeface="Arial" panose="020B0604020202020204" pitchFamily="34" charset="0"/>
+              <a:buChar char="•"/>
+              <a:defRPr sz="1867" kern="1200">
+                <a:solidFill>
+                  <a:schemeClr val="bg1"/>
+                </a:solidFill>
+                <a:latin typeface="+mn-lt"/>
+                <a:ea typeface="+mn-ea"/>
+                <a:cs typeface="+mn-cs"/>
+              </a:defRPr>
+            </a:lvl5pPr>
+            <a:lvl6pPr marL="2514512" indent="-228592" algn="l" defTabSz="914368" rtl="0" eaLnBrk="1" latinLnBrk="0" hangingPunct="1">
+              <a:lnSpc>
+                <a:spcPct val="90000"/>
+              </a:lnSpc>
+              <a:spcBef>
+                <a:spcPts val="501"/>
+              </a:spcBef>
+              <a:buFont typeface="Arial" panose="020B0604020202020204" pitchFamily="34" charset="0"/>
+              <a:buChar char="•"/>
+              <a:defRPr sz="1800" kern="1200">
+                <a:solidFill>
+                  <a:schemeClr val="tx1"/>
+                </a:solidFill>
+                <a:latin typeface="+mn-lt"/>
+                <a:ea typeface="+mn-ea"/>
+                <a:cs typeface="+mn-cs"/>
+              </a:defRPr>
+            </a:lvl6pPr>
+            <a:lvl7pPr marL="2971696" indent="-228592" algn="l" defTabSz="914368" rtl="0" eaLnBrk="1" latinLnBrk="0" hangingPunct="1">
+              <a:lnSpc>
+                <a:spcPct val="90000"/>
+              </a:lnSpc>
+              <a:spcBef>
+                <a:spcPts val="501"/>
+              </a:spcBef>
+              <a:buFont typeface="Arial" panose="020B0604020202020204" pitchFamily="34" charset="0"/>
+              <a:buChar char="•"/>
+              <a:defRPr sz="1800" kern="1200">
+                <a:solidFill>
+                  <a:schemeClr val="tx1"/>
+                </a:solidFill>
+                <a:latin typeface="+mn-lt"/>
+                <a:ea typeface="+mn-ea"/>
+                <a:cs typeface="+mn-cs"/>
+              </a:defRPr>
+            </a:lvl7pPr>
+            <a:lvl8pPr marL="3428880" indent="-228592" algn="l" defTabSz="914368" rtl="0" eaLnBrk="1" latinLnBrk="0" hangingPunct="1">
+              <a:lnSpc>
+                <a:spcPct val="90000"/>
+              </a:lnSpc>
+              <a:spcBef>
+                <a:spcPts val="501"/>
+              </a:spcBef>
+              <a:buFont typeface="Arial" panose="020B0604020202020204" pitchFamily="34" charset="0"/>
+              <a:buChar char="•"/>
+              <a:defRPr sz="1800" kern="1200">
+                <a:solidFill>
+                  <a:schemeClr val="tx1"/>
+                </a:solidFill>
+                <a:latin typeface="+mn-lt"/>
+                <a:ea typeface="+mn-ea"/>
+                <a:cs typeface="+mn-cs"/>
+              </a:defRPr>
+            </a:lvl8pPr>
+            <a:lvl9pPr marL="3886064" indent="-228592" algn="l" defTabSz="914368" rtl="0" eaLnBrk="1" latinLnBrk="0" hangingPunct="1">
+              <a:lnSpc>
+                <a:spcPct val="90000"/>
+              </a:lnSpc>
+              <a:spcBef>
+                <a:spcPts val="501"/>
+              </a:spcBef>
+              <a:buFont typeface="Arial" panose="020B0604020202020204" pitchFamily="34" charset="0"/>
+              <a:buChar char="•"/>
+              <a:defRPr sz="1800" kern="1200">
+                <a:solidFill>
+                  <a:schemeClr val="tx1"/>
+                </a:solidFill>
+                <a:latin typeface="+mn-lt"/>
+                <a:ea typeface="+mn-ea"/>
+                <a:cs typeface="+mn-cs"/>
+              </a:defRPr>
+            </a:lvl9pPr>
+          </a:lstStyle>
+          <a:p>
+            <a:endParaRPr lang="en-GB" dirty="0"/>
+          </a:p>
+        </p:txBody>
+      </p:sp>
+      <p:sp>
+        <p:nvSpPr>
+          <p:cNvPr id="14" name="Textplatzhalter 10">
+            <a:extLst>
+              <a:ext uri="{FF2B5EF4-FFF2-40B4-BE49-F238E27FC236}">
+                <a16:creationId xmlns:a16="http://schemas.microsoft.com/office/drawing/2014/main" id="{C6816D5B-ACB6-4517-A10C-0204A42D225D}"/>
+              </a:ext>
+            </a:extLst>
+          </p:cNvPr>
+          <p:cNvSpPr txBox="1">
+            <a:spLocks/>
+          </p:cNvSpPr>
+          <p:nvPr/>
+        </p:nvSpPr>
+        <p:spPr>
+          <a:xfrm>
+            <a:off x="2899199" y="5594004"/>
+            <a:ext cx="5359583" cy="288000"/>
+          </a:xfrm>
+          <a:prstGeom prst="rect">
+            <a:avLst/>
+          </a:prstGeom>
+        </p:spPr>
+        <p:txBody>
+          <a:bodyPr vert="horz" lIns="0" tIns="0" rIns="0" bIns="0" rtlCol="0">
+            <a:noAutofit/>
+          </a:bodyPr>
+          <a:lstStyle>
+            <a:lvl1pPr marL="0" indent="0" algn="l" defTabSz="914368" rtl="0" eaLnBrk="1" latinLnBrk="0" hangingPunct="1">
+              <a:lnSpc>
+                <a:spcPct val="120000"/>
+              </a:lnSpc>
+              <a:spcBef>
+                <a:spcPts val="1000"/>
+              </a:spcBef>
+              <a:buClr>
+                <a:schemeClr val="accent1"/>
+              </a:buClr>
+              <a:buFont typeface="Arial" panose="020B0604020202020204" pitchFamily="34" charset="0"/>
+              <a:buNone/>
+              <a:defRPr sz="1600" b="0" kern="1200">
+                <a:solidFill>
+                  <a:schemeClr val="tx1"/>
+                </a:solidFill>
+                <a:latin typeface="+mn-lt"/>
+                <a:ea typeface="+mn-ea"/>
+                <a:cs typeface="+mn-cs"/>
+              </a:defRPr>
+            </a:lvl1pPr>
+            <a:lvl2pPr marL="480468" indent="-245525" algn="l" defTabSz="914368" rtl="0" eaLnBrk="1" latinLnBrk="0" hangingPunct="1">
+              <a:lnSpc>
+                <a:spcPct val="120000"/>
+              </a:lnSpc>
+              <a:spcBef>
+                <a:spcPts val="501"/>
+              </a:spcBef>
+              <a:buClr>
+                <a:schemeClr val="tx1"/>
+              </a:buClr>
+              <a:buFont typeface="Arial" panose="020B0604020202020204" pitchFamily="34" charset="0"/>
+              <a:buChar char="•"/>
+              <a:defRPr sz="2133" kern="1200">
+                <a:solidFill>
+                  <a:schemeClr val="bg1"/>
+                </a:solidFill>
+                <a:latin typeface="+mn-lt"/>
+                <a:ea typeface="+mn-ea"/>
+                <a:cs typeface="+mn-cs"/>
+              </a:defRPr>
+            </a:lvl2pPr>
+            <a:lvl3pPr marL="715409" indent="-234943" algn="l" defTabSz="914368" rtl="0" eaLnBrk="1" latinLnBrk="0" hangingPunct="1">
+              <a:lnSpc>
+                <a:spcPct val="120000"/>
+              </a:lnSpc>
+              <a:spcBef>
+                <a:spcPts val="501"/>
+              </a:spcBef>
+              <a:buClr>
+                <a:schemeClr val="tx1"/>
+              </a:buClr>
+              <a:buFont typeface="Arial" panose="020B0604020202020204" pitchFamily="34" charset="0"/>
+              <a:buChar char="•"/>
+              <a:defRPr sz="1867" kern="1200">
+                <a:solidFill>
+                  <a:schemeClr val="bg1"/>
+                </a:solidFill>
+                <a:latin typeface="+mn-lt"/>
+                <a:ea typeface="+mn-ea"/>
+                <a:cs typeface="+mn-cs"/>
+              </a:defRPr>
+            </a:lvl3pPr>
+            <a:lvl4pPr marL="960933" indent="-245525" algn="l" defTabSz="914368" rtl="0" eaLnBrk="1" latinLnBrk="0" hangingPunct="1">
+              <a:lnSpc>
+                <a:spcPct val="120000"/>
+              </a:lnSpc>
+              <a:spcBef>
+                <a:spcPts val="501"/>
+              </a:spcBef>
+              <a:buClr>
+                <a:schemeClr val="tx1"/>
+              </a:buClr>
+              <a:buFont typeface="Arial" panose="020B0604020202020204" pitchFamily="34" charset="0"/>
+              <a:buChar char="•"/>
+              <a:defRPr sz="1867" kern="1200">
+                <a:solidFill>
+                  <a:schemeClr val="bg1"/>
+                </a:solidFill>
+                <a:latin typeface="+mn-lt"/>
+                <a:ea typeface="+mn-ea"/>
+                <a:cs typeface="+mn-cs"/>
+              </a:defRPr>
+            </a:lvl4pPr>
+            <a:lvl5pPr marL="1195875" indent="-234943" algn="l" defTabSz="914368" rtl="0" eaLnBrk="1" latinLnBrk="0" hangingPunct="1">
+              <a:lnSpc>
+                <a:spcPct val="120000"/>
+              </a:lnSpc>
+              <a:spcBef>
+                <a:spcPts val="501"/>
+              </a:spcBef>
+              <a:buClr>
+                <a:schemeClr val="tx1"/>
+              </a:buClr>
+              <a:buFont typeface="Arial" panose="020B0604020202020204" pitchFamily="34" charset="0"/>
+              <a:buChar char="•"/>
+              <a:defRPr sz="1867" kern="1200">
+                <a:solidFill>
+                  <a:schemeClr val="bg1"/>
+                </a:solidFill>
+                <a:latin typeface="+mn-lt"/>
+                <a:ea typeface="+mn-ea"/>
+                <a:cs typeface="+mn-cs"/>
+              </a:defRPr>
+            </a:lvl5pPr>
+            <a:lvl6pPr marL="2514512" indent="-228592" algn="l" defTabSz="914368" rtl="0" eaLnBrk="1" latinLnBrk="0" hangingPunct="1">
+              <a:lnSpc>
+                <a:spcPct val="90000"/>
+              </a:lnSpc>
+              <a:spcBef>
+                <a:spcPts val="501"/>
+              </a:spcBef>
+              <a:buFont typeface="Arial" panose="020B0604020202020204" pitchFamily="34" charset="0"/>
+              <a:buChar char="•"/>
+              <a:defRPr sz="1800" kern="1200">
+                <a:solidFill>
+                  <a:schemeClr val="tx1"/>
+                </a:solidFill>
+                <a:latin typeface="+mn-lt"/>
+                <a:ea typeface="+mn-ea"/>
+                <a:cs typeface="+mn-cs"/>
+              </a:defRPr>
+            </a:lvl6pPr>
+            <a:lvl7pPr marL="2971696" indent="-228592" algn="l" defTabSz="914368" rtl="0" eaLnBrk="1" latinLnBrk="0" hangingPunct="1">
+              <a:lnSpc>
+                <a:spcPct val="90000"/>
+              </a:lnSpc>
+              <a:spcBef>
+                <a:spcPts val="501"/>
+              </a:spcBef>
+              <a:buFont typeface="Arial" panose="020B0604020202020204" pitchFamily="34" charset="0"/>
+              <a:buChar char="•"/>
+              <a:defRPr sz="1800" kern="1200">
+                <a:solidFill>
+                  <a:schemeClr val="tx1"/>
+                </a:solidFill>
+                <a:latin typeface="+mn-lt"/>
+                <a:ea typeface="+mn-ea"/>
+                <a:cs typeface="+mn-cs"/>
+              </a:defRPr>
+            </a:lvl7pPr>
+            <a:lvl8pPr marL="3428880" indent="-228592" algn="l" defTabSz="914368" rtl="0" eaLnBrk="1" latinLnBrk="0" hangingPunct="1">
+              <a:lnSpc>
+                <a:spcPct val="90000"/>
+              </a:lnSpc>
+              <a:spcBef>
+                <a:spcPts val="501"/>
+              </a:spcBef>
+              <a:buFont typeface="Arial" panose="020B0604020202020204" pitchFamily="34" charset="0"/>
+              <a:buChar char="•"/>
+              <a:defRPr sz="1800" kern="1200">
+                <a:solidFill>
+                  <a:schemeClr val="tx1"/>
+                </a:solidFill>
+                <a:latin typeface="+mn-lt"/>
+                <a:ea typeface="+mn-ea"/>
+                <a:cs typeface="+mn-cs"/>
+              </a:defRPr>
+            </a:lvl8pPr>
+            <a:lvl9pPr marL="3886064" indent="-228592" algn="l" defTabSz="914368" rtl="0" eaLnBrk="1" latinLnBrk="0" hangingPunct="1">
+              <a:lnSpc>
+                <a:spcPct val="90000"/>
+              </a:lnSpc>
+              <a:spcBef>
+                <a:spcPts val="501"/>
+              </a:spcBef>
+              <a:buFont typeface="Arial" panose="020B0604020202020204" pitchFamily="34" charset="0"/>
+              <a:buChar char="•"/>
+              <a:defRPr sz="1800" kern="1200">
+                <a:solidFill>
+                  <a:schemeClr val="tx1"/>
+                </a:solidFill>
+                <a:latin typeface="+mn-lt"/>
+                <a:ea typeface="+mn-ea"/>
+                <a:cs typeface="+mn-cs"/>
+              </a:defRPr>
+            </a:lvl9pPr>
+          </a:lstStyle>
+          <a:p>
+            <a:endParaRPr lang="en-GB" dirty="0"/>
+          </a:p>
+        </p:txBody>
+      </p:sp>
+      <p:sp>
+        <p:nvSpPr>
+          <p:cNvPr id="15" name="Textplatzhalter 2">
+            <a:extLst>
+              <a:ext uri="{FF2B5EF4-FFF2-40B4-BE49-F238E27FC236}">
+                <a16:creationId xmlns:a16="http://schemas.microsoft.com/office/drawing/2014/main" id="{CDD911A4-8AEF-4096-9178-FC995B4D7315}"/>
+              </a:ext>
+            </a:extLst>
+          </p:cNvPr>
+          <p:cNvSpPr txBox="1">
+            <a:spLocks/>
+          </p:cNvSpPr>
+          <p:nvPr/>
+        </p:nvSpPr>
+        <p:spPr>
+          <a:xfrm>
+            <a:off x="2899199" y="2790719"/>
+            <a:ext cx="3073584" cy="316703"/>
+          </a:xfrm>
+          <a:prstGeom prst="rect">
+            <a:avLst/>
+          </a:prstGeom>
+        </p:spPr>
+        <p:txBody>
+          <a:bodyPr vert="horz" lIns="0" tIns="0" rIns="0" bIns="0" rtlCol="0">
+            <a:noAutofit/>
+          </a:bodyPr>
+          <a:lstStyle>
+            <a:lvl1pPr marL="0" indent="0" algn="l" defTabSz="914368" rtl="0" eaLnBrk="1" latinLnBrk="0" hangingPunct="1">
+              <a:lnSpc>
+                <a:spcPct val="120000"/>
+              </a:lnSpc>
+              <a:spcBef>
+                <a:spcPts val="1000"/>
+              </a:spcBef>
+              <a:buClr>
+                <a:schemeClr val="accent1"/>
+              </a:buClr>
+              <a:buFont typeface="Arial" panose="020B0604020202020204" pitchFamily="34" charset="0"/>
+              <a:buNone/>
+              <a:defRPr sz="1600" b="1" kern="1200">
+                <a:solidFill>
+                  <a:schemeClr val="tx1"/>
+                </a:solidFill>
+                <a:latin typeface="+mn-lt"/>
+                <a:ea typeface="+mn-ea"/>
+                <a:cs typeface="+mn-cs"/>
+              </a:defRPr>
+            </a:lvl1pPr>
+            <a:lvl2pPr marL="480468" indent="-245525" algn="l" defTabSz="914368" rtl="0" eaLnBrk="1" latinLnBrk="0" hangingPunct="1">
+              <a:lnSpc>
+                <a:spcPct val="120000"/>
+              </a:lnSpc>
+              <a:spcBef>
+                <a:spcPts val="501"/>
+              </a:spcBef>
+              <a:buClr>
+                <a:schemeClr val="tx1"/>
+              </a:buClr>
+              <a:buFont typeface="Arial" panose="020B0604020202020204" pitchFamily="34" charset="0"/>
+              <a:buChar char="•"/>
+              <a:defRPr sz="2133" kern="1200">
+                <a:solidFill>
+                  <a:schemeClr val="bg1"/>
+                </a:solidFill>
+                <a:latin typeface="+mn-lt"/>
+                <a:ea typeface="+mn-ea"/>
+                <a:cs typeface="+mn-cs"/>
+              </a:defRPr>
+            </a:lvl2pPr>
+            <a:lvl3pPr marL="715409" indent="-234943" algn="l" defTabSz="914368" rtl="0" eaLnBrk="1" latinLnBrk="0" hangingPunct="1">
+              <a:lnSpc>
+                <a:spcPct val="120000"/>
+              </a:lnSpc>
+              <a:spcBef>
+                <a:spcPts val="501"/>
+              </a:spcBef>
+              <a:buClr>
+                <a:schemeClr val="tx1"/>
+              </a:buClr>
+              <a:buFont typeface="Arial" panose="020B0604020202020204" pitchFamily="34" charset="0"/>
+              <a:buChar char="•"/>
+              <a:defRPr sz="1867" kern="1200">
+                <a:solidFill>
+                  <a:schemeClr val="bg1"/>
+                </a:solidFill>
+                <a:latin typeface="+mn-lt"/>
+                <a:ea typeface="+mn-ea"/>
+                <a:cs typeface="+mn-cs"/>
+              </a:defRPr>
+            </a:lvl3pPr>
+            <a:lvl4pPr marL="960933" indent="-245525" algn="l" defTabSz="914368" rtl="0" eaLnBrk="1" latinLnBrk="0" hangingPunct="1">
+              <a:lnSpc>
+                <a:spcPct val="120000"/>
+              </a:lnSpc>
+              <a:spcBef>
+                <a:spcPts val="501"/>
+              </a:spcBef>
+              <a:buClr>
+                <a:schemeClr val="tx1"/>
+              </a:buClr>
+              <a:buFont typeface="Arial" panose="020B0604020202020204" pitchFamily="34" charset="0"/>
+              <a:buChar char="•"/>
+              <a:defRPr sz="1867" kern="1200">
+                <a:solidFill>
+                  <a:schemeClr val="bg1"/>
+                </a:solidFill>
+                <a:latin typeface="+mn-lt"/>
+                <a:ea typeface="+mn-ea"/>
+                <a:cs typeface="+mn-cs"/>
+              </a:defRPr>
+            </a:lvl4pPr>
+            <a:lvl5pPr marL="1195875" indent="-234943" algn="l" defTabSz="914368" rtl="0" eaLnBrk="1" latinLnBrk="0" hangingPunct="1">
+              <a:lnSpc>
+                <a:spcPct val="120000"/>
+              </a:lnSpc>
+              <a:spcBef>
+                <a:spcPts val="501"/>
+              </a:spcBef>
+              <a:buClr>
+                <a:schemeClr val="tx1"/>
+              </a:buClr>
+              <a:buFont typeface="Arial" panose="020B0604020202020204" pitchFamily="34" charset="0"/>
+              <a:buChar char="•"/>
+              <a:defRPr sz="1867" kern="1200">
+                <a:solidFill>
+                  <a:schemeClr val="bg1"/>
+                </a:solidFill>
+                <a:latin typeface="+mn-lt"/>
+                <a:ea typeface="+mn-ea"/>
+                <a:cs typeface="+mn-cs"/>
+              </a:defRPr>
+            </a:lvl5pPr>
+            <a:lvl6pPr marL="2514512" indent="-228592" algn="l" defTabSz="914368" rtl="0" eaLnBrk="1" latinLnBrk="0" hangingPunct="1">
+              <a:lnSpc>
+                <a:spcPct val="90000"/>
+              </a:lnSpc>
+              <a:spcBef>
+                <a:spcPts val="501"/>
+              </a:spcBef>
+              <a:buFont typeface="Arial" panose="020B0604020202020204" pitchFamily="34" charset="0"/>
+              <a:buChar char="•"/>
+              <a:defRPr sz="1800" kern="1200">
+                <a:solidFill>
+                  <a:schemeClr val="tx1"/>
+                </a:solidFill>
+                <a:latin typeface="+mn-lt"/>
+                <a:ea typeface="+mn-ea"/>
+                <a:cs typeface="+mn-cs"/>
+              </a:defRPr>
+            </a:lvl6pPr>
+            <a:lvl7pPr marL="2971696" indent="-228592" algn="l" defTabSz="914368" rtl="0" eaLnBrk="1" latinLnBrk="0" hangingPunct="1">
+              <a:lnSpc>
+                <a:spcPct val="90000"/>
+              </a:lnSpc>
+              <a:spcBef>
+                <a:spcPts val="501"/>
+              </a:spcBef>
+              <a:buFont typeface="Arial" panose="020B0604020202020204" pitchFamily="34" charset="0"/>
+              <a:buChar char="•"/>
+              <a:defRPr sz="1800" kern="1200">
+                <a:solidFill>
+                  <a:schemeClr val="tx1"/>
+                </a:solidFill>
+                <a:latin typeface="+mn-lt"/>
+                <a:ea typeface="+mn-ea"/>
+                <a:cs typeface="+mn-cs"/>
+              </a:defRPr>
+            </a:lvl7pPr>
+            <a:lvl8pPr marL="3428880" indent="-228592" algn="l" defTabSz="914368" rtl="0" eaLnBrk="1" latinLnBrk="0" hangingPunct="1">
+              <a:lnSpc>
+                <a:spcPct val="90000"/>
+              </a:lnSpc>
+              <a:spcBef>
+                <a:spcPts val="501"/>
+              </a:spcBef>
+              <a:buFont typeface="Arial" panose="020B0604020202020204" pitchFamily="34" charset="0"/>
+              <a:buChar char="•"/>
+              <a:defRPr sz="1800" kern="1200">
+                <a:solidFill>
+                  <a:schemeClr val="tx1"/>
+                </a:solidFill>
+                <a:latin typeface="+mn-lt"/>
+                <a:ea typeface="+mn-ea"/>
+                <a:cs typeface="+mn-cs"/>
+              </a:defRPr>
+            </a:lvl8pPr>
+            <a:lvl9pPr marL="3886064" indent="-228592" algn="l" defTabSz="914368" rtl="0" eaLnBrk="1" latinLnBrk="0" hangingPunct="1">
+              <a:lnSpc>
+                <a:spcPct val="90000"/>
+              </a:lnSpc>
+              <a:spcBef>
+                <a:spcPts val="501"/>
+              </a:spcBef>
+              <a:buFont typeface="Arial" panose="020B0604020202020204" pitchFamily="34" charset="0"/>
+              <a:buChar char="•"/>
+              <a:defRPr sz="1800" kern="1200">
+                <a:solidFill>
+                  <a:schemeClr val="tx1"/>
+                </a:solidFill>
+                <a:latin typeface="+mn-lt"/>
+                <a:ea typeface="+mn-ea"/>
+                <a:cs typeface="+mn-cs"/>
+              </a:defRPr>
+            </a:lvl9pPr>
+          </a:lstStyle>
+          <a:p>
+            <a:r>
+              <a:rPr lang="de-DE" dirty="0"/>
+              <a:t>Katrin Schmidt</a:t>
+            </a:r>
+            <a:endParaRPr lang="en-GB" dirty="0"/>
+          </a:p>
+        </p:txBody>
+      </p:sp>
+      <p:sp>
+        <p:nvSpPr>
+          <p:cNvPr id="16" name="Textplatzhalter 3">
+            <a:extLst>
+              <a:ext uri="{FF2B5EF4-FFF2-40B4-BE49-F238E27FC236}">
+                <a16:creationId xmlns:a16="http://schemas.microsoft.com/office/drawing/2014/main" id="{F2FC0D54-4D68-4B00-BDFA-8B18DE87C546}"/>
+              </a:ext>
+            </a:extLst>
+          </p:cNvPr>
+          <p:cNvSpPr txBox="1">
+            <a:spLocks/>
+          </p:cNvSpPr>
+          <p:nvPr/>
+        </p:nvSpPr>
+        <p:spPr>
+          <a:xfrm>
+            <a:off x="2899198" y="3049920"/>
+            <a:ext cx="3073585" cy="287999"/>
+          </a:xfrm>
+          <a:prstGeom prst="rect">
+            <a:avLst/>
+          </a:prstGeom>
+        </p:spPr>
+        <p:txBody>
+          <a:bodyPr vert="horz" lIns="0" tIns="0" rIns="0" bIns="0" rtlCol="0">
+            <a:noAutofit/>
+          </a:bodyPr>
+          <a:lstStyle>
+            <a:lvl1pPr marL="228592" indent="-228592" algn="l" defTabSz="914368" rtl="0" eaLnBrk="1" latinLnBrk="0" hangingPunct="1">
+              <a:lnSpc>
+                <a:spcPct val="120000"/>
+              </a:lnSpc>
+              <a:spcBef>
+                <a:spcPts val="1000"/>
+              </a:spcBef>
+              <a:buClr>
+                <a:schemeClr val="accent1"/>
+              </a:buClr>
+              <a:buFontTx/>
+              <a:buNone/>
+              <a:defRPr lang="de-DE" sz="1600" b="0" kern="1200" dirty="0" smtClean="0">
+                <a:solidFill>
+                  <a:schemeClr val="tx1"/>
+                </a:solidFill>
+                <a:latin typeface="+mn-lt"/>
+                <a:ea typeface="+mn-ea"/>
+                <a:cs typeface="+mn-cs"/>
+              </a:defRPr>
+            </a:lvl1pPr>
+            <a:lvl2pPr marL="480468" indent="-245525" algn="l" defTabSz="914368" rtl="0" eaLnBrk="1" latinLnBrk="0" hangingPunct="1">
+              <a:lnSpc>
+                <a:spcPct val="120000"/>
+              </a:lnSpc>
+              <a:spcBef>
+                <a:spcPts val="501"/>
+              </a:spcBef>
+              <a:buClr>
+                <a:schemeClr val="tx1"/>
+              </a:buClr>
+              <a:buFont typeface="Arial" panose="020B0604020202020204" pitchFamily="34" charset="0"/>
+              <a:buChar char="•"/>
+              <a:defRPr lang="de-DE" sz="1600" b="0" kern="1200" dirty="0" smtClean="0">
+                <a:solidFill>
+                  <a:schemeClr val="tx1"/>
+                </a:solidFill>
+                <a:latin typeface="+mn-lt"/>
+                <a:ea typeface="+mn-ea"/>
+                <a:cs typeface="+mn-cs"/>
+              </a:defRPr>
+            </a:lvl2pPr>
+            <a:lvl3pPr marL="715409" indent="-234943" algn="l" defTabSz="914368" rtl="0" eaLnBrk="1" latinLnBrk="0" hangingPunct="1">
+              <a:lnSpc>
+                <a:spcPct val="120000"/>
+              </a:lnSpc>
+              <a:spcBef>
+                <a:spcPts val="501"/>
+              </a:spcBef>
+              <a:buClr>
+                <a:schemeClr val="tx1"/>
+              </a:buClr>
+              <a:buFont typeface="Arial" panose="020B0604020202020204" pitchFamily="34" charset="0"/>
+              <a:buChar char="•"/>
+              <a:defRPr lang="de-DE" sz="1600" b="0" kern="1200" dirty="0" smtClean="0">
+                <a:solidFill>
+                  <a:schemeClr val="tx1"/>
+                </a:solidFill>
+                <a:latin typeface="+mn-lt"/>
+                <a:ea typeface="+mn-ea"/>
+                <a:cs typeface="+mn-cs"/>
+              </a:defRPr>
+            </a:lvl3pPr>
+            <a:lvl4pPr marL="960933" indent="-245525" algn="l" defTabSz="914368" rtl="0" eaLnBrk="1" latinLnBrk="0" hangingPunct="1">
+              <a:lnSpc>
+                <a:spcPct val="120000"/>
+              </a:lnSpc>
+              <a:spcBef>
+                <a:spcPts val="501"/>
+              </a:spcBef>
+              <a:buClr>
+                <a:schemeClr val="tx1"/>
+              </a:buClr>
+              <a:buFont typeface="Arial" panose="020B0604020202020204" pitchFamily="34" charset="0"/>
+              <a:buChar char="•"/>
+              <a:defRPr lang="de-DE" sz="1600" b="0" kern="1200" dirty="0" smtClean="0">
+                <a:solidFill>
+                  <a:schemeClr val="tx1"/>
+                </a:solidFill>
+                <a:latin typeface="+mn-lt"/>
+                <a:ea typeface="+mn-ea"/>
+                <a:cs typeface="+mn-cs"/>
+              </a:defRPr>
+            </a:lvl4pPr>
+            <a:lvl5pPr marL="1195875" indent="-234943" algn="l" defTabSz="914368" rtl="0" eaLnBrk="1" latinLnBrk="0" hangingPunct="1">
+              <a:lnSpc>
+                <a:spcPct val="120000"/>
+              </a:lnSpc>
+              <a:spcBef>
+                <a:spcPts val="501"/>
+              </a:spcBef>
+              <a:buClr>
+                <a:schemeClr val="tx1"/>
+              </a:buClr>
+              <a:buFont typeface="Arial" panose="020B0604020202020204" pitchFamily="34" charset="0"/>
+              <a:buChar char="•"/>
+              <a:defRPr lang="de-DE" sz="1600" b="0" kern="1200" dirty="0">
+                <a:solidFill>
+                  <a:schemeClr val="tx1"/>
+                </a:solidFill>
+                <a:latin typeface="+mn-lt"/>
+                <a:ea typeface="+mn-ea"/>
+                <a:cs typeface="+mn-cs"/>
+              </a:defRPr>
+            </a:lvl5pPr>
+            <a:lvl6pPr marL="2514512" indent="-228592" algn="l" defTabSz="914368" rtl="0" eaLnBrk="1" latinLnBrk="0" hangingPunct="1">
+              <a:lnSpc>
+                <a:spcPct val="90000"/>
+              </a:lnSpc>
+              <a:spcBef>
+                <a:spcPts val="501"/>
+              </a:spcBef>
+              <a:buFont typeface="Arial" panose="020B0604020202020204" pitchFamily="34" charset="0"/>
+              <a:buChar char="•"/>
+              <a:defRPr sz="1800" kern="1200">
+                <a:solidFill>
+                  <a:schemeClr val="tx1"/>
+                </a:solidFill>
+                <a:latin typeface="+mn-lt"/>
+                <a:ea typeface="+mn-ea"/>
+                <a:cs typeface="+mn-cs"/>
+              </a:defRPr>
+            </a:lvl6pPr>
+            <a:lvl7pPr marL="2971696" indent="-228592" algn="l" defTabSz="914368" rtl="0" eaLnBrk="1" latinLnBrk="0" hangingPunct="1">
+              <a:lnSpc>
+                <a:spcPct val="90000"/>
+              </a:lnSpc>
+              <a:spcBef>
+                <a:spcPts val="501"/>
+              </a:spcBef>
+              <a:buFont typeface="Arial" panose="020B0604020202020204" pitchFamily="34" charset="0"/>
+              <a:buChar char="•"/>
+              <a:defRPr sz="1800" kern="1200">
+                <a:solidFill>
+                  <a:schemeClr val="tx1"/>
+                </a:solidFill>
+                <a:latin typeface="+mn-lt"/>
+                <a:ea typeface="+mn-ea"/>
+                <a:cs typeface="+mn-cs"/>
+              </a:defRPr>
+            </a:lvl7pPr>
+            <a:lvl8pPr marL="3428880" indent="-228592" algn="l" defTabSz="914368" rtl="0" eaLnBrk="1" latinLnBrk="0" hangingPunct="1">
+              <a:lnSpc>
+                <a:spcPct val="90000"/>
+              </a:lnSpc>
+              <a:spcBef>
+                <a:spcPts val="501"/>
+              </a:spcBef>
+              <a:buFont typeface="Arial" panose="020B0604020202020204" pitchFamily="34" charset="0"/>
+              <a:buChar char="•"/>
+              <a:defRPr sz="1800" kern="1200">
+                <a:solidFill>
+                  <a:schemeClr val="tx1"/>
+                </a:solidFill>
+                <a:latin typeface="+mn-lt"/>
+                <a:ea typeface="+mn-ea"/>
+                <a:cs typeface="+mn-cs"/>
+              </a:defRPr>
+            </a:lvl8pPr>
+            <a:lvl9pPr marL="3886064" indent="-228592" algn="l" defTabSz="914368" rtl="0" eaLnBrk="1" latinLnBrk="0" hangingPunct="1">
+              <a:lnSpc>
+                <a:spcPct val="90000"/>
+              </a:lnSpc>
+              <a:spcBef>
+                <a:spcPts val="501"/>
+              </a:spcBef>
+              <a:buFont typeface="Arial" panose="020B0604020202020204" pitchFamily="34" charset="0"/>
+              <a:buChar char="•"/>
+              <a:defRPr sz="1800" kern="1200">
+                <a:solidFill>
+                  <a:schemeClr val="tx1"/>
+                </a:solidFill>
+                <a:latin typeface="+mn-lt"/>
+                <a:ea typeface="+mn-ea"/>
+                <a:cs typeface="+mn-cs"/>
+              </a:defRPr>
+            </a:lvl9pPr>
+          </a:lstStyle>
+          <a:p>
+            <a:r>
+              <a:rPr lang="en-GB" dirty="0"/>
+              <a:t>katrin.schmidt@ims.uni-stuttgart.de </a:t>
+            </a:r>
+          </a:p>
+        </p:txBody>
+      </p:sp>
+    </p:spTree>
+    <p:extLst>
+      <p:ext uri="{BB962C8B-B14F-4D97-AF65-F5344CB8AC3E}">
+        <p14:creationId xmlns:p14="http://schemas.microsoft.com/office/powerpoint/2010/main" val="3362486034"/>
+      </p:ext>
+    </p:extLst>
+  </p:cSld>
+  <p:clrMapOvr>
+    <a:masterClrMapping/>
+  </p:clrMapOvr>
+</p:sld>
+</file>
+
 <file path=ppt/slides/slide2.xml><?xml version="1.0" encoding="utf-8"?>
 <p:sld xmlns:a="http://schemas.openxmlformats.org/drawingml/2006/main" xmlns:r="http://schemas.openxmlformats.org/officeDocument/2006/relationships" xmlns:p="http://schemas.openxmlformats.org/presentationml/2006/main">
   <p:cSld>
@@ -21920,7 +24108,7 @@
               <a:rPr lang="en-US" sz="2000" dirty="0">
                 <a:latin typeface="+mj-lt"/>
               </a:rPr>
-              <a:t>Which of my 5 authors has written this text</a:t>
+              <a:t>Which of 5 known authors has written this text</a:t>
             </a:r>
           </a:p>
           <a:p>
@@ -22177,7 +24365,7 @@
               <a:rPr lang="en-US" sz="2000" dirty="0">
                 <a:latin typeface="+mj-lt"/>
               </a:rPr>
-              <a:t>3309 authors</a:t>
+              <a:t>3 309 authors</a:t>
             </a:r>
           </a:p>
           <a:p>
@@ -22185,7 +24373,7 @@
               <a:rPr lang="en-US" sz="2000" dirty="0">
                 <a:latin typeface="+mj-lt"/>
               </a:rPr>
-              <a:t>15567 poems</a:t>
+              <a:t>15 567 poems</a:t>
             </a:r>
           </a:p>
         </p:txBody>
@@ -22264,13 +24452,13 @@
           <p:nvPr/>
         </p:nvPicPr>
         <p:blipFill>
-          <a:blip r:embed="rId2">
+          <a:blip r:embed="rId3">
             <a:extLst>
               <a:ext uri="{28A0092B-C50C-407E-A947-70E740481C1C}">
                 <a14:useLocalDpi xmlns:a14="http://schemas.microsoft.com/office/drawing/2010/main" val="0"/>
               </a:ext>
               <a:ext uri="{96DAC541-7B7A-43D3-8B79-37D633B846F1}">
-                <asvg:svgBlip xmlns:asvg="http://schemas.microsoft.com/office/drawing/2016/SVG/main" r:embed="rId3"/>
+                <asvg:svgBlip xmlns:asvg="http://schemas.microsoft.com/office/drawing/2016/SVG/main" r:embed="rId4"/>
               </a:ext>
             </a:extLst>
           </a:blip>
@@ -22568,7 +24756,7 @@
               <a:rPr lang="en-GB" sz="2000" dirty="0">
                 <a:latin typeface="+mj-lt"/>
               </a:rPr>
-              <a:t>1569 poems</a:t>
+              <a:t>1 569 poems</a:t>
             </a:r>
           </a:p>
         </p:txBody>
@@ -23120,7 +25308,7 @@
           <p:nvPr/>
         </p:nvPicPr>
         <p:blipFill rotWithShape="1">
-          <a:blip r:embed="rId2">
+          <a:blip r:embed="rId3">
             <a:extLst>
               <a:ext uri="{28A0092B-C50C-407E-A947-70E740481C1C}">
                 <a14:useLocalDpi xmlns:a14="http://schemas.microsoft.com/office/drawing/2010/main" val="0"/>
@@ -23216,7 +25404,7 @@
           <p:nvPr/>
         </p:nvPicPr>
         <p:blipFill>
-          <a:blip r:embed="rId3">
+          <a:blip r:embed="rId4">
             <a:extLst>
               <a:ext uri="{28A0092B-C50C-407E-A947-70E740481C1C}">
                 <a14:useLocalDpi xmlns:a14="http://schemas.microsoft.com/office/drawing/2010/main" val="0"/>
@@ -25084,7 +27272,7 @@
             </p:nvSpPr>
             <p:spPr>
               <a:blipFill>
-                <a:blip r:embed="rId2"/>
+                <a:blip r:embed="rId3"/>
                 <a:stretch>
                   <a:fillRect l="-1386" t="-879"/>
                 </a:stretch>
@@ -25252,6 +27440,294 @@
   <p:clrMapOvr>
     <a:masterClrMapping/>
   </p:clrMapOvr>
+  <p:timing>
+    <p:tnLst>
+      <p:par>
+        <p:cTn id="1" dur="indefinite" restart="never" nodeType="tmRoot">
+          <p:childTnLst>
+            <p:seq concurrent="1" nextAc="seek">
+              <p:cTn id="2" dur="indefinite" nodeType="mainSeq">
+                <p:childTnLst>
+                  <p:par>
+                    <p:cTn id="3" fill="hold">
+                      <p:stCondLst>
+                        <p:cond delay="indefinite"/>
+                      </p:stCondLst>
+                      <p:childTnLst>
+                        <p:par>
+                          <p:cTn id="4" fill="hold">
+                            <p:stCondLst>
+                              <p:cond delay="0"/>
+                            </p:stCondLst>
+                            <p:childTnLst>
+                              <p:par>
+                                <p:cTn id="5" presetID="1" presetClass="entr" presetSubtype="0" fill="hold" nodeType="clickEffect">
+                                  <p:stCondLst>
+                                    <p:cond delay="0"/>
+                                  </p:stCondLst>
+                                  <p:childTnLst>
+                                    <p:set>
+                                      <p:cBhvr>
+                                        <p:cTn id="6" dur="1" fill="hold">
+                                          <p:stCondLst>
+                                            <p:cond delay="0"/>
+                                          </p:stCondLst>
+                                        </p:cTn>
+                                        <p:tgtEl>
+                                          <p:spTgt spid="4">
+                                            <p:txEl>
+                                              <p:pRg st="0" end="0"/>
+                                            </p:txEl>
+                                          </p:spTgt>
+                                        </p:tgtEl>
+                                        <p:attrNameLst>
+                                          <p:attrName>style.visibility</p:attrName>
+                                        </p:attrNameLst>
+                                      </p:cBhvr>
+                                      <p:to>
+                                        <p:strVal val="visible"/>
+                                      </p:to>
+                                    </p:set>
+                                  </p:childTnLst>
+                                </p:cTn>
+                              </p:par>
+                              <p:par>
+                                <p:cTn id="7" presetID="1" presetClass="entr" presetSubtype="0" fill="hold" nodeType="withEffect">
+                                  <p:stCondLst>
+                                    <p:cond delay="0"/>
+                                  </p:stCondLst>
+                                  <p:childTnLst>
+                                    <p:set>
+                                      <p:cBhvr>
+                                        <p:cTn id="8" dur="1" fill="hold">
+                                          <p:stCondLst>
+                                            <p:cond delay="0"/>
+                                          </p:stCondLst>
+                                        </p:cTn>
+                                        <p:tgtEl>
+                                          <p:spTgt spid="4">
+                                            <p:txEl>
+                                              <p:pRg st="1" end="1"/>
+                                            </p:txEl>
+                                          </p:spTgt>
+                                        </p:tgtEl>
+                                        <p:attrNameLst>
+                                          <p:attrName>style.visibility</p:attrName>
+                                        </p:attrNameLst>
+                                      </p:cBhvr>
+                                      <p:to>
+                                        <p:strVal val="visible"/>
+                                      </p:to>
+                                    </p:set>
+                                  </p:childTnLst>
+                                </p:cTn>
+                              </p:par>
+                            </p:childTnLst>
+                          </p:cTn>
+                        </p:par>
+                      </p:childTnLst>
+                    </p:cTn>
+                  </p:par>
+                  <p:par>
+                    <p:cTn id="9" fill="hold">
+                      <p:stCondLst>
+                        <p:cond delay="indefinite"/>
+                      </p:stCondLst>
+                      <p:childTnLst>
+                        <p:par>
+                          <p:cTn id="10" fill="hold">
+                            <p:stCondLst>
+                              <p:cond delay="0"/>
+                            </p:stCondLst>
+                            <p:childTnLst>
+                              <p:par>
+                                <p:cTn id="11" presetID="1" presetClass="entr" presetSubtype="0" fill="hold" nodeType="clickEffect">
+                                  <p:stCondLst>
+                                    <p:cond delay="0"/>
+                                  </p:stCondLst>
+                                  <p:childTnLst>
+                                    <p:set>
+                                      <p:cBhvr>
+                                        <p:cTn id="12" dur="1" fill="hold">
+                                          <p:stCondLst>
+                                            <p:cond delay="0"/>
+                                          </p:stCondLst>
+                                        </p:cTn>
+                                        <p:tgtEl>
+                                          <p:spTgt spid="4">
+                                            <p:txEl>
+                                              <p:pRg st="2" end="2"/>
+                                            </p:txEl>
+                                          </p:spTgt>
+                                        </p:tgtEl>
+                                        <p:attrNameLst>
+                                          <p:attrName>style.visibility</p:attrName>
+                                        </p:attrNameLst>
+                                      </p:cBhvr>
+                                      <p:to>
+                                        <p:strVal val="visible"/>
+                                      </p:to>
+                                    </p:set>
+                                  </p:childTnLst>
+                                </p:cTn>
+                              </p:par>
+                            </p:childTnLst>
+                          </p:cTn>
+                        </p:par>
+                      </p:childTnLst>
+                    </p:cTn>
+                  </p:par>
+                  <p:par>
+                    <p:cTn id="13" fill="hold">
+                      <p:stCondLst>
+                        <p:cond delay="indefinite"/>
+                      </p:stCondLst>
+                      <p:childTnLst>
+                        <p:par>
+                          <p:cTn id="14" fill="hold">
+                            <p:stCondLst>
+                              <p:cond delay="0"/>
+                            </p:stCondLst>
+                            <p:childTnLst>
+                              <p:par>
+                                <p:cTn id="15" presetID="1" presetClass="entr" presetSubtype="0" fill="hold" nodeType="clickEffect">
+                                  <p:stCondLst>
+                                    <p:cond delay="0"/>
+                                  </p:stCondLst>
+                                  <p:childTnLst>
+                                    <p:set>
+                                      <p:cBhvr>
+                                        <p:cTn id="16" dur="1" fill="hold">
+                                          <p:stCondLst>
+                                            <p:cond delay="0"/>
+                                          </p:stCondLst>
+                                        </p:cTn>
+                                        <p:tgtEl>
+                                          <p:spTgt spid="4">
+                                            <p:txEl>
+                                              <p:pRg st="3" end="3"/>
+                                            </p:txEl>
+                                          </p:spTgt>
+                                        </p:tgtEl>
+                                        <p:attrNameLst>
+                                          <p:attrName>style.visibility</p:attrName>
+                                        </p:attrNameLst>
+                                      </p:cBhvr>
+                                      <p:to>
+                                        <p:strVal val="visible"/>
+                                      </p:to>
+                                    </p:set>
+                                  </p:childTnLst>
+                                </p:cTn>
+                              </p:par>
+                            </p:childTnLst>
+                          </p:cTn>
+                        </p:par>
+                      </p:childTnLst>
+                    </p:cTn>
+                  </p:par>
+                  <p:par>
+                    <p:cTn id="17" fill="hold">
+                      <p:stCondLst>
+                        <p:cond delay="indefinite"/>
+                      </p:stCondLst>
+                      <p:childTnLst>
+                        <p:par>
+                          <p:cTn id="18" fill="hold">
+                            <p:stCondLst>
+                              <p:cond delay="0"/>
+                            </p:stCondLst>
+                            <p:childTnLst>
+                              <p:par>
+                                <p:cTn id="19" presetID="1" presetClass="entr" presetSubtype="0" fill="hold" nodeType="clickEffect">
+                                  <p:stCondLst>
+                                    <p:cond delay="0"/>
+                                  </p:stCondLst>
+                                  <p:childTnLst>
+                                    <p:set>
+                                      <p:cBhvr>
+                                        <p:cTn id="20" dur="1" fill="hold">
+                                          <p:stCondLst>
+                                            <p:cond delay="0"/>
+                                          </p:stCondLst>
+                                        </p:cTn>
+                                        <p:tgtEl>
+                                          <p:spTgt spid="4">
+                                            <p:txEl>
+                                              <p:pRg st="6" end="6"/>
+                                            </p:txEl>
+                                          </p:spTgt>
+                                        </p:tgtEl>
+                                        <p:attrNameLst>
+                                          <p:attrName>style.visibility</p:attrName>
+                                        </p:attrNameLst>
+                                      </p:cBhvr>
+                                      <p:to>
+                                        <p:strVal val="visible"/>
+                                      </p:to>
+                                    </p:set>
+                                  </p:childTnLst>
+                                </p:cTn>
+                              </p:par>
+                              <p:par>
+                                <p:cTn id="21" presetID="1" presetClass="entr" presetSubtype="0" fill="hold" nodeType="withEffect">
+                                  <p:stCondLst>
+                                    <p:cond delay="0"/>
+                                  </p:stCondLst>
+                                  <p:childTnLst>
+                                    <p:set>
+                                      <p:cBhvr>
+                                        <p:cTn id="22" dur="1" fill="hold">
+                                          <p:stCondLst>
+                                            <p:cond delay="0"/>
+                                          </p:stCondLst>
+                                        </p:cTn>
+                                        <p:tgtEl>
+                                          <p:spTgt spid="4">
+                                            <p:txEl>
+                                              <p:pRg st="7" end="7"/>
+                                            </p:txEl>
+                                          </p:spTgt>
+                                        </p:tgtEl>
+                                        <p:attrNameLst>
+                                          <p:attrName>style.visibility</p:attrName>
+                                        </p:attrNameLst>
+                                      </p:cBhvr>
+                                      <p:to>
+                                        <p:strVal val="visible"/>
+                                      </p:to>
+                                    </p:set>
+                                  </p:childTnLst>
+                                </p:cTn>
+                              </p:par>
+                            </p:childTnLst>
+                          </p:cTn>
+                        </p:par>
+                      </p:childTnLst>
+                    </p:cTn>
+                  </p:par>
+                </p:childTnLst>
+              </p:cTn>
+              <p:prevCondLst>
+                <p:cond evt="onPrev" delay="0">
+                  <p:tgtEl>
+                    <p:sldTgt/>
+                  </p:tgtEl>
+                </p:cond>
+              </p:prevCondLst>
+              <p:nextCondLst>
+                <p:cond evt="onNext" delay="0">
+                  <p:tgtEl>
+                    <p:sldTgt/>
+                  </p:tgtEl>
+                </p:cond>
+              </p:nextCondLst>
+            </p:seq>
+          </p:childTnLst>
+        </p:cTn>
+      </p:par>
+    </p:tnLst>
+  </p:timing>
 </p:sld>
 </file>
 
@@ -25362,7 +27838,7 @@
             <p:ph idx="1"/>
             <p:extLst>
               <p:ext uri="{D42A27DB-BD31-4B8C-83A1-F6EECF244321}">
-                <p14:modId xmlns:p14="http://schemas.microsoft.com/office/powerpoint/2010/main" val="1991508156"/>
+                <p14:modId xmlns:p14="http://schemas.microsoft.com/office/powerpoint/2010/main" val="1404502684"/>
               </p:ext>
             </p:extLst>
           </p:nvPr>
@@ -25652,7 +28128,9 @@
               <a:buChar char="s"/>
             </a:pPr>
             <a:r>
-              <a:rPr lang="en-US" dirty="0"/>
+              <a:rPr lang="en-US" dirty="0">
+                <a:latin typeface="+mj-lt"/>
+              </a:rPr>
               <a:t>How does the number of authors influence the classification?</a:t>
             </a:r>
           </a:p>
@@ -25662,60 +28140,83 @@
               <a:buChar char="s"/>
             </a:pPr>
             <a:r>
-              <a:rPr lang="en-US" dirty="0"/>
+              <a:rPr lang="en-US" dirty="0">
+                <a:latin typeface="+mj-lt"/>
+              </a:rPr>
               <a:t>Are bag-of-word features enough?</a:t>
             </a:r>
           </a:p>
           <a:p>
             <a:r>
-              <a:rPr lang="en-US" dirty="0"/>
+              <a:rPr lang="en-US" dirty="0">
+                <a:latin typeface="+mj-lt"/>
+              </a:rPr>
               <a:t>Experimental design:</a:t>
             </a:r>
           </a:p>
           <a:p>
             <a:pPr lvl="1"/>
             <a:r>
-              <a:rPr lang="en-US" dirty="0"/>
-              <a:t>39 authors </a:t>
-            </a:r>
-            <a:r>
               <a:rPr lang="en-US" dirty="0">
-                <a:highlight>
-                  <a:srgbClr val="FFFF00"/>
-                </a:highlight>
+                <a:latin typeface="+mj-lt"/>
               </a:rPr>
-              <a:t>(vs. 15 authors)</a:t>
-            </a:r>
-            <a:r>
-              <a:rPr lang="en-US" dirty="0"/>
-              <a:t> </a:t>
+              <a:t>30 authors</a:t>
             </a:r>
           </a:p>
           <a:p>
             <a:pPr lvl="1"/>
             <a:r>
-              <a:rPr lang="en-US" dirty="0"/>
-              <a:t>50 features per label (only bag-of-words)</a:t>
+              <a:rPr lang="en-US" dirty="0">
+                <a:latin typeface="+mj-lt"/>
+              </a:rPr>
+              <a:t>10-50 features per label (only bag-of-words)</a:t>
             </a:r>
           </a:p>
           <a:p>
             <a:pPr lvl="1"/>
-            <a:endParaRPr lang="en-US" dirty="0"/>
-          </a:p>
-          <a:p>
-            <a:r>
-              <a:rPr lang="en-US" dirty="0"/>
-              <a:t>F1 – overview</a:t>
-            </a:r>
+            <a:endParaRPr lang="en-US" dirty="0">
+              <a:latin typeface="+mj-lt"/>
+            </a:endParaRPr>
           </a:p>
           <a:p>
             <a:r>
               <a:rPr lang="en-US" dirty="0">
-                <a:highlight>
-                  <a:srgbClr val="FFFF00"/>
-                </a:highlight>
+                <a:latin typeface="+mj-lt"/>
               </a:rPr>
-              <a:t>Confusion matrix (if time + interesting)</a:t>
+              <a:t>Evaluation:</a:t>
+            </a:r>
+          </a:p>
+          <a:p>
+            <a:pPr lvl="1"/>
+            <a:r>
+              <a:rPr lang="en-US" dirty="0">
+                <a:latin typeface="+mj-lt"/>
+              </a:rPr>
+              <a:t>The classifier doesn’t learn yet</a:t>
+            </a:r>
+          </a:p>
+          <a:p>
+            <a:pPr lvl="1">
+              <a:buFont typeface="Webdings" panose="05030102010509060703" pitchFamily="18" charset="2"/>
+              <a:buChar char=""/>
+            </a:pPr>
+            <a:r>
+              <a:rPr lang="en-US" dirty="0">
+                <a:latin typeface="+mj-lt"/>
+              </a:rPr>
+              <a:t>Features too uninformative</a:t>
+            </a:r>
+          </a:p>
+          <a:p>
+            <a:pPr lvl="1">
+              <a:buFont typeface="Webdings" panose="05030102010509060703" pitchFamily="18" charset="2"/>
+              <a:buChar char=""/>
+            </a:pPr>
+            <a:r>
+              <a:rPr lang="en-US" dirty="0">
+                <a:latin typeface="+mj-lt"/>
+              </a:rPr>
+              <a:t>Always predicts the same class</a:t>
             </a:r>
           </a:p>
         </p:txBody>
@@ -25831,12 +28332,8 @@
           <a:lstStyle/>
           <a:p>
             <a:r>
-              <a:rPr lang="de-DE" dirty="0"/>
-              <a:t>Next </a:t>
-            </a:r>
-            <a:r>
               <a:rPr lang="de-DE" dirty="0" err="1"/>
-              <a:t>steps</a:t>
+              <a:t>Results</a:t>
             </a:r>
             <a:endParaRPr lang="en-GB" dirty="0"/>
           </a:p>
@@ -25863,7 +28360,7 @@
           <a:bodyPr/>
           <a:lstStyle/>
           <a:p>
-            <a:endParaRPr lang="en-GB" dirty="0"/>
+            <a:endParaRPr lang="en-GB"/>
           </a:p>
         </p:txBody>
       </p:sp>
@@ -25888,101 +28385,93 @@
           <a:bodyPr/>
           <a:lstStyle/>
           <a:p>
-            <a:r>
-              <a:rPr lang="de-DE" dirty="0">
+            <a:pPr>
+              <a:buFont typeface="Webdings" panose="05030102010509060703" pitchFamily="18" charset="2"/>
+              <a:buChar char="s"/>
+            </a:pPr>
+            <a:r>
+              <a:rPr lang="en-US" dirty="0">
                 <a:latin typeface="+mj-lt"/>
               </a:rPr>
-              <a:t>Goal</a:t>
-            </a:r>
-            <a:endParaRPr lang="en-GB" dirty="0">
+              <a:t>How does the number of authors influence the classification?</a:t>
+            </a:r>
+          </a:p>
+          <a:p>
+            <a:pPr>
+              <a:buFont typeface="Webdings" panose="05030102010509060703" pitchFamily="18" charset="2"/>
+              <a:buChar char="s"/>
+            </a:pPr>
+            <a:r>
+              <a:rPr lang="en-US" dirty="0">
+                <a:latin typeface="+mj-lt"/>
+              </a:rPr>
+              <a:t>Are bag-of-word features enough?</a:t>
+            </a:r>
+          </a:p>
+          <a:p>
+            <a:r>
+              <a:rPr lang="en-US" dirty="0">
+                <a:latin typeface="+mj-lt"/>
+              </a:rPr>
+              <a:t>Experimental design:</a:t>
+            </a:r>
+          </a:p>
+          <a:p>
+            <a:pPr lvl="1"/>
+            <a:r>
+              <a:rPr lang="en-US" dirty="0">
+                <a:latin typeface="+mj-lt"/>
+              </a:rPr>
+              <a:t>39 authors </a:t>
+            </a:r>
+            <a:r>
+              <a:rPr lang="en-US" dirty="0">
+                <a:highlight>
+                  <a:srgbClr val="FFFF00"/>
+                </a:highlight>
+                <a:latin typeface="+mj-lt"/>
+              </a:rPr>
+              <a:t>(vs. 15 authors)</a:t>
+            </a:r>
+            <a:r>
+              <a:rPr lang="en-US" dirty="0">
+                <a:latin typeface="+mj-lt"/>
+              </a:rPr>
+              <a:t> </a:t>
+            </a:r>
+          </a:p>
+          <a:p>
+            <a:pPr lvl="1"/>
+            <a:r>
+              <a:rPr lang="en-US" dirty="0">
+                <a:latin typeface="+mj-lt"/>
+              </a:rPr>
+              <a:t>50 features per label (only bag-of-words)</a:t>
+            </a:r>
+          </a:p>
+          <a:p>
+            <a:pPr lvl="1"/>
+            <a:endParaRPr lang="en-US" dirty="0">
               <a:latin typeface="+mj-lt"/>
             </a:endParaRPr>
           </a:p>
           <a:p>
-            <a:pPr lvl="1"/>
-            <a:r>
-              <a:rPr lang="en-GB" dirty="0">
+            <a:r>
+              <a:rPr lang="en-US" dirty="0">
                 <a:latin typeface="+mj-lt"/>
               </a:rPr>
-              <a:t>Classifier that is especially good for poems</a:t>
-            </a:r>
-          </a:p>
-          <a:p>
-            <a:pPr marL="234943" lvl="1" indent="0">
-              <a:buNone/>
-            </a:pPr>
-            <a:endParaRPr lang="en-GB" dirty="0">
-              <a:latin typeface="+mj-lt"/>
-            </a:endParaRPr>
-          </a:p>
-          <a:p>
-            <a:r>
-              <a:rPr lang="en-GB" dirty="0">
+              <a:t>F1 – overview</a:t>
+            </a:r>
+          </a:p>
+          <a:p>
+            <a:r>
+              <a:rPr lang="en-US" dirty="0">
+                <a:highlight>
+                  <a:srgbClr val="FFFF00"/>
+                </a:highlight>
                 <a:latin typeface="+mj-lt"/>
               </a:rPr>
-              <a:t>Approaches</a:t>
-            </a:r>
-          </a:p>
-          <a:p>
-            <a:pPr lvl="1"/>
-            <a:r>
-              <a:rPr lang="en-GB" dirty="0">
-                <a:latin typeface="+mj-lt"/>
-              </a:rPr>
-              <a:t>Architecture (</a:t>
-            </a:r>
-            <a:r>
-              <a:rPr lang="en-GB" dirty="0" err="1">
-                <a:latin typeface="+mj-lt"/>
-              </a:rPr>
-              <a:t>MaxEnt</a:t>
-            </a:r>
-            <a:r>
-              <a:rPr lang="en-GB" dirty="0">
-                <a:latin typeface="+mj-lt"/>
-              </a:rPr>
-              <a:t> vs. NN vs. ...) </a:t>
-            </a:r>
-          </a:p>
-          <a:p>
-            <a:pPr lvl="1"/>
-            <a:r>
-              <a:rPr lang="en-GB" dirty="0">
-                <a:latin typeface="+mj-lt"/>
-              </a:rPr>
-              <a:t>Features (stanzas/verses/rhymes/...)</a:t>
-            </a:r>
-          </a:p>
-          <a:p>
-            <a:pPr lvl="1"/>
-            <a:endParaRPr lang="en-GB" dirty="0">
-              <a:latin typeface="+mj-lt"/>
-            </a:endParaRPr>
-          </a:p>
-          <a:p>
-            <a:r>
-              <a:rPr lang="en-GB" dirty="0">
-                <a:latin typeface="+mj-lt"/>
-              </a:rPr>
-              <a:t>Division</a:t>
-            </a:r>
-          </a:p>
-          <a:p>
-            <a:pPr lvl="1"/>
-            <a:r>
-              <a:rPr lang="en-GB" dirty="0">
-                <a:latin typeface="+mj-lt"/>
-              </a:rPr>
-              <a:t>Kati experiments with NN</a:t>
-            </a:r>
-          </a:p>
-          <a:p>
-            <a:pPr lvl="1"/>
-            <a:r>
-              <a:rPr lang="en-GB" dirty="0">
-                <a:latin typeface="+mj-lt"/>
-              </a:rPr>
-              <a:t>Carlotta searches for poetry-specific features</a:t>
+              <a:t>Confusion matrix (if time + interesting)</a:t>
             </a:r>
           </a:p>
         </p:txBody>
@@ -26049,7 +28538,7 @@
     </p:spTree>
     <p:extLst>
       <p:ext uri="{BB962C8B-B14F-4D97-AF65-F5344CB8AC3E}">
-        <p14:creationId xmlns:p14="http://schemas.microsoft.com/office/powerpoint/2010/main" val="3416307102"/>
+        <p14:creationId xmlns:p14="http://schemas.microsoft.com/office/powerpoint/2010/main" val="4032662064"/>
       </p:ext>
     </p:extLst>
   </p:cSld>
@@ -26078,10 +28567,10 @@
       </p:grpSpPr>
       <p:sp>
         <p:nvSpPr>
-          <p:cNvPr id="2" name="Bildplatzhalter 1">
+          <p:cNvPr id="2" name="Titel 1">
             <a:extLst>
               <a:ext uri="{FF2B5EF4-FFF2-40B4-BE49-F238E27FC236}">
-                <a16:creationId xmlns:a16="http://schemas.microsoft.com/office/drawing/2014/main" id="{797EA214-9839-4263-91CF-4625BF62D711}"/>
+                <a16:creationId xmlns:a16="http://schemas.microsoft.com/office/drawing/2014/main" id="{09CEE31A-91AB-49FD-AC6A-B961244274D3}"/>
               </a:ext>
             </a:extLst>
           </p:cNvPr>
@@ -26089,17 +28578,32 @@
             <a:spLocks noGrp="1"/>
           </p:cNvSpPr>
           <p:nvPr>
-            <p:ph type="pic" sz="quarter" idx="14"/>
+            <p:ph type="title"/>
           </p:nvPr>
         </p:nvSpPr>
         <p:spPr/>
+        <p:txBody>
+          <a:bodyPr/>
+          <a:lstStyle/>
+          <a:p>
+            <a:r>
+              <a:rPr lang="de-DE" dirty="0"/>
+              <a:t>Next </a:t>
+            </a:r>
+            <a:r>
+              <a:rPr lang="de-DE" dirty="0" err="1"/>
+              <a:t>steps</a:t>
+            </a:r>
+            <a:endParaRPr lang="en-GB" dirty="0"/>
+          </a:p>
+        </p:txBody>
       </p:sp>
       <p:sp>
         <p:nvSpPr>
           <p:cNvPr id="3" name="Textplatzhalter 2">
             <a:extLst>
               <a:ext uri="{FF2B5EF4-FFF2-40B4-BE49-F238E27FC236}">
-                <a16:creationId xmlns:a16="http://schemas.microsoft.com/office/drawing/2014/main" id="{FC08E3D3-A7AD-4294-AA40-CA4C7DA2C39C}"/>
+                <a16:creationId xmlns:a16="http://schemas.microsoft.com/office/drawing/2014/main" id="{3A0AB0FC-9646-4FE5-AF7D-9A1EB4DBDDD4}"/>
               </a:ext>
             </a:extLst>
           </p:cNvPr>
@@ -26107,33 +28611,24 @@
             <a:spLocks noGrp="1"/>
           </p:cNvSpPr>
           <p:nvPr>
-            <p:ph type="body" sz="quarter" idx="15"/>
+            <p:ph type="body" sz="quarter" idx="13"/>
           </p:nvPr>
         </p:nvSpPr>
-        <p:spPr>
-          <a:xfrm>
-            <a:off x="6219220" y="2790720"/>
-            <a:ext cx="4386739" cy="259200"/>
-          </a:xfrm>
-        </p:spPr>
+        <p:spPr/>
         <p:txBody>
           <a:bodyPr/>
           <a:lstStyle/>
           <a:p>
-            <a:r>
-              <a:rPr lang="de-DE" dirty="0"/>
-              <a:t>Carlotta Quensel</a:t>
-            </a:r>
             <a:endParaRPr lang="en-GB" dirty="0"/>
           </a:p>
         </p:txBody>
       </p:sp>
       <p:sp>
         <p:nvSpPr>
-          <p:cNvPr id="4" name="Textplatzhalter 3">
+          <p:cNvPr id="4" name="Inhaltsplatzhalter 3">
             <a:extLst>
               <a:ext uri="{FF2B5EF4-FFF2-40B4-BE49-F238E27FC236}">
-                <a16:creationId xmlns:a16="http://schemas.microsoft.com/office/drawing/2014/main" id="{D5FD6426-7317-4706-B736-0D37EB992BB2}"/>
+                <a16:creationId xmlns:a16="http://schemas.microsoft.com/office/drawing/2014/main" id="{18487C19-84C0-4653-BDF8-C7E6064750F6}"/>
               </a:ext>
             </a:extLst>
           </p:cNvPr>
@@ -26141,33 +28636,119 @@
             <a:spLocks noGrp="1"/>
           </p:cNvSpPr>
           <p:nvPr>
-            <p:ph type="body" sz="quarter" idx="31"/>
+            <p:ph idx="1"/>
           </p:nvPr>
         </p:nvSpPr>
-        <p:spPr>
-          <a:xfrm>
-            <a:off x="6219219" y="3049920"/>
-            <a:ext cx="3900435" cy="288000"/>
-          </a:xfrm>
-        </p:spPr>
+        <p:spPr/>
         <p:txBody>
           <a:bodyPr/>
           <a:lstStyle/>
           <a:p>
             <a:r>
-              <a:rPr lang="de-DE" dirty="0"/>
-              <a:t>carlotta.quensel@ims.uni-stuttgart.de </a:t>
-            </a:r>
-            <a:endParaRPr lang="en-GB" dirty="0"/>
-          </a:p>
-        </p:txBody>
-      </p:sp>
-      <p:sp>
-        <p:nvSpPr>
-          <p:cNvPr id="10" name="Textplatzhalter 9">
+              <a:rPr lang="de-DE" dirty="0">
+                <a:latin typeface="+mj-lt"/>
+              </a:rPr>
+              <a:t>Goal</a:t>
+            </a:r>
+            <a:endParaRPr lang="en-GB" dirty="0">
+              <a:latin typeface="+mj-lt"/>
+            </a:endParaRPr>
+          </a:p>
+          <a:p>
+            <a:pPr lvl="1"/>
+            <a:r>
+              <a:rPr lang="en-GB" dirty="0">
+                <a:latin typeface="+mj-lt"/>
+              </a:rPr>
+              <a:t>Classifier that is especially good for poems</a:t>
+            </a:r>
+          </a:p>
+          <a:p>
+            <a:pPr marL="234943" lvl="1" indent="0">
+              <a:buNone/>
+            </a:pPr>
+            <a:endParaRPr lang="en-GB" dirty="0">
+              <a:latin typeface="+mj-lt"/>
+            </a:endParaRPr>
+          </a:p>
+          <a:p>
+            <a:r>
+              <a:rPr lang="en-GB" dirty="0">
+                <a:latin typeface="+mj-lt"/>
+              </a:rPr>
+              <a:t>Approaches</a:t>
+            </a:r>
+          </a:p>
+          <a:p>
+            <a:pPr lvl="1"/>
+            <a:r>
+              <a:rPr lang="en-GB" dirty="0">
+                <a:latin typeface="+mj-lt"/>
+              </a:rPr>
+              <a:t>Architecture (</a:t>
+            </a:r>
+            <a:r>
+              <a:rPr lang="en-GB" dirty="0" err="1">
+                <a:latin typeface="+mj-lt"/>
+              </a:rPr>
+              <a:t>MaxEnt</a:t>
+            </a:r>
+            <a:r>
+              <a:rPr lang="en-GB" dirty="0">
+                <a:latin typeface="+mj-lt"/>
+              </a:rPr>
+              <a:t> vs. NN vs. ...) </a:t>
+            </a:r>
+          </a:p>
+          <a:p>
+            <a:pPr lvl="1"/>
+            <a:r>
+              <a:rPr lang="en-GB" dirty="0">
+                <a:latin typeface="+mj-lt"/>
+              </a:rPr>
+              <a:t>Features (stanzas/verses/rhymes/...)</a:t>
+            </a:r>
+          </a:p>
+          <a:p>
+            <a:pPr lvl="1"/>
+            <a:endParaRPr lang="en-GB" dirty="0">
+              <a:latin typeface="+mj-lt"/>
+            </a:endParaRPr>
+          </a:p>
+          <a:p>
+            <a:r>
+              <a:rPr lang="en-GB" dirty="0">
+                <a:latin typeface="+mj-lt"/>
+              </a:rPr>
+              <a:t>Division</a:t>
+            </a:r>
+          </a:p>
+          <a:p>
+            <a:pPr lvl="1"/>
+            <a:r>
+              <a:rPr lang="en-GB" dirty="0">
+                <a:latin typeface="+mj-lt"/>
+              </a:rPr>
+              <a:t>Kati experiments with NN</a:t>
+            </a:r>
+          </a:p>
+          <a:p>
+            <a:pPr lvl="1"/>
+            <a:r>
+              <a:rPr lang="en-GB" dirty="0">
+                <a:latin typeface="+mj-lt"/>
+              </a:rPr>
+              <a:t>Carlotta searches for poetry-specific features</a:t>
+            </a:r>
+          </a:p>
+        </p:txBody>
+      </p:sp>
+      <p:sp>
+        <p:nvSpPr>
+          <p:cNvPr id="5" name="Foliennummernplatzhalter 4">
             <a:extLst>
               <a:ext uri="{FF2B5EF4-FFF2-40B4-BE49-F238E27FC236}">
-                <a16:creationId xmlns:a16="http://schemas.microsoft.com/office/drawing/2014/main" id="{42073EF8-70E9-442E-A2B0-9FE5B05418A0}"/>
+                <a16:creationId xmlns:a16="http://schemas.microsoft.com/office/drawing/2014/main" id="{8A95AC79-56F5-42C6-B760-FAEFB0281F72}"/>
               </a:ext>
             </a:extLst>
           </p:cNvPr>
@@ -26175,32 +28756,29 @@
             <a:spLocks noGrp="1"/>
           </p:cNvSpPr>
           <p:nvPr>
-            <p:ph type="body" sz="quarter" idx="34"/>
+            <p:ph type="sldNum" sz="quarter" idx="12"/>
           </p:nvPr>
         </p:nvSpPr>
-        <p:spPr>
-          <a:xfrm>
-            <a:off x="2899200" y="4677646"/>
-            <a:ext cx="6219748" cy="288000"/>
-          </a:xfrm>
-        </p:spPr>
+        <p:spPr/>
         <p:txBody>
           <a:bodyPr/>
           <a:lstStyle/>
           <a:p>
-            <a:r>
-              <a:rPr lang="en-GB" dirty="0"/>
-              <a:t>source2</a:t>
-            </a:r>
-          </a:p>
-        </p:txBody>
-      </p:sp>
-      <p:sp>
-        <p:nvSpPr>
-          <p:cNvPr id="11" name="Textplatzhalter 10">
+            <a:fld id="{54518C2F-5E54-4CF8-B37A-4631A050CED9}" type="slidenum">
+              <a:rPr lang="de-DE" smtClean="0"/>
+              <a:pPr/>
+              <a:t>9</a:t>
+            </a:fld>
+            <a:endParaRPr lang="de-DE" dirty="0"/>
+          </a:p>
+        </p:txBody>
+      </p:sp>
+      <p:sp>
+        <p:nvSpPr>
+          <p:cNvPr id="6" name="Fußzeilenplatzhalter 5">
             <a:extLst>
               <a:ext uri="{FF2B5EF4-FFF2-40B4-BE49-F238E27FC236}">
-                <a16:creationId xmlns:a16="http://schemas.microsoft.com/office/drawing/2014/main" id="{37490C48-77AA-4F0D-B6B9-1DC43C37E755}"/>
+                <a16:creationId xmlns:a16="http://schemas.microsoft.com/office/drawing/2014/main" id="{748912F1-D610-4729-AEEE-9675D89A0F12}"/>
               </a:ext>
             </a:extLst>
           </p:cNvPr>
@@ -26208,7 +28786,7 @@
             <a:spLocks noGrp="1"/>
           </p:cNvSpPr>
           <p:nvPr>
-            <p:ph type="body" sz="quarter" idx="25"/>
+            <p:ph type="ftr" sz="quarter" idx="11"/>
           </p:nvPr>
         </p:nvSpPr>
         <p:spPr/>
@@ -26217,901 +28795,17 @@
           <a:lstStyle/>
           <a:p>
             <a:r>
-              <a:rPr lang="en-GB" dirty="0"/>
-              <a:t>source3</a:t>
-            </a:r>
-          </a:p>
-        </p:txBody>
-      </p:sp>
-      <p:sp>
-        <p:nvSpPr>
-          <p:cNvPr id="12" name="Textplatzhalter 11">
-            <a:extLst>
-              <a:ext uri="{FF2B5EF4-FFF2-40B4-BE49-F238E27FC236}">
-                <a16:creationId xmlns:a16="http://schemas.microsoft.com/office/drawing/2014/main" id="{919E8E7F-F1B8-4ABB-95CD-2933F38CD387}"/>
-              </a:ext>
-            </a:extLst>
-          </p:cNvPr>
-          <p:cNvSpPr>
-            <a:spLocks noGrp="1"/>
-          </p:cNvSpPr>
-          <p:nvPr>
-            <p:ph type="body" sz="quarter" idx="21"/>
-          </p:nvPr>
-        </p:nvSpPr>
-        <p:spPr>
-          <a:xfrm>
-            <a:off x="2899199" y="4389646"/>
-            <a:ext cx="5359583" cy="288000"/>
-          </a:xfrm>
-        </p:spPr>
-        <p:txBody>
-          <a:bodyPr/>
-          <a:lstStyle/>
-          <a:p>
-            <a:r>
-              <a:rPr lang="de-DE" dirty="0"/>
-              <a:t>source1</a:t>
-            </a:r>
-            <a:endParaRPr lang="en-GB" i="1" dirty="0"/>
-          </a:p>
-        </p:txBody>
-      </p:sp>
-      <p:sp>
-        <p:nvSpPr>
-          <p:cNvPr id="13" name="Textplatzhalter 10">
-            <a:extLst>
-              <a:ext uri="{FF2B5EF4-FFF2-40B4-BE49-F238E27FC236}">
-                <a16:creationId xmlns:a16="http://schemas.microsoft.com/office/drawing/2014/main" id="{9089140B-1560-4E8A-A637-FC56BFD23338}"/>
-              </a:ext>
-            </a:extLst>
-          </p:cNvPr>
-          <p:cNvSpPr txBox="1">
-            <a:spLocks/>
-          </p:cNvSpPr>
-          <p:nvPr/>
-        </p:nvSpPr>
-        <p:spPr>
-          <a:xfrm>
-            <a:off x="2899199" y="5284239"/>
-            <a:ext cx="4386739" cy="288000"/>
-          </a:xfrm>
-          <a:prstGeom prst="rect">
-            <a:avLst/>
-          </a:prstGeom>
-        </p:spPr>
-        <p:txBody>
-          <a:bodyPr vert="horz" lIns="0" tIns="0" rIns="0" bIns="0" rtlCol="0">
-            <a:noAutofit/>
-          </a:bodyPr>
-          <a:lstStyle>
-            <a:lvl1pPr marL="0" indent="0" algn="l" defTabSz="914368" rtl="0" eaLnBrk="1" latinLnBrk="0" hangingPunct="1">
-              <a:lnSpc>
-                <a:spcPct val="120000"/>
-              </a:lnSpc>
-              <a:spcBef>
-                <a:spcPts val="1000"/>
-              </a:spcBef>
-              <a:buClr>
-                <a:schemeClr val="accent1"/>
-              </a:buClr>
-              <a:buFont typeface="Arial" panose="020B0604020202020204" pitchFamily="34" charset="0"/>
-              <a:buNone/>
-              <a:defRPr sz="1600" b="0" kern="1200">
-                <a:solidFill>
-                  <a:schemeClr val="tx1"/>
-                </a:solidFill>
-                <a:latin typeface="+mn-lt"/>
-                <a:ea typeface="+mn-ea"/>
-                <a:cs typeface="+mn-cs"/>
-              </a:defRPr>
-            </a:lvl1pPr>
-            <a:lvl2pPr marL="480468" indent="-245525" algn="l" defTabSz="914368" rtl="0" eaLnBrk="1" latinLnBrk="0" hangingPunct="1">
-              <a:lnSpc>
-                <a:spcPct val="120000"/>
-              </a:lnSpc>
-              <a:spcBef>
-                <a:spcPts val="501"/>
-              </a:spcBef>
-              <a:buClr>
-                <a:schemeClr val="tx1"/>
-              </a:buClr>
-              <a:buFont typeface="Arial" panose="020B0604020202020204" pitchFamily="34" charset="0"/>
-              <a:buChar char="•"/>
-              <a:defRPr sz="2133" kern="1200">
-                <a:solidFill>
-                  <a:schemeClr val="bg1"/>
-                </a:solidFill>
-                <a:latin typeface="+mn-lt"/>
-                <a:ea typeface="+mn-ea"/>
-                <a:cs typeface="+mn-cs"/>
-              </a:defRPr>
-            </a:lvl2pPr>
-            <a:lvl3pPr marL="715409" indent="-234943" algn="l" defTabSz="914368" rtl="0" eaLnBrk="1" latinLnBrk="0" hangingPunct="1">
-              <a:lnSpc>
-                <a:spcPct val="120000"/>
-              </a:lnSpc>
-              <a:spcBef>
-                <a:spcPts val="501"/>
-              </a:spcBef>
-              <a:buClr>
-                <a:schemeClr val="tx1"/>
-              </a:buClr>
-              <a:buFont typeface="Arial" panose="020B0604020202020204" pitchFamily="34" charset="0"/>
-              <a:buChar char="•"/>
-              <a:defRPr sz="1867" kern="1200">
-                <a:solidFill>
-                  <a:schemeClr val="bg1"/>
-                </a:solidFill>
-                <a:latin typeface="+mn-lt"/>
-                <a:ea typeface="+mn-ea"/>
-                <a:cs typeface="+mn-cs"/>
-              </a:defRPr>
-            </a:lvl3pPr>
-            <a:lvl4pPr marL="960933" indent="-245525" algn="l" defTabSz="914368" rtl="0" eaLnBrk="1" latinLnBrk="0" hangingPunct="1">
-              <a:lnSpc>
-                <a:spcPct val="120000"/>
-              </a:lnSpc>
-              <a:spcBef>
-                <a:spcPts val="501"/>
-              </a:spcBef>
-              <a:buClr>
-                <a:schemeClr val="tx1"/>
-              </a:buClr>
-              <a:buFont typeface="Arial" panose="020B0604020202020204" pitchFamily="34" charset="0"/>
-              <a:buChar char="•"/>
-              <a:defRPr sz="1867" kern="1200">
-                <a:solidFill>
-                  <a:schemeClr val="bg1"/>
-                </a:solidFill>
-                <a:latin typeface="+mn-lt"/>
-                <a:ea typeface="+mn-ea"/>
-                <a:cs typeface="+mn-cs"/>
-              </a:defRPr>
-            </a:lvl4pPr>
-            <a:lvl5pPr marL="1195875" indent="-234943" algn="l" defTabSz="914368" rtl="0" eaLnBrk="1" latinLnBrk="0" hangingPunct="1">
-              <a:lnSpc>
-                <a:spcPct val="120000"/>
-              </a:lnSpc>
-              <a:spcBef>
-                <a:spcPts val="501"/>
-              </a:spcBef>
-              <a:buClr>
-                <a:schemeClr val="tx1"/>
-              </a:buClr>
-              <a:buFont typeface="Arial" panose="020B0604020202020204" pitchFamily="34" charset="0"/>
-              <a:buChar char="•"/>
-              <a:defRPr sz="1867" kern="1200">
-                <a:solidFill>
-                  <a:schemeClr val="bg1"/>
-                </a:solidFill>
-                <a:latin typeface="+mn-lt"/>
-                <a:ea typeface="+mn-ea"/>
-                <a:cs typeface="+mn-cs"/>
-              </a:defRPr>
-            </a:lvl5pPr>
-            <a:lvl6pPr marL="2514512" indent="-228592" algn="l" defTabSz="914368" rtl="0" eaLnBrk="1" latinLnBrk="0" hangingPunct="1">
-              <a:lnSpc>
-                <a:spcPct val="90000"/>
-              </a:lnSpc>
-              <a:spcBef>
-                <a:spcPts val="501"/>
-              </a:spcBef>
-              <a:buFont typeface="Arial" panose="020B0604020202020204" pitchFamily="34" charset="0"/>
-              <a:buChar char="•"/>
-              <a:defRPr sz="1800" kern="1200">
-                <a:solidFill>
-                  <a:schemeClr val="tx1"/>
-                </a:solidFill>
-                <a:latin typeface="+mn-lt"/>
-                <a:ea typeface="+mn-ea"/>
-                <a:cs typeface="+mn-cs"/>
-              </a:defRPr>
-            </a:lvl6pPr>
-            <a:lvl7pPr marL="2971696" indent="-228592" algn="l" defTabSz="914368" rtl="0" eaLnBrk="1" latinLnBrk="0" hangingPunct="1">
-              <a:lnSpc>
-                <a:spcPct val="90000"/>
-              </a:lnSpc>
-              <a:spcBef>
-                <a:spcPts val="501"/>
-              </a:spcBef>
-              <a:buFont typeface="Arial" panose="020B0604020202020204" pitchFamily="34" charset="0"/>
-              <a:buChar char="•"/>
-              <a:defRPr sz="1800" kern="1200">
-                <a:solidFill>
-                  <a:schemeClr val="tx1"/>
-                </a:solidFill>
-                <a:latin typeface="+mn-lt"/>
-                <a:ea typeface="+mn-ea"/>
-                <a:cs typeface="+mn-cs"/>
-              </a:defRPr>
-            </a:lvl7pPr>
-            <a:lvl8pPr marL="3428880" indent="-228592" algn="l" defTabSz="914368" rtl="0" eaLnBrk="1" latinLnBrk="0" hangingPunct="1">
-              <a:lnSpc>
-                <a:spcPct val="90000"/>
-              </a:lnSpc>
-              <a:spcBef>
-                <a:spcPts val="501"/>
-              </a:spcBef>
-              <a:buFont typeface="Arial" panose="020B0604020202020204" pitchFamily="34" charset="0"/>
-              <a:buChar char="•"/>
-              <a:defRPr sz="1800" kern="1200">
-                <a:solidFill>
-                  <a:schemeClr val="tx1"/>
-                </a:solidFill>
-                <a:latin typeface="+mn-lt"/>
-                <a:ea typeface="+mn-ea"/>
-                <a:cs typeface="+mn-cs"/>
-              </a:defRPr>
-            </a:lvl8pPr>
-            <a:lvl9pPr marL="3886064" indent="-228592" algn="l" defTabSz="914368" rtl="0" eaLnBrk="1" latinLnBrk="0" hangingPunct="1">
-              <a:lnSpc>
-                <a:spcPct val="90000"/>
-              </a:lnSpc>
-              <a:spcBef>
-                <a:spcPts val="501"/>
-              </a:spcBef>
-              <a:buFont typeface="Arial" panose="020B0604020202020204" pitchFamily="34" charset="0"/>
-              <a:buChar char="•"/>
-              <a:defRPr sz="1800" kern="1200">
-                <a:solidFill>
-                  <a:schemeClr val="tx1"/>
-                </a:solidFill>
-                <a:latin typeface="+mn-lt"/>
-                <a:ea typeface="+mn-ea"/>
-                <a:cs typeface="+mn-cs"/>
-              </a:defRPr>
-            </a:lvl9pPr>
-          </a:lstStyle>
-          <a:p>
-            <a:endParaRPr lang="en-GB" dirty="0"/>
-          </a:p>
-        </p:txBody>
-      </p:sp>
-      <p:sp>
-        <p:nvSpPr>
-          <p:cNvPr id="14" name="Textplatzhalter 10">
-            <a:extLst>
-              <a:ext uri="{FF2B5EF4-FFF2-40B4-BE49-F238E27FC236}">
-                <a16:creationId xmlns:a16="http://schemas.microsoft.com/office/drawing/2014/main" id="{C6816D5B-ACB6-4517-A10C-0204A42D225D}"/>
-              </a:ext>
-            </a:extLst>
-          </p:cNvPr>
-          <p:cNvSpPr txBox="1">
-            <a:spLocks/>
-          </p:cNvSpPr>
-          <p:nvPr/>
-        </p:nvSpPr>
-        <p:spPr>
-          <a:xfrm>
-            <a:off x="2899199" y="5594004"/>
-            <a:ext cx="5359583" cy="288000"/>
-          </a:xfrm>
-          <a:prstGeom prst="rect">
-            <a:avLst/>
-          </a:prstGeom>
-        </p:spPr>
-        <p:txBody>
-          <a:bodyPr vert="horz" lIns="0" tIns="0" rIns="0" bIns="0" rtlCol="0">
-            <a:noAutofit/>
-          </a:bodyPr>
-          <a:lstStyle>
-            <a:lvl1pPr marL="0" indent="0" algn="l" defTabSz="914368" rtl="0" eaLnBrk="1" latinLnBrk="0" hangingPunct="1">
-              <a:lnSpc>
-                <a:spcPct val="120000"/>
-              </a:lnSpc>
-              <a:spcBef>
-                <a:spcPts val="1000"/>
-              </a:spcBef>
-              <a:buClr>
-                <a:schemeClr val="accent1"/>
-              </a:buClr>
-              <a:buFont typeface="Arial" panose="020B0604020202020204" pitchFamily="34" charset="0"/>
-              <a:buNone/>
-              <a:defRPr sz="1600" b="0" kern="1200">
-                <a:solidFill>
-                  <a:schemeClr val="tx1"/>
-                </a:solidFill>
-                <a:latin typeface="+mn-lt"/>
-                <a:ea typeface="+mn-ea"/>
-                <a:cs typeface="+mn-cs"/>
-              </a:defRPr>
-            </a:lvl1pPr>
-            <a:lvl2pPr marL="480468" indent="-245525" algn="l" defTabSz="914368" rtl="0" eaLnBrk="1" latinLnBrk="0" hangingPunct="1">
-              <a:lnSpc>
-                <a:spcPct val="120000"/>
-              </a:lnSpc>
-              <a:spcBef>
-                <a:spcPts val="501"/>
-              </a:spcBef>
-              <a:buClr>
-                <a:schemeClr val="tx1"/>
-              </a:buClr>
-              <a:buFont typeface="Arial" panose="020B0604020202020204" pitchFamily="34" charset="0"/>
-              <a:buChar char="•"/>
-              <a:defRPr sz="2133" kern="1200">
-                <a:solidFill>
-                  <a:schemeClr val="bg1"/>
-                </a:solidFill>
-                <a:latin typeface="+mn-lt"/>
-                <a:ea typeface="+mn-ea"/>
-                <a:cs typeface="+mn-cs"/>
-              </a:defRPr>
-            </a:lvl2pPr>
-            <a:lvl3pPr marL="715409" indent="-234943" algn="l" defTabSz="914368" rtl="0" eaLnBrk="1" latinLnBrk="0" hangingPunct="1">
-              <a:lnSpc>
-                <a:spcPct val="120000"/>
-              </a:lnSpc>
-              <a:spcBef>
-                <a:spcPts val="501"/>
-              </a:spcBef>
-              <a:buClr>
-                <a:schemeClr val="tx1"/>
-              </a:buClr>
-              <a:buFont typeface="Arial" panose="020B0604020202020204" pitchFamily="34" charset="0"/>
-              <a:buChar char="•"/>
-              <a:defRPr sz="1867" kern="1200">
-                <a:solidFill>
-                  <a:schemeClr val="bg1"/>
-                </a:solidFill>
-                <a:latin typeface="+mn-lt"/>
-                <a:ea typeface="+mn-ea"/>
-                <a:cs typeface="+mn-cs"/>
-              </a:defRPr>
-            </a:lvl3pPr>
-            <a:lvl4pPr marL="960933" indent="-245525" algn="l" defTabSz="914368" rtl="0" eaLnBrk="1" latinLnBrk="0" hangingPunct="1">
-              <a:lnSpc>
-                <a:spcPct val="120000"/>
-              </a:lnSpc>
-              <a:spcBef>
-                <a:spcPts val="501"/>
-              </a:spcBef>
-              <a:buClr>
-                <a:schemeClr val="tx1"/>
-              </a:buClr>
-              <a:buFont typeface="Arial" panose="020B0604020202020204" pitchFamily="34" charset="0"/>
-              <a:buChar char="•"/>
-              <a:defRPr sz="1867" kern="1200">
-                <a:solidFill>
-                  <a:schemeClr val="bg1"/>
-                </a:solidFill>
-                <a:latin typeface="+mn-lt"/>
-                <a:ea typeface="+mn-ea"/>
-                <a:cs typeface="+mn-cs"/>
-              </a:defRPr>
-            </a:lvl4pPr>
-            <a:lvl5pPr marL="1195875" indent="-234943" algn="l" defTabSz="914368" rtl="0" eaLnBrk="1" latinLnBrk="0" hangingPunct="1">
-              <a:lnSpc>
-                <a:spcPct val="120000"/>
-              </a:lnSpc>
-              <a:spcBef>
-                <a:spcPts val="501"/>
-              </a:spcBef>
-              <a:buClr>
-                <a:schemeClr val="tx1"/>
-              </a:buClr>
-              <a:buFont typeface="Arial" panose="020B0604020202020204" pitchFamily="34" charset="0"/>
-              <a:buChar char="•"/>
-              <a:defRPr sz="1867" kern="1200">
-                <a:solidFill>
-                  <a:schemeClr val="bg1"/>
-                </a:solidFill>
-                <a:latin typeface="+mn-lt"/>
-                <a:ea typeface="+mn-ea"/>
-                <a:cs typeface="+mn-cs"/>
-              </a:defRPr>
-            </a:lvl5pPr>
-            <a:lvl6pPr marL="2514512" indent="-228592" algn="l" defTabSz="914368" rtl="0" eaLnBrk="1" latinLnBrk="0" hangingPunct="1">
-              <a:lnSpc>
-                <a:spcPct val="90000"/>
-              </a:lnSpc>
-              <a:spcBef>
-                <a:spcPts val="501"/>
-              </a:spcBef>
-              <a:buFont typeface="Arial" panose="020B0604020202020204" pitchFamily="34" charset="0"/>
-              <a:buChar char="•"/>
-              <a:defRPr sz="1800" kern="1200">
-                <a:solidFill>
-                  <a:schemeClr val="tx1"/>
-                </a:solidFill>
-                <a:latin typeface="+mn-lt"/>
-                <a:ea typeface="+mn-ea"/>
-                <a:cs typeface="+mn-cs"/>
-              </a:defRPr>
-            </a:lvl6pPr>
-            <a:lvl7pPr marL="2971696" indent="-228592" algn="l" defTabSz="914368" rtl="0" eaLnBrk="1" latinLnBrk="0" hangingPunct="1">
-              <a:lnSpc>
-                <a:spcPct val="90000"/>
-              </a:lnSpc>
-              <a:spcBef>
-                <a:spcPts val="501"/>
-              </a:spcBef>
-              <a:buFont typeface="Arial" panose="020B0604020202020204" pitchFamily="34" charset="0"/>
-              <a:buChar char="•"/>
-              <a:defRPr sz="1800" kern="1200">
-                <a:solidFill>
-                  <a:schemeClr val="tx1"/>
-                </a:solidFill>
-                <a:latin typeface="+mn-lt"/>
-                <a:ea typeface="+mn-ea"/>
-                <a:cs typeface="+mn-cs"/>
-              </a:defRPr>
-            </a:lvl7pPr>
-            <a:lvl8pPr marL="3428880" indent="-228592" algn="l" defTabSz="914368" rtl="0" eaLnBrk="1" latinLnBrk="0" hangingPunct="1">
-              <a:lnSpc>
-                <a:spcPct val="90000"/>
-              </a:lnSpc>
-              <a:spcBef>
-                <a:spcPts val="501"/>
-              </a:spcBef>
-              <a:buFont typeface="Arial" panose="020B0604020202020204" pitchFamily="34" charset="0"/>
-              <a:buChar char="•"/>
-              <a:defRPr sz="1800" kern="1200">
-                <a:solidFill>
-                  <a:schemeClr val="tx1"/>
-                </a:solidFill>
-                <a:latin typeface="+mn-lt"/>
-                <a:ea typeface="+mn-ea"/>
-                <a:cs typeface="+mn-cs"/>
-              </a:defRPr>
-            </a:lvl8pPr>
-            <a:lvl9pPr marL="3886064" indent="-228592" algn="l" defTabSz="914368" rtl="0" eaLnBrk="1" latinLnBrk="0" hangingPunct="1">
-              <a:lnSpc>
-                <a:spcPct val="90000"/>
-              </a:lnSpc>
-              <a:spcBef>
-                <a:spcPts val="501"/>
-              </a:spcBef>
-              <a:buFont typeface="Arial" panose="020B0604020202020204" pitchFamily="34" charset="0"/>
-              <a:buChar char="•"/>
-              <a:defRPr sz="1800" kern="1200">
-                <a:solidFill>
-                  <a:schemeClr val="tx1"/>
-                </a:solidFill>
-                <a:latin typeface="+mn-lt"/>
-                <a:ea typeface="+mn-ea"/>
-                <a:cs typeface="+mn-cs"/>
-              </a:defRPr>
-            </a:lvl9pPr>
-          </a:lstStyle>
-          <a:p>
-            <a:endParaRPr lang="en-GB" dirty="0"/>
-          </a:p>
-        </p:txBody>
-      </p:sp>
-      <p:sp>
-        <p:nvSpPr>
-          <p:cNvPr id="15" name="Textplatzhalter 2">
-            <a:extLst>
-              <a:ext uri="{FF2B5EF4-FFF2-40B4-BE49-F238E27FC236}">
-                <a16:creationId xmlns:a16="http://schemas.microsoft.com/office/drawing/2014/main" id="{CDD911A4-8AEF-4096-9178-FC995B4D7315}"/>
-              </a:ext>
-            </a:extLst>
-          </p:cNvPr>
-          <p:cNvSpPr txBox="1">
-            <a:spLocks/>
-          </p:cNvSpPr>
-          <p:nvPr/>
-        </p:nvSpPr>
-        <p:spPr>
-          <a:xfrm>
-            <a:off x="2899199" y="2790719"/>
-            <a:ext cx="3073584" cy="316703"/>
-          </a:xfrm>
-          <a:prstGeom prst="rect">
-            <a:avLst/>
-          </a:prstGeom>
-        </p:spPr>
-        <p:txBody>
-          <a:bodyPr vert="horz" lIns="0" tIns="0" rIns="0" bIns="0" rtlCol="0">
-            <a:noAutofit/>
-          </a:bodyPr>
-          <a:lstStyle>
-            <a:lvl1pPr marL="0" indent="0" algn="l" defTabSz="914368" rtl="0" eaLnBrk="1" latinLnBrk="0" hangingPunct="1">
-              <a:lnSpc>
-                <a:spcPct val="120000"/>
-              </a:lnSpc>
-              <a:spcBef>
-                <a:spcPts val="1000"/>
-              </a:spcBef>
-              <a:buClr>
-                <a:schemeClr val="accent1"/>
-              </a:buClr>
-              <a:buFont typeface="Arial" panose="020B0604020202020204" pitchFamily="34" charset="0"/>
-              <a:buNone/>
-              <a:defRPr sz="1600" b="1" kern="1200">
-                <a:solidFill>
-                  <a:schemeClr val="tx1"/>
-                </a:solidFill>
-                <a:latin typeface="+mn-lt"/>
-                <a:ea typeface="+mn-ea"/>
-                <a:cs typeface="+mn-cs"/>
-              </a:defRPr>
-            </a:lvl1pPr>
-            <a:lvl2pPr marL="480468" indent="-245525" algn="l" defTabSz="914368" rtl="0" eaLnBrk="1" latinLnBrk="0" hangingPunct="1">
-              <a:lnSpc>
-                <a:spcPct val="120000"/>
-              </a:lnSpc>
-              <a:spcBef>
-                <a:spcPts val="501"/>
-              </a:spcBef>
-              <a:buClr>
-                <a:schemeClr val="tx1"/>
-              </a:buClr>
-              <a:buFont typeface="Arial" panose="020B0604020202020204" pitchFamily="34" charset="0"/>
-              <a:buChar char="•"/>
-              <a:defRPr sz="2133" kern="1200">
-                <a:solidFill>
-                  <a:schemeClr val="bg1"/>
-                </a:solidFill>
-                <a:latin typeface="+mn-lt"/>
-                <a:ea typeface="+mn-ea"/>
-                <a:cs typeface="+mn-cs"/>
-              </a:defRPr>
-            </a:lvl2pPr>
-            <a:lvl3pPr marL="715409" indent="-234943" algn="l" defTabSz="914368" rtl="0" eaLnBrk="1" latinLnBrk="0" hangingPunct="1">
-              <a:lnSpc>
-                <a:spcPct val="120000"/>
-              </a:lnSpc>
-              <a:spcBef>
-                <a:spcPts val="501"/>
-              </a:spcBef>
-              <a:buClr>
-                <a:schemeClr val="tx1"/>
-              </a:buClr>
-              <a:buFont typeface="Arial" panose="020B0604020202020204" pitchFamily="34" charset="0"/>
-              <a:buChar char="•"/>
-              <a:defRPr sz="1867" kern="1200">
-                <a:solidFill>
-                  <a:schemeClr val="bg1"/>
-                </a:solidFill>
-                <a:latin typeface="+mn-lt"/>
-                <a:ea typeface="+mn-ea"/>
-                <a:cs typeface="+mn-cs"/>
-              </a:defRPr>
-            </a:lvl3pPr>
-            <a:lvl4pPr marL="960933" indent="-245525" algn="l" defTabSz="914368" rtl="0" eaLnBrk="1" latinLnBrk="0" hangingPunct="1">
-              <a:lnSpc>
-                <a:spcPct val="120000"/>
-              </a:lnSpc>
-              <a:spcBef>
-                <a:spcPts val="501"/>
-              </a:spcBef>
-              <a:buClr>
-                <a:schemeClr val="tx1"/>
-              </a:buClr>
-              <a:buFont typeface="Arial" panose="020B0604020202020204" pitchFamily="34" charset="0"/>
-              <a:buChar char="•"/>
-              <a:defRPr sz="1867" kern="1200">
-                <a:solidFill>
-                  <a:schemeClr val="bg1"/>
-                </a:solidFill>
-                <a:latin typeface="+mn-lt"/>
-                <a:ea typeface="+mn-ea"/>
-                <a:cs typeface="+mn-cs"/>
-              </a:defRPr>
-            </a:lvl4pPr>
-            <a:lvl5pPr marL="1195875" indent="-234943" algn="l" defTabSz="914368" rtl="0" eaLnBrk="1" latinLnBrk="0" hangingPunct="1">
-              <a:lnSpc>
-                <a:spcPct val="120000"/>
-              </a:lnSpc>
-              <a:spcBef>
-                <a:spcPts val="501"/>
-              </a:spcBef>
-              <a:buClr>
-                <a:schemeClr val="tx1"/>
-              </a:buClr>
-              <a:buFont typeface="Arial" panose="020B0604020202020204" pitchFamily="34" charset="0"/>
-              <a:buChar char="•"/>
-              <a:defRPr sz="1867" kern="1200">
-                <a:solidFill>
-                  <a:schemeClr val="bg1"/>
-                </a:solidFill>
-                <a:latin typeface="+mn-lt"/>
-                <a:ea typeface="+mn-ea"/>
-                <a:cs typeface="+mn-cs"/>
-              </a:defRPr>
-            </a:lvl5pPr>
-            <a:lvl6pPr marL="2514512" indent="-228592" algn="l" defTabSz="914368" rtl="0" eaLnBrk="1" latinLnBrk="0" hangingPunct="1">
-              <a:lnSpc>
-                <a:spcPct val="90000"/>
-              </a:lnSpc>
-              <a:spcBef>
-                <a:spcPts val="501"/>
-              </a:spcBef>
-              <a:buFont typeface="Arial" panose="020B0604020202020204" pitchFamily="34" charset="0"/>
-              <a:buChar char="•"/>
-              <a:defRPr sz="1800" kern="1200">
-                <a:solidFill>
-                  <a:schemeClr val="tx1"/>
-                </a:solidFill>
-                <a:latin typeface="+mn-lt"/>
-                <a:ea typeface="+mn-ea"/>
-                <a:cs typeface="+mn-cs"/>
-              </a:defRPr>
-            </a:lvl6pPr>
-            <a:lvl7pPr marL="2971696" indent="-228592" algn="l" defTabSz="914368" rtl="0" eaLnBrk="1" latinLnBrk="0" hangingPunct="1">
-              <a:lnSpc>
-                <a:spcPct val="90000"/>
-              </a:lnSpc>
-              <a:spcBef>
-                <a:spcPts val="501"/>
-              </a:spcBef>
-              <a:buFont typeface="Arial" panose="020B0604020202020204" pitchFamily="34" charset="0"/>
-              <a:buChar char="•"/>
-              <a:defRPr sz="1800" kern="1200">
-                <a:solidFill>
-                  <a:schemeClr val="tx1"/>
-                </a:solidFill>
-                <a:latin typeface="+mn-lt"/>
-                <a:ea typeface="+mn-ea"/>
-                <a:cs typeface="+mn-cs"/>
-              </a:defRPr>
-            </a:lvl7pPr>
-            <a:lvl8pPr marL="3428880" indent="-228592" algn="l" defTabSz="914368" rtl="0" eaLnBrk="1" latinLnBrk="0" hangingPunct="1">
-              <a:lnSpc>
-                <a:spcPct val="90000"/>
-              </a:lnSpc>
-              <a:spcBef>
-                <a:spcPts val="501"/>
-              </a:spcBef>
-              <a:buFont typeface="Arial" panose="020B0604020202020204" pitchFamily="34" charset="0"/>
-              <a:buChar char="•"/>
-              <a:defRPr sz="1800" kern="1200">
-                <a:solidFill>
-                  <a:schemeClr val="tx1"/>
-                </a:solidFill>
-                <a:latin typeface="+mn-lt"/>
-                <a:ea typeface="+mn-ea"/>
-                <a:cs typeface="+mn-cs"/>
-              </a:defRPr>
-            </a:lvl8pPr>
-            <a:lvl9pPr marL="3886064" indent="-228592" algn="l" defTabSz="914368" rtl="0" eaLnBrk="1" latinLnBrk="0" hangingPunct="1">
-              <a:lnSpc>
-                <a:spcPct val="90000"/>
-              </a:lnSpc>
-              <a:spcBef>
-                <a:spcPts val="501"/>
-              </a:spcBef>
-              <a:buFont typeface="Arial" panose="020B0604020202020204" pitchFamily="34" charset="0"/>
-              <a:buChar char="•"/>
-              <a:defRPr sz="1800" kern="1200">
-                <a:solidFill>
-                  <a:schemeClr val="tx1"/>
-                </a:solidFill>
-                <a:latin typeface="+mn-lt"/>
-                <a:ea typeface="+mn-ea"/>
-                <a:cs typeface="+mn-cs"/>
-              </a:defRPr>
-            </a:lvl9pPr>
-          </a:lstStyle>
-          <a:p>
-            <a:r>
-              <a:rPr lang="de-DE" dirty="0"/>
-              <a:t>Katrin Schmidt</a:t>
-            </a:r>
-            <a:endParaRPr lang="en-GB" dirty="0"/>
-          </a:p>
-        </p:txBody>
-      </p:sp>
-      <p:sp>
-        <p:nvSpPr>
-          <p:cNvPr id="16" name="Textplatzhalter 3">
-            <a:extLst>
-              <a:ext uri="{FF2B5EF4-FFF2-40B4-BE49-F238E27FC236}">
-                <a16:creationId xmlns:a16="http://schemas.microsoft.com/office/drawing/2014/main" id="{F2FC0D54-4D68-4B00-BDFA-8B18DE87C546}"/>
-              </a:ext>
-            </a:extLst>
-          </p:cNvPr>
-          <p:cNvSpPr txBox="1">
-            <a:spLocks/>
-          </p:cNvSpPr>
-          <p:nvPr/>
-        </p:nvSpPr>
-        <p:spPr>
-          <a:xfrm>
-            <a:off x="2899198" y="3049920"/>
-            <a:ext cx="3073585" cy="287999"/>
-          </a:xfrm>
-          <a:prstGeom prst="rect">
-            <a:avLst/>
-          </a:prstGeom>
-        </p:spPr>
-        <p:txBody>
-          <a:bodyPr vert="horz" lIns="0" tIns="0" rIns="0" bIns="0" rtlCol="0">
-            <a:noAutofit/>
-          </a:bodyPr>
-          <a:lstStyle>
-            <a:lvl1pPr marL="228592" indent="-228592" algn="l" defTabSz="914368" rtl="0" eaLnBrk="1" latinLnBrk="0" hangingPunct="1">
-              <a:lnSpc>
-                <a:spcPct val="120000"/>
-              </a:lnSpc>
-              <a:spcBef>
-                <a:spcPts val="1000"/>
-              </a:spcBef>
-              <a:buClr>
-                <a:schemeClr val="accent1"/>
-              </a:buClr>
-              <a:buFontTx/>
-              <a:buNone/>
-              <a:defRPr lang="de-DE" sz="1600" b="0" kern="1200" dirty="0" smtClean="0">
-                <a:solidFill>
-                  <a:schemeClr val="tx1"/>
-                </a:solidFill>
-                <a:latin typeface="+mn-lt"/>
-                <a:ea typeface="+mn-ea"/>
-                <a:cs typeface="+mn-cs"/>
-              </a:defRPr>
-            </a:lvl1pPr>
-            <a:lvl2pPr marL="480468" indent="-245525" algn="l" defTabSz="914368" rtl="0" eaLnBrk="1" latinLnBrk="0" hangingPunct="1">
-              <a:lnSpc>
-                <a:spcPct val="120000"/>
-              </a:lnSpc>
-              <a:spcBef>
-                <a:spcPts val="501"/>
-              </a:spcBef>
-              <a:buClr>
-                <a:schemeClr val="tx1"/>
-              </a:buClr>
-              <a:buFont typeface="Arial" panose="020B0604020202020204" pitchFamily="34" charset="0"/>
-              <a:buChar char="•"/>
-              <a:defRPr lang="de-DE" sz="1600" b="0" kern="1200" dirty="0" smtClean="0">
-                <a:solidFill>
-                  <a:schemeClr val="tx1"/>
-                </a:solidFill>
-                <a:latin typeface="+mn-lt"/>
-                <a:ea typeface="+mn-ea"/>
-                <a:cs typeface="+mn-cs"/>
-              </a:defRPr>
-            </a:lvl2pPr>
-            <a:lvl3pPr marL="715409" indent="-234943" algn="l" defTabSz="914368" rtl="0" eaLnBrk="1" latinLnBrk="0" hangingPunct="1">
-              <a:lnSpc>
-                <a:spcPct val="120000"/>
-              </a:lnSpc>
-              <a:spcBef>
-                <a:spcPts val="501"/>
-              </a:spcBef>
-              <a:buClr>
-                <a:schemeClr val="tx1"/>
-              </a:buClr>
-              <a:buFont typeface="Arial" panose="020B0604020202020204" pitchFamily="34" charset="0"/>
-              <a:buChar char="•"/>
-              <a:defRPr lang="de-DE" sz="1600" b="0" kern="1200" dirty="0" smtClean="0">
-                <a:solidFill>
-                  <a:schemeClr val="tx1"/>
-                </a:solidFill>
-                <a:latin typeface="+mn-lt"/>
-                <a:ea typeface="+mn-ea"/>
-                <a:cs typeface="+mn-cs"/>
-              </a:defRPr>
-            </a:lvl3pPr>
-            <a:lvl4pPr marL="960933" indent="-245525" algn="l" defTabSz="914368" rtl="0" eaLnBrk="1" latinLnBrk="0" hangingPunct="1">
-              <a:lnSpc>
-                <a:spcPct val="120000"/>
-              </a:lnSpc>
-              <a:spcBef>
-                <a:spcPts val="501"/>
-              </a:spcBef>
-              <a:buClr>
-                <a:schemeClr val="tx1"/>
-              </a:buClr>
-              <a:buFont typeface="Arial" panose="020B0604020202020204" pitchFamily="34" charset="0"/>
-              <a:buChar char="•"/>
-              <a:defRPr lang="de-DE" sz="1600" b="0" kern="1200" dirty="0" smtClean="0">
-                <a:solidFill>
-                  <a:schemeClr val="tx1"/>
-                </a:solidFill>
-                <a:latin typeface="+mn-lt"/>
-                <a:ea typeface="+mn-ea"/>
-                <a:cs typeface="+mn-cs"/>
-              </a:defRPr>
-            </a:lvl4pPr>
-            <a:lvl5pPr marL="1195875" indent="-234943" algn="l" defTabSz="914368" rtl="0" eaLnBrk="1" latinLnBrk="0" hangingPunct="1">
-              <a:lnSpc>
-                <a:spcPct val="120000"/>
-              </a:lnSpc>
-              <a:spcBef>
-                <a:spcPts val="501"/>
-              </a:spcBef>
-              <a:buClr>
-                <a:schemeClr val="tx1"/>
-              </a:buClr>
-              <a:buFont typeface="Arial" panose="020B0604020202020204" pitchFamily="34" charset="0"/>
-              <a:buChar char="•"/>
-              <a:defRPr lang="de-DE" sz="1600" b="0" kern="1200" dirty="0">
-                <a:solidFill>
-                  <a:schemeClr val="tx1"/>
-                </a:solidFill>
-                <a:latin typeface="+mn-lt"/>
-                <a:ea typeface="+mn-ea"/>
-                <a:cs typeface="+mn-cs"/>
-              </a:defRPr>
-            </a:lvl5pPr>
-            <a:lvl6pPr marL="2514512" indent="-228592" algn="l" defTabSz="914368" rtl="0" eaLnBrk="1" latinLnBrk="0" hangingPunct="1">
-              <a:lnSpc>
-                <a:spcPct val="90000"/>
-              </a:lnSpc>
-              <a:spcBef>
-                <a:spcPts val="501"/>
-              </a:spcBef>
-              <a:buFont typeface="Arial" panose="020B0604020202020204" pitchFamily="34" charset="0"/>
-              <a:buChar char="•"/>
-              <a:defRPr sz="1800" kern="1200">
-                <a:solidFill>
-                  <a:schemeClr val="tx1"/>
-                </a:solidFill>
-                <a:latin typeface="+mn-lt"/>
-                <a:ea typeface="+mn-ea"/>
-                <a:cs typeface="+mn-cs"/>
-              </a:defRPr>
-            </a:lvl6pPr>
-            <a:lvl7pPr marL="2971696" indent="-228592" algn="l" defTabSz="914368" rtl="0" eaLnBrk="1" latinLnBrk="0" hangingPunct="1">
-              <a:lnSpc>
-                <a:spcPct val="90000"/>
-              </a:lnSpc>
-              <a:spcBef>
-                <a:spcPts val="501"/>
-              </a:spcBef>
-              <a:buFont typeface="Arial" panose="020B0604020202020204" pitchFamily="34" charset="0"/>
-              <a:buChar char="•"/>
-              <a:defRPr sz="1800" kern="1200">
-                <a:solidFill>
-                  <a:schemeClr val="tx1"/>
-                </a:solidFill>
-                <a:latin typeface="+mn-lt"/>
-                <a:ea typeface="+mn-ea"/>
-                <a:cs typeface="+mn-cs"/>
-              </a:defRPr>
-            </a:lvl7pPr>
-            <a:lvl8pPr marL="3428880" indent="-228592" algn="l" defTabSz="914368" rtl="0" eaLnBrk="1" latinLnBrk="0" hangingPunct="1">
-              <a:lnSpc>
-                <a:spcPct val="90000"/>
-              </a:lnSpc>
-              <a:spcBef>
-                <a:spcPts val="501"/>
-              </a:spcBef>
-              <a:buFont typeface="Arial" panose="020B0604020202020204" pitchFamily="34" charset="0"/>
-              <a:buChar char="•"/>
-              <a:defRPr sz="1800" kern="1200">
-                <a:solidFill>
-                  <a:schemeClr val="tx1"/>
-                </a:solidFill>
-                <a:latin typeface="+mn-lt"/>
-                <a:ea typeface="+mn-ea"/>
-                <a:cs typeface="+mn-cs"/>
-              </a:defRPr>
-            </a:lvl8pPr>
-            <a:lvl9pPr marL="3886064" indent="-228592" algn="l" defTabSz="914368" rtl="0" eaLnBrk="1" latinLnBrk="0" hangingPunct="1">
-              <a:lnSpc>
-                <a:spcPct val="90000"/>
-              </a:lnSpc>
-              <a:spcBef>
-                <a:spcPts val="501"/>
-              </a:spcBef>
-              <a:buFont typeface="Arial" panose="020B0604020202020204" pitchFamily="34" charset="0"/>
-              <a:buChar char="•"/>
-              <a:defRPr sz="1800" kern="1200">
-                <a:solidFill>
-                  <a:schemeClr val="tx1"/>
-                </a:solidFill>
-                <a:latin typeface="+mn-lt"/>
-                <a:ea typeface="+mn-ea"/>
-                <a:cs typeface="+mn-cs"/>
-              </a:defRPr>
-            </a:lvl9pPr>
-          </a:lstStyle>
-          <a:p>
-            <a:r>
-              <a:rPr lang="en-GB" dirty="0"/>
-              <a:t>katrin.schmidt@ims.uni-stuttgart.de </a:t>
-            </a:r>
+              <a:rPr lang="de-DE"/>
+              <a:t>Team Lab NLP | Author Classification in Poetry		Katrin Schmidt – Carlotta Quensel</a:t>
+            </a:r>
+            <a:endParaRPr lang="de-DE" dirty="0"/>
           </a:p>
         </p:txBody>
       </p:sp>
     </p:spTree>
     <p:extLst>
       <p:ext uri="{BB962C8B-B14F-4D97-AF65-F5344CB8AC3E}">
-        <p14:creationId xmlns:p14="http://schemas.microsoft.com/office/powerpoint/2010/main" val="3362486034"/>
+        <p14:creationId xmlns:p14="http://schemas.microsoft.com/office/powerpoint/2010/main" val="3416307102"/>
       </p:ext>
     </p:extLst>
   </p:cSld>

--- a/reports/TeamLab-presentation.pptx
+++ b/reports/TeamLab-presentation.pptx
@@ -13,9 +13,9 @@
     <p:sldId id="351" r:id="rId4"/>
     <p:sldId id="353" r:id="rId5"/>
     <p:sldId id="346" r:id="rId6"/>
-    <p:sldId id="347" r:id="rId7"/>
-    <p:sldId id="348" r:id="rId8"/>
-    <p:sldId id="354" r:id="rId9"/>
+    <p:sldId id="356" r:id="rId7"/>
+    <p:sldId id="358" r:id="rId8"/>
+    <p:sldId id="359" r:id="rId9"/>
     <p:sldId id="349" r:id="rId10"/>
     <p:sldId id="341" r:id="rId11"/>
   </p:sldIdLst>
@@ -126,9 +126,9 @@
             <p14:sldId id="351"/>
             <p14:sldId id="353"/>
             <p14:sldId id="346"/>
-            <p14:sldId id="347"/>
-            <p14:sldId id="348"/>
-            <p14:sldId id="354"/>
+            <p14:sldId id="356"/>
+            <p14:sldId id="358"/>
+            <p14:sldId id="359"/>
             <p14:sldId id="349"/>
             <p14:sldId id="341"/>
           </p14:sldIdLst>
@@ -143,15 +143,28 @@
 </file>
 
 <file path=ppt/diagrams/colors1.xml><?xml version="1.0" encoding="utf-8"?>
-<dgm:colorsDef xmlns:dgm="http://schemas.openxmlformats.org/drawingml/2006/diagram" xmlns:a="http://schemas.openxmlformats.org/drawingml/2006/main" uniqueId="urn:microsoft.com/office/officeart/2005/8/colors/accent1_2">
+<dgm:colorsDef xmlns:dgm="http://schemas.openxmlformats.org/drawingml/2006/diagram" xmlns:a="http://schemas.openxmlformats.org/drawingml/2006/main" uniqueId="urn:microsoft.com/office/officeart/2005/8/colors/colorful3">
   <dgm:title val=""/>
   <dgm:desc val=""/>
   <dgm:catLst>
-    <dgm:cat type="accent1" pri="11200"/>
+    <dgm:cat type="colorful" pri="10300"/>
   </dgm:catLst>
   <dgm:styleLbl name="node0">
     <dgm:fillClrLst meth="repeat">
-      <a:schemeClr val="accent1"/>
+      <a:schemeClr val="accent2"/>
+    </dgm:fillClrLst>
+    <dgm:linClrLst meth="repeat">
+      <a:schemeClr val="lt1"/>
+    </dgm:linClrLst>
+    <dgm:effectClrLst/>
+    <dgm:txLinClrLst/>
+    <dgm:txFillClrLst/>
+    <dgm:txEffectClrLst/>
+  </dgm:styleLbl>
+  <dgm:styleLbl name="node1">
+    <dgm:fillClrLst>
+      <a:schemeClr val="accent3"/>
+      <a:schemeClr val="accent4"/>
     </dgm:fillClrLst>
     <dgm:linClrLst meth="repeat">
       <a:schemeClr val="lt1"/>
@@ -162,23 +175,13 @@
     <dgm:txEffectClrLst/>
   </dgm:styleLbl>
   <dgm:styleLbl name="alignNode1">
-    <dgm:fillClrLst meth="repeat">
-      <a:schemeClr val="accent1"/>
+    <dgm:fillClrLst>
+      <a:schemeClr val="accent3"/>
+      <a:schemeClr val="accent4"/>
     </dgm:fillClrLst>
-    <dgm:linClrLst meth="repeat">
-      <a:schemeClr val="accent1"/>
-    </dgm:linClrLst>
-    <dgm:effectClrLst/>
-    <dgm:txLinClrLst/>
-    <dgm:txFillClrLst/>
-    <dgm:txEffectClrLst/>
-  </dgm:styleLbl>
-  <dgm:styleLbl name="node1">
-    <dgm:fillClrLst meth="repeat">
-      <a:schemeClr val="accent1"/>
-    </dgm:fillClrLst>
-    <dgm:linClrLst meth="repeat">
-      <a:schemeClr val="lt1"/>
+    <dgm:linClrLst>
+      <a:schemeClr val="accent3"/>
+      <a:schemeClr val="accent4"/>
     </dgm:linClrLst>
     <dgm:effectClrLst/>
     <dgm:txLinClrLst/>
@@ -186,8 +189,9 @@
     <dgm:txEffectClrLst/>
   </dgm:styleLbl>
   <dgm:styleLbl name="lnNode1">
-    <dgm:fillClrLst meth="repeat">
-      <a:schemeClr val="accent1"/>
+    <dgm:fillClrLst>
+      <a:schemeClr val="accent3"/>
+      <a:schemeClr val="accent4"/>
     </dgm:fillClrLst>
     <dgm:linClrLst meth="repeat">
       <a:schemeClr val="lt1"/>
@@ -198,8 +202,11 @@
     <dgm:txEffectClrLst/>
   </dgm:styleLbl>
   <dgm:styleLbl name="vennNode1">
-    <dgm:fillClrLst meth="repeat">
-      <a:schemeClr val="accent1">
+    <dgm:fillClrLst>
+      <a:schemeClr val="accent3">
+        <a:alpha val="50000"/>
+      </a:schemeClr>
+      <a:schemeClr val="accent4">
         <a:alpha val="50000"/>
       </a:schemeClr>
     </dgm:fillClrLst>
@@ -212,8 +219,8 @@
     <dgm:txEffectClrLst/>
   </dgm:styleLbl>
   <dgm:styleLbl name="node2">
-    <dgm:fillClrLst meth="repeat">
-      <a:schemeClr val="accent1"/>
+    <dgm:fillClrLst>
+      <a:schemeClr val="accent4"/>
     </dgm:fillClrLst>
     <dgm:linClrLst meth="repeat">
       <a:schemeClr val="lt1"/>
@@ -224,8 +231,8 @@
     <dgm:txEffectClrLst/>
   </dgm:styleLbl>
   <dgm:styleLbl name="node3">
-    <dgm:fillClrLst meth="repeat">
-      <a:schemeClr val="accent1"/>
+    <dgm:fillClrLst>
+      <a:schemeClr val="accent5"/>
     </dgm:fillClrLst>
     <dgm:linClrLst meth="repeat">
       <a:schemeClr val="lt1"/>
@@ -236,8 +243,8 @@
     <dgm:txEffectClrLst/>
   </dgm:styleLbl>
   <dgm:styleLbl name="node4">
-    <dgm:fillClrLst meth="repeat">
-      <a:schemeClr val="accent1"/>
+    <dgm:fillClrLst>
+      <a:schemeClr val="accent6"/>
     </dgm:fillClrLst>
     <dgm:linClrLst meth="repeat">
       <a:schemeClr val="lt1"/>
@@ -248,8 +255,11 @@
     <dgm:txEffectClrLst/>
   </dgm:styleLbl>
   <dgm:styleLbl name="fgImgPlace1">
-    <dgm:fillClrLst meth="repeat">
-      <a:schemeClr val="accent1">
+    <dgm:fillClrLst>
+      <a:schemeClr val="accent3">
+        <a:tint val="50000"/>
+      </a:schemeClr>
+      <a:schemeClr val="accent4">
         <a:tint val="50000"/>
       </a:schemeClr>
     </dgm:fillClrLst>
@@ -264,9 +274,12 @@
     <dgm:txEffectClrLst/>
   </dgm:styleLbl>
   <dgm:styleLbl name="alignImgPlace1">
-    <dgm:fillClrLst meth="repeat">
-      <a:schemeClr val="accent1">
+    <dgm:fillClrLst>
+      <a:schemeClr val="accent3">
         <a:tint val="50000"/>
+      </a:schemeClr>
+      <a:schemeClr val="accent4">
+        <a:tint val="20000"/>
       </a:schemeClr>
     </dgm:fillClrLst>
     <dgm:linClrLst meth="repeat">
@@ -280,9 +293,12 @@
     <dgm:txEffectClrLst/>
   </dgm:styleLbl>
   <dgm:styleLbl name="bgImgPlace1">
-    <dgm:fillClrLst meth="repeat">
-      <a:schemeClr val="accent1">
+    <dgm:fillClrLst>
+      <a:schemeClr val="accent3">
         <a:tint val="50000"/>
+      </a:schemeClr>
+      <a:schemeClr val="accent4">
+        <a:tint val="20000"/>
       </a:schemeClr>
     </dgm:fillClrLst>
     <dgm:linClrLst meth="repeat">
@@ -296,15 +312,12 @@
     <dgm:txEffectClrLst/>
   </dgm:styleLbl>
   <dgm:styleLbl name="sibTrans2D1">
-    <dgm:fillClrLst meth="repeat">
-      <a:schemeClr val="accent1">
-        <a:tint val="60000"/>
-      </a:schemeClr>
+    <dgm:fillClrLst>
+      <a:schemeClr val="accent3"/>
+      <a:schemeClr val="accent4"/>
     </dgm:fillClrLst>
     <dgm:linClrLst meth="repeat">
-      <a:schemeClr val="accent1">
-        <a:tint val="60000"/>
-      </a:schemeClr>
+      <a:schemeClr val="lt1"/>
     </dgm:linClrLst>
     <dgm:effectClrLst/>
     <dgm:txLinClrLst/>
@@ -312,43 +325,40 @@
     <dgm:txEffectClrLst/>
   </dgm:styleLbl>
   <dgm:styleLbl name="fgSibTrans2D1">
-    <dgm:fillClrLst meth="repeat">
-      <a:schemeClr val="accent1">
-        <a:tint val="60000"/>
-      </a:schemeClr>
+    <dgm:fillClrLst>
+      <a:schemeClr val="accent3"/>
+      <a:schemeClr val="accent4"/>
     </dgm:fillClrLst>
     <dgm:linClrLst meth="repeat">
-      <a:schemeClr val="accent1">
-        <a:tint val="60000"/>
-      </a:schemeClr>
+      <a:schemeClr val="lt1"/>
     </dgm:linClrLst>
     <dgm:effectClrLst/>
     <dgm:txLinClrLst/>
-    <dgm:txFillClrLst/>
+    <dgm:txFillClrLst meth="repeat">
+      <a:schemeClr val="lt1"/>
+    </dgm:txFillClrLst>
     <dgm:txEffectClrLst/>
   </dgm:styleLbl>
   <dgm:styleLbl name="bgSibTrans2D1">
-    <dgm:fillClrLst meth="repeat">
-      <a:schemeClr val="accent1">
-        <a:tint val="60000"/>
-      </a:schemeClr>
+    <dgm:fillClrLst>
+      <a:schemeClr val="accent3"/>
+      <a:schemeClr val="accent4"/>
     </dgm:fillClrLst>
     <dgm:linClrLst meth="repeat">
-      <a:schemeClr val="accent1">
-        <a:tint val="60000"/>
-      </a:schemeClr>
+      <a:schemeClr val="lt1"/>
     </dgm:linClrLst>
     <dgm:effectClrLst/>
     <dgm:txLinClrLst/>
-    <dgm:txFillClrLst/>
+    <dgm:txFillClrLst meth="repeat">
+      <a:schemeClr val="lt1"/>
+    </dgm:txFillClrLst>
     <dgm:txEffectClrLst/>
   </dgm:styleLbl>
   <dgm:styleLbl name="sibTrans1D1">
-    <dgm:fillClrLst meth="repeat">
-      <a:schemeClr val="accent1"/>
-    </dgm:fillClrLst>
-    <dgm:linClrLst meth="repeat">
-      <a:schemeClr val="accent1"/>
+    <dgm:fillClrLst/>
+    <dgm:linClrLst>
+      <a:schemeClr val="accent3"/>
+      <a:schemeClr val="accent4"/>
     </dgm:linClrLst>
     <dgm:effectClrLst/>
     <dgm:txLinClrLst/>
@@ -359,10 +369,10 @@
   </dgm:styleLbl>
   <dgm:styleLbl name="callout">
     <dgm:fillClrLst meth="repeat">
-      <a:schemeClr val="accent1"/>
+      <a:schemeClr val="accent3"/>
     </dgm:fillClrLst>
     <dgm:linClrLst meth="repeat">
-      <a:schemeClr val="accent1">
+      <a:schemeClr val="accent3">
         <a:tint val="50000"/>
       </a:schemeClr>
     </dgm:linClrLst>
@@ -375,10 +385,12 @@
   </dgm:styleLbl>
   <dgm:styleLbl name="asst0">
     <dgm:fillClrLst meth="repeat">
-      <a:schemeClr val="accent1"/>
+      <a:schemeClr val="accent3"/>
     </dgm:fillClrLst>
     <dgm:linClrLst meth="repeat">
-      <a:schemeClr val="lt1"/>
+      <a:schemeClr val="lt1">
+        <a:shade val="80000"/>
+      </a:schemeClr>
     </dgm:linClrLst>
     <dgm:effectClrLst/>
     <dgm:txLinClrLst/>
@@ -387,10 +399,12 @@
   </dgm:styleLbl>
   <dgm:styleLbl name="asst1">
     <dgm:fillClrLst meth="repeat">
-      <a:schemeClr val="accent1"/>
+      <a:schemeClr val="accent4"/>
     </dgm:fillClrLst>
     <dgm:linClrLst meth="repeat">
-      <a:schemeClr val="lt1"/>
+      <a:schemeClr val="lt1">
+        <a:shade val="80000"/>
+      </a:schemeClr>
     </dgm:linClrLst>
     <dgm:effectClrLst/>
     <dgm:txLinClrLst/>
@@ -398,8 +412,8 @@
     <dgm:txEffectClrLst/>
   </dgm:styleLbl>
   <dgm:styleLbl name="asst2">
-    <dgm:fillClrLst meth="repeat">
-      <a:schemeClr val="accent1"/>
+    <dgm:fillClrLst>
+      <a:schemeClr val="accent5"/>
     </dgm:fillClrLst>
     <dgm:linClrLst meth="repeat">
       <a:schemeClr val="lt1"/>
@@ -410,8 +424,8 @@
     <dgm:txEffectClrLst/>
   </dgm:styleLbl>
   <dgm:styleLbl name="asst3">
-    <dgm:fillClrLst meth="repeat">
-      <a:schemeClr val="accent1"/>
+    <dgm:fillClrLst>
+      <a:schemeClr val="accent6"/>
     </dgm:fillClrLst>
     <dgm:linClrLst meth="repeat">
       <a:schemeClr val="lt1"/>
@@ -422,7 +436,7 @@
     <dgm:txEffectClrLst/>
   </dgm:styleLbl>
   <dgm:styleLbl name="asst4">
-    <dgm:fillClrLst meth="repeat">
+    <dgm:fillClrLst>
       <a:schemeClr val="accent1"/>
     </dgm:fillClrLst>
     <dgm:linClrLst meth="repeat">
@@ -435,14 +449,10 @@
   </dgm:styleLbl>
   <dgm:styleLbl name="parChTrans2D1">
     <dgm:fillClrLst meth="repeat">
-      <a:schemeClr val="accent1">
-        <a:tint val="60000"/>
-      </a:schemeClr>
+      <a:schemeClr val="accent2"/>
     </dgm:fillClrLst>
     <dgm:linClrLst meth="repeat">
-      <a:schemeClr val="accent1">
-        <a:tint val="60000"/>
-      </a:schemeClr>
+      <a:schemeClr val="lt1"/>
     </dgm:linClrLst>
     <dgm:effectClrLst/>
     <dgm:txLinClrLst/>
@@ -453,38 +463,34 @@
   </dgm:styleLbl>
   <dgm:styleLbl name="parChTrans2D2">
     <dgm:fillClrLst meth="repeat">
-      <a:schemeClr val="accent1"/>
+      <a:schemeClr val="accent3"/>
     </dgm:fillClrLst>
     <dgm:linClrLst meth="repeat">
-      <a:schemeClr val="accent1"/>
+      <a:schemeClr val="lt1"/>
     </dgm:linClrLst>
     <dgm:effectClrLst/>
     <dgm:txLinClrLst/>
-    <dgm:txFillClrLst meth="repeat">
-      <a:schemeClr val="lt1"/>
-    </dgm:txFillClrLst>
+    <dgm:txFillClrLst/>
     <dgm:txEffectClrLst/>
   </dgm:styleLbl>
   <dgm:styleLbl name="parChTrans2D3">
     <dgm:fillClrLst meth="repeat">
-      <a:schemeClr val="accent1"/>
+      <a:schemeClr val="accent4"/>
     </dgm:fillClrLst>
     <dgm:linClrLst meth="repeat">
-      <a:schemeClr val="accent1"/>
+      <a:schemeClr val="lt1"/>
     </dgm:linClrLst>
     <dgm:effectClrLst/>
     <dgm:txLinClrLst/>
-    <dgm:txFillClrLst meth="repeat">
-      <a:schemeClr val="lt1"/>
-    </dgm:txFillClrLst>
+    <dgm:txFillClrLst/>
     <dgm:txEffectClrLst/>
   </dgm:styleLbl>
   <dgm:styleLbl name="parChTrans2D4">
     <dgm:fillClrLst meth="repeat">
-      <a:schemeClr val="accent1"/>
+      <a:schemeClr val="accent5"/>
     </dgm:fillClrLst>
     <dgm:linClrLst meth="repeat">
-      <a:schemeClr val="accent1"/>
+      <a:schemeClr val="lt1"/>
     </dgm:linClrLst>
     <dgm:effectClrLst/>
     <dgm:txLinClrLst/>
@@ -495,12 +501,10 @@
   </dgm:styleLbl>
   <dgm:styleLbl name="parChTrans1D1">
     <dgm:fillClrLst meth="repeat">
-      <a:schemeClr val="accent1"/>
+      <a:schemeClr val="accent3"/>
     </dgm:fillClrLst>
     <dgm:linClrLst meth="repeat">
-      <a:schemeClr val="accent1">
-        <a:shade val="60000"/>
-      </a:schemeClr>
+      <a:schemeClr val="accent3"/>
     </dgm:linClrLst>
     <dgm:effectClrLst/>
     <dgm:txLinClrLst/>
@@ -511,12 +515,12 @@
   </dgm:styleLbl>
   <dgm:styleLbl name="parChTrans1D2">
     <dgm:fillClrLst meth="repeat">
-      <a:schemeClr val="accent1"/>
+      <a:schemeClr val="accent2">
+        <a:tint val="90000"/>
+      </a:schemeClr>
     </dgm:fillClrLst>
     <dgm:linClrLst meth="repeat">
-      <a:schemeClr val="accent1">
-        <a:shade val="60000"/>
-      </a:schemeClr>
+      <a:schemeClr val="accent4"/>
     </dgm:linClrLst>
     <dgm:effectClrLst/>
     <dgm:txLinClrLst/>
@@ -527,12 +531,12 @@
   </dgm:styleLbl>
   <dgm:styleLbl name="parChTrans1D3">
     <dgm:fillClrLst meth="repeat">
-      <a:schemeClr val="accent1"/>
+      <a:schemeClr val="accent2">
+        <a:tint val="70000"/>
+      </a:schemeClr>
     </dgm:fillClrLst>
     <dgm:linClrLst meth="repeat">
-      <a:schemeClr val="accent1">
-        <a:shade val="80000"/>
-      </a:schemeClr>
+      <a:schemeClr val="accent5"/>
     </dgm:linClrLst>
     <dgm:effectClrLst/>
     <dgm:txLinClrLst/>
@@ -543,12 +547,12 @@
   </dgm:styleLbl>
   <dgm:styleLbl name="parChTrans1D4">
     <dgm:fillClrLst meth="repeat">
-      <a:schemeClr val="accent1"/>
+      <a:schemeClr val="accent6">
+        <a:tint val="50000"/>
+      </a:schemeClr>
     </dgm:fillClrLst>
     <dgm:linClrLst meth="repeat">
-      <a:schemeClr val="accent1">
-        <a:shade val="80000"/>
-      </a:schemeClr>
+      <a:schemeClr val="accent6"/>
     </dgm:linClrLst>
     <dgm:effectClrLst/>
     <dgm:txLinClrLst/>
@@ -563,8 +567,9 @@
         <a:alpha val="90000"/>
       </a:schemeClr>
     </dgm:fillClrLst>
-    <dgm:linClrLst meth="repeat">
-      <a:schemeClr val="accent1"/>
+    <dgm:linClrLst>
+      <a:schemeClr val="accent3"/>
+      <a:schemeClr val="accent4"/>
     </dgm:linClrLst>
     <dgm:effectClrLst/>
     <dgm:txLinClrLst/>
@@ -579,8 +584,9 @@
         <a:alpha val="90000"/>
       </a:schemeClr>
     </dgm:fillClrLst>
-    <dgm:linClrLst meth="repeat">
-      <a:schemeClr val="accent1"/>
+    <dgm:linClrLst>
+      <a:schemeClr val="accent3"/>
+      <a:schemeClr val="accent4"/>
     </dgm:linClrLst>
     <dgm:effectClrLst/>
     <dgm:txLinClrLst/>
@@ -595,8 +601,9 @@
         <a:alpha val="90000"/>
       </a:schemeClr>
     </dgm:fillClrLst>
-    <dgm:linClrLst meth="repeat">
-      <a:schemeClr val="accent1"/>
+    <dgm:linClrLst>
+      <a:schemeClr val="accent3"/>
+      <a:schemeClr val="accent4"/>
     </dgm:linClrLst>
     <dgm:effectClrLst/>
     <dgm:txLinClrLst/>
@@ -612,7 +619,7 @@
       </a:schemeClr>
     </dgm:fillClrLst>
     <dgm:linClrLst meth="repeat">
-      <a:schemeClr val="accent1"/>
+      <a:schemeClr val="accent2"/>
     </dgm:linClrLst>
     <dgm:effectClrLst/>
     <dgm:txLinClrLst/>
@@ -627,8 +634,9 @@
         <a:alpha val="90000"/>
       </a:schemeClr>
     </dgm:fillClrLst>
-    <dgm:linClrLst meth="repeat">
-      <a:schemeClr val="accent1"/>
+    <dgm:linClrLst>
+      <a:schemeClr val="accent3"/>
+      <a:schemeClr val="accent4"/>
     </dgm:linClrLst>
     <dgm:effectClrLst/>
     <dgm:txLinClrLst/>
@@ -641,8 +649,9 @@
     <dgm:fillClrLst meth="repeat">
       <a:schemeClr val="lt1"/>
     </dgm:fillClrLst>
-    <dgm:linClrLst meth="repeat">
-      <a:schemeClr val="accent1"/>
+    <dgm:linClrLst>
+      <a:schemeClr val="accent3"/>
+      <a:schemeClr val="accent4"/>
     </dgm:linClrLst>
     <dgm:effectClrLst/>
     <dgm:txLinClrLst/>
@@ -655,8 +664,9 @@
     <dgm:fillClrLst meth="repeat">
       <a:schemeClr val="lt1"/>
     </dgm:fillClrLst>
-    <dgm:linClrLst meth="repeat">
-      <a:schemeClr val="accent1"/>
+    <dgm:linClrLst>
+      <a:schemeClr val="accent3"/>
+      <a:schemeClr val="accent4"/>
     </dgm:linClrLst>
     <dgm:effectClrLst/>
     <dgm:txLinClrLst/>
@@ -669,8 +679,9 @@
     <dgm:fillClrLst meth="repeat">
       <a:schemeClr val="lt1"/>
     </dgm:fillClrLst>
-    <dgm:linClrLst meth="repeat">
-      <a:schemeClr val="accent1"/>
+    <dgm:linClrLst>
+      <a:schemeClr val="accent3"/>
+      <a:schemeClr val="accent4"/>
     </dgm:linClrLst>
     <dgm:effectClrLst/>
     <dgm:txLinClrLst/>
@@ -680,16 +691,24 @@
     <dgm:txEffectClrLst/>
   </dgm:styleLbl>
   <dgm:styleLbl name="fgAccFollowNode1">
-    <dgm:fillClrLst meth="repeat">
-      <a:schemeClr val="accent1">
+    <dgm:fillClrLst>
+      <a:schemeClr val="accent3">
+        <a:tint val="40000"/>
         <a:alpha val="90000"/>
+      </a:schemeClr>
+      <a:schemeClr val="accent4">
         <a:tint val="40000"/>
+        <a:alpha val="90000"/>
       </a:schemeClr>
     </dgm:fillClrLst>
-    <dgm:linClrLst meth="repeat">
-      <a:schemeClr val="accent1">
+    <dgm:linClrLst>
+      <a:schemeClr val="accent3">
+        <a:tint val="40000"/>
         <a:alpha val="90000"/>
+      </a:schemeClr>
+      <a:schemeClr val="accent4">
         <a:tint val="40000"/>
+        <a:alpha val="90000"/>
       </a:schemeClr>
     </dgm:linClrLst>
     <dgm:effectClrLst/>
@@ -700,16 +719,24 @@
     <dgm:txEffectClrLst/>
   </dgm:styleLbl>
   <dgm:styleLbl name="alignAccFollowNode1">
-    <dgm:fillClrLst meth="repeat">
-      <a:schemeClr val="accent1">
+    <dgm:fillClrLst>
+      <a:schemeClr val="accent3">
+        <a:tint val="40000"/>
         <a:alpha val="90000"/>
+      </a:schemeClr>
+      <a:schemeClr val="accent4">
         <a:tint val="40000"/>
+        <a:alpha val="90000"/>
       </a:schemeClr>
     </dgm:fillClrLst>
-    <dgm:linClrLst meth="repeat">
-      <a:schemeClr val="accent1">
+    <dgm:linClrLst>
+      <a:schemeClr val="accent3">
+        <a:tint val="40000"/>
         <a:alpha val="90000"/>
+      </a:schemeClr>
+      <a:schemeClr val="accent4">
         <a:tint val="40000"/>
+        <a:alpha val="90000"/>
       </a:schemeClr>
     </dgm:linClrLst>
     <dgm:effectClrLst/>
@@ -720,16 +747,24 @@
     <dgm:txEffectClrLst/>
   </dgm:styleLbl>
   <dgm:styleLbl name="bgAccFollowNode1">
-    <dgm:fillClrLst meth="repeat">
-      <a:schemeClr val="accent1">
+    <dgm:fillClrLst>
+      <a:schemeClr val="accent3">
+        <a:tint val="40000"/>
         <a:alpha val="90000"/>
+      </a:schemeClr>
+      <a:schemeClr val="accent4">
         <a:tint val="40000"/>
+        <a:alpha val="90000"/>
       </a:schemeClr>
     </dgm:fillClrLst>
-    <dgm:linClrLst meth="repeat">
-      <a:schemeClr val="accent1">
+    <dgm:linClrLst>
+      <a:schemeClr val="accent3">
+        <a:tint val="40000"/>
         <a:alpha val="90000"/>
+      </a:schemeClr>
+      <a:schemeClr val="accent4">
         <a:tint val="40000"/>
+        <a:alpha val="90000"/>
       </a:schemeClr>
     </dgm:linClrLst>
     <dgm:effectClrLst/>
@@ -745,8 +780,8 @@
         <a:alpha val="90000"/>
       </a:schemeClr>
     </dgm:fillClrLst>
-    <dgm:linClrLst meth="repeat">
-      <a:schemeClr val="accent1"/>
+    <dgm:linClrLst>
+      <a:schemeClr val="accent2"/>
     </dgm:linClrLst>
     <dgm:effectClrLst/>
     <dgm:txLinClrLst/>
@@ -761,8 +796,8 @@
         <a:alpha val="90000"/>
       </a:schemeClr>
     </dgm:fillClrLst>
-    <dgm:linClrLst meth="repeat">
-      <a:schemeClr val="accent1"/>
+    <dgm:linClrLst>
+      <a:schemeClr val="accent4"/>
     </dgm:linClrLst>
     <dgm:effectClrLst/>
     <dgm:txLinClrLst/>
@@ -777,8 +812,8 @@
         <a:alpha val="90000"/>
       </a:schemeClr>
     </dgm:fillClrLst>
-    <dgm:linClrLst meth="repeat">
-      <a:schemeClr val="accent1"/>
+    <dgm:linClrLst>
+      <a:schemeClr val="accent5"/>
     </dgm:linClrLst>
     <dgm:effectClrLst/>
     <dgm:txLinClrLst/>
@@ -793,8 +828,8 @@
         <a:alpha val="90000"/>
       </a:schemeClr>
     </dgm:fillClrLst>
-    <dgm:linClrLst meth="repeat">
-      <a:schemeClr val="accent1"/>
+    <dgm:linClrLst>
+      <a:schemeClr val="accent6"/>
     </dgm:linClrLst>
     <dgm:effectClrLst/>
     <dgm:txLinClrLst/>
@@ -805,12 +840,12 @@
   </dgm:styleLbl>
   <dgm:styleLbl name="bgShp">
     <dgm:fillClrLst meth="repeat">
-      <a:schemeClr val="accent1">
+      <a:schemeClr val="accent3">
         <a:tint val="40000"/>
       </a:schemeClr>
     </dgm:fillClrLst>
     <dgm:linClrLst meth="repeat">
-      <a:schemeClr val="accent1"/>
+      <a:schemeClr val="dk1"/>
     </dgm:linClrLst>
     <dgm:effectClrLst/>
     <dgm:txLinClrLst/>
@@ -821,12 +856,12 @@
   </dgm:styleLbl>
   <dgm:styleLbl name="dkBgShp">
     <dgm:fillClrLst meth="repeat">
-      <a:schemeClr val="accent1">
-        <a:shade val="80000"/>
+      <a:schemeClr val="accent3">
+        <a:shade val="90000"/>
       </a:schemeClr>
     </dgm:fillClrLst>
     <dgm:linClrLst meth="repeat">
-      <a:schemeClr val="accent1"/>
+      <a:schemeClr val="dk1"/>
     </dgm:linClrLst>
     <dgm:effectClrLst/>
     <dgm:txLinClrLst/>
@@ -837,13 +872,13 @@
   </dgm:styleLbl>
   <dgm:styleLbl name="trBgShp">
     <dgm:fillClrLst meth="repeat">
-      <a:schemeClr val="accent1">
+      <a:schemeClr val="accent2">
         <a:tint val="50000"/>
         <a:alpha val="40000"/>
       </a:schemeClr>
     </dgm:fillClrLst>
     <dgm:linClrLst meth="repeat">
-      <a:schemeClr val="accent1"/>
+      <a:schemeClr val="accent3"/>
     </dgm:linClrLst>
     <dgm:effectClrLst/>
     <dgm:txLinClrLst/>
@@ -854,8 +889,8 @@
   </dgm:styleLbl>
   <dgm:styleLbl name="fgShp">
     <dgm:fillClrLst meth="repeat">
-      <a:schemeClr val="accent1">
-        <a:tint val="60000"/>
+      <a:schemeClr val="accent3">
+        <a:tint val="40000"/>
       </a:schemeClr>
     </dgm:fillClrLst>
     <dgm:linClrLst meth="repeat">
@@ -893,7 +928,7 @@
 <dgm:dataModel xmlns:dgm="http://schemas.openxmlformats.org/drawingml/2006/diagram" xmlns:a="http://schemas.openxmlformats.org/drawingml/2006/main">
   <dgm:ptLst>
     <dgm:pt modelId="{10EA341A-525C-4BB9-B24D-A922B5501BAA}" type="doc">
-      <dgm:prSet loTypeId="urn:microsoft.com/office/officeart/2005/8/layout/hProcess9" loCatId="process" qsTypeId="urn:microsoft.com/office/officeart/2005/8/quickstyle/simple1" qsCatId="simple" csTypeId="urn:microsoft.com/office/officeart/2005/8/colors/accent1_2" csCatId="accent1" phldr="1"/>
+      <dgm:prSet loTypeId="urn:microsoft.com/office/officeart/2005/8/layout/hProcess9" loCatId="process" qsTypeId="urn:microsoft.com/office/officeart/2005/8/quickstyle/simple1" qsCatId="simple" csTypeId="urn:microsoft.com/office/officeart/2005/8/colors/colorful3" csCatId="colorful" phldr="1"/>
       <dgm:spPr/>
       <dgm:t>
         <a:bodyPr/>
@@ -905,14 +940,20 @@
     </dgm:pt>
     <dgm:pt modelId="{98A93C67-CD33-46A7-A38E-7D6E8D2182B8}">
       <dgm:prSet/>
-      <dgm:spPr/>
+      <dgm:spPr>
+        <a:solidFill>
+          <a:schemeClr val="accent2">
+            <a:lumMod val="50000"/>
+          </a:schemeClr>
+        </a:solidFill>
+      </dgm:spPr>
       <dgm:t>
         <a:bodyPr/>
         <a:lstStyle/>
         <a:p>
           <a:r>
             <a:rPr lang="en-GB" dirty="0"/>
-            <a:t>Features learned with PMI</a:t>
+            <a:t>Features (PMI)</a:t>
           </a:r>
         </a:p>
       </dgm:t>
@@ -941,14 +982,20 @@
     </dgm:pt>
     <dgm:pt modelId="{947DC41F-69E6-4050-9A6C-292E66EA3E63}">
       <dgm:prSet/>
-      <dgm:spPr/>
+      <dgm:spPr>
+        <a:solidFill>
+          <a:schemeClr val="accent2">
+            <a:lumMod val="75000"/>
+          </a:schemeClr>
+        </a:solidFill>
+      </dgm:spPr>
       <dgm:t>
         <a:bodyPr/>
         <a:lstStyle/>
         <a:p>
           <a:r>
             <a:rPr lang="en-GB" dirty="0"/>
-            <a:t>Random weight for each feature</a:t>
+            <a:t>Initial weights</a:t>
           </a:r>
         </a:p>
       </dgm:t>
@@ -977,14 +1024,18 @@
     </dgm:pt>
     <dgm:pt modelId="{66F0D7E4-8B1E-4092-B1A0-D6BA3FA5EB7A}">
       <dgm:prSet/>
-      <dgm:spPr/>
+      <dgm:spPr>
+        <a:solidFill>
+          <a:schemeClr val="accent2"/>
+        </a:solidFill>
+      </dgm:spPr>
       <dgm:t>
         <a:bodyPr/>
         <a:lstStyle/>
         <a:p>
           <a:r>
             <a:rPr lang="en-GB" dirty="0"/>
-            <a:t>Accuracy with these weights</a:t>
+            <a:t>Accuracy</a:t>
           </a:r>
         </a:p>
       </dgm:t>
@@ -1013,7 +1064,14 @@
     </dgm:pt>
     <dgm:pt modelId="{3CA7B066-287A-4409-9576-73438D70AA1B}">
       <dgm:prSet/>
-      <dgm:spPr/>
+      <dgm:spPr>
+        <a:solidFill>
+          <a:schemeClr val="accent2">
+            <a:lumMod val="60000"/>
+            <a:lumOff val="40000"/>
+          </a:schemeClr>
+        </a:solidFill>
+      </dgm:spPr>
       <dgm:t>
         <a:bodyPr/>
         <a:lstStyle/>
@@ -1049,14 +1107,21 @@
     </dgm:pt>
     <dgm:pt modelId="{AD3DE4B6-0432-4775-8EAE-41120B956497}">
       <dgm:prSet/>
-      <dgm:spPr/>
+      <dgm:spPr>
+        <a:solidFill>
+          <a:schemeClr val="accent2">
+            <a:lumMod val="40000"/>
+            <a:lumOff val="60000"/>
+          </a:schemeClr>
+        </a:solidFill>
+      </dgm:spPr>
       <dgm:t>
         <a:bodyPr/>
         <a:lstStyle/>
         <a:p>
           <a:r>
             <a:rPr lang="en-GB" dirty="0"/>
-            <a:t>Classify</a:t>
+            <a:t>Classification</a:t>
           </a:r>
         </a:p>
       </dgm:t>
@@ -1094,14 +1159,21 @@
     </dgm:pt>
     <dgm:pt modelId="{0F1331A2-CD23-4A9F-A9AF-4EC9C92F241C}" type="pres">
       <dgm:prSet presAssocID="{10EA341A-525C-4BB9-B24D-A922B5501BAA}" presName="arrow" presStyleLbl="bgShp" presStyleIdx="0" presStyleCnt="1"/>
-      <dgm:spPr/>
+      <dgm:spPr>
+        <a:solidFill>
+          <a:schemeClr val="accent1">
+            <a:lumMod val="60000"/>
+            <a:lumOff val="40000"/>
+          </a:schemeClr>
+        </a:solidFill>
+      </dgm:spPr>
     </dgm:pt>
     <dgm:pt modelId="{2527A31A-FD80-4DA1-8231-66D3FF710E65}" type="pres">
       <dgm:prSet presAssocID="{10EA341A-525C-4BB9-B24D-A922B5501BAA}" presName="linearProcess" presStyleCnt="0"/>
       <dgm:spPr/>
     </dgm:pt>
     <dgm:pt modelId="{B8400F92-192F-4A6C-A5B9-6DF63248FB78}" type="pres">
-      <dgm:prSet presAssocID="{98A93C67-CD33-46A7-A38E-7D6E8D2182B8}" presName="textNode" presStyleLbl="node1" presStyleIdx="0" presStyleCnt="5">
+      <dgm:prSet presAssocID="{98A93C67-CD33-46A7-A38E-7D6E8D2182B8}" presName="textNode" presStyleLbl="node1" presStyleIdx="0" presStyleCnt="5" custLinFactNeighborX="-2191" custLinFactNeighborY="-677">
         <dgm:presLayoutVars>
           <dgm:bulletEnabled val="1"/>
         </dgm:presLayoutVars>
@@ -1113,7 +1185,7 @@
       <dgm:spPr/>
     </dgm:pt>
     <dgm:pt modelId="{D32E0720-53AB-4145-A51D-41E01835EA93}" type="pres">
-      <dgm:prSet presAssocID="{947DC41F-69E6-4050-9A6C-292E66EA3E63}" presName="textNode" presStyleLbl="node1" presStyleIdx="1" presStyleCnt="5">
+      <dgm:prSet presAssocID="{947DC41F-69E6-4050-9A6C-292E66EA3E63}" presName="textNode" presStyleLbl="node1" presStyleIdx="1" presStyleCnt="5" custLinFactNeighborX="-2191" custLinFactNeighborY="-677">
         <dgm:presLayoutVars>
           <dgm:bulletEnabled val="1"/>
         </dgm:presLayoutVars>
@@ -1207,18 +1279,15 @@
       <dsp:spPr>
         <a:xfrm>
           <a:off x="824388" y="0"/>
-          <a:ext cx="9343071" cy="4854869"/>
+          <a:ext cx="9343071" cy="3491960"/>
         </a:xfrm>
         <a:prstGeom prst="rightArrow">
           <a:avLst/>
         </a:prstGeom>
         <a:solidFill>
           <a:schemeClr val="accent1">
-            <a:tint val="40000"/>
-            <a:hueOff val="0"/>
-            <a:satOff val="0"/>
-            <a:lumOff val="0"/>
-            <a:alphaOff val="0"/>
+            <a:lumMod val="60000"/>
+            <a:lumOff val="40000"/>
           </a:schemeClr>
         </a:solidFill>
         <a:ln>
@@ -1246,18 +1315,15 @@
       </dsp:nvSpPr>
       <dsp:spPr>
         <a:xfrm>
-          <a:off x="4830" y="1456460"/>
-          <a:ext cx="2111959" cy="1941947"/>
+          <a:off x="0" y="1038131"/>
+          <a:ext cx="2068242" cy="1396784"/>
         </a:xfrm>
         <a:prstGeom prst="roundRect">
           <a:avLst/>
         </a:prstGeom>
         <a:solidFill>
-          <a:schemeClr val="accent1">
-            <a:hueOff val="0"/>
-            <a:satOff val="0"/>
-            <a:lumOff val="0"/>
-            <a:alphaOff val="0"/>
+          <a:schemeClr val="accent2">
+            <a:lumMod val="50000"/>
           </a:schemeClr>
         </a:solidFill>
         <a:ln w="12700" cap="flat" cmpd="sng" algn="ctr">
@@ -1289,12 +1355,12 @@
         </a:fontRef>
       </dsp:style>
       <dsp:txBody>
-        <a:bodyPr spcFirstLastPara="0" vert="horz" wrap="square" lIns="99060" tIns="99060" rIns="99060" bIns="99060" numCol="1" spcCol="1270" anchor="ctr" anchorCtr="0">
+        <a:bodyPr spcFirstLastPara="0" vert="horz" wrap="square" lIns="95250" tIns="95250" rIns="95250" bIns="95250" numCol="1" spcCol="1270" anchor="ctr" anchorCtr="0">
           <a:noAutofit/>
         </a:bodyPr>
         <a:lstStyle/>
         <a:p>
-          <a:pPr marL="0" lvl="0" indent="0" algn="ctr" defTabSz="1155700">
+          <a:pPr marL="0" lvl="0" indent="0" algn="ctr" defTabSz="1111250">
             <a:lnSpc>
               <a:spcPct val="90000"/>
             </a:lnSpc>
@@ -1307,14 +1373,14 @@
             <a:buNone/>
           </a:pPr>
           <a:r>
-            <a:rPr lang="en-GB" sz="2600" kern="1200" dirty="0"/>
-            <a:t>Features learned with PMI</a:t>
+            <a:rPr lang="en-GB" sz="2500" kern="1200" dirty="0"/>
+            <a:t>Features (PMI)</a:t>
           </a:r>
         </a:p>
       </dsp:txBody>
       <dsp:txXfrm>
-        <a:off x="99628" y="1551258"/>
-        <a:ext cx="1922363" cy="1752351"/>
+        <a:off x="68185" y="1106316"/>
+        <a:ext cx="1931872" cy="1260414"/>
       </dsp:txXfrm>
     </dsp:sp>
     <dsp:sp modelId="{D32E0720-53AB-4145-A51D-41E01835EA93}">
@@ -1324,18 +1390,15 @@
       </dsp:nvSpPr>
       <dsp:spPr>
         <a:xfrm>
-          <a:off x="2222387" y="1456460"/>
-          <a:ext cx="2111959" cy="1941947"/>
+          <a:off x="2228196" y="1038131"/>
+          <a:ext cx="2068242" cy="1396784"/>
         </a:xfrm>
         <a:prstGeom prst="roundRect">
           <a:avLst/>
         </a:prstGeom>
         <a:solidFill>
-          <a:schemeClr val="accent1">
-            <a:hueOff val="0"/>
-            <a:satOff val="0"/>
-            <a:lumOff val="0"/>
-            <a:alphaOff val="0"/>
+          <a:schemeClr val="accent2">
+            <a:lumMod val="75000"/>
           </a:schemeClr>
         </a:solidFill>
         <a:ln w="12700" cap="flat" cmpd="sng" algn="ctr">
@@ -1367,12 +1430,12 @@
         </a:fontRef>
       </dsp:style>
       <dsp:txBody>
-        <a:bodyPr spcFirstLastPara="0" vert="horz" wrap="square" lIns="99060" tIns="99060" rIns="99060" bIns="99060" numCol="1" spcCol="1270" anchor="ctr" anchorCtr="0">
+        <a:bodyPr spcFirstLastPara="0" vert="horz" wrap="square" lIns="95250" tIns="95250" rIns="95250" bIns="95250" numCol="1" spcCol="1270" anchor="ctr" anchorCtr="0">
           <a:noAutofit/>
         </a:bodyPr>
         <a:lstStyle/>
         <a:p>
-          <a:pPr marL="0" lvl="0" indent="0" algn="ctr" defTabSz="1155700">
+          <a:pPr marL="0" lvl="0" indent="0" algn="ctr" defTabSz="1111250">
             <a:lnSpc>
               <a:spcPct val="90000"/>
             </a:lnSpc>
@@ -1385,14 +1448,14 @@
             <a:buNone/>
           </a:pPr>
           <a:r>
-            <a:rPr lang="en-GB" sz="2600" kern="1200" dirty="0"/>
-            <a:t>Random weight for each feature</a:t>
+            <a:rPr lang="en-GB" sz="2500" kern="1200" dirty="0"/>
+            <a:t>Initial weights</a:t>
           </a:r>
         </a:p>
       </dsp:txBody>
       <dsp:txXfrm>
-        <a:off x="2317185" y="1551258"/>
-        <a:ext cx="1922363" cy="1752351"/>
+        <a:off x="2296381" y="1106316"/>
+        <a:ext cx="1931872" cy="1260414"/>
       </dsp:txXfrm>
     </dsp:sp>
     <dsp:sp modelId="{67BD481C-8763-4E32-B86B-901FBCEA1853}">
@@ -1402,18 +1465,89 @@
       </dsp:nvSpPr>
       <dsp:spPr>
         <a:xfrm>
-          <a:off x="4439944" y="1456460"/>
-          <a:ext cx="2111959" cy="1941947"/>
+          <a:off x="4461803" y="1047588"/>
+          <a:ext cx="2068242" cy="1396784"/>
         </a:xfrm>
         <a:prstGeom prst="roundRect">
           <a:avLst/>
         </a:prstGeom>
         <a:solidFill>
-          <a:schemeClr val="accent1">
-            <a:hueOff val="0"/>
-            <a:satOff val="0"/>
-            <a:lumOff val="0"/>
-            <a:alphaOff val="0"/>
+          <a:schemeClr val="accent2"/>
+        </a:solidFill>
+        <a:ln w="12700" cap="flat" cmpd="sng" algn="ctr">
+          <a:solidFill>
+            <a:schemeClr val="lt1">
+              <a:hueOff val="0"/>
+              <a:satOff val="0"/>
+              <a:lumOff val="0"/>
+              <a:alphaOff val="0"/>
+            </a:schemeClr>
+          </a:solidFill>
+          <a:prstDash val="solid"/>
+          <a:miter lim="800000"/>
+        </a:ln>
+        <a:effectLst/>
+      </dsp:spPr>
+      <dsp:style>
+        <a:lnRef idx="2">
+          <a:scrgbClr r="0" g="0" b="0"/>
+        </a:lnRef>
+        <a:fillRef idx="1">
+          <a:scrgbClr r="0" g="0" b="0"/>
+        </a:fillRef>
+        <a:effectRef idx="0">
+          <a:scrgbClr r="0" g="0" b="0"/>
+        </a:effectRef>
+        <a:fontRef idx="minor">
+          <a:schemeClr val="lt1"/>
+        </a:fontRef>
+      </dsp:style>
+      <dsp:txBody>
+        <a:bodyPr spcFirstLastPara="0" vert="horz" wrap="square" lIns="95250" tIns="95250" rIns="95250" bIns="95250" numCol="1" spcCol="1270" anchor="ctr" anchorCtr="0">
+          <a:noAutofit/>
+        </a:bodyPr>
+        <a:lstStyle/>
+        <a:p>
+          <a:pPr marL="0" lvl="0" indent="0" algn="ctr" defTabSz="1111250">
+            <a:lnSpc>
+              <a:spcPct val="90000"/>
+            </a:lnSpc>
+            <a:spcBef>
+              <a:spcPct val="0"/>
+            </a:spcBef>
+            <a:spcAft>
+              <a:spcPct val="35000"/>
+            </a:spcAft>
+            <a:buNone/>
+          </a:pPr>
+          <a:r>
+            <a:rPr lang="en-GB" sz="2500" kern="1200" dirty="0"/>
+            <a:t>Accuracy</a:t>
+          </a:r>
+        </a:p>
+      </dsp:txBody>
+      <dsp:txXfrm>
+        <a:off x="4529988" y="1115773"/>
+        <a:ext cx="1931872" cy="1260414"/>
+      </dsp:txXfrm>
+    </dsp:sp>
+    <dsp:sp modelId="{568963F3-D3F9-4067-8746-431C461C493B}">
+      <dsp:nvSpPr>
+        <dsp:cNvPr id="0" name=""/>
+        <dsp:cNvSpPr/>
+      </dsp:nvSpPr>
+      <dsp:spPr>
+        <a:xfrm>
+          <a:off x="6691864" y="1047588"/>
+          <a:ext cx="2068242" cy="1396784"/>
+        </a:xfrm>
+        <a:prstGeom prst="roundRect">
+          <a:avLst/>
+        </a:prstGeom>
+        <a:solidFill>
+          <a:schemeClr val="accent2">
+            <a:lumMod val="60000"/>
+            <a:lumOff val="40000"/>
           </a:schemeClr>
         </a:solidFill>
         <a:ln w="12700" cap="flat" cmpd="sng" algn="ctr">
@@ -1445,12 +1579,12 @@
         </a:fontRef>
       </dsp:style>
       <dsp:txBody>
-        <a:bodyPr spcFirstLastPara="0" vert="horz" wrap="square" lIns="99060" tIns="99060" rIns="99060" bIns="99060" numCol="1" spcCol="1270" anchor="ctr" anchorCtr="0">
+        <a:bodyPr spcFirstLastPara="0" vert="horz" wrap="square" lIns="95250" tIns="95250" rIns="95250" bIns="95250" numCol="1" spcCol="1270" anchor="ctr" anchorCtr="0">
           <a:noAutofit/>
         </a:bodyPr>
         <a:lstStyle/>
         <a:p>
-          <a:pPr marL="0" lvl="0" indent="0" algn="ctr" defTabSz="1155700">
+          <a:pPr marL="0" lvl="0" indent="0" algn="ctr" defTabSz="1111250">
             <a:lnSpc>
               <a:spcPct val="90000"/>
             </a:lnSpc>
@@ -1463,35 +1597,33 @@
             <a:buNone/>
           </a:pPr>
           <a:r>
-            <a:rPr lang="en-GB" sz="2600" kern="1200" dirty="0"/>
-            <a:t>Accuracy with these weights</a:t>
+            <a:rPr lang="en-GB" sz="2500" kern="1200" dirty="0"/>
+            <a:t>Iterative optimization</a:t>
           </a:r>
         </a:p>
       </dsp:txBody>
       <dsp:txXfrm>
-        <a:off x="4534742" y="1551258"/>
-        <a:ext cx="1922363" cy="1752351"/>
+        <a:off x="6760049" y="1115773"/>
+        <a:ext cx="1931872" cy="1260414"/>
       </dsp:txXfrm>
     </dsp:sp>
-    <dsp:sp modelId="{568963F3-D3F9-4067-8746-431C461C493B}">
+    <dsp:sp modelId="{8314F0BD-9D87-4D81-AFB1-F63440BD8FF1}">
       <dsp:nvSpPr>
         <dsp:cNvPr id="0" name=""/>
         <dsp:cNvSpPr/>
       </dsp:nvSpPr>
       <dsp:spPr>
         <a:xfrm>
-          <a:off x="6657502" y="1456460"/>
-          <a:ext cx="2111959" cy="1941947"/>
+          <a:off x="8921925" y="1047588"/>
+          <a:ext cx="2068242" cy="1396784"/>
         </a:xfrm>
         <a:prstGeom prst="roundRect">
           <a:avLst/>
         </a:prstGeom>
         <a:solidFill>
-          <a:schemeClr val="accent1">
-            <a:hueOff val="0"/>
-            <a:satOff val="0"/>
-            <a:lumOff val="0"/>
-            <a:alphaOff val="0"/>
+          <a:schemeClr val="accent2">
+            <a:lumMod val="40000"/>
+            <a:lumOff val="60000"/>
           </a:schemeClr>
         </a:solidFill>
         <a:ln w="12700" cap="flat" cmpd="sng" algn="ctr">
@@ -1523,12 +1655,12 @@
         </a:fontRef>
       </dsp:style>
       <dsp:txBody>
-        <a:bodyPr spcFirstLastPara="0" vert="horz" wrap="square" lIns="99060" tIns="99060" rIns="99060" bIns="99060" numCol="1" spcCol="1270" anchor="ctr" anchorCtr="0">
+        <a:bodyPr spcFirstLastPara="0" vert="horz" wrap="square" lIns="95250" tIns="95250" rIns="95250" bIns="95250" numCol="1" spcCol="1270" anchor="ctr" anchorCtr="0">
           <a:noAutofit/>
         </a:bodyPr>
         <a:lstStyle/>
         <a:p>
-          <a:pPr marL="0" lvl="0" indent="0" algn="ctr" defTabSz="1155700">
+          <a:pPr marL="0" lvl="0" indent="0" algn="ctr" defTabSz="1111250">
             <a:lnSpc>
               <a:spcPct val="90000"/>
             </a:lnSpc>
@@ -1541,92 +1673,14 @@
             <a:buNone/>
           </a:pPr>
           <a:r>
-            <a:rPr lang="en-GB" sz="2600" kern="1200" dirty="0"/>
-            <a:t>Iterative optimization</a:t>
+            <a:rPr lang="en-GB" sz="2500" kern="1200" dirty="0"/>
+            <a:t>Classification</a:t>
           </a:r>
         </a:p>
       </dsp:txBody>
       <dsp:txXfrm>
-        <a:off x="6752300" y="1551258"/>
-        <a:ext cx="1922363" cy="1752351"/>
-      </dsp:txXfrm>
-    </dsp:sp>
-    <dsp:sp modelId="{8314F0BD-9D87-4D81-AFB1-F63440BD8FF1}">
-      <dsp:nvSpPr>
-        <dsp:cNvPr id="0" name=""/>
-        <dsp:cNvSpPr/>
-      </dsp:nvSpPr>
-      <dsp:spPr>
-        <a:xfrm>
-          <a:off x="8875059" y="1456460"/>
-          <a:ext cx="2111959" cy="1941947"/>
-        </a:xfrm>
-        <a:prstGeom prst="roundRect">
-          <a:avLst/>
-        </a:prstGeom>
-        <a:solidFill>
-          <a:schemeClr val="accent1">
-            <a:hueOff val="0"/>
-            <a:satOff val="0"/>
-            <a:lumOff val="0"/>
-            <a:alphaOff val="0"/>
-          </a:schemeClr>
-        </a:solidFill>
-        <a:ln w="12700" cap="flat" cmpd="sng" algn="ctr">
-          <a:solidFill>
-            <a:schemeClr val="lt1">
-              <a:hueOff val="0"/>
-              <a:satOff val="0"/>
-              <a:lumOff val="0"/>
-              <a:alphaOff val="0"/>
-            </a:schemeClr>
-          </a:solidFill>
-          <a:prstDash val="solid"/>
-          <a:miter lim="800000"/>
-        </a:ln>
-        <a:effectLst/>
-      </dsp:spPr>
-      <dsp:style>
-        <a:lnRef idx="2">
-          <a:scrgbClr r="0" g="0" b="0"/>
-        </a:lnRef>
-        <a:fillRef idx="1">
-          <a:scrgbClr r="0" g="0" b="0"/>
-        </a:fillRef>
-        <a:effectRef idx="0">
-          <a:scrgbClr r="0" g="0" b="0"/>
-        </a:effectRef>
-        <a:fontRef idx="minor">
-          <a:schemeClr val="lt1"/>
-        </a:fontRef>
-      </dsp:style>
-      <dsp:txBody>
-        <a:bodyPr spcFirstLastPara="0" vert="horz" wrap="square" lIns="99060" tIns="99060" rIns="99060" bIns="99060" numCol="1" spcCol="1270" anchor="ctr" anchorCtr="0">
-          <a:noAutofit/>
-        </a:bodyPr>
-        <a:lstStyle/>
-        <a:p>
-          <a:pPr marL="0" lvl="0" indent="0" algn="ctr" defTabSz="1155700">
-            <a:lnSpc>
-              <a:spcPct val="90000"/>
-            </a:lnSpc>
-            <a:spcBef>
-              <a:spcPct val="0"/>
-            </a:spcBef>
-            <a:spcAft>
-              <a:spcPct val="35000"/>
-            </a:spcAft>
-            <a:buNone/>
-          </a:pPr>
-          <a:r>
-            <a:rPr lang="en-GB" sz="2600" kern="1200" dirty="0"/>
-            <a:t>Classify</a:t>
-          </a:r>
-        </a:p>
-      </dsp:txBody>
-      <dsp:txXfrm>
-        <a:off x="8969857" y="1551258"/>
-        <a:ext cx="1922363" cy="1752351"/>
+        <a:off x="8990110" y="1115773"/>
+        <a:ext cx="1931872" cy="1260414"/>
       </dsp:txXfrm>
     </dsp:sp>
   </dsp:spTree>
@@ -2903,7 +2957,7 @@
           <a:p>
             <a:fld id="{322CBE9C-AAEB-46BF-9047-18B3831519BE}" type="datetimeFigureOut">
               <a:rPr lang="de-DE" smtClean="0"/>
-              <a:t>05.06.2021</a:t>
+              <a:t>06.06.2021</a:t>
             </a:fld>
             <a:endParaRPr lang="de-DE"/>
           </a:p>
@@ -22955,7 +23009,7 @@
         </p:nvSpPr>
         <p:spPr>
           <a:xfrm>
-            <a:off x="6219220" y="2790720"/>
+            <a:off x="2899198" y="3771204"/>
             <a:ext cx="4386739" cy="259200"/>
           </a:xfrm>
         </p:spPr>
@@ -22989,7 +23043,7 @@
         </p:nvSpPr>
         <p:spPr>
           <a:xfrm>
-            <a:off x="6219219" y="3049920"/>
+            <a:off x="2899197" y="4030404"/>
             <a:ext cx="3900435" cy="288000"/>
           </a:xfrm>
         </p:spPr>
@@ -23001,523 +23055,6 @@
               <a:rPr lang="de-DE" dirty="0"/>
               <a:t>carlotta.quensel@ims.uni-stuttgart.de </a:t>
             </a:r>
-            <a:endParaRPr lang="en-GB" dirty="0"/>
-          </a:p>
-        </p:txBody>
-      </p:sp>
-      <p:sp>
-        <p:nvSpPr>
-          <p:cNvPr id="10" name="Textplatzhalter 9">
-            <a:extLst>
-              <a:ext uri="{FF2B5EF4-FFF2-40B4-BE49-F238E27FC236}">
-                <a16:creationId xmlns:a16="http://schemas.microsoft.com/office/drawing/2014/main" id="{42073EF8-70E9-442E-A2B0-9FE5B05418A0}"/>
-              </a:ext>
-            </a:extLst>
-          </p:cNvPr>
-          <p:cNvSpPr>
-            <a:spLocks noGrp="1"/>
-          </p:cNvSpPr>
-          <p:nvPr>
-            <p:ph type="body" sz="quarter" idx="34"/>
-          </p:nvPr>
-        </p:nvSpPr>
-        <p:spPr>
-          <a:xfrm>
-            <a:off x="2899200" y="4677646"/>
-            <a:ext cx="6219748" cy="288000"/>
-          </a:xfrm>
-        </p:spPr>
-        <p:txBody>
-          <a:bodyPr/>
-          <a:lstStyle/>
-          <a:p>
-            <a:r>
-              <a:rPr lang="en-GB" dirty="0"/>
-              <a:t>source2</a:t>
-            </a:r>
-          </a:p>
-        </p:txBody>
-      </p:sp>
-      <p:sp>
-        <p:nvSpPr>
-          <p:cNvPr id="11" name="Textplatzhalter 10">
-            <a:extLst>
-              <a:ext uri="{FF2B5EF4-FFF2-40B4-BE49-F238E27FC236}">
-                <a16:creationId xmlns:a16="http://schemas.microsoft.com/office/drawing/2014/main" id="{37490C48-77AA-4F0D-B6B9-1DC43C37E755}"/>
-              </a:ext>
-            </a:extLst>
-          </p:cNvPr>
-          <p:cNvSpPr>
-            <a:spLocks noGrp="1"/>
-          </p:cNvSpPr>
-          <p:nvPr>
-            <p:ph type="body" sz="quarter" idx="25"/>
-          </p:nvPr>
-        </p:nvSpPr>
-        <p:spPr/>
-        <p:txBody>
-          <a:bodyPr/>
-          <a:lstStyle/>
-          <a:p>
-            <a:r>
-              <a:rPr lang="en-GB" dirty="0"/>
-              <a:t>source3</a:t>
-            </a:r>
-          </a:p>
-        </p:txBody>
-      </p:sp>
-      <p:sp>
-        <p:nvSpPr>
-          <p:cNvPr id="12" name="Textplatzhalter 11">
-            <a:extLst>
-              <a:ext uri="{FF2B5EF4-FFF2-40B4-BE49-F238E27FC236}">
-                <a16:creationId xmlns:a16="http://schemas.microsoft.com/office/drawing/2014/main" id="{919E8E7F-F1B8-4ABB-95CD-2933F38CD387}"/>
-              </a:ext>
-            </a:extLst>
-          </p:cNvPr>
-          <p:cNvSpPr>
-            <a:spLocks noGrp="1"/>
-          </p:cNvSpPr>
-          <p:nvPr>
-            <p:ph type="body" sz="quarter" idx="21"/>
-          </p:nvPr>
-        </p:nvSpPr>
-        <p:spPr>
-          <a:xfrm>
-            <a:off x="2899199" y="4389646"/>
-            <a:ext cx="5359583" cy="288000"/>
-          </a:xfrm>
-        </p:spPr>
-        <p:txBody>
-          <a:bodyPr/>
-          <a:lstStyle/>
-          <a:p>
-            <a:r>
-              <a:rPr lang="de-DE" dirty="0"/>
-              <a:t>source1</a:t>
-            </a:r>
-            <a:endParaRPr lang="en-GB" i="1" dirty="0"/>
-          </a:p>
-        </p:txBody>
-      </p:sp>
-      <p:sp>
-        <p:nvSpPr>
-          <p:cNvPr id="13" name="Textplatzhalter 10">
-            <a:extLst>
-              <a:ext uri="{FF2B5EF4-FFF2-40B4-BE49-F238E27FC236}">
-                <a16:creationId xmlns:a16="http://schemas.microsoft.com/office/drawing/2014/main" id="{9089140B-1560-4E8A-A637-FC56BFD23338}"/>
-              </a:ext>
-            </a:extLst>
-          </p:cNvPr>
-          <p:cNvSpPr txBox="1">
-            <a:spLocks/>
-          </p:cNvSpPr>
-          <p:nvPr/>
-        </p:nvSpPr>
-        <p:spPr>
-          <a:xfrm>
-            <a:off x="2899199" y="5284239"/>
-            <a:ext cx="4386739" cy="288000"/>
-          </a:xfrm>
-          <a:prstGeom prst="rect">
-            <a:avLst/>
-          </a:prstGeom>
-        </p:spPr>
-        <p:txBody>
-          <a:bodyPr vert="horz" lIns="0" tIns="0" rIns="0" bIns="0" rtlCol="0">
-            <a:noAutofit/>
-          </a:bodyPr>
-          <a:lstStyle>
-            <a:lvl1pPr marL="0" indent="0" algn="l" defTabSz="914368" rtl="0" eaLnBrk="1" latinLnBrk="0" hangingPunct="1">
-              <a:lnSpc>
-                <a:spcPct val="120000"/>
-              </a:lnSpc>
-              <a:spcBef>
-                <a:spcPts val="1000"/>
-              </a:spcBef>
-              <a:buClr>
-                <a:schemeClr val="accent1"/>
-              </a:buClr>
-              <a:buFont typeface="Arial" panose="020B0604020202020204" pitchFamily="34" charset="0"/>
-              <a:buNone/>
-              <a:defRPr sz="1600" b="0" kern="1200">
-                <a:solidFill>
-                  <a:schemeClr val="tx1"/>
-                </a:solidFill>
-                <a:latin typeface="+mn-lt"/>
-                <a:ea typeface="+mn-ea"/>
-                <a:cs typeface="+mn-cs"/>
-              </a:defRPr>
-            </a:lvl1pPr>
-            <a:lvl2pPr marL="480468" indent="-245525" algn="l" defTabSz="914368" rtl="0" eaLnBrk="1" latinLnBrk="0" hangingPunct="1">
-              <a:lnSpc>
-                <a:spcPct val="120000"/>
-              </a:lnSpc>
-              <a:spcBef>
-                <a:spcPts val="501"/>
-              </a:spcBef>
-              <a:buClr>
-                <a:schemeClr val="tx1"/>
-              </a:buClr>
-              <a:buFont typeface="Arial" panose="020B0604020202020204" pitchFamily="34" charset="0"/>
-              <a:buChar char="•"/>
-              <a:defRPr sz="2133" kern="1200">
-                <a:solidFill>
-                  <a:schemeClr val="bg1"/>
-                </a:solidFill>
-                <a:latin typeface="+mn-lt"/>
-                <a:ea typeface="+mn-ea"/>
-                <a:cs typeface="+mn-cs"/>
-              </a:defRPr>
-            </a:lvl2pPr>
-            <a:lvl3pPr marL="715409" indent="-234943" algn="l" defTabSz="914368" rtl="0" eaLnBrk="1" latinLnBrk="0" hangingPunct="1">
-              <a:lnSpc>
-                <a:spcPct val="120000"/>
-              </a:lnSpc>
-              <a:spcBef>
-                <a:spcPts val="501"/>
-              </a:spcBef>
-              <a:buClr>
-                <a:schemeClr val="tx1"/>
-              </a:buClr>
-              <a:buFont typeface="Arial" panose="020B0604020202020204" pitchFamily="34" charset="0"/>
-              <a:buChar char="•"/>
-              <a:defRPr sz="1867" kern="1200">
-                <a:solidFill>
-                  <a:schemeClr val="bg1"/>
-                </a:solidFill>
-                <a:latin typeface="+mn-lt"/>
-                <a:ea typeface="+mn-ea"/>
-                <a:cs typeface="+mn-cs"/>
-              </a:defRPr>
-            </a:lvl3pPr>
-            <a:lvl4pPr marL="960933" indent="-245525" algn="l" defTabSz="914368" rtl="0" eaLnBrk="1" latinLnBrk="0" hangingPunct="1">
-              <a:lnSpc>
-                <a:spcPct val="120000"/>
-              </a:lnSpc>
-              <a:spcBef>
-                <a:spcPts val="501"/>
-              </a:spcBef>
-              <a:buClr>
-                <a:schemeClr val="tx1"/>
-              </a:buClr>
-              <a:buFont typeface="Arial" panose="020B0604020202020204" pitchFamily="34" charset="0"/>
-              <a:buChar char="•"/>
-              <a:defRPr sz="1867" kern="1200">
-                <a:solidFill>
-                  <a:schemeClr val="bg1"/>
-                </a:solidFill>
-                <a:latin typeface="+mn-lt"/>
-                <a:ea typeface="+mn-ea"/>
-                <a:cs typeface="+mn-cs"/>
-              </a:defRPr>
-            </a:lvl4pPr>
-            <a:lvl5pPr marL="1195875" indent="-234943" algn="l" defTabSz="914368" rtl="0" eaLnBrk="1" latinLnBrk="0" hangingPunct="1">
-              <a:lnSpc>
-                <a:spcPct val="120000"/>
-              </a:lnSpc>
-              <a:spcBef>
-                <a:spcPts val="501"/>
-              </a:spcBef>
-              <a:buClr>
-                <a:schemeClr val="tx1"/>
-              </a:buClr>
-              <a:buFont typeface="Arial" panose="020B0604020202020204" pitchFamily="34" charset="0"/>
-              <a:buChar char="•"/>
-              <a:defRPr sz="1867" kern="1200">
-                <a:solidFill>
-                  <a:schemeClr val="bg1"/>
-                </a:solidFill>
-                <a:latin typeface="+mn-lt"/>
-                <a:ea typeface="+mn-ea"/>
-                <a:cs typeface="+mn-cs"/>
-              </a:defRPr>
-            </a:lvl5pPr>
-            <a:lvl6pPr marL="2514512" indent="-228592" algn="l" defTabSz="914368" rtl="0" eaLnBrk="1" latinLnBrk="0" hangingPunct="1">
-              <a:lnSpc>
-                <a:spcPct val="90000"/>
-              </a:lnSpc>
-              <a:spcBef>
-                <a:spcPts val="501"/>
-              </a:spcBef>
-              <a:buFont typeface="Arial" panose="020B0604020202020204" pitchFamily="34" charset="0"/>
-              <a:buChar char="•"/>
-              <a:defRPr sz="1800" kern="1200">
-                <a:solidFill>
-                  <a:schemeClr val="tx1"/>
-                </a:solidFill>
-                <a:latin typeface="+mn-lt"/>
-                <a:ea typeface="+mn-ea"/>
-                <a:cs typeface="+mn-cs"/>
-              </a:defRPr>
-            </a:lvl6pPr>
-            <a:lvl7pPr marL="2971696" indent="-228592" algn="l" defTabSz="914368" rtl="0" eaLnBrk="1" latinLnBrk="0" hangingPunct="1">
-              <a:lnSpc>
-                <a:spcPct val="90000"/>
-              </a:lnSpc>
-              <a:spcBef>
-                <a:spcPts val="501"/>
-              </a:spcBef>
-              <a:buFont typeface="Arial" panose="020B0604020202020204" pitchFamily="34" charset="0"/>
-              <a:buChar char="•"/>
-              <a:defRPr sz="1800" kern="1200">
-                <a:solidFill>
-                  <a:schemeClr val="tx1"/>
-                </a:solidFill>
-                <a:latin typeface="+mn-lt"/>
-                <a:ea typeface="+mn-ea"/>
-                <a:cs typeface="+mn-cs"/>
-              </a:defRPr>
-            </a:lvl7pPr>
-            <a:lvl8pPr marL="3428880" indent="-228592" algn="l" defTabSz="914368" rtl="0" eaLnBrk="1" latinLnBrk="0" hangingPunct="1">
-              <a:lnSpc>
-                <a:spcPct val="90000"/>
-              </a:lnSpc>
-              <a:spcBef>
-                <a:spcPts val="501"/>
-              </a:spcBef>
-              <a:buFont typeface="Arial" panose="020B0604020202020204" pitchFamily="34" charset="0"/>
-              <a:buChar char="•"/>
-              <a:defRPr sz="1800" kern="1200">
-                <a:solidFill>
-                  <a:schemeClr val="tx1"/>
-                </a:solidFill>
-                <a:latin typeface="+mn-lt"/>
-                <a:ea typeface="+mn-ea"/>
-                <a:cs typeface="+mn-cs"/>
-              </a:defRPr>
-            </a:lvl8pPr>
-            <a:lvl9pPr marL="3886064" indent="-228592" algn="l" defTabSz="914368" rtl="0" eaLnBrk="1" latinLnBrk="0" hangingPunct="1">
-              <a:lnSpc>
-                <a:spcPct val="90000"/>
-              </a:lnSpc>
-              <a:spcBef>
-                <a:spcPts val="501"/>
-              </a:spcBef>
-              <a:buFont typeface="Arial" panose="020B0604020202020204" pitchFamily="34" charset="0"/>
-              <a:buChar char="•"/>
-              <a:defRPr sz="1800" kern="1200">
-                <a:solidFill>
-                  <a:schemeClr val="tx1"/>
-                </a:solidFill>
-                <a:latin typeface="+mn-lt"/>
-                <a:ea typeface="+mn-ea"/>
-                <a:cs typeface="+mn-cs"/>
-              </a:defRPr>
-            </a:lvl9pPr>
-          </a:lstStyle>
-          <a:p>
-            <a:endParaRPr lang="en-GB" dirty="0"/>
-          </a:p>
-        </p:txBody>
-      </p:sp>
-      <p:sp>
-        <p:nvSpPr>
-          <p:cNvPr id="14" name="Textplatzhalter 10">
-            <a:extLst>
-              <a:ext uri="{FF2B5EF4-FFF2-40B4-BE49-F238E27FC236}">
-                <a16:creationId xmlns:a16="http://schemas.microsoft.com/office/drawing/2014/main" id="{C6816D5B-ACB6-4517-A10C-0204A42D225D}"/>
-              </a:ext>
-            </a:extLst>
-          </p:cNvPr>
-          <p:cNvSpPr txBox="1">
-            <a:spLocks/>
-          </p:cNvSpPr>
-          <p:nvPr/>
-        </p:nvSpPr>
-        <p:spPr>
-          <a:xfrm>
-            <a:off x="2899199" y="5594004"/>
-            <a:ext cx="5359583" cy="288000"/>
-          </a:xfrm>
-          <a:prstGeom prst="rect">
-            <a:avLst/>
-          </a:prstGeom>
-        </p:spPr>
-        <p:txBody>
-          <a:bodyPr vert="horz" lIns="0" tIns="0" rIns="0" bIns="0" rtlCol="0">
-            <a:noAutofit/>
-          </a:bodyPr>
-          <a:lstStyle>
-            <a:lvl1pPr marL="0" indent="0" algn="l" defTabSz="914368" rtl="0" eaLnBrk="1" latinLnBrk="0" hangingPunct="1">
-              <a:lnSpc>
-                <a:spcPct val="120000"/>
-              </a:lnSpc>
-              <a:spcBef>
-                <a:spcPts val="1000"/>
-              </a:spcBef>
-              <a:buClr>
-                <a:schemeClr val="accent1"/>
-              </a:buClr>
-              <a:buFont typeface="Arial" panose="020B0604020202020204" pitchFamily="34" charset="0"/>
-              <a:buNone/>
-              <a:defRPr sz="1600" b="0" kern="1200">
-                <a:solidFill>
-                  <a:schemeClr val="tx1"/>
-                </a:solidFill>
-                <a:latin typeface="+mn-lt"/>
-                <a:ea typeface="+mn-ea"/>
-                <a:cs typeface="+mn-cs"/>
-              </a:defRPr>
-            </a:lvl1pPr>
-            <a:lvl2pPr marL="480468" indent="-245525" algn="l" defTabSz="914368" rtl="0" eaLnBrk="1" latinLnBrk="0" hangingPunct="1">
-              <a:lnSpc>
-                <a:spcPct val="120000"/>
-              </a:lnSpc>
-              <a:spcBef>
-                <a:spcPts val="501"/>
-              </a:spcBef>
-              <a:buClr>
-                <a:schemeClr val="tx1"/>
-              </a:buClr>
-              <a:buFont typeface="Arial" panose="020B0604020202020204" pitchFamily="34" charset="0"/>
-              <a:buChar char="•"/>
-              <a:defRPr sz="2133" kern="1200">
-                <a:solidFill>
-                  <a:schemeClr val="bg1"/>
-                </a:solidFill>
-                <a:latin typeface="+mn-lt"/>
-                <a:ea typeface="+mn-ea"/>
-                <a:cs typeface="+mn-cs"/>
-              </a:defRPr>
-            </a:lvl2pPr>
-            <a:lvl3pPr marL="715409" indent="-234943" algn="l" defTabSz="914368" rtl="0" eaLnBrk="1" latinLnBrk="0" hangingPunct="1">
-              <a:lnSpc>
-                <a:spcPct val="120000"/>
-              </a:lnSpc>
-              <a:spcBef>
-                <a:spcPts val="501"/>
-              </a:spcBef>
-              <a:buClr>
-                <a:schemeClr val="tx1"/>
-              </a:buClr>
-              <a:buFont typeface="Arial" panose="020B0604020202020204" pitchFamily="34" charset="0"/>
-              <a:buChar char="•"/>
-              <a:defRPr sz="1867" kern="1200">
-                <a:solidFill>
-                  <a:schemeClr val="bg1"/>
-                </a:solidFill>
-                <a:latin typeface="+mn-lt"/>
-                <a:ea typeface="+mn-ea"/>
-                <a:cs typeface="+mn-cs"/>
-              </a:defRPr>
-            </a:lvl3pPr>
-            <a:lvl4pPr marL="960933" indent="-245525" algn="l" defTabSz="914368" rtl="0" eaLnBrk="1" latinLnBrk="0" hangingPunct="1">
-              <a:lnSpc>
-                <a:spcPct val="120000"/>
-              </a:lnSpc>
-              <a:spcBef>
-                <a:spcPts val="501"/>
-              </a:spcBef>
-              <a:buClr>
-                <a:schemeClr val="tx1"/>
-              </a:buClr>
-              <a:buFont typeface="Arial" panose="020B0604020202020204" pitchFamily="34" charset="0"/>
-              <a:buChar char="•"/>
-              <a:defRPr sz="1867" kern="1200">
-                <a:solidFill>
-                  <a:schemeClr val="bg1"/>
-                </a:solidFill>
-                <a:latin typeface="+mn-lt"/>
-                <a:ea typeface="+mn-ea"/>
-                <a:cs typeface="+mn-cs"/>
-              </a:defRPr>
-            </a:lvl4pPr>
-            <a:lvl5pPr marL="1195875" indent="-234943" algn="l" defTabSz="914368" rtl="0" eaLnBrk="1" latinLnBrk="0" hangingPunct="1">
-              <a:lnSpc>
-                <a:spcPct val="120000"/>
-              </a:lnSpc>
-              <a:spcBef>
-                <a:spcPts val="501"/>
-              </a:spcBef>
-              <a:buClr>
-                <a:schemeClr val="tx1"/>
-              </a:buClr>
-              <a:buFont typeface="Arial" panose="020B0604020202020204" pitchFamily="34" charset="0"/>
-              <a:buChar char="•"/>
-              <a:defRPr sz="1867" kern="1200">
-                <a:solidFill>
-                  <a:schemeClr val="bg1"/>
-                </a:solidFill>
-                <a:latin typeface="+mn-lt"/>
-                <a:ea typeface="+mn-ea"/>
-                <a:cs typeface="+mn-cs"/>
-              </a:defRPr>
-            </a:lvl5pPr>
-            <a:lvl6pPr marL="2514512" indent="-228592" algn="l" defTabSz="914368" rtl="0" eaLnBrk="1" latinLnBrk="0" hangingPunct="1">
-              <a:lnSpc>
-                <a:spcPct val="90000"/>
-              </a:lnSpc>
-              <a:spcBef>
-                <a:spcPts val="501"/>
-              </a:spcBef>
-              <a:buFont typeface="Arial" panose="020B0604020202020204" pitchFamily="34" charset="0"/>
-              <a:buChar char="•"/>
-              <a:defRPr sz="1800" kern="1200">
-                <a:solidFill>
-                  <a:schemeClr val="tx1"/>
-                </a:solidFill>
-                <a:latin typeface="+mn-lt"/>
-                <a:ea typeface="+mn-ea"/>
-                <a:cs typeface="+mn-cs"/>
-              </a:defRPr>
-            </a:lvl6pPr>
-            <a:lvl7pPr marL="2971696" indent="-228592" algn="l" defTabSz="914368" rtl="0" eaLnBrk="1" latinLnBrk="0" hangingPunct="1">
-              <a:lnSpc>
-                <a:spcPct val="90000"/>
-              </a:lnSpc>
-              <a:spcBef>
-                <a:spcPts val="501"/>
-              </a:spcBef>
-              <a:buFont typeface="Arial" panose="020B0604020202020204" pitchFamily="34" charset="0"/>
-              <a:buChar char="•"/>
-              <a:defRPr sz="1800" kern="1200">
-                <a:solidFill>
-                  <a:schemeClr val="tx1"/>
-                </a:solidFill>
-                <a:latin typeface="+mn-lt"/>
-                <a:ea typeface="+mn-ea"/>
-                <a:cs typeface="+mn-cs"/>
-              </a:defRPr>
-            </a:lvl7pPr>
-            <a:lvl8pPr marL="3428880" indent="-228592" algn="l" defTabSz="914368" rtl="0" eaLnBrk="1" latinLnBrk="0" hangingPunct="1">
-              <a:lnSpc>
-                <a:spcPct val="90000"/>
-              </a:lnSpc>
-              <a:spcBef>
-                <a:spcPts val="501"/>
-              </a:spcBef>
-              <a:buFont typeface="Arial" panose="020B0604020202020204" pitchFamily="34" charset="0"/>
-              <a:buChar char="•"/>
-              <a:defRPr sz="1800" kern="1200">
-                <a:solidFill>
-                  <a:schemeClr val="tx1"/>
-                </a:solidFill>
-                <a:latin typeface="+mn-lt"/>
-                <a:ea typeface="+mn-ea"/>
-                <a:cs typeface="+mn-cs"/>
-              </a:defRPr>
-            </a:lvl8pPr>
-            <a:lvl9pPr marL="3886064" indent="-228592" algn="l" defTabSz="914368" rtl="0" eaLnBrk="1" latinLnBrk="0" hangingPunct="1">
-              <a:lnSpc>
-                <a:spcPct val="90000"/>
-              </a:lnSpc>
-              <a:spcBef>
-                <a:spcPts val="501"/>
-              </a:spcBef>
-              <a:buFont typeface="Arial" panose="020B0604020202020204" pitchFamily="34" charset="0"/>
-              <a:buChar char="•"/>
-              <a:defRPr sz="1800" kern="1200">
-                <a:solidFill>
-                  <a:schemeClr val="tx1"/>
-                </a:solidFill>
-                <a:latin typeface="+mn-lt"/>
-                <a:ea typeface="+mn-ea"/>
-                <a:cs typeface="+mn-cs"/>
-              </a:defRPr>
-            </a:lvl9pPr>
-          </a:lstStyle>
-          <a:p>
             <a:endParaRPr lang="en-GB" dirty="0"/>
           </a:p>
         </p:txBody>
@@ -24095,6 +23632,12 @@
             </a:r>
           </a:p>
           <a:p>
+            <a:pPr lvl="1"/>
+            <a:endParaRPr lang="en-US" sz="2000" dirty="0">
+              <a:latin typeface="+mj-lt"/>
+            </a:endParaRPr>
+          </a:p>
+          <a:p>
             <a:r>
               <a:rPr lang="en-US" sz="2000" dirty="0">
                 <a:latin typeface="+mj-lt"/>
@@ -24110,12 +23653,6 @@
               </a:rPr>
               <a:t>Which of 5 known authors has written this text</a:t>
             </a:r>
-          </a:p>
-          <a:p>
-            <a:pPr lvl="1"/>
-            <a:endParaRPr lang="en-US" sz="2000" dirty="0">
-              <a:latin typeface="+mj-lt"/>
-            </a:endParaRPr>
           </a:p>
           <a:p>
             <a:pPr lvl="1"/>
@@ -24228,543 +23765,6 @@
     <p:extLst>
       <p:ext uri="{BB962C8B-B14F-4D97-AF65-F5344CB8AC3E}">
         <p14:creationId xmlns:p14="http://schemas.microsoft.com/office/powerpoint/2010/main" val="2091934551"/>
-      </p:ext>
-    </p:extLst>
-  </p:cSld>
-  <p:clrMapOvr>
-    <a:masterClrMapping/>
-  </p:clrMapOvr>
-</p:sld>
-</file>
-
-<file path=ppt/slides/slide3.xml><?xml version="1.0" encoding="utf-8"?>
-<p:sld xmlns:a="http://schemas.openxmlformats.org/drawingml/2006/main" xmlns:r="http://schemas.openxmlformats.org/officeDocument/2006/relationships" xmlns:p="http://schemas.openxmlformats.org/presentationml/2006/main">
-  <p:cSld>
-    <p:spTree>
-      <p:nvGrpSpPr>
-        <p:cNvPr id="1" name=""/>
-        <p:cNvGrpSpPr/>
-        <p:nvPr/>
-      </p:nvGrpSpPr>
-      <p:grpSpPr>
-        <a:xfrm>
-          <a:off x="0" y="0"/>
-          <a:ext cx="0" cy="0"/>
-          <a:chOff x="0" y="0"/>
-          <a:chExt cx="0" cy="0"/>
-        </a:xfrm>
-      </p:grpSpPr>
-      <p:sp>
-        <p:nvSpPr>
-          <p:cNvPr id="2" name="Titel 1">
-            <a:extLst>
-              <a:ext uri="{FF2B5EF4-FFF2-40B4-BE49-F238E27FC236}">
-                <a16:creationId xmlns:a16="http://schemas.microsoft.com/office/drawing/2014/main" id="{D56F8EE8-2A39-4CDF-A116-618781E908B5}"/>
-              </a:ext>
-            </a:extLst>
-          </p:cNvPr>
-          <p:cNvSpPr>
-            <a:spLocks noGrp="1"/>
-          </p:cNvSpPr>
-          <p:nvPr>
-            <p:ph type="title"/>
-          </p:nvPr>
-        </p:nvSpPr>
-        <p:spPr/>
-        <p:txBody>
-          <a:bodyPr/>
-          <a:lstStyle/>
-          <a:p>
-            <a:r>
-              <a:rPr lang="de-DE" dirty="0" err="1"/>
-              <a:t>Author</a:t>
-            </a:r>
-            <a:r>
-              <a:rPr lang="de-DE" dirty="0"/>
-              <a:t> </a:t>
-            </a:r>
-            <a:r>
-              <a:rPr lang="de-DE" dirty="0" err="1"/>
-              <a:t>classification</a:t>
-            </a:r>
-            <a:endParaRPr lang="en-GB" dirty="0"/>
-          </a:p>
-        </p:txBody>
-      </p:sp>
-      <p:sp>
-        <p:nvSpPr>
-          <p:cNvPr id="3" name="Textplatzhalter 2">
-            <a:extLst>
-              <a:ext uri="{FF2B5EF4-FFF2-40B4-BE49-F238E27FC236}">
-                <a16:creationId xmlns:a16="http://schemas.microsoft.com/office/drawing/2014/main" id="{A3B2028C-EC60-4C2B-9099-1FF7722400F6}"/>
-              </a:ext>
-            </a:extLst>
-          </p:cNvPr>
-          <p:cNvSpPr>
-            <a:spLocks noGrp="1"/>
-          </p:cNvSpPr>
-          <p:nvPr>
-            <p:ph type="body" sz="quarter" idx="13"/>
-          </p:nvPr>
-        </p:nvSpPr>
-        <p:spPr/>
-        <p:txBody>
-          <a:bodyPr/>
-          <a:lstStyle/>
-          <a:p>
-            <a:r>
-              <a:rPr lang="de-DE" dirty="0">
-                <a:latin typeface="+mj-lt"/>
-              </a:rPr>
-              <a:t>Data</a:t>
-            </a:r>
-            <a:endParaRPr lang="en-GB" dirty="0">
-              <a:latin typeface="+mj-lt"/>
-            </a:endParaRPr>
-          </a:p>
-        </p:txBody>
-      </p:sp>
-      <p:sp>
-        <p:nvSpPr>
-          <p:cNvPr id="4" name="Inhaltsplatzhalter 3">
-            <a:extLst>
-              <a:ext uri="{FF2B5EF4-FFF2-40B4-BE49-F238E27FC236}">
-                <a16:creationId xmlns:a16="http://schemas.microsoft.com/office/drawing/2014/main" id="{C60F5F6B-D0FF-4670-BF6A-441CCC79665F}"/>
-              </a:ext>
-            </a:extLst>
-          </p:cNvPr>
-          <p:cNvSpPr>
-            <a:spLocks noGrp="1"/>
-          </p:cNvSpPr>
-          <p:nvPr>
-            <p:ph idx="1"/>
-          </p:nvPr>
-        </p:nvSpPr>
-        <p:spPr>
-          <a:xfrm>
-            <a:off x="624423" y="1428746"/>
-            <a:ext cx="5471578" cy="4857099"/>
-          </a:xfrm>
-        </p:spPr>
-        <p:txBody>
-          <a:bodyPr/>
-          <a:lstStyle/>
-          <a:p>
-            <a:pPr marL="0" indent="0">
-              <a:buNone/>
-            </a:pPr>
-            <a:r>
-              <a:rPr lang="en-US" sz="2000" dirty="0">
-                <a:latin typeface="+mj-lt"/>
-              </a:rPr>
-              <a:t>Poetry Foundation (founded in 2003)</a:t>
-            </a:r>
-          </a:p>
-          <a:p>
-            <a:r>
-              <a:rPr lang="en-US" sz="2000" dirty="0">
-                <a:latin typeface="+mj-lt"/>
-              </a:rPr>
-              <a:t>3 309 authors</a:t>
-            </a:r>
-          </a:p>
-          <a:p>
-            <a:r>
-              <a:rPr lang="en-US" sz="2000" dirty="0">
-                <a:latin typeface="+mj-lt"/>
-              </a:rPr>
-              <a:t>15 567 poems</a:t>
-            </a:r>
-          </a:p>
-        </p:txBody>
-      </p:sp>
-      <p:sp>
-        <p:nvSpPr>
-          <p:cNvPr id="5" name="Foliennummernplatzhalter 4">
-            <a:extLst>
-              <a:ext uri="{FF2B5EF4-FFF2-40B4-BE49-F238E27FC236}">
-                <a16:creationId xmlns:a16="http://schemas.microsoft.com/office/drawing/2014/main" id="{DBC253A5-E14F-434F-9D17-EB9BCB899A25}"/>
-              </a:ext>
-            </a:extLst>
-          </p:cNvPr>
-          <p:cNvSpPr>
-            <a:spLocks noGrp="1"/>
-          </p:cNvSpPr>
-          <p:nvPr>
-            <p:ph type="sldNum" sz="quarter" idx="12"/>
-          </p:nvPr>
-        </p:nvSpPr>
-        <p:spPr/>
-        <p:txBody>
-          <a:bodyPr/>
-          <a:lstStyle/>
-          <a:p>
-            <a:fld id="{54518C2F-5E54-4CF8-B37A-4631A050CED9}" type="slidenum">
-              <a:rPr lang="de-DE" smtClean="0"/>
-              <a:pPr/>
-              <a:t>3</a:t>
-            </a:fld>
-            <a:endParaRPr lang="de-DE" dirty="0"/>
-          </a:p>
-        </p:txBody>
-      </p:sp>
-      <p:sp>
-        <p:nvSpPr>
-          <p:cNvPr id="6" name="Fußzeilenplatzhalter 5">
-            <a:extLst>
-              <a:ext uri="{FF2B5EF4-FFF2-40B4-BE49-F238E27FC236}">
-                <a16:creationId xmlns:a16="http://schemas.microsoft.com/office/drawing/2014/main" id="{11CB8639-06F9-4741-AE13-F2FB747C65CB}"/>
-              </a:ext>
-            </a:extLst>
-          </p:cNvPr>
-          <p:cNvSpPr>
-            <a:spLocks noGrp="1"/>
-          </p:cNvSpPr>
-          <p:nvPr>
-            <p:ph type="ftr" sz="quarter" idx="11"/>
-          </p:nvPr>
-        </p:nvSpPr>
-        <p:spPr/>
-        <p:txBody>
-          <a:bodyPr/>
-          <a:lstStyle/>
-          <a:p>
-            <a:r>
-              <a:rPr lang="de-DE"/>
-              <a:t>Team Lab NLP | Author Classification in Poetry		Katrin Schmidt – Carlotta Quensel</a:t>
-            </a:r>
-            <a:endParaRPr lang="de-DE" dirty="0"/>
-          </a:p>
-        </p:txBody>
-      </p:sp>
-      <p:pic>
-        <p:nvPicPr>
-          <p:cNvPr id="8" name="Grafik 7">
-            <a:extLst>
-              <a:ext uri="{FF2B5EF4-FFF2-40B4-BE49-F238E27FC236}">
-                <a16:creationId xmlns:a16="http://schemas.microsoft.com/office/drawing/2014/main" id="{3DB071E4-584F-4C72-ABDB-A49F9AC39A00}"/>
-              </a:ext>
-            </a:extLst>
-          </p:cNvPr>
-          <p:cNvPicPr>
-            <a:picLocks noChangeAspect="1"/>
-          </p:cNvPicPr>
-          <p:nvPr/>
-        </p:nvPicPr>
-        <p:blipFill>
-          <a:blip r:embed="rId3">
-            <a:extLst>
-              <a:ext uri="{28A0092B-C50C-407E-A947-70E740481C1C}">
-                <a14:useLocalDpi xmlns:a14="http://schemas.microsoft.com/office/drawing/2010/main" val="0"/>
-              </a:ext>
-              <a:ext uri="{96DAC541-7B7A-43D3-8B79-37D633B846F1}">
-                <asvg:svgBlip xmlns:asvg="http://schemas.microsoft.com/office/drawing/2016/SVG/main" r:embed="rId4"/>
-              </a:ext>
-            </a:extLst>
-          </a:blip>
-          <a:stretch>
-            <a:fillRect/>
-          </a:stretch>
-        </p:blipFill>
-        <p:spPr>
-          <a:xfrm>
-            <a:off x="2815423" y="3191436"/>
-            <a:ext cx="5020296" cy="3385556"/>
-          </a:xfrm>
-          <a:prstGeom prst="rect">
-            <a:avLst/>
-          </a:prstGeom>
-        </p:spPr>
-      </p:pic>
-      <p:cxnSp>
-        <p:nvCxnSpPr>
-          <p:cNvPr id="14" name="Gerader Verbinder 13">
-            <a:extLst>
-              <a:ext uri="{FF2B5EF4-FFF2-40B4-BE49-F238E27FC236}">
-                <a16:creationId xmlns:a16="http://schemas.microsoft.com/office/drawing/2014/main" id="{4493CD21-1AC3-4006-885D-68F0D4116304}"/>
-              </a:ext>
-            </a:extLst>
-          </p:cNvPr>
-          <p:cNvCxnSpPr>
-            <a:cxnSpLocks/>
-          </p:cNvCxnSpPr>
-          <p:nvPr/>
-        </p:nvCxnSpPr>
-        <p:spPr>
-          <a:xfrm>
-            <a:off x="4881040" y="3299012"/>
-            <a:ext cx="0" cy="2782409"/>
-          </a:xfrm>
-          <a:prstGeom prst="line">
-            <a:avLst/>
-          </a:prstGeom>
-          <a:ln w="28575">
-            <a:prstDash val="sysDash"/>
-          </a:ln>
-        </p:spPr>
-        <p:style>
-          <a:lnRef idx="1">
-            <a:schemeClr val="accent1"/>
-          </a:lnRef>
-          <a:fillRef idx="0">
-            <a:schemeClr val="accent1"/>
-          </a:fillRef>
-          <a:effectRef idx="0">
-            <a:schemeClr val="accent1"/>
-          </a:effectRef>
-          <a:fontRef idx="minor">
-            <a:schemeClr val="tx1"/>
-          </a:fontRef>
-        </p:style>
-      </p:cxnSp>
-      <p:sp>
-        <p:nvSpPr>
-          <p:cNvPr id="17" name="Inhaltsplatzhalter 3">
-            <a:extLst>
-              <a:ext uri="{FF2B5EF4-FFF2-40B4-BE49-F238E27FC236}">
-                <a16:creationId xmlns:a16="http://schemas.microsoft.com/office/drawing/2014/main" id="{B41A9481-F4EB-44A5-867B-D5EB9E1D65C9}"/>
-              </a:ext>
-            </a:extLst>
-          </p:cNvPr>
-          <p:cNvSpPr txBox="1">
-            <a:spLocks/>
-          </p:cNvSpPr>
-          <p:nvPr/>
-        </p:nvSpPr>
-        <p:spPr>
-          <a:xfrm>
-            <a:off x="5927541" y="1428746"/>
-            <a:ext cx="5471578" cy="4857099"/>
-          </a:xfrm>
-          <a:prstGeom prst="rect">
-            <a:avLst/>
-          </a:prstGeom>
-        </p:spPr>
-        <p:txBody>
-          <a:bodyPr vert="horz" lIns="0" tIns="0" rIns="0" bIns="0" rtlCol="0">
-            <a:noAutofit/>
-          </a:bodyPr>
-          <a:lstStyle>
-            <a:lvl1pPr marL="228592" indent="-228592" algn="l" defTabSz="914368" rtl="0" eaLnBrk="1" latinLnBrk="0" hangingPunct="1">
-              <a:lnSpc>
-                <a:spcPct val="120000"/>
-              </a:lnSpc>
-              <a:spcBef>
-                <a:spcPts val="1000"/>
-              </a:spcBef>
-              <a:buClr>
-                <a:schemeClr val="accent1"/>
-              </a:buClr>
-              <a:buFont typeface="Arial" panose="020B0604020202020204" pitchFamily="34" charset="0"/>
-              <a:buChar char="•"/>
-              <a:defRPr sz="2133" kern="1200">
-                <a:solidFill>
-                  <a:schemeClr val="tx1"/>
-                </a:solidFill>
-                <a:latin typeface="+mn-lt"/>
-                <a:ea typeface="+mn-ea"/>
-                <a:cs typeface="+mn-cs"/>
-              </a:defRPr>
-            </a:lvl1pPr>
-            <a:lvl2pPr marL="480468" indent="-245525" algn="l" defTabSz="914368" rtl="0" eaLnBrk="1" latinLnBrk="0" hangingPunct="1">
-              <a:lnSpc>
-                <a:spcPct val="120000"/>
-              </a:lnSpc>
-              <a:spcBef>
-                <a:spcPts val="501"/>
-              </a:spcBef>
-              <a:buClr>
-                <a:schemeClr val="tx1"/>
-              </a:buClr>
-              <a:buFont typeface="Arial" panose="020B0604020202020204" pitchFamily="34" charset="0"/>
-              <a:buChar char="•"/>
-              <a:defRPr sz="2133" kern="1200">
-                <a:solidFill>
-                  <a:schemeClr val="tx1"/>
-                </a:solidFill>
-                <a:latin typeface="+mn-lt"/>
-                <a:ea typeface="+mn-ea"/>
-                <a:cs typeface="+mn-cs"/>
-              </a:defRPr>
-            </a:lvl2pPr>
-            <a:lvl3pPr marL="715409" indent="-234943" algn="l" defTabSz="914368" rtl="0" eaLnBrk="1" latinLnBrk="0" hangingPunct="1">
-              <a:lnSpc>
-                <a:spcPct val="120000"/>
-              </a:lnSpc>
-              <a:spcBef>
-                <a:spcPts val="501"/>
-              </a:spcBef>
-              <a:buClr>
-                <a:schemeClr val="tx1"/>
-              </a:buClr>
-              <a:buFont typeface="Arial" panose="020B0604020202020204" pitchFamily="34" charset="0"/>
-              <a:buChar char="•"/>
-              <a:defRPr sz="1867" kern="1200">
-                <a:solidFill>
-                  <a:schemeClr val="tx1"/>
-                </a:solidFill>
-                <a:latin typeface="+mn-lt"/>
-                <a:ea typeface="+mn-ea"/>
-                <a:cs typeface="+mn-cs"/>
-              </a:defRPr>
-            </a:lvl3pPr>
-            <a:lvl4pPr marL="960933" indent="-245525" algn="l" defTabSz="914368" rtl="0" eaLnBrk="1" latinLnBrk="0" hangingPunct="1">
-              <a:lnSpc>
-                <a:spcPct val="120000"/>
-              </a:lnSpc>
-              <a:spcBef>
-                <a:spcPts val="501"/>
-              </a:spcBef>
-              <a:buClr>
-                <a:schemeClr val="tx1"/>
-              </a:buClr>
-              <a:buFont typeface="Arial" panose="020B0604020202020204" pitchFamily="34" charset="0"/>
-              <a:buChar char="•"/>
-              <a:defRPr sz="1867" kern="1200">
-                <a:solidFill>
-                  <a:schemeClr val="tx1"/>
-                </a:solidFill>
-                <a:latin typeface="+mn-lt"/>
-                <a:ea typeface="+mn-ea"/>
-                <a:cs typeface="+mn-cs"/>
-              </a:defRPr>
-            </a:lvl4pPr>
-            <a:lvl5pPr marL="1195875" indent="-234943" algn="l" defTabSz="914368" rtl="0" eaLnBrk="1" latinLnBrk="0" hangingPunct="1">
-              <a:lnSpc>
-                <a:spcPct val="120000"/>
-              </a:lnSpc>
-              <a:spcBef>
-                <a:spcPts val="501"/>
-              </a:spcBef>
-              <a:buClr>
-                <a:schemeClr val="tx1"/>
-              </a:buClr>
-              <a:buFont typeface="Arial" panose="020B0604020202020204" pitchFamily="34" charset="0"/>
-              <a:buChar char="•"/>
-              <a:defRPr sz="1867" kern="1200">
-                <a:solidFill>
-                  <a:schemeClr val="tx1"/>
-                </a:solidFill>
-                <a:latin typeface="+mn-lt"/>
-                <a:ea typeface="+mn-ea"/>
-                <a:cs typeface="+mn-cs"/>
-              </a:defRPr>
-            </a:lvl5pPr>
-            <a:lvl6pPr marL="2514512" indent="-228592" algn="l" defTabSz="914368" rtl="0" eaLnBrk="1" latinLnBrk="0" hangingPunct="1">
-              <a:lnSpc>
-                <a:spcPct val="90000"/>
-              </a:lnSpc>
-              <a:spcBef>
-                <a:spcPts val="501"/>
-              </a:spcBef>
-              <a:buFont typeface="Arial" panose="020B0604020202020204" pitchFamily="34" charset="0"/>
-              <a:buChar char="•"/>
-              <a:defRPr sz="1800" kern="1200">
-                <a:solidFill>
-                  <a:schemeClr val="tx1"/>
-                </a:solidFill>
-                <a:latin typeface="+mn-lt"/>
-                <a:ea typeface="+mn-ea"/>
-                <a:cs typeface="+mn-cs"/>
-              </a:defRPr>
-            </a:lvl6pPr>
-            <a:lvl7pPr marL="2971696" indent="-228592" algn="l" defTabSz="914368" rtl="0" eaLnBrk="1" latinLnBrk="0" hangingPunct="1">
-              <a:lnSpc>
-                <a:spcPct val="90000"/>
-              </a:lnSpc>
-              <a:spcBef>
-                <a:spcPts val="501"/>
-              </a:spcBef>
-              <a:buFont typeface="Arial" panose="020B0604020202020204" pitchFamily="34" charset="0"/>
-              <a:buChar char="•"/>
-              <a:defRPr sz="1800" kern="1200">
-                <a:solidFill>
-                  <a:schemeClr val="tx1"/>
-                </a:solidFill>
-                <a:latin typeface="+mn-lt"/>
-                <a:ea typeface="+mn-ea"/>
-                <a:cs typeface="+mn-cs"/>
-              </a:defRPr>
-            </a:lvl7pPr>
-            <a:lvl8pPr marL="3428880" indent="-228592" algn="l" defTabSz="914368" rtl="0" eaLnBrk="1" latinLnBrk="0" hangingPunct="1">
-              <a:lnSpc>
-                <a:spcPct val="90000"/>
-              </a:lnSpc>
-              <a:spcBef>
-                <a:spcPts val="501"/>
-              </a:spcBef>
-              <a:buFont typeface="Arial" panose="020B0604020202020204" pitchFamily="34" charset="0"/>
-              <a:buChar char="•"/>
-              <a:defRPr sz="1800" kern="1200">
-                <a:solidFill>
-                  <a:schemeClr val="tx1"/>
-                </a:solidFill>
-                <a:latin typeface="+mn-lt"/>
-                <a:ea typeface="+mn-ea"/>
-                <a:cs typeface="+mn-cs"/>
-              </a:defRPr>
-            </a:lvl8pPr>
-            <a:lvl9pPr marL="3886064" indent="-228592" algn="l" defTabSz="914368" rtl="0" eaLnBrk="1" latinLnBrk="0" hangingPunct="1">
-              <a:lnSpc>
-                <a:spcPct val="90000"/>
-              </a:lnSpc>
-              <a:spcBef>
-                <a:spcPts val="501"/>
-              </a:spcBef>
-              <a:buFont typeface="Arial" panose="020B0604020202020204" pitchFamily="34" charset="0"/>
-              <a:buChar char="•"/>
-              <a:defRPr sz="1800" kern="1200">
-                <a:solidFill>
-                  <a:schemeClr val="tx1"/>
-                </a:solidFill>
-                <a:latin typeface="+mn-lt"/>
-                <a:ea typeface="+mn-ea"/>
-                <a:cs typeface="+mn-cs"/>
-              </a:defRPr>
-            </a:lvl9pPr>
-          </a:lstStyle>
-          <a:p>
-            <a:pPr marL="0" indent="0">
-              <a:buFont typeface="Arial" panose="020B0604020202020204" pitchFamily="34" charset="0"/>
-              <a:buNone/>
-            </a:pPr>
-            <a:r>
-              <a:rPr lang="en-US" sz="2000" dirty="0">
-                <a:latin typeface="+mj-lt"/>
-              </a:rPr>
-              <a:t>We decided on the 30 most prolific authors</a:t>
-            </a:r>
-          </a:p>
-          <a:p>
-            <a:r>
-              <a:rPr lang="en-GB" sz="2000" dirty="0">
-                <a:latin typeface="+mj-lt"/>
-              </a:rPr>
-              <a:t>More datapoints per class</a:t>
-            </a:r>
-          </a:p>
-          <a:p>
-            <a:r>
-              <a:rPr lang="en-GB" sz="2000" dirty="0">
-                <a:latin typeface="+mj-lt"/>
-              </a:rPr>
-              <a:t>Lower computational effort</a:t>
-            </a:r>
-          </a:p>
-          <a:p>
-            <a:r>
-              <a:rPr lang="en-GB" sz="2000" dirty="0">
-                <a:latin typeface="+mj-lt"/>
-              </a:rPr>
-              <a:t>1 569 poems</a:t>
-            </a:r>
-          </a:p>
-        </p:txBody>
-      </p:sp>
-    </p:spTree>
-    <p:extLst>
-      <p:ext uri="{BB962C8B-B14F-4D97-AF65-F5344CB8AC3E}">
-        <p14:creationId xmlns:p14="http://schemas.microsoft.com/office/powerpoint/2010/main" val="46108309"/>
       </p:ext>
     </p:extLst>
   </p:cSld>
@@ -24792,7 +23792,7 @@
                             </p:stCondLst>
                             <p:childTnLst>
                               <p:par>
-                                <p:cTn id="5" presetID="1" presetClass="entr" presetSubtype="0" fill="hold" grpId="0" nodeType="clickEffect">
+                                <p:cTn id="5" presetID="1" presetClass="entr" presetSubtype="0" fill="hold" nodeType="clickEffect">
                                   <p:stCondLst>
                                     <p:cond delay="0"/>
                                   </p:stCondLst>
@@ -24822,33 +23822,15 @@
                                   </p:childTnLst>
                                 </p:cTn>
                               </p:par>
-                            </p:childTnLst>
-                          </p:cTn>
-                        </p:par>
-                      </p:childTnLst>
-                    </p:cTn>
-                  </p:par>
-                  <p:par>
-                    <p:cTn id="7" fill="hold">
-                      <p:stCondLst>
-                        <p:cond delay="indefinite"/>
-                      </p:stCondLst>
-                      <p:childTnLst>
-                        <p:par>
-                          <p:cTn id="8" fill="hold">
-                            <p:stCondLst>
-                              <p:cond delay="0"/>
-                            </p:stCondLst>
-                            <p:childTnLst>
                               <p:par>
-                                <p:cTn id="9" presetID="1" presetClass="entr" presetSubtype="0" fill="hold" grpId="0" nodeType="clickEffect">
+                                <p:cTn id="7" presetID="1" presetClass="entr" presetSubtype="0" fill="hold" nodeType="withEffect">
                                   <p:stCondLst>
                                     <p:cond delay="0"/>
                                   </p:stCondLst>
                                   <p:childTnLst>
                                     <p:set>
                                       <p:cBhvr>
-                                        <p:cTn id="10" dur="1" fill="hold">
+                                        <p:cTn id="8" dur="1" fill="hold">
                                           <p:stCondLst>
                                             <p:cond delay="0"/>
                                           </p:stCondLst>
@@ -24871,8 +23853,26 @@
                                   </p:childTnLst>
                                 </p:cTn>
                               </p:par>
+                            </p:childTnLst>
+                          </p:cTn>
+                        </p:par>
+                      </p:childTnLst>
+                    </p:cTn>
+                  </p:par>
+                  <p:par>
+                    <p:cTn id="9" fill="hold">
+                      <p:stCondLst>
+                        <p:cond delay="indefinite"/>
+                      </p:stCondLst>
+                      <p:childTnLst>
+                        <p:par>
+                          <p:cTn id="10" fill="hold">
+                            <p:stCondLst>
+                              <p:cond delay="0"/>
+                            </p:stCondLst>
+                            <p:childTnLst>
                               <p:par>
-                                <p:cTn id="11" presetID="1" presetClass="entr" presetSubtype="0" fill="hold" grpId="0" nodeType="withEffect">
+                                <p:cTn id="11" presetID="1" presetClass="entr" presetSubtype="0" fill="hold" nodeType="clickEffect">
                                   <p:stCondLst>
                                     <p:cond delay="0"/>
                                   </p:stCondLst>
@@ -24887,7 +23887,7 @@
                                         <p:tgtEl>
                                           <p:spTgt spid="4">
                                             <p:txEl>
-                                              <p:pRg st="2" end="2"/>
+                                              <p:pRg st="3" end="3"/>
                                             </p:txEl>
                                           </p:spTgt>
                                         </p:tgtEl>
@@ -24916,7 +23916,11 @@
                                           </p:stCondLst>
                                         </p:cTn>
                                         <p:tgtEl>
-                                          <p:spTgt spid="8"/>
+                                          <p:spTgt spid="4">
+                                            <p:txEl>
+                                              <p:pRg st="4" end="4"/>
+                                            </p:txEl>
+                                          </p:spTgt>
                                         </p:tgtEl>
                                         <p:attrNameLst>
                                           <p:attrName>style.visibility</p:attrName>
@@ -24948,7 +23952,7 @@
                             </p:stCondLst>
                             <p:childTnLst>
                               <p:par>
-                                <p:cTn id="17" presetID="1" presetClass="entr" presetSubtype="0" fill="hold" grpId="0" nodeType="clickEffect">
+                                <p:cTn id="17" presetID="1" presetClass="entr" presetSubtype="0" fill="hold" nodeType="clickEffect">
                                   <p:stCondLst>
                                     <p:cond delay="0"/>
                                   </p:stCondLst>
@@ -24961,7 +23965,11 @@
                                           </p:stCondLst>
                                         </p:cTn>
                                         <p:tgtEl>
-                                          <p:spTgt spid="17"/>
+                                          <p:spTgt spid="4">
+                                            <p:txEl>
+                                              <p:pRg st="6" end="6"/>
+                                            </p:txEl>
+                                          </p:spTgt>
                                         </p:tgtEl>
                                         <p:attrNameLst>
                                           <p:attrName>style.visibility</p:attrName>
@@ -24988,54 +23996,9 @@
                                           </p:stCondLst>
                                         </p:cTn>
                                         <p:tgtEl>
-                                          <p:spTgt spid="14"/>
-                                        </p:tgtEl>
-                                        <p:attrNameLst>
-                                          <p:attrName>style.visibility</p:attrName>
-                                        </p:attrNameLst>
-                                      </p:cBhvr>
-                                      <p:to>
-                                        <p:strVal val="visible"/>
-                                      </p:to>
-                                    </p:set>
-                                  </p:childTnLst>
-                                </p:cTn>
-                              </p:par>
-                            </p:childTnLst>
-                          </p:cTn>
-                        </p:par>
-                      </p:childTnLst>
-                    </p:cTn>
-                  </p:par>
-                  <p:par>
-                    <p:cTn id="21" fill="hold">
-                      <p:stCondLst>
-                        <p:cond delay="indefinite"/>
-                      </p:stCondLst>
-                      <p:childTnLst>
-                        <p:par>
-                          <p:cTn id="22" fill="hold">
-                            <p:stCondLst>
-                              <p:cond delay="0"/>
-                            </p:stCondLst>
-                            <p:childTnLst>
-                              <p:par>
-                                <p:cTn id="23" presetID="1" presetClass="entr" presetSubtype="0" fill="hold" nodeType="clickEffect">
-                                  <p:stCondLst>
-                                    <p:cond delay="0"/>
-                                  </p:stCondLst>
-                                  <p:childTnLst>
-                                    <p:set>
-                                      <p:cBhvr>
-                                        <p:cTn id="24" dur="1" fill="hold">
-                                          <p:stCondLst>
-                                            <p:cond delay="0"/>
-                                          </p:stCondLst>
-                                        </p:cTn>
-                                        <p:tgtEl>
-                                          <p:spTgt spid="17">
+                                          <p:spTgt spid="4">
                                             <p:txEl>
-                                              <p:pRg st="1" end="1"/>
+                                              <p:pRg st="7" end="7"/>
                                             </p:txEl>
                                           </p:spTgt>
                                         </p:tgtEl>
@@ -25051,22 +24014,22 @@
                                 </p:cTn>
                               </p:par>
                               <p:par>
-                                <p:cTn id="25" presetID="1" presetClass="entr" presetSubtype="0" fill="hold" nodeType="withEffect">
+                                <p:cTn id="21" presetID="1" presetClass="entr" presetSubtype="0" fill="hold" nodeType="withEffect">
                                   <p:stCondLst>
                                     <p:cond delay="0"/>
                                   </p:stCondLst>
                                   <p:childTnLst>
                                     <p:set>
                                       <p:cBhvr>
-                                        <p:cTn id="26" dur="1" fill="hold">
+                                        <p:cTn id="22" dur="1" fill="hold">
                                           <p:stCondLst>
                                             <p:cond delay="0"/>
                                           </p:stCondLst>
                                         </p:cTn>
                                         <p:tgtEl>
-                                          <p:spTgt spid="17">
+                                          <p:spTgt spid="4">
                                             <p:txEl>
-                                              <p:pRg st="2" end="2"/>
+                                              <p:pRg st="8" end="8"/>
                                             </p:txEl>
                                           </p:spTgt>
                                         </p:tgtEl>
@@ -25082,22 +24045,22 @@
                                 </p:cTn>
                               </p:par>
                               <p:par>
-                                <p:cTn id="27" presetID="1" presetClass="entr" presetSubtype="0" fill="hold" nodeType="withEffect">
+                                <p:cTn id="23" presetID="1" presetClass="entr" presetSubtype="0" fill="hold" nodeType="withEffect">
                                   <p:stCondLst>
                                     <p:cond delay="0"/>
                                   </p:stCondLst>
                                   <p:childTnLst>
                                     <p:set>
                                       <p:cBhvr>
-                                        <p:cTn id="28" dur="1" fill="hold">
+                                        <p:cTn id="24" dur="1" fill="hold">
                                           <p:stCondLst>
                                             <p:cond delay="0"/>
                                           </p:stCondLst>
                                         </p:cTn>
                                         <p:tgtEl>
-                                          <p:spTgt spid="17">
+                                          <p:spTgt spid="4">
                                             <p:txEl>
-                                              <p:pRg st="3" end="3"/>
+                                              <p:pRg st="9" end="9"/>
                                             </p:txEl>
                                           </p:spTgt>
                                         </p:tgtEl>
@@ -25139,10 +24102,930 @@
         </p:cTn>
       </p:par>
     </p:tnLst>
-    <p:bldLst>
-      <p:bldP spid="4" grpId="0" uiExpand="1" build="p"/>
-      <p:bldP spid="17" grpId="0"/>
-    </p:bldLst>
+  </p:timing>
+</p:sld>
+</file>
+
+<file path=ppt/slides/slide3.xml><?xml version="1.0" encoding="utf-8"?>
+<p:sld xmlns:a="http://schemas.openxmlformats.org/drawingml/2006/main" xmlns:r="http://schemas.openxmlformats.org/officeDocument/2006/relationships" xmlns:p="http://schemas.openxmlformats.org/presentationml/2006/main">
+  <p:cSld>
+    <p:spTree>
+      <p:nvGrpSpPr>
+        <p:cNvPr id="1" name=""/>
+        <p:cNvGrpSpPr/>
+        <p:nvPr/>
+      </p:nvGrpSpPr>
+      <p:grpSpPr>
+        <a:xfrm>
+          <a:off x="0" y="0"/>
+          <a:ext cx="0" cy="0"/>
+          <a:chOff x="0" y="0"/>
+          <a:chExt cx="0" cy="0"/>
+        </a:xfrm>
+      </p:grpSpPr>
+      <p:sp>
+        <p:nvSpPr>
+          <p:cNvPr id="2" name="Titel 1">
+            <a:extLst>
+              <a:ext uri="{FF2B5EF4-FFF2-40B4-BE49-F238E27FC236}">
+                <a16:creationId xmlns:a16="http://schemas.microsoft.com/office/drawing/2014/main" id="{D56F8EE8-2A39-4CDF-A116-618781E908B5}"/>
+              </a:ext>
+            </a:extLst>
+          </p:cNvPr>
+          <p:cNvSpPr>
+            <a:spLocks noGrp="1"/>
+          </p:cNvSpPr>
+          <p:nvPr>
+            <p:ph type="title"/>
+          </p:nvPr>
+        </p:nvSpPr>
+        <p:spPr/>
+        <p:txBody>
+          <a:bodyPr/>
+          <a:lstStyle/>
+          <a:p>
+            <a:r>
+              <a:rPr lang="de-DE" dirty="0" err="1"/>
+              <a:t>Author</a:t>
+            </a:r>
+            <a:r>
+              <a:rPr lang="de-DE" dirty="0"/>
+              <a:t> </a:t>
+            </a:r>
+            <a:r>
+              <a:rPr lang="de-DE" dirty="0" err="1"/>
+              <a:t>classification</a:t>
+            </a:r>
+            <a:endParaRPr lang="en-GB" dirty="0"/>
+          </a:p>
+        </p:txBody>
+      </p:sp>
+      <p:sp>
+        <p:nvSpPr>
+          <p:cNvPr id="3" name="Textplatzhalter 2">
+            <a:extLst>
+              <a:ext uri="{FF2B5EF4-FFF2-40B4-BE49-F238E27FC236}">
+                <a16:creationId xmlns:a16="http://schemas.microsoft.com/office/drawing/2014/main" id="{A3B2028C-EC60-4C2B-9099-1FF7722400F6}"/>
+              </a:ext>
+            </a:extLst>
+          </p:cNvPr>
+          <p:cNvSpPr>
+            <a:spLocks noGrp="1"/>
+          </p:cNvSpPr>
+          <p:nvPr>
+            <p:ph type="body" sz="quarter" idx="13"/>
+          </p:nvPr>
+        </p:nvSpPr>
+        <p:spPr/>
+        <p:txBody>
+          <a:bodyPr/>
+          <a:lstStyle/>
+          <a:p>
+            <a:r>
+              <a:rPr lang="de-DE" dirty="0">
+                <a:latin typeface="+mj-lt"/>
+              </a:rPr>
+              <a:t>Data</a:t>
+            </a:r>
+            <a:endParaRPr lang="en-GB" dirty="0">
+              <a:latin typeface="+mj-lt"/>
+            </a:endParaRPr>
+          </a:p>
+        </p:txBody>
+      </p:sp>
+      <p:sp>
+        <p:nvSpPr>
+          <p:cNvPr id="5" name="Foliennummernplatzhalter 4">
+            <a:extLst>
+              <a:ext uri="{FF2B5EF4-FFF2-40B4-BE49-F238E27FC236}">
+                <a16:creationId xmlns:a16="http://schemas.microsoft.com/office/drawing/2014/main" id="{DBC253A5-E14F-434F-9D17-EB9BCB899A25}"/>
+              </a:ext>
+            </a:extLst>
+          </p:cNvPr>
+          <p:cNvSpPr>
+            <a:spLocks noGrp="1"/>
+          </p:cNvSpPr>
+          <p:nvPr>
+            <p:ph type="sldNum" sz="quarter" idx="12"/>
+          </p:nvPr>
+        </p:nvSpPr>
+        <p:spPr/>
+        <p:txBody>
+          <a:bodyPr/>
+          <a:lstStyle/>
+          <a:p>
+            <a:fld id="{54518C2F-5E54-4CF8-B37A-4631A050CED9}" type="slidenum">
+              <a:rPr lang="de-DE" smtClean="0"/>
+              <a:pPr/>
+              <a:t>3</a:t>
+            </a:fld>
+            <a:endParaRPr lang="de-DE" dirty="0"/>
+          </a:p>
+        </p:txBody>
+      </p:sp>
+      <p:sp>
+        <p:nvSpPr>
+          <p:cNvPr id="6" name="Fußzeilenplatzhalter 5">
+            <a:extLst>
+              <a:ext uri="{FF2B5EF4-FFF2-40B4-BE49-F238E27FC236}">
+                <a16:creationId xmlns:a16="http://schemas.microsoft.com/office/drawing/2014/main" id="{11CB8639-06F9-4741-AE13-F2FB747C65CB}"/>
+              </a:ext>
+            </a:extLst>
+          </p:cNvPr>
+          <p:cNvSpPr>
+            <a:spLocks noGrp="1"/>
+          </p:cNvSpPr>
+          <p:nvPr>
+            <p:ph type="ftr" sz="quarter" idx="11"/>
+          </p:nvPr>
+        </p:nvSpPr>
+        <p:spPr/>
+        <p:txBody>
+          <a:bodyPr/>
+          <a:lstStyle/>
+          <a:p>
+            <a:r>
+              <a:rPr lang="de-DE"/>
+              <a:t>Team Lab NLP | Author Classification in Poetry		Katrin Schmidt – Carlotta Quensel</a:t>
+            </a:r>
+            <a:endParaRPr lang="de-DE" dirty="0"/>
+          </a:p>
+        </p:txBody>
+      </p:sp>
+      <p:pic>
+        <p:nvPicPr>
+          <p:cNvPr id="8" name="Grafik 7">
+            <a:extLst>
+              <a:ext uri="{FF2B5EF4-FFF2-40B4-BE49-F238E27FC236}">
+                <a16:creationId xmlns:a16="http://schemas.microsoft.com/office/drawing/2014/main" id="{3DB071E4-584F-4C72-ABDB-A49F9AC39A00}"/>
+              </a:ext>
+            </a:extLst>
+          </p:cNvPr>
+          <p:cNvPicPr>
+            <a:picLocks noChangeAspect="1"/>
+          </p:cNvPicPr>
+          <p:nvPr/>
+        </p:nvPicPr>
+        <p:blipFill>
+          <a:blip r:embed="rId3">
+            <a:extLst>
+              <a:ext uri="{28A0092B-C50C-407E-A947-70E740481C1C}">
+                <a14:useLocalDpi xmlns:a14="http://schemas.microsoft.com/office/drawing/2010/main" val="0"/>
+              </a:ext>
+              <a:ext uri="{96DAC541-7B7A-43D3-8B79-37D633B846F1}">
+                <asvg:svgBlip xmlns:asvg="http://schemas.microsoft.com/office/drawing/2016/SVG/main" r:embed="rId4"/>
+              </a:ext>
+            </a:extLst>
+          </a:blip>
+          <a:stretch>
+            <a:fillRect/>
+          </a:stretch>
+        </p:blipFill>
+        <p:spPr>
+          <a:xfrm>
+            <a:off x="622303" y="1848819"/>
+            <a:ext cx="5020296" cy="3385556"/>
+          </a:xfrm>
+          <a:prstGeom prst="rect">
+            <a:avLst/>
+          </a:prstGeom>
+        </p:spPr>
+      </p:pic>
+      <p:cxnSp>
+        <p:nvCxnSpPr>
+          <p:cNvPr id="14" name="Gerader Verbinder 13">
+            <a:extLst>
+              <a:ext uri="{FF2B5EF4-FFF2-40B4-BE49-F238E27FC236}">
+                <a16:creationId xmlns:a16="http://schemas.microsoft.com/office/drawing/2014/main" id="{4493CD21-1AC3-4006-885D-68F0D4116304}"/>
+              </a:ext>
+            </a:extLst>
+          </p:cNvPr>
+          <p:cNvCxnSpPr>
+            <a:cxnSpLocks/>
+          </p:cNvCxnSpPr>
+          <p:nvPr/>
+        </p:nvCxnSpPr>
+        <p:spPr>
+          <a:xfrm>
+            <a:off x="2687920" y="1956395"/>
+            <a:ext cx="0" cy="2782409"/>
+          </a:xfrm>
+          <a:prstGeom prst="line">
+            <a:avLst/>
+          </a:prstGeom>
+          <a:ln w="28575">
+            <a:prstDash val="sysDash"/>
+          </a:ln>
+        </p:spPr>
+        <p:style>
+          <a:lnRef idx="1">
+            <a:schemeClr val="accent1"/>
+          </a:lnRef>
+          <a:fillRef idx="0">
+            <a:schemeClr val="accent1"/>
+          </a:fillRef>
+          <a:effectRef idx="0">
+            <a:schemeClr val="accent1"/>
+          </a:effectRef>
+          <a:fontRef idx="minor">
+            <a:schemeClr val="tx1"/>
+          </a:fontRef>
+        </p:style>
+      </p:cxnSp>
+      <p:sp>
+        <p:nvSpPr>
+          <p:cNvPr id="17" name="Inhaltsplatzhalter 3">
+            <a:extLst>
+              <a:ext uri="{FF2B5EF4-FFF2-40B4-BE49-F238E27FC236}">
+                <a16:creationId xmlns:a16="http://schemas.microsoft.com/office/drawing/2014/main" id="{B41A9481-F4EB-44A5-867B-D5EB9E1D65C9}"/>
+              </a:ext>
+            </a:extLst>
+          </p:cNvPr>
+          <p:cNvSpPr txBox="1">
+            <a:spLocks/>
+          </p:cNvSpPr>
+          <p:nvPr/>
+        </p:nvSpPr>
+        <p:spPr>
+          <a:xfrm>
+            <a:off x="6095999" y="1428746"/>
+            <a:ext cx="5303119" cy="4857099"/>
+          </a:xfrm>
+          <a:prstGeom prst="rect">
+            <a:avLst/>
+          </a:prstGeom>
+        </p:spPr>
+        <p:txBody>
+          <a:bodyPr vert="horz" lIns="0" tIns="0" rIns="0" bIns="0" rtlCol="0">
+            <a:noAutofit/>
+          </a:bodyPr>
+          <a:lstStyle>
+            <a:lvl1pPr marL="228592" indent="-228592" algn="l" defTabSz="914368" rtl="0" eaLnBrk="1" latinLnBrk="0" hangingPunct="1">
+              <a:lnSpc>
+                <a:spcPct val="120000"/>
+              </a:lnSpc>
+              <a:spcBef>
+                <a:spcPts val="1000"/>
+              </a:spcBef>
+              <a:buClr>
+                <a:schemeClr val="accent1"/>
+              </a:buClr>
+              <a:buFont typeface="Arial" panose="020B0604020202020204" pitchFamily="34" charset="0"/>
+              <a:buChar char="•"/>
+              <a:defRPr sz="2133" kern="1200">
+                <a:solidFill>
+                  <a:schemeClr val="tx1"/>
+                </a:solidFill>
+                <a:latin typeface="+mn-lt"/>
+                <a:ea typeface="+mn-ea"/>
+                <a:cs typeface="+mn-cs"/>
+              </a:defRPr>
+            </a:lvl1pPr>
+            <a:lvl2pPr marL="480468" indent="-245525" algn="l" defTabSz="914368" rtl="0" eaLnBrk="1" latinLnBrk="0" hangingPunct="1">
+              <a:lnSpc>
+                <a:spcPct val="120000"/>
+              </a:lnSpc>
+              <a:spcBef>
+                <a:spcPts val="501"/>
+              </a:spcBef>
+              <a:buClr>
+                <a:schemeClr val="tx1"/>
+              </a:buClr>
+              <a:buFont typeface="Arial" panose="020B0604020202020204" pitchFamily="34" charset="0"/>
+              <a:buChar char="•"/>
+              <a:defRPr sz="2133" kern="1200">
+                <a:solidFill>
+                  <a:schemeClr val="tx1"/>
+                </a:solidFill>
+                <a:latin typeface="+mn-lt"/>
+                <a:ea typeface="+mn-ea"/>
+                <a:cs typeface="+mn-cs"/>
+              </a:defRPr>
+            </a:lvl2pPr>
+            <a:lvl3pPr marL="715409" indent="-234943" algn="l" defTabSz="914368" rtl="0" eaLnBrk="1" latinLnBrk="0" hangingPunct="1">
+              <a:lnSpc>
+                <a:spcPct val="120000"/>
+              </a:lnSpc>
+              <a:spcBef>
+                <a:spcPts val="501"/>
+              </a:spcBef>
+              <a:buClr>
+                <a:schemeClr val="tx1"/>
+              </a:buClr>
+              <a:buFont typeface="Arial" panose="020B0604020202020204" pitchFamily="34" charset="0"/>
+              <a:buChar char="•"/>
+              <a:defRPr sz="1867" kern="1200">
+                <a:solidFill>
+                  <a:schemeClr val="tx1"/>
+                </a:solidFill>
+                <a:latin typeface="+mn-lt"/>
+                <a:ea typeface="+mn-ea"/>
+                <a:cs typeface="+mn-cs"/>
+              </a:defRPr>
+            </a:lvl3pPr>
+            <a:lvl4pPr marL="960933" indent="-245525" algn="l" defTabSz="914368" rtl="0" eaLnBrk="1" latinLnBrk="0" hangingPunct="1">
+              <a:lnSpc>
+                <a:spcPct val="120000"/>
+              </a:lnSpc>
+              <a:spcBef>
+                <a:spcPts val="501"/>
+              </a:spcBef>
+              <a:buClr>
+                <a:schemeClr val="tx1"/>
+              </a:buClr>
+              <a:buFont typeface="Arial" panose="020B0604020202020204" pitchFamily="34" charset="0"/>
+              <a:buChar char="•"/>
+              <a:defRPr sz="1867" kern="1200">
+                <a:solidFill>
+                  <a:schemeClr val="tx1"/>
+                </a:solidFill>
+                <a:latin typeface="+mn-lt"/>
+                <a:ea typeface="+mn-ea"/>
+                <a:cs typeface="+mn-cs"/>
+              </a:defRPr>
+            </a:lvl4pPr>
+            <a:lvl5pPr marL="1195875" indent="-234943" algn="l" defTabSz="914368" rtl="0" eaLnBrk="1" latinLnBrk="0" hangingPunct="1">
+              <a:lnSpc>
+                <a:spcPct val="120000"/>
+              </a:lnSpc>
+              <a:spcBef>
+                <a:spcPts val="501"/>
+              </a:spcBef>
+              <a:buClr>
+                <a:schemeClr val="tx1"/>
+              </a:buClr>
+              <a:buFont typeface="Arial" panose="020B0604020202020204" pitchFamily="34" charset="0"/>
+              <a:buChar char="•"/>
+              <a:defRPr sz="1867" kern="1200">
+                <a:solidFill>
+                  <a:schemeClr val="tx1"/>
+                </a:solidFill>
+                <a:latin typeface="+mn-lt"/>
+                <a:ea typeface="+mn-ea"/>
+                <a:cs typeface="+mn-cs"/>
+              </a:defRPr>
+            </a:lvl5pPr>
+            <a:lvl6pPr marL="2514512" indent="-228592" algn="l" defTabSz="914368" rtl="0" eaLnBrk="1" latinLnBrk="0" hangingPunct="1">
+              <a:lnSpc>
+                <a:spcPct val="90000"/>
+              </a:lnSpc>
+              <a:spcBef>
+                <a:spcPts val="501"/>
+              </a:spcBef>
+              <a:buFont typeface="Arial" panose="020B0604020202020204" pitchFamily="34" charset="0"/>
+              <a:buChar char="•"/>
+              <a:defRPr sz="1800" kern="1200">
+                <a:solidFill>
+                  <a:schemeClr val="tx1"/>
+                </a:solidFill>
+                <a:latin typeface="+mn-lt"/>
+                <a:ea typeface="+mn-ea"/>
+                <a:cs typeface="+mn-cs"/>
+              </a:defRPr>
+            </a:lvl6pPr>
+            <a:lvl7pPr marL="2971696" indent="-228592" algn="l" defTabSz="914368" rtl="0" eaLnBrk="1" latinLnBrk="0" hangingPunct="1">
+              <a:lnSpc>
+                <a:spcPct val="90000"/>
+              </a:lnSpc>
+              <a:spcBef>
+                <a:spcPts val="501"/>
+              </a:spcBef>
+              <a:buFont typeface="Arial" panose="020B0604020202020204" pitchFamily="34" charset="0"/>
+              <a:buChar char="•"/>
+              <a:defRPr sz="1800" kern="1200">
+                <a:solidFill>
+                  <a:schemeClr val="tx1"/>
+                </a:solidFill>
+                <a:latin typeface="+mn-lt"/>
+                <a:ea typeface="+mn-ea"/>
+                <a:cs typeface="+mn-cs"/>
+              </a:defRPr>
+            </a:lvl7pPr>
+            <a:lvl8pPr marL="3428880" indent="-228592" algn="l" defTabSz="914368" rtl="0" eaLnBrk="1" latinLnBrk="0" hangingPunct="1">
+              <a:lnSpc>
+                <a:spcPct val="90000"/>
+              </a:lnSpc>
+              <a:spcBef>
+                <a:spcPts val="501"/>
+              </a:spcBef>
+              <a:buFont typeface="Arial" panose="020B0604020202020204" pitchFamily="34" charset="0"/>
+              <a:buChar char="•"/>
+              <a:defRPr sz="1800" kern="1200">
+                <a:solidFill>
+                  <a:schemeClr val="tx1"/>
+                </a:solidFill>
+                <a:latin typeface="+mn-lt"/>
+                <a:ea typeface="+mn-ea"/>
+                <a:cs typeface="+mn-cs"/>
+              </a:defRPr>
+            </a:lvl8pPr>
+            <a:lvl9pPr marL="3886064" indent="-228592" algn="l" defTabSz="914368" rtl="0" eaLnBrk="1" latinLnBrk="0" hangingPunct="1">
+              <a:lnSpc>
+                <a:spcPct val="90000"/>
+              </a:lnSpc>
+              <a:spcBef>
+                <a:spcPts val="501"/>
+              </a:spcBef>
+              <a:buFont typeface="Arial" panose="020B0604020202020204" pitchFamily="34" charset="0"/>
+              <a:buChar char="•"/>
+              <a:defRPr sz="1800" kern="1200">
+                <a:solidFill>
+                  <a:schemeClr val="tx1"/>
+                </a:solidFill>
+                <a:latin typeface="+mn-lt"/>
+                <a:ea typeface="+mn-ea"/>
+                <a:cs typeface="+mn-cs"/>
+              </a:defRPr>
+            </a:lvl9pPr>
+          </a:lstStyle>
+          <a:p>
+            <a:pPr marL="0" indent="0">
+              <a:buNone/>
+            </a:pPr>
+            <a:r>
+              <a:rPr lang="en-GB" sz="2000" dirty="0">
+                <a:latin typeface="+mj-lt"/>
+              </a:rPr>
+              <a:t>Poetry Foundation (founded in 2003)</a:t>
+            </a:r>
+          </a:p>
+          <a:p>
+            <a:r>
+              <a:rPr lang="en-GB" sz="2000" dirty="0">
+                <a:latin typeface="+mj-lt"/>
+              </a:rPr>
+              <a:t>3 309 authors</a:t>
+            </a:r>
+          </a:p>
+          <a:p>
+            <a:r>
+              <a:rPr lang="en-GB" sz="2000" dirty="0">
+                <a:latin typeface="+mj-lt"/>
+              </a:rPr>
+              <a:t>15 567 poems</a:t>
+            </a:r>
+          </a:p>
+          <a:p>
+            <a:endParaRPr lang="en-GB" sz="2000" dirty="0">
+              <a:latin typeface="+mj-lt"/>
+            </a:endParaRPr>
+          </a:p>
+          <a:p>
+            <a:pPr marL="0" indent="0">
+              <a:buFont typeface="Arial" panose="020B0604020202020204" pitchFamily="34" charset="0"/>
+              <a:buNone/>
+            </a:pPr>
+            <a:r>
+              <a:rPr lang="en-US" sz="2000" dirty="0">
+                <a:latin typeface="+mj-lt"/>
+              </a:rPr>
+              <a:t>We decided on the 30 most prolific authors</a:t>
+            </a:r>
+          </a:p>
+          <a:p>
+            <a:r>
+              <a:rPr lang="en-GB" sz="2000" dirty="0">
+                <a:latin typeface="+mj-lt"/>
+              </a:rPr>
+              <a:t>More datapoints per class</a:t>
+            </a:r>
+          </a:p>
+          <a:p>
+            <a:r>
+              <a:rPr lang="en-GB" sz="2000" dirty="0">
+                <a:latin typeface="+mj-lt"/>
+              </a:rPr>
+              <a:t>Lower computational effort</a:t>
+            </a:r>
+          </a:p>
+          <a:p>
+            <a:r>
+              <a:rPr lang="en-GB" sz="2000" dirty="0">
+                <a:latin typeface="+mj-lt"/>
+              </a:rPr>
+              <a:t>1 569 poems</a:t>
+            </a:r>
+          </a:p>
+        </p:txBody>
+      </p:sp>
+      <p:sp>
+        <p:nvSpPr>
+          <p:cNvPr id="7" name="Textfeld 6">
+            <a:extLst>
+              <a:ext uri="{FF2B5EF4-FFF2-40B4-BE49-F238E27FC236}">
+                <a16:creationId xmlns:a16="http://schemas.microsoft.com/office/drawing/2014/main" id="{0CE7D3BA-E8F3-4253-B963-A70045E95B54}"/>
+              </a:ext>
+            </a:extLst>
+          </p:cNvPr>
+          <p:cNvSpPr txBox="1"/>
+          <p:nvPr/>
+        </p:nvSpPr>
+        <p:spPr>
+          <a:xfrm>
+            <a:off x="1210235" y="5234375"/>
+            <a:ext cx="4303058" cy="275717"/>
+          </a:xfrm>
+          <a:prstGeom prst="rect">
+            <a:avLst/>
+          </a:prstGeom>
+          <a:noFill/>
+        </p:spPr>
+        <p:txBody>
+          <a:bodyPr wrap="square" lIns="0" tIns="0" rIns="0" bIns="0" rtlCol="0">
+            <a:spAutoFit/>
+          </a:bodyPr>
+          <a:lstStyle/>
+          <a:p>
+            <a:pPr>
+              <a:lnSpc>
+                <a:spcPct val="120000"/>
+              </a:lnSpc>
+              <a:spcBef>
+                <a:spcPts val="750"/>
+              </a:spcBef>
+              <a:buClr>
+                <a:schemeClr val="accent1"/>
+              </a:buClr>
+            </a:pPr>
+            <a:r>
+              <a:rPr lang="de-DE" sz="1600" b="1" i="1" dirty="0"/>
+              <a:t>Fig 1</a:t>
+            </a:r>
+            <a:r>
+              <a:rPr lang="de-DE" sz="1600" i="1" dirty="0"/>
+              <a:t> – Poem </a:t>
+            </a:r>
+            <a:r>
+              <a:rPr lang="de-DE" sz="1600" i="1" dirty="0" err="1"/>
+              <a:t>distribution</a:t>
+            </a:r>
+            <a:r>
+              <a:rPr lang="de-DE" sz="1600" i="1" dirty="0"/>
+              <a:t> per </a:t>
+            </a:r>
+            <a:r>
+              <a:rPr lang="de-DE" sz="1600" i="1" dirty="0" err="1"/>
+              <a:t>author</a:t>
+            </a:r>
+            <a:endParaRPr lang="en-GB" sz="1600" i="1" dirty="0"/>
+          </a:p>
+        </p:txBody>
+      </p:sp>
+    </p:spTree>
+    <p:extLst>
+      <p:ext uri="{BB962C8B-B14F-4D97-AF65-F5344CB8AC3E}">
+        <p14:creationId xmlns:p14="http://schemas.microsoft.com/office/powerpoint/2010/main" val="46108309"/>
+      </p:ext>
+    </p:extLst>
+  </p:cSld>
+  <p:clrMapOvr>
+    <a:masterClrMapping/>
+  </p:clrMapOvr>
+  <p:timing>
+    <p:tnLst>
+      <p:par>
+        <p:cTn id="1" dur="indefinite" restart="never" nodeType="tmRoot">
+          <p:childTnLst>
+            <p:seq concurrent="1" nextAc="seek">
+              <p:cTn id="2" dur="indefinite" nodeType="mainSeq">
+                <p:childTnLst>
+                  <p:par>
+                    <p:cTn id="3" fill="hold">
+                      <p:stCondLst>
+                        <p:cond delay="indefinite"/>
+                      </p:stCondLst>
+                      <p:childTnLst>
+                        <p:par>
+                          <p:cTn id="4" fill="hold">
+                            <p:stCondLst>
+                              <p:cond delay="0"/>
+                            </p:stCondLst>
+                            <p:childTnLst>
+                              <p:par>
+                                <p:cTn id="5" presetID="1" presetClass="entr" presetSubtype="0" fill="hold" nodeType="clickEffect">
+                                  <p:stCondLst>
+                                    <p:cond delay="0"/>
+                                  </p:stCondLst>
+                                  <p:childTnLst>
+                                    <p:set>
+                                      <p:cBhvr>
+                                        <p:cTn id="6" dur="1" fill="hold">
+                                          <p:stCondLst>
+                                            <p:cond delay="0"/>
+                                          </p:stCondLst>
+                                        </p:cTn>
+                                        <p:tgtEl>
+                                          <p:spTgt spid="17">
+                                            <p:txEl>
+                                              <p:pRg st="0" end="0"/>
+                                            </p:txEl>
+                                          </p:spTgt>
+                                        </p:tgtEl>
+                                        <p:attrNameLst>
+                                          <p:attrName>style.visibility</p:attrName>
+                                        </p:attrNameLst>
+                                      </p:cBhvr>
+                                      <p:to>
+                                        <p:strVal val="visible"/>
+                                      </p:to>
+                                    </p:set>
+                                  </p:childTnLst>
+                                </p:cTn>
+                              </p:par>
+                            </p:childTnLst>
+                          </p:cTn>
+                        </p:par>
+                      </p:childTnLst>
+                    </p:cTn>
+                  </p:par>
+                  <p:par>
+                    <p:cTn id="7" fill="hold">
+                      <p:stCondLst>
+                        <p:cond delay="indefinite"/>
+                      </p:stCondLst>
+                      <p:childTnLst>
+                        <p:par>
+                          <p:cTn id="8" fill="hold">
+                            <p:stCondLst>
+                              <p:cond delay="0"/>
+                            </p:stCondLst>
+                            <p:childTnLst>
+                              <p:par>
+                                <p:cTn id="9" presetID="1" presetClass="entr" presetSubtype="0" fill="hold" nodeType="clickEffect">
+                                  <p:stCondLst>
+                                    <p:cond delay="0"/>
+                                  </p:stCondLst>
+                                  <p:childTnLst>
+                                    <p:set>
+                                      <p:cBhvr>
+                                        <p:cTn id="10" dur="1" fill="hold">
+                                          <p:stCondLst>
+                                            <p:cond delay="0"/>
+                                          </p:stCondLst>
+                                        </p:cTn>
+                                        <p:tgtEl>
+                                          <p:spTgt spid="17">
+                                            <p:txEl>
+                                              <p:pRg st="1" end="1"/>
+                                            </p:txEl>
+                                          </p:spTgt>
+                                        </p:tgtEl>
+                                        <p:attrNameLst>
+                                          <p:attrName>style.visibility</p:attrName>
+                                        </p:attrNameLst>
+                                      </p:cBhvr>
+                                      <p:to>
+                                        <p:strVal val="visible"/>
+                                      </p:to>
+                                    </p:set>
+                                  </p:childTnLst>
+                                </p:cTn>
+                              </p:par>
+                              <p:par>
+                                <p:cTn id="11" presetID="1" presetClass="entr" presetSubtype="0" fill="hold" nodeType="withEffect">
+                                  <p:stCondLst>
+                                    <p:cond delay="0"/>
+                                  </p:stCondLst>
+                                  <p:childTnLst>
+                                    <p:set>
+                                      <p:cBhvr>
+                                        <p:cTn id="12" dur="1" fill="hold">
+                                          <p:stCondLst>
+                                            <p:cond delay="0"/>
+                                          </p:stCondLst>
+                                        </p:cTn>
+                                        <p:tgtEl>
+                                          <p:spTgt spid="17">
+                                            <p:txEl>
+                                              <p:pRg st="2" end="2"/>
+                                            </p:txEl>
+                                          </p:spTgt>
+                                        </p:tgtEl>
+                                        <p:attrNameLst>
+                                          <p:attrName>style.visibility</p:attrName>
+                                        </p:attrNameLst>
+                                      </p:cBhvr>
+                                      <p:to>
+                                        <p:strVal val="visible"/>
+                                      </p:to>
+                                    </p:set>
+                                  </p:childTnLst>
+                                </p:cTn>
+                              </p:par>
+                            </p:childTnLst>
+                          </p:cTn>
+                        </p:par>
+                      </p:childTnLst>
+                    </p:cTn>
+                  </p:par>
+                  <p:par>
+                    <p:cTn id="13" fill="hold">
+                      <p:stCondLst>
+                        <p:cond delay="indefinite"/>
+                      </p:stCondLst>
+                      <p:childTnLst>
+                        <p:par>
+                          <p:cTn id="14" fill="hold">
+                            <p:stCondLst>
+                              <p:cond delay="0"/>
+                            </p:stCondLst>
+                            <p:childTnLst>
+                              <p:par>
+                                <p:cTn id="15" presetID="1" presetClass="entr" presetSubtype="0" fill="hold" nodeType="clickEffect">
+                                  <p:stCondLst>
+                                    <p:cond delay="0"/>
+                                  </p:stCondLst>
+                                  <p:childTnLst>
+                                    <p:set>
+                                      <p:cBhvr>
+                                        <p:cTn id="16" dur="1" fill="hold">
+                                          <p:stCondLst>
+                                            <p:cond delay="0"/>
+                                          </p:stCondLst>
+                                        </p:cTn>
+                                        <p:tgtEl>
+                                          <p:spTgt spid="17">
+                                            <p:txEl>
+                                              <p:pRg st="4" end="4"/>
+                                            </p:txEl>
+                                          </p:spTgt>
+                                        </p:tgtEl>
+                                        <p:attrNameLst>
+                                          <p:attrName>style.visibility</p:attrName>
+                                        </p:attrNameLst>
+                                      </p:cBhvr>
+                                      <p:to>
+                                        <p:strVal val="visible"/>
+                                      </p:to>
+                                    </p:set>
+                                  </p:childTnLst>
+                                </p:cTn>
+                              </p:par>
+                              <p:par>
+                                <p:cTn id="17" presetID="1" presetClass="entr" presetSubtype="0" fill="hold" nodeType="withEffect">
+                                  <p:stCondLst>
+                                    <p:cond delay="0"/>
+                                  </p:stCondLst>
+                                  <p:childTnLst>
+                                    <p:set>
+                                      <p:cBhvr>
+                                        <p:cTn id="18" dur="1" fill="hold">
+                                          <p:stCondLst>
+                                            <p:cond delay="0"/>
+                                          </p:stCondLst>
+                                        </p:cTn>
+                                        <p:tgtEl>
+                                          <p:spTgt spid="14"/>
+                                        </p:tgtEl>
+                                        <p:attrNameLst>
+                                          <p:attrName>style.visibility</p:attrName>
+                                        </p:attrNameLst>
+                                      </p:cBhvr>
+                                      <p:to>
+                                        <p:strVal val="visible"/>
+                                      </p:to>
+                                    </p:set>
+                                  </p:childTnLst>
+                                </p:cTn>
+                              </p:par>
+                            </p:childTnLst>
+                          </p:cTn>
+                        </p:par>
+                      </p:childTnLst>
+                    </p:cTn>
+                  </p:par>
+                  <p:par>
+                    <p:cTn id="19" fill="hold">
+                      <p:stCondLst>
+                        <p:cond delay="indefinite"/>
+                      </p:stCondLst>
+                      <p:childTnLst>
+                        <p:par>
+                          <p:cTn id="20" fill="hold">
+                            <p:stCondLst>
+                              <p:cond delay="0"/>
+                            </p:stCondLst>
+                            <p:childTnLst>
+                              <p:par>
+                                <p:cTn id="21" presetID="1" presetClass="entr" presetSubtype="0" fill="hold" nodeType="clickEffect">
+                                  <p:stCondLst>
+                                    <p:cond delay="0"/>
+                                  </p:stCondLst>
+                                  <p:childTnLst>
+                                    <p:set>
+                                      <p:cBhvr>
+                                        <p:cTn id="22" dur="1" fill="hold">
+                                          <p:stCondLst>
+                                            <p:cond delay="0"/>
+                                          </p:stCondLst>
+                                        </p:cTn>
+                                        <p:tgtEl>
+                                          <p:spTgt spid="17">
+                                            <p:txEl>
+                                              <p:pRg st="5" end="5"/>
+                                            </p:txEl>
+                                          </p:spTgt>
+                                        </p:tgtEl>
+                                        <p:attrNameLst>
+                                          <p:attrName>style.visibility</p:attrName>
+                                        </p:attrNameLst>
+                                      </p:cBhvr>
+                                      <p:to>
+                                        <p:strVal val="visible"/>
+                                      </p:to>
+                                    </p:set>
+                                  </p:childTnLst>
+                                </p:cTn>
+                              </p:par>
+                              <p:par>
+                                <p:cTn id="23" presetID="1" presetClass="entr" presetSubtype="0" fill="hold" nodeType="withEffect">
+                                  <p:stCondLst>
+                                    <p:cond delay="0"/>
+                                  </p:stCondLst>
+                                  <p:childTnLst>
+                                    <p:set>
+                                      <p:cBhvr>
+                                        <p:cTn id="24" dur="1" fill="hold">
+                                          <p:stCondLst>
+                                            <p:cond delay="0"/>
+                                          </p:stCondLst>
+                                        </p:cTn>
+                                        <p:tgtEl>
+                                          <p:spTgt spid="17">
+                                            <p:txEl>
+                                              <p:pRg st="6" end="6"/>
+                                            </p:txEl>
+                                          </p:spTgt>
+                                        </p:tgtEl>
+                                        <p:attrNameLst>
+                                          <p:attrName>style.visibility</p:attrName>
+                                        </p:attrNameLst>
+                                      </p:cBhvr>
+                                      <p:to>
+                                        <p:strVal val="visible"/>
+                                      </p:to>
+                                    </p:set>
+                                  </p:childTnLst>
+                                </p:cTn>
+                              </p:par>
+                              <p:par>
+                                <p:cTn id="25" presetID="1" presetClass="entr" presetSubtype="0" fill="hold" nodeType="withEffect">
+                                  <p:stCondLst>
+                                    <p:cond delay="0"/>
+                                  </p:stCondLst>
+                                  <p:childTnLst>
+                                    <p:set>
+                                      <p:cBhvr>
+                                        <p:cTn id="26" dur="1" fill="hold">
+                                          <p:stCondLst>
+                                            <p:cond delay="0"/>
+                                          </p:stCondLst>
+                                        </p:cTn>
+                                        <p:tgtEl>
+                                          <p:spTgt spid="17">
+                                            <p:txEl>
+                                              <p:pRg st="7" end="7"/>
+                                            </p:txEl>
+                                          </p:spTgt>
+                                        </p:tgtEl>
+                                        <p:attrNameLst>
+                                          <p:attrName>style.visibility</p:attrName>
+                                        </p:attrNameLst>
+                                      </p:cBhvr>
+                                      <p:to>
+                                        <p:strVal val="visible"/>
+                                      </p:to>
+                                    </p:set>
+                                  </p:childTnLst>
+                                </p:cTn>
+                              </p:par>
+                            </p:childTnLst>
+                          </p:cTn>
+                        </p:par>
+                      </p:childTnLst>
+                    </p:cTn>
+                  </p:par>
+                </p:childTnLst>
+              </p:cTn>
+              <p:prevCondLst>
+                <p:cond evt="onPrev" delay="0">
+                  <p:tgtEl>
+                    <p:sldTgt/>
+                  </p:tgtEl>
+                </p:cond>
+              </p:prevCondLst>
+              <p:nextCondLst>
+                <p:cond evt="onNext" delay="0">
+                  <p:tgtEl>
+                    <p:sldTgt/>
+                  </p:tgtEl>
+                </p:cond>
+              </p:nextCondLst>
+            </p:seq>
+          </p:childTnLst>
+        </p:cTn>
+      </p:par>
+    </p:tnLst>
   </p:timing>
 </p:sld>
 </file>
@@ -25549,14 +25432,56 @@
                 <a:latin typeface="Courier New" panose="02070309020205020404" pitchFamily="49" charset="0"/>
                 <a:cs typeface="Courier New" panose="02070309020205020404" pitchFamily="49" charset="0"/>
               </a:rPr>
-              <a:t> : [['Tagus', ',', 'farewell', '!', 'that', 'westward', ',', 'with', 'thy', 'streams', ',', 'Turns', 'up', 'the', 'grains', 'of', 'gold', 'already', 'tried', ',', 'With', 'spur', 'and', 'sail', 'for', 'I', 'go', 'seek', 'the', 'Thames', ',', '</a:t>
+              <a:t> : [[‘</a:t>
             </a:r>
             <a:r>
               <a:rPr lang="en-GB" sz="1000" dirty="0" err="1">
                 <a:latin typeface="Courier New" panose="02070309020205020404" pitchFamily="49" charset="0"/>
                 <a:cs typeface="Courier New" panose="02070309020205020404" pitchFamily="49" charset="0"/>
               </a:rPr>
-              <a:t>Gainward</a:t>
+              <a:t>tagus</a:t>
+            </a:r>
+            <a:r>
+              <a:rPr lang="en-GB" sz="1000" dirty="0">
+                <a:latin typeface="Courier New" panose="02070309020205020404" pitchFamily="49" charset="0"/>
+                <a:cs typeface="Courier New" panose="02070309020205020404" pitchFamily="49" charset="0"/>
+              </a:rPr>
+              <a:t>', ',', 'farewell', '!', 'that', 'westward', ',', 'with', 'thy', 'streams', ',', ‘turns', 'up', 'the', 'grains', 'of', 'gold', 'already', 'tried', ',', ‘with', 'spur', 'and', 'sail', 'for', ‘</a:t>
+            </a:r>
+            <a:r>
+              <a:rPr lang="en-GB" sz="1000" dirty="0" err="1">
+                <a:latin typeface="Courier New" panose="02070309020205020404" pitchFamily="49" charset="0"/>
+                <a:cs typeface="Courier New" panose="02070309020205020404" pitchFamily="49" charset="0"/>
+              </a:rPr>
+              <a:t>i</a:t>
+            </a:r>
+            <a:r>
+              <a:rPr lang="en-GB" sz="1000" dirty="0">
+                <a:latin typeface="Courier New" panose="02070309020205020404" pitchFamily="49" charset="0"/>
+                <a:cs typeface="Courier New" panose="02070309020205020404" pitchFamily="49" charset="0"/>
+              </a:rPr>
+              <a:t>', 'go', 'seek', 'the', ‘</a:t>
+            </a:r>
+            <a:r>
+              <a:rPr lang="en-GB" sz="1000" dirty="0" err="1">
+                <a:latin typeface="Courier New" panose="02070309020205020404" pitchFamily="49" charset="0"/>
+                <a:cs typeface="Courier New" panose="02070309020205020404" pitchFamily="49" charset="0"/>
+              </a:rPr>
+              <a:t>thames</a:t>
+            </a:r>
+            <a:r>
+              <a:rPr lang="en-GB" sz="1000" dirty="0">
+                <a:latin typeface="Courier New" panose="02070309020205020404" pitchFamily="49" charset="0"/>
+                <a:cs typeface="Courier New" panose="02070309020205020404" pitchFamily="49" charset="0"/>
+              </a:rPr>
+              <a:t>', ',', ‘</a:t>
+            </a:r>
+            <a:r>
+              <a:rPr lang="en-GB" sz="1000" dirty="0" err="1">
+                <a:latin typeface="Courier New" panose="02070309020205020404" pitchFamily="49" charset="0"/>
+                <a:cs typeface="Courier New" panose="02070309020205020404" pitchFamily="49" charset="0"/>
+              </a:rPr>
+              <a:t>gainward</a:t>
             </a:r>
             <a:r>
               <a:rPr lang="en-GB" sz="1000" dirty="0">
@@ -25652,7 +25577,7 @@
           <a:prstGeom prst="straightConnector1">
             <a:avLst/>
           </a:prstGeom>
-          <a:ln w="12700">
+          <a:ln w="19050">
             <a:solidFill>
               <a:schemeClr val="tx1"/>
             </a:solidFill>
@@ -25690,13 +25615,13 @@
         </p:nvCxnSpPr>
         <p:spPr>
           <a:xfrm>
-            <a:off x="8593527" y="5187145"/>
-            <a:ext cx="0" cy="727783"/>
+            <a:off x="8838000" y="4879369"/>
+            <a:ext cx="0" cy="1035559"/>
           </a:xfrm>
           <a:prstGeom prst="straightConnector1">
             <a:avLst/>
           </a:prstGeom>
-          <a:ln w="12700">
+          <a:ln w="19050">
             <a:solidFill>
               <a:schemeClr val="tx1"/>
             </a:solidFill>
@@ -25727,18 +25652,21 @@
               </a:ext>
             </a:extLst>
           </p:cNvPr>
-          <p:cNvCxnSpPr/>
+          <p:cNvCxnSpPr>
+            <a:cxnSpLocks/>
+            <a:endCxn id="15" idx="1"/>
+          </p:cNvCxnSpPr>
           <p:nvPr/>
         </p:nvCxnSpPr>
         <p:spPr>
           <a:xfrm>
-            <a:off x="4199735" y="2348753"/>
-            <a:ext cx="1417622" cy="0"/>
+            <a:off x="4199735" y="2378841"/>
+            <a:ext cx="1832450" cy="0"/>
           </a:xfrm>
           <a:prstGeom prst="straightConnector1">
             <a:avLst/>
           </a:prstGeom>
-          <a:ln w="12700">
+          <a:ln w="19050">
             <a:solidFill>
               <a:schemeClr val="tx1"/>
             </a:solidFill>
@@ -25774,7 +25702,7 @@
         </p:nvSpPr>
         <p:spPr>
           <a:xfrm>
-            <a:off x="4270770" y="2348753"/>
+            <a:off x="4390838" y="2348753"/>
             <a:ext cx="1346587" cy="275717"/>
           </a:xfrm>
           <a:prstGeom prst="rect">
@@ -25912,7 +25840,7 @@
         </p:nvSpPr>
         <p:spPr>
           <a:xfrm>
-            <a:off x="8671966" y="5384240"/>
+            <a:off x="8882980" y="5384240"/>
             <a:ext cx="1740669" cy="275717"/>
           </a:xfrm>
           <a:prstGeom prst="rect">
@@ -26417,8 +26345,8 @@
           <a:chExt cx="0" cy="0"/>
         </a:xfrm>
       </p:grpSpPr>
-      <mc:AlternateContent xmlns:mc="http://schemas.openxmlformats.org/markup-compatibility/2006" xmlns:a14="http://schemas.microsoft.com/office/drawing/2010/main">
-        <mc:Choice Requires="a14">
+      <mc:AlternateContent xmlns:mc="http://schemas.openxmlformats.org/markup-compatibility/2006">
+        <mc:Choice xmlns:a14="http://schemas.microsoft.com/office/drawing/2010/main" Requires="a14">
           <p:sp>
             <p:nvSpPr>
               <p:cNvPr id="4" name="Inhaltsplatzhalter 3">
@@ -26448,12 +26376,57 @@
                 </a:r>
               </a:p>
               <a:p>
+                <a:endParaRPr lang="en-GB" dirty="0">
+                  <a:latin typeface="+mj-lt"/>
+                </a:endParaRPr>
+              </a:p>
+              <a:p>
+                <a:endParaRPr lang="en-GB" dirty="0">
+                  <a:latin typeface="+mj-lt"/>
+                </a:endParaRPr>
+              </a:p>
+              <a:p>
                 <a:pPr lvl="1"/>
                 <a:r>
                   <a:rPr lang="en-GB" dirty="0">
                     <a:latin typeface="+mj-lt"/>
                   </a:rPr>
-                  <a:t>Features: data properties paired with a label</a:t>
+                  <a:t>Feature </a:t>
+                </a:r>
+                <a14:m>
+                  <m:oMath xmlns:m="http://schemas.openxmlformats.org/officeDocument/2006/math">
+                    <m:sSub>
+                      <m:sSubPr>
+                        <m:ctrlPr>
+                          <a:rPr lang="de-DE" b="0" i="1" smtClean="0">
+                            <a:latin typeface="Cambria Math" panose="02040503050406030204" pitchFamily="18" charset="0"/>
+                          </a:rPr>
+                        </m:ctrlPr>
+                      </m:sSubPr>
+                      <m:e>
+                        <m:r>
+                          <a:rPr lang="de-DE" b="0" i="1" smtClean="0">
+                            <a:latin typeface="Cambria Math" panose="02040503050406030204" pitchFamily="18" charset="0"/>
+                          </a:rPr>
+                          <m:t>𝑓</m:t>
+                        </m:r>
+                      </m:e>
+                      <m:sub>
+                        <m:r>
+                          <a:rPr lang="de-DE" b="0" i="1" smtClean="0">
+                            <a:latin typeface="Cambria Math" panose="02040503050406030204" pitchFamily="18" charset="0"/>
+                          </a:rPr>
+                          <m:t>𝑖</m:t>
+                        </m:r>
+                      </m:sub>
+                    </m:sSub>
+                  </m:oMath>
+                </a14:m>
+                <a:r>
+                  <a:rPr lang="en-GB" dirty="0">
+                    <a:latin typeface="+mj-lt"/>
+                  </a:rPr>
+                  <a:t>: data properties paired with a label</a:t>
                 </a:r>
               </a:p>
               <a:p>
@@ -26723,7 +26696,42 @@
                   <a:rPr lang="en-GB" dirty="0">
                     <a:latin typeface="+mj-lt"/>
                   </a:rPr>
-                  <a:t>Weight for each feature to represent the importance of the feature</a:t>
+                  <a:t>Weight </a:t>
+                </a:r>
+                <a14:m>
+                  <m:oMath xmlns:m="http://schemas.openxmlformats.org/officeDocument/2006/math">
+                    <m:sSub>
+                      <m:sSubPr>
+                        <m:ctrlPr>
+                          <a:rPr lang="de-DE" b="0" i="1" smtClean="0">
+                            <a:latin typeface="Cambria Math" panose="02040503050406030204" pitchFamily="18" charset="0"/>
+                          </a:rPr>
+                        </m:ctrlPr>
+                      </m:sSubPr>
+                      <m:e>
+                        <m:r>
+                          <a:rPr lang="de-DE" b="0" i="1" smtClean="0">
+                            <a:latin typeface="Cambria Math" panose="02040503050406030204" pitchFamily="18" charset="0"/>
+                          </a:rPr>
+                          <m:t>𝜆</m:t>
+                        </m:r>
+                      </m:e>
+                      <m:sub>
+                        <m:r>
+                          <a:rPr lang="de-DE" b="0" i="1" smtClean="0">
+                            <a:latin typeface="Cambria Math" panose="02040503050406030204" pitchFamily="18" charset="0"/>
+                          </a:rPr>
+                          <m:t>𝑖</m:t>
+                        </m:r>
+                      </m:sub>
+                    </m:sSub>
+                  </m:oMath>
+                </a14:m>
+                <a:r>
+                  <a:rPr lang="en-GB" dirty="0">
+                    <a:latin typeface="+mj-lt"/>
+                  </a:rPr>
+                  <a:t> for each feature to represent the importance of the feature</a:t>
                 </a:r>
               </a:p>
               <a:p>
@@ -26733,527 +26741,21 @@
                 </a:endParaRPr>
               </a:p>
               <a:p>
-                <a:pPr lvl="1"/>
-                <a:endParaRPr lang="en-GB" dirty="0">
-                  <a:latin typeface="+mj-lt"/>
-                </a:endParaRPr>
-              </a:p>
-              <a:p>
+                <a:pPr>
+                  <a:buFont typeface="Wingdings" panose="05000000000000000000" pitchFamily="2" charset="2"/>
+                  <a:buChar char=""/>
+                </a:pPr>
                 <a:r>
                   <a:rPr lang="en-GB" dirty="0">
                     <a:latin typeface="+mj-lt"/>
                   </a:rPr>
-                  <a:t>Training by stochastic gradient descent</a:t>
+                  <a:t>Training by optimizing the weights</a:t>
                 </a:r>
-              </a:p>
-              <a:p>
-                <a:pPr lvl="1"/>
-                <a:r>
-                  <a:rPr lang="en-GB" dirty="0">
-                    <a:latin typeface="+mj-lt"/>
-                  </a:rPr>
-                  <a:t>p</a:t>
-                </a:r>
-                <a14:m>
-                  <m:oMath xmlns:m="http://schemas.openxmlformats.org/officeDocument/2006/math">
-                    <m:r>
-                      <a:rPr lang="en-GB" i="1" baseline="-25000" smtClean="0">
-                        <a:latin typeface="Cambria Math" panose="02040503050406030204" pitchFamily="18" charset="0"/>
-                        <a:ea typeface="Cambria Math" panose="02040503050406030204" pitchFamily="18" charset="0"/>
-                      </a:rPr>
-                      <m:t>𝜆</m:t>
-                    </m:r>
-                  </m:oMath>
-                </a14:m>
-                <a:r>
-                  <a:rPr lang="en-GB" dirty="0">
-                    <a:latin typeface="+mj-lt"/>
-                  </a:rPr>
-                  <a:t>(y | x) = </a:t>
-                </a:r>
-                <a14:m>
-                  <m:oMath xmlns:m="http://schemas.openxmlformats.org/officeDocument/2006/math">
-                    <m:f>
-                      <m:fPr>
-                        <m:ctrlPr>
-                          <a:rPr lang="en-GB" i="1" smtClean="0">
-                            <a:latin typeface="Cambria Math" panose="02040503050406030204" pitchFamily="18" charset="0"/>
-                          </a:rPr>
-                        </m:ctrlPr>
-                      </m:fPr>
-                      <m:num>
-                        <m:func>
-                          <m:funcPr>
-                            <m:ctrlPr>
-                              <a:rPr lang="de-DE" b="0" i="1" smtClean="0">
-                                <a:latin typeface="Cambria Math" panose="02040503050406030204" pitchFamily="18" charset="0"/>
-                              </a:rPr>
-                            </m:ctrlPr>
-                          </m:funcPr>
-                          <m:fName>
-                            <m:r>
-                              <m:rPr>
-                                <m:sty m:val="p"/>
-                              </m:rPr>
-                              <a:rPr lang="de-DE" b="0" i="0" smtClean="0">
-                                <a:latin typeface="Cambria Math" panose="02040503050406030204" pitchFamily="18" charset="0"/>
-                              </a:rPr>
-                              <m:t>exp</m:t>
-                            </m:r>
-                          </m:fName>
-                          <m:e>
-                            <m:r>
-                              <a:rPr lang="de-DE" b="0" i="1" smtClean="0">
-                                <a:latin typeface="Cambria Math" panose="02040503050406030204" pitchFamily="18" charset="0"/>
-                                <a:ea typeface="Cambria Math" panose="02040503050406030204" pitchFamily="18" charset="0"/>
-                              </a:rPr>
-                              <m:t>∑</m:t>
-                            </m:r>
-                            <m:r>
-                              <a:rPr lang="de-DE" b="0" i="1" baseline="-25000" smtClean="0">
-                                <a:latin typeface="Cambria Math" panose="02040503050406030204" pitchFamily="18" charset="0"/>
-                                <a:ea typeface="Cambria Math" panose="02040503050406030204" pitchFamily="18" charset="0"/>
-                              </a:rPr>
-                              <m:t>𝑖</m:t>
-                            </m:r>
-                            <m:r>
-                              <a:rPr lang="de-DE" b="0" i="1" baseline="-25000" smtClean="0">
-                                <a:latin typeface="Cambria Math" panose="02040503050406030204" pitchFamily="18" charset="0"/>
-                                <a:ea typeface="Cambria Math" panose="02040503050406030204" pitchFamily="18" charset="0"/>
-                              </a:rPr>
-                              <m:t> </m:t>
-                            </m:r>
-                            <m:r>
-                              <a:rPr lang="en-GB" i="1">
-                                <a:latin typeface="Cambria Math" panose="02040503050406030204" pitchFamily="18" charset="0"/>
-                                <a:ea typeface="Cambria Math" panose="02040503050406030204" pitchFamily="18" charset="0"/>
-                              </a:rPr>
-                              <m:t>𝜆</m:t>
-                            </m:r>
-                            <m:r>
-                              <a:rPr lang="de-DE" b="0" i="1" baseline="-25000" smtClean="0">
-                                <a:latin typeface="Cambria Math" panose="02040503050406030204" pitchFamily="18" charset="0"/>
-                                <a:ea typeface="Cambria Math" panose="02040503050406030204" pitchFamily="18" charset="0"/>
-                              </a:rPr>
-                              <m:t>𝑖</m:t>
-                            </m:r>
-                            <m:r>
-                              <a:rPr lang="de-DE" b="0" i="1" smtClean="0">
-                                <a:latin typeface="Cambria Math" panose="02040503050406030204" pitchFamily="18" charset="0"/>
-                                <a:ea typeface="Cambria Math" panose="02040503050406030204" pitchFamily="18" charset="0"/>
-                              </a:rPr>
-                              <m:t>𝑓</m:t>
-                            </m:r>
-                            <m:r>
-                              <a:rPr lang="de-DE" b="0" i="1" baseline="-25000" smtClean="0">
-                                <a:latin typeface="Cambria Math" panose="02040503050406030204" pitchFamily="18" charset="0"/>
-                                <a:ea typeface="Cambria Math" panose="02040503050406030204" pitchFamily="18" charset="0"/>
-                              </a:rPr>
-                              <m:t>𝑖</m:t>
-                            </m:r>
-                            <m:r>
-                              <a:rPr lang="de-DE" b="0" i="1" smtClean="0">
-                                <a:latin typeface="Cambria Math" panose="02040503050406030204" pitchFamily="18" charset="0"/>
-                                <a:ea typeface="Cambria Math" panose="02040503050406030204" pitchFamily="18" charset="0"/>
-                              </a:rPr>
-                              <m:t>(</m:t>
-                            </m:r>
-                            <m:r>
-                              <a:rPr lang="de-DE" b="0" i="1" smtClean="0">
-                                <a:latin typeface="Cambria Math" panose="02040503050406030204" pitchFamily="18" charset="0"/>
-                                <a:ea typeface="Cambria Math" panose="02040503050406030204" pitchFamily="18" charset="0"/>
-                              </a:rPr>
-                              <m:t>𝑦</m:t>
-                            </m:r>
-                            <m:r>
-                              <a:rPr lang="de-DE" b="0" i="1" smtClean="0">
-                                <a:latin typeface="Cambria Math" panose="02040503050406030204" pitchFamily="18" charset="0"/>
-                                <a:ea typeface="Cambria Math" panose="02040503050406030204" pitchFamily="18" charset="0"/>
-                              </a:rPr>
-                              <m:t>,  </m:t>
-                            </m:r>
-                            <m:r>
-                              <a:rPr lang="de-DE" b="1" i="1" smtClean="0">
-                                <a:latin typeface="Cambria Math" panose="02040503050406030204" pitchFamily="18" charset="0"/>
-                                <a:ea typeface="Cambria Math" panose="02040503050406030204" pitchFamily="18" charset="0"/>
-                              </a:rPr>
-                              <m:t> </m:t>
-                            </m:r>
-                            <m:r>
-                              <a:rPr lang="de-DE" b="1" i="1" smtClean="0">
-                                <a:latin typeface="Cambria Math" panose="02040503050406030204" pitchFamily="18" charset="0"/>
-                                <a:ea typeface="Cambria Math" panose="02040503050406030204" pitchFamily="18" charset="0"/>
-                              </a:rPr>
-                              <m:t>𝒙</m:t>
-                            </m:r>
-                            <m:r>
-                              <a:rPr lang="de-DE" b="0" i="1" smtClean="0">
-                                <a:latin typeface="Cambria Math" panose="02040503050406030204" pitchFamily="18" charset="0"/>
-                                <a:ea typeface="Cambria Math" panose="02040503050406030204" pitchFamily="18" charset="0"/>
-                              </a:rPr>
-                              <m:t>)</m:t>
-                            </m:r>
-                          </m:e>
-                        </m:func>
-                      </m:num>
-                      <m:den>
-                        <m:r>
-                          <a:rPr lang="de-DE" i="1">
-                            <a:latin typeface="Cambria Math" panose="02040503050406030204" pitchFamily="18" charset="0"/>
-                            <a:ea typeface="Cambria Math" panose="02040503050406030204" pitchFamily="18" charset="0"/>
-                          </a:rPr>
-                          <m:t>∑</m:t>
-                        </m:r>
-                        <m:sSup>
-                          <m:sSupPr>
-                            <m:ctrlPr>
-                              <a:rPr lang="de-DE" i="1" baseline="-25000">
-                                <a:latin typeface="Cambria Math" panose="02040503050406030204" pitchFamily="18" charset="0"/>
-                                <a:ea typeface="Cambria Math" panose="02040503050406030204" pitchFamily="18" charset="0"/>
-                              </a:rPr>
-                            </m:ctrlPr>
-                          </m:sSupPr>
-                          <m:e>
-                            <m:r>
-                              <a:rPr lang="de-DE" i="1" baseline="-25000">
-                                <a:latin typeface="Cambria Math" panose="02040503050406030204" pitchFamily="18" charset="0"/>
-                                <a:ea typeface="Cambria Math" panose="02040503050406030204" pitchFamily="18" charset="0"/>
-                              </a:rPr>
-                              <m:t>𝑦</m:t>
-                            </m:r>
-                          </m:e>
-                          <m:sup>
-                            <m:r>
-                              <a:rPr lang="de-DE" i="1" baseline="-25000">
-                                <a:latin typeface="Cambria Math" panose="02040503050406030204" pitchFamily="18" charset="0"/>
-                                <a:ea typeface="Cambria Math" panose="02040503050406030204" pitchFamily="18" charset="0"/>
-                              </a:rPr>
-                              <m:t>′ </m:t>
-                            </m:r>
-                          </m:sup>
-                        </m:sSup>
-                        <m:func>
-                          <m:funcPr>
-                            <m:ctrlPr>
-                              <a:rPr lang="de-DE" i="1">
-                                <a:latin typeface="Cambria Math" panose="02040503050406030204" pitchFamily="18" charset="0"/>
-                              </a:rPr>
-                            </m:ctrlPr>
-                          </m:funcPr>
-                          <m:fName>
-                            <m:r>
-                              <m:rPr>
-                                <m:sty m:val="p"/>
-                              </m:rPr>
-                              <a:rPr lang="de-DE">
-                                <a:latin typeface="Cambria Math" panose="02040503050406030204" pitchFamily="18" charset="0"/>
-                              </a:rPr>
-                              <m:t>exp</m:t>
-                            </m:r>
-                          </m:fName>
-                          <m:e>
-                            <m:r>
-                              <a:rPr lang="de-DE" i="1">
-                                <a:latin typeface="Cambria Math" panose="02040503050406030204" pitchFamily="18" charset="0"/>
-                                <a:ea typeface="Cambria Math" panose="02040503050406030204" pitchFamily="18" charset="0"/>
-                              </a:rPr>
-                              <m:t>∑</m:t>
-                            </m:r>
-                            <m:r>
-                              <a:rPr lang="de-DE" i="1" baseline="-25000">
-                                <a:latin typeface="Cambria Math" panose="02040503050406030204" pitchFamily="18" charset="0"/>
-                                <a:ea typeface="Cambria Math" panose="02040503050406030204" pitchFamily="18" charset="0"/>
-                              </a:rPr>
-                              <m:t>𝑖</m:t>
-                            </m:r>
-                            <m:r>
-                              <a:rPr lang="de-DE" i="1" baseline="-25000">
-                                <a:latin typeface="Cambria Math" panose="02040503050406030204" pitchFamily="18" charset="0"/>
-                                <a:ea typeface="Cambria Math" panose="02040503050406030204" pitchFamily="18" charset="0"/>
-                              </a:rPr>
-                              <m:t> </m:t>
-                            </m:r>
-                            <m:r>
-                              <a:rPr lang="en-GB" i="1">
-                                <a:latin typeface="Cambria Math" panose="02040503050406030204" pitchFamily="18" charset="0"/>
-                                <a:ea typeface="Cambria Math" panose="02040503050406030204" pitchFamily="18" charset="0"/>
-                              </a:rPr>
-                              <m:t>𝜆</m:t>
-                            </m:r>
-                            <m:r>
-                              <a:rPr lang="de-DE" i="1" baseline="-25000">
-                                <a:latin typeface="Cambria Math" panose="02040503050406030204" pitchFamily="18" charset="0"/>
-                                <a:ea typeface="Cambria Math" panose="02040503050406030204" pitchFamily="18" charset="0"/>
-                              </a:rPr>
-                              <m:t>𝑖</m:t>
-                            </m:r>
-                            <m:r>
-                              <a:rPr lang="de-DE" i="1">
-                                <a:latin typeface="Cambria Math" panose="02040503050406030204" pitchFamily="18" charset="0"/>
-                                <a:ea typeface="Cambria Math" panose="02040503050406030204" pitchFamily="18" charset="0"/>
-                              </a:rPr>
-                              <m:t>𝑓</m:t>
-                            </m:r>
-                            <m:r>
-                              <a:rPr lang="de-DE" i="1" baseline="-25000">
-                                <a:latin typeface="Cambria Math" panose="02040503050406030204" pitchFamily="18" charset="0"/>
-                                <a:ea typeface="Cambria Math" panose="02040503050406030204" pitchFamily="18" charset="0"/>
-                              </a:rPr>
-                              <m:t>𝑖</m:t>
-                            </m:r>
-                            <m:r>
-                              <a:rPr lang="de-DE" i="1">
-                                <a:latin typeface="Cambria Math" panose="02040503050406030204" pitchFamily="18" charset="0"/>
-                                <a:ea typeface="Cambria Math" panose="02040503050406030204" pitchFamily="18" charset="0"/>
-                              </a:rPr>
-                              <m:t>(</m:t>
-                            </m:r>
-                            <m:r>
-                              <a:rPr lang="de-DE" i="1">
-                                <a:latin typeface="Cambria Math" panose="02040503050406030204" pitchFamily="18" charset="0"/>
-                                <a:ea typeface="Cambria Math" panose="02040503050406030204" pitchFamily="18" charset="0"/>
-                              </a:rPr>
-                              <m:t>𝑦</m:t>
-                            </m:r>
-                            <m:r>
-                              <a:rPr lang="de-DE" i="1" baseline="30000">
-                                <a:latin typeface="Cambria Math" panose="02040503050406030204" pitchFamily="18" charset="0"/>
-                                <a:ea typeface="Cambria Math" panose="02040503050406030204" pitchFamily="18" charset="0"/>
-                              </a:rPr>
-                              <m:t>′</m:t>
-                            </m:r>
-                            <m:r>
-                              <a:rPr lang="de-DE" i="1">
-                                <a:latin typeface="Cambria Math" panose="02040503050406030204" pitchFamily="18" charset="0"/>
-                                <a:ea typeface="Cambria Math" panose="02040503050406030204" pitchFamily="18" charset="0"/>
-                              </a:rPr>
-                              <m:t>,</m:t>
-                            </m:r>
-                            <m:r>
-                              <a:rPr lang="de-DE" b="1" i="1">
-                                <a:latin typeface="Cambria Math" panose="02040503050406030204" pitchFamily="18" charset="0"/>
-                                <a:ea typeface="Cambria Math" panose="02040503050406030204" pitchFamily="18" charset="0"/>
-                              </a:rPr>
-                              <m:t>𝒙</m:t>
-                            </m:r>
-                            <m:r>
-                              <a:rPr lang="de-DE" i="1">
-                                <a:latin typeface="Cambria Math" panose="02040503050406030204" pitchFamily="18" charset="0"/>
-                                <a:ea typeface="Cambria Math" panose="02040503050406030204" pitchFamily="18" charset="0"/>
-                              </a:rPr>
-                              <m:t>)</m:t>
-                            </m:r>
-                          </m:e>
-                        </m:func>
-                      </m:den>
-                    </m:f>
-                  </m:oMath>
-                </a14:m>
-                <a:r>
-                  <a:rPr lang="en-GB" dirty="0">
-                    <a:latin typeface="+mj-lt"/>
-                  </a:rPr>
-                  <a:t>	=  </a:t>
-                </a:r>
-                <a14:m>
-                  <m:oMath xmlns:m="http://schemas.openxmlformats.org/officeDocument/2006/math">
-                    <m:f>
-                      <m:fPr>
-                        <m:ctrlPr>
-                          <a:rPr lang="en-GB" i="1">
-                            <a:latin typeface="Cambria Math" panose="02040503050406030204" pitchFamily="18" charset="0"/>
-                          </a:rPr>
-                        </m:ctrlPr>
-                      </m:fPr>
-                      <m:num>
-                        <m:r>
-                          <a:rPr lang="de-DE" i="1" smtClean="0">
-                            <a:latin typeface="Cambria Math" panose="02040503050406030204" pitchFamily="18" charset="0"/>
-                          </a:rPr>
-                          <m:t>𝑠</m:t>
-                        </m:r>
-                        <m:r>
-                          <a:rPr lang="de-DE" b="0" i="1" smtClean="0">
-                            <a:latin typeface="Cambria Math" panose="02040503050406030204" pitchFamily="18" charset="0"/>
-                          </a:rPr>
-                          <m:t>𝑐𝑜𝑟𝑒</m:t>
-                        </m:r>
-                        <m:r>
-                          <a:rPr lang="de-DE" b="0" i="1" smtClean="0">
-                            <a:latin typeface="Cambria Math" panose="02040503050406030204" pitchFamily="18" charset="0"/>
-                          </a:rPr>
-                          <m:t> </m:t>
-                        </m:r>
-                        <m:r>
-                          <a:rPr lang="de-DE" b="0" i="1" smtClean="0">
-                            <a:latin typeface="Cambria Math" panose="02040503050406030204" pitchFamily="18" charset="0"/>
-                          </a:rPr>
-                          <m:t>𝑜𝑓</m:t>
-                        </m:r>
-                        <m:r>
-                          <a:rPr lang="de-DE" b="0" i="1" smtClean="0">
-                            <a:latin typeface="Cambria Math" panose="02040503050406030204" pitchFamily="18" charset="0"/>
-                          </a:rPr>
-                          <m:t> </m:t>
-                        </m:r>
-                        <m:r>
-                          <a:rPr lang="de-DE" b="0" i="1" smtClean="0">
-                            <a:latin typeface="Cambria Math" panose="02040503050406030204" pitchFamily="18" charset="0"/>
-                          </a:rPr>
-                          <m:t>𝑎</m:t>
-                        </m:r>
-                        <m:r>
-                          <a:rPr lang="de-DE" b="0" i="1" smtClean="0">
-                            <a:latin typeface="Cambria Math" panose="02040503050406030204" pitchFamily="18" charset="0"/>
-                          </a:rPr>
-                          <m:t> </m:t>
-                        </m:r>
-                        <m:r>
-                          <a:rPr lang="de-DE" b="0" i="1" smtClean="0">
-                            <a:latin typeface="Cambria Math" panose="02040503050406030204" pitchFamily="18" charset="0"/>
-                          </a:rPr>
-                          <m:t>𝑐𝑙𝑎𝑠𝑠</m:t>
-                        </m:r>
-                        <m:r>
-                          <a:rPr lang="de-DE" b="0" i="1" smtClean="0">
-                            <a:latin typeface="Cambria Math" panose="02040503050406030204" pitchFamily="18" charset="0"/>
-                          </a:rPr>
-                          <m:t> </m:t>
-                        </m:r>
-                        <m:r>
-                          <a:rPr lang="de-DE" b="0" i="1" smtClean="0">
-                            <a:latin typeface="Cambria Math" panose="02040503050406030204" pitchFamily="18" charset="0"/>
-                          </a:rPr>
-                          <m:t>𝑦</m:t>
-                        </m:r>
-                      </m:num>
-                      <m:den>
-                        <m:r>
-                          <a:rPr lang="de-DE" b="0" i="1" smtClean="0">
-                            <a:latin typeface="Cambria Math" panose="02040503050406030204" pitchFamily="18" charset="0"/>
-                            <a:ea typeface="Cambria Math" panose="02040503050406030204" pitchFamily="18" charset="0"/>
-                          </a:rPr>
-                          <m:t>𝑠𝑢𝑚</m:t>
-                        </m:r>
-                        <m:r>
-                          <a:rPr lang="de-DE" b="0" i="1" smtClean="0">
-                            <a:latin typeface="Cambria Math" panose="02040503050406030204" pitchFamily="18" charset="0"/>
-                            <a:ea typeface="Cambria Math" panose="02040503050406030204" pitchFamily="18" charset="0"/>
-                          </a:rPr>
-                          <m:t> </m:t>
-                        </m:r>
-                        <m:r>
-                          <a:rPr lang="de-DE" b="0" i="1" smtClean="0">
-                            <a:latin typeface="Cambria Math" panose="02040503050406030204" pitchFamily="18" charset="0"/>
-                            <a:ea typeface="Cambria Math" panose="02040503050406030204" pitchFamily="18" charset="0"/>
-                          </a:rPr>
-                          <m:t>𝑜𝑓</m:t>
-                        </m:r>
-                        <m:r>
-                          <a:rPr lang="de-DE" b="0" i="1" smtClean="0">
-                            <a:latin typeface="Cambria Math" panose="02040503050406030204" pitchFamily="18" charset="0"/>
-                            <a:ea typeface="Cambria Math" panose="02040503050406030204" pitchFamily="18" charset="0"/>
-                          </a:rPr>
-                          <m:t> </m:t>
-                        </m:r>
-                        <m:r>
-                          <a:rPr lang="de-DE" b="0" i="1" smtClean="0">
-                            <a:latin typeface="Cambria Math" panose="02040503050406030204" pitchFamily="18" charset="0"/>
-                            <a:ea typeface="Cambria Math" panose="02040503050406030204" pitchFamily="18" charset="0"/>
-                          </a:rPr>
-                          <m:t>𝑠𝑐𝑜𝑟𝑒𝑠</m:t>
-                        </m:r>
-                        <m:r>
-                          <a:rPr lang="de-DE" b="0" i="1" smtClean="0">
-                            <a:latin typeface="Cambria Math" panose="02040503050406030204" pitchFamily="18" charset="0"/>
-                            <a:ea typeface="Cambria Math" panose="02040503050406030204" pitchFamily="18" charset="0"/>
-                          </a:rPr>
-                          <m:t> </m:t>
-                        </m:r>
-                        <m:r>
-                          <a:rPr lang="de-DE" b="0" i="1" smtClean="0">
-                            <a:latin typeface="Cambria Math" panose="02040503050406030204" pitchFamily="18" charset="0"/>
-                            <a:ea typeface="Cambria Math" panose="02040503050406030204" pitchFamily="18" charset="0"/>
-                          </a:rPr>
-                          <m:t>𝑓𝑜𝑟</m:t>
-                        </m:r>
-                        <m:r>
-                          <a:rPr lang="de-DE" b="0" i="1" smtClean="0">
-                            <a:latin typeface="Cambria Math" panose="02040503050406030204" pitchFamily="18" charset="0"/>
-                            <a:ea typeface="Cambria Math" panose="02040503050406030204" pitchFamily="18" charset="0"/>
-                          </a:rPr>
-                          <m:t> </m:t>
-                        </m:r>
-                        <m:r>
-                          <a:rPr lang="de-DE" b="0" i="1" smtClean="0">
-                            <a:latin typeface="Cambria Math" panose="02040503050406030204" pitchFamily="18" charset="0"/>
-                            <a:ea typeface="Cambria Math" panose="02040503050406030204" pitchFamily="18" charset="0"/>
-                          </a:rPr>
-                          <m:t>𝑎𝑙𝑙</m:t>
-                        </m:r>
-                        <m:r>
-                          <a:rPr lang="de-DE" b="0" i="1" smtClean="0">
-                            <a:latin typeface="Cambria Math" panose="02040503050406030204" pitchFamily="18" charset="0"/>
-                            <a:ea typeface="Cambria Math" panose="02040503050406030204" pitchFamily="18" charset="0"/>
-                          </a:rPr>
-                          <m:t> </m:t>
-                        </m:r>
-                        <m:r>
-                          <a:rPr lang="de-DE" b="0" i="1" smtClean="0">
-                            <a:latin typeface="Cambria Math" panose="02040503050406030204" pitchFamily="18" charset="0"/>
-                            <a:ea typeface="Cambria Math" panose="02040503050406030204" pitchFamily="18" charset="0"/>
-                          </a:rPr>
-                          <m:t>𝑐𝑙𝑎𝑠𝑠𝑒𝑠</m:t>
-                        </m:r>
-                        <m:r>
-                          <a:rPr lang="de-DE" b="0" i="1" smtClean="0">
-                            <a:latin typeface="Cambria Math" panose="02040503050406030204" pitchFamily="18" charset="0"/>
-                            <a:ea typeface="Cambria Math" panose="02040503050406030204" pitchFamily="18" charset="0"/>
-                          </a:rPr>
-                          <m:t> </m:t>
-                        </m:r>
-                        <m:r>
-                          <a:rPr lang="de-DE" b="0" i="1" smtClean="0">
-                            <a:latin typeface="Cambria Math" panose="02040503050406030204" pitchFamily="18" charset="0"/>
-                            <a:ea typeface="Cambria Math" panose="02040503050406030204" pitchFamily="18" charset="0"/>
-                          </a:rPr>
-                          <m:t>𝑦</m:t>
-                        </m:r>
-                        <m:r>
-                          <a:rPr lang="de-DE" b="0" i="1" baseline="30000" smtClean="0">
-                            <a:latin typeface="Cambria Math" panose="02040503050406030204" pitchFamily="18" charset="0"/>
-                            <a:ea typeface="Cambria Math" panose="02040503050406030204" pitchFamily="18" charset="0"/>
-                          </a:rPr>
-                          <m:t>′</m:t>
-                        </m:r>
-                      </m:den>
-                    </m:f>
-                  </m:oMath>
-                </a14:m>
-                <a:endParaRPr lang="en-GB" dirty="0">
-                  <a:latin typeface="+mj-lt"/>
-                </a:endParaRPr>
-              </a:p>
-              <a:p>
-                <a:pPr marL="0" indent="0">
-                  <a:buNone/>
-                </a:pPr>
-                <a:endParaRPr lang="en-GB" dirty="0">
-                  <a:latin typeface="+mj-lt"/>
-                </a:endParaRPr>
-              </a:p>
-              <a:p>
-                <a:pPr marL="0" indent="0">
-                  <a:buNone/>
-                </a:pPr>
-                <a:endParaRPr lang="en-GB" dirty="0">
-                  <a:latin typeface="+mj-lt"/>
-                </a:endParaRPr>
               </a:p>
             </p:txBody>
           </p:sp>
         </mc:Choice>
-        <mc:Fallback xmlns="">
+        <mc:Fallback>
           <p:sp>
             <p:nvSpPr>
               <p:cNvPr id="4" name="Inhaltsplatzhalter 3">
@@ -27430,10 +26932,3632 @@
           </a:p>
         </p:txBody>
       </p:sp>
+      <mc:AlternateContent xmlns:mc="http://schemas.openxmlformats.org/markup-compatibility/2006">
+        <mc:Choice xmlns:a14="http://schemas.microsoft.com/office/drawing/2010/main" Requires="a14">
+          <p:sp>
+            <p:nvSpPr>
+              <p:cNvPr id="2" name="Textfeld 1">
+                <a:extLst>
+                  <a:ext uri="{FF2B5EF4-FFF2-40B4-BE49-F238E27FC236}">
+                    <a16:creationId xmlns:a16="http://schemas.microsoft.com/office/drawing/2014/main" id="{BD328409-9864-4509-A787-3DCB79C1E12C}"/>
+                  </a:ext>
+                </a:extLst>
+              </p:cNvPr>
+              <p:cNvSpPr txBox="1"/>
+              <p:nvPr/>
+            </p:nvSpPr>
+            <p:spPr>
+              <a:xfrm>
+                <a:off x="4259109" y="1800576"/>
+                <a:ext cx="3720353" cy="852926"/>
+              </a:xfrm>
+              <a:prstGeom prst="rect">
+                <a:avLst/>
+              </a:prstGeom>
+              <a:noFill/>
+              <a:ln w="12700">
+                <a:solidFill>
+                  <a:schemeClr val="accent1"/>
+                </a:solidFill>
+              </a:ln>
+            </p:spPr>
+            <p:txBody>
+              <a:bodyPr wrap="square" lIns="0" tIns="0" rIns="0" bIns="0" rtlCol="0">
+                <a:spAutoFit/>
+              </a:bodyPr>
+              <a:lstStyle/>
+              <a:p>
+                <a:pPr>
+                  <a:lnSpc>
+                    <a:spcPct val="120000"/>
+                  </a:lnSpc>
+                  <a:spcBef>
+                    <a:spcPts val="750"/>
+                  </a:spcBef>
+                  <a:buClr>
+                    <a:schemeClr val="accent1"/>
+                  </a:buClr>
+                </a:pPr>
+                <a14:m>
+                  <m:oMathPara xmlns:m="http://schemas.openxmlformats.org/officeDocument/2006/math">
+                    <m:oMathParaPr>
+                      <m:jc m:val="centerGroup"/>
+                    </m:oMathParaPr>
+                    <m:oMath xmlns:m="http://schemas.openxmlformats.org/officeDocument/2006/math">
+                      <m:sSub>
+                        <m:sSubPr>
+                          <m:ctrlPr>
+                            <a:rPr lang="de-DE" sz="2000" b="0" i="1" smtClean="0">
+                              <a:latin typeface="Cambria Math" panose="02040503050406030204" pitchFamily="18" charset="0"/>
+                            </a:rPr>
+                          </m:ctrlPr>
+                        </m:sSubPr>
+                        <m:e>
+                          <m:r>
+                            <a:rPr lang="de-DE" sz="2000" b="0" i="1" smtClean="0">
+                              <a:latin typeface="Cambria Math" panose="02040503050406030204" pitchFamily="18" charset="0"/>
+                            </a:rPr>
+                            <m:t>𝑝</m:t>
+                          </m:r>
+                        </m:e>
+                        <m:sub>
+                          <m:r>
+                            <a:rPr lang="de-DE" sz="2000" b="0" i="1" smtClean="0">
+                              <a:latin typeface="Cambria Math" panose="02040503050406030204" pitchFamily="18" charset="0"/>
+                            </a:rPr>
+                            <m:t>𝜆</m:t>
+                          </m:r>
+                        </m:sub>
+                      </m:sSub>
+                      <m:d>
+                        <m:dPr>
+                          <m:ctrlPr>
+                            <a:rPr lang="de-DE" sz="2000" b="0" i="1" smtClean="0">
+                              <a:latin typeface="Cambria Math" panose="02040503050406030204" pitchFamily="18" charset="0"/>
+                            </a:rPr>
+                          </m:ctrlPr>
+                        </m:dPr>
+                        <m:e>
+                          <m:r>
+                            <a:rPr lang="de-DE" sz="2000" b="0" i="1" smtClean="0">
+                              <a:latin typeface="Cambria Math" panose="02040503050406030204" pitchFamily="18" charset="0"/>
+                            </a:rPr>
+                            <m:t>𝑦</m:t>
+                          </m:r>
+                        </m:e>
+                        <m:e>
+                          <m:acc>
+                            <m:accPr>
+                              <m:chr m:val="̅"/>
+                              <m:ctrlPr>
+                                <a:rPr lang="de-DE" sz="2000" b="0" i="1" smtClean="0">
+                                  <a:latin typeface="Cambria Math" panose="02040503050406030204" pitchFamily="18" charset="0"/>
+                                </a:rPr>
+                              </m:ctrlPr>
+                            </m:accPr>
+                            <m:e>
+                              <m:r>
+                                <a:rPr lang="de-DE" sz="2000" b="0" i="1" smtClean="0">
+                                  <a:latin typeface="Cambria Math" panose="02040503050406030204" pitchFamily="18" charset="0"/>
+                                </a:rPr>
+                                <m:t>𝑥</m:t>
+                              </m:r>
+                            </m:e>
+                          </m:acc>
+                        </m:e>
+                      </m:d>
+                      <m:r>
+                        <a:rPr lang="de-DE" sz="2000" b="0" i="1" smtClean="0">
+                          <a:latin typeface="Cambria Math" panose="02040503050406030204" pitchFamily="18" charset="0"/>
+                        </a:rPr>
+                        <m:t>=</m:t>
+                      </m:r>
+                      <m:f>
+                        <m:fPr>
+                          <m:ctrlPr>
+                            <a:rPr lang="de-DE" sz="2000" b="0" i="1" smtClean="0">
+                              <a:latin typeface="Cambria Math" panose="02040503050406030204" pitchFamily="18" charset="0"/>
+                            </a:rPr>
+                          </m:ctrlPr>
+                        </m:fPr>
+                        <m:num>
+                          <m:func>
+                            <m:funcPr>
+                              <m:ctrlPr>
+                                <a:rPr lang="de-DE" sz="2000" b="0" i="1" smtClean="0">
+                                  <a:latin typeface="Cambria Math" panose="02040503050406030204" pitchFamily="18" charset="0"/>
+                                </a:rPr>
+                              </m:ctrlPr>
+                            </m:funcPr>
+                            <m:fName>
+                              <m:r>
+                                <m:rPr>
+                                  <m:sty m:val="p"/>
+                                </m:rPr>
+                                <a:rPr lang="de-DE" sz="2000" b="0" i="0" smtClean="0">
+                                  <a:latin typeface="Cambria Math" panose="02040503050406030204" pitchFamily="18" charset="0"/>
+                                </a:rPr>
+                                <m:t>exp</m:t>
+                              </m:r>
+                            </m:fName>
+                            <m:e>
+                              <m:nary>
+                                <m:naryPr>
+                                  <m:chr m:val="∑"/>
+                                  <m:supHide m:val="on"/>
+                                  <m:ctrlPr>
+                                    <a:rPr lang="de-DE" sz="2000" b="0" i="1" smtClean="0">
+                                      <a:latin typeface="Cambria Math" panose="02040503050406030204" pitchFamily="18" charset="0"/>
+                                    </a:rPr>
+                                  </m:ctrlPr>
+                                </m:naryPr>
+                                <m:sub>
+                                  <m:r>
+                                    <a:rPr lang="de-DE" sz="2000" b="0" i="1" smtClean="0">
+                                      <a:latin typeface="Cambria Math" panose="02040503050406030204" pitchFamily="18" charset="0"/>
+                                    </a:rPr>
+                                    <m:t>𝑖</m:t>
+                                  </m:r>
+                                </m:sub>
+                                <m:sup/>
+                                <m:e>
+                                  <m:sSub>
+                                    <m:sSubPr>
+                                      <m:ctrlPr>
+                                        <a:rPr lang="de-DE" sz="2000" b="0" i="1" smtClean="0">
+                                          <a:latin typeface="Cambria Math" panose="02040503050406030204" pitchFamily="18" charset="0"/>
+                                        </a:rPr>
+                                      </m:ctrlPr>
+                                    </m:sSubPr>
+                                    <m:e>
+                                      <m:r>
+                                        <a:rPr lang="de-DE" sz="2000" b="0" i="1" smtClean="0">
+                                          <a:latin typeface="Cambria Math" panose="02040503050406030204" pitchFamily="18" charset="0"/>
+                                        </a:rPr>
+                                        <m:t>𝜆</m:t>
+                                      </m:r>
+                                    </m:e>
+                                    <m:sub>
+                                      <m:r>
+                                        <a:rPr lang="de-DE" sz="2000" b="0" i="1" smtClean="0">
+                                          <a:latin typeface="Cambria Math" panose="02040503050406030204" pitchFamily="18" charset="0"/>
+                                        </a:rPr>
+                                        <m:t>𝑖</m:t>
+                                      </m:r>
+                                    </m:sub>
+                                  </m:sSub>
+                                  <m:r>
+                                    <a:rPr lang="de-DE" sz="2000" b="0" i="1" smtClean="0">
+                                      <a:latin typeface="Cambria Math" panose="02040503050406030204" pitchFamily="18" charset="0"/>
+                                    </a:rPr>
+                                    <m:t>⋅</m:t>
+                                  </m:r>
+                                  <m:sSub>
+                                    <m:sSubPr>
+                                      <m:ctrlPr>
+                                        <a:rPr lang="de-DE" sz="2000" b="0" i="1" smtClean="0">
+                                          <a:latin typeface="Cambria Math" panose="02040503050406030204" pitchFamily="18" charset="0"/>
+                                        </a:rPr>
+                                      </m:ctrlPr>
+                                    </m:sSubPr>
+                                    <m:e>
+                                      <m:r>
+                                        <a:rPr lang="de-DE" sz="2000" b="0" i="1" smtClean="0">
+                                          <a:latin typeface="Cambria Math" panose="02040503050406030204" pitchFamily="18" charset="0"/>
+                                        </a:rPr>
+                                        <m:t>𝑓</m:t>
+                                      </m:r>
+                                    </m:e>
+                                    <m:sub>
+                                      <m:r>
+                                        <a:rPr lang="de-DE" sz="2000" b="0" i="1" smtClean="0">
+                                          <a:latin typeface="Cambria Math" panose="02040503050406030204" pitchFamily="18" charset="0"/>
+                                        </a:rPr>
+                                        <m:t>𝑖</m:t>
+                                      </m:r>
+                                    </m:sub>
+                                  </m:sSub>
+                                  <m:r>
+                                    <a:rPr lang="de-DE" sz="2000" b="0" i="1" smtClean="0">
+                                      <a:latin typeface="Cambria Math" panose="02040503050406030204" pitchFamily="18" charset="0"/>
+                                    </a:rPr>
+                                    <m:t>(</m:t>
+                                  </m:r>
+                                  <m:r>
+                                    <a:rPr lang="de-DE" sz="2000" b="0" i="1" smtClean="0">
+                                      <a:latin typeface="Cambria Math" panose="02040503050406030204" pitchFamily="18" charset="0"/>
+                                    </a:rPr>
+                                    <m:t>𝑦</m:t>
+                                  </m:r>
+                                  <m:r>
+                                    <a:rPr lang="de-DE" sz="2000" b="0" i="1" smtClean="0">
+                                      <a:latin typeface="Cambria Math" panose="02040503050406030204" pitchFamily="18" charset="0"/>
+                                    </a:rPr>
+                                    <m:t>,</m:t>
+                                  </m:r>
+                                </m:e>
+                              </m:nary>
+                            </m:e>
+                          </m:func>
+                          <m:acc>
+                            <m:accPr>
+                              <m:chr m:val="̅"/>
+                              <m:ctrlPr>
+                                <a:rPr lang="de-DE" sz="2000" i="1">
+                                  <a:latin typeface="Cambria Math" panose="02040503050406030204" pitchFamily="18" charset="0"/>
+                                </a:rPr>
+                              </m:ctrlPr>
+                            </m:accPr>
+                            <m:e>
+                              <m:r>
+                                <a:rPr lang="de-DE" sz="2000" i="1">
+                                  <a:latin typeface="Cambria Math" panose="02040503050406030204" pitchFamily="18" charset="0"/>
+                                </a:rPr>
+                                <m:t>𝑥</m:t>
+                              </m:r>
+                            </m:e>
+                          </m:acc>
+                          <m:r>
+                            <a:rPr lang="de-DE" sz="2000" b="0" i="1" smtClean="0">
+                              <a:latin typeface="Cambria Math" panose="02040503050406030204" pitchFamily="18" charset="0"/>
+                            </a:rPr>
+                            <m:t>)</m:t>
+                          </m:r>
+                        </m:num>
+                        <m:den>
+                          <m:nary>
+                            <m:naryPr>
+                              <m:chr m:val="∑"/>
+                              <m:supHide m:val="on"/>
+                              <m:ctrlPr>
+                                <a:rPr lang="de-DE" sz="2000" b="0" i="1" smtClean="0">
+                                  <a:latin typeface="Cambria Math" panose="02040503050406030204" pitchFamily="18" charset="0"/>
+                                </a:rPr>
+                              </m:ctrlPr>
+                            </m:naryPr>
+                            <m:sub>
+                              <m:sSup>
+                                <m:sSupPr>
+                                  <m:ctrlPr>
+                                    <a:rPr lang="de-DE" sz="2000" b="0" i="1" smtClean="0">
+                                      <a:latin typeface="Cambria Math" panose="02040503050406030204" pitchFamily="18" charset="0"/>
+                                    </a:rPr>
+                                  </m:ctrlPr>
+                                </m:sSupPr>
+                                <m:e>
+                                  <m:r>
+                                    <a:rPr lang="de-DE" sz="2000" b="0" i="1" smtClean="0">
+                                      <a:latin typeface="Cambria Math" panose="02040503050406030204" pitchFamily="18" charset="0"/>
+                                    </a:rPr>
+                                    <m:t>𝑦</m:t>
+                                  </m:r>
+                                </m:e>
+                                <m:sup>
+                                  <m:r>
+                                    <a:rPr lang="de-DE" sz="2000" b="0" i="1" smtClean="0">
+                                      <a:latin typeface="Cambria Math" panose="02040503050406030204" pitchFamily="18" charset="0"/>
+                                    </a:rPr>
+                                    <m:t>′</m:t>
+                                  </m:r>
+                                </m:sup>
+                              </m:sSup>
+                            </m:sub>
+                            <m:sup/>
+                            <m:e>
+                              <m:r>
+                                <m:rPr>
+                                  <m:sty m:val="p"/>
+                                </m:rPr>
+                                <a:rPr lang="de-DE" sz="2000" b="0" i="0" smtClean="0">
+                                  <a:latin typeface="Cambria Math" panose="02040503050406030204" pitchFamily="18" charset="0"/>
+                                </a:rPr>
+                                <m:t>exp</m:t>
+                              </m:r>
+                              <m:r>
+                                <a:rPr lang="de-DE" sz="2000" b="0" i="1" smtClean="0">
+                                  <a:latin typeface="Cambria Math" panose="02040503050406030204" pitchFamily="18" charset="0"/>
+                                </a:rPr>
+                                <m:t>⁡</m:t>
+                              </m:r>
+                              <m:nary>
+                                <m:naryPr>
+                                  <m:chr m:val="∑"/>
+                                  <m:supHide m:val="on"/>
+                                  <m:ctrlPr>
+                                    <a:rPr lang="de-DE" sz="2000" b="0" i="1" smtClean="0">
+                                      <a:latin typeface="Cambria Math" panose="02040503050406030204" pitchFamily="18" charset="0"/>
+                                    </a:rPr>
+                                  </m:ctrlPr>
+                                </m:naryPr>
+                                <m:sub>
+                                  <m:r>
+                                    <a:rPr lang="de-DE" sz="2000" b="0" i="1" smtClean="0">
+                                      <a:latin typeface="Cambria Math" panose="02040503050406030204" pitchFamily="18" charset="0"/>
+                                    </a:rPr>
+                                    <m:t>𝑖</m:t>
+                                  </m:r>
+                                </m:sub>
+                                <m:sup/>
+                                <m:e>
+                                  <m:sSub>
+                                    <m:sSubPr>
+                                      <m:ctrlPr>
+                                        <a:rPr lang="de-DE" sz="2000" b="0" i="1" smtClean="0">
+                                          <a:latin typeface="Cambria Math" panose="02040503050406030204" pitchFamily="18" charset="0"/>
+                                        </a:rPr>
+                                      </m:ctrlPr>
+                                    </m:sSubPr>
+                                    <m:e>
+                                      <m:r>
+                                        <a:rPr lang="de-DE" sz="2000" b="0" i="1" smtClean="0">
+                                          <a:latin typeface="Cambria Math" panose="02040503050406030204" pitchFamily="18" charset="0"/>
+                                        </a:rPr>
+                                        <m:t>𝜆</m:t>
+                                      </m:r>
+                                    </m:e>
+                                    <m:sub>
+                                      <m:r>
+                                        <a:rPr lang="de-DE" sz="2000" b="0" i="1" smtClean="0">
+                                          <a:latin typeface="Cambria Math" panose="02040503050406030204" pitchFamily="18" charset="0"/>
+                                        </a:rPr>
+                                        <m:t>𝑖</m:t>
+                                      </m:r>
+                                    </m:sub>
+                                  </m:sSub>
+                                  <m:r>
+                                    <a:rPr lang="de-DE" sz="2000" b="0" i="1" smtClean="0">
+                                      <a:latin typeface="Cambria Math" panose="02040503050406030204" pitchFamily="18" charset="0"/>
+                                    </a:rPr>
+                                    <m:t>⋅</m:t>
+                                  </m:r>
+                                  <m:sSub>
+                                    <m:sSubPr>
+                                      <m:ctrlPr>
+                                        <a:rPr lang="de-DE" sz="2000" b="0" i="1" smtClean="0">
+                                          <a:latin typeface="Cambria Math" panose="02040503050406030204" pitchFamily="18" charset="0"/>
+                                        </a:rPr>
+                                      </m:ctrlPr>
+                                    </m:sSubPr>
+                                    <m:e>
+                                      <m:r>
+                                        <a:rPr lang="de-DE" sz="2000" b="0" i="1" smtClean="0">
+                                          <a:latin typeface="Cambria Math" panose="02040503050406030204" pitchFamily="18" charset="0"/>
+                                        </a:rPr>
+                                        <m:t>𝑓</m:t>
+                                      </m:r>
+                                    </m:e>
+                                    <m:sub>
+                                      <m:r>
+                                        <a:rPr lang="de-DE" sz="2000" b="0" i="1" smtClean="0">
+                                          <a:latin typeface="Cambria Math" panose="02040503050406030204" pitchFamily="18" charset="0"/>
+                                        </a:rPr>
+                                        <m:t>𝑖</m:t>
+                                      </m:r>
+                                    </m:sub>
+                                  </m:sSub>
+                                  <m:r>
+                                    <a:rPr lang="de-DE" sz="2000" b="0" i="1" smtClean="0">
+                                      <a:latin typeface="Cambria Math" panose="02040503050406030204" pitchFamily="18" charset="0"/>
+                                    </a:rPr>
+                                    <m:t>(</m:t>
+                                  </m:r>
+                                  <m:sSup>
+                                    <m:sSupPr>
+                                      <m:ctrlPr>
+                                        <a:rPr lang="de-DE" sz="2000" b="0" i="1" smtClean="0">
+                                          <a:latin typeface="Cambria Math" panose="02040503050406030204" pitchFamily="18" charset="0"/>
+                                        </a:rPr>
+                                      </m:ctrlPr>
+                                    </m:sSupPr>
+                                    <m:e>
+                                      <m:r>
+                                        <a:rPr lang="de-DE" sz="2000" b="0" i="1" smtClean="0">
+                                          <a:latin typeface="Cambria Math" panose="02040503050406030204" pitchFamily="18" charset="0"/>
+                                        </a:rPr>
+                                        <m:t>𝑦</m:t>
+                                      </m:r>
+                                    </m:e>
+                                    <m:sup>
+                                      <m:r>
+                                        <a:rPr lang="de-DE" sz="2000" b="0" i="1" smtClean="0">
+                                          <a:latin typeface="Cambria Math" panose="02040503050406030204" pitchFamily="18" charset="0"/>
+                                        </a:rPr>
+                                        <m:t>′</m:t>
+                                      </m:r>
+                                    </m:sup>
+                                  </m:sSup>
+                                  <m:r>
+                                    <a:rPr lang="de-DE" sz="2000" b="0" i="1" smtClean="0">
+                                      <a:latin typeface="Cambria Math" panose="02040503050406030204" pitchFamily="18" charset="0"/>
+                                    </a:rPr>
+                                    <m:t>,</m:t>
+                                  </m:r>
+                                  <m:acc>
+                                    <m:accPr>
+                                      <m:chr m:val="̅"/>
+                                      <m:ctrlPr>
+                                        <a:rPr lang="de-DE" sz="2000" i="1">
+                                          <a:latin typeface="Cambria Math" panose="02040503050406030204" pitchFamily="18" charset="0"/>
+                                        </a:rPr>
+                                      </m:ctrlPr>
+                                    </m:accPr>
+                                    <m:e>
+                                      <m:r>
+                                        <a:rPr lang="de-DE" sz="2000" i="1">
+                                          <a:latin typeface="Cambria Math" panose="02040503050406030204" pitchFamily="18" charset="0"/>
+                                        </a:rPr>
+                                        <m:t>𝑥</m:t>
+                                      </m:r>
+                                    </m:e>
+                                  </m:acc>
+                                </m:e>
+                              </m:nary>
+                              <m:r>
+                                <a:rPr lang="de-DE" sz="2000" b="0" i="1" smtClean="0">
+                                  <a:latin typeface="Cambria Math" panose="02040503050406030204" pitchFamily="18" charset="0"/>
+                                </a:rPr>
+                                <m:t>)</m:t>
+                              </m:r>
+                            </m:e>
+                          </m:nary>
+                        </m:den>
+                      </m:f>
+                    </m:oMath>
+                  </m:oMathPara>
+                </a14:m>
+                <a:endParaRPr lang="en-GB" sz="2000" dirty="0">
+                  <a:latin typeface="+mj-lt"/>
+                </a:endParaRPr>
+              </a:p>
+            </p:txBody>
+          </p:sp>
+        </mc:Choice>
+        <mc:Fallback>
+          <p:sp>
+            <p:nvSpPr>
+              <p:cNvPr id="2" name="Textfeld 1">
+                <a:extLst>
+                  <a:ext uri="{FF2B5EF4-FFF2-40B4-BE49-F238E27FC236}">
+                    <a16:creationId xmlns:a16="http://schemas.microsoft.com/office/drawing/2014/main" id="{BD328409-9864-4509-A787-3DCB79C1E12C}"/>
+                  </a:ext>
+                </a:extLst>
+              </p:cNvPr>
+              <p:cNvSpPr txBox="1">
+                <a:spLocks noRot="1" noChangeAspect="1" noMove="1" noResize="1" noEditPoints="1" noAdjustHandles="1" noChangeArrowheads="1" noChangeShapeType="1" noTextEdit="1"/>
+              </p:cNvSpPr>
+              <p:nvPr/>
+            </p:nvSpPr>
+            <p:spPr>
+              <a:xfrm>
+                <a:off x="4259109" y="1800576"/>
+                <a:ext cx="3720353" cy="852926"/>
+              </a:xfrm>
+              <a:prstGeom prst="rect">
+                <a:avLst/>
+              </a:prstGeom>
+              <a:blipFill>
+                <a:blip r:embed="rId4"/>
+                <a:stretch>
+                  <a:fillRect/>
+                </a:stretch>
+              </a:blipFill>
+              <a:ln w="12700">
+                <a:solidFill>
+                  <a:schemeClr val="accent1"/>
+                </a:solidFill>
+              </a:ln>
+            </p:spPr>
+            <p:txBody>
+              <a:bodyPr/>
+              <a:lstStyle/>
+              <a:p>
+                <a:r>
+                  <a:rPr lang="en-GB">
+                    <a:noFill/>
+                  </a:rPr>
+                  <a:t> </a:t>
+                </a:r>
+              </a:p>
+            </p:txBody>
+          </p:sp>
+        </mc:Fallback>
+      </mc:AlternateContent>
     </p:spTree>
     <p:extLst>
       <p:ext uri="{BB962C8B-B14F-4D97-AF65-F5344CB8AC3E}">
         <p14:creationId xmlns:p14="http://schemas.microsoft.com/office/powerpoint/2010/main" val="3492052573"/>
+      </p:ext>
+    </p:extLst>
+  </p:cSld>
+  <p:clrMapOvr>
+    <a:masterClrMapping/>
+  </p:clrMapOvr>
+  <p:timing>
+    <p:tnLst>
+      <p:par>
+        <p:cTn id="1" dur="indefinite" restart="never" nodeType="tmRoot">
+          <p:childTnLst>
+            <p:seq concurrent="1" nextAc="seek">
+              <p:cTn id="2" dur="indefinite" nodeType="mainSeq">
+                <p:childTnLst>
+                  <p:par>
+                    <p:cTn id="3" fill="hold">
+                      <p:stCondLst>
+                        <p:cond delay="indefinite"/>
+                      </p:stCondLst>
+                      <p:childTnLst>
+                        <p:par>
+                          <p:cTn id="4" fill="hold">
+                            <p:stCondLst>
+                              <p:cond delay="0"/>
+                            </p:stCondLst>
+                            <p:childTnLst>
+                              <p:par>
+                                <p:cTn id="5" presetID="1" presetClass="entr" presetSubtype="0" fill="hold" nodeType="clickEffect">
+                                  <p:stCondLst>
+                                    <p:cond delay="0"/>
+                                  </p:stCondLst>
+                                  <p:childTnLst>
+                                    <p:set>
+                                      <p:cBhvr>
+                                        <p:cTn id="6" dur="1" fill="hold">
+                                          <p:stCondLst>
+                                            <p:cond delay="0"/>
+                                          </p:stCondLst>
+                                        </p:cTn>
+                                        <p:tgtEl>
+                                          <p:spTgt spid="4">
+                                            <p:txEl>
+                                              <p:pRg st="0" end="0"/>
+                                            </p:txEl>
+                                          </p:spTgt>
+                                        </p:tgtEl>
+                                        <p:attrNameLst>
+                                          <p:attrName>style.visibility</p:attrName>
+                                        </p:attrNameLst>
+                                      </p:cBhvr>
+                                      <p:to>
+                                        <p:strVal val="visible"/>
+                                      </p:to>
+                                    </p:set>
+                                  </p:childTnLst>
+                                </p:cTn>
+                              </p:par>
+                              <p:par>
+                                <p:cTn id="7" presetID="1" presetClass="entr" presetSubtype="0" fill="hold" grpId="0" nodeType="withEffect">
+                                  <p:stCondLst>
+                                    <p:cond delay="0"/>
+                                  </p:stCondLst>
+                                  <p:childTnLst>
+                                    <p:set>
+                                      <p:cBhvr>
+                                        <p:cTn id="8" dur="1" fill="hold">
+                                          <p:stCondLst>
+                                            <p:cond delay="0"/>
+                                          </p:stCondLst>
+                                        </p:cTn>
+                                        <p:tgtEl>
+                                          <p:spTgt spid="2"/>
+                                        </p:tgtEl>
+                                        <p:attrNameLst>
+                                          <p:attrName>style.visibility</p:attrName>
+                                        </p:attrNameLst>
+                                      </p:cBhvr>
+                                      <p:to>
+                                        <p:strVal val="visible"/>
+                                      </p:to>
+                                    </p:set>
+                                  </p:childTnLst>
+                                </p:cTn>
+                              </p:par>
+                            </p:childTnLst>
+                          </p:cTn>
+                        </p:par>
+                      </p:childTnLst>
+                    </p:cTn>
+                  </p:par>
+                  <p:par>
+                    <p:cTn id="9" fill="hold">
+                      <p:stCondLst>
+                        <p:cond delay="indefinite"/>
+                      </p:stCondLst>
+                      <p:childTnLst>
+                        <p:par>
+                          <p:cTn id="10" fill="hold">
+                            <p:stCondLst>
+                              <p:cond delay="0"/>
+                            </p:stCondLst>
+                            <p:childTnLst>
+                              <p:par>
+                                <p:cTn id="11" presetID="1" presetClass="entr" presetSubtype="0" fill="hold" nodeType="clickEffect">
+                                  <p:stCondLst>
+                                    <p:cond delay="0"/>
+                                  </p:stCondLst>
+                                  <p:childTnLst>
+                                    <p:set>
+                                      <p:cBhvr>
+                                        <p:cTn id="12" dur="1" fill="hold">
+                                          <p:stCondLst>
+                                            <p:cond delay="0"/>
+                                          </p:stCondLst>
+                                        </p:cTn>
+                                        <p:tgtEl>
+                                          <p:spTgt spid="4">
+                                            <p:txEl>
+                                              <p:pRg st="3" end="3"/>
+                                            </p:txEl>
+                                          </p:spTgt>
+                                        </p:tgtEl>
+                                        <p:attrNameLst>
+                                          <p:attrName>style.visibility</p:attrName>
+                                        </p:attrNameLst>
+                                      </p:cBhvr>
+                                      <p:to>
+                                        <p:strVal val="visible"/>
+                                      </p:to>
+                                    </p:set>
+                                  </p:childTnLst>
+                                </p:cTn>
+                              </p:par>
+                              <p:par>
+                                <p:cTn id="13" presetID="1" presetClass="entr" presetSubtype="0" fill="hold" nodeType="withEffect">
+                                  <p:stCondLst>
+                                    <p:cond delay="0"/>
+                                  </p:stCondLst>
+                                  <p:childTnLst>
+                                    <p:set>
+                                      <p:cBhvr>
+                                        <p:cTn id="14" dur="1" fill="hold">
+                                          <p:stCondLst>
+                                            <p:cond delay="0"/>
+                                          </p:stCondLst>
+                                        </p:cTn>
+                                        <p:tgtEl>
+                                          <p:spTgt spid="4">
+                                            <p:txEl>
+                                              <p:pRg st="4" end="4"/>
+                                            </p:txEl>
+                                          </p:spTgt>
+                                        </p:tgtEl>
+                                        <p:attrNameLst>
+                                          <p:attrName>style.visibility</p:attrName>
+                                        </p:attrNameLst>
+                                      </p:cBhvr>
+                                      <p:to>
+                                        <p:strVal val="visible"/>
+                                      </p:to>
+                                    </p:set>
+                                  </p:childTnLst>
+                                </p:cTn>
+                              </p:par>
+                              <p:par>
+                                <p:cTn id="15" presetID="1" presetClass="entr" presetSubtype="0" fill="hold" nodeType="withEffect">
+                                  <p:stCondLst>
+                                    <p:cond delay="0"/>
+                                  </p:stCondLst>
+                                  <p:childTnLst>
+                                    <p:set>
+                                      <p:cBhvr>
+                                        <p:cTn id="16" dur="1" fill="hold">
+                                          <p:stCondLst>
+                                            <p:cond delay="0"/>
+                                          </p:stCondLst>
+                                        </p:cTn>
+                                        <p:tgtEl>
+                                          <p:spTgt spid="4">
+                                            <p:txEl>
+                                              <p:pRg st="5" end="5"/>
+                                            </p:txEl>
+                                          </p:spTgt>
+                                        </p:tgtEl>
+                                        <p:attrNameLst>
+                                          <p:attrName>style.visibility</p:attrName>
+                                        </p:attrNameLst>
+                                      </p:cBhvr>
+                                      <p:to>
+                                        <p:strVal val="visible"/>
+                                      </p:to>
+                                    </p:set>
+                                  </p:childTnLst>
+                                </p:cTn>
+                              </p:par>
+                            </p:childTnLst>
+                          </p:cTn>
+                        </p:par>
+                      </p:childTnLst>
+                    </p:cTn>
+                  </p:par>
+                  <p:par>
+                    <p:cTn id="17" fill="hold">
+                      <p:stCondLst>
+                        <p:cond delay="indefinite"/>
+                      </p:stCondLst>
+                      <p:childTnLst>
+                        <p:par>
+                          <p:cTn id="18" fill="hold">
+                            <p:stCondLst>
+                              <p:cond delay="0"/>
+                            </p:stCondLst>
+                            <p:childTnLst>
+                              <p:par>
+                                <p:cTn id="19" presetID="1" presetClass="entr" presetSubtype="0" fill="hold" nodeType="clickEffect">
+                                  <p:stCondLst>
+                                    <p:cond delay="0"/>
+                                  </p:stCondLst>
+                                  <p:childTnLst>
+                                    <p:set>
+                                      <p:cBhvr>
+                                        <p:cTn id="20" dur="1" fill="hold">
+                                          <p:stCondLst>
+                                            <p:cond delay="0"/>
+                                          </p:stCondLst>
+                                        </p:cTn>
+                                        <p:tgtEl>
+                                          <p:spTgt spid="4">
+                                            <p:txEl>
+                                              <p:pRg st="7" end="7"/>
+                                            </p:txEl>
+                                          </p:spTgt>
+                                        </p:tgtEl>
+                                        <p:attrNameLst>
+                                          <p:attrName>style.visibility</p:attrName>
+                                        </p:attrNameLst>
+                                      </p:cBhvr>
+                                      <p:to>
+                                        <p:strVal val="visible"/>
+                                      </p:to>
+                                    </p:set>
+                                  </p:childTnLst>
+                                </p:cTn>
+                              </p:par>
+                            </p:childTnLst>
+                          </p:cTn>
+                        </p:par>
+                      </p:childTnLst>
+                    </p:cTn>
+                  </p:par>
+                </p:childTnLst>
+              </p:cTn>
+              <p:prevCondLst>
+                <p:cond evt="onPrev" delay="0">
+                  <p:tgtEl>
+                    <p:sldTgt/>
+                  </p:tgtEl>
+                </p:cond>
+              </p:prevCondLst>
+              <p:nextCondLst>
+                <p:cond evt="onNext" delay="0">
+                  <p:tgtEl>
+                    <p:sldTgt/>
+                  </p:tgtEl>
+                </p:cond>
+              </p:nextCondLst>
+            </p:seq>
+          </p:childTnLst>
+        </p:cTn>
+      </p:par>
+    </p:tnLst>
+    <p:bldLst>
+      <p:bldP spid="2" grpId="0" animBg="1"/>
+    </p:bldLst>
+  </p:timing>
+</p:sld>
+</file>
+
+<file path=ppt/slides/slide6.xml><?xml version="1.0" encoding="utf-8"?>
+<p:sld xmlns:a="http://schemas.openxmlformats.org/drawingml/2006/main" xmlns:r="http://schemas.openxmlformats.org/officeDocument/2006/relationships" xmlns:p="http://schemas.openxmlformats.org/presentationml/2006/main">
+  <p:cSld>
+    <p:spTree>
+      <p:nvGrpSpPr>
+        <p:cNvPr id="1" name=""/>
+        <p:cNvGrpSpPr/>
+        <p:nvPr/>
+      </p:nvGrpSpPr>
+      <p:grpSpPr>
+        <a:xfrm>
+          <a:off x="0" y="0"/>
+          <a:ext cx="0" cy="0"/>
+          <a:chOff x="0" y="0"/>
+          <a:chExt cx="0" cy="0"/>
+        </a:xfrm>
+      </p:grpSpPr>
+      <p:sp>
+        <p:nvSpPr>
+          <p:cNvPr id="2" name="Titel 1">
+            <a:extLst>
+              <a:ext uri="{FF2B5EF4-FFF2-40B4-BE49-F238E27FC236}">
+                <a16:creationId xmlns:a16="http://schemas.microsoft.com/office/drawing/2014/main" id="{81949E24-7A9D-47B2-A263-C1CC5FE8BB85}"/>
+              </a:ext>
+            </a:extLst>
+          </p:cNvPr>
+          <p:cNvSpPr>
+            <a:spLocks noGrp="1"/>
+          </p:cNvSpPr>
+          <p:nvPr>
+            <p:ph type="title"/>
+          </p:nvPr>
+        </p:nvSpPr>
+        <p:spPr/>
+        <p:txBody>
+          <a:bodyPr/>
+          <a:lstStyle/>
+          <a:p>
+            <a:r>
+              <a:rPr lang="de-DE" dirty="0"/>
+              <a:t>Approach</a:t>
+            </a:r>
+            <a:endParaRPr lang="en-GB" dirty="0"/>
+          </a:p>
+        </p:txBody>
+      </p:sp>
+      <p:sp>
+        <p:nvSpPr>
+          <p:cNvPr id="3" name="Textplatzhalter 2">
+            <a:extLst>
+              <a:ext uri="{FF2B5EF4-FFF2-40B4-BE49-F238E27FC236}">
+                <a16:creationId xmlns:a16="http://schemas.microsoft.com/office/drawing/2014/main" id="{7697FC03-7E16-465A-AD46-C65DC30903F7}"/>
+              </a:ext>
+            </a:extLst>
+          </p:cNvPr>
+          <p:cNvSpPr>
+            <a:spLocks noGrp="1"/>
+          </p:cNvSpPr>
+          <p:nvPr>
+            <p:ph type="body" sz="quarter" idx="13"/>
+          </p:nvPr>
+        </p:nvSpPr>
+        <p:spPr/>
+        <p:txBody>
+          <a:bodyPr/>
+          <a:lstStyle/>
+          <a:p>
+            <a:r>
+              <a:rPr lang="de-DE" dirty="0">
+                <a:latin typeface="+mj-lt"/>
+              </a:rPr>
+              <a:t>Baseline </a:t>
+            </a:r>
+            <a:r>
+              <a:rPr lang="de-DE" dirty="0" err="1">
+                <a:latin typeface="+mj-lt"/>
+              </a:rPr>
+              <a:t>method</a:t>
+            </a:r>
+            <a:endParaRPr lang="en-GB" dirty="0">
+              <a:latin typeface="+mj-lt"/>
+            </a:endParaRPr>
+          </a:p>
+        </p:txBody>
+      </p:sp>
+      <p:graphicFrame>
+        <p:nvGraphicFramePr>
+          <p:cNvPr id="7" name="Inhaltsplatzhalter 6">
+            <a:extLst>
+              <a:ext uri="{FF2B5EF4-FFF2-40B4-BE49-F238E27FC236}">
+                <a16:creationId xmlns:a16="http://schemas.microsoft.com/office/drawing/2014/main" id="{AFB231D7-4FCB-4303-A054-9D2FE561483D}"/>
+              </a:ext>
+            </a:extLst>
+          </p:cNvPr>
+          <p:cNvGraphicFramePr>
+            <a:graphicFrameLocks noGrp="1"/>
+          </p:cNvGraphicFramePr>
+          <p:nvPr>
+            <p:ph idx="1"/>
+            <p:extLst>
+              <p:ext uri="{D42A27DB-BD31-4B8C-83A1-F6EECF244321}">
+                <p14:modId xmlns:p14="http://schemas.microsoft.com/office/powerpoint/2010/main" val="4094702332"/>
+              </p:ext>
+            </p:extLst>
+          </p:nvPr>
+        </p:nvGraphicFramePr>
+        <p:xfrm>
+          <a:off x="624422" y="1430977"/>
+          <a:ext cx="10991849" cy="3491960"/>
+        </p:xfrm>
+        <a:graphic>
+          <a:graphicData uri="http://schemas.openxmlformats.org/drawingml/2006/diagram">
+            <dgm:relIds xmlns:dgm="http://schemas.openxmlformats.org/drawingml/2006/diagram" xmlns:r="http://schemas.openxmlformats.org/officeDocument/2006/relationships" r:dm="rId2" r:lo="rId3" r:qs="rId4" r:cs="rId5"/>
+          </a:graphicData>
+        </a:graphic>
+      </p:graphicFrame>
+      <p:sp>
+        <p:nvSpPr>
+          <p:cNvPr id="5" name="Foliennummernplatzhalter 4">
+            <a:extLst>
+              <a:ext uri="{FF2B5EF4-FFF2-40B4-BE49-F238E27FC236}">
+                <a16:creationId xmlns:a16="http://schemas.microsoft.com/office/drawing/2014/main" id="{EBCEF89A-7CA8-4797-B6AA-902EC78AE707}"/>
+              </a:ext>
+            </a:extLst>
+          </p:cNvPr>
+          <p:cNvSpPr>
+            <a:spLocks noGrp="1"/>
+          </p:cNvSpPr>
+          <p:nvPr>
+            <p:ph type="sldNum" sz="quarter" idx="12"/>
+          </p:nvPr>
+        </p:nvSpPr>
+        <p:spPr/>
+        <p:txBody>
+          <a:bodyPr/>
+          <a:lstStyle/>
+          <a:p>
+            <a:fld id="{54518C2F-5E54-4CF8-B37A-4631A050CED9}" type="slidenum">
+              <a:rPr lang="de-DE" smtClean="0"/>
+              <a:pPr/>
+              <a:t>6</a:t>
+            </a:fld>
+            <a:endParaRPr lang="de-DE" dirty="0"/>
+          </a:p>
+        </p:txBody>
+      </p:sp>
+      <p:sp>
+        <p:nvSpPr>
+          <p:cNvPr id="6" name="Fußzeilenplatzhalter 5">
+            <a:extLst>
+              <a:ext uri="{FF2B5EF4-FFF2-40B4-BE49-F238E27FC236}">
+                <a16:creationId xmlns:a16="http://schemas.microsoft.com/office/drawing/2014/main" id="{D8EB7B29-C378-48C3-934B-489353BDB564}"/>
+              </a:ext>
+            </a:extLst>
+          </p:cNvPr>
+          <p:cNvSpPr>
+            <a:spLocks noGrp="1"/>
+          </p:cNvSpPr>
+          <p:nvPr>
+            <p:ph type="ftr" sz="quarter" idx="11"/>
+          </p:nvPr>
+        </p:nvSpPr>
+        <p:spPr/>
+        <p:txBody>
+          <a:bodyPr/>
+          <a:lstStyle/>
+          <a:p>
+            <a:r>
+              <a:rPr lang="de-DE"/>
+              <a:t>Team Lab NLP | Author Classification in Poetry		Katrin Schmidt – Carlotta Quensel</a:t>
+            </a:r>
+            <a:endParaRPr lang="de-DE" dirty="0"/>
+          </a:p>
+        </p:txBody>
+      </p:sp>
+      <p:sp>
+        <p:nvSpPr>
+          <p:cNvPr id="8" name="Pfeil: nach oben gekrümmt 7">
+            <a:extLst>
+              <a:ext uri="{FF2B5EF4-FFF2-40B4-BE49-F238E27FC236}">
+                <a16:creationId xmlns:a16="http://schemas.microsoft.com/office/drawing/2014/main" id="{90D95888-F343-4779-A9D5-3C1318B8CA0B}"/>
+              </a:ext>
+            </a:extLst>
+          </p:cNvPr>
+          <p:cNvSpPr/>
+          <p:nvPr/>
+        </p:nvSpPr>
+        <p:spPr>
+          <a:xfrm rot="10800000">
+            <a:off x="6248400" y="1597052"/>
+            <a:ext cx="2088776" cy="630906"/>
+          </a:xfrm>
+          <a:prstGeom prst="curvedUpArrow">
+            <a:avLst/>
+          </a:prstGeom>
+          <a:ln>
+            <a:noFill/>
+          </a:ln>
+        </p:spPr>
+        <p:style>
+          <a:lnRef idx="2">
+            <a:schemeClr val="accent1">
+              <a:shade val="50000"/>
+            </a:schemeClr>
+          </a:lnRef>
+          <a:fillRef idx="1">
+            <a:schemeClr val="accent1"/>
+          </a:fillRef>
+          <a:effectRef idx="0">
+            <a:schemeClr val="accent1"/>
+          </a:effectRef>
+          <a:fontRef idx="minor">
+            <a:schemeClr val="lt1"/>
+          </a:fontRef>
+        </p:style>
+        <p:txBody>
+          <a:bodyPr rtlCol="0" anchor="ctr"/>
+          <a:lstStyle/>
+          <a:p>
+            <a:pPr algn="ctr"/>
+            <a:endParaRPr lang="en-GB" sz="1600" dirty="0">
+              <a:solidFill>
+                <a:schemeClr val="tx1"/>
+              </a:solidFill>
+            </a:endParaRPr>
+          </a:p>
+        </p:txBody>
+      </p:sp>
+      <p:sp>
+        <p:nvSpPr>
+          <p:cNvPr id="9" name="Pfeil: nach oben gekrümmt 8">
+            <a:extLst>
+              <a:ext uri="{FF2B5EF4-FFF2-40B4-BE49-F238E27FC236}">
+                <a16:creationId xmlns:a16="http://schemas.microsoft.com/office/drawing/2014/main" id="{70A5BEF3-300F-4781-B06E-9879C8D13BAA}"/>
+              </a:ext>
+            </a:extLst>
+          </p:cNvPr>
+          <p:cNvSpPr/>
+          <p:nvPr/>
+        </p:nvSpPr>
+        <p:spPr>
+          <a:xfrm>
+            <a:off x="6243925" y="4145944"/>
+            <a:ext cx="2088776" cy="630906"/>
+          </a:xfrm>
+          <a:prstGeom prst="curvedUpArrow">
+            <a:avLst/>
+          </a:prstGeom>
+          <a:ln>
+            <a:noFill/>
+          </a:ln>
+        </p:spPr>
+        <p:style>
+          <a:lnRef idx="2">
+            <a:schemeClr val="accent1">
+              <a:shade val="50000"/>
+            </a:schemeClr>
+          </a:lnRef>
+          <a:fillRef idx="1">
+            <a:schemeClr val="accent1"/>
+          </a:fillRef>
+          <a:effectRef idx="0">
+            <a:schemeClr val="accent1"/>
+          </a:effectRef>
+          <a:fontRef idx="minor">
+            <a:schemeClr val="lt1"/>
+          </a:fontRef>
+        </p:style>
+        <p:txBody>
+          <a:bodyPr rtlCol="0" anchor="ctr"/>
+          <a:lstStyle/>
+          <a:p>
+            <a:pPr algn="ctr"/>
+            <a:endParaRPr lang="en-GB" sz="1600" dirty="0">
+              <a:solidFill>
+                <a:schemeClr val="tx1"/>
+              </a:solidFill>
+            </a:endParaRPr>
+          </a:p>
+        </p:txBody>
+      </p:sp>
+      <p:grpSp>
+        <p:nvGrpSpPr>
+          <p:cNvPr id="10" name="Gruppieren 9">
+            <a:extLst>
+              <a:ext uri="{FF2B5EF4-FFF2-40B4-BE49-F238E27FC236}">
+                <a16:creationId xmlns:a16="http://schemas.microsoft.com/office/drawing/2014/main" id="{8EF0F0B8-64AB-4A5C-BCEC-804DCE21B298}"/>
+              </a:ext>
+            </a:extLst>
+          </p:cNvPr>
+          <p:cNvGrpSpPr/>
+          <p:nvPr/>
+        </p:nvGrpSpPr>
+        <p:grpSpPr>
+          <a:xfrm>
+            <a:off x="790675" y="4954644"/>
+            <a:ext cx="1763824" cy="1082561"/>
+            <a:chOff x="173278" y="1893163"/>
+            <a:chExt cx="1763824" cy="1082561"/>
+          </a:xfrm>
+        </p:grpSpPr>
+        <p:sp>
+          <p:nvSpPr>
+            <p:cNvPr id="11" name="Rechteck: abgerundete Ecken 10">
+              <a:extLst>
+                <a:ext uri="{FF2B5EF4-FFF2-40B4-BE49-F238E27FC236}">
+                  <a16:creationId xmlns:a16="http://schemas.microsoft.com/office/drawing/2014/main" id="{3CFDCFB7-2DBA-4088-BC05-2FFDB3F976BF}"/>
+                </a:ext>
+              </a:extLst>
+            </p:cNvPr>
+            <p:cNvSpPr/>
+            <p:nvPr/>
+          </p:nvSpPr>
+          <p:spPr>
+            <a:xfrm>
+              <a:off x="173278" y="1893163"/>
+              <a:ext cx="1763824" cy="1082561"/>
+            </a:xfrm>
+            <a:prstGeom prst="roundRect">
+              <a:avLst>
+                <a:gd name="adj" fmla="val 10000"/>
+              </a:avLst>
+            </a:prstGeom>
+            <a:ln>
+              <a:solidFill>
+                <a:schemeClr val="accent2"/>
+              </a:solidFill>
+            </a:ln>
+          </p:spPr>
+          <p:style>
+            <a:lnRef idx="2">
+              <a:scrgbClr r="0" g="0" b="0"/>
+            </a:lnRef>
+            <a:fillRef idx="1">
+              <a:schemeClr val="lt1">
+                <a:alpha val="90000"/>
+                <a:hueOff val="0"/>
+                <a:satOff val="0"/>
+                <a:lumOff val="0"/>
+                <a:alphaOff val="0"/>
+              </a:schemeClr>
+            </a:fillRef>
+            <a:effectRef idx="0">
+              <a:schemeClr val="lt1">
+                <a:alpha val="90000"/>
+                <a:hueOff val="0"/>
+                <a:satOff val="0"/>
+                <a:lumOff val="0"/>
+                <a:alphaOff val="0"/>
+              </a:schemeClr>
+            </a:effectRef>
+            <a:fontRef idx="minor">
+              <a:schemeClr val="dk1">
+                <a:hueOff val="0"/>
+                <a:satOff val="0"/>
+                <a:lumOff val="0"/>
+                <a:alphaOff val="0"/>
+              </a:schemeClr>
+            </a:fontRef>
+          </p:style>
+        </p:sp>
+        <p:sp>
+          <p:nvSpPr>
+            <p:cNvPr id="12" name="Rechteck: abgerundete Ecken 4">
+              <a:extLst>
+                <a:ext uri="{FF2B5EF4-FFF2-40B4-BE49-F238E27FC236}">
+                  <a16:creationId xmlns:a16="http://schemas.microsoft.com/office/drawing/2014/main" id="{601E511C-1D8E-4DB8-9CF0-56B3038E4D6E}"/>
+                </a:ext>
+              </a:extLst>
+            </p:cNvPr>
+            <p:cNvSpPr txBox="1"/>
+            <p:nvPr/>
+          </p:nvSpPr>
+          <p:spPr>
+            <a:xfrm>
+              <a:off x="204985" y="1924870"/>
+              <a:ext cx="1700410" cy="1019147"/>
+            </a:xfrm>
+            <a:prstGeom prst="rect">
+              <a:avLst/>
+            </a:prstGeom>
+          </p:spPr>
+          <p:style>
+            <a:lnRef idx="0">
+              <a:scrgbClr r="0" g="0" b="0"/>
+            </a:lnRef>
+            <a:fillRef idx="0">
+              <a:scrgbClr r="0" g="0" b="0"/>
+            </a:fillRef>
+            <a:effectRef idx="0">
+              <a:scrgbClr r="0" g="0" b="0"/>
+            </a:effectRef>
+            <a:fontRef idx="minor">
+              <a:schemeClr val="dk1">
+                <a:hueOff val="0"/>
+                <a:satOff val="0"/>
+                <a:lumOff val="0"/>
+                <a:alphaOff val="0"/>
+              </a:schemeClr>
+            </a:fontRef>
+          </p:style>
+          <p:txBody>
+            <a:bodyPr spcFirstLastPara="0" vert="horz" wrap="square" lIns="99568" tIns="99568" rIns="99568" bIns="99568" numCol="1" spcCol="1270" anchor="t" anchorCtr="0">
+              <a:noAutofit/>
+            </a:bodyPr>
+            <a:lstStyle/>
+            <a:p>
+              <a:pPr marL="114300" lvl="1" indent="-114300" algn="l" defTabSz="622300">
+                <a:lnSpc>
+                  <a:spcPct val="90000"/>
+                </a:lnSpc>
+                <a:spcBef>
+                  <a:spcPct val="0"/>
+                </a:spcBef>
+                <a:spcAft>
+                  <a:spcPct val="15000"/>
+                </a:spcAft>
+                <a:buChar char="•"/>
+              </a:pPr>
+              <a:r>
+                <a:rPr lang="en-US" sz="1400" kern="1200" noProof="0" dirty="0"/>
+                <a:t>Pointwise mutual information</a:t>
+              </a:r>
+            </a:p>
+            <a:p>
+              <a:pPr marL="114300" lvl="1" indent="-114300" algn="l" defTabSz="622300">
+                <a:lnSpc>
+                  <a:spcPct val="90000"/>
+                </a:lnSpc>
+                <a:spcBef>
+                  <a:spcPct val="0"/>
+                </a:spcBef>
+                <a:spcAft>
+                  <a:spcPct val="15000"/>
+                </a:spcAft>
+                <a:buChar char="•"/>
+              </a:pPr>
+              <a:r>
+                <a:rPr lang="en-US" sz="1400" kern="1200" noProof="0" dirty="0"/>
+                <a:t>30 features per author</a:t>
+              </a:r>
+            </a:p>
+          </p:txBody>
+        </p:sp>
+      </p:grpSp>
+      <p:grpSp>
+        <p:nvGrpSpPr>
+          <p:cNvPr id="13" name="Gruppieren 12">
+            <a:extLst>
+              <a:ext uri="{FF2B5EF4-FFF2-40B4-BE49-F238E27FC236}">
+                <a16:creationId xmlns:a16="http://schemas.microsoft.com/office/drawing/2014/main" id="{559B9075-15A4-4A3C-8C81-18A7EA3821F7}"/>
+              </a:ext>
+            </a:extLst>
+          </p:cNvPr>
+          <p:cNvGrpSpPr/>
+          <p:nvPr/>
+        </p:nvGrpSpPr>
+        <p:grpSpPr>
+          <a:xfrm>
+            <a:off x="3057398" y="4954644"/>
+            <a:ext cx="1581403" cy="1082561"/>
+            <a:chOff x="2581114" y="1893159"/>
+            <a:chExt cx="1581403" cy="1090636"/>
+          </a:xfrm>
+        </p:grpSpPr>
+        <p:sp>
+          <p:nvSpPr>
+            <p:cNvPr id="14" name="Rechteck: abgerundete Ecken 13">
+              <a:extLst>
+                <a:ext uri="{FF2B5EF4-FFF2-40B4-BE49-F238E27FC236}">
+                  <a16:creationId xmlns:a16="http://schemas.microsoft.com/office/drawing/2014/main" id="{DF9D51CA-E60E-4FF3-BA62-9BB9BAF89A0B}"/>
+                </a:ext>
+              </a:extLst>
+            </p:cNvPr>
+            <p:cNvSpPr/>
+            <p:nvPr/>
+          </p:nvSpPr>
+          <p:spPr>
+            <a:xfrm>
+              <a:off x="2581114" y="1893159"/>
+              <a:ext cx="1581403" cy="1090636"/>
+            </a:xfrm>
+            <a:prstGeom prst="roundRect">
+              <a:avLst>
+                <a:gd name="adj" fmla="val 10000"/>
+              </a:avLst>
+            </a:prstGeom>
+            <a:ln>
+              <a:solidFill>
+                <a:srgbClr val="0070C0"/>
+              </a:solidFill>
+            </a:ln>
+          </p:spPr>
+          <p:style>
+            <a:lnRef idx="2">
+              <a:scrgbClr r="0" g="0" b="0"/>
+            </a:lnRef>
+            <a:fillRef idx="1">
+              <a:schemeClr val="lt1">
+                <a:alpha val="90000"/>
+                <a:hueOff val="0"/>
+                <a:satOff val="0"/>
+                <a:lumOff val="0"/>
+                <a:alphaOff val="0"/>
+              </a:schemeClr>
+            </a:fillRef>
+            <a:effectRef idx="0">
+              <a:schemeClr val="lt1">
+                <a:alpha val="90000"/>
+                <a:hueOff val="0"/>
+                <a:satOff val="0"/>
+                <a:lumOff val="0"/>
+                <a:alphaOff val="0"/>
+              </a:schemeClr>
+            </a:effectRef>
+            <a:fontRef idx="minor">
+              <a:schemeClr val="dk1">
+                <a:hueOff val="0"/>
+                <a:satOff val="0"/>
+                <a:lumOff val="0"/>
+                <a:alphaOff val="0"/>
+              </a:schemeClr>
+            </a:fontRef>
+          </p:style>
+        </p:sp>
+        <p:sp>
+          <p:nvSpPr>
+            <p:cNvPr id="15" name="Rechteck: abgerundete Ecken 4">
+              <a:extLst>
+                <a:ext uri="{FF2B5EF4-FFF2-40B4-BE49-F238E27FC236}">
+                  <a16:creationId xmlns:a16="http://schemas.microsoft.com/office/drawing/2014/main" id="{C5287219-4CA7-4AC0-9030-2CF752302A2C}"/>
+                </a:ext>
+              </a:extLst>
+            </p:cNvPr>
+            <p:cNvSpPr txBox="1"/>
+            <p:nvPr/>
+          </p:nvSpPr>
+          <p:spPr>
+            <a:xfrm>
+              <a:off x="2613058" y="1925103"/>
+              <a:ext cx="1517515" cy="1026748"/>
+            </a:xfrm>
+            <a:prstGeom prst="rect">
+              <a:avLst/>
+            </a:prstGeom>
+          </p:spPr>
+          <p:style>
+            <a:lnRef idx="0">
+              <a:scrgbClr r="0" g="0" b="0"/>
+            </a:lnRef>
+            <a:fillRef idx="0">
+              <a:scrgbClr r="0" g="0" b="0"/>
+            </a:fillRef>
+            <a:effectRef idx="0">
+              <a:scrgbClr r="0" g="0" b="0"/>
+            </a:effectRef>
+            <a:fontRef idx="minor">
+              <a:schemeClr val="dk1">
+                <a:hueOff val="0"/>
+                <a:satOff val="0"/>
+                <a:lumOff val="0"/>
+                <a:alphaOff val="0"/>
+              </a:schemeClr>
+            </a:fontRef>
+          </p:style>
+          <p:txBody>
+            <a:bodyPr spcFirstLastPara="0" vert="horz" wrap="square" lIns="99568" tIns="99568" rIns="99568" bIns="99568" numCol="1" spcCol="1270" anchor="t" anchorCtr="0">
+              <a:noAutofit/>
+            </a:bodyPr>
+            <a:lstStyle/>
+            <a:p>
+              <a:pPr marL="114300" lvl="1" indent="-114300" algn="l" defTabSz="622300">
+                <a:lnSpc>
+                  <a:spcPct val="90000"/>
+                </a:lnSpc>
+                <a:spcBef>
+                  <a:spcPct val="0"/>
+                </a:spcBef>
+                <a:spcAft>
+                  <a:spcPct val="15000"/>
+                </a:spcAft>
+                <a:buChar char="•"/>
+              </a:pPr>
+              <a:r>
+                <a:rPr lang="en-US" sz="1400" kern="1200" noProof="0" dirty="0"/>
+                <a:t>Randomized between -10 and 10</a:t>
+              </a:r>
+            </a:p>
+          </p:txBody>
+        </p:sp>
+      </p:grpSp>
+      <p:grpSp>
+        <p:nvGrpSpPr>
+          <p:cNvPr id="16" name="Gruppieren 15">
+            <a:extLst>
+              <a:ext uri="{FF2B5EF4-FFF2-40B4-BE49-F238E27FC236}">
+                <a16:creationId xmlns:a16="http://schemas.microsoft.com/office/drawing/2014/main" id="{51DFF105-2380-4C8A-A445-F88AC87D30E3}"/>
+              </a:ext>
+            </a:extLst>
+          </p:cNvPr>
+          <p:cNvGrpSpPr/>
+          <p:nvPr/>
+        </p:nvGrpSpPr>
+        <p:grpSpPr>
+          <a:xfrm>
+            <a:off x="5252532" y="4954644"/>
+            <a:ext cx="1581403" cy="1082561"/>
+            <a:chOff x="4823294" y="1893163"/>
+            <a:chExt cx="1581403" cy="1181282"/>
+          </a:xfrm>
+        </p:grpSpPr>
+        <p:sp>
+          <p:nvSpPr>
+            <p:cNvPr id="17" name="Rechteck: abgerundete Ecken 16">
+              <a:extLst>
+                <a:ext uri="{FF2B5EF4-FFF2-40B4-BE49-F238E27FC236}">
+                  <a16:creationId xmlns:a16="http://schemas.microsoft.com/office/drawing/2014/main" id="{EE1B2C3D-677C-4F25-BF0F-130C27B77859}"/>
+                </a:ext>
+              </a:extLst>
+            </p:cNvPr>
+            <p:cNvSpPr/>
+            <p:nvPr/>
+          </p:nvSpPr>
+          <p:spPr>
+            <a:xfrm>
+              <a:off x="4823294" y="1893163"/>
+              <a:ext cx="1581403" cy="1181282"/>
+            </a:xfrm>
+            <a:prstGeom prst="roundRect">
+              <a:avLst>
+                <a:gd name="adj" fmla="val 10000"/>
+              </a:avLst>
+            </a:prstGeom>
+          </p:spPr>
+          <p:style>
+            <a:lnRef idx="2">
+              <a:schemeClr val="accent1">
+                <a:shade val="80000"/>
+                <a:hueOff val="263049"/>
+                <a:satOff val="0"/>
+                <a:lumOff val="16938"/>
+                <a:alphaOff val="0"/>
+              </a:schemeClr>
+            </a:lnRef>
+            <a:fillRef idx="1">
+              <a:schemeClr val="lt1">
+                <a:alpha val="90000"/>
+                <a:hueOff val="0"/>
+                <a:satOff val="0"/>
+                <a:lumOff val="0"/>
+                <a:alphaOff val="0"/>
+              </a:schemeClr>
+            </a:fillRef>
+            <a:effectRef idx="0">
+              <a:schemeClr val="lt1">
+                <a:alpha val="90000"/>
+                <a:hueOff val="0"/>
+                <a:satOff val="0"/>
+                <a:lumOff val="0"/>
+                <a:alphaOff val="0"/>
+              </a:schemeClr>
+            </a:effectRef>
+            <a:fontRef idx="minor">
+              <a:schemeClr val="dk1">
+                <a:hueOff val="0"/>
+                <a:satOff val="0"/>
+                <a:lumOff val="0"/>
+                <a:alphaOff val="0"/>
+              </a:schemeClr>
+            </a:fontRef>
+          </p:style>
+        </p:sp>
+        <p:sp>
+          <p:nvSpPr>
+            <p:cNvPr id="18" name="Rechteck: abgerundete Ecken 4">
+              <a:extLst>
+                <a:ext uri="{FF2B5EF4-FFF2-40B4-BE49-F238E27FC236}">
+                  <a16:creationId xmlns:a16="http://schemas.microsoft.com/office/drawing/2014/main" id="{B4E19BC5-2311-4C6A-8B58-A96C5531AAB2}"/>
+                </a:ext>
+              </a:extLst>
+            </p:cNvPr>
+            <p:cNvSpPr txBox="1"/>
+            <p:nvPr/>
+          </p:nvSpPr>
+          <p:spPr>
+            <a:xfrm>
+              <a:off x="4857893" y="1927762"/>
+              <a:ext cx="1512205" cy="1112084"/>
+            </a:xfrm>
+            <a:prstGeom prst="rect">
+              <a:avLst/>
+            </a:prstGeom>
+          </p:spPr>
+          <p:style>
+            <a:lnRef idx="0">
+              <a:scrgbClr r="0" g="0" b="0"/>
+            </a:lnRef>
+            <a:fillRef idx="0">
+              <a:scrgbClr r="0" g="0" b="0"/>
+            </a:fillRef>
+            <a:effectRef idx="0">
+              <a:scrgbClr r="0" g="0" b="0"/>
+            </a:effectRef>
+            <a:fontRef idx="minor">
+              <a:schemeClr val="dk1">
+                <a:hueOff val="0"/>
+                <a:satOff val="0"/>
+                <a:lumOff val="0"/>
+                <a:alphaOff val="0"/>
+              </a:schemeClr>
+            </a:fontRef>
+          </p:style>
+          <p:txBody>
+            <a:bodyPr spcFirstLastPara="0" vert="horz" wrap="square" lIns="99568" tIns="99568" rIns="99568" bIns="99568" numCol="1" spcCol="1270" anchor="t" anchorCtr="0">
+              <a:noAutofit/>
+            </a:bodyPr>
+            <a:lstStyle/>
+            <a:p>
+              <a:pPr marL="114300" lvl="1" indent="-114300" algn="l" defTabSz="622300">
+                <a:lnSpc>
+                  <a:spcPct val="90000"/>
+                </a:lnSpc>
+                <a:spcBef>
+                  <a:spcPct val="0"/>
+                </a:spcBef>
+                <a:spcAft>
+                  <a:spcPct val="15000"/>
+                </a:spcAft>
+                <a:buChar char="•"/>
+              </a:pPr>
+              <a:r>
+                <a:rPr lang="en-US" sz="1400" kern="1200" noProof="0" dirty="0"/>
+                <a:t>Count correct classifications with current weights</a:t>
+              </a:r>
+            </a:p>
+          </p:txBody>
+        </p:sp>
+      </p:grpSp>
+      <p:grpSp>
+        <p:nvGrpSpPr>
+          <p:cNvPr id="19" name="Gruppieren 18">
+            <a:extLst>
+              <a:ext uri="{FF2B5EF4-FFF2-40B4-BE49-F238E27FC236}">
+                <a16:creationId xmlns:a16="http://schemas.microsoft.com/office/drawing/2014/main" id="{11F3A751-AADE-4090-A4F2-A912F0B88D84}"/>
+              </a:ext>
+            </a:extLst>
+          </p:cNvPr>
+          <p:cNvGrpSpPr/>
+          <p:nvPr/>
+        </p:nvGrpSpPr>
+        <p:grpSpPr>
+          <a:xfrm>
+            <a:off x="7542000" y="4954613"/>
+            <a:ext cx="1581403" cy="1082561"/>
+            <a:chOff x="7098239" y="1893163"/>
+            <a:chExt cx="1581403" cy="1345008"/>
+          </a:xfrm>
+        </p:grpSpPr>
+        <p:sp>
+          <p:nvSpPr>
+            <p:cNvPr id="20" name="Rechteck: abgerundete Ecken 19">
+              <a:extLst>
+                <a:ext uri="{FF2B5EF4-FFF2-40B4-BE49-F238E27FC236}">
+                  <a16:creationId xmlns:a16="http://schemas.microsoft.com/office/drawing/2014/main" id="{F7F55E4E-F4F8-47C3-A94D-6CC0A5231EE6}"/>
+                </a:ext>
+              </a:extLst>
+            </p:cNvPr>
+            <p:cNvSpPr/>
+            <p:nvPr/>
+          </p:nvSpPr>
+          <p:spPr>
+            <a:xfrm>
+              <a:off x="7098239" y="1893163"/>
+              <a:ext cx="1581403" cy="1345008"/>
+            </a:xfrm>
+            <a:prstGeom prst="roundRect">
+              <a:avLst>
+                <a:gd name="adj" fmla="val 10000"/>
+              </a:avLst>
+            </a:prstGeom>
+          </p:spPr>
+          <p:style>
+            <a:lnRef idx="2">
+              <a:schemeClr val="accent1">
+                <a:shade val="80000"/>
+                <a:hueOff val="394574"/>
+                <a:satOff val="0"/>
+                <a:lumOff val="25406"/>
+                <a:alphaOff val="0"/>
+              </a:schemeClr>
+            </a:lnRef>
+            <a:fillRef idx="1">
+              <a:schemeClr val="lt1">
+                <a:alpha val="90000"/>
+                <a:hueOff val="0"/>
+                <a:satOff val="0"/>
+                <a:lumOff val="0"/>
+                <a:alphaOff val="0"/>
+              </a:schemeClr>
+            </a:fillRef>
+            <a:effectRef idx="0">
+              <a:schemeClr val="lt1">
+                <a:alpha val="90000"/>
+                <a:hueOff val="0"/>
+                <a:satOff val="0"/>
+                <a:lumOff val="0"/>
+                <a:alphaOff val="0"/>
+              </a:schemeClr>
+            </a:effectRef>
+            <a:fontRef idx="minor">
+              <a:schemeClr val="dk1">
+                <a:hueOff val="0"/>
+                <a:satOff val="0"/>
+                <a:lumOff val="0"/>
+                <a:alphaOff val="0"/>
+              </a:schemeClr>
+            </a:fontRef>
+          </p:style>
+        </p:sp>
+        <p:sp>
+          <p:nvSpPr>
+            <p:cNvPr id="21" name="Rechteck: abgerundete Ecken 4">
+              <a:extLst>
+                <a:ext uri="{FF2B5EF4-FFF2-40B4-BE49-F238E27FC236}">
+                  <a16:creationId xmlns:a16="http://schemas.microsoft.com/office/drawing/2014/main" id="{22E187E0-5E1C-4B75-B246-056FFFB8B71F}"/>
+                </a:ext>
+              </a:extLst>
+            </p:cNvPr>
+            <p:cNvSpPr txBox="1"/>
+            <p:nvPr/>
+          </p:nvSpPr>
+          <p:spPr>
+            <a:xfrm>
+              <a:off x="7137633" y="1932557"/>
+              <a:ext cx="1502615" cy="1266220"/>
+            </a:xfrm>
+            <a:prstGeom prst="rect">
+              <a:avLst/>
+            </a:prstGeom>
+          </p:spPr>
+          <p:style>
+            <a:lnRef idx="0">
+              <a:scrgbClr r="0" g="0" b="0"/>
+            </a:lnRef>
+            <a:fillRef idx="0">
+              <a:scrgbClr r="0" g="0" b="0"/>
+            </a:fillRef>
+            <a:effectRef idx="0">
+              <a:scrgbClr r="0" g="0" b="0"/>
+            </a:effectRef>
+            <a:fontRef idx="minor">
+              <a:schemeClr val="dk1">
+                <a:hueOff val="0"/>
+                <a:satOff val="0"/>
+                <a:lumOff val="0"/>
+                <a:alphaOff val="0"/>
+              </a:schemeClr>
+            </a:fontRef>
+          </p:style>
+          <p:txBody>
+            <a:bodyPr spcFirstLastPara="0" vert="horz" wrap="square" lIns="99568" tIns="99568" rIns="99568" bIns="99568" numCol="1" spcCol="1270" anchor="t" anchorCtr="0">
+              <a:noAutofit/>
+            </a:bodyPr>
+            <a:lstStyle/>
+            <a:p>
+              <a:pPr marL="114300" lvl="1" indent="-114300" algn="l" defTabSz="622300">
+                <a:lnSpc>
+                  <a:spcPct val="90000"/>
+                </a:lnSpc>
+                <a:spcBef>
+                  <a:spcPct val="0"/>
+                </a:spcBef>
+                <a:spcAft>
+                  <a:spcPct val="15000"/>
+                </a:spcAft>
+                <a:buChar char="•"/>
+              </a:pPr>
+              <a:r>
+                <a:rPr lang="en-US" sz="1400" kern="1200" noProof="0" dirty="0"/>
+                <a:t>Update weights by adding the gradient</a:t>
+              </a:r>
+            </a:p>
+          </p:txBody>
+        </p:sp>
+      </p:grpSp>
+      <p:grpSp>
+        <p:nvGrpSpPr>
+          <p:cNvPr id="22" name="Gruppieren 21">
+            <a:extLst>
+              <a:ext uri="{FF2B5EF4-FFF2-40B4-BE49-F238E27FC236}">
+                <a16:creationId xmlns:a16="http://schemas.microsoft.com/office/drawing/2014/main" id="{91795A9D-DC4B-4EEE-9413-D88A5FFD7347}"/>
+              </a:ext>
+            </a:extLst>
+          </p:cNvPr>
+          <p:cNvGrpSpPr/>
+          <p:nvPr/>
+        </p:nvGrpSpPr>
+        <p:grpSpPr>
+          <a:xfrm>
+            <a:off x="9788215" y="4954613"/>
+            <a:ext cx="1581403" cy="1082561"/>
+            <a:chOff x="9410445" y="1909937"/>
+            <a:chExt cx="1581403" cy="1685812"/>
+          </a:xfrm>
+        </p:grpSpPr>
+        <p:sp>
+          <p:nvSpPr>
+            <p:cNvPr id="23" name="Rechteck: abgerundete Ecken 22">
+              <a:extLst>
+                <a:ext uri="{FF2B5EF4-FFF2-40B4-BE49-F238E27FC236}">
+                  <a16:creationId xmlns:a16="http://schemas.microsoft.com/office/drawing/2014/main" id="{772F7902-527F-427C-B0A1-D44B2B50C5B6}"/>
+                </a:ext>
+              </a:extLst>
+            </p:cNvPr>
+            <p:cNvSpPr/>
+            <p:nvPr/>
+          </p:nvSpPr>
+          <p:spPr>
+            <a:xfrm>
+              <a:off x="9410445" y="1909937"/>
+              <a:ext cx="1581403" cy="1685812"/>
+            </a:xfrm>
+            <a:prstGeom prst="roundRect">
+              <a:avLst>
+                <a:gd name="adj" fmla="val 10000"/>
+              </a:avLst>
+            </a:prstGeom>
+            <a:ln>
+              <a:solidFill>
+                <a:schemeClr val="accent1">
+                  <a:lumMod val="60000"/>
+                  <a:lumOff val="40000"/>
+                </a:schemeClr>
+              </a:solidFill>
+            </a:ln>
+          </p:spPr>
+          <p:style>
+            <a:lnRef idx="2">
+              <a:scrgbClr r="0" g="0" b="0"/>
+            </a:lnRef>
+            <a:fillRef idx="1">
+              <a:schemeClr val="lt1">
+                <a:alpha val="90000"/>
+                <a:hueOff val="0"/>
+                <a:satOff val="0"/>
+                <a:lumOff val="0"/>
+                <a:alphaOff val="0"/>
+              </a:schemeClr>
+            </a:fillRef>
+            <a:effectRef idx="0">
+              <a:schemeClr val="lt1">
+                <a:alpha val="90000"/>
+                <a:hueOff val="0"/>
+                <a:satOff val="0"/>
+                <a:lumOff val="0"/>
+                <a:alphaOff val="0"/>
+              </a:schemeClr>
+            </a:effectRef>
+            <a:fontRef idx="minor">
+              <a:schemeClr val="dk1">
+                <a:hueOff val="0"/>
+                <a:satOff val="0"/>
+                <a:lumOff val="0"/>
+                <a:alphaOff val="0"/>
+              </a:schemeClr>
+            </a:fontRef>
+          </p:style>
+        </p:sp>
+        <mc:AlternateContent xmlns:mc="http://schemas.openxmlformats.org/markup-compatibility/2006">
+          <mc:Choice xmlns:a14="http://schemas.microsoft.com/office/drawing/2010/main" Requires="a14">
+            <p:sp>
+              <p:nvSpPr>
+                <p:cNvPr id="24" name="Rechteck: abgerundete Ecken 4">
+                  <a:extLst>
+                    <a:ext uri="{FF2B5EF4-FFF2-40B4-BE49-F238E27FC236}">
+                      <a16:creationId xmlns:a16="http://schemas.microsoft.com/office/drawing/2014/main" id="{E5C0649D-2E2B-416D-9119-FE7C4F6D0455}"/>
+                    </a:ext>
+                  </a:extLst>
+                </p:cNvPr>
+                <p:cNvSpPr txBox="1"/>
+                <p:nvPr/>
+              </p:nvSpPr>
+              <p:spPr>
+                <a:xfrm>
+                  <a:off x="9456763" y="1956255"/>
+                  <a:ext cx="1488767" cy="1593176"/>
+                </a:xfrm>
+                <a:prstGeom prst="rect">
+                  <a:avLst/>
+                </a:prstGeom>
+              </p:spPr>
+              <p:style>
+                <a:lnRef idx="0">
+                  <a:scrgbClr r="0" g="0" b="0"/>
+                </a:lnRef>
+                <a:fillRef idx="0">
+                  <a:scrgbClr r="0" g="0" b="0"/>
+                </a:fillRef>
+                <a:effectRef idx="0">
+                  <a:scrgbClr r="0" g="0" b="0"/>
+                </a:effectRef>
+                <a:fontRef idx="minor">
+                  <a:schemeClr val="dk1">
+                    <a:hueOff val="0"/>
+                    <a:satOff val="0"/>
+                    <a:lumOff val="0"/>
+                    <a:alphaOff val="0"/>
+                  </a:schemeClr>
+                </a:fontRef>
+              </p:style>
+              <p:txBody>
+                <a:bodyPr spcFirstLastPara="0" vert="horz" wrap="square" lIns="99568" tIns="99568" rIns="99568" bIns="99568" numCol="1" spcCol="1270" anchor="t" anchorCtr="0">
+                  <a:noAutofit/>
+                </a:bodyPr>
+                <a:lstStyle/>
+                <a:p>
+                  <a:pPr marL="114300" lvl="1" indent="-114300" algn="l" defTabSz="622300">
+                    <a:lnSpc>
+                      <a:spcPct val="90000"/>
+                    </a:lnSpc>
+                    <a:spcBef>
+                      <a:spcPct val="0"/>
+                    </a:spcBef>
+                    <a:spcAft>
+                      <a:spcPct val="15000"/>
+                    </a:spcAft>
+                    <a:buChar char="•"/>
+                  </a:pPr>
+                  <a:r>
+                    <a:rPr lang="en-US" sz="1400" kern="1200" noProof="0" dirty="0"/>
+                    <a:t>Choose </a:t>
+                  </a:r>
+                  <a:r>
+                    <a:rPr lang="en-US" sz="1400" kern="1200" noProof="0" dirty="0" err="1"/>
+                    <a:t>labe</a:t>
+                  </a:r>
+                  <a:r>
+                    <a:rPr lang="en-US" sz="1400" dirty="0"/>
+                    <a:t>l with highest</a:t>
+                  </a:r>
+                  <a:r>
+                    <a:rPr lang="en-US" sz="1400" kern="1200" noProof="0" dirty="0"/>
+                    <a:t> </a:t>
+                  </a:r>
+                  <a14:m>
+                    <m:oMath xmlns:m="http://schemas.openxmlformats.org/officeDocument/2006/math">
+                      <m:sSub>
+                        <m:sSubPr>
+                          <m:ctrlPr>
+                            <a:rPr lang="en-US" sz="1400" b="0" i="1" kern="1200" noProof="0" smtClean="0">
+                              <a:latin typeface="Cambria Math" panose="02040503050406030204" pitchFamily="18" charset="0"/>
+                            </a:rPr>
+                          </m:ctrlPr>
+                        </m:sSubPr>
+                        <m:e>
+                          <m:r>
+                            <a:rPr lang="en-US" sz="1400" b="0" i="1" kern="1200" noProof="0" smtClean="0">
+                              <a:latin typeface="Cambria Math" panose="02040503050406030204" pitchFamily="18" charset="0"/>
+                            </a:rPr>
+                            <m:t>𝑝</m:t>
+                          </m:r>
+                        </m:e>
+                        <m:sub>
+                          <m:r>
+                            <a:rPr lang="en-US" sz="1400" b="0" i="1" kern="1200" noProof="0" smtClean="0">
+                              <a:latin typeface="Cambria Math" panose="02040503050406030204" pitchFamily="18" charset="0"/>
+                            </a:rPr>
+                            <m:t>𝜆</m:t>
+                          </m:r>
+                        </m:sub>
+                      </m:sSub>
+                      <m:r>
+                        <a:rPr lang="en-US" sz="1400" b="0" i="1" kern="1200" noProof="0" smtClean="0">
+                          <a:latin typeface="Cambria Math" panose="02040503050406030204" pitchFamily="18" charset="0"/>
+                        </a:rPr>
+                        <m:t>(</m:t>
+                      </m:r>
+                      <m:r>
+                        <a:rPr lang="en-US" sz="1400" b="0" i="1" kern="1200" noProof="0" smtClean="0">
+                          <a:latin typeface="Cambria Math" panose="02040503050406030204" pitchFamily="18" charset="0"/>
+                        </a:rPr>
+                        <m:t>𝑦</m:t>
+                      </m:r>
+                      <m:r>
+                        <a:rPr lang="en-US" sz="1400" b="0" i="1" kern="1200" noProof="0" smtClean="0">
+                          <a:latin typeface="Cambria Math" panose="02040503050406030204" pitchFamily="18" charset="0"/>
+                        </a:rPr>
+                        <m:t>|</m:t>
+                      </m:r>
+                      <m:acc>
+                        <m:accPr>
+                          <m:chr m:val="̅"/>
+                          <m:ctrlPr>
+                            <a:rPr lang="en-US" sz="1400" b="0" i="1" kern="1200" noProof="0" smtClean="0">
+                              <a:latin typeface="Cambria Math" panose="02040503050406030204" pitchFamily="18" charset="0"/>
+                            </a:rPr>
+                          </m:ctrlPr>
+                        </m:accPr>
+                        <m:e>
+                          <m:r>
+                            <a:rPr lang="en-US" sz="1400" b="0" i="1" kern="1200" noProof="0" smtClean="0">
+                              <a:latin typeface="Cambria Math" panose="02040503050406030204" pitchFamily="18" charset="0"/>
+                            </a:rPr>
+                            <m:t>𝑥</m:t>
+                          </m:r>
+                        </m:e>
+                      </m:acc>
+                      <m:r>
+                        <a:rPr lang="en-US" sz="1400" b="0" i="1" kern="1200" noProof="0" smtClean="0">
+                          <a:latin typeface="Cambria Math" panose="02040503050406030204" pitchFamily="18" charset="0"/>
+                        </a:rPr>
+                        <m:t>)</m:t>
+                      </m:r>
+                    </m:oMath>
+                  </a14:m>
+                  <a:r>
+                    <a:rPr lang="en-US" sz="1400" kern="1200" noProof="0" dirty="0"/>
+                    <a:t> for each label</a:t>
+                  </a:r>
+                </a:p>
+              </p:txBody>
+            </p:sp>
+          </mc:Choice>
+          <mc:Fallback>
+            <p:sp>
+              <p:nvSpPr>
+                <p:cNvPr id="24" name="Rechteck: abgerundete Ecken 4">
+                  <a:extLst>
+                    <a:ext uri="{FF2B5EF4-FFF2-40B4-BE49-F238E27FC236}">
+                      <a16:creationId xmlns:a16="http://schemas.microsoft.com/office/drawing/2014/main" id="{E5C0649D-2E2B-416D-9119-FE7C4F6D0455}"/>
+                    </a:ext>
+                  </a:extLst>
+                </p:cNvPr>
+                <p:cNvSpPr txBox="1">
+                  <a:spLocks noRot="1" noChangeAspect="1" noMove="1" noResize="1" noEditPoints="1" noAdjustHandles="1" noChangeArrowheads="1" noChangeShapeType="1" noTextEdit="1"/>
+                </p:cNvSpPr>
+                <p:nvPr/>
+              </p:nvSpPr>
+              <p:spPr>
+                <a:xfrm>
+                  <a:off x="9456763" y="1956255"/>
+                  <a:ext cx="1488767" cy="1593176"/>
+                </a:xfrm>
+                <a:prstGeom prst="rect">
+                  <a:avLst/>
+                </a:prstGeom>
+                <a:blipFill>
+                  <a:blip r:embed="rId7"/>
+                  <a:stretch>
+                    <a:fillRect l="-820"/>
+                  </a:stretch>
+                </a:blipFill>
+              </p:spPr>
+              <p:txBody>
+                <a:bodyPr/>
+                <a:lstStyle/>
+                <a:p>
+                  <a:r>
+                    <a:rPr lang="en-GB">
+                      <a:noFill/>
+                    </a:rPr>
+                    <a:t> </a:t>
+                  </a:r>
+                </a:p>
+              </p:txBody>
+            </p:sp>
+          </mc:Fallback>
+        </mc:AlternateContent>
+      </p:grpSp>
+    </p:spTree>
+    <p:extLst>
+      <p:ext uri="{BB962C8B-B14F-4D97-AF65-F5344CB8AC3E}">
+        <p14:creationId xmlns:p14="http://schemas.microsoft.com/office/powerpoint/2010/main" val="3417434709"/>
+      </p:ext>
+    </p:extLst>
+  </p:cSld>
+  <p:clrMapOvr>
+    <a:masterClrMapping/>
+  </p:clrMapOvr>
+  <p:timing>
+    <p:tnLst>
+      <p:par>
+        <p:cTn id="1" dur="indefinite" restart="never" nodeType="tmRoot">
+          <p:childTnLst>
+            <p:seq concurrent="1" nextAc="seek">
+              <p:cTn id="2" dur="indefinite" nodeType="mainSeq">
+                <p:childTnLst>
+                  <p:par>
+                    <p:cTn id="3" fill="hold">
+                      <p:stCondLst>
+                        <p:cond delay="indefinite"/>
+                      </p:stCondLst>
+                      <p:childTnLst>
+                        <p:par>
+                          <p:cTn id="4" fill="hold">
+                            <p:stCondLst>
+                              <p:cond delay="0"/>
+                            </p:stCondLst>
+                            <p:childTnLst>
+                              <p:par>
+                                <p:cTn id="5" presetID="1" presetClass="entr" presetSubtype="0" fill="hold" nodeType="clickEffect">
+                                  <p:stCondLst>
+                                    <p:cond delay="0"/>
+                                  </p:stCondLst>
+                                  <p:childTnLst>
+                                    <p:set>
+                                      <p:cBhvr>
+                                        <p:cTn id="6" dur="1" fill="hold">
+                                          <p:stCondLst>
+                                            <p:cond delay="0"/>
+                                          </p:stCondLst>
+                                        </p:cTn>
+                                        <p:tgtEl>
+                                          <p:spTgt spid="10"/>
+                                        </p:tgtEl>
+                                        <p:attrNameLst>
+                                          <p:attrName>style.visibility</p:attrName>
+                                        </p:attrNameLst>
+                                      </p:cBhvr>
+                                      <p:to>
+                                        <p:strVal val="visible"/>
+                                      </p:to>
+                                    </p:set>
+                                  </p:childTnLst>
+                                </p:cTn>
+                              </p:par>
+                            </p:childTnLst>
+                          </p:cTn>
+                        </p:par>
+                      </p:childTnLst>
+                    </p:cTn>
+                  </p:par>
+                  <p:par>
+                    <p:cTn id="7" fill="hold">
+                      <p:stCondLst>
+                        <p:cond delay="indefinite"/>
+                      </p:stCondLst>
+                      <p:childTnLst>
+                        <p:par>
+                          <p:cTn id="8" fill="hold">
+                            <p:stCondLst>
+                              <p:cond delay="0"/>
+                            </p:stCondLst>
+                            <p:childTnLst>
+                              <p:par>
+                                <p:cTn id="9" presetID="1" presetClass="entr" presetSubtype="0" fill="hold" nodeType="clickEffect">
+                                  <p:stCondLst>
+                                    <p:cond delay="0"/>
+                                  </p:stCondLst>
+                                  <p:childTnLst>
+                                    <p:set>
+                                      <p:cBhvr>
+                                        <p:cTn id="10" dur="1" fill="hold">
+                                          <p:stCondLst>
+                                            <p:cond delay="0"/>
+                                          </p:stCondLst>
+                                        </p:cTn>
+                                        <p:tgtEl>
+                                          <p:spTgt spid="13"/>
+                                        </p:tgtEl>
+                                        <p:attrNameLst>
+                                          <p:attrName>style.visibility</p:attrName>
+                                        </p:attrNameLst>
+                                      </p:cBhvr>
+                                      <p:to>
+                                        <p:strVal val="visible"/>
+                                      </p:to>
+                                    </p:set>
+                                  </p:childTnLst>
+                                </p:cTn>
+                              </p:par>
+                            </p:childTnLst>
+                          </p:cTn>
+                        </p:par>
+                      </p:childTnLst>
+                    </p:cTn>
+                  </p:par>
+                  <p:par>
+                    <p:cTn id="11" fill="hold">
+                      <p:stCondLst>
+                        <p:cond delay="indefinite"/>
+                      </p:stCondLst>
+                      <p:childTnLst>
+                        <p:par>
+                          <p:cTn id="12" fill="hold">
+                            <p:stCondLst>
+                              <p:cond delay="0"/>
+                            </p:stCondLst>
+                            <p:childTnLst>
+                              <p:par>
+                                <p:cTn id="13" presetID="1" presetClass="entr" presetSubtype="0" fill="hold" nodeType="clickEffect">
+                                  <p:stCondLst>
+                                    <p:cond delay="0"/>
+                                  </p:stCondLst>
+                                  <p:childTnLst>
+                                    <p:set>
+                                      <p:cBhvr>
+                                        <p:cTn id="14" dur="1" fill="hold">
+                                          <p:stCondLst>
+                                            <p:cond delay="0"/>
+                                          </p:stCondLst>
+                                        </p:cTn>
+                                        <p:tgtEl>
+                                          <p:spTgt spid="16"/>
+                                        </p:tgtEl>
+                                        <p:attrNameLst>
+                                          <p:attrName>style.visibility</p:attrName>
+                                        </p:attrNameLst>
+                                      </p:cBhvr>
+                                      <p:to>
+                                        <p:strVal val="visible"/>
+                                      </p:to>
+                                    </p:set>
+                                  </p:childTnLst>
+                                </p:cTn>
+                              </p:par>
+                            </p:childTnLst>
+                          </p:cTn>
+                        </p:par>
+                      </p:childTnLst>
+                    </p:cTn>
+                  </p:par>
+                  <p:par>
+                    <p:cTn id="15" fill="hold">
+                      <p:stCondLst>
+                        <p:cond delay="indefinite"/>
+                      </p:stCondLst>
+                      <p:childTnLst>
+                        <p:par>
+                          <p:cTn id="16" fill="hold">
+                            <p:stCondLst>
+                              <p:cond delay="0"/>
+                            </p:stCondLst>
+                            <p:childTnLst>
+                              <p:par>
+                                <p:cTn id="17" presetID="1" presetClass="entr" presetSubtype="0" fill="hold" nodeType="clickEffect">
+                                  <p:stCondLst>
+                                    <p:cond delay="0"/>
+                                  </p:stCondLst>
+                                  <p:childTnLst>
+                                    <p:set>
+                                      <p:cBhvr>
+                                        <p:cTn id="18" dur="1" fill="hold">
+                                          <p:stCondLst>
+                                            <p:cond delay="0"/>
+                                          </p:stCondLst>
+                                        </p:cTn>
+                                        <p:tgtEl>
+                                          <p:spTgt spid="19"/>
+                                        </p:tgtEl>
+                                        <p:attrNameLst>
+                                          <p:attrName>style.visibility</p:attrName>
+                                        </p:attrNameLst>
+                                      </p:cBhvr>
+                                      <p:to>
+                                        <p:strVal val="visible"/>
+                                      </p:to>
+                                    </p:set>
+                                  </p:childTnLst>
+                                </p:cTn>
+                              </p:par>
+                            </p:childTnLst>
+                          </p:cTn>
+                        </p:par>
+                      </p:childTnLst>
+                    </p:cTn>
+                  </p:par>
+                  <p:par>
+                    <p:cTn id="19" fill="hold">
+                      <p:stCondLst>
+                        <p:cond delay="indefinite"/>
+                      </p:stCondLst>
+                      <p:childTnLst>
+                        <p:par>
+                          <p:cTn id="20" fill="hold">
+                            <p:stCondLst>
+                              <p:cond delay="0"/>
+                            </p:stCondLst>
+                            <p:childTnLst>
+                              <p:par>
+                                <p:cTn id="21" presetID="1" presetClass="entr" presetSubtype="0" fill="hold" nodeType="clickEffect">
+                                  <p:stCondLst>
+                                    <p:cond delay="0"/>
+                                  </p:stCondLst>
+                                  <p:childTnLst>
+                                    <p:set>
+                                      <p:cBhvr>
+                                        <p:cTn id="22" dur="1" fill="hold">
+                                          <p:stCondLst>
+                                            <p:cond delay="0"/>
+                                          </p:stCondLst>
+                                        </p:cTn>
+                                        <p:tgtEl>
+                                          <p:spTgt spid="22"/>
+                                        </p:tgtEl>
+                                        <p:attrNameLst>
+                                          <p:attrName>style.visibility</p:attrName>
+                                        </p:attrNameLst>
+                                      </p:cBhvr>
+                                      <p:to>
+                                        <p:strVal val="visible"/>
+                                      </p:to>
+                                    </p:set>
+                                  </p:childTnLst>
+                                </p:cTn>
+                              </p:par>
+                            </p:childTnLst>
+                          </p:cTn>
+                        </p:par>
+                      </p:childTnLst>
+                    </p:cTn>
+                  </p:par>
+                </p:childTnLst>
+              </p:cTn>
+              <p:prevCondLst>
+                <p:cond evt="onPrev" delay="0">
+                  <p:tgtEl>
+                    <p:sldTgt/>
+                  </p:tgtEl>
+                </p:cond>
+              </p:prevCondLst>
+              <p:nextCondLst>
+                <p:cond evt="onNext" delay="0">
+                  <p:tgtEl>
+                    <p:sldTgt/>
+                  </p:tgtEl>
+                </p:cond>
+              </p:nextCondLst>
+            </p:seq>
+          </p:childTnLst>
+        </p:cTn>
+      </p:par>
+    </p:tnLst>
+  </p:timing>
+</p:sld>
+</file>
+
+<file path=ppt/slides/slide7.xml><?xml version="1.0" encoding="utf-8"?>
+<p:sld xmlns:a="http://schemas.openxmlformats.org/drawingml/2006/main" xmlns:r="http://schemas.openxmlformats.org/officeDocument/2006/relationships" xmlns:p="http://schemas.openxmlformats.org/presentationml/2006/main">
+  <p:cSld>
+    <p:spTree>
+      <p:nvGrpSpPr>
+        <p:cNvPr id="1" name=""/>
+        <p:cNvGrpSpPr/>
+        <p:nvPr/>
+      </p:nvGrpSpPr>
+      <p:grpSpPr>
+        <a:xfrm>
+          <a:off x="0" y="0"/>
+          <a:ext cx="0" cy="0"/>
+          <a:chOff x="0" y="0"/>
+          <a:chExt cx="0" cy="0"/>
+        </a:xfrm>
+      </p:grpSpPr>
+      <p:sp>
+        <p:nvSpPr>
+          <p:cNvPr id="2" name="Titel 1">
+            <a:extLst>
+              <a:ext uri="{FF2B5EF4-FFF2-40B4-BE49-F238E27FC236}">
+                <a16:creationId xmlns:a16="http://schemas.microsoft.com/office/drawing/2014/main" id="{09CEE31A-91AB-49FD-AC6A-B961244274D3}"/>
+              </a:ext>
+            </a:extLst>
+          </p:cNvPr>
+          <p:cNvSpPr>
+            <a:spLocks noGrp="1"/>
+          </p:cNvSpPr>
+          <p:nvPr>
+            <p:ph type="title"/>
+          </p:nvPr>
+        </p:nvSpPr>
+        <p:spPr/>
+        <p:txBody>
+          <a:bodyPr/>
+          <a:lstStyle/>
+          <a:p>
+            <a:r>
+              <a:rPr lang="de-DE" dirty="0"/>
+              <a:t>Evaluation</a:t>
+            </a:r>
+            <a:endParaRPr lang="en-GB" dirty="0"/>
+          </a:p>
+        </p:txBody>
+      </p:sp>
+      <p:sp>
+        <p:nvSpPr>
+          <p:cNvPr id="3" name="Textplatzhalter 2">
+            <a:extLst>
+              <a:ext uri="{FF2B5EF4-FFF2-40B4-BE49-F238E27FC236}">
+                <a16:creationId xmlns:a16="http://schemas.microsoft.com/office/drawing/2014/main" id="{3A0AB0FC-9646-4FE5-AF7D-9A1EB4DBDDD4}"/>
+              </a:ext>
+            </a:extLst>
+          </p:cNvPr>
+          <p:cNvSpPr>
+            <a:spLocks noGrp="1"/>
+          </p:cNvSpPr>
+          <p:nvPr>
+            <p:ph type="body" sz="quarter" idx="13"/>
+          </p:nvPr>
+        </p:nvSpPr>
+        <p:spPr/>
+        <p:txBody>
+          <a:bodyPr/>
+          <a:lstStyle/>
+          <a:p>
+            <a:r>
+              <a:rPr lang="de-DE" dirty="0">
+                <a:latin typeface="+mj-lt"/>
+              </a:rPr>
+              <a:t>Quantitative</a:t>
+            </a:r>
+            <a:endParaRPr lang="en-GB" dirty="0">
+              <a:latin typeface="+mj-lt"/>
+            </a:endParaRPr>
+          </a:p>
+        </p:txBody>
+      </p:sp>
+      <p:sp>
+        <p:nvSpPr>
+          <p:cNvPr id="5" name="Foliennummernplatzhalter 4">
+            <a:extLst>
+              <a:ext uri="{FF2B5EF4-FFF2-40B4-BE49-F238E27FC236}">
+                <a16:creationId xmlns:a16="http://schemas.microsoft.com/office/drawing/2014/main" id="{8A95AC79-56F5-42C6-B760-FAEFB0281F72}"/>
+              </a:ext>
+            </a:extLst>
+          </p:cNvPr>
+          <p:cNvSpPr>
+            <a:spLocks noGrp="1"/>
+          </p:cNvSpPr>
+          <p:nvPr>
+            <p:ph type="sldNum" sz="quarter" idx="12"/>
+          </p:nvPr>
+        </p:nvSpPr>
+        <p:spPr/>
+        <p:txBody>
+          <a:bodyPr/>
+          <a:lstStyle/>
+          <a:p>
+            <a:fld id="{54518C2F-5E54-4CF8-B37A-4631A050CED9}" type="slidenum">
+              <a:rPr lang="de-DE" smtClean="0"/>
+              <a:pPr/>
+              <a:t>7</a:t>
+            </a:fld>
+            <a:endParaRPr lang="de-DE" dirty="0"/>
+          </a:p>
+        </p:txBody>
+      </p:sp>
+      <p:sp>
+        <p:nvSpPr>
+          <p:cNvPr id="6" name="Fußzeilenplatzhalter 5">
+            <a:extLst>
+              <a:ext uri="{FF2B5EF4-FFF2-40B4-BE49-F238E27FC236}">
+                <a16:creationId xmlns:a16="http://schemas.microsoft.com/office/drawing/2014/main" id="{748912F1-D610-4729-AEEE-9675D89A0F12}"/>
+              </a:ext>
+            </a:extLst>
+          </p:cNvPr>
+          <p:cNvSpPr>
+            <a:spLocks noGrp="1"/>
+          </p:cNvSpPr>
+          <p:nvPr>
+            <p:ph type="ftr" sz="quarter" idx="11"/>
+          </p:nvPr>
+        </p:nvSpPr>
+        <p:spPr/>
+        <p:txBody>
+          <a:bodyPr/>
+          <a:lstStyle/>
+          <a:p>
+            <a:r>
+              <a:rPr lang="de-DE"/>
+              <a:t>Team Lab NLP | Author Classification in Poetry		Katrin Schmidt – Carlotta Quensel</a:t>
+            </a:r>
+            <a:endParaRPr lang="de-DE" dirty="0"/>
+          </a:p>
+        </p:txBody>
+      </p:sp>
+      <p:pic>
+        <p:nvPicPr>
+          <p:cNvPr id="8" name="Grafik 7">
+            <a:extLst>
+              <a:ext uri="{FF2B5EF4-FFF2-40B4-BE49-F238E27FC236}">
+                <a16:creationId xmlns:a16="http://schemas.microsoft.com/office/drawing/2014/main" id="{721E3FA9-98E1-49F0-A2E3-D0E604DFB099}"/>
+              </a:ext>
+            </a:extLst>
+          </p:cNvPr>
+          <p:cNvPicPr>
+            <a:picLocks noChangeAspect="1"/>
+          </p:cNvPicPr>
+          <p:nvPr/>
+        </p:nvPicPr>
+        <p:blipFill>
+          <a:blip r:embed="rId2">
+            <a:extLst>
+              <a:ext uri="{28A0092B-C50C-407E-A947-70E740481C1C}">
+                <a14:useLocalDpi xmlns:a14="http://schemas.microsoft.com/office/drawing/2010/main" val="0"/>
+              </a:ext>
+            </a:extLst>
+          </a:blip>
+          <a:stretch>
+            <a:fillRect/>
+          </a:stretch>
+        </p:blipFill>
+        <p:spPr>
+          <a:xfrm>
+            <a:off x="622303" y="1738223"/>
+            <a:ext cx="7902709" cy="3607759"/>
+          </a:xfrm>
+          <a:prstGeom prst="rect">
+            <a:avLst/>
+          </a:prstGeom>
+        </p:spPr>
+      </p:pic>
+      <p:sp>
+        <p:nvSpPr>
+          <p:cNvPr id="9" name="Textfeld 8">
+            <a:extLst>
+              <a:ext uri="{FF2B5EF4-FFF2-40B4-BE49-F238E27FC236}">
+                <a16:creationId xmlns:a16="http://schemas.microsoft.com/office/drawing/2014/main" id="{30E0B655-6DF1-4262-9A52-66BDE890DBA3}"/>
+              </a:ext>
+            </a:extLst>
+          </p:cNvPr>
+          <p:cNvSpPr txBox="1"/>
+          <p:nvPr/>
+        </p:nvSpPr>
+        <p:spPr>
+          <a:xfrm>
+            <a:off x="622303" y="5345982"/>
+            <a:ext cx="6887633" cy="275717"/>
+          </a:xfrm>
+          <a:prstGeom prst="rect">
+            <a:avLst/>
+          </a:prstGeom>
+          <a:noFill/>
+        </p:spPr>
+        <p:txBody>
+          <a:bodyPr wrap="square" lIns="0" tIns="0" rIns="0" bIns="0" rtlCol="0">
+            <a:spAutoFit/>
+          </a:bodyPr>
+          <a:lstStyle/>
+          <a:p>
+            <a:pPr>
+              <a:lnSpc>
+                <a:spcPct val="120000"/>
+              </a:lnSpc>
+              <a:spcBef>
+                <a:spcPts val="750"/>
+              </a:spcBef>
+              <a:buClr>
+                <a:schemeClr val="accent1"/>
+              </a:buClr>
+            </a:pPr>
+            <a:r>
+              <a:rPr lang="de-DE" sz="1600" b="1" i="1" dirty="0"/>
+              <a:t>Fig 2</a:t>
+            </a:r>
+            <a:r>
+              <a:rPr lang="de-DE" sz="1600" i="1" dirty="0"/>
+              <a:t> – Evaluation on </a:t>
+            </a:r>
+            <a:r>
+              <a:rPr lang="de-DE" sz="1600" i="1" dirty="0" err="1"/>
+              <a:t>test</a:t>
+            </a:r>
+            <a:r>
+              <a:rPr lang="de-DE" sz="1600" i="1" dirty="0"/>
+              <a:t> </a:t>
+            </a:r>
+            <a:r>
+              <a:rPr lang="de-DE" sz="1600" i="1" dirty="0" err="1"/>
+              <a:t>data</a:t>
+            </a:r>
+            <a:r>
+              <a:rPr lang="de-DE" sz="1600" i="1" dirty="0"/>
+              <a:t> (338 </a:t>
+            </a:r>
+            <a:r>
+              <a:rPr lang="de-DE" sz="1600" i="1" dirty="0" err="1"/>
+              <a:t>poems</a:t>
+            </a:r>
+            <a:r>
+              <a:rPr lang="de-DE" sz="1600" i="1" dirty="0"/>
+              <a:t>) </a:t>
+            </a:r>
+            <a:r>
+              <a:rPr lang="de-DE" sz="1600" i="1" dirty="0" err="1"/>
+              <a:t>for</a:t>
+            </a:r>
+            <a:r>
+              <a:rPr lang="de-DE" sz="1600" i="1" dirty="0"/>
+              <a:t> 30 </a:t>
+            </a:r>
+            <a:r>
+              <a:rPr lang="de-DE" sz="1600" i="1" dirty="0" err="1"/>
+              <a:t>authors</a:t>
+            </a:r>
+            <a:r>
+              <a:rPr lang="de-DE" sz="1600" i="1" dirty="0"/>
+              <a:t>, </a:t>
+            </a:r>
+            <a:r>
+              <a:rPr lang="de-DE" sz="1600" i="1" dirty="0" err="1"/>
+              <a:t>trained</a:t>
+            </a:r>
+            <a:r>
+              <a:rPr lang="de-DE" sz="1600" i="1" dirty="0"/>
+              <a:t> on 959 </a:t>
+            </a:r>
+            <a:r>
+              <a:rPr lang="de-DE" sz="1600" i="1" dirty="0" err="1"/>
+              <a:t>poems</a:t>
+            </a:r>
+            <a:endParaRPr lang="en-GB" sz="1600" i="1" dirty="0"/>
+          </a:p>
+        </p:txBody>
+      </p:sp>
+      <p:sp>
+        <p:nvSpPr>
+          <p:cNvPr id="10" name="Inhaltsplatzhalter 3">
+            <a:extLst>
+              <a:ext uri="{FF2B5EF4-FFF2-40B4-BE49-F238E27FC236}">
+                <a16:creationId xmlns:a16="http://schemas.microsoft.com/office/drawing/2014/main" id="{1B3DA8F1-918E-4C39-9B86-81DB2B40D1DD}"/>
+              </a:ext>
+            </a:extLst>
+          </p:cNvPr>
+          <p:cNvSpPr>
+            <a:spLocks noGrp="1"/>
+          </p:cNvSpPr>
+          <p:nvPr>
+            <p:ph idx="1"/>
+          </p:nvPr>
+        </p:nvSpPr>
+        <p:spPr>
+          <a:xfrm>
+            <a:off x="8720244" y="1736042"/>
+            <a:ext cx="2896023" cy="4854869"/>
+          </a:xfrm>
+        </p:spPr>
+        <p:txBody>
+          <a:bodyPr/>
+          <a:lstStyle/>
+          <a:p>
+            <a:r>
+              <a:rPr lang="en-US" sz="2000" dirty="0">
+                <a:latin typeface="+mj-lt"/>
+              </a:rPr>
+              <a:t>Accuracy much worse on the test data </a:t>
+            </a:r>
+          </a:p>
+          <a:p>
+            <a:pPr lvl="1"/>
+            <a:r>
+              <a:rPr lang="en-US" sz="2000" dirty="0">
+                <a:latin typeface="+mj-lt"/>
+              </a:rPr>
+              <a:t>test: 0.11 </a:t>
+            </a:r>
+          </a:p>
+          <a:p>
+            <a:pPr lvl="1"/>
+            <a:r>
+              <a:rPr lang="en-US" sz="2000" dirty="0">
+                <a:latin typeface="+mj-lt"/>
+              </a:rPr>
+              <a:t>training: 0.49</a:t>
+            </a:r>
+          </a:p>
+          <a:p>
+            <a:pPr lvl="1"/>
+            <a:endParaRPr lang="en-US" sz="2000" dirty="0">
+              <a:latin typeface="+mj-lt"/>
+            </a:endParaRPr>
+          </a:p>
+          <a:p>
+            <a:r>
+              <a:rPr lang="en-US" sz="2000" dirty="0">
+                <a:latin typeface="+mj-lt"/>
+              </a:rPr>
+              <a:t>Many authors never predicted</a:t>
+            </a:r>
+          </a:p>
+        </p:txBody>
+      </p:sp>
+    </p:spTree>
+    <p:extLst>
+      <p:ext uri="{BB962C8B-B14F-4D97-AF65-F5344CB8AC3E}">
+        <p14:creationId xmlns:p14="http://schemas.microsoft.com/office/powerpoint/2010/main" val="2266496902"/>
+      </p:ext>
+    </p:extLst>
+  </p:cSld>
+  <p:clrMapOvr>
+    <a:masterClrMapping/>
+  </p:clrMapOvr>
+  <p:timing>
+    <p:tnLst>
+      <p:par>
+        <p:cTn id="1" dur="indefinite" restart="never" nodeType="tmRoot">
+          <p:childTnLst>
+            <p:seq concurrent="1" nextAc="seek">
+              <p:cTn id="2" dur="indefinite" nodeType="mainSeq">
+                <p:childTnLst>
+                  <p:par>
+                    <p:cTn id="3" fill="hold">
+                      <p:stCondLst>
+                        <p:cond delay="indefinite"/>
+                      </p:stCondLst>
+                      <p:childTnLst>
+                        <p:par>
+                          <p:cTn id="4" fill="hold">
+                            <p:stCondLst>
+                              <p:cond delay="0"/>
+                            </p:stCondLst>
+                            <p:childTnLst>
+                              <p:par>
+                                <p:cTn id="5" presetID="1" presetClass="entr" presetSubtype="0" fill="hold" nodeType="clickEffect">
+                                  <p:stCondLst>
+                                    <p:cond delay="0"/>
+                                  </p:stCondLst>
+                                  <p:childTnLst>
+                                    <p:set>
+                                      <p:cBhvr>
+                                        <p:cTn id="6" dur="1" fill="hold">
+                                          <p:stCondLst>
+                                            <p:cond delay="0"/>
+                                          </p:stCondLst>
+                                        </p:cTn>
+                                        <p:tgtEl>
+                                          <p:spTgt spid="10">
+                                            <p:txEl>
+                                              <p:pRg st="0" end="0"/>
+                                            </p:txEl>
+                                          </p:spTgt>
+                                        </p:tgtEl>
+                                        <p:attrNameLst>
+                                          <p:attrName>style.visibility</p:attrName>
+                                        </p:attrNameLst>
+                                      </p:cBhvr>
+                                      <p:to>
+                                        <p:strVal val="visible"/>
+                                      </p:to>
+                                    </p:set>
+                                  </p:childTnLst>
+                                </p:cTn>
+                              </p:par>
+                              <p:par>
+                                <p:cTn id="7" presetID="1" presetClass="entr" presetSubtype="0" fill="hold" nodeType="withEffect">
+                                  <p:stCondLst>
+                                    <p:cond delay="0"/>
+                                  </p:stCondLst>
+                                  <p:childTnLst>
+                                    <p:set>
+                                      <p:cBhvr>
+                                        <p:cTn id="8" dur="1" fill="hold">
+                                          <p:stCondLst>
+                                            <p:cond delay="0"/>
+                                          </p:stCondLst>
+                                        </p:cTn>
+                                        <p:tgtEl>
+                                          <p:spTgt spid="10">
+                                            <p:txEl>
+                                              <p:pRg st="1" end="1"/>
+                                            </p:txEl>
+                                          </p:spTgt>
+                                        </p:tgtEl>
+                                        <p:attrNameLst>
+                                          <p:attrName>style.visibility</p:attrName>
+                                        </p:attrNameLst>
+                                      </p:cBhvr>
+                                      <p:to>
+                                        <p:strVal val="visible"/>
+                                      </p:to>
+                                    </p:set>
+                                  </p:childTnLst>
+                                </p:cTn>
+                              </p:par>
+                              <p:par>
+                                <p:cTn id="9" presetID="1" presetClass="entr" presetSubtype="0" fill="hold" nodeType="withEffect">
+                                  <p:stCondLst>
+                                    <p:cond delay="0"/>
+                                  </p:stCondLst>
+                                  <p:childTnLst>
+                                    <p:set>
+                                      <p:cBhvr>
+                                        <p:cTn id="10" dur="1" fill="hold">
+                                          <p:stCondLst>
+                                            <p:cond delay="0"/>
+                                          </p:stCondLst>
+                                        </p:cTn>
+                                        <p:tgtEl>
+                                          <p:spTgt spid="10">
+                                            <p:txEl>
+                                              <p:pRg st="2" end="2"/>
+                                            </p:txEl>
+                                          </p:spTgt>
+                                        </p:tgtEl>
+                                        <p:attrNameLst>
+                                          <p:attrName>style.visibility</p:attrName>
+                                        </p:attrNameLst>
+                                      </p:cBhvr>
+                                      <p:to>
+                                        <p:strVal val="visible"/>
+                                      </p:to>
+                                    </p:set>
+                                  </p:childTnLst>
+                                </p:cTn>
+                              </p:par>
+                            </p:childTnLst>
+                          </p:cTn>
+                        </p:par>
+                      </p:childTnLst>
+                    </p:cTn>
+                  </p:par>
+                  <p:par>
+                    <p:cTn id="11" fill="hold">
+                      <p:stCondLst>
+                        <p:cond delay="indefinite"/>
+                      </p:stCondLst>
+                      <p:childTnLst>
+                        <p:par>
+                          <p:cTn id="12" fill="hold">
+                            <p:stCondLst>
+                              <p:cond delay="0"/>
+                            </p:stCondLst>
+                            <p:childTnLst>
+                              <p:par>
+                                <p:cTn id="13" presetID="1" presetClass="entr" presetSubtype="0" fill="hold" nodeType="clickEffect">
+                                  <p:stCondLst>
+                                    <p:cond delay="0"/>
+                                  </p:stCondLst>
+                                  <p:childTnLst>
+                                    <p:set>
+                                      <p:cBhvr>
+                                        <p:cTn id="14" dur="1" fill="hold">
+                                          <p:stCondLst>
+                                            <p:cond delay="0"/>
+                                          </p:stCondLst>
+                                        </p:cTn>
+                                        <p:tgtEl>
+                                          <p:spTgt spid="10">
+                                            <p:txEl>
+                                              <p:pRg st="4" end="4"/>
+                                            </p:txEl>
+                                          </p:spTgt>
+                                        </p:tgtEl>
+                                        <p:attrNameLst>
+                                          <p:attrName>style.visibility</p:attrName>
+                                        </p:attrNameLst>
+                                      </p:cBhvr>
+                                      <p:to>
+                                        <p:strVal val="visible"/>
+                                      </p:to>
+                                    </p:set>
+                                  </p:childTnLst>
+                                </p:cTn>
+                              </p:par>
+                            </p:childTnLst>
+                          </p:cTn>
+                        </p:par>
+                      </p:childTnLst>
+                    </p:cTn>
+                  </p:par>
+                </p:childTnLst>
+              </p:cTn>
+              <p:prevCondLst>
+                <p:cond evt="onPrev" delay="0">
+                  <p:tgtEl>
+                    <p:sldTgt/>
+                  </p:tgtEl>
+                </p:cond>
+              </p:prevCondLst>
+              <p:nextCondLst>
+                <p:cond evt="onNext" delay="0">
+                  <p:tgtEl>
+                    <p:sldTgt/>
+                  </p:tgtEl>
+                </p:cond>
+              </p:nextCondLst>
+            </p:seq>
+          </p:childTnLst>
+        </p:cTn>
+      </p:par>
+    </p:tnLst>
+  </p:timing>
+</p:sld>
+</file>
+
+<file path=ppt/slides/slide8.xml><?xml version="1.0" encoding="utf-8"?>
+<p:sld xmlns:a="http://schemas.openxmlformats.org/drawingml/2006/main" xmlns:r="http://schemas.openxmlformats.org/officeDocument/2006/relationships" xmlns:p="http://schemas.openxmlformats.org/presentationml/2006/main">
+  <p:cSld>
+    <p:spTree>
+      <p:nvGrpSpPr>
+        <p:cNvPr id="1" name=""/>
+        <p:cNvGrpSpPr/>
+        <p:nvPr/>
+      </p:nvGrpSpPr>
+      <p:grpSpPr>
+        <a:xfrm>
+          <a:off x="0" y="0"/>
+          <a:ext cx="0" cy="0"/>
+          <a:chOff x="0" y="0"/>
+          <a:chExt cx="0" cy="0"/>
+        </a:xfrm>
+      </p:grpSpPr>
+      <p:sp>
+        <p:nvSpPr>
+          <p:cNvPr id="2" name="Titel 1">
+            <a:extLst>
+              <a:ext uri="{FF2B5EF4-FFF2-40B4-BE49-F238E27FC236}">
+                <a16:creationId xmlns:a16="http://schemas.microsoft.com/office/drawing/2014/main" id="{09CEE31A-91AB-49FD-AC6A-B961244274D3}"/>
+              </a:ext>
+            </a:extLst>
+          </p:cNvPr>
+          <p:cNvSpPr>
+            <a:spLocks noGrp="1"/>
+          </p:cNvSpPr>
+          <p:nvPr>
+            <p:ph type="title"/>
+          </p:nvPr>
+        </p:nvSpPr>
+        <p:spPr/>
+        <p:txBody>
+          <a:bodyPr/>
+          <a:lstStyle/>
+          <a:p>
+            <a:r>
+              <a:rPr lang="de-DE" dirty="0"/>
+              <a:t>Evaluation</a:t>
+            </a:r>
+            <a:endParaRPr lang="en-GB" dirty="0"/>
+          </a:p>
+        </p:txBody>
+      </p:sp>
+      <p:sp>
+        <p:nvSpPr>
+          <p:cNvPr id="3" name="Textplatzhalter 2">
+            <a:extLst>
+              <a:ext uri="{FF2B5EF4-FFF2-40B4-BE49-F238E27FC236}">
+                <a16:creationId xmlns:a16="http://schemas.microsoft.com/office/drawing/2014/main" id="{3A0AB0FC-9646-4FE5-AF7D-9A1EB4DBDDD4}"/>
+              </a:ext>
+            </a:extLst>
+          </p:cNvPr>
+          <p:cNvSpPr>
+            <a:spLocks noGrp="1"/>
+          </p:cNvSpPr>
+          <p:nvPr>
+            <p:ph type="body" sz="quarter" idx="13"/>
+          </p:nvPr>
+        </p:nvSpPr>
+        <p:spPr/>
+        <p:txBody>
+          <a:bodyPr/>
+          <a:lstStyle/>
+          <a:p>
+            <a:r>
+              <a:rPr lang="de-DE" dirty="0">
+                <a:latin typeface="+mj-lt"/>
+              </a:rPr>
+              <a:t>Qualitative</a:t>
+            </a:r>
+            <a:endParaRPr lang="en-GB" dirty="0">
+              <a:latin typeface="+mj-lt"/>
+            </a:endParaRPr>
+          </a:p>
+        </p:txBody>
+      </p:sp>
+      <p:sp>
+        <p:nvSpPr>
+          <p:cNvPr id="4" name="Inhaltsplatzhalter 3">
+            <a:extLst>
+              <a:ext uri="{FF2B5EF4-FFF2-40B4-BE49-F238E27FC236}">
+                <a16:creationId xmlns:a16="http://schemas.microsoft.com/office/drawing/2014/main" id="{18487C19-84C0-4653-BDF8-C7E6064750F6}"/>
+              </a:ext>
+            </a:extLst>
+          </p:cNvPr>
+          <p:cNvSpPr>
+            <a:spLocks noGrp="1"/>
+          </p:cNvSpPr>
+          <p:nvPr>
+            <p:ph idx="1"/>
+          </p:nvPr>
+        </p:nvSpPr>
+        <p:spPr/>
+        <p:txBody>
+          <a:bodyPr/>
+          <a:lstStyle/>
+          <a:p>
+            <a:r>
+              <a:rPr lang="en-US" sz="2000" dirty="0">
+                <a:latin typeface="+mj-lt"/>
+              </a:rPr>
+              <a:t>Many authors never predicted</a:t>
+            </a:r>
+          </a:p>
+          <a:p>
+            <a:pPr lvl="1">
+              <a:buFont typeface="Webdings" panose="05030102010509060703" pitchFamily="18" charset="2"/>
+              <a:buChar char=""/>
+            </a:pPr>
+            <a:r>
+              <a:rPr lang="en-US" sz="2000" dirty="0">
+                <a:latin typeface="+mj-lt"/>
+              </a:rPr>
+              <a:t>Bad features for this author</a:t>
+            </a:r>
+          </a:p>
+          <a:p>
+            <a:pPr lvl="1">
+              <a:buFont typeface="Webdings" panose="05030102010509060703" pitchFamily="18" charset="2"/>
+              <a:buChar char=""/>
+            </a:pPr>
+            <a:r>
+              <a:rPr lang="en-US" sz="2000" dirty="0">
+                <a:latin typeface="+mj-lt"/>
+              </a:rPr>
+              <a:t>Data not evenly distributed</a:t>
+            </a:r>
+          </a:p>
+          <a:p>
+            <a:pPr lvl="1">
+              <a:buFont typeface="Webdings" panose="05030102010509060703" pitchFamily="18" charset="2"/>
+              <a:buChar char=""/>
+            </a:pPr>
+            <a:endParaRPr lang="en-US" sz="2000" dirty="0">
+              <a:latin typeface="+mj-lt"/>
+            </a:endParaRPr>
+          </a:p>
+          <a:p>
+            <a:r>
+              <a:rPr lang="en-US" sz="2000" dirty="0">
+                <a:latin typeface="+mj-lt"/>
+              </a:rPr>
+              <a:t>Features are equally important (random weights approximate each other)</a:t>
+            </a:r>
+          </a:p>
+          <a:p>
+            <a:pPr lvl="1">
+              <a:buFont typeface="Webdings" panose="05030102010509060703" pitchFamily="18" charset="2"/>
+              <a:buChar char=""/>
+            </a:pPr>
+            <a:r>
+              <a:rPr lang="en-US" sz="2000" dirty="0">
+                <a:latin typeface="+mj-lt"/>
+              </a:rPr>
+              <a:t>Different model or feature selection</a:t>
+            </a:r>
+          </a:p>
+          <a:p>
+            <a:pPr lvl="1">
+              <a:buFont typeface="Webdings" panose="05030102010509060703" pitchFamily="18" charset="2"/>
+              <a:buChar char=""/>
+            </a:pPr>
+            <a:endParaRPr lang="en-US" sz="2000" dirty="0">
+              <a:latin typeface="+mj-lt"/>
+            </a:endParaRPr>
+          </a:p>
+          <a:p>
+            <a:r>
+              <a:rPr lang="en-US" sz="2000" dirty="0">
+                <a:latin typeface="+mj-lt"/>
+              </a:rPr>
+              <a:t>The alphabetically first author is chosen too often</a:t>
+            </a:r>
+          </a:p>
+          <a:p>
+            <a:pPr lvl="1"/>
+            <a:r>
+              <a:rPr lang="en-US" sz="2000" dirty="0">
+                <a:latin typeface="+mj-lt"/>
+              </a:rPr>
+              <a:t>Every author has the same probability</a:t>
+            </a:r>
+          </a:p>
+          <a:p>
+            <a:pPr lvl="1">
+              <a:buFont typeface="Webdings" panose="05030102010509060703" pitchFamily="18" charset="2"/>
+              <a:buChar char="s"/>
+            </a:pPr>
+            <a:r>
+              <a:rPr lang="en-US" sz="2000" dirty="0">
+                <a:latin typeface="+mj-lt"/>
+              </a:rPr>
+              <a:t>Choose most prolific author instead</a:t>
+            </a:r>
+          </a:p>
+        </p:txBody>
+      </p:sp>
+      <p:sp>
+        <p:nvSpPr>
+          <p:cNvPr id="5" name="Foliennummernplatzhalter 4">
+            <a:extLst>
+              <a:ext uri="{FF2B5EF4-FFF2-40B4-BE49-F238E27FC236}">
+                <a16:creationId xmlns:a16="http://schemas.microsoft.com/office/drawing/2014/main" id="{8A95AC79-56F5-42C6-B760-FAEFB0281F72}"/>
+              </a:ext>
+            </a:extLst>
+          </p:cNvPr>
+          <p:cNvSpPr>
+            <a:spLocks noGrp="1"/>
+          </p:cNvSpPr>
+          <p:nvPr>
+            <p:ph type="sldNum" sz="quarter" idx="12"/>
+          </p:nvPr>
+        </p:nvSpPr>
+        <p:spPr/>
+        <p:txBody>
+          <a:bodyPr/>
+          <a:lstStyle/>
+          <a:p>
+            <a:fld id="{54518C2F-5E54-4CF8-B37A-4631A050CED9}" type="slidenum">
+              <a:rPr lang="de-DE" smtClean="0"/>
+              <a:pPr/>
+              <a:t>8</a:t>
+            </a:fld>
+            <a:endParaRPr lang="de-DE" dirty="0"/>
+          </a:p>
+        </p:txBody>
+      </p:sp>
+      <p:sp>
+        <p:nvSpPr>
+          <p:cNvPr id="6" name="Fußzeilenplatzhalter 5">
+            <a:extLst>
+              <a:ext uri="{FF2B5EF4-FFF2-40B4-BE49-F238E27FC236}">
+                <a16:creationId xmlns:a16="http://schemas.microsoft.com/office/drawing/2014/main" id="{748912F1-D610-4729-AEEE-9675D89A0F12}"/>
+              </a:ext>
+            </a:extLst>
+          </p:cNvPr>
+          <p:cNvSpPr>
+            <a:spLocks noGrp="1"/>
+          </p:cNvSpPr>
+          <p:nvPr>
+            <p:ph type="ftr" sz="quarter" idx="11"/>
+          </p:nvPr>
+        </p:nvSpPr>
+        <p:spPr/>
+        <p:txBody>
+          <a:bodyPr/>
+          <a:lstStyle/>
+          <a:p>
+            <a:r>
+              <a:rPr lang="de-DE"/>
+              <a:t>Team Lab NLP | Author Classification in Poetry		Katrin Schmidt – Carlotta Quensel</a:t>
+            </a:r>
+            <a:endParaRPr lang="de-DE" dirty="0"/>
+          </a:p>
+        </p:txBody>
+      </p:sp>
+    </p:spTree>
+    <p:extLst>
+      <p:ext uri="{BB962C8B-B14F-4D97-AF65-F5344CB8AC3E}">
+        <p14:creationId xmlns:p14="http://schemas.microsoft.com/office/powerpoint/2010/main" val="2699207316"/>
+      </p:ext>
+    </p:extLst>
+  </p:cSld>
+  <p:clrMapOvr>
+    <a:masterClrMapping/>
+  </p:clrMapOvr>
+  <p:timing>
+    <p:tnLst>
+      <p:par>
+        <p:cTn id="1" dur="indefinite" restart="never" nodeType="tmRoot">
+          <p:childTnLst>
+            <p:seq concurrent="1" nextAc="seek">
+              <p:cTn id="2" dur="indefinite" nodeType="mainSeq">
+                <p:childTnLst>
+                  <p:par>
+                    <p:cTn id="3" fill="hold">
+                      <p:stCondLst>
+                        <p:cond delay="indefinite"/>
+                      </p:stCondLst>
+                      <p:childTnLst>
+                        <p:par>
+                          <p:cTn id="4" fill="hold">
+                            <p:stCondLst>
+                              <p:cond delay="0"/>
+                            </p:stCondLst>
+                            <p:childTnLst>
+                              <p:par>
+                                <p:cTn id="5" presetID="1" presetClass="entr" presetSubtype="0" fill="hold" nodeType="clickEffect">
+                                  <p:stCondLst>
+                                    <p:cond delay="0"/>
+                                  </p:stCondLst>
+                                  <p:childTnLst>
+                                    <p:set>
+                                      <p:cBhvr>
+                                        <p:cTn id="6" dur="1" fill="hold">
+                                          <p:stCondLst>
+                                            <p:cond delay="0"/>
+                                          </p:stCondLst>
+                                        </p:cTn>
+                                        <p:tgtEl>
+                                          <p:spTgt spid="4">
+                                            <p:txEl>
+                                              <p:pRg st="0" end="0"/>
+                                            </p:txEl>
+                                          </p:spTgt>
+                                        </p:tgtEl>
+                                        <p:attrNameLst>
+                                          <p:attrName>style.visibility</p:attrName>
+                                        </p:attrNameLst>
+                                      </p:cBhvr>
+                                      <p:to>
+                                        <p:strVal val="visible"/>
+                                      </p:to>
+                                    </p:set>
+                                  </p:childTnLst>
+                                </p:cTn>
+                              </p:par>
+                              <p:par>
+                                <p:cTn id="7" presetID="1" presetClass="entr" presetSubtype="0" fill="hold" nodeType="withEffect">
+                                  <p:stCondLst>
+                                    <p:cond delay="0"/>
+                                  </p:stCondLst>
+                                  <p:childTnLst>
+                                    <p:set>
+                                      <p:cBhvr>
+                                        <p:cTn id="8" dur="1" fill="hold">
+                                          <p:stCondLst>
+                                            <p:cond delay="0"/>
+                                          </p:stCondLst>
+                                        </p:cTn>
+                                        <p:tgtEl>
+                                          <p:spTgt spid="4">
+                                            <p:txEl>
+                                              <p:pRg st="1" end="1"/>
+                                            </p:txEl>
+                                          </p:spTgt>
+                                        </p:tgtEl>
+                                        <p:attrNameLst>
+                                          <p:attrName>style.visibility</p:attrName>
+                                        </p:attrNameLst>
+                                      </p:cBhvr>
+                                      <p:to>
+                                        <p:strVal val="visible"/>
+                                      </p:to>
+                                    </p:set>
+                                  </p:childTnLst>
+                                </p:cTn>
+                              </p:par>
+                              <p:par>
+                                <p:cTn id="9" presetID="1" presetClass="entr" presetSubtype="0" fill="hold" nodeType="withEffect">
+                                  <p:stCondLst>
+                                    <p:cond delay="0"/>
+                                  </p:stCondLst>
+                                  <p:childTnLst>
+                                    <p:set>
+                                      <p:cBhvr>
+                                        <p:cTn id="10" dur="1" fill="hold">
+                                          <p:stCondLst>
+                                            <p:cond delay="0"/>
+                                          </p:stCondLst>
+                                        </p:cTn>
+                                        <p:tgtEl>
+                                          <p:spTgt spid="4">
+                                            <p:txEl>
+                                              <p:pRg st="2" end="2"/>
+                                            </p:txEl>
+                                          </p:spTgt>
+                                        </p:tgtEl>
+                                        <p:attrNameLst>
+                                          <p:attrName>style.visibility</p:attrName>
+                                        </p:attrNameLst>
+                                      </p:cBhvr>
+                                      <p:to>
+                                        <p:strVal val="visible"/>
+                                      </p:to>
+                                    </p:set>
+                                  </p:childTnLst>
+                                </p:cTn>
+                              </p:par>
+                            </p:childTnLst>
+                          </p:cTn>
+                        </p:par>
+                      </p:childTnLst>
+                    </p:cTn>
+                  </p:par>
+                  <p:par>
+                    <p:cTn id="11" fill="hold">
+                      <p:stCondLst>
+                        <p:cond delay="indefinite"/>
+                      </p:stCondLst>
+                      <p:childTnLst>
+                        <p:par>
+                          <p:cTn id="12" fill="hold">
+                            <p:stCondLst>
+                              <p:cond delay="0"/>
+                            </p:stCondLst>
+                            <p:childTnLst>
+                              <p:par>
+                                <p:cTn id="13" presetID="1" presetClass="entr" presetSubtype="0" fill="hold" nodeType="clickEffect">
+                                  <p:stCondLst>
+                                    <p:cond delay="0"/>
+                                  </p:stCondLst>
+                                  <p:childTnLst>
+                                    <p:set>
+                                      <p:cBhvr>
+                                        <p:cTn id="14" dur="1" fill="hold">
+                                          <p:stCondLst>
+                                            <p:cond delay="0"/>
+                                          </p:stCondLst>
+                                        </p:cTn>
+                                        <p:tgtEl>
+                                          <p:spTgt spid="4">
+                                            <p:txEl>
+                                              <p:pRg st="4" end="4"/>
+                                            </p:txEl>
+                                          </p:spTgt>
+                                        </p:tgtEl>
+                                        <p:attrNameLst>
+                                          <p:attrName>style.visibility</p:attrName>
+                                        </p:attrNameLst>
+                                      </p:cBhvr>
+                                      <p:to>
+                                        <p:strVal val="visible"/>
+                                      </p:to>
+                                    </p:set>
+                                  </p:childTnLst>
+                                </p:cTn>
+                              </p:par>
+                              <p:par>
+                                <p:cTn id="15" presetID="1" presetClass="entr" presetSubtype="0" fill="hold" nodeType="withEffect">
+                                  <p:stCondLst>
+                                    <p:cond delay="0"/>
+                                  </p:stCondLst>
+                                  <p:childTnLst>
+                                    <p:set>
+                                      <p:cBhvr>
+                                        <p:cTn id="16" dur="1" fill="hold">
+                                          <p:stCondLst>
+                                            <p:cond delay="0"/>
+                                          </p:stCondLst>
+                                        </p:cTn>
+                                        <p:tgtEl>
+                                          <p:spTgt spid="4">
+                                            <p:txEl>
+                                              <p:pRg st="5" end="5"/>
+                                            </p:txEl>
+                                          </p:spTgt>
+                                        </p:tgtEl>
+                                        <p:attrNameLst>
+                                          <p:attrName>style.visibility</p:attrName>
+                                        </p:attrNameLst>
+                                      </p:cBhvr>
+                                      <p:to>
+                                        <p:strVal val="visible"/>
+                                      </p:to>
+                                    </p:set>
+                                  </p:childTnLst>
+                                </p:cTn>
+                              </p:par>
+                            </p:childTnLst>
+                          </p:cTn>
+                        </p:par>
+                      </p:childTnLst>
+                    </p:cTn>
+                  </p:par>
+                  <p:par>
+                    <p:cTn id="17" fill="hold">
+                      <p:stCondLst>
+                        <p:cond delay="indefinite"/>
+                      </p:stCondLst>
+                      <p:childTnLst>
+                        <p:par>
+                          <p:cTn id="18" fill="hold">
+                            <p:stCondLst>
+                              <p:cond delay="0"/>
+                            </p:stCondLst>
+                            <p:childTnLst>
+                              <p:par>
+                                <p:cTn id="19" presetID="1" presetClass="entr" presetSubtype="0" fill="hold" nodeType="clickEffect">
+                                  <p:stCondLst>
+                                    <p:cond delay="0"/>
+                                  </p:stCondLst>
+                                  <p:childTnLst>
+                                    <p:set>
+                                      <p:cBhvr>
+                                        <p:cTn id="20" dur="1" fill="hold">
+                                          <p:stCondLst>
+                                            <p:cond delay="0"/>
+                                          </p:stCondLst>
+                                        </p:cTn>
+                                        <p:tgtEl>
+                                          <p:spTgt spid="4">
+                                            <p:txEl>
+                                              <p:pRg st="7" end="7"/>
+                                            </p:txEl>
+                                          </p:spTgt>
+                                        </p:tgtEl>
+                                        <p:attrNameLst>
+                                          <p:attrName>style.visibility</p:attrName>
+                                        </p:attrNameLst>
+                                      </p:cBhvr>
+                                      <p:to>
+                                        <p:strVal val="visible"/>
+                                      </p:to>
+                                    </p:set>
+                                  </p:childTnLst>
+                                </p:cTn>
+                              </p:par>
+                              <p:par>
+                                <p:cTn id="21" presetID="1" presetClass="entr" presetSubtype="0" fill="hold" nodeType="withEffect">
+                                  <p:stCondLst>
+                                    <p:cond delay="0"/>
+                                  </p:stCondLst>
+                                  <p:childTnLst>
+                                    <p:set>
+                                      <p:cBhvr>
+                                        <p:cTn id="22" dur="1" fill="hold">
+                                          <p:stCondLst>
+                                            <p:cond delay="0"/>
+                                          </p:stCondLst>
+                                        </p:cTn>
+                                        <p:tgtEl>
+                                          <p:spTgt spid="4">
+                                            <p:txEl>
+                                              <p:pRg st="8" end="8"/>
+                                            </p:txEl>
+                                          </p:spTgt>
+                                        </p:tgtEl>
+                                        <p:attrNameLst>
+                                          <p:attrName>style.visibility</p:attrName>
+                                        </p:attrNameLst>
+                                      </p:cBhvr>
+                                      <p:to>
+                                        <p:strVal val="visible"/>
+                                      </p:to>
+                                    </p:set>
+                                  </p:childTnLst>
+                                </p:cTn>
+                              </p:par>
+                              <p:par>
+                                <p:cTn id="23" presetID="1" presetClass="entr" presetSubtype="0" fill="hold" nodeType="withEffect">
+                                  <p:stCondLst>
+                                    <p:cond delay="0"/>
+                                  </p:stCondLst>
+                                  <p:childTnLst>
+                                    <p:set>
+                                      <p:cBhvr>
+                                        <p:cTn id="24" dur="1" fill="hold">
+                                          <p:stCondLst>
+                                            <p:cond delay="0"/>
+                                          </p:stCondLst>
+                                        </p:cTn>
+                                        <p:tgtEl>
+                                          <p:spTgt spid="4">
+                                            <p:txEl>
+                                              <p:pRg st="9" end="9"/>
+                                            </p:txEl>
+                                          </p:spTgt>
+                                        </p:tgtEl>
+                                        <p:attrNameLst>
+                                          <p:attrName>style.visibility</p:attrName>
+                                        </p:attrNameLst>
+                                      </p:cBhvr>
+                                      <p:to>
+                                        <p:strVal val="visible"/>
+                                      </p:to>
+                                    </p:set>
+                                  </p:childTnLst>
+                                </p:cTn>
+                              </p:par>
+                            </p:childTnLst>
+                          </p:cTn>
+                        </p:par>
+                      </p:childTnLst>
+                    </p:cTn>
+                  </p:par>
+                </p:childTnLst>
+              </p:cTn>
+              <p:prevCondLst>
+                <p:cond evt="onPrev" delay="0">
+                  <p:tgtEl>
+                    <p:sldTgt/>
+                  </p:tgtEl>
+                </p:cond>
+              </p:prevCondLst>
+              <p:nextCondLst>
+                <p:cond evt="onNext" delay="0">
+                  <p:tgtEl>
+                    <p:sldTgt/>
+                  </p:tgtEl>
+                </p:cond>
+              </p:nextCondLst>
+            </p:seq>
+          </p:childTnLst>
+        </p:cTn>
+      </p:par>
+    </p:tnLst>
+  </p:timing>
+</p:sld>
+</file>
+
+<file path=ppt/slides/slide9.xml><?xml version="1.0" encoding="utf-8"?>
+<p:sld xmlns:a="http://schemas.openxmlformats.org/drawingml/2006/main" xmlns:r="http://schemas.openxmlformats.org/officeDocument/2006/relationships" xmlns:p="http://schemas.openxmlformats.org/presentationml/2006/main">
+  <p:cSld>
+    <p:spTree>
+      <p:nvGrpSpPr>
+        <p:cNvPr id="1" name=""/>
+        <p:cNvGrpSpPr/>
+        <p:nvPr/>
+      </p:nvGrpSpPr>
+      <p:grpSpPr>
+        <a:xfrm>
+          <a:off x="0" y="0"/>
+          <a:ext cx="0" cy="0"/>
+          <a:chOff x="0" y="0"/>
+          <a:chExt cx="0" cy="0"/>
+        </a:xfrm>
+      </p:grpSpPr>
+      <p:sp>
+        <p:nvSpPr>
+          <p:cNvPr id="2" name="Titel 1">
+            <a:extLst>
+              <a:ext uri="{FF2B5EF4-FFF2-40B4-BE49-F238E27FC236}">
+                <a16:creationId xmlns:a16="http://schemas.microsoft.com/office/drawing/2014/main" id="{09CEE31A-91AB-49FD-AC6A-B961244274D3}"/>
+              </a:ext>
+            </a:extLst>
+          </p:cNvPr>
+          <p:cNvSpPr>
+            <a:spLocks noGrp="1"/>
+          </p:cNvSpPr>
+          <p:nvPr>
+            <p:ph type="title"/>
+          </p:nvPr>
+        </p:nvSpPr>
+        <p:spPr/>
+        <p:txBody>
+          <a:bodyPr/>
+          <a:lstStyle/>
+          <a:p>
+            <a:r>
+              <a:rPr lang="de-DE" dirty="0"/>
+              <a:t>Next </a:t>
+            </a:r>
+            <a:r>
+              <a:rPr lang="de-DE" dirty="0" err="1"/>
+              <a:t>steps</a:t>
+            </a:r>
+            <a:endParaRPr lang="en-GB" dirty="0"/>
+          </a:p>
+        </p:txBody>
+      </p:sp>
+      <p:sp>
+        <p:nvSpPr>
+          <p:cNvPr id="3" name="Textplatzhalter 2">
+            <a:extLst>
+              <a:ext uri="{FF2B5EF4-FFF2-40B4-BE49-F238E27FC236}">
+                <a16:creationId xmlns:a16="http://schemas.microsoft.com/office/drawing/2014/main" id="{3A0AB0FC-9646-4FE5-AF7D-9A1EB4DBDDD4}"/>
+              </a:ext>
+            </a:extLst>
+          </p:cNvPr>
+          <p:cNvSpPr>
+            <a:spLocks noGrp="1"/>
+          </p:cNvSpPr>
+          <p:nvPr>
+            <p:ph type="body" sz="quarter" idx="13"/>
+          </p:nvPr>
+        </p:nvSpPr>
+        <p:spPr/>
+        <p:txBody>
+          <a:bodyPr/>
+          <a:lstStyle/>
+          <a:p>
+            <a:endParaRPr lang="en-GB" dirty="0"/>
+          </a:p>
+        </p:txBody>
+      </p:sp>
+      <p:sp>
+        <p:nvSpPr>
+          <p:cNvPr id="4" name="Inhaltsplatzhalter 3">
+            <a:extLst>
+              <a:ext uri="{FF2B5EF4-FFF2-40B4-BE49-F238E27FC236}">
+                <a16:creationId xmlns:a16="http://schemas.microsoft.com/office/drawing/2014/main" id="{18487C19-84C0-4653-BDF8-C7E6064750F6}"/>
+              </a:ext>
+            </a:extLst>
+          </p:cNvPr>
+          <p:cNvSpPr>
+            <a:spLocks noGrp="1"/>
+          </p:cNvSpPr>
+          <p:nvPr>
+            <p:ph idx="1"/>
+          </p:nvPr>
+        </p:nvSpPr>
+        <p:spPr/>
+        <p:txBody>
+          <a:bodyPr/>
+          <a:lstStyle/>
+          <a:p>
+            <a:r>
+              <a:rPr lang="de-DE" dirty="0">
+                <a:latin typeface="+mj-lt"/>
+              </a:rPr>
+              <a:t>Goal</a:t>
+            </a:r>
+            <a:endParaRPr lang="en-GB" dirty="0">
+              <a:latin typeface="+mj-lt"/>
+            </a:endParaRPr>
+          </a:p>
+          <a:p>
+            <a:pPr lvl="1"/>
+            <a:r>
+              <a:rPr lang="en-GB" dirty="0">
+                <a:latin typeface="+mj-lt"/>
+              </a:rPr>
+              <a:t>Classifier that is especially good for poems</a:t>
+            </a:r>
+          </a:p>
+          <a:p>
+            <a:pPr marL="234943" lvl="1" indent="0">
+              <a:buNone/>
+            </a:pPr>
+            <a:endParaRPr lang="en-GB" dirty="0">
+              <a:latin typeface="+mj-lt"/>
+            </a:endParaRPr>
+          </a:p>
+          <a:p>
+            <a:r>
+              <a:rPr lang="en-GB" dirty="0">
+                <a:latin typeface="+mj-lt"/>
+              </a:rPr>
+              <a:t>Approaches</a:t>
+            </a:r>
+          </a:p>
+          <a:p>
+            <a:pPr lvl="1"/>
+            <a:r>
+              <a:rPr lang="en-GB" dirty="0">
+                <a:latin typeface="+mj-lt"/>
+              </a:rPr>
+              <a:t>Architecture (</a:t>
+            </a:r>
+            <a:r>
+              <a:rPr lang="en-GB" dirty="0" err="1">
+                <a:latin typeface="+mj-lt"/>
+              </a:rPr>
+              <a:t>MaxEnt</a:t>
+            </a:r>
+            <a:r>
+              <a:rPr lang="en-GB" dirty="0">
+                <a:latin typeface="+mj-lt"/>
+              </a:rPr>
+              <a:t> vs. NN vs. ...) </a:t>
+            </a:r>
+          </a:p>
+          <a:p>
+            <a:pPr lvl="1"/>
+            <a:r>
+              <a:rPr lang="en-GB" dirty="0">
+                <a:latin typeface="+mj-lt"/>
+              </a:rPr>
+              <a:t>Features (stanzas/verses/rhymes/...)</a:t>
+            </a:r>
+          </a:p>
+        </p:txBody>
+      </p:sp>
+      <p:sp>
+        <p:nvSpPr>
+          <p:cNvPr id="5" name="Foliennummernplatzhalter 4">
+            <a:extLst>
+              <a:ext uri="{FF2B5EF4-FFF2-40B4-BE49-F238E27FC236}">
+                <a16:creationId xmlns:a16="http://schemas.microsoft.com/office/drawing/2014/main" id="{8A95AC79-56F5-42C6-B760-FAEFB0281F72}"/>
+              </a:ext>
+            </a:extLst>
+          </p:cNvPr>
+          <p:cNvSpPr>
+            <a:spLocks noGrp="1"/>
+          </p:cNvSpPr>
+          <p:nvPr>
+            <p:ph type="sldNum" sz="quarter" idx="12"/>
+          </p:nvPr>
+        </p:nvSpPr>
+        <p:spPr/>
+        <p:txBody>
+          <a:bodyPr/>
+          <a:lstStyle/>
+          <a:p>
+            <a:fld id="{54518C2F-5E54-4CF8-B37A-4631A050CED9}" type="slidenum">
+              <a:rPr lang="de-DE" smtClean="0"/>
+              <a:pPr/>
+              <a:t>9</a:t>
+            </a:fld>
+            <a:endParaRPr lang="de-DE" dirty="0"/>
+          </a:p>
+        </p:txBody>
+      </p:sp>
+      <p:sp>
+        <p:nvSpPr>
+          <p:cNvPr id="6" name="Fußzeilenplatzhalter 5">
+            <a:extLst>
+              <a:ext uri="{FF2B5EF4-FFF2-40B4-BE49-F238E27FC236}">
+                <a16:creationId xmlns:a16="http://schemas.microsoft.com/office/drawing/2014/main" id="{748912F1-D610-4729-AEEE-9675D89A0F12}"/>
+              </a:ext>
+            </a:extLst>
+          </p:cNvPr>
+          <p:cNvSpPr>
+            <a:spLocks noGrp="1"/>
+          </p:cNvSpPr>
+          <p:nvPr>
+            <p:ph type="ftr" sz="quarter" idx="11"/>
+          </p:nvPr>
+        </p:nvSpPr>
+        <p:spPr/>
+        <p:txBody>
+          <a:bodyPr/>
+          <a:lstStyle/>
+          <a:p>
+            <a:r>
+              <a:rPr lang="de-DE"/>
+              <a:t>Team Lab NLP | Author Classification in Poetry		Katrin Schmidt – Carlotta Quensel</a:t>
+            </a:r>
+            <a:endParaRPr lang="de-DE" dirty="0"/>
+          </a:p>
+        </p:txBody>
+      </p:sp>
+    </p:spTree>
+    <p:extLst>
+      <p:ext uri="{BB962C8B-B14F-4D97-AF65-F5344CB8AC3E}">
+        <p14:creationId xmlns:p14="http://schemas.microsoft.com/office/powerpoint/2010/main" val="3416307102"/>
       </p:ext>
     </p:extLst>
   </p:cSld>
@@ -27556,55 +30680,6 @@
                                         <p:tgtEl>
                                           <p:spTgt spid="4">
                                             <p:txEl>
-                                              <p:pRg st="2" end="2"/>
-                                            </p:txEl>
-                                          </p:spTgt>
-                                        </p:tgtEl>
-                                        <p:attrNameLst>
-                                          <p:attrName>style.visibility</p:attrName>
-                                        </p:attrNameLst>
-                                      </p:cBhvr>
-                                      <p:to>
-                                        <p:strVal val="visible"/>
-                                      </p:to>
-                                    </p:set>
-                                  </p:childTnLst>
-                                </p:cTn>
-                              </p:par>
-                            </p:childTnLst>
-                          </p:cTn>
-                        </p:par>
-                      </p:childTnLst>
-                    </p:cTn>
-                  </p:par>
-                  <p:par>
-                    <p:cTn id="13" fill="hold">
-                      <p:stCondLst>
-                        <p:cond delay="indefinite"/>
-                      </p:stCondLst>
-                      <p:childTnLst>
-                        <p:par>
-                          <p:cTn id="14" fill="hold">
-                            <p:stCondLst>
-                              <p:cond delay="0"/>
-                            </p:stCondLst>
-                            <p:childTnLst>
-                              <p:par>
-                                <p:cTn id="15" presetID="1" presetClass="entr" presetSubtype="0" fill="hold" nodeType="clickEffect">
-                                  <p:stCondLst>
-                                    <p:cond delay="0"/>
-                                  </p:stCondLst>
-                                  <p:childTnLst>
-                                    <p:set>
-                                      <p:cBhvr>
-                                        <p:cTn id="16" dur="1" fill="hold">
-                                          <p:stCondLst>
-                                            <p:cond delay="0"/>
-                                          </p:stCondLst>
-                                        </p:cTn>
-                                        <p:tgtEl>
-                                          <p:spTgt spid="4">
-                                            <p:txEl>
                                               <p:pRg st="3" end="3"/>
                                             </p:txEl>
                                           </p:spTgt>
@@ -27620,33 +30695,15 @@
                                   </p:childTnLst>
                                 </p:cTn>
                               </p:par>
-                            </p:childTnLst>
-                          </p:cTn>
-                        </p:par>
-                      </p:childTnLst>
-                    </p:cTn>
-                  </p:par>
-                  <p:par>
-                    <p:cTn id="17" fill="hold">
-                      <p:stCondLst>
-                        <p:cond delay="indefinite"/>
-                      </p:stCondLst>
-                      <p:childTnLst>
-                        <p:par>
-                          <p:cTn id="18" fill="hold">
-                            <p:stCondLst>
-                              <p:cond delay="0"/>
-                            </p:stCondLst>
-                            <p:childTnLst>
                               <p:par>
-                                <p:cTn id="19" presetID="1" presetClass="entr" presetSubtype="0" fill="hold" nodeType="clickEffect">
+                                <p:cTn id="13" presetID="1" presetClass="entr" presetSubtype="0" fill="hold" nodeType="withEffect">
                                   <p:stCondLst>
                                     <p:cond delay="0"/>
                                   </p:stCondLst>
                                   <p:childTnLst>
                                     <p:set>
                                       <p:cBhvr>
-                                        <p:cTn id="20" dur="1" fill="hold">
+                                        <p:cTn id="14" dur="1" fill="hold">
                                           <p:stCondLst>
                                             <p:cond delay="0"/>
                                           </p:stCondLst>
@@ -27654,7 +30711,7 @@
                                         <p:tgtEl>
                                           <p:spTgt spid="4">
                                             <p:txEl>
-                                              <p:pRg st="6" end="6"/>
+                                              <p:pRg st="4" end="4"/>
                                             </p:txEl>
                                           </p:spTgt>
                                         </p:tgtEl>
@@ -27670,14 +30727,14 @@
                                 </p:cTn>
                               </p:par>
                               <p:par>
-                                <p:cTn id="21" presetID="1" presetClass="entr" presetSubtype="0" fill="hold" nodeType="withEffect">
+                                <p:cTn id="15" presetID="1" presetClass="entr" presetSubtype="0" fill="hold" nodeType="withEffect">
                                   <p:stCondLst>
                                     <p:cond delay="0"/>
                                   </p:stCondLst>
                                   <p:childTnLst>
                                     <p:set>
                                       <p:cBhvr>
-                                        <p:cTn id="22" dur="1" fill="hold">
+                                        <p:cTn id="16" dur="1" fill="hold">
                                           <p:stCondLst>
                                             <p:cond delay="0"/>
                                           </p:stCondLst>
@@ -27685,7 +30742,7 @@
                                         <p:tgtEl>
                                           <p:spTgt spid="4">
                                             <p:txEl>
-                                              <p:pRg st="7" end="7"/>
+                                              <p:pRg st="5" end="5"/>
                                             </p:txEl>
                                           </p:spTgt>
                                         </p:tgtEl>
@@ -27728,1090 +30785,6 @@
       </p:par>
     </p:tnLst>
   </p:timing>
-</p:sld>
-</file>
-
-<file path=ppt/slides/slide6.xml><?xml version="1.0" encoding="utf-8"?>
-<p:sld xmlns:a="http://schemas.openxmlformats.org/drawingml/2006/main" xmlns:r="http://schemas.openxmlformats.org/officeDocument/2006/relationships" xmlns:p="http://schemas.openxmlformats.org/presentationml/2006/main">
-  <p:cSld>
-    <p:spTree>
-      <p:nvGrpSpPr>
-        <p:cNvPr id="1" name=""/>
-        <p:cNvGrpSpPr/>
-        <p:nvPr/>
-      </p:nvGrpSpPr>
-      <p:grpSpPr>
-        <a:xfrm>
-          <a:off x="0" y="0"/>
-          <a:ext cx="0" cy="0"/>
-          <a:chOff x="0" y="0"/>
-          <a:chExt cx="0" cy="0"/>
-        </a:xfrm>
-      </p:grpSpPr>
-      <p:sp>
-        <p:nvSpPr>
-          <p:cNvPr id="2" name="Titel 1">
-            <a:extLst>
-              <a:ext uri="{FF2B5EF4-FFF2-40B4-BE49-F238E27FC236}">
-                <a16:creationId xmlns:a16="http://schemas.microsoft.com/office/drawing/2014/main" id="{81949E24-7A9D-47B2-A263-C1CC5FE8BB85}"/>
-              </a:ext>
-            </a:extLst>
-          </p:cNvPr>
-          <p:cNvSpPr>
-            <a:spLocks noGrp="1"/>
-          </p:cNvSpPr>
-          <p:nvPr>
-            <p:ph type="title"/>
-          </p:nvPr>
-        </p:nvSpPr>
-        <p:spPr/>
-        <p:txBody>
-          <a:bodyPr/>
-          <a:lstStyle/>
-          <a:p>
-            <a:r>
-              <a:rPr lang="de-DE" dirty="0"/>
-              <a:t>Approach</a:t>
-            </a:r>
-            <a:endParaRPr lang="en-GB" dirty="0"/>
-          </a:p>
-        </p:txBody>
-      </p:sp>
-      <p:sp>
-        <p:nvSpPr>
-          <p:cNvPr id="3" name="Textplatzhalter 2">
-            <a:extLst>
-              <a:ext uri="{FF2B5EF4-FFF2-40B4-BE49-F238E27FC236}">
-                <a16:creationId xmlns:a16="http://schemas.microsoft.com/office/drawing/2014/main" id="{7697FC03-7E16-465A-AD46-C65DC30903F7}"/>
-              </a:ext>
-            </a:extLst>
-          </p:cNvPr>
-          <p:cNvSpPr>
-            <a:spLocks noGrp="1"/>
-          </p:cNvSpPr>
-          <p:nvPr>
-            <p:ph type="body" sz="quarter" idx="13"/>
-          </p:nvPr>
-        </p:nvSpPr>
-        <p:spPr/>
-        <p:txBody>
-          <a:bodyPr/>
-          <a:lstStyle/>
-          <a:p>
-            <a:r>
-              <a:rPr lang="de-DE" dirty="0" err="1">
-                <a:latin typeface="+mj-lt"/>
-              </a:rPr>
-              <a:t>Our</a:t>
-            </a:r>
-            <a:r>
-              <a:rPr lang="de-DE" dirty="0">
-                <a:latin typeface="+mj-lt"/>
-              </a:rPr>
-              <a:t> </a:t>
-            </a:r>
-            <a:r>
-              <a:rPr lang="de-DE" dirty="0" err="1">
-                <a:latin typeface="+mj-lt"/>
-              </a:rPr>
-              <a:t>implementation</a:t>
-            </a:r>
-            <a:endParaRPr lang="en-GB" dirty="0">
-              <a:latin typeface="+mj-lt"/>
-            </a:endParaRPr>
-          </a:p>
-        </p:txBody>
-      </p:sp>
-      <p:graphicFrame>
-        <p:nvGraphicFramePr>
-          <p:cNvPr id="7" name="Inhaltsplatzhalter 6">
-            <a:extLst>
-              <a:ext uri="{FF2B5EF4-FFF2-40B4-BE49-F238E27FC236}">
-                <a16:creationId xmlns:a16="http://schemas.microsoft.com/office/drawing/2014/main" id="{AFB231D7-4FCB-4303-A054-9D2FE561483D}"/>
-              </a:ext>
-            </a:extLst>
-          </p:cNvPr>
-          <p:cNvGraphicFramePr>
-            <a:graphicFrameLocks noGrp="1"/>
-          </p:cNvGraphicFramePr>
-          <p:nvPr>
-            <p:ph idx="1"/>
-            <p:extLst>
-              <p:ext uri="{D42A27DB-BD31-4B8C-83A1-F6EECF244321}">
-                <p14:modId xmlns:p14="http://schemas.microsoft.com/office/powerpoint/2010/main" val="1404502684"/>
-              </p:ext>
-            </p:extLst>
-          </p:nvPr>
-        </p:nvGraphicFramePr>
-        <p:xfrm>
-          <a:off x="624422" y="1430976"/>
-          <a:ext cx="10991849" cy="4854869"/>
-        </p:xfrm>
-        <a:graphic>
-          <a:graphicData uri="http://schemas.openxmlformats.org/drawingml/2006/diagram">
-            <dgm:relIds xmlns:dgm="http://schemas.openxmlformats.org/drawingml/2006/diagram" xmlns:r="http://schemas.openxmlformats.org/officeDocument/2006/relationships" r:dm="rId2" r:lo="rId3" r:qs="rId4" r:cs="rId5"/>
-          </a:graphicData>
-        </a:graphic>
-      </p:graphicFrame>
-      <p:sp>
-        <p:nvSpPr>
-          <p:cNvPr id="5" name="Foliennummernplatzhalter 4">
-            <a:extLst>
-              <a:ext uri="{FF2B5EF4-FFF2-40B4-BE49-F238E27FC236}">
-                <a16:creationId xmlns:a16="http://schemas.microsoft.com/office/drawing/2014/main" id="{EBCEF89A-7CA8-4797-B6AA-902EC78AE707}"/>
-              </a:ext>
-            </a:extLst>
-          </p:cNvPr>
-          <p:cNvSpPr>
-            <a:spLocks noGrp="1"/>
-          </p:cNvSpPr>
-          <p:nvPr>
-            <p:ph type="sldNum" sz="quarter" idx="12"/>
-          </p:nvPr>
-        </p:nvSpPr>
-        <p:spPr/>
-        <p:txBody>
-          <a:bodyPr/>
-          <a:lstStyle/>
-          <a:p>
-            <a:fld id="{54518C2F-5E54-4CF8-B37A-4631A050CED9}" type="slidenum">
-              <a:rPr lang="de-DE" smtClean="0"/>
-              <a:pPr/>
-              <a:t>6</a:t>
-            </a:fld>
-            <a:endParaRPr lang="de-DE" dirty="0"/>
-          </a:p>
-        </p:txBody>
-      </p:sp>
-      <p:sp>
-        <p:nvSpPr>
-          <p:cNvPr id="6" name="Fußzeilenplatzhalter 5">
-            <a:extLst>
-              <a:ext uri="{FF2B5EF4-FFF2-40B4-BE49-F238E27FC236}">
-                <a16:creationId xmlns:a16="http://schemas.microsoft.com/office/drawing/2014/main" id="{D8EB7B29-C378-48C3-934B-489353BDB564}"/>
-              </a:ext>
-            </a:extLst>
-          </p:cNvPr>
-          <p:cNvSpPr>
-            <a:spLocks noGrp="1"/>
-          </p:cNvSpPr>
-          <p:nvPr>
-            <p:ph type="ftr" sz="quarter" idx="11"/>
-          </p:nvPr>
-        </p:nvSpPr>
-        <p:spPr/>
-        <p:txBody>
-          <a:bodyPr/>
-          <a:lstStyle/>
-          <a:p>
-            <a:r>
-              <a:rPr lang="de-DE"/>
-              <a:t>Team Lab NLP | Author Classification in Poetry		Katrin Schmidt – Carlotta Quensel</a:t>
-            </a:r>
-            <a:endParaRPr lang="de-DE" dirty="0"/>
-          </a:p>
-        </p:txBody>
-      </p:sp>
-      <p:sp>
-        <p:nvSpPr>
-          <p:cNvPr id="8" name="Pfeil: nach oben gekrümmt 7">
-            <a:extLst>
-              <a:ext uri="{FF2B5EF4-FFF2-40B4-BE49-F238E27FC236}">
-                <a16:creationId xmlns:a16="http://schemas.microsoft.com/office/drawing/2014/main" id="{90D95888-F343-4779-A9D5-3C1318B8CA0B}"/>
-              </a:ext>
-            </a:extLst>
-          </p:cNvPr>
-          <p:cNvSpPr/>
-          <p:nvPr/>
-        </p:nvSpPr>
-        <p:spPr>
-          <a:xfrm rot="10800000">
-            <a:off x="6248400" y="2243388"/>
-            <a:ext cx="2088776" cy="630906"/>
-          </a:xfrm>
-          <a:prstGeom prst="curvedUpArrow">
-            <a:avLst/>
-          </a:prstGeom>
-          <a:ln>
-            <a:noFill/>
-          </a:ln>
-        </p:spPr>
-        <p:style>
-          <a:lnRef idx="2">
-            <a:schemeClr val="accent1">
-              <a:shade val="50000"/>
-            </a:schemeClr>
-          </a:lnRef>
-          <a:fillRef idx="1">
-            <a:schemeClr val="accent1"/>
-          </a:fillRef>
-          <a:effectRef idx="0">
-            <a:schemeClr val="accent1"/>
-          </a:effectRef>
-          <a:fontRef idx="minor">
-            <a:schemeClr val="lt1"/>
-          </a:fontRef>
-        </p:style>
-        <p:txBody>
-          <a:bodyPr rtlCol="0" anchor="ctr"/>
-          <a:lstStyle/>
-          <a:p>
-            <a:pPr algn="ctr"/>
-            <a:endParaRPr lang="en-GB" sz="1600" dirty="0">
-              <a:solidFill>
-                <a:schemeClr val="tx1"/>
-              </a:solidFill>
-            </a:endParaRPr>
-          </a:p>
-        </p:txBody>
-      </p:sp>
-      <p:sp>
-        <p:nvSpPr>
-          <p:cNvPr id="9" name="Pfeil: nach oben gekrümmt 8">
-            <a:extLst>
-              <a:ext uri="{FF2B5EF4-FFF2-40B4-BE49-F238E27FC236}">
-                <a16:creationId xmlns:a16="http://schemas.microsoft.com/office/drawing/2014/main" id="{70A5BEF3-300F-4781-B06E-9879C8D13BAA}"/>
-              </a:ext>
-            </a:extLst>
-          </p:cNvPr>
-          <p:cNvSpPr/>
-          <p:nvPr/>
-        </p:nvSpPr>
-        <p:spPr>
-          <a:xfrm>
-            <a:off x="6248400" y="4948518"/>
-            <a:ext cx="2088776" cy="630906"/>
-          </a:xfrm>
-          <a:prstGeom prst="curvedUpArrow">
-            <a:avLst/>
-          </a:prstGeom>
-          <a:ln>
-            <a:noFill/>
-          </a:ln>
-        </p:spPr>
-        <p:style>
-          <a:lnRef idx="2">
-            <a:schemeClr val="accent1">
-              <a:shade val="50000"/>
-            </a:schemeClr>
-          </a:lnRef>
-          <a:fillRef idx="1">
-            <a:schemeClr val="accent1"/>
-          </a:fillRef>
-          <a:effectRef idx="0">
-            <a:schemeClr val="accent1"/>
-          </a:effectRef>
-          <a:fontRef idx="minor">
-            <a:schemeClr val="lt1"/>
-          </a:fontRef>
-        </p:style>
-        <p:txBody>
-          <a:bodyPr rtlCol="0" anchor="ctr"/>
-          <a:lstStyle/>
-          <a:p>
-            <a:pPr algn="ctr"/>
-            <a:endParaRPr lang="en-GB" sz="1600" dirty="0">
-              <a:solidFill>
-                <a:schemeClr val="tx1"/>
-              </a:solidFill>
-            </a:endParaRPr>
-          </a:p>
-        </p:txBody>
-      </p:sp>
-    </p:spTree>
-    <p:extLst>
-      <p:ext uri="{BB962C8B-B14F-4D97-AF65-F5344CB8AC3E}">
-        <p14:creationId xmlns:p14="http://schemas.microsoft.com/office/powerpoint/2010/main" val="4184427880"/>
-      </p:ext>
-    </p:extLst>
-  </p:cSld>
-  <p:clrMapOvr>
-    <a:masterClrMapping/>
-  </p:clrMapOvr>
-</p:sld>
-</file>
-
-<file path=ppt/slides/slide7.xml><?xml version="1.0" encoding="utf-8"?>
-<p:sld xmlns:a="http://schemas.openxmlformats.org/drawingml/2006/main" xmlns:r="http://schemas.openxmlformats.org/officeDocument/2006/relationships" xmlns:p="http://schemas.openxmlformats.org/presentationml/2006/main">
-  <p:cSld>
-    <p:spTree>
-      <p:nvGrpSpPr>
-        <p:cNvPr id="1" name=""/>
-        <p:cNvGrpSpPr/>
-        <p:nvPr/>
-      </p:nvGrpSpPr>
-      <p:grpSpPr>
-        <a:xfrm>
-          <a:off x="0" y="0"/>
-          <a:ext cx="0" cy="0"/>
-          <a:chOff x="0" y="0"/>
-          <a:chExt cx="0" cy="0"/>
-        </a:xfrm>
-      </p:grpSpPr>
-      <p:sp>
-        <p:nvSpPr>
-          <p:cNvPr id="2" name="Titel 1">
-            <a:extLst>
-              <a:ext uri="{FF2B5EF4-FFF2-40B4-BE49-F238E27FC236}">
-                <a16:creationId xmlns:a16="http://schemas.microsoft.com/office/drawing/2014/main" id="{09CEE31A-91AB-49FD-AC6A-B961244274D3}"/>
-              </a:ext>
-            </a:extLst>
-          </p:cNvPr>
-          <p:cNvSpPr>
-            <a:spLocks noGrp="1"/>
-          </p:cNvSpPr>
-          <p:nvPr>
-            <p:ph type="title"/>
-          </p:nvPr>
-        </p:nvSpPr>
-        <p:spPr/>
-        <p:txBody>
-          <a:bodyPr/>
-          <a:lstStyle/>
-          <a:p>
-            <a:r>
-              <a:rPr lang="de-DE" dirty="0" err="1"/>
-              <a:t>Results</a:t>
-            </a:r>
-            <a:endParaRPr lang="en-GB" dirty="0"/>
-          </a:p>
-        </p:txBody>
-      </p:sp>
-      <p:sp>
-        <p:nvSpPr>
-          <p:cNvPr id="3" name="Textplatzhalter 2">
-            <a:extLst>
-              <a:ext uri="{FF2B5EF4-FFF2-40B4-BE49-F238E27FC236}">
-                <a16:creationId xmlns:a16="http://schemas.microsoft.com/office/drawing/2014/main" id="{3A0AB0FC-9646-4FE5-AF7D-9A1EB4DBDDD4}"/>
-              </a:ext>
-            </a:extLst>
-          </p:cNvPr>
-          <p:cNvSpPr>
-            <a:spLocks noGrp="1"/>
-          </p:cNvSpPr>
-          <p:nvPr>
-            <p:ph type="body" sz="quarter" idx="13"/>
-          </p:nvPr>
-        </p:nvSpPr>
-        <p:spPr/>
-        <p:txBody>
-          <a:bodyPr/>
-          <a:lstStyle/>
-          <a:p>
-            <a:endParaRPr lang="en-GB"/>
-          </a:p>
-        </p:txBody>
-      </p:sp>
-      <p:sp>
-        <p:nvSpPr>
-          <p:cNvPr id="4" name="Inhaltsplatzhalter 3">
-            <a:extLst>
-              <a:ext uri="{FF2B5EF4-FFF2-40B4-BE49-F238E27FC236}">
-                <a16:creationId xmlns:a16="http://schemas.microsoft.com/office/drawing/2014/main" id="{18487C19-84C0-4653-BDF8-C7E6064750F6}"/>
-              </a:ext>
-            </a:extLst>
-          </p:cNvPr>
-          <p:cNvSpPr>
-            <a:spLocks noGrp="1"/>
-          </p:cNvSpPr>
-          <p:nvPr>
-            <p:ph idx="1"/>
-          </p:nvPr>
-        </p:nvSpPr>
-        <p:spPr/>
-        <p:txBody>
-          <a:bodyPr/>
-          <a:lstStyle/>
-          <a:p>
-            <a:pPr>
-              <a:buFont typeface="Webdings" panose="05030102010509060703" pitchFamily="18" charset="2"/>
-              <a:buChar char="s"/>
-            </a:pPr>
-            <a:r>
-              <a:rPr lang="en-US" dirty="0">
-                <a:latin typeface="+mj-lt"/>
-              </a:rPr>
-              <a:t>How does the number of authors influence the classification?</a:t>
-            </a:r>
-          </a:p>
-          <a:p>
-            <a:pPr>
-              <a:buFont typeface="Webdings" panose="05030102010509060703" pitchFamily="18" charset="2"/>
-              <a:buChar char="s"/>
-            </a:pPr>
-            <a:r>
-              <a:rPr lang="en-US" dirty="0">
-                <a:latin typeface="+mj-lt"/>
-              </a:rPr>
-              <a:t>Are bag-of-word features enough?</a:t>
-            </a:r>
-          </a:p>
-          <a:p>
-            <a:r>
-              <a:rPr lang="en-US" dirty="0">
-                <a:latin typeface="+mj-lt"/>
-              </a:rPr>
-              <a:t>Experimental design:</a:t>
-            </a:r>
-          </a:p>
-          <a:p>
-            <a:pPr lvl="1"/>
-            <a:r>
-              <a:rPr lang="en-US" dirty="0">
-                <a:latin typeface="+mj-lt"/>
-              </a:rPr>
-              <a:t>30 authors</a:t>
-            </a:r>
-          </a:p>
-          <a:p>
-            <a:pPr lvl="1"/>
-            <a:r>
-              <a:rPr lang="en-US" dirty="0">
-                <a:latin typeface="+mj-lt"/>
-              </a:rPr>
-              <a:t>10-50 features per label (only bag-of-words)</a:t>
-            </a:r>
-          </a:p>
-          <a:p>
-            <a:pPr lvl="1"/>
-            <a:endParaRPr lang="en-US" dirty="0">
-              <a:latin typeface="+mj-lt"/>
-            </a:endParaRPr>
-          </a:p>
-          <a:p>
-            <a:r>
-              <a:rPr lang="en-US" dirty="0">
-                <a:latin typeface="+mj-lt"/>
-              </a:rPr>
-              <a:t>Evaluation:</a:t>
-            </a:r>
-          </a:p>
-          <a:p>
-            <a:pPr lvl="1"/>
-            <a:r>
-              <a:rPr lang="en-US" dirty="0">
-                <a:latin typeface="+mj-lt"/>
-              </a:rPr>
-              <a:t>The classifier doesn’t learn yet</a:t>
-            </a:r>
-          </a:p>
-          <a:p>
-            <a:pPr lvl="1">
-              <a:buFont typeface="Webdings" panose="05030102010509060703" pitchFamily="18" charset="2"/>
-              <a:buChar char=""/>
-            </a:pPr>
-            <a:r>
-              <a:rPr lang="en-US" dirty="0">
-                <a:latin typeface="+mj-lt"/>
-              </a:rPr>
-              <a:t>Features too uninformative</a:t>
-            </a:r>
-          </a:p>
-          <a:p>
-            <a:pPr lvl="1">
-              <a:buFont typeface="Webdings" panose="05030102010509060703" pitchFamily="18" charset="2"/>
-              <a:buChar char=""/>
-            </a:pPr>
-            <a:r>
-              <a:rPr lang="en-US" dirty="0">
-                <a:latin typeface="+mj-lt"/>
-              </a:rPr>
-              <a:t>Always predicts the same class</a:t>
-            </a:r>
-          </a:p>
-        </p:txBody>
-      </p:sp>
-      <p:sp>
-        <p:nvSpPr>
-          <p:cNvPr id="5" name="Foliennummernplatzhalter 4">
-            <a:extLst>
-              <a:ext uri="{FF2B5EF4-FFF2-40B4-BE49-F238E27FC236}">
-                <a16:creationId xmlns:a16="http://schemas.microsoft.com/office/drawing/2014/main" id="{8A95AC79-56F5-42C6-B760-FAEFB0281F72}"/>
-              </a:ext>
-            </a:extLst>
-          </p:cNvPr>
-          <p:cNvSpPr>
-            <a:spLocks noGrp="1"/>
-          </p:cNvSpPr>
-          <p:nvPr>
-            <p:ph type="sldNum" sz="quarter" idx="12"/>
-          </p:nvPr>
-        </p:nvSpPr>
-        <p:spPr/>
-        <p:txBody>
-          <a:bodyPr/>
-          <a:lstStyle/>
-          <a:p>
-            <a:fld id="{54518C2F-5E54-4CF8-B37A-4631A050CED9}" type="slidenum">
-              <a:rPr lang="de-DE" smtClean="0"/>
-              <a:pPr/>
-              <a:t>7</a:t>
-            </a:fld>
-            <a:endParaRPr lang="de-DE" dirty="0"/>
-          </a:p>
-        </p:txBody>
-      </p:sp>
-      <p:sp>
-        <p:nvSpPr>
-          <p:cNvPr id="6" name="Fußzeilenplatzhalter 5">
-            <a:extLst>
-              <a:ext uri="{FF2B5EF4-FFF2-40B4-BE49-F238E27FC236}">
-                <a16:creationId xmlns:a16="http://schemas.microsoft.com/office/drawing/2014/main" id="{748912F1-D610-4729-AEEE-9675D89A0F12}"/>
-              </a:ext>
-            </a:extLst>
-          </p:cNvPr>
-          <p:cNvSpPr>
-            <a:spLocks noGrp="1"/>
-          </p:cNvSpPr>
-          <p:nvPr>
-            <p:ph type="ftr" sz="quarter" idx="11"/>
-          </p:nvPr>
-        </p:nvSpPr>
-        <p:spPr/>
-        <p:txBody>
-          <a:bodyPr/>
-          <a:lstStyle/>
-          <a:p>
-            <a:r>
-              <a:rPr lang="de-DE"/>
-              <a:t>Team Lab NLP | Author Classification in Poetry		Katrin Schmidt – Carlotta Quensel</a:t>
-            </a:r>
-            <a:endParaRPr lang="de-DE" dirty="0"/>
-          </a:p>
-        </p:txBody>
-      </p:sp>
-    </p:spTree>
-    <p:extLst>
-      <p:ext uri="{BB962C8B-B14F-4D97-AF65-F5344CB8AC3E}">
-        <p14:creationId xmlns:p14="http://schemas.microsoft.com/office/powerpoint/2010/main" val="3666538615"/>
-      </p:ext>
-    </p:extLst>
-  </p:cSld>
-  <p:clrMapOvr>
-    <a:masterClrMapping/>
-  </p:clrMapOvr>
-</p:sld>
-</file>
-
-<file path=ppt/slides/slide8.xml><?xml version="1.0" encoding="utf-8"?>
-<p:sld xmlns:a="http://schemas.openxmlformats.org/drawingml/2006/main" xmlns:r="http://schemas.openxmlformats.org/officeDocument/2006/relationships" xmlns:p="http://schemas.openxmlformats.org/presentationml/2006/main">
-  <p:cSld>
-    <p:spTree>
-      <p:nvGrpSpPr>
-        <p:cNvPr id="1" name=""/>
-        <p:cNvGrpSpPr/>
-        <p:nvPr/>
-      </p:nvGrpSpPr>
-      <p:grpSpPr>
-        <a:xfrm>
-          <a:off x="0" y="0"/>
-          <a:ext cx="0" cy="0"/>
-          <a:chOff x="0" y="0"/>
-          <a:chExt cx="0" cy="0"/>
-        </a:xfrm>
-      </p:grpSpPr>
-      <p:sp>
-        <p:nvSpPr>
-          <p:cNvPr id="2" name="Titel 1">
-            <a:extLst>
-              <a:ext uri="{FF2B5EF4-FFF2-40B4-BE49-F238E27FC236}">
-                <a16:creationId xmlns:a16="http://schemas.microsoft.com/office/drawing/2014/main" id="{09CEE31A-91AB-49FD-AC6A-B961244274D3}"/>
-              </a:ext>
-            </a:extLst>
-          </p:cNvPr>
-          <p:cNvSpPr>
-            <a:spLocks noGrp="1"/>
-          </p:cNvSpPr>
-          <p:nvPr>
-            <p:ph type="title"/>
-          </p:nvPr>
-        </p:nvSpPr>
-        <p:spPr/>
-        <p:txBody>
-          <a:bodyPr/>
-          <a:lstStyle/>
-          <a:p>
-            <a:r>
-              <a:rPr lang="de-DE" dirty="0" err="1"/>
-              <a:t>Results</a:t>
-            </a:r>
-            <a:endParaRPr lang="en-GB" dirty="0"/>
-          </a:p>
-        </p:txBody>
-      </p:sp>
-      <p:sp>
-        <p:nvSpPr>
-          <p:cNvPr id="3" name="Textplatzhalter 2">
-            <a:extLst>
-              <a:ext uri="{FF2B5EF4-FFF2-40B4-BE49-F238E27FC236}">
-                <a16:creationId xmlns:a16="http://schemas.microsoft.com/office/drawing/2014/main" id="{3A0AB0FC-9646-4FE5-AF7D-9A1EB4DBDDD4}"/>
-              </a:ext>
-            </a:extLst>
-          </p:cNvPr>
-          <p:cNvSpPr>
-            <a:spLocks noGrp="1"/>
-          </p:cNvSpPr>
-          <p:nvPr>
-            <p:ph type="body" sz="quarter" idx="13"/>
-          </p:nvPr>
-        </p:nvSpPr>
-        <p:spPr/>
-        <p:txBody>
-          <a:bodyPr/>
-          <a:lstStyle/>
-          <a:p>
-            <a:endParaRPr lang="en-GB"/>
-          </a:p>
-        </p:txBody>
-      </p:sp>
-      <p:sp>
-        <p:nvSpPr>
-          <p:cNvPr id="4" name="Inhaltsplatzhalter 3">
-            <a:extLst>
-              <a:ext uri="{FF2B5EF4-FFF2-40B4-BE49-F238E27FC236}">
-                <a16:creationId xmlns:a16="http://schemas.microsoft.com/office/drawing/2014/main" id="{18487C19-84C0-4653-BDF8-C7E6064750F6}"/>
-              </a:ext>
-            </a:extLst>
-          </p:cNvPr>
-          <p:cNvSpPr>
-            <a:spLocks noGrp="1"/>
-          </p:cNvSpPr>
-          <p:nvPr>
-            <p:ph idx="1"/>
-          </p:nvPr>
-        </p:nvSpPr>
-        <p:spPr/>
-        <p:txBody>
-          <a:bodyPr/>
-          <a:lstStyle/>
-          <a:p>
-            <a:pPr>
-              <a:buFont typeface="Webdings" panose="05030102010509060703" pitchFamily="18" charset="2"/>
-              <a:buChar char="s"/>
-            </a:pPr>
-            <a:r>
-              <a:rPr lang="en-US" dirty="0">
-                <a:latin typeface="+mj-lt"/>
-              </a:rPr>
-              <a:t>How does the number of authors influence the classification?</a:t>
-            </a:r>
-          </a:p>
-          <a:p>
-            <a:pPr>
-              <a:buFont typeface="Webdings" panose="05030102010509060703" pitchFamily="18" charset="2"/>
-              <a:buChar char="s"/>
-            </a:pPr>
-            <a:r>
-              <a:rPr lang="en-US" dirty="0">
-                <a:latin typeface="+mj-lt"/>
-              </a:rPr>
-              <a:t>Are bag-of-word features enough?</a:t>
-            </a:r>
-          </a:p>
-          <a:p>
-            <a:r>
-              <a:rPr lang="en-US" dirty="0">
-                <a:latin typeface="+mj-lt"/>
-              </a:rPr>
-              <a:t>Experimental design:</a:t>
-            </a:r>
-          </a:p>
-          <a:p>
-            <a:pPr lvl="1"/>
-            <a:r>
-              <a:rPr lang="en-US" dirty="0">
-                <a:latin typeface="+mj-lt"/>
-              </a:rPr>
-              <a:t>39 authors </a:t>
-            </a:r>
-            <a:r>
-              <a:rPr lang="en-US" dirty="0">
-                <a:highlight>
-                  <a:srgbClr val="FFFF00"/>
-                </a:highlight>
-                <a:latin typeface="+mj-lt"/>
-              </a:rPr>
-              <a:t>(vs. 15 authors)</a:t>
-            </a:r>
-            <a:r>
-              <a:rPr lang="en-US" dirty="0">
-                <a:latin typeface="+mj-lt"/>
-              </a:rPr>
-              <a:t> </a:t>
-            </a:r>
-          </a:p>
-          <a:p>
-            <a:pPr lvl="1"/>
-            <a:r>
-              <a:rPr lang="en-US" dirty="0">
-                <a:latin typeface="+mj-lt"/>
-              </a:rPr>
-              <a:t>50 features per label (only bag-of-words)</a:t>
-            </a:r>
-          </a:p>
-          <a:p>
-            <a:pPr lvl="1"/>
-            <a:endParaRPr lang="en-US" dirty="0">
-              <a:latin typeface="+mj-lt"/>
-            </a:endParaRPr>
-          </a:p>
-          <a:p>
-            <a:r>
-              <a:rPr lang="en-US" dirty="0">
-                <a:latin typeface="+mj-lt"/>
-              </a:rPr>
-              <a:t>F1 – overview</a:t>
-            </a:r>
-          </a:p>
-          <a:p>
-            <a:r>
-              <a:rPr lang="en-US" dirty="0">
-                <a:highlight>
-                  <a:srgbClr val="FFFF00"/>
-                </a:highlight>
-                <a:latin typeface="+mj-lt"/>
-              </a:rPr>
-              <a:t>Confusion matrix (if time + interesting)</a:t>
-            </a:r>
-          </a:p>
-        </p:txBody>
-      </p:sp>
-      <p:sp>
-        <p:nvSpPr>
-          <p:cNvPr id="5" name="Foliennummernplatzhalter 4">
-            <a:extLst>
-              <a:ext uri="{FF2B5EF4-FFF2-40B4-BE49-F238E27FC236}">
-                <a16:creationId xmlns:a16="http://schemas.microsoft.com/office/drawing/2014/main" id="{8A95AC79-56F5-42C6-B760-FAEFB0281F72}"/>
-              </a:ext>
-            </a:extLst>
-          </p:cNvPr>
-          <p:cNvSpPr>
-            <a:spLocks noGrp="1"/>
-          </p:cNvSpPr>
-          <p:nvPr>
-            <p:ph type="sldNum" sz="quarter" idx="12"/>
-          </p:nvPr>
-        </p:nvSpPr>
-        <p:spPr/>
-        <p:txBody>
-          <a:bodyPr/>
-          <a:lstStyle/>
-          <a:p>
-            <a:fld id="{54518C2F-5E54-4CF8-B37A-4631A050CED9}" type="slidenum">
-              <a:rPr lang="de-DE" smtClean="0"/>
-              <a:pPr/>
-              <a:t>8</a:t>
-            </a:fld>
-            <a:endParaRPr lang="de-DE" dirty="0"/>
-          </a:p>
-        </p:txBody>
-      </p:sp>
-      <p:sp>
-        <p:nvSpPr>
-          <p:cNvPr id="6" name="Fußzeilenplatzhalter 5">
-            <a:extLst>
-              <a:ext uri="{FF2B5EF4-FFF2-40B4-BE49-F238E27FC236}">
-                <a16:creationId xmlns:a16="http://schemas.microsoft.com/office/drawing/2014/main" id="{748912F1-D610-4729-AEEE-9675D89A0F12}"/>
-              </a:ext>
-            </a:extLst>
-          </p:cNvPr>
-          <p:cNvSpPr>
-            <a:spLocks noGrp="1"/>
-          </p:cNvSpPr>
-          <p:nvPr>
-            <p:ph type="ftr" sz="quarter" idx="11"/>
-          </p:nvPr>
-        </p:nvSpPr>
-        <p:spPr/>
-        <p:txBody>
-          <a:bodyPr/>
-          <a:lstStyle/>
-          <a:p>
-            <a:r>
-              <a:rPr lang="de-DE"/>
-              <a:t>Team Lab NLP | Author Classification in Poetry		Katrin Schmidt – Carlotta Quensel</a:t>
-            </a:r>
-            <a:endParaRPr lang="de-DE" dirty="0"/>
-          </a:p>
-        </p:txBody>
-      </p:sp>
-    </p:spTree>
-    <p:extLst>
-      <p:ext uri="{BB962C8B-B14F-4D97-AF65-F5344CB8AC3E}">
-        <p14:creationId xmlns:p14="http://schemas.microsoft.com/office/powerpoint/2010/main" val="4032662064"/>
-      </p:ext>
-    </p:extLst>
-  </p:cSld>
-  <p:clrMapOvr>
-    <a:masterClrMapping/>
-  </p:clrMapOvr>
-</p:sld>
-</file>
-
-<file path=ppt/slides/slide9.xml><?xml version="1.0" encoding="utf-8"?>
-<p:sld xmlns:a="http://schemas.openxmlformats.org/drawingml/2006/main" xmlns:r="http://schemas.openxmlformats.org/officeDocument/2006/relationships" xmlns:p="http://schemas.openxmlformats.org/presentationml/2006/main">
-  <p:cSld>
-    <p:spTree>
-      <p:nvGrpSpPr>
-        <p:cNvPr id="1" name=""/>
-        <p:cNvGrpSpPr/>
-        <p:nvPr/>
-      </p:nvGrpSpPr>
-      <p:grpSpPr>
-        <a:xfrm>
-          <a:off x="0" y="0"/>
-          <a:ext cx="0" cy="0"/>
-          <a:chOff x="0" y="0"/>
-          <a:chExt cx="0" cy="0"/>
-        </a:xfrm>
-      </p:grpSpPr>
-      <p:sp>
-        <p:nvSpPr>
-          <p:cNvPr id="2" name="Titel 1">
-            <a:extLst>
-              <a:ext uri="{FF2B5EF4-FFF2-40B4-BE49-F238E27FC236}">
-                <a16:creationId xmlns:a16="http://schemas.microsoft.com/office/drawing/2014/main" id="{09CEE31A-91AB-49FD-AC6A-B961244274D3}"/>
-              </a:ext>
-            </a:extLst>
-          </p:cNvPr>
-          <p:cNvSpPr>
-            <a:spLocks noGrp="1"/>
-          </p:cNvSpPr>
-          <p:nvPr>
-            <p:ph type="title"/>
-          </p:nvPr>
-        </p:nvSpPr>
-        <p:spPr/>
-        <p:txBody>
-          <a:bodyPr/>
-          <a:lstStyle/>
-          <a:p>
-            <a:r>
-              <a:rPr lang="de-DE" dirty="0"/>
-              <a:t>Next </a:t>
-            </a:r>
-            <a:r>
-              <a:rPr lang="de-DE" dirty="0" err="1"/>
-              <a:t>steps</a:t>
-            </a:r>
-            <a:endParaRPr lang="en-GB" dirty="0"/>
-          </a:p>
-        </p:txBody>
-      </p:sp>
-      <p:sp>
-        <p:nvSpPr>
-          <p:cNvPr id="3" name="Textplatzhalter 2">
-            <a:extLst>
-              <a:ext uri="{FF2B5EF4-FFF2-40B4-BE49-F238E27FC236}">
-                <a16:creationId xmlns:a16="http://schemas.microsoft.com/office/drawing/2014/main" id="{3A0AB0FC-9646-4FE5-AF7D-9A1EB4DBDDD4}"/>
-              </a:ext>
-            </a:extLst>
-          </p:cNvPr>
-          <p:cNvSpPr>
-            <a:spLocks noGrp="1"/>
-          </p:cNvSpPr>
-          <p:nvPr>
-            <p:ph type="body" sz="quarter" idx="13"/>
-          </p:nvPr>
-        </p:nvSpPr>
-        <p:spPr/>
-        <p:txBody>
-          <a:bodyPr/>
-          <a:lstStyle/>
-          <a:p>
-            <a:endParaRPr lang="en-GB" dirty="0"/>
-          </a:p>
-        </p:txBody>
-      </p:sp>
-      <p:sp>
-        <p:nvSpPr>
-          <p:cNvPr id="4" name="Inhaltsplatzhalter 3">
-            <a:extLst>
-              <a:ext uri="{FF2B5EF4-FFF2-40B4-BE49-F238E27FC236}">
-                <a16:creationId xmlns:a16="http://schemas.microsoft.com/office/drawing/2014/main" id="{18487C19-84C0-4653-BDF8-C7E6064750F6}"/>
-              </a:ext>
-            </a:extLst>
-          </p:cNvPr>
-          <p:cNvSpPr>
-            <a:spLocks noGrp="1"/>
-          </p:cNvSpPr>
-          <p:nvPr>
-            <p:ph idx="1"/>
-          </p:nvPr>
-        </p:nvSpPr>
-        <p:spPr/>
-        <p:txBody>
-          <a:bodyPr/>
-          <a:lstStyle/>
-          <a:p>
-            <a:r>
-              <a:rPr lang="de-DE" dirty="0">
-                <a:latin typeface="+mj-lt"/>
-              </a:rPr>
-              <a:t>Goal</a:t>
-            </a:r>
-            <a:endParaRPr lang="en-GB" dirty="0">
-              <a:latin typeface="+mj-lt"/>
-            </a:endParaRPr>
-          </a:p>
-          <a:p>
-            <a:pPr lvl="1"/>
-            <a:r>
-              <a:rPr lang="en-GB" dirty="0">
-                <a:latin typeface="+mj-lt"/>
-              </a:rPr>
-              <a:t>Classifier that is especially good for poems</a:t>
-            </a:r>
-          </a:p>
-          <a:p>
-            <a:pPr marL="234943" lvl="1" indent="0">
-              <a:buNone/>
-            </a:pPr>
-            <a:endParaRPr lang="en-GB" dirty="0">
-              <a:latin typeface="+mj-lt"/>
-            </a:endParaRPr>
-          </a:p>
-          <a:p>
-            <a:r>
-              <a:rPr lang="en-GB" dirty="0">
-                <a:latin typeface="+mj-lt"/>
-              </a:rPr>
-              <a:t>Approaches</a:t>
-            </a:r>
-          </a:p>
-          <a:p>
-            <a:pPr lvl="1"/>
-            <a:r>
-              <a:rPr lang="en-GB" dirty="0">
-                <a:latin typeface="+mj-lt"/>
-              </a:rPr>
-              <a:t>Architecture (</a:t>
-            </a:r>
-            <a:r>
-              <a:rPr lang="en-GB" dirty="0" err="1">
-                <a:latin typeface="+mj-lt"/>
-              </a:rPr>
-              <a:t>MaxEnt</a:t>
-            </a:r>
-            <a:r>
-              <a:rPr lang="en-GB" dirty="0">
-                <a:latin typeface="+mj-lt"/>
-              </a:rPr>
-              <a:t> vs. NN vs. ...) </a:t>
-            </a:r>
-          </a:p>
-          <a:p>
-            <a:pPr lvl="1"/>
-            <a:r>
-              <a:rPr lang="en-GB" dirty="0">
-                <a:latin typeface="+mj-lt"/>
-              </a:rPr>
-              <a:t>Features (stanzas/verses/rhymes/...)</a:t>
-            </a:r>
-          </a:p>
-          <a:p>
-            <a:pPr lvl="1"/>
-            <a:endParaRPr lang="en-GB" dirty="0">
-              <a:latin typeface="+mj-lt"/>
-            </a:endParaRPr>
-          </a:p>
-          <a:p>
-            <a:r>
-              <a:rPr lang="en-GB" dirty="0">
-                <a:latin typeface="+mj-lt"/>
-              </a:rPr>
-              <a:t>Division</a:t>
-            </a:r>
-          </a:p>
-          <a:p>
-            <a:pPr lvl="1"/>
-            <a:r>
-              <a:rPr lang="en-GB" dirty="0">
-                <a:latin typeface="+mj-lt"/>
-              </a:rPr>
-              <a:t>Kati experiments with NN</a:t>
-            </a:r>
-          </a:p>
-          <a:p>
-            <a:pPr lvl="1"/>
-            <a:r>
-              <a:rPr lang="en-GB" dirty="0">
-                <a:latin typeface="+mj-lt"/>
-              </a:rPr>
-              <a:t>Carlotta searches for poetry-specific features</a:t>
-            </a:r>
-          </a:p>
-        </p:txBody>
-      </p:sp>
-      <p:sp>
-        <p:nvSpPr>
-          <p:cNvPr id="5" name="Foliennummernplatzhalter 4">
-            <a:extLst>
-              <a:ext uri="{FF2B5EF4-FFF2-40B4-BE49-F238E27FC236}">
-                <a16:creationId xmlns:a16="http://schemas.microsoft.com/office/drawing/2014/main" id="{8A95AC79-56F5-42C6-B760-FAEFB0281F72}"/>
-              </a:ext>
-            </a:extLst>
-          </p:cNvPr>
-          <p:cNvSpPr>
-            <a:spLocks noGrp="1"/>
-          </p:cNvSpPr>
-          <p:nvPr>
-            <p:ph type="sldNum" sz="quarter" idx="12"/>
-          </p:nvPr>
-        </p:nvSpPr>
-        <p:spPr/>
-        <p:txBody>
-          <a:bodyPr/>
-          <a:lstStyle/>
-          <a:p>
-            <a:fld id="{54518C2F-5E54-4CF8-B37A-4631A050CED9}" type="slidenum">
-              <a:rPr lang="de-DE" smtClean="0"/>
-              <a:pPr/>
-              <a:t>9</a:t>
-            </a:fld>
-            <a:endParaRPr lang="de-DE" dirty="0"/>
-          </a:p>
-        </p:txBody>
-      </p:sp>
-      <p:sp>
-        <p:nvSpPr>
-          <p:cNvPr id="6" name="Fußzeilenplatzhalter 5">
-            <a:extLst>
-              <a:ext uri="{FF2B5EF4-FFF2-40B4-BE49-F238E27FC236}">
-                <a16:creationId xmlns:a16="http://schemas.microsoft.com/office/drawing/2014/main" id="{748912F1-D610-4729-AEEE-9675D89A0F12}"/>
-              </a:ext>
-            </a:extLst>
-          </p:cNvPr>
-          <p:cNvSpPr>
-            <a:spLocks noGrp="1"/>
-          </p:cNvSpPr>
-          <p:nvPr>
-            <p:ph type="ftr" sz="quarter" idx="11"/>
-          </p:nvPr>
-        </p:nvSpPr>
-        <p:spPr/>
-        <p:txBody>
-          <a:bodyPr/>
-          <a:lstStyle/>
-          <a:p>
-            <a:r>
-              <a:rPr lang="de-DE"/>
-              <a:t>Team Lab NLP | Author Classification in Poetry		Katrin Schmidt – Carlotta Quensel</a:t>
-            </a:r>
-            <a:endParaRPr lang="de-DE" dirty="0"/>
-          </a:p>
-        </p:txBody>
-      </p:sp>
-    </p:spTree>
-    <p:extLst>
-      <p:ext uri="{BB962C8B-B14F-4D97-AF65-F5344CB8AC3E}">
-        <p14:creationId xmlns:p14="http://schemas.microsoft.com/office/powerpoint/2010/main" val="3416307102"/>
-      </p:ext>
-    </p:extLst>
-  </p:cSld>
-  <p:clrMapOvr>
-    <a:masterClrMapping/>
-  </p:clrMapOvr>
 </p:sld>
 </file>
 

--- a/reports/TeamLab-presentation.pptx
+++ b/reports/TeamLab-presentation.pptx
@@ -26345,8 +26345,8 @@
           <a:chExt cx="0" cy="0"/>
         </a:xfrm>
       </p:grpSpPr>
-      <mc:AlternateContent xmlns:mc="http://schemas.openxmlformats.org/markup-compatibility/2006">
-        <mc:Choice xmlns:a14="http://schemas.microsoft.com/office/drawing/2010/main" Requires="a14">
+      <mc:AlternateContent xmlns:mc="http://schemas.openxmlformats.org/markup-compatibility/2006" xmlns:a14="http://schemas.microsoft.com/office/drawing/2010/main">
+        <mc:Choice Requires="a14">
           <p:sp>
             <p:nvSpPr>
               <p:cNvPr id="4" name="Inhaltsplatzhalter 3">
@@ -26755,7 +26755,7 @@
             </p:txBody>
           </p:sp>
         </mc:Choice>
-        <mc:Fallback>
+        <mc:Fallback xmlns="">
           <p:sp>
             <p:nvSpPr>
               <p:cNvPr id="4" name="Inhaltsplatzhalter 3">
@@ -26932,8 +26932,8 @@
           </a:p>
         </p:txBody>
       </p:sp>
-      <mc:AlternateContent xmlns:mc="http://schemas.openxmlformats.org/markup-compatibility/2006">
-        <mc:Choice xmlns:a14="http://schemas.microsoft.com/office/drawing/2010/main" Requires="a14">
+      <mc:AlternateContent xmlns:mc="http://schemas.openxmlformats.org/markup-compatibility/2006" xmlns:a14="http://schemas.microsoft.com/office/drawing/2010/main">
+        <mc:Choice Requires="a14">
           <p:sp>
             <p:nvSpPr>
               <p:cNvPr id="2" name="Textfeld 1">
@@ -27412,7 +27412,7 @@
             </p:txBody>
           </p:sp>
         </mc:Choice>
-        <mc:Fallback>
+        <mc:Fallback xmlns="">
           <p:sp>
             <p:nvSpPr>
               <p:cNvPr id="2" name="Textfeld 1">
@@ -28712,8 +28712,8 @@
             </a:fontRef>
           </p:style>
         </p:sp>
-        <mc:AlternateContent xmlns:mc="http://schemas.openxmlformats.org/markup-compatibility/2006">
-          <mc:Choice xmlns:a14="http://schemas.microsoft.com/office/drawing/2010/main" Requires="a14">
+        <mc:AlternateContent xmlns:mc="http://schemas.openxmlformats.org/markup-compatibility/2006" xmlns:a14="http://schemas.microsoft.com/office/drawing/2010/main">
+          <mc:Choice Requires="a14">
             <p:sp>
               <p:nvSpPr>
                 <p:cNvPr id="24" name="Rechteck: abgerundete Ecken 4">
@@ -28867,7 +28867,7 @@
               </p:txBody>
             </p:sp>
           </mc:Choice>
-          <mc:Fallback>
+          <mc:Fallback xmlns="">
             <p:sp>
               <p:nvSpPr>
                 <p:cNvPr id="24" name="Rechteck: abgerundete Ecken 4">

--- a/reports/TeamLab-presentation.pptx
+++ b/reports/TeamLab-presentation.pptx
@@ -1257,7 +1257,7 @@
   <dgm:whole/>
   <dgm:extLst>
     <a:ext uri="http://schemas.microsoft.com/office/drawing/2008/diagram">
-      <dsp:dataModelExt xmlns:dsp="http://schemas.microsoft.com/office/drawing/2008/diagram" relId="rId6" minVer="http://schemas.openxmlformats.org/drawingml/2006/diagram"/>
+      <dsp:dataModelExt xmlns:dsp="http://schemas.microsoft.com/office/drawing/2008/diagram" relId="rId7" minVer="http://schemas.openxmlformats.org/drawingml/2006/diagram"/>
     </a:ext>
   </dgm:extLst>
 </dgm:dataModel>
@@ -2957,7 +2957,7 @@
           <a:p>
             <a:fld id="{322CBE9C-AAEB-46BF-9047-18B3831519BE}" type="datetimeFigureOut">
               <a:rPr lang="de-DE" smtClean="0"/>
-              <a:t>06.06.2021</a:t>
+              <a:t>07.06.2021</a:t>
             </a:fld>
             <a:endParaRPr lang="de-DE"/>
           </a:p>
@@ -27856,7 +27856,7 @@
         </p:xfrm>
         <a:graphic>
           <a:graphicData uri="http://schemas.openxmlformats.org/drawingml/2006/diagram">
-            <dgm:relIds xmlns:dgm="http://schemas.openxmlformats.org/drawingml/2006/diagram" xmlns:r="http://schemas.openxmlformats.org/officeDocument/2006/relationships" r:dm="rId2" r:lo="rId3" r:qs="rId4" r:cs="rId5"/>
+            <dgm:relIds xmlns:dgm="http://schemas.openxmlformats.org/drawingml/2006/diagram" xmlns:r="http://schemas.openxmlformats.org/officeDocument/2006/relationships" r:dm="rId3" r:lo="rId4" r:qs="rId5" r:cs="rId6"/>
           </a:graphicData>
         </a:graphic>
       </p:graphicFrame>
@@ -28891,7 +28891,7 @@
                   <a:avLst/>
                 </a:prstGeom>
                 <a:blipFill>
-                  <a:blip r:embed="rId7"/>
+                  <a:blip r:embed="rId8"/>
                   <a:stretch>
                     <a:fillRect l="-820"/>
                   </a:stretch>
@@ -28914,6 +28914,9 @@
         </mc:AlternateContent>
       </p:grpSp>
     </p:spTree>
+    <p:custDataLst>
+      <p:tags r:id="rId1"/>
+    </p:custDataLst>
     <p:extLst>
       <p:ext uri="{BB962C8B-B14F-4D97-AF65-F5344CB8AC3E}">
         <p14:creationId xmlns:p14="http://schemas.microsoft.com/office/powerpoint/2010/main" val="3417434709"/>
@@ -29334,7 +29337,7 @@
           <p:nvPr/>
         </p:nvPicPr>
         <p:blipFill>
-          <a:blip r:embed="rId2">
+          <a:blip r:embed="rId3">
             <a:extLst>
               <a:ext uri="{28A0092B-C50C-407E-A947-70E740481C1C}">
                 <a14:useLocalDpi xmlns:a14="http://schemas.microsoft.com/office/drawing/2010/main" val="0"/>
@@ -29526,6 +29529,9 @@
         </p:txBody>
       </p:sp>
     </p:spTree>
+    <p:custDataLst>
+      <p:tags r:id="rId1"/>
+    </p:custDataLst>
     <p:extLst>
       <p:ext uri="{BB962C8B-B14F-4D97-AF65-F5344CB8AC3E}">
         <p14:creationId xmlns:p14="http://schemas.microsoft.com/office/powerpoint/2010/main" val="2266496902"/>
@@ -29988,6 +29994,9 @@
         </p:txBody>
       </p:sp>
     </p:spTree>
+    <p:custDataLst>
+      <p:tags r:id="rId1"/>
+    </p:custDataLst>
     <p:extLst>
       <p:ext uri="{BB962C8B-B14F-4D97-AF65-F5344CB8AC3E}">
         <p14:creationId xmlns:p14="http://schemas.microsoft.com/office/powerpoint/2010/main" val="2699207316"/>
@@ -30555,6 +30564,9 @@
         </p:txBody>
       </p:sp>
     </p:spTree>
+    <p:custDataLst>
+      <p:tags r:id="rId1"/>
+    </p:custDataLst>
     <p:extLst>
       <p:ext uri="{BB962C8B-B14F-4D97-AF65-F5344CB8AC3E}">
         <p14:creationId xmlns:p14="http://schemas.microsoft.com/office/powerpoint/2010/main" val="3416307102"/>
@@ -30786,6 +30798,30 @@
     </p:tnLst>
   </p:timing>
 </p:sld>
+</file>
+
+<file path=ppt/tags/tag1.xml><?xml version="1.0" encoding="utf-8"?>
+<p:tagLst xmlns:a="http://schemas.openxmlformats.org/drawingml/2006/main" xmlns:r="http://schemas.openxmlformats.org/officeDocument/2006/relationships" xmlns:p="http://schemas.openxmlformats.org/presentationml/2006/main">
+  <p:tag name="TIMING" val="|7.8|2|2.5|2.3|6"/>
+</p:tagLst>
+</file>
+
+<file path=ppt/tags/tag2.xml><?xml version="1.0" encoding="utf-8"?>
+<p:tagLst xmlns:a="http://schemas.openxmlformats.org/drawingml/2006/main" xmlns:r="http://schemas.openxmlformats.org/officeDocument/2006/relationships" xmlns:p="http://schemas.openxmlformats.org/presentationml/2006/main">
+  <p:tag name="TIMING" val="|8.7|7.6"/>
+</p:tagLst>
+</file>
+
+<file path=ppt/tags/tag3.xml><?xml version="1.0" encoding="utf-8"?>
+<p:tagLst xmlns:a="http://schemas.openxmlformats.org/drawingml/2006/main" xmlns:r="http://schemas.openxmlformats.org/officeDocument/2006/relationships" xmlns:p="http://schemas.openxmlformats.org/presentationml/2006/main">
+  <p:tag name="TIMING" val="|5.1|12.6|16.5"/>
+</p:tagLst>
+</file>
+
+<file path=ppt/tags/tag4.xml><?xml version="1.0" encoding="utf-8"?>
+<p:tagLst xmlns:a="http://schemas.openxmlformats.org/drawingml/2006/main" xmlns:r="http://schemas.openxmlformats.org/officeDocument/2006/relationships" xmlns:p="http://schemas.openxmlformats.org/presentationml/2006/main">
+  <p:tag name="TIMING" val="|6|10.7"/>
+</p:tagLst>
 </file>
 
 <file path=ppt/theme/theme1.xml><?xml version="1.0" encoding="utf-8"?>

--- a/reports/TeamLab-presentation.pptx
+++ b/reports/TeamLab-presentation.pptx
@@ -4392,6 +4392,217 @@
           <a:bodyPr/>
           <a:lstStyle/>
           <a:p>
+            <a:r>
+              <a:rPr lang="de-DE" dirty="0" err="1"/>
+              <a:t>We</a:t>
+            </a:r>
+            <a:r>
+              <a:rPr lang="de-DE" dirty="0"/>
+              <a:t> </a:t>
+            </a:r>
+            <a:r>
+              <a:rPr lang="de-DE" dirty="0" err="1"/>
+              <a:t>extend</a:t>
+            </a:r>
+            <a:r>
+              <a:rPr lang="de-DE" dirty="0"/>
+              <a:t> </a:t>
+            </a:r>
+            <a:r>
+              <a:rPr lang="de-DE" dirty="0" err="1"/>
+              <a:t>the</a:t>
+            </a:r>
+            <a:r>
+              <a:rPr lang="de-DE" dirty="0"/>
+              <a:t> </a:t>
+            </a:r>
+            <a:r>
+              <a:rPr lang="de-DE" dirty="0" err="1"/>
+              <a:t>features</a:t>
+            </a:r>
+            <a:r>
+              <a:rPr lang="de-DE" dirty="0"/>
+              <a:t> </a:t>
+            </a:r>
+            <a:r>
+              <a:rPr lang="de-DE" dirty="0" err="1"/>
+              <a:t>to</a:t>
+            </a:r>
+            <a:r>
+              <a:rPr lang="de-DE" dirty="0"/>
+              <a:t> </a:t>
+            </a:r>
+            <a:r>
+              <a:rPr lang="de-DE" dirty="0" err="1"/>
+              <a:t>literary</a:t>
+            </a:r>
+            <a:r>
+              <a:rPr lang="de-DE" dirty="0"/>
+              <a:t> </a:t>
+            </a:r>
+            <a:r>
+              <a:rPr lang="de-DE" dirty="0" err="1"/>
+              <a:t>devices</a:t>
+            </a:r>
+            <a:endParaRPr lang="de-DE" dirty="0"/>
+          </a:p>
+          <a:p>
+            <a:pPr marL="171450" indent="-171450">
+              <a:buFontTx/>
+              <a:buChar char="-"/>
+            </a:pPr>
+            <a:r>
+              <a:rPr lang="de-DE" dirty="0" err="1"/>
+              <a:t>Because</a:t>
+            </a:r>
+            <a:r>
+              <a:rPr lang="de-DE" dirty="0"/>
+              <a:t> </a:t>
+            </a:r>
+            <a:r>
+              <a:rPr lang="de-DE" dirty="0" err="1"/>
+              <a:t>these</a:t>
+            </a:r>
+            <a:r>
+              <a:rPr lang="de-DE" dirty="0"/>
+              <a:t> </a:t>
+            </a:r>
+            <a:r>
+              <a:rPr lang="de-DE" dirty="0" err="1"/>
+              <a:t>features</a:t>
+            </a:r>
+            <a:r>
+              <a:rPr lang="de-DE" dirty="0"/>
+              <a:t> </a:t>
+            </a:r>
+            <a:r>
+              <a:rPr lang="de-DE" dirty="0" err="1"/>
+              <a:t>have</a:t>
+            </a:r>
+            <a:r>
+              <a:rPr lang="de-DE" dirty="0"/>
+              <a:t> </a:t>
+            </a:r>
+            <a:r>
+              <a:rPr lang="de-DE" dirty="0" err="1"/>
+              <a:t>less</a:t>
+            </a:r>
+            <a:r>
+              <a:rPr lang="de-DE" dirty="0"/>
+              <a:t> </a:t>
+            </a:r>
+            <a:r>
+              <a:rPr lang="de-DE" dirty="0" err="1"/>
+              <a:t>variation</a:t>
+            </a:r>
+            <a:r>
+              <a:rPr lang="de-DE" dirty="0"/>
+              <a:t> </a:t>
+            </a:r>
+            <a:r>
+              <a:rPr lang="de-DE" dirty="0" err="1"/>
+              <a:t>we</a:t>
+            </a:r>
+            <a:r>
+              <a:rPr lang="de-DE" dirty="0"/>
+              <a:t> will also </a:t>
+            </a:r>
+            <a:r>
+              <a:rPr lang="de-DE" dirty="0" err="1"/>
+              <a:t>look</a:t>
+            </a:r>
+            <a:r>
+              <a:rPr lang="de-DE" dirty="0"/>
+              <a:t> at non-linear </a:t>
+            </a:r>
+            <a:r>
+              <a:rPr lang="de-DE" dirty="0" err="1"/>
+              <a:t>classification</a:t>
+            </a:r>
+            <a:endParaRPr lang="en-GB" dirty="0"/>
+          </a:p>
+        </p:txBody>
+      </p:sp>
+      <p:sp>
+        <p:nvSpPr>
+          <p:cNvPr id="4" name="Foliennummernplatzhalter 3"/>
+          <p:cNvSpPr>
+            <a:spLocks noGrp="1"/>
+          </p:cNvSpPr>
+          <p:nvPr>
+            <p:ph type="sldNum" sz="quarter" idx="5"/>
+          </p:nvPr>
+        </p:nvSpPr>
+        <p:spPr/>
+        <p:txBody>
+          <a:bodyPr/>
+          <a:lstStyle/>
+          <a:p>
+            <a:fld id="{5D32D79F-5F1C-4022-A95E-5F41D14F0F12}" type="slidenum">
+              <a:rPr lang="de-DE" smtClean="0"/>
+              <a:t>9</a:t>
+            </a:fld>
+            <a:endParaRPr lang="de-DE"/>
+          </a:p>
+        </p:txBody>
+      </p:sp>
+    </p:spTree>
+    <p:extLst>
+      <p:ext uri="{BB962C8B-B14F-4D97-AF65-F5344CB8AC3E}">
+        <p14:creationId xmlns:p14="http://schemas.microsoft.com/office/powerpoint/2010/main" val="3833485316"/>
+      </p:ext>
+    </p:extLst>
+  </p:cSld>
+  <p:clrMapOvr>
+    <a:masterClrMapping/>
+  </p:clrMapOvr>
+</p:notes>
+</file>
+
+<file path=ppt/notesSlides/notesSlide6.xml><?xml version="1.0" encoding="utf-8"?>
+<p:notes xmlns:a="http://schemas.openxmlformats.org/drawingml/2006/main" xmlns:r="http://schemas.openxmlformats.org/officeDocument/2006/relationships" xmlns:p="http://schemas.openxmlformats.org/presentationml/2006/main">
+  <p:cSld>
+    <p:spTree>
+      <p:nvGrpSpPr>
+        <p:cNvPr id="1" name=""/>
+        <p:cNvGrpSpPr/>
+        <p:nvPr/>
+      </p:nvGrpSpPr>
+      <p:grpSpPr>
+        <a:xfrm>
+          <a:off x="0" y="0"/>
+          <a:ext cx="0" cy="0"/>
+          <a:chOff x="0" y="0"/>
+          <a:chExt cx="0" cy="0"/>
+        </a:xfrm>
+      </p:grpSpPr>
+      <p:sp>
+        <p:nvSpPr>
+          <p:cNvPr id="2" name="Folienbildplatzhalter 1"/>
+          <p:cNvSpPr>
+            <a:spLocks noGrp="1" noRot="1" noChangeAspect="1"/>
+          </p:cNvSpPr>
+          <p:nvPr>
+            <p:ph type="sldImg"/>
+          </p:nvPr>
+        </p:nvSpPr>
+        <p:spPr/>
+      </p:sp>
+      <p:sp>
+        <p:nvSpPr>
+          <p:cNvPr id="3" name="Notizenplatzhalter 2"/>
+          <p:cNvSpPr>
+            <a:spLocks noGrp="1"/>
+          </p:cNvSpPr>
+          <p:nvPr>
+            <p:ph type="body" idx="1"/>
+          </p:nvPr>
+        </p:nvSpPr>
+        <p:spPr/>
+        <p:txBody>
+          <a:bodyPr/>
+          <a:lstStyle/>
+          <a:p>
             <a:endParaRPr lang="en-GB" dirty="0"/>
           </a:p>
         </p:txBody>
@@ -30438,69 +30649,152 @@
           <a:lstStyle/>
           <a:p>
             <a:r>
-              <a:rPr lang="de-DE" dirty="0">
+              <a:rPr lang="de-DE" sz="2000" dirty="0">
                 <a:latin typeface="+mj-lt"/>
               </a:rPr>
-              <a:t>Goal</a:t>
-            </a:r>
-            <a:endParaRPr lang="en-GB" dirty="0">
+              <a:t>Research Question</a:t>
+            </a:r>
+            <a:endParaRPr lang="en-GB" sz="2000" dirty="0">
               <a:latin typeface="+mj-lt"/>
             </a:endParaRPr>
           </a:p>
           <a:p>
-            <a:pPr lvl="1"/>
-            <a:r>
-              <a:rPr lang="en-GB" dirty="0">
+            <a:pPr lvl="1">
+              <a:buFont typeface="Webdings" panose="05030102010509060703" pitchFamily="18" charset="2"/>
+              <a:buChar char="s"/>
+            </a:pPr>
+            <a:r>
+              <a:rPr lang="en-GB" sz="2000" dirty="0">
                 <a:latin typeface="+mj-lt"/>
               </a:rPr>
-              <a:t>Classifier that is especially good for poems</a:t>
-            </a:r>
-          </a:p>
-          <a:p>
-            <a:pPr marL="234943" lvl="1" indent="0">
-              <a:buNone/>
+              <a:t>Which features are inherent to poetry writers</a:t>
+            </a:r>
+          </a:p>
+          <a:p>
+            <a:pPr lvl="1">
+              <a:buFont typeface="Webdings" panose="05030102010509060703" pitchFamily="18" charset="2"/>
+              <a:buChar char="s"/>
             </a:pPr>
-            <a:endParaRPr lang="en-GB" dirty="0">
+            <a:r>
+              <a:rPr lang="en-GB" sz="2000" dirty="0">
+                <a:latin typeface="+mj-lt"/>
+              </a:rPr>
+              <a:t>Are there inter-dependencies between the features </a:t>
+            </a:r>
+          </a:p>
+          <a:p>
+            <a:pPr lvl="1">
+              <a:buFont typeface="Webdings" panose="05030102010509060703" pitchFamily="18" charset="2"/>
+              <a:buChar char="s"/>
+            </a:pPr>
+            <a:endParaRPr lang="en-GB" sz="2000" dirty="0">
               <a:latin typeface="+mj-lt"/>
             </a:endParaRPr>
           </a:p>
           <a:p>
             <a:r>
-              <a:rPr lang="en-GB" dirty="0">
+              <a:rPr lang="en-GB" sz="2000" dirty="0">
                 <a:latin typeface="+mj-lt"/>
               </a:rPr>
-              <a:t>Approaches</a:t>
+              <a:t>Advanced method</a:t>
             </a:r>
           </a:p>
           <a:p>
             <a:pPr lvl="1"/>
             <a:r>
-              <a:rPr lang="en-GB" dirty="0">
+              <a:rPr lang="en-GB" sz="2000" dirty="0">
                 <a:latin typeface="+mj-lt"/>
               </a:rPr>
-              <a:t>Architecture (</a:t>
-            </a:r>
-            <a:r>
-              <a:rPr lang="en-GB" dirty="0" err="1">
+              <a:t>Extending the features		</a:t>
+            </a:r>
+            <a:r>
+              <a:rPr lang="en-GB" sz="2000" dirty="0">
+                <a:sym typeface="Wingdings" panose="05000000000000000000" pitchFamily="2" charset="2"/>
+              </a:rPr>
+              <a:t> </a:t>
+            </a:r>
+            <a:r>
+              <a:rPr lang="en-GB" sz="2000" dirty="0">
+                <a:latin typeface="+mj-lt"/>
+                <a:sym typeface="Wingdings" panose="05000000000000000000" pitchFamily="2" charset="2"/>
+              </a:rPr>
+              <a:t>until 07/05</a:t>
+            </a:r>
+            <a:endParaRPr lang="en-GB" sz="2000" dirty="0">
+              <a:latin typeface="+mj-lt"/>
+            </a:endParaRPr>
+          </a:p>
+          <a:p>
+            <a:pPr lvl="2"/>
+            <a:r>
+              <a:rPr lang="en-GB" sz="2000" dirty="0">
                 <a:latin typeface="+mj-lt"/>
               </a:rPr>
-              <a:t>MaxEnt</a:t>
-            </a:r>
-            <a:r>
-              <a:rPr lang="en-GB" dirty="0">
+              <a:t>Number of stanzas and verses	</a:t>
+            </a:r>
+            <a:r>
+              <a:rPr lang="en-GB" sz="2000" dirty="0">
+                <a:latin typeface="+mj-lt"/>
+                <a:sym typeface="Wingdings" panose="05000000000000000000" pitchFamily="2" charset="2"/>
+              </a:rPr>
+              <a:t> Katrin</a:t>
+            </a:r>
+            <a:endParaRPr lang="en-GB" sz="2000" dirty="0">
+              <a:latin typeface="+mj-lt"/>
+            </a:endParaRPr>
+          </a:p>
+          <a:p>
+            <a:pPr lvl="2"/>
+            <a:r>
+              <a:rPr lang="en-GB" sz="2000" dirty="0">
                 <a:latin typeface="+mj-lt"/>
               </a:rPr>
-              <a:t> vs. NN vs. ...) </a:t>
-            </a:r>
+              <a:t>Rhyming and rhyme schemes	</a:t>
+            </a:r>
+            <a:r>
+              <a:rPr lang="en-GB" sz="2000" dirty="0">
+                <a:latin typeface="+mj-lt"/>
+                <a:sym typeface="Wingdings" panose="05000000000000000000" pitchFamily="2" charset="2"/>
+              </a:rPr>
+              <a:t> Carlotta</a:t>
+            </a:r>
+            <a:endParaRPr lang="en-GB" sz="2000" dirty="0">
+              <a:latin typeface="+mj-lt"/>
+            </a:endParaRPr>
           </a:p>
           <a:p>
             <a:pPr lvl="1"/>
             <a:r>
-              <a:rPr lang="en-GB" dirty="0">
+              <a:rPr lang="en-GB" sz="2000" dirty="0">
                 <a:latin typeface="+mj-lt"/>
               </a:rPr>
-              <a:t>Features (stanzas/verses/rhymes/...)</a:t>
-            </a:r>
+              <a:t>Non-linear model for sparse features and interaction</a:t>
+            </a:r>
+          </a:p>
+          <a:p>
+            <a:pPr lvl="2"/>
+            <a:r>
+              <a:rPr lang="en-GB" sz="2000" dirty="0">
+                <a:latin typeface="+mj-lt"/>
+              </a:rPr>
+              <a:t>Multi-layer NN			</a:t>
+            </a:r>
+            <a:r>
+              <a:rPr lang="en-GB" sz="2000" dirty="0">
+                <a:sym typeface="Wingdings" panose="05000000000000000000" pitchFamily="2" charset="2"/>
+              </a:rPr>
+              <a:t> </a:t>
+            </a:r>
+            <a:r>
+              <a:rPr lang="en-GB" sz="2000" dirty="0">
+                <a:latin typeface="+mj-lt"/>
+                <a:sym typeface="Wingdings" panose="05000000000000000000" pitchFamily="2" charset="2"/>
+              </a:rPr>
+              <a:t>until 07/12</a:t>
+            </a:r>
+            <a:endParaRPr lang="en-GB" sz="2000" dirty="0">
+              <a:latin typeface="+mj-lt"/>
+            </a:endParaRPr>
           </a:p>
         </p:txBody>
       </p:sp>
@@ -30658,33 +30952,15 @@
                                   </p:childTnLst>
                                 </p:cTn>
                               </p:par>
-                            </p:childTnLst>
-                          </p:cTn>
-                        </p:par>
-                      </p:childTnLst>
-                    </p:cTn>
-                  </p:par>
-                  <p:par>
-                    <p:cTn id="9" fill="hold">
-                      <p:stCondLst>
-                        <p:cond delay="indefinite"/>
-                      </p:stCondLst>
-                      <p:childTnLst>
-                        <p:par>
-                          <p:cTn id="10" fill="hold">
-                            <p:stCondLst>
-                              <p:cond delay="0"/>
-                            </p:stCondLst>
-                            <p:childTnLst>
                               <p:par>
-                                <p:cTn id="11" presetID="1" presetClass="entr" presetSubtype="0" fill="hold" nodeType="clickEffect">
+                                <p:cTn id="9" presetID="1" presetClass="entr" presetSubtype="0" fill="hold" nodeType="withEffect">
                                   <p:stCondLst>
                                     <p:cond delay="0"/>
                                   </p:stCondLst>
                                   <p:childTnLst>
                                     <p:set>
                                       <p:cBhvr>
-                                        <p:cTn id="12" dur="1" fill="hold">
+                                        <p:cTn id="10" dur="1" fill="hold">
                                           <p:stCondLst>
                                             <p:cond delay="0"/>
                                           </p:stCondLst>
@@ -30692,7 +30968,7 @@
                                         <p:tgtEl>
                                           <p:spTgt spid="4">
                                             <p:txEl>
-                                              <p:pRg st="3" end="3"/>
+                                              <p:pRg st="2" end="2"/>
                                             </p:txEl>
                                           </p:spTgt>
                                         </p:tgtEl>
@@ -30707,8 +30983,26 @@
                                   </p:childTnLst>
                                 </p:cTn>
                               </p:par>
+                            </p:childTnLst>
+                          </p:cTn>
+                        </p:par>
+                      </p:childTnLst>
+                    </p:cTn>
+                  </p:par>
+                  <p:par>
+                    <p:cTn id="11" fill="hold">
+                      <p:stCondLst>
+                        <p:cond delay="indefinite"/>
+                      </p:stCondLst>
+                      <p:childTnLst>
+                        <p:par>
+                          <p:cTn id="12" fill="hold">
+                            <p:stCondLst>
+                              <p:cond delay="0"/>
+                            </p:stCondLst>
+                            <p:childTnLst>
                               <p:par>
-                                <p:cTn id="13" presetID="1" presetClass="entr" presetSubtype="0" fill="hold" nodeType="withEffect">
+                                <p:cTn id="13" presetID="1" presetClass="entr" presetSubtype="0" fill="hold" nodeType="clickEffect">
                                   <p:stCondLst>
                                     <p:cond delay="0"/>
                                   </p:stCondLst>
@@ -30738,15 +31032,33 @@
                                   </p:childTnLst>
                                 </p:cTn>
                               </p:par>
+                            </p:childTnLst>
+                          </p:cTn>
+                        </p:par>
+                      </p:childTnLst>
+                    </p:cTn>
+                  </p:par>
+                  <p:par>
+                    <p:cTn id="15" fill="hold">
+                      <p:stCondLst>
+                        <p:cond delay="indefinite"/>
+                      </p:stCondLst>
+                      <p:childTnLst>
+                        <p:par>
+                          <p:cTn id="16" fill="hold">
+                            <p:stCondLst>
+                              <p:cond delay="0"/>
+                            </p:stCondLst>
+                            <p:childTnLst>
                               <p:par>
-                                <p:cTn id="15" presetID="1" presetClass="entr" presetSubtype="0" fill="hold" nodeType="withEffect">
+                                <p:cTn id="17" presetID="1" presetClass="entr" presetSubtype="0" fill="hold" nodeType="clickEffect">
                                   <p:stCondLst>
                                     <p:cond delay="0"/>
                                   </p:stCondLst>
                                   <p:childTnLst>
                                     <p:set>
                                       <p:cBhvr>
-                                        <p:cTn id="16" dur="1" fill="hold">
+                                        <p:cTn id="18" dur="1" fill="hold">
                                           <p:stCondLst>
                                             <p:cond delay="0"/>
                                           </p:stCondLst>
@@ -30755,6 +31067,148 @@
                                           <p:spTgt spid="4">
                                             <p:txEl>
                                               <p:pRg st="5" end="5"/>
+                                            </p:txEl>
+                                          </p:spTgt>
+                                        </p:tgtEl>
+                                        <p:attrNameLst>
+                                          <p:attrName>style.visibility</p:attrName>
+                                        </p:attrNameLst>
+                                      </p:cBhvr>
+                                      <p:to>
+                                        <p:strVal val="visible"/>
+                                      </p:to>
+                                    </p:set>
+                                  </p:childTnLst>
+                                </p:cTn>
+                              </p:par>
+                              <p:par>
+                                <p:cTn id="19" presetID="1" presetClass="entr" presetSubtype="0" fill="hold" nodeType="withEffect">
+                                  <p:stCondLst>
+                                    <p:cond delay="0"/>
+                                  </p:stCondLst>
+                                  <p:childTnLst>
+                                    <p:set>
+                                      <p:cBhvr>
+                                        <p:cTn id="20" dur="1" fill="hold">
+                                          <p:stCondLst>
+                                            <p:cond delay="0"/>
+                                          </p:stCondLst>
+                                        </p:cTn>
+                                        <p:tgtEl>
+                                          <p:spTgt spid="4">
+                                            <p:txEl>
+                                              <p:pRg st="6" end="6"/>
+                                            </p:txEl>
+                                          </p:spTgt>
+                                        </p:tgtEl>
+                                        <p:attrNameLst>
+                                          <p:attrName>style.visibility</p:attrName>
+                                        </p:attrNameLst>
+                                      </p:cBhvr>
+                                      <p:to>
+                                        <p:strVal val="visible"/>
+                                      </p:to>
+                                    </p:set>
+                                  </p:childTnLst>
+                                </p:cTn>
+                              </p:par>
+                              <p:par>
+                                <p:cTn id="21" presetID="1" presetClass="entr" presetSubtype="0" fill="hold" nodeType="withEffect">
+                                  <p:stCondLst>
+                                    <p:cond delay="0"/>
+                                  </p:stCondLst>
+                                  <p:childTnLst>
+                                    <p:set>
+                                      <p:cBhvr>
+                                        <p:cTn id="22" dur="1" fill="hold">
+                                          <p:stCondLst>
+                                            <p:cond delay="0"/>
+                                          </p:stCondLst>
+                                        </p:cTn>
+                                        <p:tgtEl>
+                                          <p:spTgt spid="4">
+                                            <p:txEl>
+                                              <p:pRg st="7" end="7"/>
+                                            </p:txEl>
+                                          </p:spTgt>
+                                        </p:tgtEl>
+                                        <p:attrNameLst>
+                                          <p:attrName>style.visibility</p:attrName>
+                                        </p:attrNameLst>
+                                      </p:cBhvr>
+                                      <p:to>
+                                        <p:strVal val="visible"/>
+                                      </p:to>
+                                    </p:set>
+                                  </p:childTnLst>
+                                </p:cTn>
+                              </p:par>
+                            </p:childTnLst>
+                          </p:cTn>
+                        </p:par>
+                      </p:childTnLst>
+                    </p:cTn>
+                  </p:par>
+                  <p:par>
+                    <p:cTn id="23" fill="hold">
+                      <p:stCondLst>
+                        <p:cond delay="indefinite"/>
+                      </p:stCondLst>
+                      <p:childTnLst>
+                        <p:par>
+                          <p:cTn id="24" fill="hold">
+                            <p:stCondLst>
+                              <p:cond delay="0"/>
+                            </p:stCondLst>
+                            <p:childTnLst>
+                              <p:par>
+                                <p:cTn id="25" presetID="1" presetClass="entr" presetSubtype="0" fill="hold" nodeType="clickEffect">
+                                  <p:stCondLst>
+                                    <p:cond delay="0"/>
+                                  </p:stCondLst>
+                                  <p:childTnLst>
+                                    <p:set>
+                                      <p:cBhvr>
+                                        <p:cTn id="26" dur="1" fill="hold">
+                                          <p:stCondLst>
+                                            <p:cond delay="0"/>
+                                          </p:stCondLst>
+                                        </p:cTn>
+                                        <p:tgtEl>
+                                          <p:spTgt spid="4">
+                                            <p:txEl>
+                                              <p:pRg st="8" end="8"/>
+                                            </p:txEl>
+                                          </p:spTgt>
+                                        </p:tgtEl>
+                                        <p:attrNameLst>
+                                          <p:attrName>style.visibility</p:attrName>
+                                        </p:attrNameLst>
+                                      </p:cBhvr>
+                                      <p:to>
+                                        <p:strVal val="visible"/>
+                                      </p:to>
+                                    </p:set>
+                                  </p:childTnLst>
+                                </p:cTn>
+                              </p:par>
+                              <p:par>
+                                <p:cTn id="27" presetID="1" presetClass="entr" presetSubtype="0" fill="hold" nodeType="withEffect">
+                                  <p:stCondLst>
+                                    <p:cond delay="0"/>
+                                  </p:stCondLst>
+                                  <p:childTnLst>
+                                    <p:set>
+                                      <p:cBhvr>
+                                        <p:cTn id="28" dur="1" fill="hold">
+                                          <p:stCondLst>
+                                            <p:cond delay="0"/>
+                                          </p:stCondLst>
+                                        </p:cTn>
+                                        <p:tgtEl>
+                                          <p:spTgt spid="4">
+                                            <p:txEl>
+                                              <p:pRg st="9" end="9"/>
                                             </p:txEl>
                                           </p:spTgt>
                                         </p:tgtEl>
